--- a/thesis/Architecture Diagram v2.0.pptx
+++ b/thesis/Architecture Diagram v2.0.pptx
@@ -5,12 +5,14 @@
     <p:sldMasterId id="2147483648" r:id="rId1"/>
   </p:sldMasterIdLst>
   <p:sldIdLst>
-    <p:sldId id="256" r:id="rId2"/>
-    <p:sldId id="259" r:id="rId3"/>
-    <p:sldId id="260" r:id="rId4"/>
-    <p:sldId id="261" r:id="rId5"/>
-    <p:sldId id="257" r:id="rId6"/>
-    <p:sldId id="258" r:id="rId7"/>
+    <p:sldId id="262" r:id="rId2"/>
+    <p:sldId id="263" r:id="rId3"/>
+    <p:sldId id="256" r:id="rId4"/>
+    <p:sldId id="259" r:id="rId5"/>
+    <p:sldId id="260" r:id="rId6"/>
+    <p:sldId id="261" r:id="rId7"/>
+    <p:sldId id="257" r:id="rId8"/>
+    <p:sldId id="258" r:id="rId9"/>
   </p:sldIdLst>
   <p:sldSz cx="12192000" cy="6858000"/>
   <p:notesSz cx="6858000" cy="9144000"/>
@@ -276,7 +278,7 @@
           <a:p>
             <a:fld id="{D55ECC76-8EB5-4363-A59F-0D38F5FF4683}" type="datetimeFigureOut">
               <a:rPr lang="en-US" smtClean="0"/>
-              <a:t>12/27/20</a:t>
+              <a:t>2/13/21</a:t>
             </a:fld>
             <a:endParaRPr lang="en-US"/>
           </a:p>
@@ -474,7 +476,7 @@
           <a:p>
             <a:fld id="{D55ECC76-8EB5-4363-A59F-0D38F5FF4683}" type="datetimeFigureOut">
               <a:rPr lang="en-US" smtClean="0"/>
-              <a:t>12/27/20</a:t>
+              <a:t>2/13/21</a:t>
             </a:fld>
             <a:endParaRPr lang="en-US"/>
           </a:p>
@@ -682,7 +684,7 @@
           <a:p>
             <a:fld id="{D55ECC76-8EB5-4363-A59F-0D38F5FF4683}" type="datetimeFigureOut">
               <a:rPr lang="en-US" smtClean="0"/>
-              <a:t>12/27/20</a:t>
+              <a:t>2/13/21</a:t>
             </a:fld>
             <a:endParaRPr lang="en-US"/>
           </a:p>
@@ -880,7 +882,7 @@
           <a:p>
             <a:fld id="{D55ECC76-8EB5-4363-A59F-0D38F5FF4683}" type="datetimeFigureOut">
               <a:rPr lang="en-US" smtClean="0"/>
-              <a:t>12/27/20</a:t>
+              <a:t>2/13/21</a:t>
             </a:fld>
             <a:endParaRPr lang="en-US"/>
           </a:p>
@@ -1155,7 +1157,7 @@
           <a:p>
             <a:fld id="{D55ECC76-8EB5-4363-A59F-0D38F5FF4683}" type="datetimeFigureOut">
               <a:rPr lang="en-US" smtClean="0"/>
-              <a:t>12/27/20</a:t>
+              <a:t>2/13/21</a:t>
             </a:fld>
             <a:endParaRPr lang="en-US"/>
           </a:p>
@@ -1420,7 +1422,7 @@
           <a:p>
             <a:fld id="{D55ECC76-8EB5-4363-A59F-0D38F5FF4683}" type="datetimeFigureOut">
               <a:rPr lang="en-US" smtClean="0"/>
-              <a:t>12/27/20</a:t>
+              <a:t>2/13/21</a:t>
             </a:fld>
             <a:endParaRPr lang="en-US"/>
           </a:p>
@@ -1832,7 +1834,7 @@
           <a:p>
             <a:fld id="{D55ECC76-8EB5-4363-A59F-0D38F5FF4683}" type="datetimeFigureOut">
               <a:rPr lang="en-US" smtClean="0"/>
-              <a:t>12/27/20</a:t>
+              <a:t>2/13/21</a:t>
             </a:fld>
             <a:endParaRPr lang="en-US"/>
           </a:p>
@@ -1973,7 +1975,7 @@
           <a:p>
             <a:fld id="{D55ECC76-8EB5-4363-A59F-0D38F5FF4683}" type="datetimeFigureOut">
               <a:rPr lang="en-US" smtClean="0"/>
-              <a:t>12/27/20</a:t>
+              <a:t>2/13/21</a:t>
             </a:fld>
             <a:endParaRPr lang="en-US"/>
           </a:p>
@@ -2086,7 +2088,7 @@
           <a:p>
             <a:fld id="{D55ECC76-8EB5-4363-A59F-0D38F5FF4683}" type="datetimeFigureOut">
               <a:rPr lang="en-US" smtClean="0"/>
-              <a:t>12/27/20</a:t>
+              <a:t>2/13/21</a:t>
             </a:fld>
             <a:endParaRPr lang="en-US"/>
           </a:p>
@@ -2397,7 +2399,7 @@
           <a:p>
             <a:fld id="{D55ECC76-8EB5-4363-A59F-0D38F5FF4683}" type="datetimeFigureOut">
               <a:rPr lang="en-US" smtClean="0"/>
-              <a:t>12/27/20</a:t>
+              <a:t>2/13/21</a:t>
             </a:fld>
             <a:endParaRPr lang="en-US"/>
           </a:p>
@@ -2685,7 +2687,7 @@
           <a:p>
             <a:fld id="{D55ECC76-8EB5-4363-A59F-0D38F5FF4683}" type="datetimeFigureOut">
               <a:rPr lang="en-US" smtClean="0"/>
-              <a:t>12/27/20</a:t>
+              <a:t>2/13/21</a:t>
             </a:fld>
             <a:endParaRPr lang="en-US"/>
           </a:p>
@@ -2926,7 +2928,7 @@
           <a:p>
             <a:fld id="{D55ECC76-8EB5-4363-A59F-0D38F5FF4683}" type="datetimeFigureOut">
               <a:rPr lang="en-US" smtClean="0"/>
-              <a:t>12/27/20</a:t>
+              <a:t>2/13/21</a:t>
             </a:fld>
             <a:endParaRPr lang="en-US"/>
           </a:p>
@@ -3345,10 +3347,10 @@
       </p:grpSpPr>
       <p:sp>
         <p:nvSpPr>
-          <p:cNvPr id="5" name="Rectangle 4">
-            <a:extLst>
-              <a:ext uri="{FF2B5EF4-FFF2-40B4-BE49-F238E27FC236}">
-                <a16:creationId xmlns:a16="http://schemas.microsoft.com/office/drawing/2014/main" id="{378A7FC1-4EC5-4D80-981B-BE76701C64D5}"/>
+          <p:cNvPr id="4" name="Rectangle 3">
+            <a:extLst>
+              <a:ext uri="{FF2B5EF4-FFF2-40B4-BE49-F238E27FC236}">
+                <a16:creationId xmlns:a16="http://schemas.microsoft.com/office/drawing/2014/main" id="{A271C967-15A9-044F-8085-C83DFE996217}"/>
               </a:ext>
             </a:extLst>
           </p:cNvPr>
@@ -3357,36 +3359,40 @@
         </p:nvSpPr>
         <p:spPr>
           <a:xfrm>
-            <a:off x="3657600" y="457199"/>
-            <a:ext cx="4465468" cy="5504156"/>
+            <a:off x="9872082" y="2927413"/>
+            <a:ext cx="1890944" cy="1003177"/>
           </a:xfrm>
           <a:prstGeom prst="rect">
             <a:avLst/>
           </a:prstGeom>
           <a:solidFill>
-            <a:schemeClr val="bg1">
-              <a:lumMod val="95000"/>
+            <a:schemeClr val="accent4">
+              <a:lumMod val="20000"/>
+              <a:lumOff val="80000"/>
             </a:schemeClr>
           </a:solidFill>
+          <a:ln>
+            <a:noFill/>
+          </a:ln>
         </p:spPr>
         <p:style>
           <a:lnRef idx="2">
-            <a:schemeClr val="accent1">
+            <a:schemeClr val="dk1">
               <a:shade val="50000"/>
             </a:schemeClr>
           </a:lnRef>
           <a:fillRef idx="1">
-            <a:schemeClr val="accent1"/>
+            <a:schemeClr val="dk1"/>
           </a:fillRef>
           <a:effectRef idx="0">
-            <a:schemeClr val="accent1"/>
+            <a:schemeClr val="dk1"/>
           </a:effectRef>
           <a:fontRef idx="minor">
             <a:schemeClr val="lt1"/>
           </a:fontRef>
         </p:style>
         <p:txBody>
-          <a:bodyPr rtlCol="0" anchor="t" anchorCtr="0"/>
+          <a:bodyPr rtlCol="0" anchor="ctr"/>
           <a:lstStyle/>
           <a:p>
             <a:pPr algn="ctr"/>
@@ -3396,7 +3402,74 @@
                   <a:schemeClr val="tx1"/>
                 </a:solidFill>
               </a:rPr>
-              <a:t>JAVA APPLICATION</a:t>
+              <a:t>HDFS</a:t>
+            </a:r>
+          </a:p>
+        </p:txBody>
+      </p:sp>
+      <p:sp>
+        <p:nvSpPr>
+          <p:cNvPr id="5" name="Rectangle 4">
+            <a:extLst>
+              <a:ext uri="{FF2B5EF4-FFF2-40B4-BE49-F238E27FC236}">
+                <a16:creationId xmlns:a16="http://schemas.microsoft.com/office/drawing/2014/main" id="{76188384-87BF-ED4B-820E-A58A549056C4}"/>
+              </a:ext>
+            </a:extLst>
+          </p:cNvPr>
+          <p:cNvSpPr/>
+          <p:nvPr/>
+        </p:nvSpPr>
+        <p:spPr>
+          <a:xfrm>
+            <a:off x="493123" y="2927411"/>
+            <a:ext cx="1890944" cy="1003177"/>
+          </a:xfrm>
+          <a:prstGeom prst="rect">
+            <a:avLst/>
+          </a:prstGeom>
+          <a:solidFill>
+            <a:srgbClr val="92D050"/>
+          </a:solidFill>
+          <a:ln>
+            <a:noFill/>
+          </a:ln>
+        </p:spPr>
+        <p:style>
+          <a:lnRef idx="2">
+            <a:schemeClr val="dk1">
+              <a:shade val="50000"/>
+            </a:schemeClr>
+          </a:lnRef>
+          <a:fillRef idx="1">
+            <a:schemeClr val="dk1"/>
+          </a:fillRef>
+          <a:effectRef idx="0">
+            <a:schemeClr val="dk1"/>
+          </a:effectRef>
+          <a:fontRef idx="minor">
+            <a:schemeClr val="lt1"/>
+          </a:fontRef>
+        </p:style>
+        <p:txBody>
+          <a:bodyPr rtlCol="0" anchor="ctr"/>
+          <a:lstStyle/>
+          <a:p>
+            <a:pPr algn="ctr"/>
+            <a:r>
+              <a:rPr lang="en-US" dirty="0" err="1">
+                <a:solidFill>
+                  <a:schemeClr val="tx1"/>
+                </a:solidFill>
+              </a:rPr>
+              <a:t>JSONiq</a:t>
+            </a:r>
+            <a:r>
+              <a:rPr lang="en-US" dirty="0">
+                <a:solidFill>
+                  <a:schemeClr val="tx1"/>
+                </a:solidFill>
+              </a:rPr>
+              <a:t> Query</a:t>
             </a:r>
           </a:p>
         </p:txBody>
@@ -3406,7 +3479,7 @@
           <p:cNvPr id="7" name="Rectangle 6">
             <a:extLst>
               <a:ext uri="{FF2B5EF4-FFF2-40B4-BE49-F238E27FC236}">
-                <a16:creationId xmlns:a16="http://schemas.microsoft.com/office/drawing/2014/main" id="{1D9A284B-8A5C-42EB-AD39-A739557867FC}"/>
+                <a16:creationId xmlns:a16="http://schemas.microsoft.com/office/drawing/2014/main" id="{C6B8A271-4F99-FA4C-B24F-7922555BCB20}"/>
               </a:ext>
             </a:extLst>
           </p:cNvPr>
@@ -3415,7 +3488,224 @@
         </p:nvSpPr>
         <p:spPr>
           <a:xfrm>
-            <a:off x="807868" y="2707689"/>
+            <a:off x="7432997" y="2927411"/>
+            <a:ext cx="1890944" cy="1003177"/>
+          </a:xfrm>
+          <a:prstGeom prst="rect">
+            <a:avLst/>
+          </a:prstGeom>
+          <a:solidFill>
+            <a:schemeClr val="accent2"/>
+          </a:solidFill>
+          <a:ln>
+            <a:noFill/>
+          </a:ln>
+        </p:spPr>
+        <p:style>
+          <a:lnRef idx="2">
+            <a:schemeClr val="dk1">
+              <a:shade val="50000"/>
+            </a:schemeClr>
+          </a:lnRef>
+          <a:fillRef idx="1">
+            <a:schemeClr val="dk1"/>
+          </a:fillRef>
+          <a:effectRef idx="0">
+            <a:schemeClr val="dk1"/>
+          </a:effectRef>
+          <a:fontRef idx="minor">
+            <a:schemeClr val="lt1"/>
+          </a:fontRef>
+        </p:style>
+        <p:txBody>
+          <a:bodyPr rtlCol="0" anchor="ctr"/>
+          <a:lstStyle/>
+          <a:p>
+            <a:pPr algn="ctr"/>
+            <a:r>
+              <a:rPr lang="en-US" dirty="0">
+                <a:solidFill>
+                  <a:schemeClr val="tx1"/>
+                </a:solidFill>
+              </a:rPr>
+              <a:t>Spark</a:t>
+            </a:r>
+          </a:p>
+        </p:txBody>
+      </p:sp>
+      <p:cxnSp>
+        <p:nvCxnSpPr>
+          <p:cNvPr id="9" name="Straight Arrow Connector 8">
+            <a:extLst>
+              <a:ext uri="{FF2B5EF4-FFF2-40B4-BE49-F238E27FC236}">
+                <a16:creationId xmlns:a16="http://schemas.microsoft.com/office/drawing/2014/main" id="{20592FBC-BC7B-384E-B91C-6D1F754146D6}"/>
+              </a:ext>
+            </a:extLst>
+          </p:cNvPr>
+          <p:cNvCxnSpPr>
+            <a:cxnSpLocks/>
+          </p:cNvCxnSpPr>
+          <p:nvPr/>
+        </p:nvCxnSpPr>
+        <p:spPr>
+          <a:xfrm flipV="1">
+            <a:off x="9323941" y="3226298"/>
+            <a:ext cx="536854" cy="1"/>
+          </a:xfrm>
+          <a:prstGeom prst="straightConnector1">
+            <a:avLst/>
+          </a:prstGeom>
+          <a:ln w="38100">
+            <a:tailEnd type="triangle"/>
+          </a:ln>
+        </p:spPr>
+        <p:style>
+          <a:lnRef idx="1">
+            <a:schemeClr val="accent1"/>
+          </a:lnRef>
+          <a:fillRef idx="0">
+            <a:schemeClr val="accent1"/>
+          </a:fillRef>
+          <a:effectRef idx="0">
+            <a:schemeClr val="accent1"/>
+          </a:effectRef>
+          <a:fontRef idx="minor">
+            <a:schemeClr val="tx1"/>
+          </a:fontRef>
+        </p:style>
+      </p:cxnSp>
+      <p:cxnSp>
+        <p:nvCxnSpPr>
+          <p:cNvPr id="10" name="Straight Arrow Connector 9">
+            <a:extLst>
+              <a:ext uri="{FF2B5EF4-FFF2-40B4-BE49-F238E27FC236}">
+                <a16:creationId xmlns:a16="http://schemas.microsoft.com/office/drawing/2014/main" id="{2A9A8B92-5297-AE40-B119-B3EBBC992D67}"/>
+              </a:ext>
+            </a:extLst>
+          </p:cNvPr>
+          <p:cNvCxnSpPr>
+            <a:cxnSpLocks/>
+          </p:cNvCxnSpPr>
+          <p:nvPr/>
+        </p:nvCxnSpPr>
+        <p:spPr>
+          <a:xfrm flipH="1">
+            <a:off x="5905550" y="3182339"/>
+            <a:ext cx="1527448" cy="0"/>
+          </a:xfrm>
+          <a:prstGeom prst="straightConnector1">
+            <a:avLst/>
+          </a:prstGeom>
+          <a:ln w="38100">
+            <a:tailEnd type="triangle"/>
+          </a:ln>
+        </p:spPr>
+        <p:style>
+          <a:lnRef idx="1">
+            <a:schemeClr val="accent1"/>
+          </a:lnRef>
+          <a:fillRef idx="0">
+            <a:schemeClr val="accent1"/>
+          </a:fillRef>
+          <a:effectRef idx="0">
+            <a:schemeClr val="accent1"/>
+          </a:effectRef>
+          <a:fontRef idx="minor">
+            <a:schemeClr val="tx1"/>
+          </a:fontRef>
+        </p:style>
+      </p:cxnSp>
+      <p:cxnSp>
+        <p:nvCxnSpPr>
+          <p:cNvPr id="11" name="Straight Arrow Connector 10">
+            <a:extLst>
+              <a:ext uri="{FF2B5EF4-FFF2-40B4-BE49-F238E27FC236}">
+                <a16:creationId xmlns:a16="http://schemas.microsoft.com/office/drawing/2014/main" id="{AAB2FDB0-895E-554B-B5F9-0E83B4E490D7}"/>
+              </a:ext>
+            </a:extLst>
+          </p:cNvPr>
+          <p:cNvCxnSpPr>
+            <a:cxnSpLocks/>
+          </p:cNvCxnSpPr>
+          <p:nvPr/>
+        </p:nvCxnSpPr>
+        <p:spPr>
+          <a:xfrm>
+            <a:off x="5905550" y="3669356"/>
+            <a:ext cx="1527447" cy="0"/>
+          </a:xfrm>
+          <a:prstGeom prst="straightConnector1">
+            <a:avLst/>
+          </a:prstGeom>
+          <a:ln w="38100">
+            <a:tailEnd type="triangle"/>
+          </a:ln>
+        </p:spPr>
+        <p:style>
+          <a:lnRef idx="1">
+            <a:schemeClr val="accent1"/>
+          </a:lnRef>
+          <a:fillRef idx="0">
+            <a:schemeClr val="accent1"/>
+          </a:fillRef>
+          <a:effectRef idx="0">
+            <a:schemeClr val="accent1"/>
+          </a:effectRef>
+          <a:fontRef idx="minor">
+            <a:schemeClr val="tx1"/>
+          </a:fontRef>
+        </p:style>
+      </p:cxnSp>
+      <p:sp>
+        <p:nvSpPr>
+          <p:cNvPr id="12" name="TextBox 11">
+            <a:extLst>
+              <a:ext uri="{FF2B5EF4-FFF2-40B4-BE49-F238E27FC236}">
+                <a16:creationId xmlns:a16="http://schemas.microsoft.com/office/drawing/2014/main" id="{516A94DA-26D8-EA43-8BB0-14C31D761EED}"/>
+              </a:ext>
+            </a:extLst>
+          </p:cNvPr>
+          <p:cNvSpPr txBox="1"/>
+          <p:nvPr/>
+        </p:nvSpPr>
+        <p:spPr>
+          <a:xfrm>
+            <a:off x="6168815" y="3226299"/>
+            <a:ext cx="1019831" cy="369332"/>
+          </a:xfrm>
+          <a:prstGeom prst="rect">
+            <a:avLst/>
+          </a:prstGeom>
+          <a:noFill/>
+        </p:spPr>
+        <p:txBody>
+          <a:bodyPr wrap="none" rtlCol="0">
+            <a:spAutoFit/>
+          </a:bodyPr>
+          <a:lstStyle/>
+          <a:p>
+            <a:r>
+              <a:rPr lang="en-US" dirty="0"/>
+              <a:t>Mapping</a:t>
+            </a:r>
+          </a:p>
+        </p:txBody>
+      </p:sp>
+      <p:sp>
+        <p:nvSpPr>
+          <p:cNvPr id="14" name="Rectangle 13">
+            <a:extLst>
+              <a:ext uri="{FF2B5EF4-FFF2-40B4-BE49-F238E27FC236}">
+                <a16:creationId xmlns:a16="http://schemas.microsoft.com/office/drawing/2014/main" id="{77AAC18E-4DA3-A241-9F94-ECF148DDA832}"/>
+              </a:ext>
+            </a:extLst>
+          </p:cNvPr>
+          <p:cNvSpPr/>
+          <p:nvPr/>
+        </p:nvSpPr>
+        <p:spPr>
+          <a:xfrm>
+            <a:off x="4009444" y="2927411"/>
             <a:ext cx="1890944" cy="1003177"/>
           </a:xfrm>
           <a:prstGeom prst="rect">
@@ -3456,77 +3746,24 @@
           </a:p>
         </p:txBody>
       </p:sp>
-      <p:sp>
-        <p:nvSpPr>
-          <p:cNvPr id="8" name="Rectangle 7">
-            <a:extLst>
-              <a:ext uri="{FF2B5EF4-FFF2-40B4-BE49-F238E27FC236}">
-                <a16:creationId xmlns:a16="http://schemas.microsoft.com/office/drawing/2014/main" id="{A60B3A32-B413-47A3-BFB9-39910D6805CB}"/>
-              </a:ext>
-            </a:extLst>
-          </p:cNvPr>
-          <p:cNvSpPr/>
-          <p:nvPr/>
-        </p:nvSpPr>
-        <p:spPr>
-          <a:xfrm>
-            <a:off x="807868" y="4360415"/>
-            <a:ext cx="1890944" cy="1003177"/>
-          </a:xfrm>
-          <a:prstGeom prst="rect">
-            <a:avLst/>
-          </a:prstGeom>
-          <a:solidFill>
-            <a:schemeClr val="tx1">
-              <a:lumMod val="75000"/>
-              <a:lumOff val="25000"/>
-            </a:schemeClr>
-          </a:solidFill>
-        </p:spPr>
-        <p:style>
-          <a:lnRef idx="2">
-            <a:schemeClr val="dk1">
-              <a:shade val="50000"/>
-            </a:schemeClr>
-          </a:lnRef>
-          <a:fillRef idx="1">
-            <a:schemeClr val="dk1"/>
-          </a:fillRef>
-          <a:effectRef idx="0">
-            <a:schemeClr val="dk1"/>
-          </a:effectRef>
-          <a:fontRef idx="minor">
-            <a:schemeClr val="lt1"/>
-          </a:fontRef>
-        </p:style>
-        <p:txBody>
-          <a:bodyPr rtlCol="0" anchor="ctr"/>
-          <a:lstStyle/>
-          <a:p>
-            <a:pPr algn="ctr"/>
-            <a:r>
-              <a:rPr lang="en-US" dirty="0"/>
-              <a:t>SPARK</a:t>
-            </a:r>
-          </a:p>
-        </p:txBody>
-      </p:sp>
       <p:cxnSp>
         <p:nvCxnSpPr>
-          <p:cNvPr id="10" name="Straight Arrow Connector 9">
-            <a:extLst>
-              <a:ext uri="{FF2B5EF4-FFF2-40B4-BE49-F238E27FC236}">
-                <a16:creationId xmlns:a16="http://schemas.microsoft.com/office/drawing/2014/main" id="{BB0AAEB6-0F4B-441B-8D85-640CFA52D4FE}"/>
-              </a:ext>
-            </a:extLst>
-          </p:cNvPr>
-          <p:cNvCxnSpPr/>
+          <p:cNvPr id="15" name="Straight Arrow Connector 14">
+            <a:extLst>
+              <a:ext uri="{FF2B5EF4-FFF2-40B4-BE49-F238E27FC236}">
+                <a16:creationId xmlns:a16="http://schemas.microsoft.com/office/drawing/2014/main" id="{0C4A8B10-325A-1143-80E2-1B6C0F51BEE1}"/>
+              </a:ext>
+            </a:extLst>
+          </p:cNvPr>
+          <p:cNvCxnSpPr>
+            <a:cxnSpLocks/>
+          </p:cNvCxnSpPr>
           <p:nvPr/>
         </p:nvCxnSpPr>
         <p:spPr>
-          <a:xfrm>
-            <a:off x="1349406" y="3728621"/>
-            <a:ext cx="0" cy="631794"/>
+          <a:xfrm flipH="1">
+            <a:off x="2364093" y="3186689"/>
+            <a:ext cx="1628330" cy="0"/>
           </a:xfrm>
           <a:prstGeom prst="straightConnector1">
             <a:avLst/>
@@ -3552,10 +3789,10 @@
       </p:cxnSp>
       <p:cxnSp>
         <p:nvCxnSpPr>
-          <p:cNvPr id="11" name="Straight Arrow Connector 10">
-            <a:extLst>
-              <a:ext uri="{FF2B5EF4-FFF2-40B4-BE49-F238E27FC236}">
-                <a16:creationId xmlns:a16="http://schemas.microsoft.com/office/drawing/2014/main" id="{FD0B535D-01A9-4B4C-A56E-E5D5657AC1DD}"/>
+          <p:cNvPr id="16" name="Straight Arrow Connector 15">
+            <a:extLst>
+              <a:ext uri="{FF2B5EF4-FFF2-40B4-BE49-F238E27FC236}">
+                <a16:creationId xmlns:a16="http://schemas.microsoft.com/office/drawing/2014/main" id="{F06633C3-6E12-D94C-967F-B997C0FA03BD}"/>
               </a:ext>
             </a:extLst>
           </p:cNvPr>
@@ -3565,9 +3802,9 @@
           <p:nvPr/>
         </p:nvCxnSpPr>
         <p:spPr>
-          <a:xfrm flipV="1">
-            <a:off x="2123242" y="3710866"/>
-            <a:ext cx="0" cy="649549"/>
+          <a:xfrm>
+            <a:off x="2364093" y="3673706"/>
+            <a:ext cx="1628328" cy="0"/>
           </a:xfrm>
           <a:prstGeom prst="straightConnector1">
             <a:avLst/>
@@ -3593,165 +3830,45 @@
       </p:cxnSp>
       <p:sp>
         <p:nvSpPr>
-          <p:cNvPr id="19" name="Rectangle 18">
-            <a:extLst>
-              <a:ext uri="{FF2B5EF4-FFF2-40B4-BE49-F238E27FC236}">
-                <a16:creationId xmlns:a16="http://schemas.microsoft.com/office/drawing/2014/main" id="{D4893B53-3DD0-43A2-8A86-3EA2DE32C5A3}"/>
-              </a:ext>
-            </a:extLst>
-          </p:cNvPr>
-          <p:cNvSpPr/>
-          <p:nvPr/>
-        </p:nvSpPr>
-        <p:spPr>
-          <a:xfrm>
-            <a:off x="9081855" y="1069480"/>
-            <a:ext cx="1890944" cy="1003177"/>
+          <p:cNvPr id="17" name="TextBox 16">
+            <a:extLst>
+              <a:ext uri="{FF2B5EF4-FFF2-40B4-BE49-F238E27FC236}">
+                <a16:creationId xmlns:a16="http://schemas.microsoft.com/office/drawing/2014/main" id="{A18B864C-9B9C-8F4A-A992-68868BA23497}"/>
+              </a:ext>
+            </a:extLst>
+          </p:cNvPr>
+          <p:cNvSpPr txBox="1"/>
+          <p:nvPr/>
+        </p:nvSpPr>
+        <p:spPr>
+          <a:xfrm>
+            <a:off x="2358585" y="3231193"/>
+            <a:ext cx="1685077" cy="369332"/>
           </a:xfrm>
           <a:prstGeom prst="rect">
             <a:avLst/>
           </a:prstGeom>
-          <a:solidFill>
-            <a:srgbClr val="92D050"/>
-          </a:solidFill>
-          <a:ln>
-            <a:noFill/>
-          </a:ln>
-        </p:spPr>
-        <p:style>
-          <a:lnRef idx="2">
-            <a:schemeClr val="dk1">
-              <a:shade val="50000"/>
-            </a:schemeClr>
-          </a:lnRef>
-          <a:fillRef idx="1">
-            <a:schemeClr val="dk1"/>
-          </a:fillRef>
-          <a:effectRef idx="0">
-            <a:schemeClr val="dk1"/>
-          </a:effectRef>
-          <a:fontRef idx="minor">
-            <a:schemeClr val="lt1"/>
-          </a:fontRef>
-        </p:style>
-        <p:txBody>
-          <a:bodyPr rtlCol="0" anchor="ctr"/>
-          <a:lstStyle/>
-          <a:p>
-            <a:pPr algn="ctr"/>
+          <a:noFill/>
+        </p:spPr>
+        <p:txBody>
+          <a:bodyPr wrap="none" rtlCol="0">
+            <a:spAutoFit/>
+          </a:bodyPr>
+          <a:lstStyle/>
+          <a:p>
             <a:r>
               <a:rPr lang="en-US" dirty="0"/>
-              <a:t>QT3 Test Suite</a:t>
-            </a:r>
-          </a:p>
-        </p:txBody>
-      </p:sp>
-      <p:sp>
-        <p:nvSpPr>
-          <p:cNvPr id="20" name="Rectangle 19">
-            <a:extLst>
-              <a:ext uri="{FF2B5EF4-FFF2-40B4-BE49-F238E27FC236}">
-                <a16:creationId xmlns:a16="http://schemas.microsoft.com/office/drawing/2014/main" id="{5B5D5F0E-627F-43B7-BD5E-4F8A8E434731}"/>
-              </a:ext>
-            </a:extLst>
-          </p:cNvPr>
-          <p:cNvSpPr/>
-          <p:nvPr/>
-        </p:nvSpPr>
-        <p:spPr>
-          <a:xfrm>
-            <a:off x="4119239" y="1072717"/>
-            <a:ext cx="3542190" cy="4290873"/>
-          </a:xfrm>
-          <a:prstGeom prst="rect">
-            <a:avLst/>
-          </a:prstGeom>
-        </p:spPr>
-        <p:style>
-          <a:lnRef idx="1">
-            <a:schemeClr val="accent5"/>
-          </a:lnRef>
-          <a:fillRef idx="2">
-            <a:schemeClr val="accent5"/>
-          </a:fillRef>
-          <a:effectRef idx="1">
-            <a:schemeClr val="accent5"/>
-          </a:effectRef>
-          <a:fontRef idx="minor">
-            <a:schemeClr val="dk1"/>
-          </a:fontRef>
-        </p:style>
-        <p:txBody>
-          <a:bodyPr rtlCol="0" anchor="t" anchorCtr="0"/>
-          <a:lstStyle/>
-          <a:p>
-            <a:pPr algn="ctr"/>
-            <a:r>
-              <a:rPr lang="en-US" dirty="0"/>
-              <a:t>Test Driver</a:t>
-            </a:r>
-          </a:p>
-        </p:txBody>
-      </p:sp>
-      <p:sp>
-        <p:nvSpPr>
-          <p:cNvPr id="25" name="Rectangle 24">
-            <a:extLst>
-              <a:ext uri="{FF2B5EF4-FFF2-40B4-BE49-F238E27FC236}">
-                <a16:creationId xmlns:a16="http://schemas.microsoft.com/office/drawing/2014/main" id="{E8CC4A4D-C085-48F9-A50A-FE763AB34C70}"/>
-              </a:ext>
-            </a:extLst>
-          </p:cNvPr>
-          <p:cNvSpPr/>
-          <p:nvPr/>
-        </p:nvSpPr>
-        <p:spPr>
-          <a:xfrm>
-            <a:off x="4327140" y="2774403"/>
-            <a:ext cx="3126387" cy="869747"/>
-          </a:xfrm>
-          <a:prstGeom prst="rect">
-            <a:avLst/>
-          </a:prstGeom>
-          <a:solidFill>
-            <a:schemeClr val="accent4">
-              <a:lumMod val="20000"/>
-              <a:lumOff val="80000"/>
-            </a:schemeClr>
-          </a:solidFill>
-        </p:spPr>
-        <p:style>
-          <a:lnRef idx="1">
-            <a:schemeClr val="accent5"/>
-          </a:lnRef>
-          <a:fillRef idx="2">
-            <a:schemeClr val="accent5"/>
-          </a:fillRef>
-          <a:effectRef idx="1">
-            <a:schemeClr val="accent5"/>
-          </a:effectRef>
-          <a:fontRef idx="minor">
-            <a:schemeClr val="dk1"/>
-          </a:fontRef>
-        </p:style>
-        <p:txBody>
-          <a:bodyPr rtlCol="0" anchor="ctr"/>
-          <a:lstStyle/>
-          <a:p>
-            <a:pPr algn="ctr"/>
-            <a:r>
-              <a:rPr lang="en-US" dirty="0"/>
-              <a:t>Test Case Handling Logic</a:t>
+              <a:t>Rumble API / CL</a:t>
             </a:r>
           </a:p>
         </p:txBody>
       </p:sp>
       <p:cxnSp>
         <p:nvCxnSpPr>
-          <p:cNvPr id="29" name="Straight Arrow Connector 28">
-            <a:extLst>
-              <a:ext uri="{FF2B5EF4-FFF2-40B4-BE49-F238E27FC236}">
-                <a16:creationId xmlns:a16="http://schemas.microsoft.com/office/drawing/2014/main" id="{FED9F672-8BFD-454A-85F6-0A26AAA3CE6A}"/>
+          <p:cNvPr id="18" name="Straight Arrow Connector 17">
+            <a:extLst>
+              <a:ext uri="{FF2B5EF4-FFF2-40B4-BE49-F238E27FC236}">
+                <a16:creationId xmlns:a16="http://schemas.microsoft.com/office/drawing/2014/main" id="{30FDCD5C-6C93-CC4A-B992-AAA2967D88E4}"/>
               </a:ext>
             </a:extLst>
           </p:cNvPr>
@@ -3761,9 +3878,9 @@
           <p:nvPr/>
         </p:nvCxnSpPr>
         <p:spPr>
-          <a:xfrm flipH="1">
-            <a:off x="2698812" y="2941983"/>
-            <a:ext cx="1628330" cy="0"/>
+          <a:xfrm flipH="1" flipV="1">
+            <a:off x="9312650" y="3669356"/>
+            <a:ext cx="536854" cy="1"/>
           </a:xfrm>
           <a:prstGeom prst="straightConnector1">
             <a:avLst/>
@@ -3787,439 +3904,10 @@
           </a:fontRef>
         </p:style>
       </p:cxnSp>
-      <p:cxnSp>
-        <p:nvCxnSpPr>
-          <p:cNvPr id="34" name="Straight Arrow Connector 33">
-            <a:extLst>
-              <a:ext uri="{FF2B5EF4-FFF2-40B4-BE49-F238E27FC236}">
-                <a16:creationId xmlns:a16="http://schemas.microsoft.com/office/drawing/2014/main" id="{C33C8F52-24DB-4452-952C-66B7CD00C034}"/>
-              </a:ext>
-            </a:extLst>
-          </p:cNvPr>
-          <p:cNvCxnSpPr>
-            <a:cxnSpLocks/>
-          </p:cNvCxnSpPr>
-          <p:nvPr/>
-        </p:nvCxnSpPr>
-        <p:spPr>
-          <a:xfrm>
-            <a:off x="2698812" y="3429000"/>
-            <a:ext cx="1628328" cy="0"/>
-          </a:xfrm>
-          <a:prstGeom prst="straightConnector1">
-            <a:avLst/>
-          </a:prstGeom>
-          <a:ln w="38100">
-            <a:tailEnd type="triangle"/>
-          </a:ln>
-        </p:spPr>
-        <p:style>
-          <a:lnRef idx="1">
-            <a:schemeClr val="accent1"/>
-          </a:lnRef>
-          <a:fillRef idx="0">
-            <a:schemeClr val="accent1"/>
-          </a:fillRef>
-          <a:effectRef idx="0">
-            <a:schemeClr val="accent1"/>
-          </a:effectRef>
-          <a:fontRef idx="minor">
-            <a:schemeClr val="tx1"/>
-          </a:fontRef>
-        </p:style>
-      </p:cxnSp>
-      <p:sp>
-        <p:nvSpPr>
-          <p:cNvPr id="40" name="Rectangle 39">
-            <a:extLst>
-              <a:ext uri="{FF2B5EF4-FFF2-40B4-BE49-F238E27FC236}">
-                <a16:creationId xmlns:a16="http://schemas.microsoft.com/office/drawing/2014/main" id="{56829F72-B783-4B55-AEAE-CCB679A4DD4F}"/>
-              </a:ext>
-            </a:extLst>
-          </p:cNvPr>
-          <p:cNvSpPr/>
-          <p:nvPr/>
-        </p:nvSpPr>
-        <p:spPr>
-          <a:xfrm>
-            <a:off x="4327140" y="3970339"/>
-            <a:ext cx="3126387" cy="869747"/>
-          </a:xfrm>
-          <a:prstGeom prst="rect">
-            <a:avLst/>
-          </a:prstGeom>
-          <a:solidFill>
-            <a:schemeClr val="accent4">
-              <a:lumMod val="20000"/>
-              <a:lumOff val="80000"/>
-            </a:schemeClr>
-          </a:solidFill>
-        </p:spPr>
-        <p:style>
-          <a:lnRef idx="1">
-            <a:schemeClr val="accent5"/>
-          </a:lnRef>
-          <a:fillRef idx="2">
-            <a:schemeClr val="accent5"/>
-          </a:fillRef>
-          <a:effectRef idx="1">
-            <a:schemeClr val="accent5"/>
-          </a:effectRef>
-          <a:fontRef idx="minor">
-            <a:schemeClr val="dk1"/>
-          </a:fontRef>
-        </p:style>
-        <p:txBody>
-          <a:bodyPr rtlCol="0" anchor="ctr"/>
-          <a:lstStyle/>
-          <a:p>
-            <a:pPr algn="ctr"/>
-            <a:r>
-              <a:rPr lang="en-US" dirty="0"/>
-              <a:t>Test Result Handling Logic</a:t>
-            </a:r>
-          </a:p>
-        </p:txBody>
-      </p:sp>
-      <p:cxnSp>
-        <p:nvCxnSpPr>
-          <p:cNvPr id="41" name="Straight Arrow Connector 40">
-            <a:extLst>
-              <a:ext uri="{FF2B5EF4-FFF2-40B4-BE49-F238E27FC236}">
-                <a16:creationId xmlns:a16="http://schemas.microsoft.com/office/drawing/2014/main" id="{6770061F-2C72-4E6B-BC9E-DDA6A48D168E}"/>
-              </a:ext>
-            </a:extLst>
-          </p:cNvPr>
-          <p:cNvCxnSpPr>
-            <a:cxnSpLocks/>
-          </p:cNvCxnSpPr>
-          <p:nvPr/>
-        </p:nvCxnSpPr>
-        <p:spPr>
-          <a:xfrm>
-            <a:off x="5890332" y="3655475"/>
-            <a:ext cx="1" cy="315897"/>
-          </a:xfrm>
-          <a:prstGeom prst="straightConnector1">
-            <a:avLst/>
-          </a:prstGeom>
-          <a:ln w="38100">
-            <a:tailEnd type="triangle"/>
-          </a:ln>
-        </p:spPr>
-        <p:style>
-          <a:lnRef idx="1">
-            <a:schemeClr val="accent1"/>
-          </a:lnRef>
-          <a:fillRef idx="0">
-            <a:schemeClr val="accent1"/>
-          </a:fillRef>
-          <a:effectRef idx="0">
-            <a:schemeClr val="accent1"/>
-          </a:effectRef>
-          <a:fontRef idx="minor">
-            <a:schemeClr val="tx1"/>
-          </a:fontRef>
-        </p:style>
-      </p:cxnSp>
-      <p:sp>
-        <p:nvSpPr>
-          <p:cNvPr id="47" name="TextBox 46">
-            <a:extLst>
-              <a:ext uri="{FF2B5EF4-FFF2-40B4-BE49-F238E27FC236}">
-                <a16:creationId xmlns:a16="http://schemas.microsoft.com/office/drawing/2014/main" id="{A892EFC1-A1C8-4B99-B45B-B2707A5608ED}"/>
-              </a:ext>
-            </a:extLst>
-          </p:cNvPr>
-          <p:cNvSpPr txBox="1"/>
-          <p:nvPr/>
-        </p:nvSpPr>
-        <p:spPr>
-          <a:xfrm>
-            <a:off x="2850942" y="2999626"/>
-            <a:ext cx="1268296" cy="369332"/>
-          </a:xfrm>
-          <a:prstGeom prst="rect">
-            <a:avLst/>
-          </a:prstGeom>
-          <a:noFill/>
-        </p:spPr>
-        <p:txBody>
-          <a:bodyPr wrap="none" rtlCol="0">
-            <a:spAutoFit/>
-          </a:bodyPr>
-          <a:lstStyle/>
-          <a:p>
-            <a:r>
-              <a:rPr lang="en-US" dirty="0"/>
-              <a:t>Rumble API</a:t>
-            </a:r>
-          </a:p>
-        </p:txBody>
-      </p:sp>
-      <p:sp>
-        <p:nvSpPr>
-          <p:cNvPr id="22" name="Rectangle 21">
-            <a:extLst>
-              <a:ext uri="{FF2B5EF4-FFF2-40B4-BE49-F238E27FC236}">
-                <a16:creationId xmlns:a16="http://schemas.microsoft.com/office/drawing/2014/main" id="{B041507E-625F-8640-A09A-C733074E728D}"/>
-              </a:ext>
-            </a:extLst>
-          </p:cNvPr>
-          <p:cNvSpPr/>
-          <p:nvPr/>
-        </p:nvSpPr>
-        <p:spPr>
-          <a:xfrm>
-            <a:off x="9081855" y="2713326"/>
-            <a:ext cx="1890944" cy="1003177"/>
-          </a:xfrm>
-          <a:prstGeom prst="rect">
-            <a:avLst/>
-          </a:prstGeom>
-          <a:solidFill>
-            <a:srgbClr val="92D050"/>
-          </a:solidFill>
-          <a:ln>
-            <a:noFill/>
-          </a:ln>
-        </p:spPr>
-        <p:style>
-          <a:lnRef idx="2">
-            <a:schemeClr val="dk1">
-              <a:shade val="50000"/>
-            </a:schemeClr>
-          </a:lnRef>
-          <a:fillRef idx="1">
-            <a:schemeClr val="dk1"/>
-          </a:fillRef>
-          <a:effectRef idx="0">
-            <a:schemeClr val="dk1"/>
-          </a:effectRef>
-          <a:fontRef idx="minor">
-            <a:schemeClr val="lt1"/>
-          </a:fontRef>
-        </p:style>
-        <p:txBody>
-          <a:bodyPr rtlCol="0" anchor="ctr"/>
-          <a:lstStyle/>
-          <a:p>
-            <a:pPr algn="ctr"/>
-            <a:r>
-              <a:rPr lang="en-US" dirty="0"/>
-              <a:t>XML Parser</a:t>
-            </a:r>
-          </a:p>
-          <a:p>
-            <a:pPr algn="ctr"/>
-            <a:r>
-              <a:rPr lang="en-US" dirty="0"/>
-              <a:t>Saxon</a:t>
-            </a:r>
-          </a:p>
-        </p:txBody>
-      </p:sp>
-      <p:cxnSp>
-        <p:nvCxnSpPr>
-          <p:cNvPr id="27" name="Straight Arrow Connector 26">
-            <a:extLst>
-              <a:ext uri="{FF2B5EF4-FFF2-40B4-BE49-F238E27FC236}">
-                <a16:creationId xmlns:a16="http://schemas.microsoft.com/office/drawing/2014/main" id="{05300F2B-CCFE-3C45-ACCF-1E8B98B29B44}"/>
-              </a:ext>
-            </a:extLst>
-          </p:cNvPr>
-          <p:cNvCxnSpPr/>
-          <p:nvPr/>
-        </p:nvCxnSpPr>
-        <p:spPr>
-          <a:xfrm>
-            <a:off x="9632271" y="2072657"/>
-            <a:ext cx="0" cy="631794"/>
-          </a:xfrm>
-          <a:prstGeom prst="straightConnector1">
-            <a:avLst/>
-          </a:prstGeom>
-          <a:ln w="38100">
-            <a:tailEnd type="triangle"/>
-          </a:ln>
-        </p:spPr>
-        <p:style>
-          <a:lnRef idx="1">
-            <a:schemeClr val="accent1"/>
-          </a:lnRef>
-          <a:fillRef idx="0">
-            <a:schemeClr val="accent1"/>
-          </a:fillRef>
-          <a:effectRef idx="0">
-            <a:schemeClr val="accent1"/>
-          </a:effectRef>
-          <a:fontRef idx="minor">
-            <a:schemeClr val="tx1"/>
-          </a:fontRef>
-        </p:style>
-      </p:cxnSp>
-      <p:cxnSp>
-        <p:nvCxnSpPr>
-          <p:cNvPr id="28" name="Straight Arrow Connector 27">
-            <a:extLst>
-              <a:ext uri="{FF2B5EF4-FFF2-40B4-BE49-F238E27FC236}">
-                <a16:creationId xmlns:a16="http://schemas.microsoft.com/office/drawing/2014/main" id="{5307912C-1EA9-C843-8884-1B3360268107}"/>
-              </a:ext>
-            </a:extLst>
-          </p:cNvPr>
-          <p:cNvCxnSpPr>
-            <a:cxnSpLocks/>
-          </p:cNvCxnSpPr>
-          <p:nvPr/>
-        </p:nvCxnSpPr>
-        <p:spPr>
-          <a:xfrm flipV="1">
-            <a:off x="10406107" y="2054902"/>
-            <a:ext cx="0" cy="649549"/>
-          </a:xfrm>
-          <a:prstGeom prst="straightConnector1">
-            <a:avLst/>
-          </a:prstGeom>
-          <a:ln w="38100">
-            <a:tailEnd type="triangle"/>
-          </a:ln>
-        </p:spPr>
-        <p:style>
-          <a:lnRef idx="1">
-            <a:schemeClr val="accent1"/>
-          </a:lnRef>
-          <a:fillRef idx="0">
-            <a:schemeClr val="accent1"/>
-          </a:fillRef>
-          <a:effectRef idx="0">
-            <a:schemeClr val="accent1"/>
-          </a:effectRef>
-          <a:fontRef idx="minor">
-            <a:schemeClr val="tx1"/>
-          </a:fontRef>
-        </p:style>
-      </p:cxnSp>
-      <p:cxnSp>
-        <p:nvCxnSpPr>
-          <p:cNvPr id="30" name="Straight Arrow Connector 29">
-            <a:extLst>
-              <a:ext uri="{FF2B5EF4-FFF2-40B4-BE49-F238E27FC236}">
-                <a16:creationId xmlns:a16="http://schemas.microsoft.com/office/drawing/2014/main" id="{05A353DE-76B5-944B-BC56-77E7F77BE34B}"/>
-              </a:ext>
-            </a:extLst>
-          </p:cNvPr>
-          <p:cNvCxnSpPr>
-            <a:cxnSpLocks/>
-          </p:cNvCxnSpPr>
-          <p:nvPr/>
-        </p:nvCxnSpPr>
-        <p:spPr>
-          <a:xfrm flipH="1">
-            <a:off x="7453527" y="2941983"/>
-            <a:ext cx="1628330" cy="0"/>
-          </a:xfrm>
-          <a:prstGeom prst="straightConnector1">
-            <a:avLst/>
-          </a:prstGeom>
-          <a:ln w="38100">
-            <a:tailEnd type="triangle"/>
-          </a:ln>
-        </p:spPr>
-        <p:style>
-          <a:lnRef idx="1">
-            <a:schemeClr val="accent1"/>
-          </a:lnRef>
-          <a:fillRef idx="0">
-            <a:schemeClr val="accent1"/>
-          </a:fillRef>
-          <a:effectRef idx="0">
-            <a:schemeClr val="accent1"/>
-          </a:effectRef>
-          <a:fontRef idx="minor">
-            <a:schemeClr val="tx1"/>
-          </a:fontRef>
-        </p:style>
-      </p:cxnSp>
-      <p:cxnSp>
-        <p:nvCxnSpPr>
-          <p:cNvPr id="31" name="Straight Arrow Connector 30">
-            <a:extLst>
-              <a:ext uri="{FF2B5EF4-FFF2-40B4-BE49-F238E27FC236}">
-                <a16:creationId xmlns:a16="http://schemas.microsoft.com/office/drawing/2014/main" id="{02A905DA-90BD-A749-8747-AF03008759BF}"/>
-              </a:ext>
-            </a:extLst>
-          </p:cNvPr>
-          <p:cNvCxnSpPr>
-            <a:cxnSpLocks/>
-          </p:cNvCxnSpPr>
-          <p:nvPr/>
-        </p:nvCxnSpPr>
-        <p:spPr>
-          <a:xfrm>
-            <a:off x="7453527" y="3429000"/>
-            <a:ext cx="1628328" cy="0"/>
-          </a:xfrm>
-          <a:prstGeom prst="straightConnector1">
-            <a:avLst/>
-          </a:prstGeom>
-          <a:ln w="38100">
-            <a:tailEnd type="triangle"/>
-          </a:ln>
-        </p:spPr>
-        <p:style>
-          <a:lnRef idx="1">
-            <a:schemeClr val="accent1"/>
-          </a:lnRef>
-          <a:fillRef idx="0">
-            <a:schemeClr val="accent1"/>
-          </a:fillRef>
-          <a:effectRef idx="0">
-            <a:schemeClr val="accent1"/>
-          </a:effectRef>
-          <a:fontRef idx="minor">
-            <a:schemeClr val="tx1"/>
-          </a:fontRef>
-        </p:style>
-      </p:cxnSp>
-      <p:sp>
-        <p:nvSpPr>
-          <p:cNvPr id="32" name="TextBox 31">
-            <a:extLst>
-              <a:ext uri="{FF2B5EF4-FFF2-40B4-BE49-F238E27FC236}">
-                <a16:creationId xmlns:a16="http://schemas.microsoft.com/office/drawing/2014/main" id="{F006DC89-50EE-5149-9E66-0E9B5DF1B40F}"/>
-              </a:ext>
-            </a:extLst>
-          </p:cNvPr>
-          <p:cNvSpPr txBox="1"/>
-          <p:nvPr/>
-        </p:nvSpPr>
-        <p:spPr>
-          <a:xfrm>
-            <a:off x="7767234" y="2985943"/>
-            <a:ext cx="1098058" cy="369332"/>
-          </a:xfrm>
-          <a:prstGeom prst="rect">
-            <a:avLst/>
-          </a:prstGeom>
-          <a:noFill/>
-        </p:spPr>
-        <p:txBody>
-          <a:bodyPr wrap="none" rtlCol="0">
-            <a:spAutoFit/>
-          </a:bodyPr>
-          <a:lstStyle/>
-          <a:p>
-            <a:r>
-              <a:rPr lang="en-US" dirty="0"/>
-              <a:t>Saxon API</a:t>
-            </a:r>
-          </a:p>
-        </p:txBody>
-      </p:sp>
     </p:spTree>
     <p:extLst>
       <p:ext uri="{BB962C8B-B14F-4D97-AF65-F5344CB8AC3E}">
-        <p14:creationId xmlns:p14="http://schemas.microsoft.com/office/powerpoint/2010/main" val="1345599352"/>
+        <p14:creationId xmlns:p14="http://schemas.microsoft.com/office/powerpoint/2010/main" val="2734654030"/>
       </p:ext>
     </p:extLst>
   </p:cSld>
@@ -4248,10 +3936,10 @@
       </p:grpSpPr>
       <p:sp>
         <p:nvSpPr>
-          <p:cNvPr id="5" name="Rectangle 4">
-            <a:extLst>
-              <a:ext uri="{FF2B5EF4-FFF2-40B4-BE49-F238E27FC236}">
-                <a16:creationId xmlns:a16="http://schemas.microsoft.com/office/drawing/2014/main" id="{378A7FC1-4EC5-4D80-981B-BE76701C64D5}"/>
+          <p:cNvPr id="4" name="Rectangle 3">
+            <a:extLst>
+              <a:ext uri="{FF2B5EF4-FFF2-40B4-BE49-F238E27FC236}">
+                <a16:creationId xmlns:a16="http://schemas.microsoft.com/office/drawing/2014/main" id="{A271C967-15A9-044F-8085-C83DFE996217}"/>
               </a:ext>
             </a:extLst>
           </p:cNvPr>
@@ -4260,36 +3948,40 @@
         </p:nvSpPr>
         <p:spPr>
           <a:xfrm>
-            <a:off x="3657600" y="457199"/>
-            <a:ext cx="4465468" cy="5504156"/>
+            <a:off x="9872082" y="2927413"/>
+            <a:ext cx="1890944" cy="1003177"/>
           </a:xfrm>
           <a:prstGeom prst="rect">
             <a:avLst/>
           </a:prstGeom>
           <a:solidFill>
-            <a:schemeClr val="bg1">
-              <a:lumMod val="95000"/>
+            <a:schemeClr val="accent4">
+              <a:lumMod val="20000"/>
+              <a:lumOff val="80000"/>
             </a:schemeClr>
           </a:solidFill>
+          <a:ln>
+            <a:noFill/>
+          </a:ln>
         </p:spPr>
         <p:style>
           <a:lnRef idx="2">
-            <a:schemeClr val="accent1">
+            <a:schemeClr val="dk1">
               <a:shade val="50000"/>
             </a:schemeClr>
           </a:lnRef>
           <a:fillRef idx="1">
-            <a:schemeClr val="accent1"/>
+            <a:schemeClr val="dk1"/>
           </a:fillRef>
           <a:effectRef idx="0">
-            <a:schemeClr val="accent1"/>
+            <a:schemeClr val="dk1"/>
           </a:effectRef>
           <a:fontRef idx="minor">
             <a:schemeClr val="lt1"/>
           </a:fontRef>
         </p:style>
         <p:txBody>
-          <a:bodyPr rtlCol="0" anchor="t" anchorCtr="0"/>
+          <a:bodyPr rtlCol="0" anchor="ctr"/>
           <a:lstStyle/>
           <a:p>
             <a:pPr algn="ctr"/>
@@ -4299,7 +3991,74 @@
                   <a:schemeClr val="tx1"/>
                 </a:solidFill>
               </a:rPr>
-              <a:t>JAVA APPLICATION</a:t>
+              <a:t>Runtime Iterator Tree</a:t>
+            </a:r>
+          </a:p>
+        </p:txBody>
+      </p:sp>
+      <p:sp>
+        <p:nvSpPr>
+          <p:cNvPr id="5" name="Rectangle 4">
+            <a:extLst>
+              <a:ext uri="{FF2B5EF4-FFF2-40B4-BE49-F238E27FC236}">
+                <a16:creationId xmlns:a16="http://schemas.microsoft.com/office/drawing/2014/main" id="{76188384-87BF-ED4B-820E-A58A549056C4}"/>
+              </a:ext>
+            </a:extLst>
+          </p:cNvPr>
+          <p:cNvSpPr/>
+          <p:nvPr/>
+        </p:nvSpPr>
+        <p:spPr>
+          <a:xfrm>
+            <a:off x="493123" y="2927411"/>
+            <a:ext cx="1890944" cy="1003177"/>
+          </a:xfrm>
+          <a:prstGeom prst="rect">
+            <a:avLst/>
+          </a:prstGeom>
+          <a:solidFill>
+            <a:srgbClr val="92D050"/>
+          </a:solidFill>
+          <a:ln>
+            <a:noFill/>
+          </a:ln>
+        </p:spPr>
+        <p:style>
+          <a:lnRef idx="2">
+            <a:schemeClr val="dk1">
+              <a:shade val="50000"/>
+            </a:schemeClr>
+          </a:lnRef>
+          <a:fillRef idx="1">
+            <a:schemeClr val="dk1"/>
+          </a:fillRef>
+          <a:effectRef idx="0">
+            <a:schemeClr val="dk1"/>
+          </a:effectRef>
+          <a:fontRef idx="minor">
+            <a:schemeClr val="lt1"/>
+          </a:fontRef>
+        </p:style>
+        <p:txBody>
+          <a:bodyPr rtlCol="0" anchor="ctr"/>
+          <a:lstStyle/>
+          <a:p>
+            <a:pPr algn="ctr"/>
+            <a:r>
+              <a:rPr lang="en-US" dirty="0" err="1">
+                <a:solidFill>
+                  <a:schemeClr val="tx1"/>
+                </a:solidFill>
+              </a:rPr>
+              <a:t>JSONiq</a:t>
+            </a:r>
+            <a:r>
+              <a:rPr lang="en-US" dirty="0">
+                <a:solidFill>
+                  <a:schemeClr val="tx1"/>
+                </a:solidFill>
+              </a:rPr>
+              <a:t> Query</a:t>
             </a:r>
           </a:p>
         </p:txBody>
@@ -4309,7 +4068,7 @@
           <p:cNvPr id="7" name="Rectangle 6">
             <a:extLst>
               <a:ext uri="{FF2B5EF4-FFF2-40B4-BE49-F238E27FC236}">
-                <a16:creationId xmlns:a16="http://schemas.microsoft.com/office/drawing/2014/main" id="{1D9A284B-8A5C-42EB-AD39-A739557867FC}"/>
+                <a16:creationId xmlns:a16="http://schemas.microsoft.com/office/drawing/2014/main" id="{C6B8A271-4F99-FA4C-B24F-7922555BCB20}"/>
               </a:ext>
             </a:extLst>
           </p:cNvPr>
@@ -4318,7 +4077,224 @@
         </p:nvSpPr>
         <p:spPr>
           <a:xfrm>
-            <a:off x="807868" y="2707689"/>
+            <a:off x="6823395" y="2927411"/>
+            <a:ext cx="1890944" cy="1003177"/>
+          </a:xfrm>
+          <a:prstGeom prst="rect">
+            <a:avLst/>
+          </a:prstGeom>
+          <a:solidFill>
+            <a:schemeClr val="accent2"/>
+          </a:solidFill>
+          <a:ln>
+            <a:noFill/>
+          </a:ln>
+        </p:spPr>
+        <p:style>
+          <a:lnRef idx="2">
+            <a:schemeClr val="dk1">
+              <a:shade val="50000"/>
+            </a:schemeClr>
+          </a:lnRef>
+          <a:fillRef idx="1">
+            <a:schemeClr val="dk1"/>
+          </a:fillRef>
+          <a:effectRef idx="0">
+            <a:schemeClr val="dk1"/>
+          </a:effectRef>
+          <a:fontRef idx="minor">
+            <a:schemeClr val="lt1"/>
+          </a:fontRef>
+        </p:style>
+        <p:txBody>
+          <a:bodyPr rtlCol="0" anchor="ctr"/>
+          <a:lstStyle/>
+          <a:p>
+            <a:pPr algn="ctr"/>
+            <a:r>
+              <a:rPr lang="en-US" dirty="0">
+                <a:solidFill>
+                  <a:schemeClr val="tx1"/>
+                </a:solidFill>
+              </a:rPr>
+              <a:t>Expression Tree</a:t>
+            </a:r>
+          </a:p>
+        </p:txBody>
+      </p:sp>
+      <p:cxnSp>
+        <p:nvCxnSpPr>
+          <p:cNvPr id="9" name="Straight Arrow Connector 8">
+            <a:extLst>
+              <a:ext uri="{FF2B5EF4-FFF2-40B4-BE49-F238E27FC236}">
+                <a16:creationId xmlns:a16="http://schemas.microsoft.com/office/drawing/2014/main" id="{20592FBC-BC7B-384E-B91C-6D1F754146D6}"/>
+              </a:ext>
+            </a:extLst>
+          </p:cNvPr>
+          <p:cNvCxnSpPr>
+            <a:cxnSpLocks/>
+          </p:cNvCxnSpPr>
+          <p:nvPr/>
+        </p:nvCxnSpPr>
+        <p:spPr>
+          <a:xfrm>
+            <a:off x="8735066" y="3226298"/>
+            <a:ext cx="1125729" cy="1"/>
+          </a:xfrm>
+          <a:prstGeom prst="straightConnector1">
+            <a:avLst/>
+          </a:prstGeom>
+          <a:ln w="38100">
+            <a:tailEnd type="triangle"/>
+          </a:ln>
+        </p:spPr>
+        <p:style>
+          <a:lnRef idx="1">
+            <a:schemeClr val="accent1"/>
+          </a:lnRef>
+          <a:fillRef idx="0">
+            <a:schemeClr val="accent1"/>
+          </a:fillRef>
+          <a:effectRef idx="0">
+            <a:schemeClr val="accent1"/>
+          </a:effectRef>
+          <a:fontRef idx="minor">
+            <a:schemeClr val="tx1"/>
+          </a:fontRef>
+        </p:style>
+      </p:cxnSp>
+      <p:cxnSp>
+        <p:nvCxnSpPr>
+          <p:cNvPr id="10" name="Straight Arrow Connector 9">
+            <a:extLst>
+              <a:ext uri="{FF2B5EF4-FFF2-40B4-BE49-F238E27FC236}">
+                <a16:creationId xmlns:a16="http://schemas.microsoft.com/office/drawing/2014/main" id="{2A9A8B92-5297-AE40-B119-B3EBBC992D67}"/>
+              </a:ext>
+            </a:extLst>
+          </p:cNvPr>
+          <p:cNvCxnSpPr>
+            <a:cxnSpLocks/>
+          </p:cNvCxnSpPr>
+          <p:nvPr/>
+        </p:nvCxnSpPr>
+        <p:spPr>
+          <a:xfrm flipH="1">
+            <a:off x="5705970" y="3182339"/>
+            <a:ext cx="1117426" cy="0"/>
+          </a:xfrm>
+          <a:prstGeom prst="straightConnector1">
+            <a:avLst/>
+          </a:prstGeom>
+          <a:ln w="38100">
+            <a:tailEnd type="triangle"/>
+          </a:ln>
+        </p:spPr>
+        <p:style>
+          <a:lnRef idx="1">
+            <a:schemeClr val="accent1"/>
+          </a:lnRef>
+          <a:fillRef idx="0">
+            <a:schemeClr val="accent1"/>
+          </a:fillRef>
+          <a:effectRef idx="0">
+            <a:schemeClr val="accent1"/>
+          </a:effectRef>
+          <a:fontRef idx="minor">
+            <a:schemeClr val="tx1"/>
+          </a:fontRef>
+        </p:style>
+      </p:cxnSp>
+      <p:cxnSp>
+        <p:nvCxnSpPr>
+          <p:cNvPr id="11" name="Straight Arrow Connector 10">
+            <a:extLst>
+              <a:ext uri="{FF2B5EF4-FFF2-40B4-BE49-F238E27FC236}">
+                <a16:creationId xmlns:a16="http://schemas.microsoft.com/office/drawing/2014/main" id="{AAB2FDB0-895E-554B-B5F9-0E83B4E490D7}"/>
+              </a:ext>
+            </a:extLst>
+          </p:cNvPr>
+          <p:cNvCxnSpPr>
+            <a:cxnSpLocks/>
+          </p:cNvCxnSpPr>
+          <p:nvPr/>
+        </p:nvCxnSpPr>
+        <p:spPr>
+          <a:xfrm>
+            <a:off x="5705970" y="3669356"/>
+            <a:ext cx="1117425" cy="0"/>
+          </a:xfrm>
+          <a:prstGeom prst="straightConnector1">
+            <a:avLst/>
+          </a:prstGeom>
+          <a:ln w="38100">
+            <a:tailEnd type="triangle"/>
+          </a:ln>
+        </p:spPr>
+        <p:style>
+          <a:lnRef idx="1">
+            <a:schemeClr val="accent1"/>
+          </a:lnRef>
+          <a:fillRef idx="0">
+            <a:schemeClr val="accent1"/>
+          </a:fillRef>
+          <a:effectRef idx="0">
+            <a:schemeClr val="accent1"/>
+          </a:effectRef>
+          <a:fontRef idx="minor">
+            <a:schemeClr val="tx1"/>
+          </a:fontRef>
+        </p:style>
+      </p:cxnSp>
+      <p:sp>
+        <p:nvSpPr>
+          <p:cNvPr id="12" name="TextBox 11">
+            <a:extLst>
+              <a:ext uri="{FF2B5EF4-FFF2-40B4-BE49-F238E27FC236}">
+                <a16:creationId xmlns:a16="http://schemas.microsoft.com/office/drawing/2014/main" id="{516A94DA-26D8-EA43-8BB0-14C31D761EED}"/>
+              </a:ext>
+            </a:extLst>
+          </p:cNvPr>
+          <p:cNvSpPr txBox="1"/>
+          <p:nvPr/>
+        </p:nvSpPr>
+        <p:spPr>
+          <a:xfrm>
+            <a:off x="5705970" y="3226299"/>
+            <a:ext cx="1118255" cy="369332"/>
+          </a:xfrm>
+          <a:prstGeom prst="rect">
+            <a:avLst/>
+          </a:prstGeom>
+          <a:noFill/>
+        </p:spPr>
+        <p:txBody>
+          <a:bodyPr wrap="none" rtlCol="0">
+            <a:spAutoFit/>
+          </a:bodyPr>
+          <a:lstStyle/>
+          <a:p>
+            <a:r>
+              <a:rPr lang="en-US" dirty="0"/>
+              <a:t>Translator</a:t>
+            </a:r>
+          </a:p>
+        </p:txBody>
+      </p:sp>
+      <p:sp>
+        <p:nvSpPr>
+          <p:cNvPr id="14" name="Rectangle 13">
+            <a:extLst>
+              <a:ext uri="{FF2B5EF4-FFF2-40B4-BE49-F238E27FC236}">
+                <a16:creationId xmlns:a16="http://schemas.microsoft.com/office/drawing/2014/main" id="{77AAC18E-4DA3-A241-9F94-ECF148DDA832}"/>
+              </a:ext>
+            </a:extLst>
+          </p:cNvPr>
+          <p:cNvSpPr/>
+          <p:nvPr/>
+        </p:nvSpPr>
+        <p:spPr>
+          <a:xfrm>
+            <a:off x="3805354" y="2927411"/>
             <a:ext cx="1890944" cy="1003177"/>
           </a:xfrm>
           <a:prstGeom prst="rect">
@@ -4354,82 +4330,29 @@
             <a:pPr algn="ctr"/>
             <a:r>
               <a:rPr lang="en-US" dirty="0"/>
-              <a:t>RUMBLE</a:t>
-            </a:r>
-          </a:p>
-        </p:txBody>
-      </p:sp>
-      <p:sp>
-        <p:nvSpPr>
-          <p:cNvPr id="8" name="Rectangle 7">
-            <a:extLst>
-              <a:ext uri="{FF2B5EF4-FFF2-40B4-BE49-F238E27FC236}">
-                <a16:creationId xmlns:a16="http://schemas.microsoft.com/office/drawing/2014/main" id="{A60B3A32-B413-47A3-BFB9-39910D6805CB}"/>
-              </a:ext>
-            </a:extLst>
-          </p:cNvPr>
-          <p:cNvSpPr/>
-          <p:nvPr/>
-        </p:nvSpPr>
-        <p:spPr>
-          <a:xfrm>
-            <a:off x="807868" y="4360415"/>
-            <a:ext cx="1890944" cy="1003177"/>
-          </a:xfrm>
-          <a:prstGeom prst="rect">
-            <a:avLst/>
-          </a:prstGeom>
-          <a:solidFill>
-            <a:schemeClr val="tx1">
-              <a:lumMod val="75000"/>
-              <a:lumOff val="25000"/>
-            </a:schemeClr>
-          </a:solidFill>
-        </p:spPr>
-        <p:style>
-          <a:lnRef idx="2">
-            <a:schemeClr val="dk1">
-              <a:shade val="50000"/>
-            </a:schemeClr>
-          </a:lnRef>
-          <a:fillRef idx="1">
-            <a:schemeClr val="dk1"/>
-          </a:fillRef>
-          <a:effectRef idx="0">
-            <a:schemeClr val="dk1"/>
-          </a:effectRef>
-          <a:fontRef idx="minor">
-            <a:schemeClr val="lt1"/>
-          </a:fontRef>
-        </p:style>
-        <p:txBody>
-          <a:bodyPr rtlCol="0" anchor="ctr"/>
-          <a:lstStyle/>
-          <a:p>
-            <a:pPr algn="ctr"/>
-            <a:r>
-              <a:rPr lang="en-US" dirty="0"/>
-              <a:t>SPARK</a:t>
+              <a:t>AST</a:t>
             </a:r>
           </a:p>
         </p:txBody>
       </p:sp>
       <p:cxnSp>
         <p:nvCxnSpPr>
-          <p:cNvPr id="10" name="Straight Arrow Connector 9">
-            <a:extLst>
-              <a:ext uri="{FF2B5EF4-FFF2-40B4-BE49-F238E27FC236}">
-                <a16:creationId xmlns:a16="http://schemas.microsoft.com/office/drawing/2014/main" id="{BB0AAEB6-0F4B-441B-8D85-640CFA52D4FE}"/>
-              </a:ext>
-            </a:extLst>
-          </p:cNvPr>
-          <p:cNvCxnSpPr/>
+          <p:cNvPr id="15" name="Straight Arrow Connector 14">
+            <a:extLst>
+              <a:ext uri="{FF2B5EF4-FFF2-40B4-BE49-F238E27FC236}">
+                <a16:creationId xmlns:a16="http://schemas.microsoft.com/office/drawing/2014/main" id="{0C4A8B10-325A-1143-80E2-1B6C0F51BEE1}"/>
+              </a:ext>
+            </a:extLst>
+          </p:cNvPr>
+          <p:cNvCxnSpPr>
+            <a:cxnSpLocks/>
+          </p:cNvCxnSpPr>
           <p:nvPr/>
         </p:nvCxnSpPr>
         <p:spPr>
-          <a:xfrm>
-            <a:off x="1349406" y="3728621"/>
-            <a:ext cx="0" cy="631794"/>
+          <a:xfrm flipH="1">
+            <a:off x="2364094" y="3186689"/>
+            <a:ext cx="1420533" cy="0"/>
           </a:xfrm>
           <a:prstGeom prst="straightConnector1">
             <a:avLst/>
@@ -4455,10 +4378,10 @@
       </p:cxnSp>
       <p:cxnSp>
         <p:nvCxnSpPr>
-          <p:cNvPr id="11" name="Straight Arrow Connector 10">
-            <a:extLst>
-              <a:ext uri="{FF2B5EF4-FFF2-40B4-BE49-F238E27FC236}">
-                <a16:creationId xmlns:a16="http://schemas.microsoft.com/office/drawing/2014/main" id="{FD0B535D-01A9-4B4C-A56E-E5D5657AC1DD}"/>
+          <p:cNvPr id="16" name="Straight Arrow Connector 15">
+            <a:extLst>
+              <a:ext uri="{FF2B5EF4-FFF2-40B4-BE49-F238E27FC236}">
+                <a16:creationId xmlns:a16="http://schemas.microsoft.com/office/drawing/2014/main" id="{F06633C3-6E12-D94C-967F-B997C0FA03BD}"/>
               </a:ext>
             </a:extLst>
           </p:cNvPr>
@@ -4468,9 +4391,9 @@
           <p:nvPr/>
         </p:nvCxnSpPr>
         <p:spPr>
-          <a:xfrm flipV="1">
-            <a:off x="2123242" y="3710866"/>
-            <a:ext cx="0" cy="649549"/>
+          <a:xfrm>
+            <a:off x="2364093" y="3673706"/>
+            <a:ext cx="1441261" cy="0"/>
           </a:xfrm>
           <a:prstGeom prst="straightConnector1">
             <a:avLst/>
@@ -4496,165 +4419,49 @@
       </p:cxnSp>
       <p:sp>
         <p:nvSpPr>
-          <p:cNvPr id="19" name="Rectangle 18">
-            <a:extLst>
-              <a:ext uri="{FF2B5EF4-FFF2-40B4-BE49-F238E27FC236}">
-                <a16:creationId xmlns:a16="http://schemas.microsoft.com/office/drawing/2014/main" id="{D4893B53-3DD0-43A2-8A86-3EA2DE32C5A3}"/>
-              </a:ext>
-            </a:extLst>
-          </p:cNvPr>
-          <p:cNvSpPr/>
-          <p:nvPr/>
-        </p:nvSpPr>
-        <p:spPr>
-          <a:xfrm>
-            <a:off x="9081855" y="3231522"/>
-            <a:ext cx="1890944" cy="1003177"/>
+          <p:cNvPr id="17" name="TextBox 16">
+            <a:extLst>
+              <a:ext uri="{FF2B5EF4-FFF2-40B4-BE49-F238E27FC236}">
+                <a16:creationId xmlns:a16="http://schemas.microsoft.com/office/drawing/2014/main" id="{A18B864C-9B9C-8F4A-A992-68868BA23497}"/>
+              </a:ext>
+            </a:extLst>
+          </p:cNvPr>
+          <p:cNvSpPr txBox="1"/>
+          <p:nvPr/>
+        </p:nvSpPr>
+        <p:spPr>
+          <a:xfrm>
+            <a:off x="2359782" y="3231919"/>
+            <a:ext cx="1479059" cy="369332"/>
           </a:xfrm>
           <a:prstGeom prst="rect">
             <a:avLst/>
           </a:prstGeom>
-          <a:solidFill>
-            <a:srgbClr val="92D050"/>
-          </a:solidFill>
-          <a:ln>
-            <a:noFill/>
-          </a:ln>
-        </p:spPr>
-        <p:style>
-          <a:lnRef idx="2">
-            <a:schemeClr val="dk1">
-              <a:shade val="50000"/>
-            </a:schemeClr>
-          </a:lnRef>
-          <a:fillRef idx="1">
-            <a:schemeClr val="dk1"/>
-          </a:fillRef>
-          <a:effectRef idx="0">
-            <a:schemeClr val="dk1"/>
-          </a:effectRef>
-          <a:fontRef idx="minor">
-            <a:schemeClr val="lt1"/>
-          </a:fontRef>
-        </p:style>
-        <p:txBody>
-          <a:bodyPr rtlCol="0" anchor="ctr"/>
-          <a:lstStyle/>
-          <a:p>
-            <a:pPr algn="ctr"/>
+          <a:noFill/>
+        </p:spPr>
+        <p:txBody>
+          <a:bodyPr wrap="none" rtlCol="0">
+            <a:spAutoFit/>
+          </a:bodyPr>
+          <a:lstStyle/>
+          <a:p>
+            <a:r>
+              <a:rPr lang="en-US" dirty="0" err="1"/>
+              <a:t>Lexer</a:t>
+            </a:r>
             <a:r>
               <a:rPr lang="en-US" dirty="0"/>
-              <a:t>QT3 Test Suite</a:t>
-            </a:r>
-          </a:p>
-        </p:txBody>
-      </p:sp>
-      <p:sp>
-        <p:nvSpPr>
-          <p:cNvPr id="20" name="Rectangle 19">
-            <a:extLst>
-              <a:ext uri="{FF2B5EF4-FFF2-40B4-BE49-F238E27FC236}">
-                <a16:creationId xmlns:a16="http://schemas.microsoft.com/office/drawing/2014/main" id="{5B5D5F0E-627F-43B7-BD5E-4F8A8E434731}"/>
-              </a:ext>
-            </a:extLst>
-          </p:cNvPr>
-          <p:cNvSpPr/>
-          <p:nvPr/>
-        </p:nvSpPr>
-        <p:spPr>
-          <a:xfrm>
-            <a:off x="4119239" y="1072717"/>
-            <a:ext cx="3542190" cy="4290873"/>
-          </a:xfrm>
-          <a:prstGeom prst="rect">
-            <a:avLst/>
-          </a:prstGeom>
-        </p:spPr>
-        <p:style>
-          <a:lnRef idx="1">
-            <a:schemeClr val="accent5"/>
-          </a:lnRef>
-          <a:fillRef idx="2">
-            <a:schemeClr val="accent5"/>
-          </a:fillRef>
-          <a:effectRef idx="1">
-            <a:schemeClr val="accent5"/>
-          </a:effectRef>
-          <a:fontRef idx="minor">
-            <a:schemeClr val="dk1"/>
-          </a:fontRef>
-        </p:style>
-        <p:txBody>
-          <a:bodyPr rtlCol="0" anchor="t" anchorCtr="0"/>
-          <a:lstStyle/>
-          <a:p>
-            <a:pPr algn="ctr"/>
-            <a:r>
-              <a:rPr lang="en-US" dirty="0"/>
-              <a:t>Test Driver</a:t>
-            </a:r>
-          </a:p>
-        </p:txBody>
-      </p:sp>
-      <p:sp>
-        <p:nvSpPr>
-          <p:cNvPr id="25" name="Rectangle 24">
-            <a:extLst>
-              <a:ext uri="{FF2B5EF4-FFF2-40B4-BE49-F238E27FC236}">
-                <a16:creationId xmlns:a16="http://schemas.microsoft.com/office/drawing/2014/main" id="{E8CC4A4D-C085-48F9-A50A-FE763AB34C70}"/>
-              </a:ext>
-            </a:extLst>
-          </p:cNvPr>
-          <p:cNvSpPr/>
-          <p:nvPr/>
-        </p:nvSpPr>
-        <p:spPr>
-          <a:xfrm>
-            <a:off x="4327140" y="2774403"/>
-            <a:ext cx="3126387" cy="869747"/>
-          </a:xfrm>
-          <a:prstGeom prst="rect">
-            <a:avLst/>
-          </a:prstGeom>
-          <a:solidFill>
-            <a:schemeClr val="accent4">
-              <a:lumMod val="20000"/>
-              <a:lumOff val="80000"/>
-            </a:schemeClr>
-          </a:solidFill>
-        </p:spPr>
-        <p:style>
-          <a:lnRef idx="1">
-            <a:schemeClr val="accent5"/>
-          </a:lnRef>
-          <a:fillRef idx="2">
-            <a:schemeClr val="accent5"/>
-          </a:fillRef>
-          <a:effectRef idx="1">
-            <a:schemeClr val="accent5"/>
-          </a:effectRef>
-          <a:fontRef idx="minor">
-            <a:schemeClr val="dk1"/>
-          </a:fontRef>
-        </p:style>
-        <p:txBody>
-          <a:bodyPr rtlCol="0" anchor="ctr"/>
-          <a:lstStyle/>
-          <a:p>
-            <a:pPr algn="ctr"/>
-            <a:r>
-              <a:rPr lang="en-US" dirty="0"/>
-              <a:t>Test Case Handling Logic</a:t>
+              <a:t> &amp;Parser</a:t>
             </a:r>
           </a:p>
         </p:txBody>
       </p:sp>
       <p:cxnSp>
         <p:nvCxnSpPr>
-          <p:cNvPr id="29" name="Straight Arrow Connector 28">
-            <a:extLst>
-              <a:ext uri="{FF2B5EF4-FFF2-40B4-BE49-F238E27FC236}">
-                <a16:creationId xmlns:a16="http://schemas.microsoft.com/office/drawing/2014/main" id="{FED9F672-8BFD-454A-85F6-0A26AAA3CE6A}"/>
+          <p:cNvPr id="18" name="Straight Arrow Connector 17">
+            <a:extLst>
+              <a:ext uri="{FF2B5EF4-FFF2-40B4-BE49-F238E27FC236}">
+                <a16:creationId xmlns:a16="http://schemas.microsoft.com/office/drawing/2014/main" id="{30FDCD5C-6C93-CC4A-B992-AAA2967D88E4}"/>
               </a:ext>
             </a:extLst>
           </p:cNvPr>
@@ -4664,9 +4471,9 @@
           <p:nvPr/>
         </p:nvCxnSpPr>
         <p:spPr>
-          <a:xfrm flipH="1">
-            <a:off x="2698812" y="2941983"/>
-            <a:ext cx="1628330" cy="0"/>
+          <a:xfrm flipH="1" flipV="1">
+            <a:off x="8707580" y="3669356"/>
+            <a:ext cx="1141924" cy="2"/>
           </a:xfrm>
           <a:prstGeom prst="straightConnector1">
             <a:avLst/>
@@ -4690,147 +4497,12 @@
           </a:fontRef>
         </p:style>
       </p:cxnSp>
-      <p:cxnSp>
-        <p:nvCxnSpPr>
-          <p:cNvPr id="34" name="Straight Arrow Connector 33">
-            <a:extLst>
-              <a:ext uri="{FF2B5EF4-FFF2-40B4-BE49-F238E27FC236}">
-                <a16:creationId xmlns:a16="http://schemas.microsoft.com/office/drawing/2014/main" id="{C33C8F52-24DB-4452-952C-66B7CD00C034}"/>
-              </a:ext>
-            </a:extLst>
-          </p:cNvPr>
-          <p:cNvCxnSpPr>
-            <a:cxnSpLocks/>
-          </p:cNvCxnSpPr>
-          <p:nvPr/>
-        </p:nvCxnSpPr>
-        <p:spPr>
-          <a:xfrm>
-            <a:off x="2698812" y="3429000"/>
-            <a:ext cx="1628328" cy="0"/>
-          </a:xfrm>
-          <a:prstGeom prst="straightConnector1">
-            <a:avLst/>
-          </a:prstGeom>
-          <a:ln w="38100">
-            <a:tailEnd type="triangle"/>
-          </a:ln>
-        </p:spPr>
-        <p:style>
-          <a:lnRef idx="1">
-            <a:schemeClr val="accent1"/>
-          </a:lnRef>
-          <a:fillRef idx="0">
-            <a:schemeClr val="accent1"/>
-          </a:fillRef>
-          <a:effectRef idx="0">
-            <a:schemeClr val="accent1"/>
-          </a:effectRef>
-          <a:fontRef idx="minor">
-            <a:schemeClr val="tx1"/>
-          </a:fontRef>
-        </p:style>
-      </p:cxnSp>
-      <p:sp>
-        <p:nvSpPr>
-          <p:cNvPr id="40" name="Rectangle 39">
-            <a:extLst>
-              <a:ext uri="{FF2B5EF4-FFF2-40B4-BE49-F238E27FC236}">
-                <a16:creationId xmlns:a16="http://schemas.microsoft.com/office/drawing/2014/main" id="{56829F72-B783-4B55-AEAE-CCB679A4DD4F}"/>
-              </a:ext>
-            </a:extLst>
-          </p:cNvPr>
-          <p:cNvSpPr/>
-          <p:nvPr/>
-        </p:nvSpPr>
-        <p:spPr>
-          <a:xfrm>
-            <a:off x="4327140" y="3970339"/>
-            <a:ext cx="3126387" cy="869747"/>
-          </a:xfrm>
-          <a:prstGeom prst="rect">
-            <a:avLst/>
-          </a:prstGeom>
-          <a:solidFill>
-            <a:schemeClr val="accent4">
-              <a:lumMod val="20000"/>
-              <a:lumOff val="80000"/>
-            </a:schemeClr>
-          </a:solidFill>
-        </p:spPr>
-        <p:style>
-          <a:lnRef idx="1">
-            <a:schemeClr val="accent5"/>
-          </a:lnRef>
-          <a:fillRef idx="2">
-            <a:schemeClr val="accent5"/>
-          </a:fillRef>
-          <a:effectRef idx="1">
-            <a:schemeClr val="accent5"/>
-          </a:effectRef>
-          <a:fontRef idx="minor">
-            <a:schemeClr val="dk1"/>
-          </a:fontRef>
-        </p:style>
-        <p:txBody>
-          <a:bodyPr rtlCol="0" anchor="ctr"/>
-          <a:lstStyle/>
-          <a:p>
-            <a:pPr algn="ctr"/>
-            <a:r>
-              <a:rPr lang="en-US" dirty="0"/>
-              <a:t>Test Result Handling Logic</a:t>
-            </a:r>
-          </a:p>
-        </p:txBody>
-      </p:sp>
-      <p:cxnSp>
-        <p:nvCxnSpPr>
-          <p:cNvPr id="41" name="Straight Arrow Connector 40">
-            <a:extLst>
-              <a:ext uri="{FF2B5EF4-FFF2-40B4-BE49-F238E27FC236}">
-                <a16:creationId xmlns:a16="http://schemas.microsoft.com/office/drawing/2014/main" id="{6770061F-2C72-4E6B-BC9E-DDA6A48D168E}"/>
-              </a:ext>
-            </a:extLst>
-          </p:cNvPr>
-          <p:cNvCxnSpPr>
-            <a:cxnSpLocks/>
-          </p:cNvCxnSpPr>
-          <p:nvPr/>
-        </p:nvCxnSpPr>
-        <p:spPr>
-          <a:xfrm>
-            <a:off x="5890332" y="3655475"/>
-            <a:ext cx="1" cy="315897"/>
-          </a:xfrm>
-          <a:prstGeom prst="straightConnector1">
-            <a:avLst/>
-          </a:prstGeom>
-          <a:ln w="38100">
-            <a:tailEnd type="triangle"/>
-          </a:ln>
-        </p:spPr>
-        <p:style>
-          <a:lnRef idx="1">
-            <a:schemeClr val="accent1"/>
-          </a:lnRef>
-          <a:fillRef idx="0">
-            <a:schemeClr val="accent1"/>
-          </a:fillRef>
-          <a:effectRef idx="0">
-            <a:schemeClr val="accent1"/>
-          </a:effectRef>
-          <a:fontRef idx="minor">
-            <a:schemeClr val="tx1"/>
-          </a:fontRef>
-        </p:style>
-      </p:cxnSp>
-      <p:sp>
-        <p:nvSpPr>
-          <p:cNvPr id="47" name="TextBox 46">
-            <a:extLst>
-              <a:ext uri="{FF2B5EF4-FFF2-40B4-BE49-F238E27FC236}">
-                <a16:creationId xmlns:a16="http://schemas.microsoft.com/office/drawing/2014/main" id="{A892EFC1-A1C8-4B99-B45B-B2707A5608ED}"/>
+      <p:sp>
+        <p:nvSpPr>
+          <p:cNvPr id="19" name="TextBox 18">
+            <a:extLst>
+              <a:ext uri="{FF2B5EF4-FFF2-40B4-BE49-F238E27FC236}">
+                <a16:creationId xmlns:a16="http://schemas.microsoft.com/office/drawing/2014/main" id="{649FA525-6846-904C-8DEC-C7A5B2217573}"/>
               </a:ext>
             </a:extLst>
           </p:cNvPr>
@@ -4839,8 +4511,8 @@
         </p:nvSpPr>
         <p:spPr>
           <a:xfrm>
-            <a:off x="2850942" y="2999626"/>
-            <a:ext cx="1268296" cy="369332"/>
+            <a:off x="8707580" y="3229966"/>
+            <a:ext cx="1143775" cy="369332"/>
           </a:xfrm>
           <a:prstGeom prst="rect">
             <a:avLst/>
@@ -4855,368 +4527,15 @@
           <a:p>
             <a:r>
               <a:rPr lang="en-US" dirty="0"/>
-              <a:t>Rumble API</a:t>
-            </a:r>
-          </a:p>
-        </p:txBody>
-      </p:sp>
-      <p:sp>
-        <p:nvSpPr>
-          <p:cNvPr id="22" name="Rectangle 21">
-            <a:extLst>
-              <a:ext uri="{FF2B5EF4-FFF2-40B4-BE49-F238E27FC236}">
-                <a16:creationId xmlns:a16="http://schemas.microsoft.com/office/drawing/2014/main" id="{B041507E-625F-8640-A09A-C733074E728D}"/>
-              </a:ext>
-            </a:extLst>
-          </p:cNvPr>
-          <p:cNvSpPr/>
-          <p:nvPr/>
-        </p:nvSpPr>
-        <p:spPr>
-          <a:xfrm>
-            <a:off x="9081855" y="1584433"/>
-            <a:ext cx="1890944" cy="1003177"/>
-          </a:xfrm>
-          <a:prstGeom prst="rect">
-            <a:avLst/>
-          </a:prstGeom>
-          <a:solidFill>
-            <a:srgbClr val="92D050"/>
-          </a:solidFill>
-          <a:ln>
-            <a:noFill/>
-          </a:ln>
-        </p:spPr>
-        <p:style>
-          <a:lnRef idx="2">
-            <a:schemeClr val="dk1">
-              <a:shade val="50000"/>
-            </a:schemeClr>
-          </a:lnRef>
-          <a:fillRef idx="1">
-            <a:schemeClr val="dk1"/>
-          </a:fillRef>
-          <a:effectRef idx="0">
-            <a:schemeClr val="dk1"/>
-          </a:effectRef>
-          <a:fontRef idx="minor">
-            <a:schemeClr val="lt1"/>
-          </a:fontRef>
-        </p:style>
-        <p:txBody>
-          <a:bodyPr rtlCol="0" anchor="ctr"/>
-          <a:lstStyle/>
-          <a:p>
-            <a:pPr algn="ctr"/>
-            <a:r>
-              <a:rPr lang="en-US" dirty="0"/>
-              <a:t>XML Parser</a:t>
-            </a:r>
-          </a:p>
-          <a:p>
-            <a:pPr algn="ctr"/>
-            <a:r>
-              <a:rPr lang="en-US" dirty="0"/>
-              <a:t>Saxon</a:t>
-            </a:r>
-          </a:p>
-        </p:txBody>
-      </p:sp>
-      <p:cxnSp>
-        <p:nvCxnSpPr>
-          <p:cNvPr id="27" name="Straight Arrow Connector 26">
-            <a:extLst>
-              <a:ext uri="{FF2B5EF4-FFF2-40B4-BE49-F238E27FC236}">
-                <a16:creationId xmlns:a16="http://schemas.microsoft.com/office/drawing/2014/main" id="{05300F2B-CCFE-3C45-ACCF-1E8B98B29B44}"/>
-              </a:ext>
-            </a:extLst>
-          </p:cNvPr>
-          <p:cNvCxnSpPr/>
-          <p:nvPr/>
-        </p:nvCxnSpPr>
-        <p:spPr>
-          <a:xfrm>
-            <a:off x="9620982" y="2590850"/>
-            <a:ext cx="0" cy="631794"/>
-          </a:xfrm>
-          <a:prstGeom prst="straightConnector1">
-            <a:avLst/>
-          </a:prstGeom>
-          <a:ln w="38100">
-            <a:tailEnd type="triangle"/>
-          </a:ln>
-        </p:spPr>
-        <p:style>
-          <a:lnRef idx="1">
-            <a:schemeClr val="accent1"/>
-          </a:lnRef>
-          <a:fillRef idx="0">
-            <a:schemeClr val="accent1"/>
-          </a:fillRef>
-          <a:effectRef idx="0">
-            <a:schemeClr val="accent1"/>
-          </a:effectRef>
-          <a:fontRef idx="minor">
-            <a:schemeClr val="tx1"/>
-          </a:fontRef>
-        </p:style>
-      </p:cxnSp>
-      <p:cxnSp>
-        <p:nvCxnSpPr>
-          <p:cNvPr id="28" name="Straight Arrow Connector 27">
-            <a:extLst>
-              <a:ext uri="{FF2B5EF4-FFF2-40B4-BE49-F238E27FC236}">
-                <a16:creationId xmlns:a16="http://schemas.microsoft.com/office/drawing/2014/main" id="{5307912C-1EA9-C843-8884-1B3360268107}"/>
-              </a:ext>
-            </a:extLst>
-          </p:cNvPr>
-          <p:cNvCxnSpPr>
-            <a:cxnSpLocks/>
-          </p:cNvCxnSpPr>
-          <p:nvPr/>
-        </p:nvCxnSpPr>
-        <p:spPr>
-          <a:xfrm flipV="1">
-            <a:off x="10394818" y="2573095"/>
-            <a:ext cx="0" cy="649549"/>
-          </a:xfrm>
-          <a:prstGeom prst="straightConnector1">
-            <a:avLst/>
-          </a:prstGeom>
-          <a:ln w="38100">
-            <a:tailEnd type="triangle"/>
-          </a:ln>
-        </p:spPr>
-        <p:style>
-          <a:lnRef idx="1">
-            <a:schemeClr val="accent1"/>
-          </a:lnRef>
-          <a:fillRef idx="0">
-            <a:schemeClr val="accent1"/>
-          </a:fillRef>
-          <a:effectRef idx="0">
-            <a:schemeClr val="accent1"/>
-          </a:effectRef>
-          <a:fontRef idx="minor">
-            <a:schemeClr val="tx1"/>
-          </a:fontRef>
-        </p:style>
-      </p:cxnSp>
-      <p:cxnSp>
-        <p:nvCxnSpPr>
-          <p:cNvPr id="30" name="Straight Arrow Connector 29">
-            <a:extLst>
-              <a:ext uri="{FF2B5EF4-FFF2-40B4-BE49-F238E27FC236}">
-                <a16:creationId xmlns:a16="http://schemas.microsoft.com/office/drawing/2014/main" id="{05A353DE-76B5-944B-BC56-77E7F77BE34B}"/>
-              </a:ext>
-            </a:extLst>
-          </p:cNvPr>
-          <p:cNvCxnSpPr>
-            <a:cxnSpLocks/>
-          </p:cNvCxnSpPr>
-          <p:nvPr/>
-        </p:nvCxnSpPr>
-        <p:spPr>
-          <a:xfrm flipH="1">
-            <a:off x="7453527" y="1813090"/>
-            <a:ext cx="1628330" cy="0"/>
-          </a:xfrm>
-          <a:prstGeom prst="straightConnector1">
-            <a:avLst/>
-          </a:prstGeom>
-          <a:ln w="38100">
-            <a:tailEnd type="triangle"/>
-          </a:ln>
-        </p:spPr>
-        <p:style>
-          <a:lnRef idx="1">
-            <a:schemeClr val="accent1"/>
-          </a:lnRef>
-          <a:fillRef idx="0">
-            <a:schemeClr val="accent1"/>
-          </a:fillRef>
-          <a:effectRef idx="0">
-            <a:schemeClr val="accent1"/>
-          </a:effectRef>
-          <a:fontRef idx="minor">
-            <a:schemeClr val="tx1"/>
-          </a:fontRef>
-        </p:style>
-      </p:cxnSp>
-      <p:cxnSp>
-        <p:nvCxnSpPr>
-          <p:cNvPr id="31" name="Straight Arrow Connector 30">
-            <a:extLst>
-              <a:ext uri="{FF2B5EF4-FFF2-40B4-BE49-F238E27FC236}">
-                <a16:creationId xmlns:a16="http://schemas.microsoft.com/office/drawing/2014/main" id="{02A905DA-90BD-A749-8747-AF03008759BF}"/>
-              </a:ext>
-            </a:extLst>
-          </p:cNvPr>
-          <p:cNvCxnSpPr>
-            <a:cxnSpLocks/>
-          </p:cNvCxnSpPr>
-          <p:nvPr/>
-        </p:nvCxnSpPr>
-        <p:spPr>
-          <a:xfrm>
-            <a:off x="7453527" y="2300107"/>
-            <a:ext cx="1628328" cy="0"/>
-          </a:xfrm>
-          <a:prstGeom prst="straightConnector1">
-            <a:avLst/>
-          </a:prstGeom>
-          <a:ln w="38100">
-            <a:tailEnd type="triangle"/>
-          </a:ln>
-        </p:spPr>
-        <p:style>
-          <a:lnRef idx="1">
-            <a:schemeClr val="accent1"/>
-          </a:lnRef>
-          <a:fillRef idx="0">
-            <a:schemeClr val="accent1"/>
-          </a:fillRef>
-          <a:effectRef idx="0">
-            <a:schemeClr val="accent1"/>
-          </a:effectRef>
-          <a:fontRef idx="minor">
-            <a:schemeClr val="tx1"/>
-          </a:fontRef>
-        </p:style>
-      </p:cxnSp>
-      <p:sp>
-        <p:nvSpPr>
-          <p:cNvPr id="32" name="TextBox 31">
-            <a:extLst>
-              <a:ext uri="{FF2B5EF4-FFF2-40B4-BE49-F238E27FC236}">
-                <a16:creationId xmlns:a16="http://schemas.microsoft.com/office/drawing/2014/main" id="{F006DC89-50EE-5149-9E66-0E9B5DF1B40F}"/>
-              </a:ext>
-            </a:extLst>
-          </p:cNvPr>
-          <p:cNvSpPr txBox="1"/>
-          <p:nvPr/>
-        </p:nvSpPr>
-        <p:spPr>
-          <a:xfrm>
-            <a:off x="7767234" y="1857050"/>
-            <a:ext cx="1098058" cy="369332"/>
-          </a:xfrm>
-          <a:prstGeom prst="rect">
-            <a:avLst/>
-          </a:prstGeom>
-          <a:noFill/>
-        </p:spPr>
-        <p:txBody>
-          <a:bodyPr wrap="none" rtlCol="0">
-            <a:spAutoFit/>
-          </a:bodyPr>
-          <a:lstStyle/>
-          <a:p>
-            <a:r>
-              <a:rPr lang="en-US" dirty="0"/>
-              <a:t>Saxon API</a:t>
-            </a:r>
-          </a:p>
-        </p:txBody>
-      </p:sp>
-      <p:sp>
-        <p:nvSpPr>
-          <p:cNvPr id="21" name="Rectangle 20">
-            <a:extLst>
-              <a:ext uri="{FF2B5EF4-FFF2-40B4-BE49-F238E27FC236}">
-                <a16:creationId xmlns:a16="http://schemas.microsoft.com/office/drawing/2014/main" id="{BB777F34-3FAE-6D4D-A441-CE41FCBF1A77}"/>
-              </a:ext>
-            </a:extLst>
-          </p:cNvPr>
-          <p:cNvSpPr/>
-          <p:nvPr/>
-        </p:nvSpPr>
-        <p:spPr>
-          <a:xfrm>
-            <a:off x="4327140" y="1614094"/>
-            <a:ext cx="3126387" cy="869747"/>
-          </a:xfrm>
-          <a:prstGeom prst="rect">
-            <a:avLst/>
-          </a:prstGeom>
-          <a:solidFill>
-            <a:schemeClr val="accent4">
-              <a:lumMod val="20000"/>
-              <a:lumOff val="80000"/>
-            </a:schemeClr>
-          </a:solidFill>
-        </p:spPr>
-        <p:style>
-          <a:lnRef idx="1">
-            <a:schemeClr val="accent5"/>
-          </a:lnRef>
-          <a:fillRef idx="2">
-            <a:schemeClr val="accent5"/>
-          </a:fillRef>
-          <a:effectRef idx="1">
-            <a:schemeClr val="accent5"/>
-          </a:effectRef>
-          <a:fontRef idx="minor">
-            <a:schemeClr val="dk1"/>
-          </a:fontRef>
-        </p:style>
-        <p:txBody>
-          <a:bodyPr rtlCol="0" anchor="ctr"/>
-          <a:lstStyle/>
-          <a:p>
-            <a:pPr algn="ctr"/>
-            <a:r>
-              <a:rPr lang="en-US" dirty="0"/>
-              <a:t>Converter</a:t>
-            </a:r>
-          </a:p>
-        </p:txBody>
-      </p:sp>
-      <p:cxnSp>
-        <p:nvCxnSpPr>
-          <p:cNvPr id="23" name="Straight Arrow Connector 22">
-            <a:extLst>
-              <a:ext uri="{FF2B5EF4-FFF2-40B4-BE49-F238E27FC236}">
-                <a16:creationId xmlns:a16="http://schemas.microsoft.com/office/drawing/2014/main" id="{ADC77477-CC8C-0746-80D6-28798D7E1E70}"/>
-              </a:ext>
-            </a:extLst>
-          </p:cNvPr>
-          <p:cNvCxnSpPr>
-            <a:cxnSpLocks/>
-          </p:cNvCxnSpPr>
-          <p:nvPr/>
-        </p:nvCxnSpPr>
-        <p:spPr>
-          <a:xfrm>
-            <a:off x="5890332" y="2482808"/>
-            <a:ext cx="1" cy="315897"/>
-          </a:xfrm>
-          <a:prstGeom prst="straightConnector1">
-            <a:avLst/>
-          </a:prstGeom>
-          <a:ln w="38100">
-            <a:tailEnd type="triangle"/>
-          </a:ln>
-        </p:spPr>
-        <p:style>
-          <a:lnRef idx="1">
-            <a:schemeClr val="accent1"/>
-          </a:lnRef>
-          <a:fillRef idx="0">
-            <a:schemeClr val="accent1"/>
-          </a:fillRef>
-          <a:effectRef idx="0">
-            <a:schemeClr val="accent1"/>
-          </a:effectRef>
-          <a:fontRef idx="minor">
-            <a:schemeClr val="tx1"/>
-          </a:fontRef>
-        </p:style>
-      </p:cxnSp>
+              <a:t>Generator</a:t>
+            </a:r>
+          </a:p>
+        </p:txBody>
+      </p:sp>
     </p:spTree>
     <p:extLst>
       <p:ext uri="{BB962C8B-B14F-4D97-AF65-F5344CB8AC3E}">
-        <p14:creationId xmlns:p14="http://schemas.microsoft.com/office/powerpoint/2010/main" val="502272690"/>
+        <p14:creationId xmlns:p14="http://schemas.microsoft.com/office/powerpoint/2010/main" val="2381599129"/>
       </p:ext>
     </p:extLst>
   </p:cSld>
@@ -5257,8 +4576,8 @@
         </p:nvSpPr>
         <p:spPr>
           <a:xfrm>
-            <a:off x="3657600" y="2680137"/>
-            <a:ext cx="4465468" cy="3387646"/>
+            <a:off x="3657600" y="457199"/>
+            <a:ext cx="4465468" cy="5504156"/>
           </a:xfrm>
           <a:prstGeom prst="rect">
             <a:avLst/>
@@ -5315,7 +4634,7 @@
         </p:nvSpPr>
         <p:spPr>
           <a:xfrm>
-            <a:off x="807868" y="3411880"/>
+            <a:off x="807868" y="2707689"/>
             <a:ext cx="1890944" cy="1003177"/>
           </a:xfrm>
           <a:prstGeom prst="rect">
@@ -5370,7 +4689,7 @@
         </p:nvSpPr>
         <p:spPr>
           <a:xfrm>
-            <a:off x="807868" y="5064606"/>
+            <a:off x="807868" y="4360415"/>
             <a:ext cx="1890944" cy="1003177"/>
           </a:xfrm>
           <a:prstGeom prst="rect">
@@ -5425,7 +4744,7 @@
         </p:nvCxnSpPr>
         <p:spPr>
           <a:xfrm>
-            <a:off x="1349406" y="4432812"/>
+            <a:off x="1349406" y="3728621"/>
             <a:ext cx="0" cy="631794"/>
           </a:xfrm>
           <a:prstGeom prst="straightConnector1">
@@ -5466,7 +4785,7 @@
         </p:nvCxnSpPr>
         <p:spPr>
           <a:xfrm flipV="1">
-            <a:off x="2123242" y="4415057"/>
+            <a:off x="2123242" y="3710866"/>
             <a:ext cx="0" cy="649549"/>
           </a:xfrm>
           <a:prstGeom prst="straightConnector1">
@@ -5540,12 +4859,8 @@
           <a:p>
             <a:pPr algn="ctr"/>
             <a:r>
-              <a:rPr lang="en-US" dirty="0" err="1"/>
-              <a:t>JSONiq</a:t>
-            </a:r>
-            <a:r>
               <a:rPr lang="en-US" dirty="0"/>
-              <a:t> Test Suite</a:t>
+              <a:t>QT3 Test Suite</a:t>
             </a:r>
           </a:p>
         </p:txBody>
@@ -5564,8 +4879,8 @@
         </p:nvSpPr>
         <p:spPr>
           <a:xfrm>
-            <a:off x="4119239" y="3037488"/>
-            <a:ext cx="3542190" cy="2795751"/>
+            <a:off x="4119239" y="1072717"/>
+            <a:ext cx="3542190" cy="4290873"/>
           </a:xfrm>
           <a:prstGeom prst="rect">
             <a:avLst/>
@@ -5611,7 +4926,7 @@
         </p:nvSpPr>
         <p:spPr>
           <a:xfrm>
-            <a:off x="4327140" y="3478594"/>
+            <a:off x="4327140" y="2774403"/>
             <a:ext cx="3126387" cy="869747"/>
           </a:xfrm>
           <a:prstGeom prst="rect">
@@ -5666,7 +4981,7 @@
         </p:nvCxnSpPr>
         <p:spPr>
           <a:xfrm flipH="1">
-            <a:off x="2698812" y="3646174"/>
+            <a:off x="2698812" y="2941983"/>
             <a:ext cx="1628330" cy="0"/>
           </a:xfrm>
           <a:prstGeom prst="straightConnector1">
@@ -5707,7 +5022,7 @@
         </p:nvCxnSpPr>
         <p:spPr>
           <a:xfrm>
-            <a:off x="2698812" y="4133191"/>
+            <a:off x="2698812" y="3429000"/>
             <a:ext cx="1628328" cy="0"/>
           </a:xfrm>
           <a:prstGeom prst="straightConnector1">
@@ -5746,7 +5061,7 @@
         </p:nvSpPr>
         <p:spPr>
           <a:xfrm>
-            <a:off x="4327140" y="4674530"/>
+            <a:off x="4327140" y="3970339"/>
             <a:ext cx="3126387" cy="869747"/>
           </a:xfrm>
           <a:prstGeom prst="rect">
@@ -5801,7 +5116,7 @@
         </p:nvCxnSpPr>
         <p:spPr>
           <a:xfrm>
-            <a:off x="5890332" y="4359666"/>
+            <a:off x="5890332" y="3655475"/>
             <a:ext cx="1" cy="315897"/>
           </a:xfrm>
           <a:prstGeom prst="straightConnector1">
@@ -5840,7 +5155,7 @@
         </p:nvSpPr>
         <p:spPr>
           <a:xfrm>
-            <a:off x="2850942" y="3703817"/>
+            <a:off x="2850942" y="2999626"/>
             <a:ext cx="1268296" cy="369332"/>
           </a:xfrm>
           <a:prstGeom prst="rect">
@@ -5875,7 +5190,7 @@
         </p:nvSpPr>
         <p:spPr>
           <a:xfrm>
-            <a:off x="9081855" y="3417517"/>
+            <a:off x="9081855" y="2713326"/>
             <a:ext cx="1890944" cy="1003177"/>
           </a:xfrm>
           <a:prstGeom prst="rect">
@@ -5932,15 +5247,13 @@
               </a:ext>
             </a:extLst>
           </p:cNvPr>
-          <p:cNvCxnSpPr>
-            <a:cxnSpLocks/>
-          </p:cNvCxnSpPr>
+          <p:cNvCxnSpPr/>
           <p:nvPr/>
         </p:nvCxnSpPr>
         <p:spPr>
           <a:xfrm>
             <a:off x="9632271" y="2072657"/>
-            <a:ext cx="0" cy="1335985"/>
+            <a:ext cx="0" cy="631794"/>
           </a:xfrm>
           <a:prstGeom prst="straightConnector1">
             <a:avLst/>
@@ -5980,8 +5293,8 @@
         </p:nvCxnSpPr>
         <p:spPr>
           <a:xfrm flipV="1">
-            <a:off x="10406107" y="2072657"/>
-            <a:ext cx="0" cy="1335986"/>
+            <a:off x="10406107" y="2054902"/>
+            <a:ext cx="0" cy="649549"/>
           </a:xfrm>
           <a:prstGeom prst="straightConnector1">
             <a:avLst/>
@@ -6021,7 +5334,7 @@
         </p:nvCxnSpPr>
         <p:spPr>
           <a:xfrm flipH="1">
-            <a:off x="7453527" y="3646174"/>
+            <a:off x="7453527" y="2941983"/>
             <a:ext cx="1628330" cy="0"/>
           </a:xfrm>
           <a:prstGeom prst="straightConnector1">
@@ -6062,7 +5375,7 @@
         </p:nvCxnSpPr>
         <p:spPr>
           <a:xfrm>
-            <a:off x="7453527" y="4133191"/>
+            <a:off x="7453527" y="3429000"/>
             <a:ext cx="1628328" cy="0"/>
           </a:xfrm>
           <a:prstGeom prst="straightConnector1">
@@ -6101,7 +5414,7 @@
         </p:nvSpPr>
         <p:spPr>
           <a:xfrm>
-            <a:off x="7767234" y="3690134"/>
+            <a:off x="7767234" y="2985943"/>
             <a:ext cx="1098058" cy="369332"/>
           </a:xfrm>
           <a:prstGeom prst="rect">
@@ -6122,383 +5435,10 @@
           </a:p>
         </p:txBody>
       </p:sp>
-      <p:sp>
-        <p:nvSpPr>
-          <p:cNvPr id="23" name="Rectangle 22">
-            <a:extLst>
-              <a:ext uri="{FF2B5EF4-FFF2-40B4-BE49-F238E27FC236}">
-                <a16:creationId xmlns:a16="http://schemas.microsoft.com/office/drawing/2014/main" id="{940013A0-D87E-6347-BEC4-BCE27B43382B}"/>
-              </a:ext>
-            </a:extLst>
-          </p:cNvPr>
-          <p:cNvSpPr/>
-          <p:nvPr/>
-        </p:nvSpPr>
-        <p:spPr>
-          <a:xfrm>
-            <a:off x="807868" y="1069479"/>
-            <a:ext cx="1890944" cy="1003177"/>
-          </a:xfrm>
-          <a:prstGeom prst="rect">
-            <a:avLst/>
-          </a:prstGeom>
-          <a:solidFill>
-            <a:schemeClr val="accent2"/>
-          </a:solidFill>
-          <a:ln>
-            <a:noFill/>
-          </a:ln>
-        </p:spPr>
-        <p:style>
-          <a:lnRef idx="2">
-            <a:schemeClr val="dk1">
-              <a:shade val="50000"/>
-            </a:schemeClr>
-          </a:lnRef>
-          <a:fillRef idx="1">
-            <a:schemeClr val="dk1"/>
-          </a:fillRef>
-          <a:effectRef idx="0">
-            <a:schemeClr val="dk1"/>
-          </a:effectRef>
-          <a:fontRef idx="minor">
-            <a:schemeClr val="lt1"/>
-          </a:fontRef>
-        </p:style>
-        <p:txBody>
-          <a:bodyPr rtlCol="0" anchor="ctr"/>
-          <a:lstStyle/>
-          <a:p>
-            <a:pPr algn="ctr"/>
-            <a:r>
-              <a:rPr lang="en-US" dirty="0"/>
-              <a:t>QT3 Test Suite</a:t>
-            </a:r>
-          </a:p>
-        </p:txBody>
-      </p:sp>
-      <p:sp>
-        <p:nvSpPr>
-          <p:cNvPr id="26" name="Rectangle 25">
-            <a:extLst>
-              <a:ext uri="{FF2B5EF4-FFF2-40B4-BE49-F238E27FC236}">
-                <a16:creationId xmlns:a16="http://schemas.microsoft.com/office/drawing/2014/main" id="{C0CF7EA1-FF45-EF4F-84A1-DCF431634A39}"/>
-              </a:ext>
-            </a:extLst>
-          </p:cNvPr>
-          <p:cNvSpPr/>
-          <p:nvPr/>
-        </p:nvSpPr>
-        <p:spPr>
-          <a:xfrm>
-            <a:off x="3235666" y="1069478"/>
-            <a:ext cx="1890944" cy="1003177"/>
-          </a:xfrm>
-          <a:prstGeom prst="rect">
-            <a:avLst/>
-          </a:prstGeom>
-          <a:solidFill>
-            <a:schemeClr val="accent2"/>
-          </a:solidFill>
-          <a:ln>
-            <a:noFill/>
-          </a:ln>
-        </p:spPr>
-        <p:style>
-          <a:lnRef idx="2">
-            <a:schemeClr val="dk1">
-              <a:shade val="50000"/>
-            </a:schemeClr>
-          </a:lnRef>
-          <a:fillRef idx="1">
-            <a:schemeClr val="dk1"/>
-          </a:fillRef>
-          <a:effectRef idx="0">
-            <a:schemeClr val="dk1"/>
-          </a:effectRef>
-          <a:fontRef idx="minor">
-            <a:schemeClr val="lt1"/>
-          </a:fontRef>
-        </p:style>
-        <p:txBody>
-          <a:bodyPr rtlCol="0" anchor="ctr"/>
-          <a:lstStyle/>
-          <a:p>
-            <a:pPr algn="ctr"/>
-            <a:r>
-              <a:rPr lang="en-US" dirty="0"/>
-              <a:t>XML Parser</a:t>
-            </a:r>
-          </a:p>
-          <a:p>
-            <a:pPr algn="ctr"/>
-            <a:r>
-              <a:rPr lang="en-US" dirty="0"/>
-              <a:t>Saxon</a:t>
-            </a:r>
-          </a:p>
-        </p:txBody>
-      </p:sp>
-      <p:sp>
-        <p:nvSpPr>
-          <p:cNvPr id="37" name="Rectangle 36">
-            <a:extLst>
-              <a:ext uri="{FF2B5EF4-FFF2-40B4-BE49-F238E27FC236}">
-                <a16:creationId xmlns:a16="http://schemas.microsoft.com/office/drawing/2014/main" id="{73E915CE-A222-424C-8DCA-DF751DA88A9C}"/>
-              </a:ext>
-            </a:extLst>
-          </p:cNvPr>
-          <p:cNvSpPr/>
-          <p:nvPr/>
-        </p:nvSpPr>
-        <p:spPr>
-          <a:xfrm>
-            <a:off x="6654057" y="1069478"/>
-            <a:ext cx="1890944" cy="1003177"/>
-          </a:xfrm>
-          <a:prstGeom prst="rect">
-            <a:avLst/>
-          </a:prstGeom>
-          <a:solidFill>
-            <a:schemeClr val="accent2"/>
-          </a:solidFill>
-          <a:ln>
-            <a:noFill/>
-          </a:ln>
-        </p:spPr>
-        <p:style>
-          <a:lnRef idx="2">
-            <a:schemeClr val="dk1">
-              <a:shade val="50000"/>
-            </a:schemeClr>
-          </a:lnRef>
-          <a:fillRef idx="1">
-            <a:schemeClr val="dk1"/>
-          </a:fillRef>
-          <a:effectRef idx="0">
-            <a:schemeClr val="dk1"/>
-          </a:effectRef>
-          <a:fontRef idx="minor">
-            <a:schemeClr val="lt1"/>
-          </a:fontRef>
-        </p:style>
-        <p:txBody>
-          <a:bodyPr rtlCol="0" anchor="ctr"/>
-          <a:lstStyle/>
-          <a:p>
-            <a:pPr algn="ctr"/>
-            <a:r>
-              <a:rPr lang="en-US" dirty="0"/>
-              <a:t>Test Converter</a:t>
-            </a:r>
-          </a:p>
-        </p:txBody>
-      </p:sp>
-      <p:cxnSp>
-        <p:nvCxnSpPr>
-          <p:cNvPr id="38" name="Straight Arrow Connector 37">
-            <a:extLst>
-              <a:ext uri="{FF2B5EF4-FFF2-40B4-BE49-F238E27FC236}">
-                <a16:creationId xmlns:a16="http://schemas.microsoft.com/office/drawing/2014/main" id="{E12D3F2A-7F69-8946-8B15-4B1E788EA8F5}"/>
-              </a:ext>
-            </a:extLst>
-          </p:cNvPr>
-          <p:cNvCxnSpPr>
-            <a:cxnSpLocks/>
-            <a:stCxn id="23" idx="3"/>
-            <a:endCxn id="26" idx="1"/>
-          </p:cNvCxnSpPr>
-          <p:nvPr/>
-        </p:nvCxnSpPr>
-        <p:spPr>
-          <a:xfrm flipV="1">
-            <a:off x="2698812" y="1571067"/>
-            <a:ext cx="536854" cy="1"/>
-          </a:xfrm>
-          <a:prstGeom prst="straightConnector1">
-            <a:avLst/>
-          </a:prstGeom>
-          <a:ln w="38100">
-            <a:tailEnd type="triangle"/>
-          </a:ln>
-        </p:spPr>
-        <p:style>
-          <a:lnRef idx="1">
-            <a:schemeClr val="accent1"/>
-          </a:lnRef>
-          <a:fillRef idx="0">
-            <a:schemeClr val="accent1"/>
-          </a:fillRef>
-          <a:effectRef idx="0">
-            <a:schemeClr val="accent1"/>
-          </a:effectRef>
-          <a:fontRef idx="minor">
-            <a:schemeClr val="tx1"/>
-          </a:fontRef>
-        </p:style>
-      </p:cxnSp>
-      <p:cxnSp>
-        <p:nvCxnSpPr>
-          <p:cNvPr id="44" name="Straight Arrow Connector 43">
-            <a:extLst>
-              <a:ext uri="{FF2B5EF4-FFF2-40B4-BE49-F238E27FC236}">
-                <a16:creationId xmlns:a16="http://schemas.microsoft.com/office/drawing/2014/main" id="{C9BE4A52-7848-434A-BD5C-579808142E8D}"/>
-              </a:ext>
-            </a:extLst>
-          </p:cNvPr>
-          <p:cNvCxnSpPr>
-            <a:cxnSpLocks/>
-          </p:cNvCxnSpPr>
-          <p:nvPr/>
-        </p:nvCxnSpPr>
-        <p:spPr>
-          <a:xfrm flipV="1">
-            <a:off x="8545001" y="1571065"/>
-            <a:ext cx="536854" cy="1"/>
-          </a:xfrm>
-          <a:prstGeom prst="straightConnector1">
-            <a:avLst/>
-          </a:prstGeom>
-          <a:ln w="38100">
-            <a:tailEnd type="triangle"/>
-          </a:ln>
-        </p:spPr>
-        <p:style>
-          <a:lnRef idx="1">
-            <a:schemeClr val="accent1"/>
-          </a:lnRef>
-          <a:fillRef idx="0">
-            <a:schemeClr val="accent1"/>
-          </a:fillRef>
-          <a:effectRef idx="0">
-            <a:schemeClr val="accent1"/>
-          </a:effectRef>
-          <a:fontRef idx="minor">
-            <a:schemeClr val="tx1"/>
-          </a:fontRef>
-        </p:style>
-      </p:cxnSp>
-      <p:cxnSp>
-        <p:nvCxnSpPr>
-          <p:cNvPr id="45" name="Straight Arrow Connector 44">
-            <a:extLst>
-              <a:ext uri="{FF2B5EF4-FFF2-40B4-BE49-F238E27FC236}">
-                <a16:creationId xmlns:a16="http://schemas.microsoft.com/office/drawing/2014/main" id="{EEFE7A0C-95BF-534A-A470-CEB1CCDA2112}"/>
-              </a:ext>
-            </a:extLst>
-          </p:cNvPr>
-          <p:cNvCxnSpPr>
-            <a:cxnSpLocks/>
-          </p:cNvCxnSpPr>
-          <p:nvPr/>
-        </p:nvCxnSpPr>
-        <p:spPr>
-          <a:xfrm flipH="1">
-            <a:off x="5126610" y="1324406"/>
-            <a:ext cx="1527448" cy="0"/>
-          </a:xfrm>
-          <a:prstGeom prst="straightConnector1">
-            <a:avLst/>
-          </a:prstGeom>
-          <a:ln w="38100">
-            <a:tailEnd type="triangle"/>
-          </a:ln>
-        </p:spPr>
-        <p:style>
-          <a:lnRef idx="1">
-            <a:schemeClr val="accent1"/>
-          </a:lnRef>
-          <a:fillRef idx="0">
-            <a:schemeClr val="accent1"/>
-          </a:fillRef>
-          <a:effectRef idx="0">
-            <a:schemeClr val="accent1"/>
-          </a:effectRef>
-          <a:fontRef idx="minor">
-            <a:schemeClr val="tx1"/>
-          </a:fontRef>
-        </p:style>
-      </p:cxnSp>
-      <p:cxnSp>
-        <p:nvCxnSpPr>
-          <p:cNvPr id="46" name="Straight Arrow Connector 45">
-            <a:extLst>
-              <a:ext uri="{FF2B5EF4-FFF2-40B4-BE49-F238E27FC236}">
-                <a16:creationId xmlns:a16="http://schemas.microsoft.com/office/drawing/2014/main" id="{56AFCB43-CDF6-2341-A3E2-6CB25304DCA2}"/>
-              </a:ext>
-            </a:extLst>
-          </p:cNvPr>
-          <p:cNvCxnSpPr>
-            <a:cxnSpLocks/>
-          </p:cNvCxnSpPr>
-          <p:nvPr/>
-        </p:nvCxnSpPr>
-        <p:spPr>
-          <a:xfrm>
-            <a:off x="5126610" y="1811423"/>
-            <a:ext cx="1527447" cy="0"/>
-          </a:xfrm>
-          <a:prstGeom prst="straightConnector1">
-            <a:avLst/>
-          </a:prstGeom>
-          <a:ln w="38100">
-            <a:tailEnd type="triangle"/>
-          </a:ln>
-        </p:spPr>
-        <p:style>
-          <a:lnRef idx="1">
-            <a:schemeClr val="accent1"/>
-          </a:lnRef>
-          <a:fillRef idx="0">
-            <a:schemeClr val="accent1"/>
-          </a:fillRef>
-          <a:effectRef idx="0">
-            <a:schemeClr val="accent1"/>
-          </a:effectRef>
-          <a:fontRef idx="minor">
-            <a:schemeClr val="tx1"/>
-          </a:fontRef>
-        </p:style>
-      </p:cxnSp>
-      <p:sp>
-        <p:nvSpPr>
-          <p:cNvPr id="48" name="TextBox 47">
-            <a:extLst>
-              <a:ext uri="{FF2B5EF4-FFF2-40B4-BE49-F238E27FC236}">
-                <a16:creationId xmlns:a16="http://schemas.microsoft.com/office/drawing/2014/main" id="{C7792C75-D1EF-E84E-9E93-F076A43FACD5}"/>
-              </a:ext>
-            </a:extLst>
-          </p:cNvPr>
-          <p:cNvSpPr txBox="1"/>
-          <p:nvPr/>
-        </p:nvSpPr>
-        <p:spPr>
-          <a:xfrm>
-            <a:off x="5389875" y="1368366"/>
-            <a:ext cx="1098058" cy="369332"/>
-          </a:xfrm>
-          <a:prstGeom prst="rect">
-            <a:avLst/>
-          </a:prstGeom>
-          <a:noFill/>
-        </p:spPr>
-        <p:txBody>
-          <a:bodyPr wrap="none" rtlCol="0">
-            <a:spAutoFit/>
-          </a:bodyPr>
-          <a:lstStyle/>
-          <a:p>
-            <a:r>
-              <a:rPr lang="en-US" dirty="0"/>
-              <a:t>Saxon API</a:t>
-            </a:r>
-          </a:p>
-        </p:txBody>
-      </p:sp>
     </p:spTree>
     <p:extLst>
       <p:ext uri="{BB962C8B-B14F-4D97-AF65-F5344CB8AC3E}">
-        <p14:creationId xmlns:p14="http://schemas.microsoft.com/office/powerpoint/2010/main" val="165205649"/>
+        <p14:creationId xmlns:p14="http://schemas.microsoft.com/office/powerpoint/2010/main" val="1345599352"/>
       </p:ext>
     </p:extLst>
   </p:cSld>
@@ -6527,61 +5467,975 @@
       </p:grpSpPr>
       <p:sp>
         <p:nvSpPr>
-          <p:cNvPr id="2" name="Title 1">
-            <a:extLst>
-              <a:ext uri="{FF2B5EF4-FFF2-40B4-BE49-F238E27FC236}">
-                <a16:creationId xmlns:a16="http://schemas.microsoft.com/office/drawing/2014/main" id="{0058CA62-7775-9C44-9C94-7F2F9F418606}"/>
-              </a:ext>
-            </a:extLst>
-          </p:cNvPr>
-          <p:cNvSpPr>
-            <a:spLocks noGrp="1"/>
-          </p:cNvSpPr>
-          <p:nvPr>
-            <p:ph type="title"/>
-          </p:nvPr>
-        </p:nvSpPr>
-        <p:spPr/>
-        <p:txBody>
-          <a:bodyPr/>
-          <a:lstStyle/>
-          <a:p>
-            <a:r>
-              <a:rPr lang="en-US"/>
-              <a:t>HERE SHOULD BE PLUGIN ARCHITECTURE</a:t>
-            </a:r>
-          </a:p>
-        </p:txBody>
-      </p:sp>
-      <p:sp>
-        <p:nvSpPr>
-          <p:cNvPr id="3" name="Content Placeholder 2">
-            <a:extLst>
-              <a:ext uri="{FF2B5EF4-FFF2-40B4-BE49-F238E27FC236}">
-                <a16:creationId xmlns:a16="http://schemas.microsoft.com/office/drawing/2014/main" id="{3E4DBA6A-4B96-F14E-A341-BFB4E09ED623}"/>
-              </a:ext>
-            </a:extLst>
-          </p:cNvPr>
-          <p:cNvSpPr>
-            <a:spLocks noGrp="1"/>
-          </p:cNvSpPr>
-          <p:nvPr>
-            <p:ph idx="1"/>
-          </p:nvPr>
-        </p:nvSpPr>
-        <p:spPr/>
-        <p:txBody>
-          <a:bodyPr/>
-          <a:lstStyle/>
-          <a:p>
-            <a:endParaRPr lang="en-US"/>
-          </a:p>
-        </p:txBody>
-      </p:sp>
+          <p:cNvPr id="5" name="Rectangle 4">
+            <a:extLst>
+              <a:ext uri="{FF2B5EF4-FFF2-40B4-BE49-F238E27FC236}">
+                <a16:creationId xmlns:a16="http://schemas.microsoft.com/office/drawing/2014/main" id="{378A7FC1-4EC5-4D80-981B-BE76701C64D5}"/>
+              </a:ext>
+            </a:extLst>
+          </p:cNvPr>
+          <p:cNvSpPr/>
+          <p:nvPr/>
+        </p:nvSpPr>
+        <p:spPr>
+          <a:xfrm>
+            <a:off x="3657600" y="457199"/>
+            <a:ext cx="4465468" cy="5504156"/>
+          </a:xfrm>
+          <a:prstGeom prst="rect">
+            <a:avLst/>
+          </a:prstGeom>
+          <a:solidFill>
+            <a:schemeClr val="bg1">
+              <a:lumMod val="95000"/>
+            </a:schemeClr>
+          </a:solidFill>
+        </p:spPr>
+        <p:style>
+          <a:lnRef idx="2">
+            <a:schemeClr val="accent1">
+              <a:shade val="50000"/>
+            </a:schemeClr>
+          </a:lnRef>
+          <a:fillRef idx="1">
+            <a:schemeClr val="accent1"/>
+          </a:fillRef>
+          <a:effectRef idx="0">
+            <a:schemeClr val="accent1"/>
+          </a:effectRef>
+          <a:fontRef idx="minor">
+            <a:schemeClr val="lt1"/>
+          </a:fontRef>
+        </p:style>
+        <p:txBody>
+          <a:bodyPr rtlCol="0" anchor="t" anchorCtr="0"/>
+          <a:lstStyle/>
+          <a:p>
+            <a:pPr algn="ctr"/>
+            <a:r>
+              <a:rPr lang="en-US" dirty="0">
+                <a:solidFill>
+                  <a:schemeClr val="tx1"/>
+                </a:solidFill>
+              </a:rPr>
+              <a:t>JAVA APPLICATION</a:t>
+            </a:r>
+          </a:p>
+        </p:txBody>
+      </p:sp>
+      <p:sp>
+        <p:nvSpPr>
+          <p:cNvPr id="7" name="Rectangle 6">
+            <a:extLst>
+              <a:ext uri="{FF2B5EF4-FFF2-40B4-BE49-F238E27FC236}">
+                <a16:creationId xmlns:a16="http://schemas.microsoft.com/office/drawing/2014/main" id="{1D9A284B-8A5C-42EB-AD39-A739557867FC}"/>
+              </a:ext>
+            </a:extLst>
+          </p:cNvPr>
+          <p:cNvSpPr/>
+          <p:nvPr/>
+        </p:nvSpPr>
+        <p:spPr>
+          <a:xfrm>
+            <a:off x="807868" y="2707689"/>
+            <a:ext cx="1890944" cy="1003177"/>
+          </a:xfrm>
+          <a:prstGeom prst="rect">
+            <a:avLst/>
+          </a:prstGeom>
+          <a:solidFill>
+            <a:schemeClr val="tx1">
+              <a:lumMod val="75000"/>
+              <a:lumOff val="25000"/>
+            </a:schemeClr>
+          </a:solidFill>
+        </p:spPr>
+        <p:style>
+          <a:lnRef idx="2">
+            <a:schemeClr val="dk1">
+              <a:shade val="50000"/>
+            </a:schemeClr>
+          </a:lnRef>
+          <a:fillRef idx="1">
+            <a:schemeClr val="dk1"/>
+          </a:fillRef>
+          <a:effectRef idx="0">
+            <a:schemeClr val="dk1"/>
+          </a:effectRef>
+          <a:fontRef idx="minor">
+            <a:schemeClr val="lt1"/>
+          </a:fontRef>
+        </p:style>
+        <p:txBody>
+          <a:bodyPr rtlCol="0" anchor="ctr"/>
+          <a:lstStyle/>
+          <a:p>
+            <a:pPr algn="ctr"/>
+            <a:r>
+              <a:rPr lang="en-US" dirty="0"/>
+              <a:t>RUMBLE</a:t>
+            </a:r>
+          </a:p>
+        </p:txBody>
+      </p:sp>
+      <p:sp>
+        <p:nvSpPr>
+          <p:cNvPr id="8" name="Rectangle 7">
+            <a:extLst>
+              <a:ext uri="{FF2B5EF4-FFF2-40B4-BE49-F238E27FC236}">
+                <a16:creationId xmlns:a16="http://schemas.microsoft.com/office/drawing/2014/main" id="{A60B3A32-B413-47A3-BFB9-39910D6805CB}"/>
+              </a:ext>
+            </a:extLst>
+          </p:cNvPr>
+          <p:cNvSpPr/>
+          <p:nvPr/>
+        </p:nvSpPr>
+        <p:spPr>
+          <a:xfrm>
+            <a:off x="807868" y="4360415"/>
+            <a:ext cx="1890944" cy="1003177"/>
+          </a:xfrm>
+          <a:prstGeom prst="rect">
+            <a:avLst/>
+          </a:prstGeom>
+          <a:solidFill>
+            <a:schemeClr val="tx1">
+              <a:lumMod val="75000"/>
+              <a:lumOff val="25000"/>
+            </a:schemeClr>
+          </a:solidFill>
+        </p:spPr>
+        <p:style>
+          <a:lnRef idx="2">
+            <a:schemeClr val="dk1">
+              <a:shade val="50000"/>
+            </a:schemeClr>
+          </a:lnRef>
+          <a:fillRef idx="1">
+            <a:schemeClr val="dk1"/>
+          </a:fillRef>
+          <a:effectRef idx="0">
+            <a:schemeClr val="dk1"/>
+          </a:effectRef>
+          <a:fontRef idx="minor">
+            <a:schemeClr val="lt1"/>
+          </a:fontRef>
+        </p:style>
+        <p:txBody>
+          <a:bodyPr rtlCol="0" anchor="ctr"/>
+          <a:lstStyle/>
+          <a:p>
+            <a:pPr algn="ctr"/>
+            <a:r>
+              <a:rPr lang="en-US" dirty="0"/>
+              <a:t>SPARK</a:t>
+            </a:r>
+          </a:p>
+        </p:txBody>
+      </p:sp>
+      <p:cxnSp>
+        <p:nvCxnSpPr>
+          <p:cNvPr id="10" name="Straight Arrow Connector 9">
+            <a:extLst>
+              <a:ext uri="{FF2B5EF4-FFF2-40B4-BE49-F238E27FC236}">
+                <a16:creationId xmlns:a16="http://schemas.microsoft.com/office/drawing/2014/main" id="{BB0AAEB6-0F4B-441B-8D85-640CFA52D4FE}"/>
+              </a:ext>
+            </a:extLst>
+          </p:cNvPr>
+          <p:cNvCxnSpPr/>
+          <p:nvPr/>
+        </p:nvCxnSpPr>
+        <p:spPr>
+          <a:xfrm>
+            <a:off x="1349406" y="3728621"/>
+            <a:ext cx="0" cy="631794"/>
+          </a:xfrm>
+          <a:prstGeom prst="straightConnector1">
+            <a:avLst/>
+          </a:prstGeom>
+          <a:ln w="38100">
+            <a:tailEnd type="triangle"/>
+          </a:ln>
+        </p:spPr>
+        <p:style>
+          <a:lnRef idx="1">
+            <a:schemeClr val="accent1"/>
+          </a:lnRef>
+          <a:fillRef idx="0">
+            <a:schemeClr val="accent1"/>
+          </a:fillRef>
+          <a:effectRef idx="0">
+            <a:schemeClr val="accent1"/>
+          </a:effectRef>
+          <a:fontRef idx="minor">
+            <a:schemeClr val="tx1"/>
+          </a:fontRef>
+        </p:style>
+      </p:cxnSp>
+      <p:cxnSp>
+        <p:nvCxnSpPr>
+          <p:cNvPr id="11" name="Straight Arrow Connector 10">
+            <a:extLst>
+              <a:ext uri="{FF2B5EF4-FFF2-40B4-BE49-F238E27FC236}">
+                <a16:creationId xmlns:a16="http://schemas.microsoft.com/office/drawing/2014/main" id="{FD0B535D-01A9-4B4C-A56E-E5D5657AC1DD}"/>
+              </a:ext>
+            </a:extLst>
+          </p:cNvPr>
+          <p:cNvCxnSpPr>
+            <a:cxnSpLocks/>
+          </p:cNvCxnSpPr>
+          <p:nvPr/>
+        </p:nvCxnSpPr>
+        <p:spPr>
+          <a:xfrm flipV="1">
+            <a:off x="2123242" y="3710866"/>
+            <a:ext cx="0" cy="649549"/>
+          </a:xfrm>
+          <a:prstGeom prst="straightConnector1">
+            <a:avLst/>
+          </a:prstGeom>
+          <a:ln w="38100">
+            <a:tailEnd type="triangle"/>
+          </a:ln>
+        </p:spPr>
+        <p:style>
+          <a:lnRef idx="1">
+            <a:schemeClr val="accent1"/>
+          </a:lnRef>
+          <a:fillRef idx="0">
+            <a:schemeClr val="accent1"/>
+          </a:fillRef>
+          <a:effectRef idx="0">
+            <a:schemeClr val="accent1"/>
+          </a:effectRef>
+          <a:fontRef idx="minor">
+            <a:schemeClr val="tx1"/>
+          </a:fontRef>
+        </p:style>
+      </p:cxnSp>
+      <p:sp>
+        <p:nvSpPr>
+          <p:cNvPr id="19" name="Rectangle 18">
+            <a:extLst>
+              <a:ext uri="{FF2B5EF4-FFF2-40B4-BE49-F238E27FC236}">
+                <a16:creationId xmlns:a16="http://schemas.microsoft.com/office/drawing/2014/main" id="{D4893B53-3DD0-43A2-8A86-3EA2DE32C5A3}"/>
+              </a:ext>
+            </a:extLst>
+          </p:cNvPr>
+          <p:cNvSpPr/>
+          <p:nvPr/>
+        </p:nvSpPr>
+        <p:spPr>
+          <a:xfrm>
+            <a:off x="9081855" y="3231522"/>
+            <a:ext cx="1890944" cy="1003177"/>
+          </a:xfrm>
+          <a:prstGeom prst="rect">
+            <a:avLst/>
+          </a:prstGeom>
+          <a:solidFill>
+            <a:srgbClr val="92D050"/>
+          </a:solidFill>
+          <a:ln>
+            <a:noFill/>
+          </a:ln>
+        </p:spPr>
+        <p:style>
+          <a:lnRef idx="2">
+            <a:schemeClr val="dk1">
+              <a:shade val="50000"/>
+            </a:schemeClr>
+          </a:lnRef>
+          <a:fillRef idx="1">
+            <a:schemeClr val="dk1"/>
+          </a:fillRef>
+          <a:effectRef idx="0">
+            <a:schemeClr val="dk1"/>
+          </a:effectRef>
+          <a:fontRef idx="minor">
+            <a:schemeClr val="lt1"/>
+          </a:fontRef>
+        </p:style>
+        <p:txBody>
+          <a:bodyPr rtlCol="0" anchor="ctr"/>
+          <a:lstStyle/>
+          <a:p>
+            <a:pPr algn="ctr"/>
+            <a:r>
+              <a:rPr lang="en-US" dirty="0"/>
+              <a:t>QT3 Test Suite</a:t>
+            </a:r>
+          </a:p>
+        </p:txBody>
+      </p:sp>
+      <p:sp>
+        <p:nvSpPr>
+          <p:cNvPr id="20" name="Rectangle 19">
+            <a:extLst>
+              <a:ext uri="{FF2B5EF4-FFF2-40B4-BE49-F238E27FC236}">
+                <a16:creationId xmlns:a16="http://schemas.microsoft.com/office/drawing/2014/main" id="{5B5D5F0E-627F-43B7-BD5E-4F8A8E434731}"/>
+              </a:ext>
+            </a:extLst>
+          </p:cNvPr>
+          <p:cNvSpPr/>
+          <p:nvPr/>
+        </p:nvSpPr>
+        <p:spPr>
+          <a:xfrm>
+            <a:off x="4119239" y="1072717"/>
+            <a:ext cx="3542190" cy="4290873"/>
+          </a:xfrm>
+          <a:prstGeom prst="rect">
+            <a:avLst/>
+          </a:prstGeom>
+        </p:spPr>
+        <p:style>
+          <a:lnRef idx="1">
+            <a:schemeClr val="accent5"/>
+          </a:lnRef>
+          <a:fillRef idx="2">
+            <a:schemeClr val="accent5"/>
+          </a:fillRef>
+          <a:effectRef idx="1">
+            <a:schemeClr val="accent5"/>
+          </a:effectRef>
+          <a:fontRef idx="minor">
+            <a:schemeClr val="dk1"/>
+          </a:fontRef>
+        </p:style>
+        <p:txBody>
+          <a:bodyPr rtlCol="0" anchor="t" anchorCtr="0"/>
+          <a:lstStyle/>
+          <a:p>
+            <a:pPr algn="ctr"/>
+            <a:r>
+              <a:rPr lang="en-US" dirty="0"/>
+              <a:t>Test Driver</a:t>
+            </a:r>
+          </a:p>
+        </p:txBody>
+      </p:sp>
+      <p:sp>
+        <p:nvSpPr>
+          <p:cNvPr id="25" name="Rectangle 24">
+            <a:extLst>
+              <a:ext uri="{FF2B5EF4-FFF2-40B4-BE49-F238E27FC236}">
+                <a16:creationId xmlns:a16="http://schemas.microsoft.com/office/drawing/2014/main" id="{E8CC4A4D-C085-48F9-A50A-FE763AB34C70}"/>
+              </a:ext>
+            </a:extLst>
+          </p:cNvPr>
+          <p:cNvSpPr/>
+          <p:nvPr/>
+        </p:nvSpPr>
+        <p:spPr>
+          <a:xfrm>
+            <a:off x="4327140" y="2774403"/>
+            <a:ext cx="3126387" cy="869747"/>
+          </a:xfrm>
+          <a:prstGeom prst="rect">
+            <a:avLst/>
+          </a:prstGeom>
+          <a:solidFill>
+            <a:schemeClr val="accent4">
+              <a:lumMod val="20000"/>
+              <a:lumOff val="80000"/>
+            </a:schemeClr>
+          </a:solidFill>
+        </p:spPr>
+        <p:style>
+          <a:lnRef idx="1">
+            <a:schemeClr val="accent5"/>
+          </a:lnRef>
+          <a:fillRef idx="2">
+            <a:schemeClr val="accent5"/>
+          </a:fillRef>
+          <a:effectRef idx="1">
+            <a:schemeClr val="accent5"/>
+          </a:effectRef>
+          <a:fontRef idx="minor">
+            <a:schemeClr val="dk1"/>
+          </a:fontRef>
+        </p:style>
+        <p:txBody>
+          <a:bodyPr rtlCol="0" anchor="ctr"/>
+          <a:lstStyle/>
+          <a:p>
+            <a:pPr algn="ctr"/>
+            <a:r>
+              <a:rPr lang="en-US" dirty="0"/>
+              <a:t>Test Case Handling Logic</a:t>
+            </a:r>
+          </a:p>
+        </p:txBody>
+      </p:sp>
+      <p:cxnSp>
+        <p:nvCxnSpPr>
+          <p:cNvPr id="29" name="Straight Arrow Connector 28">
+            <a:extLst>
+              <a:ext uri="{FF2B5EF4-FFF2-40B4-BE49-F238E27FC236}">
+                <a16:creationId xmlns:a16="http://schemas.microsoft.com/office/drawing/2014/main" id="{FED9F672-8BFD-454A-85F6-0A26AAA3CE6A}"/>
+              </a:ext>
+            </a:extLst>
+          </p:cNvPr>
+          <p:cNvCxnSpPr>
+            <a:cxnSpLocks/>
+          </p:cNvCxnSpPr>
+          <p:nvPr/>
+        </p:nvCxnSpPr>
+        <p:spPr>
+          <a:xfrm flipH="1">
+            <a:off x="2698812" y="2941983"/>
+            <a:ext cx="1628330" cy="0"/>
+          </a:xfrm>
+          <a:prstGeom prst="straightConnector1">
+            <a:avLst/>
+          </a:prstGeom>
+          <a:ln w="38100">
+            <a:tailEnd type="triangle"/>
+          </a:ln>
+        </p:spPr>
+        <p:style>
+          <a:lnRef idx="1">
+            <a:schemeClr val="accent1"/>
+          </a:lnRef>
+          <a:fillRef idx="0">
+            <a:schemeClr val="accent1"/>
+          </a:fillRef>
+          <a:effectRef idx="0">
+            <a:schemeClr val="accent1"/>
+          </a:effectRef>
+          <a:fontRef idx="minor">
+            <a:schemeClr val="tx1"/>
+          </a:fontRef>
+        </p:style>
+      </p:cxnSp>
+      <p:cxnSp>
+        <p:nvCxnSpPr>
+          <p:cNvPr id="34" name="Straight Arrow Connector 33">
+            <a:extLst>
+              <a:ext uri="{FF2B5EF4-FFF2-40B4-BE49-F238E27FC236}">
+                <a16:creationId xmlns:a16="http://schemas.microsoft.com/office/drawing/2014/main" id="{C33C8F52-24DB-4452-952C-66B7CD00C034}"/>
+              </a:ext>
+            </a:extLst>
+          </p:cNvPr>
+          <p:cNvCxnSpPr>
+            <a:cxnSpLocks/>
+          </p:cNvCxnSpPr>
+          <p:nvPr/>
+        </p:nvCxnSpPr>
+        <p:spPr>
+          <a:xfrm>
+            <a:off x="2698812" y="3429000"/>
+            <a:ext cx="1628328" cy="0"/>
+          </a:xfrm>
+          <a:prstGeom prst="straightConnector1">
+            <a:avLst/>
+          </a:prstGeom>
+          <a:ln w="38100">
+            <a:tailEnd type="triangle"/>
+          </a:ln>
+        </p:spPr>
+        <p:style>
+          <a:lnRef idx="1">
+            <a:schemeClr val="accent1"/>
+          </a:lnRef>
+          <a:fillRef idx="0">
+            <a:schemeClr val="accent1"/>
+          </a:fillRef>
+          <a:effectRef idx="0">
+            <a:schemeClr val="accent1"/>
+          </a:effectRef>
+          <a:fontRef idx="minor">
+            <a:schemeClr val="tx1"/>
+          </a:fontRef>
+        </p:style>
+      </p:cxnSp>
+      <p:sp>
+        <p:nvSpPr>
+          <p:cNvPr id="40" name="Rectangle 39">
+            <a:extLst>
+              <a:ext uri="{FF2B5EF4-FFF2-40B4-BE49-F238E27FC236}">
+                <a16:creationId xmlns:a16="http://schemas.microsoft.com/office/drawing/2014/main" id="{56829F72-B783-4B55-AEAE-CCB679A4DD4F}"/>
+              </a:ext>
+            </a:extLst>
+          </p:cNvPr>
+          <p:cNvSpPr/>
+          <p:nvPr/>
+        </p:nvSpPr>
+        <p:spPr>
+          <a:xfrm>
+            <a:off x="4327140" y="3970339"/>
+            <a:ext cx="3126387" cy="869747"/>
+          </a:xfrm>
+          <a:prstGeom prst="rect">
+            <a:avLst/>
+          </a:prstGeom>
+          <a:solidFill>
+            <a:schemeClr val="accent4">
+              <a:lumMod val="20000"/>
+              <a:lumOff val="80000"/>
+            </a:schemeClr>
+          </a:solidFill>
+        </p:spPr>
+        <p:style>
+          <a:lnRef idx="1">
+            <a:schemeClr val="accent5"/>
+          </a:lnRef>
+          <a:fillRef idx="2">
+            <a:schemeClr val="accent5"/>
+          </a:fillRef>
+          <a:effectRef idx="1">
+            <a:schemeClr val="accent5"/>
+          </a:effectRef>
+          <a:fontRef idx="minor">
+            <a:schemeClr val="dk1"/>
+          </a:fontRef>
+        </p:style>
+        <p:txBody>
+          <a:bodyPr rtlCol="0" anchor="ctr"/>
+          <a:lstStyle/>
+          <a:p>
+            <a:pPr algn="ctr"/>
+            <a:r>
+              <a:rPr lang="en-US" dirty="0"/>
+              <a:t>Test Result Handling Logic</a:t>
+            </a:r>
+          </a:p>
+        </p:txBody>
+      </p:sp>
+      <p:cxnSp>
+        <p:nvCxnSpPr>
+          <p:cNvPr id="41" name="Straight Arrow Connector 40">
+            <a:extLst>
+              <a:ext uri="{FF2B5EF4-FFF2-40B4-BE49-F238E27FC236}">
+                <a16:creationId xmlns:a16="http://schemas.microsoft.com/office/drawing/2014/main" id="{6770061F-2C72-4E6B-BC9E-DDA6A48D168E}"/>
+              </a:ext>
+            </a:extLst>
+          </p:cNvPr>
+          <p:cNvCxnSpPr>
+            <a:cxnSpLocks/>
+          </p:cNvCxnSpPr>
+          <p:nvPr/>
+        </p:nvCxnSpPr>
+        <p:spPr>
+          <a:xfrm>
+            <a:off x="5890332" y="3655475"/>
+            <a:ext cx="1" cy="315897"/>
+          </a:xfrm>
+          <a:prstGeom prst="straightConnector1">
+            <a:avLst/>
+          </a:prstGeom>
+          <a:ln w="38100">
+            <a:tailEnd type="triangle"/>
+          </a:ln>
+        </p:spPr>
+        <p:style>
+          <a:lnRef idx="1">
+            <a:schemeClr val="accent1"/>
+          </a:lnRef>
+          <a:fillRef idx="0">
+            <a:schemeClr val="accent1"/>
+          </a:fillRef>
+          <a:effectRef idx="0">
+            <a:schemeClr val="accent1"/>
+          </a:effectRef>
+          <a:fontRef idx="minor">
+            <a:schemeClr val="tx1"/>
+          </a:fontRef>
+        </p:style>
+      </p:cxnSp>
+      <p:sp>
+        <p:nvSpPr>
+          <p:cNvPr id="47" name="TextBox 46">
+            <a:extLst>
+              <a:ext uri="{FF2B5EF4-FFF2-40B4-BE49-F238E27FC236}">
+                <a16:creationId xmlns:a16="http://schemas.microsoft.com/office/drawing/2014/main" id="{A892EFC1-A1C8-4B99-B45B-B2707A5608ED}"/>
+              </a:ext>
+            </a:extLst>
+          </p:cNvPr>
+          <p:cNvSpPr txBox="1"/>
+          <p:nvPr/>
+        </p:nvSpPr>
+        <p:spPr>
+          <a:xfrm>
+            <a:off x="2850942" y="2999626"/>
+            <a:ext cx="1268296" cy="369332"/>
+          </a:xfrm>
+          <a:prstGeom prst="rect">
+            <a:avLst/>
+          </a:prstGeom>
+          <a:noFill/>
+        </p:spPr>
+        <p:txBody>
+          <a:bodyPr wrap="none" rtlCol="0">
+            <a:spAutoFit/>
+          </a:bodyPr>
+          <a:lstStyle/>
+          <a:p>
+            <a:r>
+              <a:rPr lang="en-US" dirty="0"/>
+              <a:t>Rumble API</a:t>
+            </a:r>
+          </a:p>
+        </p:txBody>
+      </p:sp>
+      <p:sp>
+        <p:nvSpPr>
+          <p:cNvPr id="22" name="Rectangle 21">
+            <a:extLst>
+              <a:ext uri="{FF2B5EF4-FFF2-40B4-BE49-F238E27FC236}">
+                <a16:creationId xmlns:a16="http://schemas.microsoft.com/office/drawing/2014/main" id="{B041507E-625F-8640-A09A-C733074E728D}"/>
+              </a:ext>
+            </a:extLst>
+          </p:cNvPr>
+          <p:cNvSpPr/>
+          <p:nvPr/>
+        </p:nvSpPr>
+        <p:spPr>
+          <a:xfrm>
+            <a:off x="9081855" y="1584433"/>
+            <a:ext cx="1890944" cy="1003177"/>
+          </a:xfrm>
+          <a:prstGeom prst="rect">
+            <a:avLst/>
+          </a:prstGeom>
+          <a:solidFill>
+            <a:srgbClr val="92D050"/>
+          </a:solidFill>
+          <a:ln>
+            <a:noFill/>
+          </a:ln>
+        </p:spPr>
+        <p:style>
+          <a:lnRef idx="2">
+            <a:schemeClr val="dk1">
+              <a:shade val="50000"/>
+            </a:schemeClr>
+          </a:lnRef>
+          <a:fillRef idx="1">
+            <a:schemeClr val="dk1"/>
+          </a:fillRef>
+          <a:effectRef idx="0">
+            <a:schemeClr val="dk1"/>
+          </a:effectRef>
+          <a:fontRef idx="minor">
+            <a:schemeClr val="lt1"/>
+          </a:fontRef>
+        </p:style>
+        <p:txBody>
+          <a:bodyPr rtlCol="0" anchor="ctr"/>
+          <a:lstStyle/>
+          <a:p>
+            <a:pPr algn="ctr"/>
+            <a:r>
+              <a:rPr lang="en-US" dirty="0"/>
+              <a:t>XML Parser</a:t>
+            </a:r>
+          </a:p>
+          <a:p>
+            <a:pPr algn="ctr"/>
+            <a:r>
+              <a:rPr lang="en-US" dirty="0"/>
+              <a:t>Saxon</a:t>
+            </a:r>
+          </a:p>
+        </p:txBody>
+      </p:sp>
+      <p:cxnSp>
+        <p:nvCxnSpPr>
+          <p:cNvPr id="27" name="Straight Arrow Connector 26">
+            <a:extLst>
+              <a:ext uri="{FF2B5EF4-FFF2-40B4-BE49-F238E27FC236}">
+                <a16:creationId xmlns:a16="http://schemas.microsoft.com/office/drawing/2014/main" id="{05300F2B-CCFE-3C45-ACCF-1E8B98B29B44}"/>
+              </a:ext>
+            </a:extLst>
+          </p:cNvPr>
+          <p:cNvCxnSpPr/>
+          <p:nvPr/>
+        </p:nvCxnSpPr>
+        <p:spPr>
+          <a:xfrm>
+            <a:off x="9620982" y="2590850"/>
+            <a:ext cx="0" cy="631794"/>
+          </a:xfrm>
+          <a:prstGeom prst="straightConnector1">
+            <a:avLst/>
+          </a:prstGeom>
+          <a:ln w="38100">
+            <a:tailEnd type="triangle"/>
+          </a:ln>
+        </p:spPr>
+        <p:style>
+          <a:lnRef idx="1">
+            <a:schemeClr val="accent1"/>
+          </a:lnRef>
+          <a:fillRef idx="0">
+            <a:schemeClr val="accent1"/>
+          </a:fillRef>
+          <a:effectRef idx="0">
+            <a:schemeClr val="accent1"/>
+          </a:effectRef>
+          <a:fontRef idx="minor">
+            <a:schemeClr val="tx1"/>
+          </a:fontRef>
+        </p:style>
+      </p:cxnSp>
+      <p:cxnSp>
+        <p:nvCxnSpPr>
+          <p:cNvPr id="28" name="Straight Arrow Connector 27">
+            <a:extLst>
+              <a:ext uri="{FF2B5EF4-FFF2-40B4-BE49-F238E27FC236}">
+                <a16:creationId xmlns:a16="http://schemas.microsoft.com/office/drawing/2014/main" id="{5307912C-1EA9-C843-8884-1B3360268107}"/>
+              </a:ext>
+            </a:extLst>
+          </p:cNvPr>
+          <p:cNvCxnSpPr>
+            <a:cxnSpLocks/>
+          </p:cNvCxnSpPr>
+          <p:nvPr/>
+        </p:nvCxnSpPr>
+        <p:spPr>
+          <a:xfrm flipV="1">
+            <a:off x="10394818" y="2573095"/>
+            <a:ext cx="0" cy="649549"/>
+          </a:xfrm>
+          <a:prstGeom prst="straightConnector1">
+            <a:avLst/>
+          </a:prstGeom>
+          <a:ln w="38100">
+            <a:tailEnd type="triangle"/>
+          </a:ln>
+        </p:spPr>
+        <p:style>
+          <a:lnRef idx="1">
+            <a:schemeClr val="accent1"/>
+          </a:lnRef>
+          <a:fillRef idx="0">
+            <a:schemeClr val="accent1"/>
+          </a:fillRef>
+          <a:effectRef idx="0">
+            <a:schemeClr val="accent1"/>
+          </a:effectRef>
+          <a:fontRef idx="minor">
+            <a:schemeClr val="tx1"/>
+          </a:fontRef>
+        </p:style>
+      </p:cxnSp>
+      <p:cxnSp>
+        <p:nvCxnSpPr>
+          <p:cNvPr id="30" name="Straight Arrow Connector 29">
+            <a:extLst>
+              <a:ext uri="{FF2B5EF4-FFF2-40B4-BE49-F238E27FC236}">
+                <a16:creationId xmlns:a16="http://schemas.microsoft.com/office/drawing/2014/main" id="{05A353DE-76B5-944B-BC56-77E7F77BE34B}"/>
+              </a:ext>
+            </a:extLst>
+          </p:cNvPr>
+          <p:cNvCxnSpPr>
+            <a:cxnSpLocks/>
+          </p:cNvCxnSpPr>
+          <p:nvPr/>
+        </p:nvCxnSpPr>
+        <p:spPr>
+          <a:xfrm flipH="1">
+            <a:off x="7453527" y="1813090"/>
+            <a:ext cx="1628330" cy="0"/>
+          </a:xfrm>
+          <a:prstGeom prst="straightConnector1">
+            <a:avLst/>
+          </a:prstGeom>
+          <a:ln w="38100">
+            <a:tailEnd type="triangle"/>
+          </a:ln>
+        </p:spPr>
+        <p:style>
+          <a:lnRef idx="1">
+            <a:schemeClr val="accent1"/>
+          </a:lnRef>
+          <a:fillRef idx="0">
+            <a:schemeClr val="accent1"/>
+          </a:fillRef>
+          <a:effectRef idx="0">
+            <a:schemeClr val="accent1"/>
+          </a:effectRef>
+          <a:fontRef idx="minor">
+            <a:schemeClr val="tx1"/>
+          </a:fontRef>
+        </p:style>
+      </p:cxnSp>
+      <p:cxnSp>
+        <p:nvCxnSpPr>
+          <p:cNvPr id="31" name="Straight Arrow Connector 30">
+            <a:extLst>
+              <a:ext uri="{FF2B5EF4-FFF2-40B4-BE49-F238E27FC236}">
+                <a16:creationId xmlns:a16="http://schemas.microsoft.com/office/drawing/2014/main" id="{02A905DA-90BD-A749-8747-AF03008759BF}"/>
+              </a:ext>
+            </a:extLst>
+          </p:cNvPr>
+          <p:cNvCxnSpPr>
+            <a:cxnSpLocks/>
+          </p:cNvCxnSpPr>
+          <p:nvPr/>
+        </p:nvCxnSpPr>
+        <p:spPr>
+          <a:xfrm>
+            <a:off x="7453527" y="2300107"/>
+            <a:ext cx="1628328" cy="0"/>
+          </a:xfrm>
+          <a:prstGeom prst="straightConnector1">
+            <a:avLst/>
+          </a:prstGeom>
+          <a:ln w="38100">
+            <a:tailEnd type="triangle"/>
+          </a:ln>
+        </p:spPr>
+        <p:style>
+          <a:lnRef idx="1">
+            <a:schemeClr val="accent1"/>
+          </a:lnRef>
+          <a:fillRef idx="0">
+            <a:schemeClr val="accent1"/>
+          </a:fillRef>
+          <a:effectRef idx="0">
+            <a:schemeClr val="accent1"/>
+          </a:effectRef>
+          <a:fontRef idx="minor">
+            <a:schemeClr val="tx1"/>
+          </a:fontRef>
+        </p:style>
+      </p:cxnSp>
+      <p:sp>
+        <p:nvSpPr>
+          <p:cNvPr id="32" name="TextBox 31">
+            <a:extLst>
+              <a:ext uri="{FF2B5EF4-FFF2-40B4-BE49-F238E27FC236}">
+                <a16:creationId xmlns:a16="http://schemas.microsoft.com/office/drawing/2014/main" id="{F006DC89-50EE-5149-9E66-0E9B5DF1B40F}"/>
+              </a:ext>
+            </a:extLst>
+          </p:cNvPr>
+          <p:cNvSpPr txBox="1"/>
+          <p:nvPr/>
+        </p:nvSpPr>
+        <p:spPr>
+          <a:xfrm>
+            <a:off x="7767234" y="1857050"/>
+            <a:ext cx="1098058" cy="369332"/>
+          </a:xfrm>
+          <a:prstGeom prst="rect">
+            <a:avLst/>
+          </a:prstGeom>
+          <a:noFill/>
+        </p:spPr>
+        <p:txBody>
+          <a:bodyPr wrap="none" rtlCol="0">
+            <a:spAutoFit/>
+          </a:bodyPr>
+          <a:lstStyle/>
+          <a:p>
+            <a:r>
+              <a:rPr lang="en-US" dirty="0"/>
+              <a:t>Saxon API</a:t>
+            </a:r>
+          </a:p>
+        </p:txBody>
+      </p:sp>
+      <p:sp>
+        <p:nvSpPr>
+          <p:cNvPr id="21" name="Rectangle 20">
+            <a:extLst>
+              <a:ext uri="{FF2B5EF4-FFF2-40B4-BE49-F238E27FC236}">
+                <a16:creationId xmlns:a16="http://schemas.microsoft.com/office/drawing/2014/main" id="{BB777F34-3FAE-6D4D-A441-CE41FCBF1A77}"/>
+              </a:ext>
+            </a:extLst>
+          </p:cNvPr>
+          <p:cNvSpPr/>
+          <p:nvPr/>
+        </p:nvSpPr>
+        <p:spPr>
+          <a:xfrm>
+            <a:off x="4327140" y="1614094"/>
+            <a:ext cx="3126387" cy="869747"/>
+          </a:xfrm>
+          <a:prstGeom prst="rect">
+            <a:avLst/>
+          </a:prstGeom>
+          <a:solidFill>
+            <a:schemeClr val="accent4">
+              <a:lumMod val="20000"/>
+              <a:lumOff val="80000"/>
+            </a:schemeClr>
+          </a:solidFill>
+        </p:spPr>
+        <p:style>
+          <a:lnRef idx="1">
+            <a:schemeClr val="accent5"/>
+          </a:lnRef>
+          <a:fillRef idx="2">
+            <a:schemeClr val="accent5"/>
+          </a:fillRef>
+          <a:effectRef idx="1">
+            <a:schemeClr val="accent5"/>
+          </a:effectRef>
+          <a:fontRef idx="minor">
+            <a:schemeClr val="dk1"/>
+          </a:fontRef>
+        </p:style>
+        <p:txBody>
+          <a:bodyPr rtlCol="0" anchor="ctr"/>
+          <a:lstStyle/>
+          <a:p>
+            <a:pPr algn="ctr"/>
+            <a:r>
+              <a:rPr lang="en-US" dirty="0"/>
+              <a:t>Converter</a:t>
+            </a:r>
+          </a:p>
+        </p:txBody>
+      </p:sp>
+      <p:cxnSp>
+        <p:nvCxnSpPr>
+          <p:cNvPr id="23" name="Straight Arrow Connector 22">
+            <a:extLst>
+              <a:ext uri="{FF2B5EF4-FFF2-40B4-BE49-F238E27FC236}">
+                <a16:creationId xmlns:a16="http://schemas.microsoft.com/office/drawing/2014/main" id="{ADC77477-CC8C-0746-80D6-28798D7E1E70}"/>
+              </a:ext>
+            </a:extLst>
+          </p:cNvPr>
+          <p:cNvCxnSpPr>
+            <a:cxnSpLocks/>
+          </p:cNvCxnSpPr>
+          <p:nvPr/>
+        </p:nvCxnSpPr>
+        <p:spPr>
+          <a:xfrm>
+            <a:off x="5890332" y="2482808"/>
+            <a:ext cx="1" cy="315897"/>
+          </a:xfrm>
+          <a:prstGeom prst="straightConnector1">
+            <a:avLst/>
+          </a:prstGeom>
+          <a:ln w="38100">
+            <a:tailEnd type="triangle"/>
+          </a:ln>
+        </p:spPr>
+        <p:style>
+          <a:lnRef idx="1">
+            <a:schemeClr val="accent1"/>
+          </a:lnRef>
+          <a:fillRef idx="0">
+            <a:schemeClr val="accent1"/>
+          </a:fillRef>
+          <a:effectRef idx="0">
+            <a:schemeClr val="accent1"/>
+          </a:effectRef>
+          <a:fontRef idx="minor">
+            <a:schemeClr val="tx1"/>
+          </a:fontRef>
+        </p:style>
+      </p:cxnSp>
     </p:spTree>
     <p:extLst>
       <p:ext uri="{BB962C8B-B14F-4D97-AF65-F5344CB8AC3E}">
-        <p14:creationId xmlns:p14="http://schemas.microsoft.com/office/powerpoint/2010/main" val="1897876379"/>
+        <p14:creationId xmlns:p14="http://schemas.microsoft.com/office/powerpoint/2010/main" val="502272690"/>
       </p:ext>
     </p:extLst>
   </p:cSld>
@@ -6610,6 +6464,1371 @@
       </p:grpSpPr>
       <p:sp>
         <p:nvSpPr>
+          <p:cNvPr id="5" name="Rectangle 4">
+            <a:extLst>
+              <a:ext uri="{FF2B5EF4-FFF2-40B4-BE49-F238E27FC236}">
+                <a16:creationId xmlns:a16="http://schemas.microsoft.com/office/drawing/2014/main" id="{378A7FC1-4EC5-4D80-981B-BE76701C64D5}"/>
+              </a:ext>
+            </a:extLst>
+          </p:cNvPr>
+          <p:cNvSpPr/>
+          <p:nvPr/>
+        </p:nvSpPr>
+        <p:spPr>
+          <a:xfrm>
+            <a:off x="3657600" y="2680137"/>
+            <a:ext cx="4465468" cy="3387646"/>
+          </a:xfrm>
+          <a:prstGeom prst="rect">
+            <a:avLst/>
+          </a:prstGeom>
+          <a:solidFill>
+            <a:schemeClr val="bg1">
+              <a:lumMod val="95000"/>
+            </a:schemeClr>
+          </a:solidFill>
+        </p:spPr>
+        <p:style>
+          <a:lnRef idx="2">
+            <a:schemeClr val="accent1">
+              <a:shade val="50000"/>
+            </a:schemeClr>
+          </a:lnRef>
+          <a:fillRef idx="1">
+            <a:schemeClr val="accent1"/>
+          </a:fillRef>
+          <a:effectRef idx="0">
+            <a:schemeClr val="accent1"/>
+          </a:effectRef>
+          <a:fontRef idx="minor">
+            <a:schemeClr val="lt1"/>
+          </a:fontRef>
+        </p:style>
+        <p:txBody>
+          <a:bodyPr rtlCol="0" anchor="t" anchorCtr="0"/>
+          <a:lstStyle/>
+          <a:p>
+            <a:pPr algn="ctr"/>
+            <a:r>
+              <a:rPr lang="en-US" dirty="0">
+                <a:solidFill>
+                  <a:schemeClr val="tx1"/>
+                </a:solidFill>
+              </a:rPr>
+              <a:t>JAVA APPLICATION</a:t>
+            </a:r>
+          </a:p>
+        </p:txBody>
+      </p:sp>
+      <p:sp>
+        <p:nvSpPr>
+          <p:cNvPr id="7" name="Rectangle 6">
+            <a:extLst>
+              <a:ext uri="{FF2B5EF4-FFF2-40B4-BE49-F238E27FC236}">
+                <a16:creationId xmlns:a16="http://schemas.microsoft.com/office/drawing/2014/main" id="{1D9A284B-8A5C-42EB-AD39-A739557867FC}"/>
+              </a:ext>
+            </a:extLst>
+          </p:cNvPr>
+          <p:cNvSpPr/>
+          <p:nvPr/>
+        </p:nvSpPr>
+        <p:spPr>
+          <a:xfrm>
+            <a:off x="807868" y="3411880"/>
+            <a:ext cx="1890944" cy="1003177"/>
+          </a:xfrm>
+          <a:prstGeom prst="rect">
+            <a:avLst/>
+          </a:prstGeom>
+          <a:solidFill>
+            <a:schemeClr val="tx1">
+              <a:lumMod val="75000"/>
+              <a:lumOff val="25000"/>
+            </a:schemeClr>
+          </a:solidFill>
+        </p:spPr>
+        <p:style>
+          <a:lnRef idx="2">
+            <a:schemeClr val="dk1">
+              <a:shade val="50000"/>
+            </a:schemeClr>
+          </a:lnRef>
+          <a:fillRef idx="1">
+            <a:schemeClr val="dk1"/>
+          </a:fillRef>
+          <a:effectRef idx="0">
+            <a:schemeClr val="dk1"/>
+          </a:effectRef>
+          <a:fontRef idx="minor">
+            <a:schemeClr val="lt1"/>
+          </a:fontRef>
+        </p:style>
+        <p:txBody>
+          <a:bodyPr rtlCol="0" anchor="ctr"/>
+          <a:lstStyle/>
+          <a:p>
+            <a:pPr algn="ctr"/>
+            <a:r>
+              <a:rPr lang="en-US" dirty="0"/>
+              <a:t>RUMBLE</a:t>
+            </a:r>
+          </a:p>
+        </p:txBody>
+      </p:sp>
+      <p:sp>
+        <p:nvSpPr>
+          <p:cNvPr id="8" name="Rectangle 7">
+            <a:extLst>
+              <a:ext uri="{FF2B5EF4-FFF2-40B4-BE49-F238E27FC236}">
+                <a16:creationId xmlns:a16="http://schemas.microsoft.com/office/drawing/2014/main" id="{A60B3A32-B413-47A3-BFB9-39910D6805CB}"/>
+              </a:ext>
+            </a:extLst>
+          </p:cNvPr>
+          <p:cNvSpPr/>
+          <p:nvPr/>
+        </p:nvSpPr>
+        <p:spPr>
+          <a:xfrm>
+            <a:off x="807868" y="5064606"/>
+            <a:ext cx="1890944" cy="1003177"/>
+          </a:xfrm>
+          <a:prstGeom prst="rect">
+            <a:avLst/>
+          </a:prstGeom>
+          <a:solidFill>
+            <a:schemeClr val="tx1">
+              <a:lumMod val="75000"/>
+              <a:lumOff val="25000"/>
+            </a:schemeClr>
+          </a:solidFill>
+        </p:spPr>
+        <p:style>
+          <a:lnRef idx="2">
+            <a:schemeClr val="dk1">
+              <a:shade val="50000"/>
+            </a:schemeClr>
+          </a:lnRef>
+          <a:fillRef idx="1">
+            <a:schemeClr val="dk1"/>
+          </a:fillRef>
+          <a:effectRef idx="0">
+            <a:schemeClr val="dk1"/>
+          </a:effectRef>
+          <a:fontRef idx="minor">
+            <a:schemeClr val="lt1"/>
+          </a:fontRef>
+        </p:style>
+        <p:txBody>
+          <a:bodyPr rtlCol="0" anchor="ctr"/>
+          <a:lstStyle/>
+          <a:p>
+            <a:pPr algn="ctr"/>
+            <a:r>
+              <a:rPr lang="en-US" dirty="0"/>
+              <a:t>SPARK</a:t>
+            </a:r>
+          </a:p>
+        </p:txBody>
+      </p:sp>
+      <p:cxnSp>
+        <p:nvCxnSpPr>
+          <p:cNvPr id="10" name="Straight Arrow Connector 9">
+            <a:extLst>
+              <a:ext uri="{FF2B5EF4-FFF2-40B4-BE49-F238E27FC236}">
+                <a16:creationId xmlns:a16="http://schemas.microsoft.com/office/drawing/2014/main" id="{BB0AAEB6-0F4B-441B-8D85-640CFA52D4FE}"/>
+              </a:ext>
+            </a:extLst>
+          </p:cNvPr>
+          <p:cNvCxnSpPr/>
+          <p:nvPr/>
+        </p:nvCxnSpPr>
+        <p:spPr>
+          <a:xfrm>
+            <a:off x="1349406" y="4432812"/>
+            <a:ext cx="0" cy="631794"/>
+          </a:xfrm>
+          <a:prstGeom prst="straightConnector1">
+            <a:avLst/>
+          </a:prstGeom>
+          <a:ln w="38100">
+            <a:tailEnd type="triangle"/>
+          </a:ln>
+        </p:spPr>
+        <p:style>
+          <a:lnRef idx="1">
+            <a:schemeClr val="accent1"/>
+          </a:lnRef>
+          <a:fillRef idx="0">
+            <a:schemeClr val="accent1"/>
+          </a:fillRef>
+          <a:effectRef idx="0">
+            <a:schemeClr val="accent1"/>
+          </a:effectRef>
+          <a:fontRef idx="minor">
+            <a:schemeClr val="tx1"/>
+          </a:fontRef>
+        </p:style>
+      </p:cxnSp>
+      <p:cxnSp>
+        <p:nvCxnSpPr>
+          <p:cNvPr id="11" name="Straight Arrow Connector 10">
+            <a:extLst>
+              <a:ext uri="{FF2B5EF4-FFF2-40B4-BE49-F238E27FC236}">
+                <a16:creationId xmlns:a16="http://schemas.microsoft.com/office/drawing/2014/main" id="{FD0B535D-01A9-4B4C-A56E-E5D5657AC1DD}"/>
+              </a:ext>
+            </a:extLst>
+          </p:cNvPr>
+          <p:cNvCxnSpPr>
+            <a:cxnSpLocks/>
+          </p:cNvCxnSpPr>
+          <p:nvPr/>
+        </p:nvCxnSpPr>
+        <p:spPr>
+          <a:xfrm flipV="1">
+            <a:off x="2123242" y="4415057"/>
+            <a:ext cx="0" cy="649549"/>
+          </a:xfrm>
+          <a:prstGeom prst="straightConnector1">
+            <a:avLst/>
+          </a:prstGeom>
+          <a:ln w="38100">
+            <a:tailEnd type="triangle"/>
+          </a:ln>
+        </p:spPr>
+        <p:style>
+          <a:lnRef idx="1">
+            <a:schemeClr val="accent1"/>
+          </a:lnRef>
+          <a:fillRef idx="0">
+            <a:schemeClr val="accent1"/>
+          </a:fillRef>
+          <a:effectRef idx="0">
+            <a:schemeClr val="accent1"/>
+          </a:effectRef>
+          <a:fontRef idx="minor">
+            <a:schemeClr val="tx1"/>
+          </a:fontRef>
+        </p:style>
+      </p:cxnSp>
+      <p:sp>
+        <p:nvSpPr>
+          <p:cNvPr id="19" name="Rectangle 18">
+            <a:extLst>
+              <a:ext uri="{FF2B5EF4-FFF2-40B4-BE49-F238E27FC236}">
+                <a16:creationId xmlns:a16="http://schemas.microsoft.com/office/drawing/2014/main" id="{D4893B53-3DD0-43A2-8A86-3EA2DE32C5A3}"/>
+              </a:ext>
+            </a:extLst>
+          </p:cNvPr>
+          <p:cNvSpPr/>
+          <p:nvPr/>
+        </p:nvSpPr>
+        <p:spPr>
+          <a:xfrm>
+            <a:off x="9081855" y="1069480"/>
+            <a:ext cx="1890944" cy="1003177"/>
+          </a:xfrm>
+          <a:prstGeom prst="rect">
+            <a:avLst/>
+          </a:prstGeom>
+          <a:solidFill>
+            <a:srgbClr val="92D050"/>
+          </a:solidFill>
+          <a:ln>
+            <a:noFill/>
+          </a:ln>
+        </p:spPr>
+        <p:style>
+          <a:lnRef idx="2">
+            <a:schemeClr val="dk1">
+              <a:shade val="50000"/>
+            </a:schemeClr>
+          </a:lnRef>
+          <a:fillRef idx="1">
+            <a:schemeClr val="dk1"/>
+          </a:fillRef>
+          <a:effectRef idx="0">
+            <a:schemeClr val="dk1"/>
+          </a:effectRef>
+          <a:fontRef idx="minor">
+            <a:schemeClr val="lt1"/>
+          </a:fontRef>
+        </p:style>
+        <p:txBody>
+          <a:bodyPr rtlCol="0" anchor="ctr"/>
+          <a:lstStyle/>
+          <a:p>
+            <a:pPr algn="ctr"/>
+            <a:r>
+              <a:rPr lang="en-US" dirty="0" err="1"/>
+              <a:t>JSONiq</a:t>
+            </a:r>
+            <a:r>
+              <a:rPr lang="en-US" dirty="0"/>
+              <a:t> Test Suite</a:t>
+            </a:r>
+          </a:p>
+        </p:txBody>
+      </p:sp>
+      <p:sp>
+        <p:nvSpPr>
+          <p:cNvPr id="20" name="Rectangle 19">
+            <a:extLst>
+              <a:ext uri="{FF2B5EF4-FFF2-40B4-BE49-F238E27FC236}">
+                <a16:creationId xmlns:a16="http://schemas.microsoft.com/office/drawing/2014/main" id="{5B5D5F0E-627F-43B7-BD5E-4F8A8E434731}"/>
+              </a:ext>
+            </a:extLst>
+          </p:cNvPr>
+          <p:cNvSpPr/>
+          <p:nvPr/>
+        </p:nvSpPr>
+        <p:spPr>
+          <a:xfrm>
+            <a:off x="4119239" y="3037488"/>
+            <a:ext cx="3542190" cy="2795751"/>
+          </a:xfrm>
+          <a:prstGeom prst="rect">
+            <a:avLst/>
+          </a:prstGeom>
+        </p:spPr>
+        <p:style>
+          <a:lnRef idx="1">
+            <a:schemeClr val="accent5"/>
+          </a:lnRef>
+          <a:fillRef idx="2">
+            <a:schemeClr val="accent5"/>
+          </a:fillRef>
+          <a:effectRef idx="1">
+            <a:schemeClr val="accent5"/>
+          </a:effectRef>
+          <a:fontRef idx="minor">
+            <a:schemeClr val="dk1"/>
+          </a:fontRef>
+        </p:style>
+        <p:txBody>
+          <a:bodyPr rtlCol="0" anchor="t" anchorCtr="0"/>
+          <a:lstStyle/>
+          <a:p>
+            <a:pPr algn="ctr"/>
+            <a:r>
+              <a:rPr lang="en-US" dirty="0"/>
+              <a:t>Test Driver</a:t>
+            </a:r>
+          </a:p>
+        </p:txBody>
+      </p:sp>
+      <p:sp>
+        <p:nvSpPr>
+          <p:cNvPr id="25" name="Rectangle 24">
+            <a:extLst>
+              <a:ext uri="{FF2B5EF4-FFF2-40B4-BE49-F238E27FC236}">
+                <a16:creationId xmlns:a16="http://schemas.microsoft.com/office/drawing/2014/main" id="{E8CC4A4D-C085-48F9-A50A-FE763AB34C70}"/>
+              </a:ext>
+            </a:extLst>
+          </p:cNvPr>
+          <p:cNvSpPr/>
+          <p:nvPr/>
+        </p:nvSpPr>
+        <p:spPr>
+          <a:xfrm>
+            <a:off x="4327140" y="3478594"/>
+            <a:ext cx="3126387" cy="869747"/>
+          </a:xfrm>
+          <a:prstGeom prst="rect">
+            <a:avLst/>
+          </a:prstGeom>
+          <a:solidFill>
+            <a:schemeClr val="accent4">
+              <a:lumMod val="20000"/>
+              <a:lumOff val="80000"/>
+            </a:schemeClr>
+          </a:solidFill>
+        </p:spPr>
+        <p:style>
+          <a:lnRef idx="1">
+            <a:schemeClr val="accent5"/>
+          </a:lnRef>
+          <a:fillRef idx="2">
+            <a:schemeClr val="accent5"/>
+          </a:fillRef>
+          <a:effectRef idx="1">
+            <a:schemeClr val="accent5"/>
+          </a:effectRef>
+          <a:fontRef idx="minor">
+            <a:schemeClr val="dk1"/>
+          </a:fontRef>
+        </p:style>
+        <p:txBody>
+          <a:bodyPr rtlCol="0" anchor="ctr"/>
+          <a:lstStyle/>
+          <a:p>
+            <a:pPr algn="ctr"/>
+            <a:r>
+              <a:rPr lang="en-US" dirty="0"/>
+              <a:t>Test Case Handling Logic</a:t>
+            </a:r>
+          </a:p>
+        </p:txBody>
+      </p:sp>
+      <p:cxnSp>
+        <p:nvCxnSpPr>
+          <p:cNvPr id="29" name="Straight Arrow Connector 28">
+            <a:extLst>
+              <a:ext uri="{FF2B5EF4-FFF2-40B4-BE49-F238E27FC236}">
+                <a16:creationId xmlns:a16="http://schemas.microsoft.com/office/drawing/2014/main" id="{FED9F672-8BFD-454A-85F6-0A26AAA3CE6A}"/>
+              </a:ext>
+            </a:extLst>
+          </p:cNvPr>
+          <p:cNvCxnSpPr>
+            <a:cxnSpLocks/>
+          </p:cNvCxnSpPr>
+          <p:nvPr/>
+        </p:nvCxnSpPr>
+        <p:spPr>
+          <a:xfrm flipH="1">
+            <a:off x="2698812" y="3646174"/>
+            <a:ext cx="1628330" cy="0"/>
+          </a:xfrm>
+          <a:prstGeom prst="straightConnector1">
+            <a:avLst/>
+          </a:prstGeom>
+          <a:ln w="38100">
+            <a:tailEnd type="triangle"/>
+          </a:ln>
+        </p:spPr>
+        <p:style>
+          <a:lnRef idx="1">
+            <a:schemeClr val="accent1"/>
+          </a:lnRef>
+          <a:fillRef idx="0">
+            <a:schemeClr val="accent1"/>
+          </a:fillRef>
+          <a:effectRef idx="0">
+            <a:schemeClr val="accent1"/>
+          </a:effectRef>
+          <a:fontRef idx="minor">
+            <a:schemeClr val="tx1"/>
+          </a:fontRef>
+        </p:style>
+      </p:cxnSp>
+      <p:cxnSp>
+        <p:nvCxnSpPr>
+          <p:cNvPr id="34" name="Straight Arrow Connector 33">
+            <a:extLst>
+              <a:ext uri="{FF2B5EF4-FFF2-40B4-BE49-F238E27FC236}">
+                <a16:creationId xmlns:a16="http://schemas.microsoft.com/office/drawing/2014/main" id="{C33C8F52-24DB-4452-952C-66B7CD00C034}"/>
+              </a:ext>
+            </a:extLst>
+          </p:cNvPr>
+          <p:cNvCxnSpPr>
+            <a:cxnSpLocks/>
+          </p:cNvCxnSpPr>
+          <p:nvPr/>
+        </p:nvCxnSpPr>
+        <p:spPr>
+          <a:xfrm>
+            <a:off x="2698812" y="4133191"/>
+            <a:ext cx="1628328" cy="0"/>
+          </a:xfrm>
+          <a:prstGeom prst="straightConnector1">
+            <a:avLst/>
+          </a:prstGeom>
+          <a:ln w="38100">
+            <a:tailEnd type="triangle"/>
+          </a:ln>
+        </p:spPr>
+        <p:style>
+          <a:lnRef idx="1">
+            <a:schemeClr val="accent1"/>
+          </a:lnRef>
+          <a:fillRef idx="0">
+            <a:schemeClr val="accent1"/>
+          </a:fillRef>
+          <a:effectRef idx="0">
+            <a:schemeClr val="accent1"/>
+          </a:effectRef>
+          <a:fontRef idx="minor">
+            <a:schemeClr val="tx1"/>
+          </a:fontRef>
+        </p:style>
+      </p:cxnSp>
+      <p:sp>
+        <p:nvSpPr>
+          <p:cNvPr id="40" name="Rectangle 39">
+            <a:extLst>
+              <a:ext uri="{FF2B5EF4-FFF2-40B4-BE49-F238E27FC236}">
+                <a16:creationId xmlns:a16="http://schemas.microsoft.com/office/drawing/2014/main" id="{56829F72-B783-4B55-AEAE-CCB679A4DD4F}"/>
+              </a:ext>
+            </a:extLst>
+          </p:cNvPr>
+          <p:cNvSpPr/>
+          <p:nvPr/>
+        </p:nvSpPr>
+        <p:spPr>
+          <a:xfrm>
+            <a:off x="4327140" y="4674530"/>
+            <a:ext cx="3126387" cy="869747"/>
+          </a:xfrm>
+          <a:prstGeom prst="rect">
+            <a:avLst/>
+          </a:prstGeom>
+          <a:solidFill>
+            <a:schemeClr val="accent4">
+              <a:lumMod val="20000"/>
+              <a:lumOff val="80000"/>
+            </a:schemeClr>
+          </a:solidFill>
+        </p:spPr>
+        <p:style>
+          <a:lnRef idx="1">
+            <a:schemeClr val="accent5"/>
+          </a:lnRef>
+          <a:fillRef idx="2">
+            <a:schemeClr val="accent5"/>
+          </a:fillRef>
+          <a:effectRef idx="1">
+            <a:schemeClr val="accent5"/>
+          </a:effectRef>
+          <a:fontRef idx="minor">
+            <a:schemeClr val="dk1"/>
+          </a:fontRef>
+        </p:style>
+        <p:txBody>
+          <a:bodyPr rtlCol="0" anchor="ctr"/>
+          <a:lstStyle/>
+          <a:p>
+            <a:pPr algn="ctr"/>
+            <a:r>
+              <a:rPr lang="en-US" dirty="0"/>
+              <a:t>Test Result Handling Logic</a:t>
+            </a:r>
+          </a:p>
+        </p:txBody>
+      </p:sp>
+      <p:cxnSp>
+        <p:nvCxnSpPr>
+          <p:cNvPr id="41" name="Straight Arrow Connector 40">
+            <a:extLst>
+              <a:ext uri="{FF2B5EF4-FFF2-40B4-BE49-F238E27FC236}">
+                <a16:creationId xmlns:a16="http://schemas.microsoft.com/office/drawing/2014/main" id="{6770061F-2C72-4E6B-BC9E-DDA6A48D168E}"/>
+              </a:ext>
+            </a:extLst>
+          </p:cNvPr>
+          <p:cNvCxnSpPr>
+            <a:cxnSpLocks/>
+          </p:cNvCxnSpPr>
+          <p:nvPr/>
+        </p:nvCxnSpPr>
+        <p:spPr>
+          <a:xfrm>
+            <a:off x="5890332" y="4359666"/>
+            <a:ext cx="1" cy="315897"/>
+          </a:xfrm>
+          <a:prstGeom prst="straightConnector1">
+            <a:avLst/>
+          </a:prstGeom>
+          <a:ln w="38100">
+            <a:tailEnd type="triangle"/>
+          </a:ln>
+        </p:spPr>
+        <p:style>
+          <a:lnRef idx="1">
+            <a:schemeClr val="accent1"/>
+          </a:lnRef>
+          <a:fillRef idx="0">
+            <a:schemeClr val="accent1"/>
+          </a:fillRef>
+          <a:effectRef idx="0">
+            <a:schemeClr val="accent1"/>
+          </a:effectRef>
+          <a:fontRef idx="minor">
+            <a:schemeClr val="tx1"/>
+          </a:fontRef>
+        </p:style>
+      </p:cxnSp>
+      <p:sp>
+        <p:nvSpPr>
+          <p:cNvPr id="47" name="TextBox 46">
+            <a:extLst>
+              <a:ext uri="{FF2B5EF4-FFF2-40B4-BE49-F238E27FC236}">
+                <a16:creationId xmlns:a16="http://schemas.microsoft.com/office/drawing/2014/main" id="{A892EFC1-A1C8-4B99-B45B-B2707A5608ED}"/>
+              </a:ext>
+            </a:extLst>
+          </p:cNvPr>
+          <p:cNvSpPr txBox="1"/>
+          <p:nvPr/>
+        </p:nvSpPr>
+        <p:spPr>
+          <a:xfrm>
+            <a:off x="2850942" y="3703817"/>
+            <a:ext cx="1268296" cy="369332"/>
+          </a:xfrm>
+          <a:prstGeom prst="rect">
+            <a:avLst/>
+          </a:prstGeom>
+          <a:noFill/>
+        </p:spPr>
+        <p:txBody>
+          <a:bodyPr wrap="none" rtlCol="0">
+            <a:spAutoFit/>
+          </a:bodyPr>
+          <a:lstStyle/>
+          <a:p>
+            <a:r>
+              <a:rPr lang="en-US" dirty="0"/>
+              <a:t>Rumble API</a:t>
+            </a:r>
+          </a:p>
+        </p:txBody>
+      </p:sp>
+      <p:sp>
+        <p:nvSpPr>
+          <p:cNvPr id="22" name="Rectangle 21">
+            <a:extLst>
+              <a:ext uri="{FF2B5EF4-FFF2-40B4-BE49-F238E27FC236}">
+                <a16:creationId xmlns:a16="http://schemas.microsoft.com/office/drawing/2014/main" id="{B041507E-625F-8640-A09A-C733074E728D}"/>
+              </a:ext>
+            </a:extLst>
+          </p:cNvPr>
+          <p:cNvSpPr/>
+          <p:nvPr/>
+        </p:nvSpPr>
+        <p:spPr>
+          <a:xfrm>
+            <a:off x="9081855" y="3417517"/>
+            <a:ext cx="1890944" cy="1003177"/>
+          </a:xfrm>
+          <a:prstGeom prst="rect">
+            <a:avLst/>
+          </a:prstGeom>
+          <a:solidFill>
+            <a:srgbClr val="92D050"/>
+          </a:solidFill>
+          <a:ln>
+            <a:noFill/>
+          </a:ln>
+        </p:spPr>
+        <p:style>
+          <a:lnRef idx="2">
+            <a:schemeClr val="dk1">
+              <a:shade val="50000"/>
+            </a:schemeClr>
+          </a:lnRef>
+          <a:fillRef idx="1">
+            <a:schemeClr val="dk1"/>
+          </a:fillRef>
+          <a:effectRef idx="0">
+            <a:schemeClr val="dk1"/>
+          </a:effectRef>
+          <a:fontRef idx="minor">
+            <a:schemeClr val="lt1"/>
+          </a:fontRef>
+        </p:style>
+        <p:txBody>
+          <a:bodyPr rtlCol="0" anchor="ctr"/>
+          <a:lstStyle/>
+          <a:p>
+            <a:pPr algn="ctr"/>
+            <a:r>
+              <a:rPr lang="en-US" dirty="0"/>
+              <a:t>XML Parser</a:t>
+            </a:r>
+          </a:p>
+          <a:p>
+            <a:pPr algn="ctr"/>
+            <a:r>
+              <a:rPr lang="en-US" dirty="0"/>
+              <a:t>Saxon</a:t>
+            </a:r>
+          </a:p>
+        </p:txBody>
+      </p:sp>
+      <p:cxnSp>
+        <p:nvCxnSpPr>
+          <p:cNvPr id="27" name="Straight Arrow Connector 26">
+            <a:extLst>
+              <a:ext uri="{FF2B5EF4-FFF2-40B4-BE49-F238E27FC236}">
+                <a16:creationId xmlns:a16="http://schemas.microsoft.com/office/drawing/2014/main" id="{05300F2B-CCFE-3C45-ACCF-1E8B98B29B44}"/>
+              </a:ext>
+            </a:extLst>
+          </p:cNvPr>
+          <p:cNvCxnSpPr>
+            <a:cxnSpLocks/>
+          </p:cNvCxnSpPr>
+          <p:nvPr/>
+        </p:nvCxnSpPr>
+        <p:spPr>
+          <a:xfrm>
+            <a:off x="9632271" y="2072657"/>
+            <a:ext cx="0" cy="1335985"/>
+          </a:xfrm>
+          <a:prstGeom prst="straightConnector1">
+            <a:avLst/>
+          </a:prstGeom>
+          <a:ln w="38100">
+            <a:tailEnd type="triangle"/>
+          </a:ln>
+        </p:spPr>
+        <p:style>
+          <a:lnRef idx="1">
+            <a:schemeClr val="accent1"/>
+          </a:lnRef>
+          <a:fillRef idx="0">
+            <a:schemeClr val="accent1"/>
+          </a:fillRef>
+          <a:effectRef idx="0">
+            <a:schemeClr val="accent1"/>
+          </a:effectRef>
+          <a:fontRef idx="minor">
+            <a:schemeClr val="tx1"/>
+          </a:fontRef>
+        </p:style>
+      </p:cxnSp>
+      <p:cxnSp>
+        <p:nvCxnSpPr>
+          <p:cNvPr id="28" name="Straight Arrow Connector 27">
+            <a:extLst>
+              <a:ext uri="{FF2B5EF4-FFF2-40B4-BE49-F238E27FC236}">
+                <a16:creationId xmlns:a16="http://schemas.microsoft.com/office/drawing/2014/main" id="{5307912C-1EA9-C843-8884-1B3360268107}"/>
+              </a:ext>
+            </a:extLst>
+          </p:cNvPr>
+          <p:cNvCxnSpPr>
+            <a:cxnSpLocks/>
+          </p:cNvCxnSpPr>
+          <p:nvPr/>
+        </p:nvCxnSpPr>
+        <p:spPr>
+          <a:xfrm flipV="1">
+            <a:off x="10406107" y="2072657"/>
+            <a:ext cx="0" cy="1335986"/>
+          </a:xfrm>
+          <a:prstGeom prst="straightConnector1">
+            <a:avLst/>
+          </a:prstGeom>
+          <a:ln w="38100">
+            <a:tailEnd type="triangle"/>
+          </a:ln>
+        </p:spPr>
+        <p:style>
+          <a:lnRef idx="1">
+            <a:schemeClr val="accent1"/>
+          </a:lnRef>
+          <a:fillRef idx="0">
+            <a:schemeClr val="accent1"/>
+          </a:fillRef>
+          <a:effectRef idx="0">
+            <a:schemeClr val="accent1"/>
+          </a:effectRef>
+          <a:fontRef idx="minor">
+            <a:schemeClr val="tx1"/>
+          </a:fontRef>
+        </p:style>
+      </p:cxnSp>
+      <p:cxnSp>
+        <p:nvCxnSpPr>
+          <p:cNvPr id="30" name="Straight Arrow Connector 29">
+            <a:extLst>
+              <a:ext uri="{FF2B5EF4-FFF2-40B4-BE49-F238E27FC236}">
+                <a16:creationId xmlns:a16="http://schemas.microsoft.com/office/drawing/2014/main" id="{05A353DE-76B5-944B-BC56-77E7F77BE34B}"/>
+              </a:ext>
+            </a:extLst>
+          </p:cNvPr>
+          <p:cNvCxnSpPr>
+            <a:cxnSpLocks/>
+          </p:cNvCxnSpPr>
+          <p:nvPr/>
+        </p:nvCxnSpPr>
+        <p:spPr>
+          <a:xfrm flipH="1">
+            <a:off x="7453527" y="3646174"/>
+            <a:ext cx="1628330" cy="0"/>
+          </a:xfrm>
+          <a:prstGeom prst="straightConnector1">
+            <a:avLst/>
+          </a:prstGeom>
+          <a:ln w="38100">
+            <a:tailEnd type="triangle"/>
+          </a:ln>
+        </p:spPr>
+        <p:style>
+          <a:lnRef idx="1">
+            <a:schemeClr val="accent1"/>
+          </a:lnRef>
+          <a:fillRef idx="0">
+            <a:schemeClr val="accent1"/>
+          </a:fillRef>
+          <a:effectRef idx="0">
+            <a:schemeClr val="accent1"/>
+          </a:effectRef>
+          <a:fontRef idx="minor">
+            <a:schemeClr val="tx1"/>
+          </a:fontRef>
+        </p:style>
+      </p:cxnSp>
+      <p:cxnSp>
+        <p:nvCxnSpPr>
+          <p:cNvPr id="31" name="Straight Arrow Connector 30">
+            <a:extLst>
+              <a:ext uri="{FF2B5EF4-FFF2-40B4-BE49-F238E27FC236}">
+                <a16:creationId xmlns:a16="http://schemas.microsoft.com/office/drawing/2014/main" id="{02A905DA-90BD-A749-8747-AF03008759BF}"/>
+              </a:ext>
+            </a:extLst>
+          </p:cNvPr>
+          <p:cNvCxnSpPr>
+            <a:cxnSpLocks/>
+          </p:cNvCxnSpPr>
+          <p:nvPr/>
+        </p:nvCxnSpPr>
+        <p:spPr>
+          <a:xfrm>
+            <a:off x="7453527" y="4133191"/>
+            <a:ext cx="1628328" cy="0"/>
+          </a:xfrm>
+          <a:prstGeom prst="straightConnector1">
+            <a:avLst/>
+          </a:prstGeom>
+          <a:ln w="38100">
+            <a:tailEnd type="triangle"/>
+          </a:ln>
+        </p:spPr>
+        <p:style>
+          <a:lnRef idx="1">
+            <a:schemeClr val="accent1"/>
+          </a:lnRef>
+          <a:fillRef idx="0">
+            <a:schemeClr val="accent1"/>
+          </a:fillRef>
+          <a:effectRef idx="0">
+            <a:schemeClr val="accent1"/>
+          </a:effectRef>
+          <a:fontRef idx="minor">
+            <a:schemeClr val="tx1"/>
+          </a:fontRef>
+        </p:style>
+      </p:cxnSp>
+      <p:sp>
+        <p:nvSpPr>
+          <p:cNvPr id="32" name="TextBox 31">
+            <a:extLst>
+              <a:ext uri="{FF2B5EF4-FFF2-40B4-BE49-F238E27FC236}">
+                <a16:creationId xmlns:a16="http://schemas.microsoft.com/office/drawing/2014/main" id="{F006DC89-50EE-5149-9E66-0E9B5DF1B40F}"/>
+              </a:ext>
+            </a:extLst>
+          </p:cNvPr>
+          <p:cNvSpPr txBox="1"/>
+          <p:nvPr/>
+        </p:nvSpPr>
+        <p:spPr>
+          <a:xfrm>
+            <a:off x="7767234" y="3690134"/>
+            <a:ext cx="1098058" cy="369332"/>
+          </a:xfrm>
+          <a:prstGeom prst="rect">
+            <a:avLst/>
+          </a:prstGeom>
+          <a:noFill/>
+        </p:spPr>
+        <p:txBody>
+          <a:bodyPr wrap="none" rtlCol="0">
+            <a:spAutoFit/>
+          </a:bodyPr>
+          <a:lstStyle/>
+          <a:p>
+            <a:r>
+              <a:rPr lang="en-US" dirty="0"/>
+              <a:t>Saxon API</a:t>
+            </a:r>
+          </a:p>
+        </p:txBody>
+      </p:sp>
+      <p:sp>
+        <p:nvSpPr>
+          <p:cNvPr id="23" name="Rectangle 22">
+            <a:extLst>
+              <a:ext uri="{FF2B5EF4-FFF2-40B4-BE49-F238E27FC236}">
+                <a16:creationId xmlns:a16="http://schemas.microsoft.com/office/drawing/2014/main" id="{940013A0-D87E-6347-BEC4-BCE27B43382B}"/>
+              </a:ext>
+            </a:extLst>
+          </p:cNvPr>
+          <p:cNvSpPr/>
+          <p:nvPr/>
+        </p:nvSpPr>
+        <p:spPr>
+          <a:xfrm>
+            <a:off x="807868" y="1069479"/>
+            <a:ext cx="1890944" cy="1003177"/>
+          </a:xfrm>
+          <a:prstGeom prst="rect">
+            <a:avLst/>
+          </a:prstGeom>
+          <a:solidFill>
+            <a:schemeClr val="accent2"/>
+          </a:solidFill>
+          <a:ln>
+            <a:noFill/>
+          </a:ln>
+        </p:spPr>
+        <p:style>
+          <a:lnRef idx="2">
+            <a:schemeClr val="dk1">
+              <a:shade val="50000"/>
+            </a:schemeClr>
+          </a:lnRef>
+          <a:fillRef idx="1">
+            <a:schemeClr val="dk1"/>
+          </a:fillRef>
+          <a:effectRef idx="0">
+            <a:schemeClr val="dk1"/>
+          </a:effectRef>
+          <a:fontRef idx="minor">
+            <a:schemeClr val="lt1"/>
+          </a:fontRef>
+        </p:style>
+        <p:txBody>
+          <a:bodyPr rtlCol="0" anchor="ctr"/>
+          <a:lstStyle/>
+          <a:p>
+            <a:pPr algn="ctr"/>
+            <a:r>
+              <a:rPr lang="en-US" dirty="0"/>
+              <a:t>QT3 Test Suite</a:t>
+            </a:r>
+          </a:p>
+        </p:txBody>
+      </p:sp>
+      <p:sp>
+        <p:nvSpPr>
+          <p:cNvPr id="26" name="Rectangle 25">
+            <a:extLst>
+              <a:ext uri="{FF2B5EF4-FFF2-40B4-BE49-F238E27FC236}">
+                <a16:creationId xmlns:a16="http://schemas.microsoft.com/office/drawing/2014/main" id="{C0CF7EA1-FF45-EF4F-84A1-DCF431634A39}"/>
+              </a:ext>
+            </a:extLst>
+          </p:cNvPr>
+          <p:cNvSpPr/>
+          <p:nvPr/>
+        </p:nvSpPr>
+        <p:spPr>
+          <a:xfrm>
+            <a:off x="3235666" y="1069478"/>
+            <a:ext cx="1890944" cy="1003177"/>
+          </a:xfrm>
+          <a:prstGeom prst="rect">
+            <a:avLst/>
+          </a:prstGeom>
+          <a:solidFill>
+            <a:schemeClr val="accent2"/>
+          </a:solidFill>
+          <a:ln>
+            <a:noFill/>
+          </a:ln>
+        </p:spPr>
+        <p:style>
+          <a:lnRef idx="2">
+            <a:schemeClr val="dk1">
+              <a:shade val="50000"/>
+            </a:schemeClr>
+          </a:lnRef>
+          <a:fillRef idx="1">
+            <a:schemeClr val="dk1"/>
+          </a:fillRef>
+          <a:effectRef idx="0">
+            <a:schemeClr val="dk1"/>
+          </a:effectRef>
+          <a:fontRef idx="minor">
+            <a:schemeClr val="lt1"/>
+          </a:fontRef>
+        </p:style>
+        <p:txBody>
+          <a:bodyPr rtlCol="0" anchor="ctr"/>
+          <a:lstStyle/>
+          <a:p>
+            <a:pPr algn="ctr"/>
+            <a:r>
+              <a:rPr lang="en-US" dirty="0"/>
+              <a:t>XML Parser</a:t>
+            </a:r>
+          </a:p>
+          <a:p>
+            <a:pPr algn="ctr"/>
+            <a:r>
+              <a:rPr lang="en-US" dirty="0"/>
+              <a:t>Saxon</a:t>
+            </a:r>
+          </a:p>
+        </p:txBody>
+      </p:sp>
+      <p:sp>
+        <p:nvSpPr>
+          <p:cNvPr id="37" name="Rectangle 36">
+            <a:extLst>
+              <a:ext uri="{FF2B5EF4-FFF2-40B4-BE49-F238E27FC236}">
+                <a16:creationId xmlns:a16="http://schemas.microsoft.com/office/drawing/2014/main" id="{73E915CE-A222-424C-8DCA-DF751DA88A9C}"/>
+              </a:ext>
+            </a:extLst>
+          </p:cNvPr>
+          <p:cNvSpPr/>
+          <p:nvPr/>
+        </p:nvSpPr>
+        <p:spPr>
+          <a:xfrm>
+            <a:off x="6654057" y="1069478"/>
+            <a:ext cx="1890944" cy="1003177"/>
+          </a:xfrm>
+          <a:prstGeom prst="rect">
+            <a:avLst/>
+          </a:prstGeom>
+          <a:solidFill>
+            <a:schemeClr val="accent2"/>
+          </a:solidFill>
+          <a:ln>
+            <a:noFill/>
+          </a:ln>
+        </p:spPr>
+        <p:style>
+          <a:lnRef idx="2">
+            <a:schemeClr val="dk1">
+              <a:shade val="50000"/>
+            </a:schemeClr>
+          </a:lnRef>
+          <a:fillRef idx="1">
+            <a:schemeClr val="dk1"/>
+          </a:fillRef>
+          <a:effectRef idx="0">
+            <a:schemeClr val="dk1"/>
+          </a:effectRef>
+          <a:fontRef idx="minor">
+            <a:schemeClr val="lt1"/>
+          </a:fontRef>
+        </p:style>
+        <p:txBody>
+          <a:bodyPr rtlCol="0" anchor="ctr"/>
+          <a:lstStyle/>
+          <a:p>
+            <a:pPr algn="ctr"/>
+            <a:r>
+              <a:rPr lang="en-US" dirty="0"/>
+              <a:t>Test Converter</a:t>
+            </a:r>
+          </a:p>
+        </p:txBody>
+      </p:sp>
+      <p:cxnSp>
+        <p:nvCxnSpPr>
+          <p:cNvPr id="38" name="Straight Arrow Connector 37">
+            <a:extLst>
+              <a:ext uri="{FF2B5EF4-FFF2-40B4-BE49-F238E27FC236}">
+                <a16:creationId xmlns:a16="http://schemas.microsoft.com/office/drawing/2014/main" id="{E12D3F2A-7F69-8946-8B15-4B1E788EA8F5}"/>
+              </a:ext>
+            </a:extLst>
+          </p:cNvPr>
+          <p:cNvCxnSpPr>
+            <a:cxnSpLocks/>
+            <a:stCxn id="23" idx="3"/>
+            <a:endCxn id="26" idx="1"/>
+          </p:cNvCxnSpPr>
+          <p:nvPr/>
+        </p:nvCxnSpPr>
+        <p:spPr>
+          <a:xfrm flipV="1">
+            <a:off x="2698812" y="1571067"/>
+            <a:ext cx="536854" cy="1"/>
+          </a:xfrm>
+          <a:prstGeom prst="straightConnector1">
+            <a:avLst/>
+          </a:prstGeom>
+          <a:ln w="38100">
+            <a:tailEnd type="triangle"/>
+          </a:ln>
+        </p:spPr>
+        <p:style>
+          <a:lnRef idx="1">
+            <a:schemeClr val="accent1"/>
+          </a:lnRef>
+          <a:fillRef idx="0">
+            <a:schemeClr val="accent1"/>
+          </a:fillRef>
+          <a:effectRef idx="0">
+            <a:schemeClr val="accent1"/>
+          </a:effectRef>
+          <a:fontRef idx="minor">
+            <a:schemeClr val="tx1"/>
+          </a:fontRef>
+        </p:style>
+      </p:cxnSp>
+      <p:cxnSp>
+        <p:nvCxnSpPr>
+          <p:cNvPr id="44" name="Straight Arrow Connector 43">
+            <a:extLst>
+              <a:ext uri="{FF2B5EF4-FFF2-40B4-BE49-F238E27FC236}">
+                <a16:creationId xmlns:a16="http://schemas.microsoft.com/office/drawing/2014/main" id="{C9BE4A52-7848-434A-BD5C-579808142E8D}"/>
+              </a:ext>
+            </a:extLst>
+          </p:cNvPr>
+          <p:cNvCxnSpPr>
+            <a:cxnSpLocks/>
+          </p:cNvCxnSpPr>
+          <p:nvPr/>
+        </p:nvCxnSpPr>
+        <p:spPr>
+          <a:xfrm flipV="1">
+            <a:off x="8545001" y="1571065"/>
+            <a:ext cx="536854" cy="1"/>
+          </a:xfrm>
+          <a:prstGeom prst="straightConnector1">
+            <a:avLst/>
+          </a:prstGeom>
+          <a:ln w="38100">
+            <a:tailEnd type="triangle"/>
+          </a:ln>
+        </p:spPr>
+        <p:style>
+          <a:lnRef idx="1">
+            <a:schemeClr val="accent1"/>
+          </a:lnRef>
+          <a:fillRef idx="0">
+            <a:schemeClr val="accent1"/>
+          </a:fillRef>
+          <a:effectRef idx="0">
+            <a:schemeClr val="accent1"/>
+          </a:effectRef>
+          <a:fontRef idx="minor">
+            <a:schemeClr val="tx1"/>
+          </a:fontRef>
+        </p:style>
+      </p:cxnSp>
+      <p:cxnSp>
+        <p:nvCxnSpPr>
+          <p:cNvPr id="45" name="Straight Arrow Connector 44">
+            <a:extLst>
+              <a:ext uri="{FF2B5EF4-FFF2-40B4-BE49-F238E27FC236}">
+                <a16:creationId xmlns:a16="http://schemas.microsoft.com/office/drawing/2014/main" id="{EEFE7A0C-95BF-534A-A470-CEB1CCDA2112}"/>
+              </a:ext>
+            </a:extLst>
+          </p:cNvPr>
+          <p:cNvCxnSpPr>
+            <a:cxnSpLocks/>
+          </p:cNvCxnSpPr>
+          <p:nvPr/>
+        </p:nvCxnSpPr>
+        <p:spPr>
+          <a:xfrm flipH="1">
+            <a:off x="5126610" y="1324406"/>
+            <a:ext cx="1527448" cy="0"/>
+          </a:xfrm>
+          <a:prstGeom prst="straightConnector1">
+            <a:avLst/>
+          </a:prstGeom>
+          <a:ln w="38100">
+            <a:tailEnd type="triangle"/>
+          </a:ln>
+        </p:spPr>
+        <p:style>
+          <a:lnRef idx="1">
+            <a:schemeClr val="accent1"/>
+          </a:lnRef>
+          <a:fillRef idx="0">
+            <a:schemeClr val="accent1"/>
+          </a:fillRef>
+          <a:effectRef idx="0">
+            <a:schemeClr val="accent1"/>
+          </a:effectRef>
+          <a:fontRef idx="minor">
+            <a:schemeClr val="tx1"/>
+          </a:fontRef>
+        </p:style>
+      </p:cxnSp>
+      <p:cxnSp>
+        <p:nvCxnSpPr>
+          <p:cNvPr id="46" name="Straight Arrow Connector 45">
+            <a:extLst>
+              <a:ext uri="{FF2B5EF4-FFF2-40B4-BE49-F238E27FC236}">
+                <a16:creationId xmlns:a16="http://schemas.microsoft.com/office/drawing/2014/main" id="{56AFCB43-CDF6-2341-A3E2-6CB25304DCA2}"/>
+              </a:ext>
+            </a:extLst>
+          </p:cNvPr>
+          <p:cNvCxnSpPr>
+            <a:cxnSpLocks/>
+          </p:cNvCxnSpPr>
+          <p:nvPr/>
+        </p:nvCxnSpPr>
+        <p:spPr>
+          <a:xfrm>
+            <a:off x="5126610" y="1811423"/>
+            <a:ext cx="1527447" cy="0"/>
+          </a:xfrm>
+          <a:prstGeom prst="straightConnector1">
+            <a:avLst/>
+          </a:prstGeom>
+          <a:ln w="38100">
+            <a:tailEnd type="triangle"/>
+          </a:ln>
+        </p:spPr>
+        <p:style>
+          <a:lnRef idx="1">
+            <a:schemeClr val="accent1"/>
+          </a:lnRef>
+          <a:fillRef idx="0">
+            <a:schemeClr val="accent1"/>
+          </a:fillRef>
+          <a:effectRef idx="0">
+            <a:schemeClr val="accent1"/>
+          </a:effectRef>
+          <a:fontRef idx="minor">
+            <a:schemeClr val="tx1"/>
+          </a:fontRef>
+        </p:style>
+      </p:cxnSp>
+      <p:sp>
+        <p:nvSpPr>
+          <p:cNvPr id="48" name="TextBox 47">
+            <a:extLst>
+              <a:ext uri="{FF2B5EF4-FFF2-40B4-BE49-F238E27FC236}">
+                <a16:creationId xmlns:a16="http://schemas.microsoft.com/office/drawing/2014/main" id="{C7792C75-D1EF-E84E-9E93-F076A43FACD5}"/>
+              </a:ext>
+            </a:extLst>
+          </p:cNvPr>
+          <p:cNvSpPr txBox="1"/>
+          <p:nvPr/>
+        </p:nvSpPr>
+        <p:spPr>
+          <a:xfrm>
+            <a:off x="5389875" y="1368366"/>
+            <a:ext cx="1098058" cy="369332"/>
+          </a:xfrm>
+          <a:prstGeom prst="rect">
+            <a:avLst/>
+          </a:prstGeom>
+          <a:noFill/>
+        </p:spPr>
+        <p:txBody>
+          <a:bodyPr wrap="none" rtlCol="0">
+            <a:spAutoFit/>
+          </a:bodyPr>
+          <a:lstStyle/>
+          <a:p>
+            <a:r>
+              <a:rPr lang="en-US" dirty="0"/>
+              <a:t>Saxon API</a:t>
+            </a:r>
+          </a:p>
+        </p:txBody>
+      </p:sp>
+    </p:spTree>
+    <p:extLst>
+      <p:ext uri="{BB962C8B-B14F-4D97-AF65-F5344CB8AC3E}">
+        <p14:creationId xmlns:p14="http://schemas.microsoft.com/office/powerpoint/2010/main" val="165205649"/>
+      </p:ext>
+    </p:extLst>
+  </p:cSld>
+  <p:clrMapOvr>
+    <a:masterClrMapping/>
+  </p:clrMapOvr>
+</p:sld>
+</file>
+
+<file path=ppt/slides/slide6.xml><?xml version="1.0" encoding="utf-8"?>
+<p:sld xmlns:a="http://schemas.openxmlformats.org/drawingml/2006/main" xmlns:r="http://schemas.openxmlformats.org/officeDocument/2006/relationships" xmlns:p="http://schemas.openxmlformats.org/presentationml/2006/main">
+  <p:cSld>
+    <p:spTree>
+      <p:nvGrpSpPr>
+        <p:cNvPr id="1" name=""/>
+        <p:cNvGrpSpPr/>
+        <p:nvPr/>
+      </p:nvGrpSpPr>
+      <p:grpSpPr>
+        <a:xfrm>
+          <a:off x="0" y="0"/>
+          <a:ext cx="0" cy="0"/>
+          <a:chOff x="0" y="0"/>
+          <a:chExt cx="0" cy="0"/>
+        </a:xfrm>
+      </p:grpSpPr>
+      <p:sp>
+        <p:nvSpPr>
+          <p:cNvPr id="2" name="Title 1">
+            <a:extLst>
+              <a:ext uri="{FF2B5EF4-FFF2-40B4-BE49-F238E27FC236}">
+                <a16:creationId xmlns:a16="http://schemas.microsoft.com/office/drawing/2014/main" id="{0058CA62-7775-9C44-9C94-7F2F9F418606}"/>
+              </a:ext>
+            </a:extLst>
+          </p:cNvPr>
+          <p:cNvSpPr>
+            <a:spLocks noGrp="1"/>
+          </p:cNvSpPr>
+          <p:nvPr>
+            <p:ph type="title"/>
+          </p:nvPr>
+        </p:nvSpPr>
+        <p:spPr/>
+        <p:txBody>
+          <a:bodyPr/>
+          <a:lstStyle/>
+          <a:p>
+            <a:r>
+              <a:rPr lang="en-US"/>
+              <a:t>HERE SHOULD BE PLUGIN ARCHITECTURE</a:t>
+            </a:r>
+          </a:p>
+        </p:txBody>
+      </p:sp>
+      <p:sp>
+        <p:nvSpPr>
+          <p:cNvPr id="3" name="Content Placeholder 2">
+            <a:extLst>
+              <a:ext uri="{FF2B5EF4-FFF2-40B4-BE49-F238E27FC236}">
+                <a16:creationId xmlns:a16="http://schemas.microsoft.com/office/drawing/2014/main" id="{3E4DBA6A-4B96-F14E-A341-BFB4E09ED623}"/>
+              </a:ext>
+            </a:extLst>
+          </p:cNvPr>
+          <p:cNvSpPr>
+            <a:spLocks noGrp="1"/>
+          </p:cNvSpPr>
+          <p:nvPr>
+            <p:ph idx="1"/>
+          </p:nvPr>
+        </p:nvSpPr>
+        <p:spPr/>
+        <p:txBody>
+          <a:bodyPr/>
+          <a:lstStyle/>
+          <a:p>
+            <a:endParaRPr lang="en-US"/>
+          </a:p>
+        </p:txBody>
+      </p:sp>
+    </p:spTree>
+    <p:extLst>
+      <p:ext uri="{BB962C8B-B14F-4D97-AF65-F5344CB8AC3E}">
+        <p14:creationId xmlns:p14="http://schemas.microsoft.com/office/powerpoint/2010/main" val="1897876379"/>
+      </p:ext>
+    </p:extLst>
+  </p:cSld>
+  <p:clrMapOvr>
+    <a:masterClrMapping/>
+  </p:clrMapOvr>
+</p:sld>
+</file>
+
+<file path=ppt/slides/slide7.xml><?xml version="1.0" encoding="utf-8"?>
+<p:sld xmlns:a="http://schemas.openxmlformats.org/drawingml/2006/main" xmlns:r="http://schemas.openxmlformats.org/officeDocument/2006/relationships" xmlns:p="http://schemas.openxmlformats.org/presentationml/2006/main">
+  <p:cSld>
+    <p:spTree>
+      <p:nvGrpSpPr>
+        <p:cNvPr id="1" name=""/>
+        <p:cNvGrpSpPr/>
+        <p:nvPr/>
+      </p:nvGrpSpPr>
+      <p:grpSpPr>
+        <a:xfrm>
+          <a:off x="0" y="0"/>
+          <a:ext cx="0" cy="0"/>
+          <a:chOff x="0" y="0"/>
+          <a:chExt cx="0" cy="0"/>
+        </a:xfrm>
+      </p:grpSpPr>
+      <p:sp>
+        <p:nvSpPr>
           <p:cNvPr id="3" name="TextBox 2">
             <a:extLst>
               <a:ext uri="{FF2B5EF4-FFF2-40B4-BE49-F238E27FC236}">
@@ -7682,7 +8901,7 @@
 </p:sld>
 </file>
 
-<file path=ppt/slides/slide6.xml><?xml version="1.0" encoding="utf-8"?>
+<file path=ppt/slides/slide8.xml><?xml version="1.0" encoding="utf-8"?>
 <p:sld xmlns:a="http://schemas.openxmlformats.org/drawingml/2006/main" xmlns:r="http://schemas.openxmlformats.org/officeDocument/2006/relationships" xmlns:p="http://schemas.openxmlformats.org/presentationml/2006/main">
   <p:cSld>
     <p:spTree>

--- a/thesis/Architecture Diagram v2.0.pptx
+++ b/thesis/Architecture Diagram v2.0.pptx
@@ -7,12 +7,15 @@
   <p:sldIdLst>
     <p:sldId id="262" r:id="rId2"/>
     <p:sldId id="263" r:id="rId3"/>
-    <p:sldId id="256" r:id="rId4"/>
-    <p:sldId id="259" r:id="rId5"/>
-    <p:sldId id="260" r:id="rId6"/>
-    <p:sldId id="261" r:id="rId7"/>
-    <p:sldId id="257" r:id="rId8"/>
-    <p:sldId id="258" r:id="rId9"/>
+    <p:sldId id="267" r:id="rId4"/>
+    <p:sldId id="264" r:id="rId5"/>
+    <p:sldId id="259" r:id="rId6"/>
+    <p:sldId id="260" r:id="rId7"/>
+    <p:sldId id="268" r:id="rId8"/>
+    <p:sldId id="269" r:id="rId9"/>
+    <p:sldId id="261" r:id="rId10"/>
+    <p:sldId id="257" r:id="rId11"/>
+    <p:sldId id="258" r:id="rId12"/>
   </p:sldIdLst>
   <p:sldSz cx="12192000" cy="6858000"/>
   <p:notesSz cx="6858000" cy="9144000"/>
@@ -278,7 +281,7 @@
           <a:p>
             <a:fld id="{D55ECC76-8EB5-4363-A59F-0D38F5FF4683}" type="datetimeFigureOut">
               <a:rPr lang="en-US" smtClean="0"/>
-              <a:t>2/13/21</a:t>
+              <a:t>2/21/21</a:t>
             </a:fld>
             <a:endParaRPr lang="en-US"/>
           </a:p>
@@ -476,7 +479,7 @@
           <a:p>
             <a:fld id="{D55ECC76-8EB5-4363-A59F-0D38F5FF4683}" type="datetimeFigureOut">
               <a:rPr lang="en-US" smtClean="0"/>
-              <a:t>2/13/21</a:t>
+              <a:t>2/21/21</a:t>
             </a:fld>
             <a:endParaRPr lang="en-US"/>
           </a:p>
@@ -684,7 +687,7 @@
           <a:p>
             <a:fld id="{D55ECC76-8EB5-4363-A59F-0D38F5FF4683}" type="datetimeFigureOut">
               <a:rPr lang="en-US" smtClean="0"/>
-              <a:t>2/13/21</a:t>
+              <a:t>2/21/21</a:t>
             </a:fld>
             <a:endParaRPr lang="en-US"/>
           </a:p>
@@ -882,7 +885,7 @@
           <a:p>
             <a:fld id="{D55ECC76-8EB5-4363-A59F-0D38F5FF4683}" type="datetimeFigureOut">
               <a:rPr lang="en-US" smtClean="0"/>
-              <a:t>2/13/21</a:t>
+              <a:t>2/21/21</a:t>
             </a:fld>
             <a:endParaRPr lang="en-US"/>
           </a:p>
@@ -1157,7 +1160,7 @@
           <a:p>
             <a:fld id="{D55ECC76-8EB5-4363-A59F-0D38F5FF4683}" type="datetimeFigureOut">
               <a:rPr lang="en-US" smtClean="0"/>
-              <a:t>2/13/21</a:t>
+              <a:t>2/21/21</a:t>
             </a:fld>
             <a:endParaRPr lang="en-US"/>
           </a:p>
@@ -1422,7 +1425,7 @@
           <a:p>
             <a:fld id="{D55ECC76-8EB5-4363-A59F-0D38F5FF4683}" type="datetimeFigureOut">
               <a:rPr lang="en-US" smtClean="0"/>
-              <a:t>2/13/21</a:t>
+              <a:t>2/21/21</a:t>
             </a:fld>
             <a:endParaRPr lang="en-US"/>
           </a:p>
@@ -1834,7 +1837,7 @@
           <a:p>
             <a:fld id="{D55ECC76-8EB5-4363-A59F-0D38F5FF4683}" type="datetimeFigureOut">
               <a:rPr lang="en-US" smtClean="0"/>
-              <a:t>2/13/21</a:t>
+              <a:t>2/21/21</a:t>
             </a:fld>
             <a:endParaRPr lang="en-US"/>
           </a:p>
@@ -1975,7 +1978,7 @@
           <a:p>
             <a:fld id="{D55ECC76-8EB5-4363-A59F-0D38F5FF4683}" type="datetimeFigureOut">
               <a:rPr lang="en-US" smtClean="0"/>
-              <a:t>2/13/21</a:t>
+              <a:t>2/21/21</a:t>
             </a:fld>
             <a:endParaRPr lang="en-US"/>
           </a:p>
@@ -2088,7 +2091,7 @@
           <a:p>
             <a:fld id="{D55ECC76-8EB5-4363-A59F-0D38F5FF4683}" type="datetimeFigureOut">
               <a:rPr lang="en-US" smtClean="0"/>
-              <a:t>2/13/21</a:t>
+              <a:t>2/21/21</a:t>
             </a:fld>
             <a:endParaRPr lang="en-US"/>
           </a:p>
@@ -2399,7 +2402,7 @@
           <a:p>
             <a:fld id="{D55ECC76-8EB5-4363-A59F-0D38F5FF4683}" type="datetimeFigureOut">
               <a:rPr lang="en-US" smtClean="0"/>
-              <a:t>2/13/21</a:t>
+              <a:t>2/21/21</a:t>
             </a:fld>
             <a:endParaRPr lang="en-US"/>
           </a:p>
@@ -2687,7 +2690,7 @@
           <a:p>
             <a:fld id="{D55ECC76-8EB5-4363-A59F-0D38F5FF4683}" type="datetimeFigureOut">
               <a:rPr lang="en-US" smtClean="0"/>
-              <a:t>2/13/21</a:t>
+              <a:t>2/21/21</a:t>
             </a:fld>
             <a:endParaRPr lang="en-US"/>
           </a:p>
@@ -2928,7 +2931,7 @@
           <a:p>
             <a:fld id="{D55ECC76-8EB5-4363-A59F-0D38F5FF4683}" type="datetimeFigureOut">
               <a:rPr lang="en-US" smtClean="0"/>
-              <a:t>2/13/21</a:t>
+              <a:t>2/21/21</a:t>
             </a:fld>
             <a:endParaRPr lang="en-US"/>
           </a:p>
@@ -3917,6 +3920,2185 @@
 </p:sld>
 </file>
 
+<file path=ppt/slides/slide10.xml><?xml version="1.0" encoding="utf-8"?>
+<p:sld xmlns:a="http://schemas.openxmlformats.org/drawingml/2006/main" xmlns:r="http://schemas.openxmlformats.org/officeDocument/2006/relationships" xmlns:p="http://schemas.openxmlformats.org/presentationml/2006/main">
+  <p:cSld>
+    <p:spTree>
+      <p:nvGrpSpPr>
+        <p:cNvPr id="1" name=""/>
+        <p:cNvGrpSpPr/>
+        <p:nvPr/>
+      </p:nvGrpSpPr>
+      <p:grpSpPr>
+        <a:xfrm>
+          <a:off x="0" y="0"/>
+          <a:ext cx="0" cy="0"/>
+          <a:chOff x="0" y="0"/>
+          <a:chExt cx="0" cy="0"/>
+        </a:xfrm>
+      </p:grpSpPr>
+      <p:sp>
+        <p:nvSpPr>
+          <p:cNvPr id="3" name="TextBox 2">
+            <a:extLst>
+              <a:ext uri="{FF2B5EF4-FFF2-40B4-BE49-F238E27FC236}">
+                <a16:creationId xmlns:a16="http://schemas.microsoft.com/office/drawing/2014/main" id="{F175A308-E166-457C-A2BA-E646555DF839}"/>
+              </a:ext>
+            </a:extLst>
+          </p:cNvPr>
+          <p:cNvSpPr txBox="1"/>
+          <p:nvPr/>
+        </p:nvSpPr>
+        <p:spPr>
+          <a:xfrm>
+            <a:off x="9078154" y="2253677"/>
+            <a:ext cx="3113845" cy="1569660"/>
+          </a:xfrm>
+          <a:prstGeom prst="rect">
+            <a:avLst/>
+          </a:prstGeom>
+          <a:noFill/>
+          <a:ln>
+            <a:solidFill>
+              <a:schemeClr val="tx1"/>
+            </a:solidFill>
+            <a:prstDash val="lgDash"/>
+          </a:ln>
+        </p:spPr>
+        <p:txBody>
+          <a:bodyPr wrap="square" rtlCol="0">
+            <a:spAutoFit/>
+          </a:bodyPr>
+          <a:lstStyle/>
+          <a:p>
+            <a:r>
+              <a:rPr lang="en-US" sz="1200" dirty="0"/>
+              <a:t>Part 2: The outputs of previous Test Reports Handling Logic should be taken into account to  fix the implementation of Test Case Handling Logic. In essence, small convertor can be applied that could translate </a:t>
+            </a:r>
+            <a:r>
+              <a:rPr lang="en-US" sz="1200" dirty="0" err="1"/>
+              <a:t>xs:int</a:t>
+            </a:r>
+            <a:r>
+              <a:rPr lang="en-US" sz="1200" dirty="0"/>
+              <a:t> or </a:t>
+            </a:r>
+            <a:r>
+              <a:rPr lang="en-US" sz="1200" dirty="0" err="1"/>
+              <a:t>xs:integer</a:t>
+            </a:r>
+            <a:r>
+              <a:rPr lang="en-US" sz="1200" dirty="0"/>
+              <a:t> into integer within the test-case. Or other differences between XQuery and </a:t>
+            </a:r>
+            <a:r>
+              <a:rPr lang="en-US" sz="1200" dirty="0" err="1"/>
+              <a:t>JSONiq</a:t>
+            </a:r>
+            <a:r>
+              <a:rPr lang="en-US" sz="1200" dirty="0"/>
+              <a:t> and also log the conversion that was performed</a:t>
+            </a:r>
+          </a:p>
+        </p:txBody>
+      </p:sp>
+      <p:sp>
+        <p:nvSpPr>
+          <p:cNvPr id="5" name="Rectangle 4">
+            <a:extLst>
+              <a:ext uri="{FF2B5EF4-FFF2-40B4-BE49-F238E27FC236}">
+                <a16:creationId xmlns:a16="http://schemas.microsoft.com/office/drawing/2014/main" id="{378A7FC1-4EC5-4D80-981B-BE76701C64D5}"/>
+              </a:ext>
+            </a:extLst>
+          </p:cNvPr>
+          <p:cNvSpPr/>
+          <p:nvPr/>
+        </p:nvSpPr>
+        <p:spPr>
+          <a:xfrm>
+            <a:off x="3657600" y="457198"/>
+            <a:ext cx="4465468" cy="6130025"/>
+          </a:xfrm>
+          <a:prstGeom prst="rect">
+            <a:avLst/>
+          </a:prstGeom>
+          <a:solidFill>
+            <a:schemeClr val="bg1">
+              <a:lumMod val="95000"/>
+            </a:schemeClr>
+          </a:solidFill>
+        </p:spPr>
+        <p:style>
+          <a:lnRef idx="2">
+            <a:schemeClr val="accent1">
+              <a:shade val="50000"/>
+            </a:schemeClr>
+          </a:lnRef>
+          <a:fillRef idx="1">
+            <a:schemeClr val="accent1"/>
+          </a:fillRef>
+          <a:effectRef idx="0">
+            <a:schemeClr val="accent1"/>
+          </a:effectRef>
+          <a:fontRef idx="minor">
+            <a:schemeClr val="lt1"/>
+          </a:fontRef>
+        </p:style>
+        <p:txBody>
+          <a:bodyPr rtlCol="0" anchor="t" anchorCtr="0"/>
+          <a:lstStyle/>
+          <a:p>
+            <a:pPr algn="ctr"/>
+            <a:r>
+              <a:rPr lang="en-US" dirty="0">
+                <a:solidFill>
+                  <a:schemeClr val="tx1"/>
+                </a:solidFill>
+              </a:rPr>
+              <a:t>JAVA APPLICATION</a:t>
+            </a:r>
+          </a:p>
+        </p:txBody>
+      </p:sp>
+      <p:sp>
+        <p:nvSpPr>
+          <p:cNvPr id="7" name="Rectangle 6">
+            <a:extLst>
+              <a:ext uri="{FF2B5EF4-FFF2-40B4-BE49-F238E27FC236}">
+                <a16:creationId xmlns:a16="http://schemas.microsoft.com/office/drawing/2014/main" id="{1D9A284B-8A5C-42EB-AD39-A739557867FC}"/>
+              </a:ext>
+            </a:extLst>
+          </p:cNvPr>
+          <p:cNvSpPr/>
+          <p:nvPr/>
+        </p:nvSpPr>
+        <p:spPr>
+          <a:xfrm>
+            <a:off x="809557" y="3931320"/>
+            <a:ext cx="1890944" cy="1003177"/>
+          </a:xfrm>
+          <a:prstGeom prst="rect">
+            <a:avLst/>
+          </a:prstGeom>
+        </p:spPr>
+        <p:style>
+          <a:lnRef idx="2">
+            <a:schemeClr val="dk1">
+              <a:shade val="50000"/>
+            </a:schemeClr>
+          </a:lnRef>
+          <a:fillRef idx="1">
+            <a:schemeClr val="dk1"/>
+          </a:fillRef>
+          <a:effectRef idx="0">
+            <a:schemeClr val="dk1"/>
+          </a:effectRef>
+          <a:fontRef idx="minor">
+            <a:schemeClr val="lt1"/>
+          </a:fontRef>
+        </p:style>
+        <p:txBody>
+          <a:bodyPr rtlCol="0" anchor="ctr"/>
+          <a:lstStyle/>
+          <a:p>
+            <a:pPr algn="ctr"/>
+            <a:r>
+              <a:rPr lang="en-US" dirty="0"/>
+              <a:t>RUMBLE</a:t>
+            </a:r>
+          </a:p>
+        </p:txBody>
+      </p:sp>
+      <p:sp>
+        <p:nvSpPr>
+          <p:cNvPr id="8" name="Rectangle 7">
+            <a:extLst>
+              <a:ext uri="{FF2B5EF4-FFF2-40B4-BE49-F238E27FC236}">
+                <a16:creationId xmlns:a16="http://schemas.microsoft.com/office/drawing/2014/main" id="{A60B3A32-B413-47A3-BFB9-39910D6805CB}"/>
+              </a:ext>
+            </a:extLst>
+          </p:cNvPr>
+          <p:cNvSpPr/>
+          <p:nvPr/>
+        </p:nvSpPr>
+        <p:spPr>
+          <a:xfrm>
+            <a:off x="809557" y="5584046"/>
+            <a:ext cx="1890944" cy="1003177"/>
+          </a:xfrm>
+          <a:prstGeom prst="rect">
+            <a:avLst/>
+          </a:prstGeom>
+        </p:spPr>
+        <p:style>
+          <a:lnRef idx="2">
+            <a:schemeClr val="dk1">
+              <a:shade val="50000"/>
+            </a:schemeClr>
+          </a:lnRef>
+          <a:fillRef idx="1">
+            <a:schemeClr val="dk1"/>
+          </a:fillRef>
+          <a:effectRef idx="0">
+            <a:schemeClr val="dk1"/>
+          </a:effectRef>
+          <a:fontRef idx="minor">
+            <a:schemeClr val="lt1"/>
+          </a:fontRef>
+        </p:style>
+        <p:txBody>
+          <a:bodyPr rtlCol="0" anchor="ctr"/>
+          <a:lstStyle/>
+          <a:p>
+            <a:pPr algn="ctr"/>
+            <a:r>
+              <a:rPr lang="en-US" dirty="0"/>
+              <a:t>SPARK</a:t>
+            </a:r>
+          </a:p>
+        </p:txBody>
+      </p:sp>
+      <p:cxnSp>
+        <p:nvCxnSpPr>
+          <p:cNvPr id="10" name="Straight Arrow Connector 9">
+            <a:extLst>
+              <a:ext uri="{FF2B5EF4-FFF2-40B4-BE49-F238E27FC236}">
+                <a16:creationId xmlns:a16="http://schemas.microsoft.com/office/drawing/2014/main" id="{BB0AAEB6-0F4B-441B-8D85-640CFA52D4FE}"/>
+              </a:ext>
+            </a:extLst>
+          </p:cNvPr>
+          <p:cNvCxnSpPr/>
+          <p:nvPr/>
+        </p:nvCxnSpPr>
+        <p:spPr>
+          <a:xfrm>
+            <a:off x="1351095" y="4952252"/>
+            <a:ext cx="0" cy="631794"/>
+          </a:xfrm>
+          <a:prstGeom prst="straightConnector1">
+            <a:avLst/>
+          </a:prstGeom>
+          <a:ln w="38100">
+            <a:tailEnd type="triangle"/>
+          </a:ln>
+        </p:spPr>
+        <p:style>
+          <a:lnRef idx="1">
+            <a:schemeClr val="accent1"/>
+          </a:lnRef>
+          <a:fillRef idx="0">
+            <a:schemeClr val="accent1"/>
+          </a:fillRef>
+          <a:effectRef idx="0">
+            <a:schemeClr val="accent1"/>
+          </a:effectRef>
+          <a:fontRef idx="minor">
+            <a:schemeClr val="tx1"/>
+          </a:fontRef>
+        </p:style>
+      </p:cxnSp>
+      <p:cxnSp>
+        <p:nvCxnSpPr>
+          <p:cNvPr id="11" name="Straight Arrow Connector 10">
+            <a:extLst>
+              <a:ext uri="{FF2B5EF4-FFF2-40B4-BE49-F238E27FC236}">
+                <a16:creationId xmlns:a16="http://schemas.microsoft.com/office/drawing/2014/main" id="{FD0B535D-01A9-4B4C-A56E-E5D5657AC1DD}"/>
+              </a:ext>
+            </a:extLst>
+          </p:cNvPr>
+          <p:cNvCxnSpPr>
+            <a:cxnSpLocks/>
+          </p:cNvCxnSpPr>
+          <p:nvPr/>
+        </p:nvCxnSpPr>
+        <p:spPr>
+          <a:xfrm flipV="1">
+            <a:off x="2124931" y="4934497"/>
+            <a:ext cx="0" cy="649549"/>
+          </a:xfrm>
+          <a:prstGeom prst="straightConnector1">
+            <a:avLst/>
+          </a:prstGeom>
+          <a:ln w="38100">
+            <a:tailEnd type="triangle"/>
+          </a:ln>
+        </p:spPr>
+        <p:style>
+          <a:lnRef idx="1">
+            <a:schemeClr val="accent1"/>
+          </a:lnRef>
+          <a:fillRef idx="0">
+            <a:schemeClr val="accent1"/>
+          </a:fillRef>
+          <a:effectRef idx="0">
+            <a:schemeClr val="accent1"/>
+          </a:effectRef>
+          <a:fontRef idx="minor">
+            <a:schemeClr val="tx1"/>
+          </a:fontRef>
+        </p:style>
+      </p:cxnSp>
+      <p:sp>
+        <p:nvSpPr>
+          <p:cNvPr id="17" name="TextBox 16">
+            <a:extLst>
+              <a:ext uri="{FF2B5EF4-FFF2-40B4-BE49-F238E27FC236}">
+                <a16:creationId xmlns:a16="http://schemas.microsoft.com/office/drawing/2014/main" id="{8EE8EC3D-C1FF-4F91-8A2C-B621CC074066}"/>
+              </a:ext>
+            </a:extLst>
+          </p:cNvPr>
+          <p:cNvSpPr txBox="1"/>
+          <p:nvPr/>
+        </p:nvSpPr>
+        <p:spPr>
+          <a:xfrm>
+            <a:off x="739827" y="2999906"/>
+            <a:ext cx="2144881" cy="830997"/>
+          </a:xfrm>
+          <a:prstGeom prst="rect">
+            <a:avLst/>
+          </a:prstGeom>
+          <a:noFill/>
+          <a:ln>
+            <a:solidFill>
+              <a:schemeClr val="tx1"/>
+            </a:solidFill>
+            <a:prstDash val="lgDash"/>
+          </a:ln>
+        </p:spPr>
+        <p:txBody>
+          <a:bodyPr wrap="square" rtlCol="0">
+            <a:spAutoFit/>
+          </a:bodyPr>
+          <a:lstStyle/>
+          <a:p>
+            <a:r>
+              <a:rPr lang="en-US" sz="1200" dirty="0"/>
+              <a:t>Rumble we view as a </a:t>
+            </a:r>
+            <a:r>
+              <a:rPr lang="en-US" sz="1200" dirty="0" err="1"/>
+              <a:t>blackbox</a:t>
+            </a:r>
+            <a:r>
+              <a:rPr lang="en-US" sz="1200" dirty="0"/>
+              <a:t>. It is not in our interest what it does with Spark. We just need to get the query results from it!</a:t>
+            </a:r>
+          </a:p>
+        </p:txBody>
+      </p:sp>
+      <p:sp>
+        <p:nvSpPr>
+          <p:cNvPr id="18" name="TextBox 17">
+            <a:extLst>
+              <a:ext uri="{FF2B5EF4-FFF2-40B4-BE49-F238E27FC236}">
+                <a16:creationId xmlns:a16="http://schemas.microsoft.com/office/drawing/2014/main" id="{E67BD72C-01B8-478F-BC2F-1DA0248D19EE}"/>
+              </a:ext>
+            </a:extLst>
+          </p:cNvPr>
+          <p:cNvSpPr txBox="1"/>
+          <p:nvPr/>
+        </p:nvSpPr>
+        <p:spPr>
+          <a:xfrm>
+            <a:off x="745540" y="438510"/>
+            <a:ext cx="2144881" cy="1569660"/>
+          </a:xfrm>
+          <a:prstGeom prst="rect">
+            <a:avLst/>
+          </a:prstGeom>
+          <a:noFill/>
+          <a:ln>
+            <a:solidFill>
+              <a:schemeClr val="tx1"/>
+            </a:solidFill>
+            <a:prstDash val="lgDash"/>
+          </a:ln>
+        </p:spPr>
+        <p:txBody>
+          <a:bodyPr wrap="square" rtlCol="0">
+            <a:spAutoFit/>
+          </a:bodyPr>
+          <a:lstStyle/>
+          <a:p>
+            <a:r>
+              <a:rPr lang="en-US" sz="1200" dirty="0"/>
+              <a:t>XML Parser. We can use some of already existing API's for XML parsing and processing. JAXP is one of them but I am not sure whether 1.6v is good for XQuery 3.1. Proposition is to use Saxon classes for this. Basically any external library</a:t>
+            </a:r>
+          </a:p>
+        </p:txBody>
+      </p:sp>
+      <p:sp>
+        <p:nvSpPr>
+          <p:cNvPr id="19" name="Rectangle 18">
+            <a:extLst>
+              <a:ext uri="{FF2B5EF4-FFF2-40B4-BE49-F238E27FC236}">
+                <a16:creationId xmlns:a16="http://schemas.microsoft.com/office/drawing/2014/main" id="{D4893B53-3DD0-43A2-8A86-3EA2DE32C5A3}"/>
+              </a:ext>
+            </a:extLst>
+          </p:cNvPr>
+          <p:cNvSpPr/>
+          <p:nvPr/>
+        </p:nvSpPr>
+        <p:spPr>
+          <a:xfrm>
+            <a:off x="9485789" y="1072718"/>
+            <a:ext cx="1890944" cy="1003177"/>
+          </a:xfrm>
+          <a:prstGeom prst="rect">
+            <a:avLst/>
+          </a:prstGeom>
+          <a:solidFill>
+            <a:srgbClr val="92D050"/>
+          </a:solidFill>
+        </p:spPr>
+        <p:style>
+          <a:lnRef idx="2">
+            <a:schemeClr val="dk1">
+              <a:shade val="50000"/>
+            </a:schemeClr>
+          </a:lnRef>
+          <a:fillRef idx="1">
+            <a:schemeClr val="dk1"/>
+          </a:fillRef>
+          <a:effectRef idx="0">
+            <a:schemeClr val="dk1"/>
+          </a:effectRef>
+          <a:fontRef idx="minor">
+            <a:schemeClr val="lt1"/>
+          </a:fontRef>
+        </p:style>
+        <p:txBody>
+          <a:bodyPr rtlCol="0" anchor="ctr"/>
+          <a:lstStyle/>
+          <a:p>
+            <a:pPr algn="ctr"/>
+            <a:r>
+              <a:rPr lang="en-US" dirty="0"/>
+              <a:t>QT3 Test Suite</a:t>
+            </a:r>
+          </a:p>
+        </p:txBody>
+      </p:sp>
+      <p:sp>
+        <p:nvSpPr>
+          <p:cNvPr id="20" name="Rectangle 19">
+            <a:extLst>
+              <a:ext uri="{FF2B5EF4-FFF2-40B4-BE49-F238E27FC236}">
+                <a16:creationId xmlns:a16="http://schemas.microsoft.com/office/drawing/2014/main" id="{5B5D5F0E-627F-43B7-BD5E-4F8A8E434731}"/>
+              </a:ext>
+            </a:extLst>
+          </p:cNvPr>
+          <p:cNvSpPr/>
+          <p:nvPr/>
+        </p:nvSpPr>
+        <p:spPr>
+          <a:xfrm>
+            <a:off x="4119239" y="1072718"/>
+            <a:ext cx="3542190" cy="3879534"/>
+          </a:xfrm>
+          <a:prstGeom prst="rect">
+            <a:avLst/>
+          </a:prstGeom>
+        </p:spPr>
+        <p:style>
+          <a:lnRef idx="1">
+            <a:schemeClr val="accent5"/>
+          </a:lnRef>
+          <a:fillRef idx="2">
+            <a:schemeClr val="accent5"/>
+          </a:fillRef>
+          <a:effectRef idx="1">
+            <a:schemeClr val="accent5"/>
+          </a:effectRef>
+          <a:fontRef idx="minor">
+            <a:schemeClr val="dk1"/>
+          </a:fontRef>
+        </p:style>
+        <p:txBody>
+          <a:bodyPr rtlCol="0" anchor="t" anchorCtr="0"/>
+          <a:lstStyle/>
+          <a:p>
+            <a:pPr algn="ctr"/>
+            <a:r>
+              <a:rPr lang="en-US" dirty="0"/>
+              <a:t>Test Driver</a:t>
+            </a:r>
+          </a:p>
+        </p:txBody>
+      </p:sp>
+      <p:sp>
+        <p:nvSpPr>
+          <p:cNvPr id="21" name="Rectangle 20">
+            <a:extLst>
+              <a:ext uri="{FF2B5EF4-FFF2-40B4-BE49-F238E27FC236}">
+                <a16:creationId xmlns:a16="http://schemas.microsoft.com/office/drawing/2014/main" id="{E4EDF9E3-396E-42EE-B4EA-512947F1B243}"/>
+              </a:ext>
+            </a:extLst>
+          </p:cNvPr>
+          <p:cNvSpPr/>
+          <p:nvPr/>
+        </p:nvSpPr>
+        <p:spPr>
+          <a:xfrm>
+            <a:off x="4119239" y="5433542"/>
+            <a:ext cx="3542190" cy="1003176"/>
+          </a:xfrm>
+          <a:prstGeom prst="rect">
+            <a:avLst/>
+          </a:prstGeom>
+        </p:spPr>
+        <p:style>
+          <a:lnRef idx="1">
+            <a:schemeClr val="accent5"/>
+          </a:lnRef>
+          <a:fillRef idx="2">
+            <a:schemeClr val="accent5"/>
+          </a:fillRef>
+          <a:effectRef idx="1">
+            <a:schemeClr val="accent5"/>
+          </a:effectRef>
+          <a:fontRef idx="minor">
+            <a:schemeClr val="dk1"/>
+          </a:fontRef>
+        </p:style>
+        <p:txBody>
+          <a:bodyPr rtlCol="0" anchor="ctr"/>
+          <a:lstStyle/>
+          <a:p>
+            <a:pPr algn="ctr"/>
+            <a:r>
+              <a:rPr lang="en-US" dirty="0"/>
+              <a:t>Test Report</a:t>
+            </a:r>
+          </a:p>
+        </p:txBody>
+      </p:sp>
+      <p:cxnSp>
+        <p:nvCxnSpPr>
+          <p:cNvPr id="22" name="Straight Arrow Connector 21">
+            <a:extLst>
+              <a:ext uri="{FF2B5EF4-FFF2-40B4-BE49-F238E27FC236}">
+                <a16:creationId xmlns:a16="http://schemas.microsoft.com/office/drawing/2014/main" id="{E99BB4C7-61B0-4C23-B3B9-7A5B5698634B}"/>
+              </a:ext>
+            </a:extLst>
+          </p:cNvPr>
+          <p:cNvCxnSpPr>
+            <a:cxnSpLocks/>
+          </p:cNvCxnSpPr>
+          <p:nvPr/>
+        </p:nvCxnSpPr>
+        <p:spPr>
+          <a:xfrm>
+            <a:off x="5890333" y="4952252"/>
+            <a:ext cx="0" cy="481290"/>
+          </a:xfrm>
+          <a:prstGeom prst="straightConnector1">
+            <a:avLst/>
+          </a:prstGeom>
+          <a:ln w="38100">
+            <a:tailEnd type="triangle"/>
+          </a:ln>
+        </p:spPr>
+        <p:style>
+          <a:lnRef idx="1">
+            <a:schemeClr val="accent1"/>
+          </a:lnRef>
+          <a:fillRef idx="0">
+            <a:schemeClr val="accent1"/>
+          </a:fillRef>
+          <a:effectRef idx="0">
+            <a:schemeClr val="accent1"/>
+          </a:effectRef>
+          <a:fontRef idx="minor">
+            <a:schemeClr val="tx1"/>
+          </a:fontRef>
+        </p:style>
+      </p:cxnSp>
+      <p:sp>
+        <p:nvSpPr>
+          <p:cNvPr id="6" name="Rectangle 5">
+            <a:extLst>
+              <a:ext uri="{FF2B5EF4-FFF2-40B4-BE49-F238E27FC236}">
+                <a16:creationId xmlns:a16="http://schemas.microsoft.com/office/drawing/2014/main" id="{75738B42-8D5C-4EE5-8FBB-2AA5C8F1B02A}"/>
+              </a:ext>
+            </a:extLst>
+          </p:cNvPr>
+          <p:cNvSpPr/>
+          <p:nvPr/>
+        </p:nvSpPr>
+        <p:spPr>
+          <a:xfrm>
+            <a:off x="4327140" y="1574306"/>
+            <a:ext cx="3126387" cy="869747"/>
+          </a:xfrm>
+          <a:prstGeom prst="rect">
+            <a:avLst/>
+          </a:prstGeom>
+          <a:solidFill>
+            <a:schemeClr val="accent4">
+              <a:lumMod val="20000"/>
+              <a:lumOff val="80000"/>
+            </a:schemeClr>
+          </a:solidFill>
+        </p:spPr>
+        <p:style>
+          <a:lnRef idx="1">
+            <a:schemeClr val="accent5"/>
+          </a:lnRef>
+          <a:fillRef idx="2">
+            <a:schemeClr val="accent5"/>
+          </a:fillRef>
+          <a:effectRef idx="1">
+            <a:schemeClr val="accent5"/>
+          </a:effectRef>
+          <a:fontRef idx="minor">
+            <a:schemeClr val="dk1"/>
+          </a:fontRef>
+        </p:style>
+        <p:txBody>
+          <a:bodyPr rtlCol="0" anchor="ctr"/>
+          <a:lstStyle/>
+          <a:p>
+            <a:pPr algn="ctr"/>
+            <a:r>
+              <a:rPr lang="en-US" dirty="0"/>
+              <a:t>XML Parser</a:t>
+            </a:r>
+          </a:p>
+        </p:txBody>
+      </p:sp>
+      <p:sp>
+        <p:nvSpPr>
+          <p:cNvPr id="25" name="Rectangle 24">
+            <a:extLst>
+              <a:ext uri="{FF2B5EF4-FFF2-40B4-BE49-F238E27FC236}">
+                <a16:creationId xmlns:a16="http://schemas.microsoft.com/office/drawing/2014/main" id="{E8CC4A4D-C085-48F9-A50A-FE763AB34C70}"/>
+              </a:ext>
+            </a:extLst>
+          </p:cNvPr>
+          <p:cNvSpPr/>
+          <p:nvPr/>
+        </p:nvSpPr>
+        <p:spPr>
+          <a:xfrm>
+            <a:off x="4327140" y="2774403"/>
+            <a:ext cx="3126387" cy="869747"/>
+          </a:xfrm>
+          <a:prstGeom prst="rect">
+            <a:avLst/>
+          </a:prstGeom>
+          <a:solidFill>
+            <a:schemeClr val="accent4">
+              <a:lumMod val="20000"/>
+              <a:lumOff val="80000"/>
+            </a:schemeClr>
+          </a:solidFill>
+        </p:spPr>
+        <p:style>
+          <a:lnRef idx="1">
+            <a:schemeClr val="accent5"/>
+          </a:lnRef>
+          <a:fillRef idx="2">
+            <a:schemeClr val="accent5"/>
+          </a:fillRef>
+          <a:effectRef idx="1">
+            <a:schemeClr val="accent5"/>
+          </a:effectRef>
+          <a:fontRef idx="minor">
+            <a:schemeClr val="dk1"/>
+          </a:fontRef>
+        </p:style>
+        <p:txBody>
+          <a:bodyPr rtlCol="0" anchor="ctr"/>
+          <a:lstStyle/>
+          <a:p>
+            <a:pPr algn="ctr"/>
+            <a:r>
+              <a:rPr lang="en-US" dirty="0"/>
+              <a:t>Convertor</a:t>
+            </a:r>
+          </a:p>
+        </p:txBody>
+      </p:sp>
+      <p:cxnSp>
+        <p:nvCxnSpPr>
+          <p:cNvPr id="26" name="Straight Arrow Connector 25">
+            <a:extLst>
+              <a:ext uri="{FF2B5EF4-FFF2-40B4-BE49-F238E27FC236}">
+                <a16:creationId xmlns:a16="http://schemas.microsoft.com/office/drawing/2014/main" id="{7691F00C-B17D-4087-AD52-89529A6F793B}"/>
+              </a:ext>
+            </a:extLst>
+          </p:cNvPr>
+          <p:cNvCxnSpPr>
+            <a:cxnSpLocks/>
+            <a:stCxn id="19" idx="1"/>
+          </p:cNvCxnSpPr>
+          <p:nvPr/>
+        </p:nvCxnSpPr>
+        <p:spPr>
+          <a:xfrm flipH="1">
+            <a:off x="7661428" y="1574307"/>
+            <a:ext cx="1824361" cy="0"/>
+          </a:xfrm>
+          <a:prstGeom prst="straightConnector1">
+            <a:avLst/>
+          </a:prstGeom>
+          <a:ln w="38100">
+            <a:tailEnd type="triangle"/>
+          </a:ln>
+        </p:spPr>
+        <p:style>
+          <a:lnRef idx="1">
+            <a:schemeClr val="accent1"/>
+          </a:lnRef>
+          <a:fillRef idx="0">
+            <a:schemeClr val="accent1"/>
+          </a:fillRef>
+          <a:effectRef idx="0">
+            <a:schemeClr val="accent1"/>
+          </a:effectRef>
+          <a:fontRef idx="minor">
+            <a:schemeClr val="tx1"/>
+          </a:fontRef>
+        </p:style>
+      </p:cxnSp>
+      <p:cxnSp>
+        <p:nvCxnSpPr>
+          <p:cNvPr id="29" name="Straight Arrow Connector 28">
+            <a:extLst>
+              <a:ext uri="{FF2B5EF4-FFF2-40B4-BE49-F238E27FC236}">
+                <a16:creationId xmlns:a16="http://schemas.microsoft.com/office/drawing/2014/main" id="{FED9F672-8BFD-454A-85F6-0A26AAA3CE6A}"/>
+              </a:ext>
+            </a:extLst>
+          </p:cNvPr>
+          <p:cNvCxnSpPr>
+            <a:cxnSpLocks/>
+          </p:cNvCxnSpPr>
+          <p:nvPr/>
+        </p:nvCxnSpPr>
+        <p:spPr>
+          <a:xfrm flipH="1">
+            <a:off x="2700501" y="4165614"/>
+            <a:ext cx="1628330" cy="0"/>
+          </a:xfrm>
+          <a:prstGeom prst="straightConnector1">
+            <a:avLst/>
+          </a:prstGeom>
+          <a:ln w="38100">
+            <a:tailEnd type="triangle"/>
+          </a:ln>
+        </p:spPr>
+        <p:style>
+          <a:lnRef idx="1">
+            <a:schemeClr val="accent1"/>
+          </a:lnRef>
+          <a:fillRef idx="0">
+            <a:schemeClr val="accent1"/>
+          </a:fillRef>
+          <a:effectRef idx="0">
+            <a:schemeClr val="accent1"/>
+          </a:effectRef>
+          <a:fontRef idx="minor">
+            <a:schemeClr val="tx1"/>
+          </a:fontRef>
+        </p:style>
+      </p:cxnSp>
+      <p:cxnSp>
+        <p:nvCxnSpPr>
+          <p:cNvPr id="34" name="Straight Arrow Connector 33">
+            <a:extLst>
+              <a:ext uri="{FF2B5EF4-FFF2-40B4-BE49-F238E27FC236}">
+                <a16:creationId xmlns:a16="http://schemas.microsoft.com/office/drawing/2014/main" id="{C33C8F52-24DB-4452-952C-66B7CD00C034}"/>
+              </a:ext>
+            </a:extLst>
+          </p:cNvPr>
+          <p:cNvCxnSpPr>
+            <a:cxnSpLocks/>
+          </p:cNvCxnSpPr>
+          <p:nvPr/>
+        </p:nvCxnSpPr>
+        <p:spPr>
+          <a:xfrm>
+            <a:off x="2700501" y="4652631"/>
+            <a:ext cx="1628328" cy="0"/>
+          </a:xfrm>
+          <a:prstGeom prst="straightConnector1">
+            <a:avLst/>
+          </a:prstGeom>
+          <a:ln w="38100">
+            <a:tailEnd type="triangle"/>
+          </a:ln>
+        </p:spPr>
+        <p:style>
+          <a:lnRef idx="1">
+            <a:schemeClr val="accent1"/>
+          </a:lnRef>
+          <a:fillRef idx="0">
+            <a:schemeClr val="accent1"/>
+          </a:fillRef>
+          <a:effectRef idx="0">
+            <a:schemeClr val="accent1"/>
+          </a:effectRef>
+          <a:fontRef idx="minor">
+            <a:schemeClr val="tx1"/>
+          </a:fontRef>
+        </p:style>
+      </p:cxnSp>
+      <p:cxnSp>
+        <p:nvCxnSpPr>
+          <p:cNvPr id="37" name="Straight Arrow Connector 36">
+            <a:extLst>
+              <a:ext uri="{FF2B5EF4-FFF2-40B4-BE49-F238E27FC236}">
+                <a16:creationId xmlns:a16="http://schemas.microsoft.com/office/drawing/2014/main" id="{571D5EE6-8DC9-41B1-B0DA-61A2A517EE02}"/>
+              </a:ext>
+            </a:extLst>
+          </p:cNvPr>
+          <p:cNvCxnSpPr>
+            <a:cxnSpLocks/>
+            <a:endCxn id="25" idx="0"/>
+          </p:cNvCxnSpPr>
+          <p:nvPr/>
+        </p:nvCxnSpPr>
+        <p:spPr>
+          <a:xfrm>
+            <a:off x="5890333" y="2458506"/>
+            <a:ext cx="1" cy="315897"/>
+          </a:xfrm>
+          <a:prstGeom prst="straightConnector1">
+            <a:avLst/>
+          </a:prstGeom>
+          <a:ln w="38100">
+            <a:tailEnd type="triangle"/>
+          </a:ln>
+        </p:spPr>
+        <p:style>
+          <a:lnRef idx="1">
+            <a:schemeClr val="accent1"/>
+          </a:lnRef>
+          <a:fillRef idx="0">
+            <a:schemeClr val="accent1"/>
+          </a:fillRef>
+          <a:effectRef idx="0">
+            <a:schemeClr val="accent1"/>
+          </a:effectRef>
+          <a:fontRef idx="minor">
+            <a:schemeClr val="tx1"/>
+          </a:fontRef>
+        </p:style>
+      </p:cxnSp>
+      <p:sp>
+        <p:nvSpPr>
+          <p:cNvPr id="2" name="TextBox 1">
+            <a:extLst>
+              <a:ext uri="{FF2B5EF4-FFF2-40B4-BE49-F238E27FC236}">
+                <a16:creationId xmlns:a16="http://schemas.microsoft.com/office/drawing/2014/main" id="{A70211B0-DAF0-4200-BC8B-950BD331EC40}"/>
+              </a:ext>
+            </a:extLst>
+          </p:cNvPr>
+          <p:cNvSpPr txBox="1"/>
+          <p:nvPr/>
+        </p:nvSpPr>
+        <p:spPr>
+          <a:xfrm>
+            <a:off x="2833532" y="4248241"/>
+            <a:ext cx="1268296" cy="369332"/>
+          </a:xfrm>
+          <a:prstGeom prst="rect">
+            <a:avLst/>
+          </a:prstGeom>
+          <a:noFill/>
+        </p:spPr>
+        <p:txBody>
+          <a:bodyPr wrap="none" rtlCol="0">
+            <a:spAutoFit/>
+          </a:bodyPr>
+          <a:lstStyle/>
+          <a:p>
+            <a:r>
+              <a:rPr lang="en-US" dirty="0"/>
+              <a:t>Rumble API</a:t>
+            </a:r>
+          </a:p>
+        </p:txBody>
+      </p:sp>
+      <p:sp>
+        <p:nvSpPr>
+          <p:cNvPr id="4" name="TextBox 3">
+            <a:extLst>
+              <a:ext uri="{FF2B5EF4-FFF2-40B4-BE49-F238E27FC236}">
+                <a16:creationId xmlns:a16="http://schemas.microsoft.com/office/drawing/2014/main" id="{1D4D868F-F5F9-4A64-B319-E9613214C92E}"/>
+              </a:ext>
+            </a:extLst>
+          </p:cNvPr>
+          <p:cNvSpPr txBox="1"/>
+          <p:nvPr/>
+        </p:nvSpPr>
+        <p:spPr>
+          <a:xfrm>
+            <a:off x="9081856" y="247965"/>
+            <a:ext cx="3110144" cy="646331"/>
+          </a:xfrm>
+          <a:prstGeom prst="rect">
+            <a:avLst/>
+          </a:prstGeom>
+          <a:noFill/>
+          <a:ln>
+            <a:solidFill>
+              <a:schemeClr val="tx1"/>
+            </a:solidFill>
+            <a:prstDash val="lgDash"/>
+          </a:ln>
+        </p:spPr>
+        <p:txBody>
+          <a:bodyPr wrap="square" rtlCol="0">
+            <a:spAutoFit/>
+          </a:bodyPr>
+          <a:lstStyle/>
+          <a:p>
+            <a:r>
+              <a:rPr lang="en-US" sz="1200" dirty="0"/>
+              <a:t>QT3 Test Suite should be analyzed and decided how to handle different versions of XQuery, XPath and XSLT test-cases </a:t>
+            </a:r>
+          </a:p>
+        </p:txBody>
+      </p:sp>
+      <p:sp>
+        <p:nvSpPr>
+          <p:cNvPr id="9" name="TextBox 8">
+            <a:extLst>
+              <a:ext uri="{FF2B5EF4-FFF2-40B4-BE49-F238E27FC236}">
+                <a16:creationId xmlns:a16="http://schemas.microsoft.com/office/drawing/2014/main" id="{5D8D5A12-B369-4D1A-8B9D-E96F26D139DD}"/>
+              </a:ext>
+            </a:extLst>
+          </p:cNvPr>
+          <p:cNvSpPr txBox="1"/>
+          <p:nvPr/>
+        </p:nvSpPr>
+        <p:spPr>
+          <a:xfrm>
+            <a:off x="9078153" y="5625107"/>
+            <a:ext cx="3113845" cy="830997"/>
+          </a:xfrm>
+          <a:prstGeom prst="rect">
+            <a:avLst/>
+          </a:prstGeom>
+          <a:noFill/>
+          <a:ln>
+            <a:solidFill>
+              <a:schemeClr val="tx1"/>
+            </a:solidFill>
+            <a:prstDash val="lgDash"/>
+          </a:ln>
+        </p:spPr>
+        <p:txBody>
+          <a:bodyPr wrap="square" rtlCol="0">
+            <a:spAutoFit/>
+          </a:bodyPr>
+          <a:lstStyle/>
+          <a:p>
+            <a:r>
+              <a:rPr lang="en-US" sz="1200" dirty="0"/>
+              <a:t>Part 2: Test Report class is supposed to replace the Test Report Handling Logic. Now it should show statistics of passed/failed tests. This will now aggregate the data display a webpage</a:t>
+            </a:r>
+          </a:p>
+        </p:txBody>
+      </p:sp>
+      <p:sp>
+        <p:nvSpPr>
+          <p:cNvPr id="30" name="Rectangle 29">
+            <a:extLst>
+              <a:ext uri="{FF2B5EF4-FFF2-40B4-BE49-F238E27FC236}">
+                <a16:creationId xmlns:a16="http://schemas.microsoft.com/office/drawing/2014/main" id="{E57C572A-8605-4180-883F-9AFA944558DB}"/>
+              </a:ext>
+            </a:extLst>
+          </p:cNvPr>
+          <p:cNvSpPr/>
+          <p:nvPr/>
+        </p:nvSpPr>
+        <p:spPr>
+          <a:xfrm>
+            <a:off x="4327140" y="3981522"/>
+            <a:ext cx="3126387" cy="869747"/>
+          </a:xfrm>
+          <a:prstGeom prst="rect">
+            <a:avLst/>
+          </a:prstGeom>
+          <a:solidFill>
+            <a:schemeClr val="accent4">
+              <a:lumMod val="20000"/>
+              <a:lumOff val="80000"/>
+            </a:schemeClr>
+          </a:solidFill>
+        </p:spPr>
+        <p:style>
+          <a:lnRef idx="1">
+            <a:schemeClr val="accent5"/>
+          </a:lnRef>
+          <a:fillRef idx="2">
+            <a:schemeClr val="accent5"/>
+          </a:fillRef>
+          <a:effectRef idx="1">
+            <a:schemeClr val="accent5"/>
+          </a:effectRef>
+          <a:fontRef idx="minor">
+            <a:schemeClr val="dk1"/>
+          </a:fontRef>
+        </p:style>
+        <p:txBody>
+          <a:bodyPr rtlCol="0" anchor="ctr"/>
+          <a:lstStyle/>
+          <a:p>
+            <a:pPr algn="ctr"/>
+            <a:r>
+              <a:rPr lang="en-US" dirty="0"/>
+              <a:t>Test Case Handling Logic</a:t>
+            </a:r>
+          </a:p>
+        </p:txBody>
+      </p:sp>
+      <p:cxnSp>
+        <p:nvCxnSpPr>
+          <p:cNvPr id="31" name="Straight Arrow Connector 30">
+            <a:extLst>
+              <a:ext uri="{FF2B5EF4-FFF2-40B4-BE49-F238E27FC236}">
+                <a16:creationId xmlns:a16="http://schemas.microsoft.com/office/drawing/2014/main" id="{4A232024-275E-44D0-A36A-59FA95008466}"/>
+              </a:ext>
+            </a:extLst>
+          </p:cNvPr>
+          <p:cNvCxnSpPr>
+            <a:cxnSpLocks/>
+          </p:cNvCxnSpPr>
+          <p:nvPr/>
+        </p:nvCxnSpPr>
+        <p:spPr>
+          <a:xfrm>
+            <a:off x="5872923" y="3665625"/>
+            <a:ext cx="1" cy="315897"/>
+          </a:xfrm>
+          <a:prstGeom prst="straightConnector1">
+            <a:avLst/>
+          </a:prstGeom>
+          <a:ln w="38100">
+            <a:tailEnd type="triangle"/>
+          </a:ln>
+        </p:spPr>
+        <p:style>
+          <a:lnRef idx="1">
+            <a:schemeClr val="accent1"/>
+          </a:lnRef>
+          <a:fillRef idx="0">
+            <a:schemeClr val="accent1"/>
+          </a:fillRef>
+          <a:effectRef idx="0">
+            <a:schemeClr val="accent1"/>
+          </a:effectRef>
+          <a:fontRef idx="minor">
+            <a:schemeClr val="tx1"/>
+          </a:fontRef>
+        </p:style>
+      </p:cxnSp>
+    </p:spTree>
+    <p:extLst>
+      <p:ext uri="{BB962C8B-B14F-4D97-AF65-F5344CB8AC3E}">
+        <p14:creationId xmlns:p14="http://schemas.microsoft.com/office/powerpoint/2010/main" val="3480297135"/>
+      </p:ext>
+    </p:extLst>
+  </p:cSld>
+  <p:clrMapOvr>
+    <a:masterClrMapping/>
+  </p:clrMapOvr>
+</p:sld>
+</file>
+
+<file path=ppt/slides/slide11.xml><?xml version="1.0" encoding="utf-8"?>
+<p:sld xmlns:a="http://schemas.openxmlformats.org/drawingml/2006/main" xmlns:r="http://schemas.openxmlformats.org/officeDocument/2006/relationships" xmlns:p="http://schemas.openxmlformats.org/presentationml/2006/main">
+  <p:cSld>
+    <p:spTree>
+      <p:nvGrpSpPr>
+        <p:cNvPr id="1" name=""/>
+        <p:cNvGrpSpPr/>
+        <p:nvPr/>
+      </p:nvGrpSpPr>
+      <p:grpSpPr>
+        <a:xfrm>
+          <a:off x="0" y="0"/>
+          <a:ext cx="0" cy="0"/>
+          <a:chOff x="0" y="0"/>
+          <a:chExt cx="0" cy="0"/>
+        </a:xfrm>
+      </p:grpSpPr>
+      <p:sp>
+        <p:nvSpPr>
+          <p:cNvPr id="3" name="TextBox 2">
+            <a:extLst>
+              <a:ext uri="{FF2B5EF4-FFF2-40B4-BE49-F238E27FC236}">
+                <a16:creationId xmlns:a16="http://schemas.microsoft.com/office/drawing/2014/main" id="{F175A308-E166-457C-A2BA-E646555DF839}"/>
+              </a:ext>
+            </a:extLst>
+          </p:cNvPr>
+          <p:cNvSpPr txBox="1"/>
+          <p:nvPr/>
+        </p:nvSpPr>
+        <p:spPr>
+          <a:xfrm>
+            <a:off x="9078154" y="2253677"/>
+            <a:ext cx="3113845" cy="2308324"/>
+          </a:xfrm>
+          <a:prstGeom prst="rect">
+            <a:avLst/>
+          </a:prstGeom>
+          <a:noFill/>
+          <a:ln>
+            <a:solidFill>
+              <a:schemeClr val="tx1"/>
+            </a:solidFill>
+            <a:prstDash val="lgDash"/>
+          </a:ln>
+        </p:spPr>
+        <p:txBody>
+          <a:bodyPr wrap="square" rtlCol="0">
+            <a:spAutoFit/>
+          </a:bodyPr>
+          <a:lstStyle/>
+          <a:p>
+            <a:r>
+              <a:rPr lang="en-US" sz="1200" dirty="0"/>
+              <a:t>Part 3: Consider further refactoring of the code with possible usage of good Software Engineering practices and patterns. </a:t>
+            </a:r>
+          </a:p>
+          <a:p>
+            <a:endParaRPr lang="en-US" sz="1200" dirty="0"/>
+          </a:p>
+          <a:p>
+            <a:r>
+              <a:rPr lang="en-US" sz="1200" dirty="0"/>
+              <a:t>Maybe extend convertor so that it is capable of in advance detecting the tests that cannot be run on Rumble based on previous Test Reports</a:t>
+            </a:r>
+          </a:p>
+          <a:p>
+            <a:endParaRPr lang="en-US" sz="1200" dirty="0"/>
+          </a:p>
+          <a:p>
+            <a:r>
+              <a:rPr lang="en-US" sz="1200" dirty="0"/>
+              <a:t>Possible hidden issues: Test is run, it succeeds but produces different output not because of bug in Rumble but because of some other syntax issue</a:t>
+            </a:r>
+          </a:p>
+        </p:txBody>
+      </p:sp>
+      <p:sp>
+        <p:nvSpPr>
+          <p:cNvPr id="5" name="Rectangle 4">
+            <a:extLst>
+              <a:ext uri="{FF2B5EF4-FFF2-40B4-BE49-F238E27FC236}">
+                <a16:creationId xmlns:a16="http://schemas.microsoft.com/office/drawing/2014/main" id="{378A7FC1-4EC5-4D80-981B-BE76701C64D5}"/>
+              </a:ext>
+            </a:extLst>
+          </p:cNvPr>
+          <p:cNvSpPr/>
+          <p:nvPr/>
+        </p:nvSpPr>
+        <p:spPr>
+          <a:xfrm>
+            <a:off x="3657600" y="457198"/>
+            <a:ext cx="4465468" cy="6130025"/>
+          </a:xfrm>
+          <a:prstGeom prst="rect">
+            <a:avLst/>
+          </a:prstGeom>
+          <a:solidFill>
+            <a:schemeClr val="bg1">
+              <a:lumMod val="95000"/>
+            </a:schemeClr>
+          </a:solidFill>
+        </p:spPr>
+        <p:style>
+          <a:lnRef idx="2">
+            <a:schemeClr val="accent1">
+              <a:shade val="50000"/>
+            </a:schemeClr>
+          </a:lnRef>
+          <a:fillRef idx="1">
+            <a:schemeClr val="accent1"/>
+          </a:fillRef>
+          <a:effectRef idx="0">
+            <a:schemeClr val="accent1"/>
+          </a:effectRef>
+          <a:fontRef idx="minor">
+            <a:schemeClr val="lt1"/>
+          </a:fontRef>
+        </p:style>
+        <p:txBody>
+          <a:bodyPr rtlCol="0" anchor="t" anchorCtr="0"/>
+          <a:lstStyle/>
+          <a:p>
+            <a:pPr algn="ctr"/>
+            <a:r>
+              <a:rPr lang="en-US" dirty="0">
+                <a:solidFill>
+                  <a:schemeClr val="tx1"/>
+                </a:solidFill>
+              </a:rPr>
+              <a:t>JAVA APPLICATION</a:t>
+            </a:r>
+          </a:p>
+        </p:txBody>
+      </p:sp>
+      <p:sp>
+        <p:nvSpPr>
+          <p:cNvPr id="7" name="Rectangle 6">
+            <a:extLst>
+              <a:ext uri="{FF2B5EF4-FFF2-40B4-BE49-F238E27FC236}">
+                <a16:creationId xmlns:a16="http://schemas.microsoft.com/office/drawing/2014/main" id="{1D9A284B-8A5C-42EB-AD39-A739557867FC}"/>
+              </a:ext>
+            </a:extLst>
+          </p:cNvPr>
+          <p:cNvSpPr/>
+          <p:nvPr/>
+        </p:nvSpPr>
+        <p:spPr>
+          <a:xfrm>
+            <a:off x="809557" y="3931320"/>
+            <a:ext cx="1890944" cy="1003177"/>
+          </a:xfrm>
+          <a:prstGeom prst="rect">
+            <a:avLst/>
+          </a:prstGeom>
+        </p:spPr>
+        <p:style>
+          <a:lnRef idx="2">
+            <a:schemeClr val="dk1">
+              <a:shade val="50000"/>
+            </a:schemeClr>
+          </a:lnRef>
+          <a:fillRef idx="1">
+            <a:schemeClr val="dk1"/>
+          </a:fillRef>
+          <a:effectRef idx="0">
+            <a:schemeClr val="dk1"/>
+          </a:effectRef>
+          <a:fontRef idx="minor">
+            <a:schemeClr val="lt1"/>
+          </a:fontRef>
+        </p:style>
+        <p:txBody>
+          <a:bodyPr rtlCol="0" anchor="ctr"/>
+          <a:lstStyle/>
+          <a:p>
+            <a:pPr algn="ctr"/>
+            <a:r>
+              <a:rPr lang="en-US" dirty="0"/>
+              <a:t>RUMBLE</a:t>
+            </a:r>
+          </a:p>
+        </p:txBody>
+      </p:sp>
+      <p:sp>
+        <p:nvSpPr>
+          <p:cNvPr id="8" name="Rectangle 7">
+            <a:extLst>
+              <a:ext uri="{FF2B5EF4-FFF2-40B4-BE49-F238E27FC236}">
+                <a16:creationId xmlns:a16="http://schemas.microsoft.com/office/drawing/2014/main" id="{A60B3A32-B413-47A3-BFB9-39910D6805CB}"/>
+              </a:ext>
+            </a:extLst>
+          </p:cNvPr>
+          <p:cNvSpPr/>
+          <p:nvPr/>
+        </p:nvSpPr>
+        <p:spPr>
+          <a:xfrm>
+            <a:off x="809557" y="5584046"/>
+            <a:ext cx="1890944" cy="1003177"/>
+          </a:xfrm>
+          <a:prstGeom prst="rect">
+            <a:avLst/>
+          </a:prstGeom>
+        </p:spPr>
+        <p:style>
+          <a:lnRef idx="2">
+            <a:schemeClr val="dk1">
+              <a:shade val="50000"/>
+            </a:schemeClr>
+          </a:lnRef>
+          <a:fillRef idx="1">
+            <a:schemeClr val="dk1"/>
+          </a:fillRef>
+          <a:effectRef idx="0">
+            <a:schemeClr val="dk1"/>
+          </a:effectRef>
+          <a:fontRef idx="minor">
+            <a:schemeClr val="lt1"/>
+          </a:fontRef>
+        </p:style>
+        <p:txBody>
+          <a:bodyPr rtlCol="0" anchor="ctr"/>
+          <a:lstStyle/>
+          <a:p>
+            <a:pPr algn="ctr"/>
+            <a:r>
+              <a:rPr lang="en-US" dirty="0"/>
+              <a:t>SPARK</a:t>
+            </a:r>
+          </a:p>
+        </p:txBody>
+      </p:sp>
+      <p:cxnSp>
+        <p:nvCxnSpPr>
+          <p:cNvPr id="10" name="Straight Arrow Connector 9">
+            <a:extLst>
+              <a:ext uri="{FF2B5EF4-FFF2-40B4-BE49-F238E27FC236}">
+                <a16:creationId xmlns:a16="http://schemas.microsoft.com/office/drawing/2014/main" id="{BB0AAEB6-0F4B-441B-8D85-640CFA52D4FE}"/>
+              </a:ext>
+            </a:extLst>
+          </p:cNvPr>
+          <p:cNvCxnSpPr/>
+          <p:nvPr/>
+        </p:nvCxnSpPr>
+        <p:spPr>
+          <a:xfrm>
+            <a:off x="1351095" y="4952252"/>
+            <a:ext cx="0" cy="631794"/>
+          </a:xfrm>
+          <a:prstGeom prst="straightConnector1">
+            <a:avLst/>
+          </a:prstGeom>
+          <a:ln w="38100">
+            <a:tailEnd type="triangle"/>
+          </a:ln>
+        </p:spPr>
+        <p:style>
+          <a:lnRef idx="1">
+            <a:schemeClr val="accent1"/>
+          </a:lnRef>
+          <a:fillRef idx="0">
+            <a:schemeClr val="accent1"/>
+          </a:fillRef>
+          <a:effectRef idx="0">
+            <a:schemeClr val="accent1"/>
+          </a:effectRef>
+          <a:fontRef idx="minor">
+            <a:schemeClr val="tx1"/>
+          </a:fontRef>
+        </p:style>
+      </p:cxnSp>
+      <p:cxnSp>
+        <p:nvCxnSpPr>
+          <p:cNvPr id="11" name="Straight Arrow Connector 10">
+            <a:extLst>
+              <a:ext uri="{FF2B5EF4-FFF2-40B4-BE49-F238E27FC236}">
+                <a16:creationId xmlns:a16="http://schemas.microsoft.com/office/drawing/2014/main" id="{FD0B535D-01A9-4B4C-A56E-E5D5657AC1DD}"/>
+              </a:ext>
+            </a:extLst>
+          </p:cNvPr>
+          <p:cNvCxnSpPr>
+            <a:cxnSpLocks/>
+          </p:cNvCxnSpPr>
+          <p:nvPr/>
+        </p:nvCxnSpPr>
+        <p:spPr>
+          <a:xfrm flipV="1">
+            <a:off x="2124931" y="4934497"/>
+            <a:ext cx="0" cy="649549"/>
+          </a:xfrm>
+          <a:prstGeom prst="straightConnector1">
+            <a:avLst/>
+          </a:prstGeom>
+          <a:ln w="38100">
+            <a:tailEnd type="triangle"/>
+          </a:ln>
+        </p:spPr>
+        <p:style>
+          <a:lnRef idx="1">
+            <a:schemeClr val="accent1"/>
+          </a:lnRef>
+          <a:fillRef idx="0">
+            <a:schemeClr val="accent1"/>
+          </a:fillRef>
+          <a:effectRef idx="0">
+            <a:schemeClr val="accent1"/>
+          </a:effectRef>
+          <a:fontRef idx="minor">
+            <a:schemeClr val="tx1"/>
+          </a:fontRef>
+        </p:style>
+      </p:cxnSp>
+      <p:sp>
+        <p:nvSpPr>
+          <p:cNvPr id="17" name="TextBox 16">
+            <a:extLst>
+              <a:ext uri="{FF2B5EF4-FFF2-40B4-BE49-F238E27FC236}">
+                <a16:creationId xmlns:a16="http://schemas.microsoft.com/office/drawing/2014/main" id="{8EE8EC3D-C1FF-4F91-8A2C-B621CC074066}"/>
+              </a:ext>
+            </a:extLst>
+          </p:cNvPr>
+          <p:cNvSpPr txBox="1"/>
+          <p:nvPr/>
+        </p:nvSpPr>
+        <p:spPr>
+          <a:xfrm>
+            <a:off x="739827" y="2999906"/>
+            <a:ext cx="2144881" cy="830997"/>
+          </a:xfrm>
+          <a:prstGeom prst="rect">
+            <a:avLst/>
+          </a:prstGeom>
+          <a:noFill/>
+          <a:ln>
+            <a:solidFill>
+              <a:schemeClr val="tx1"/>
+            </a:solidFill>
+            <a:prstDash val="lgDash"/>
+          </a:ln>
+        </p:spPr>
+        <p:txBody>
+          <a:bodyPr wrap="square" rtlCol="0">
+            <a:spAutoFit/>
+          </a:bodyPr>
+          <a:lstStyle/>
+          <a:p>
+            <a:r>
+              <a:rPr lang="en-US" sz="1200" dirty="0"/>
+              <a:t>Rumble we view as a </a:t>
+            </a:r>
+            <a:r>
+              <a:rPr lang="en-US" sz="1200" dirty="0" err="1"/>
+              <a:t>blackbox</a:t>
+            </a:r>
+            <a:r>
+              <a:rPr lang="en-US" sz="1200" dirty="0"/>
+              <a:t>. It is not in our interest what it does with Spark. We just need to get the query results from it!</a:t>
+            </a:r>
+          </a:p>
+        </p:txBody>
+      </p:sp>
+      <p:sp>
+        <p:nvSpPr>
+          <p:cNvPr id="18" name="TextBox 17">
+            <a:extLst>
+              <a:ext uri="{FF2B5EF4-FFF2-40B4-BE49-F238E27FC236}">
+                <a16:creationId xmlns:a16="http://schemas.microsoft.com/office/drawing/2014/main" id="{E67BD72C-01B8-478F-BC2F-1DA0248D19EE}"/>
+              </a:ext>
+            </a:extLst>
+          </p:cNvPr>
+          <p:cNvSpPr txBox="1"/>
+          <p:nvPr/>
+        </p:nvSpPr>
+        <p:spPr>
+          <a:xfrm>
+            <a:off x="745540" y="438510"/>
+            <a:ext cx="2144881" cy="1569660"/>
+          </a:xfrm>
+          <a:prstGeom prst="rect">
+            <a:avLst/>
+          </a:prstGeom>
+          <a:noFill/>
+          <a:ln>
+            <a:solidFill>
+              <a:schemeClr val="tx1"/>
+            </a:solidFill>
+            <a:prstDash val="lgDash"/>
+          </a:ln>
+        </p:spPr>
+        <p:txBody>
+          <a:bodyPr wrap="square" rtlCol="0">
+            <a:spAutoFit/>
+          </a:bodyPr>
+          <a:lstStyle/>
+          <a:p>
+            <a:r>
+              <a:rPr lang="en-US" sz="1200" dirty="0"/>
+              <a:t>XML Parser. We can use some of already existing API's for XML parsing and processing. JAXP is one of them but I am not sure whether 1.6v is good for XQuery 3.1. Proposition is to use Saxon classes for this. Basically any external library</a:t>
+            </a:r>
+          </a:p>
+        </p:txBody>
+      </p:sp>
+      <p:sp>
+        <p:nvSpPr>
+          <p:cNvPr id="19" name="Rectangle 18">
+            <a:extLst>
+              <a:ext uri="{FF2B5EF4-FFF2-40B4-BE49-F238E27FC236}">
+                <a16:creationId xmlns:a16="http://schemas.microsoft.com/office/drawing/2014/main" id="{D4893B53-3DD0-43A2-8A86-3EA2DE32C5A3}"/>
+              </a:ext>
+            </a:extLst>
+          </p:cNvPr>
+          <p:cNvSpPr/>
+          <p:nvPr/>
+        </p:nvSpPr>
+        <p:spPr>
+          <a:xfrm>
+            <a:off x="9485789" y="1072718"/>
+            <a:ext cx="1890944" cy="1003177"/>
+          </a:xfrm>
+          <a:prstGeom prst="rect">
+            <a:avLst/>
+          </a:prstGeom>
+          <a:solidFill>
+            <a:srgbClr val="92D050"/>
+          </a:solidFill>
+        </p:spPr>
+        <p:style>
+          <a:lnRef idx="2">
+            <a:schemeClr val="dk1">
+              <a:shade val="50000"/>
+            </a:schemeClr>
+          </a:lnRef>
+          <a:fillRef idx="1">
+            <a:schemeClr val="dk1"/>
+          </a:fillRef>
+          <a:effectRef idx="0">
+            <a:schemeClr val="dk1"/>
+          </a:effectRef>
+          <a:fontRef idx="minor">
+            <a:schemeClr val="lt1"/>
+          </a:fontRef>
+        </p:style>
+        <p:txBody>
+          <a:bodyPr rtlCol="0" anchor="ctr"/>
+          <a:lstStyle/>
+          <a:p>
+            <a:pPr algn="ctr"/>
+            <a:r>
+              <a:rPr lang="en-US" dirty="0"/>
+              <a:t>QT3 Test Suite</a:t>
+            </a:r>
+          </a:p>
+        </p:txBody>
+      </p:sp>
+      <p:sp>
+        <p:nvSpPr>
+          <p:cNvPr id="20" name="Rectangle 19">
+            <a:extLst>
+              <a:ext uri="{FF2B5EF4-FFF2-40B4-BE49-F238E27FC236}">
+                <a16:creationId xmlns:a16="http://schemas.microsoft.com/office/drawing/2014/main" id="{5B5D5F0E-627F-43B7-BD5E-4F8A8E434731}"/>
+              </a:ext>
+            </a:extLst>
+          </p:cNvPr>
+          <p:cNvSpPr/>
+          <p:nvPr/>
+        </p:nvSpPr>
+        <p:spPr>
+          <a:xfrm>
+            <a:off x="4119239" y="1072718"/>
+            <a:ext cx="3542190" cy="3879534"/>
+          </a:xfrm>
+          <a:prstGeom prst="rect">
+            <a:avLst/>
+          </a:prstGeom>
+        </p:spPr>
+        <p:style>
+          <a:lnRef idx="1">
+            <a:schemeClr val="accent5"/>
+          </a:lnRef>
+          <a:fillRef idx="2">
+            <a:schemeClr val="accent5"/>
+          </a:fillRef>
+          <a:effectRef idx="1">
+            <a:schemeClr val="accent5"/>
+          </a:effectRef>
+          <a:fontRef idx="minor">
+            <a:schemeClr val="dk1"/>
+          </a:fontRef>
+        </p:style>
+        <p:txBody>
+          <a:bodyPr rtlCol="0" anchor="t" anchorCtr="0"/>
+          <a:lstStyle/>
+          <a:p>
+            <a:pPr algn="ctr"/>
+            <a:r>
+              <a:rPr lang="en-US" dirty="0"/>
+              <a:t>Test Driver</a:t>
+            </a:r>
+          </a:p>
+        </p:txBody>
+      </p:sp>
+      <p:sp>
+        <p:nvSpPr>
+          <p:cNvPr id="21" name="Rectangle 20">
+            <a:extLst>
+              <a:ext uri="{FF2B5EF4-FFF2-40B4-BE49-F238E27FC236}">
+                <a16:creationId xmlns:a16="http://schemas.microsoft.com/office/drawing/2014/main" id="{E4EDF9E3-396E-42EE-B4EA-512947F1B243}"/>
+              </a:ext>
+            </a:extLst>
+          </p:cNvPr>
+          <p:cNvSpPr/>
+          <p:nvPr/>
+        </p:nvSpPr>
+        <p:spPr>
+          <a:xfrm>
+            <a:off x="4119239" y="5433542"/>
+            <a:ext cx="3542190" cy="1003176"/>
+          </a:xfrm>
+          <a:prstGeom prst="rect">
+            <a:avLst/>
+          </a:prstGeom>
+        </p:spPr>
+        <p:style>
+          <a:lnRef idx="1">
+            <a:schemeClr val="accent5"/>
+          </a:lnRef>
+          <a:fillRef idx="2">
+            <a:schemeClr val="accent5"/>
+          </a:fillRef>
+          <a:effectRef idx="1">
+            <a:schemeClr val="accent5"/>
+          </a:effectRef>
+          <a:fontRef idx="minor">
+            <a:schemeClr val="dk1"/>
+          </a:fontRef>
+        </p:style>
+        <p:txBody>
+          <a:bodyPr rtlCol="0" anchor="ctr"/>
+          <a:lstStyle/>
+          <a:p>
+            <a:pPr algn="ctr"/>
+            <a:r>
+              <a:rPr lang="en-US" dirty="0"/>
+              <a:t>Test Report</a:t>
+            </a:r>
+          </a:p>
+        </p:txBody>
+      </p:sp>
+      <p:cxnSp>
+        <p:nvCxnSpPr>
+          <p:cNvPr id="22" name="Straight Arrow Connector 21">
+            <a:extLst>
+              <a:ext uri="{FF2B5EF4-FFF2-40B4-BE49-F238E27FC236}">
+                <a16:creationId xmlns:a16="http://schemas.microsoft.com/office/drawing/2014/main" id="{E99BB4C7-61B0-4C23-B3B9-7A5B5698634B}"/>
+              </a:ext>
+            </a:extLst>
+          </p:cNvPr>
+          <p:cNvCxnSpPr>
+            <a:cxnSpLocks/>
+          </p:cNvCxnSpPr>
+          <p:nvPr/>
+        </p:nvCxnSpPr>
+        <p:spPr>
+          <a:xfrm>
+            <a:off x="5890333" y="4952252"/>
+            <a:ext cx="0" cy="481290"/>
+          </a:xfrm>
+          <a:prstGeom prst="straightConnector1">
+            <a:avLst/>
+          </a:prstGeom>
+          <a:ln w="38100">
+            <a:tailEnd type="triangle"/>
+          </a:ln>
+        </p:spPr>
+        <p:style>
+          <a:lnRef idx="1">
+            <a:schemeClr val="accent1"/>
+          </a:lnRef>
+          <a:fillRef idx="0">
+            <a:schemeClr val="accent1"/>
+          </a:fillRef>
+          <a:effectRef idx="0">
+            <a:schemeClr val="accent1"/>
+          </a:effectRef>
+          <a:fontRef idx="minor">
+            <a:schemeClr val="tx1"/>
+          </a:fontRef>
+        </p:style>
+      </p:cxnSp>
+      <p:sp>
+        <p:nvSpPr>
+          <p:cNvPr id="6" name="Rectangle 5">
+            <a:extLst>
+              <a:ext uri="{FF2B5EF4-FFF2-40B4-BE49-F238E27FC236}">
+                <a16:creationId xmlns:a16="http://schemas.microsoft.com/office/drawing/2014/main" id="{75738B42-8D5C-4EE5-8FBB-2AA5C8F1B02A}"/>
+              </a:ext>
+            </a:extLst>
+          </p:cNvPr>
+          <p:cNvSpPr/>
+          <p:nvPr/>
+        </p:nvSpPr>
+        <p:spPr>
+          <a:xfrm>
+            <a:off x="4327140" y="1574306"/>
+            <a:ext cx="3126387" cy="869747"/>
+          </a:xfrm>
+          <a:prstGeom prst="rect">
+            <a:avLst/>
+          </a:prstGeom>
+          <a:solidFill>
+            <a:schemeClr val="accent4">
+              <a:lumMod val="20000"/>
+              <a:lumOff val="80000"/>
+            </a:schemeClr>
+          </a:solidFill>
+        </p:spPr>
+        <p:style>
+          <a:lnRef idx="1">
+            <a:schemeClr val="accent5"/>
+          </a:lnRef>
+          <a:fillRef idx="2">
+            <a:schemeClr val="accent5"/>
+          </a:fillRef>
+          <a:effectRef idx="1">
+            <a:schemeClr val="accent5"/>
+          </a:effectRef>
+          <a:fontRef idx="minor">
+            <a:schemeClr val="dk1"/>
+          </a:fontRef>
+        </p:style>
+        <p:txBody>
+          <a:bodyPr rtlCol="0" anchor="ctr"/>
+          <a:lstStyle/>
+          <a:p>
+            <a:pPr algn="ctr"/>
+            <a:r>
+              <a:rPr lang="en-US" dirty="0"/>
+              <a:t>XML Parser</a:t>
+            </a:r>
+          </a:p>
+        </p:txBody>
+      </p:sp>
+      <p:sp>
+        <p:nvSpPr>
+          <p:cNvPr id="25" name="Rectangle 24">
+            <a:extLst>
+              <a:ext uri="{FF2B5EF4-FFF2-40B4-BE49-F238E27FC236}">
+                <a16:creationId xmlns:a16="http://schemas.microsoft.com/office/drawing/2014/main" id="{E8CC4A4D-C085-48F9-A50A-FE763AB34C70}"/>
+              </a:ext>
+            </a:extLst>
+          </p:cNvPr>
+          <p:cNvSpPr/>
+          <p:nvPr/>
+        </p:nvSpPr>
+        <p:spPr>
+          <a:xfrm>
+            <a:off x="4327140" y="2774403"/>
+            <a:ext cx="3126387" cy="869747"/>
+          </a:xfrm>
+          <a:prstGeom prst="rect">
+            <a:avLst/>
+          </a:prstGeom>
+          <a:solidFill>
+            <a:schemeClr val="accent4">
+              <a:lumMod val="20000"/>
+              <a:lumOff val="80000"/>
+            </a:schemeClr>
+          </a:solidFill>
+        </p:spPr>
+        <p:style>
+          <a:lnRef idx="1">
+            <a:schemeClr val="accent5"/>
+          </a:lnRef>
+          <a:fillRef idx="2">
+            <a:schemeClr val="accent5"/>
+          </a:fillRef>
+          <a:effectRef idx="1">
+            <a:schemeClr val="accent5"/>
+          </a:effectRef>
+          <a:fontRef idx="minor">
+            <a:schemeClr val="dk1"/>
+          </a:fontRef>
+        </p:style>
+        <p:txBody>
+          <a:bodyPr rtlCol="0" anchor="ctr"/>
+          <a:lstStyle/>
+          <a:p>
+            <a:pPr algn="ctr"/>
+            <a:r>
+              <a:rPr lang="en-US" dirty="0"/>
+              <a:t>Convertor</a:t>
+            </a:r>
+          </a:p>
+        </p:txBody>
+      </p:sp>
+      <p:cxnSp>
+        <p:nvCxnSpPr>
+          <p:cNvPr id="26" name="Straight Arrow Connector 25">
+            <a:extLst>
+              <a:ext uri="{FF2B5EF4-FFF2-40B4-BE49-F238E27FC236}">
+                <a16:creationId xmlns:a16="http://schemas.microsoft.com/office/drawing/2014/main" id="{7691F00C-B17D-4087-AD52-89529A6F793B}"/>
+              </a:ext>
+            </a:extLst>
+          </p:cNvPr>
+          <p:cNvCxnSpPr>
+            <a:cxnSpLocks/>
+            <a:stCxn id="19" idx="1"/>
+          </p:cNvCxnSpPr>
+          <p:nvPr/>
+        </p:nvCxnSpPr>
+        <p:spPr>
+          <a:xfrm flipH="1">
+            <a:off x="7661428" y="1574307"/>
+            <a:ext cx="1824361" cy="0"/>
+          </a:xfrm>
+          <a:prstGeom prst="straightConnector1">
+            <a:avLst/>
+          </a:prstGeom>
+          <a:ln w="38100">
+            <a:tailEnd type="triangle"/>
+          </a:ln>
+        </p:spPr>
+        <p:style>
+          <a:lnRef idx="1">
+            <a:schemeClr val="accent1"/>
+          </a:lnRef>
+          <a:fillRef idx="0">
+            <a:schemeClr val="accent1"/>
+          </a:fillRef>
+          <a:effectRef idx="0">
+            <a:schemeClr val="accent1"/>
+          </a:effectRef>
+          <a:fontRef idx="minor">
+            <a:schemeClr val="tx1"/>
+          </a:fontRef>
+        </p:style>
+      </p:cxnSp>
+      <p:cxnSp>
+        <p:nvCxnSpPr>
+          <p:cNvPr id="29" name="Straight Arrow Connector 28">
+            <a:extLst>
+              <a:ext uri="{FF2B5EF4-FFF2-40B4-BE49-F238E27FC236}">
+                <a16:creationId xmlns:a16="http://schemas.microsoft.com/office/drawing/2014/main" id="{FED9F672-8BFD-454A-85F6-0A26AAA3CE6A}"/>
+              </a:ext>
+            </a:extLst>
+          </p:cNvPr>
+          <p:cNvCxnSpPr>
+            <a:cxnSpLocks/>
+          </p:cNvCxnSpPr>
+          <p:nvPr/>
+        </p:nvCxnSpPr>
+        <p:spPr>
+          <a:xfrm flipH="1">
+            <a:off x="2700501" y="4165614"/>
+            <a:ext cx="1628330" cy="0"/>
+          </a:xfrm>
+          <a:prstGeom prst="straightConnector1">
+            <a:avLst/>
+          </a:prstGeom>
+          <a:ln w="38100">
+            <a:tailEnd type="triangle"/>
+          </a:ln>
+        </p:spPr>
+        <p:style>
+          <a:lnRef idx="1">
+            <a:schemeClr val="accent1"/>
+          </a:lnRef>
+          <a:fillRef idx="0">
+            <a:schemeClr val="accent1"/>
+          </a:fillRef>
+          <a:effectRef idx="0">
+            <a:schemeClr val="accent1"/>
+          </a:effectRef>
+          <a:fontRef idx="minor">
+            <a:schemeClr val="tx1"/>
+          </a:fontRef>
+        </p:style>
+      </p:cxnSp>
+      <p:cxnSp>
+        <p:nvCxnSpPr>
+          <p:cNvPr id="34" name="Straight Arrow Connector 33">
+            <a:extLst>
+              <a:ext uri="{FF2B5EF4-FFF2-40B4-BE49-F238E27FC236}">
+                <a16:creationId xmlns:a16="http://schemas.microsoft.com/office/drawing/2014/main" id="{C33C8F52-24DB-4452-952C-66B7CD00C034}"/>
+              </a:ext>
+            </a:extLst>
+          </p:cNvPr>
+          <p:cNvCxnSpPr>
+            <a:cxnSpLocks/>
+          </p:cNvCxnSpPr>
+          <p:nvPr/>
+        </p:nvCxnSpPr>
+        <p:spPr>
+          <a:xfrm>
+            <a:off x="2700501" y="4652631"/>
+            <a:ext cx="1628328" cy="0"/>
+          </a:xfrm>
+          <a:prstGeom prst="straightConnector1">
+            <a:avLst/>
+          </a:prstGeom>
+          <a:ln w="38100">
+            <a:tailEnd type="triangle"/>
+          </a:ln>
+        </p:spPr>
+        <p:style>
+          <a:lnRef idx="1">
+            <a:schemeClr val="accent1"/>
+          </a:lnRef>
+          <a:fillRef idx="0">
+            <a:schemeClr val="accent1"/>
+          </a:fillRef>
+          <a:effectRef idx="0">
+            <a:schemeClr val="accent1"/>
+          </a:effectRef>
+          <a:fontRef idx="minor">
+            <a:schemeClr val="tx1"/>
+          </a:fontRef>
+        </p:style>
+      </p:cxnSp>
+      <p:cxnSp>
+        <p:nvCxnSpPr>
+          <p:cNvPr id="37" name="Straight Arrow Connector 36">
+            <a:extLst>
+              <a:ext uri="{FF2B5EF4-FFF2-40B4-BE49-F238E27FC236}">
+                <a16:creationId xmlns:a16="http://schemas.microsoft.com/office/drawing/2014/main" id="{571D5EE6-8DC9-41B1-B0DA-61A2A517EE02}"/>
+              </a:ext>
+            </a:extLst>
+          </p:cNvPr>
+          <p:cNvCxnSpPr>
+            <a:cxnSpLocks/>
+            <a:endCxn id="25" idx="0"/>
+          </p:cNvCxnSpPr>
+          <p:nvPr/>
+        </p:nvCxnSpPr>
+        <p:spPr>
+          <a:xfrm>
+            <a:off x="5890333" y="2458506"/>
+            <a:ext cx="1" cy="315897"/>
+          </a:xfrm>
+          <a:prstGeom prst="straightConnector1">
+            <a:avLst/>
+          </a:prstGeom>
+          <a:ln w="38100">
+            <a:tailEnd type="triangle"/>
+          </a:ln>
+        </p:spPr>
+        <p:style>
+          <a:lnRef idx="1">
+            <a:schemeClr val="accent1"/>
+          </a:lnRef>
+          <a:fillRef idx="0">
+            <a:schemeClr val="accent1"/>
+          </a:fillRef>
+          <a:effectRef idx="0">
+            <a:schemeClr val="accent1"/>
+          </a:effectRef>
+          <a:fontRef idx="minor">
+            <a:schemeClr val="tx1"/>
+          </a:fontRef>
+        </p:style>
+      </p:cxnSp>
+      <p:sp>
+        <p:nvSpPr>
+          <p:cNvPr id="2" name="TextBox 1">
+            <a:extLst>
+              <a:ext uri="{FF2B5EF4-FFF2-40B4-BE49-F238E27FC236}">
+                <a16:creationId xmlns:a16="http://schemas.microsoft.com/office/drawing/2014/main" id="{A70211B0-DAF0-4200-BC8B-950BD331EC40}"/>
+              </a:ext>
+            </a:extLst>
+          </p:cNvPr>
+          <p:cNvSpPr txBox="1"/>
+          <p:nvPr/>
+        </p:nvSpPr>
+        <p:spPr>
+          <a:xfrm>
+            <a:off x="2833532" y="4248241"/>
+            <a:ext cx="1268296" cy="369332"/>
+          </a:xfrm>
+          <a:prstGeom prst="rect">
+            <a:avLst/>
+          </a:prstGeom>
+          <a:noFill/>
+        </p:spPr>
+        <p:txBody>
+          <a:bodyPr wrap="none" rtlCol="0">
+            <a:spAutoFit/>
+          </a:bodyPr>
+          <a:lstStyle/>
+          <a:p>
+            <a:r>
+              <a:rPr lang="en-US" dirty="0"/>
+              <a:t>Rumble API</a:t>
+            </a:r>
+          </a:p>
+        </p:txBody>
+      </p:sp>
+      <p:sp>
+        <p:nvSpPr>
+          <p:cNvPr id="4" name="TextBox 3">
+            <a:extLst>
+              <a:ext uri="{FF2B5EF4-FFF2-40B4-BE49-F238E27FC236}">
+                <a16:creationId xmlns:a16="http://schemas.microsoft.com/office/drawing/2014/main" id="{1D4D868F-F5F9-4A64-B319-E9613214C92E}"/>
+              </a:ext>
+            </a:extLst>
+          </p:cNvPr>
+          <p:cNvSpPr txBox="1"/>
+          <p:nvPr/>
+        </p:nvSpPr>
+        <p:spPr>
+          <a:xfrm>
+            <a:off x="9081856" y="247965"/>
+            <a:ext cx="3110144" cy="646331"/>
+          </a:xfrm>
+          <a:prstGeom prst="rect">
+            <a:avLst/>
+          </a:prstGeom>
+          <a:noFill/>
+          <a:ln>
+            <a:solidFill>
+              <a:schemeClr val="tx1"/>
+            </a:solidFill>
+            <a:prstDash val="lgDash"/>
+          </a:ln>
+        </p:spPr>
+        <p:txBody>
+          <a:bodyPr wrap="square" rtlCol="0">
+            <a:spAutoFit/>
+          </a:bodyPr>
+          <a:lstStyle/>
+          <a:p>
+            <a:r>
+              <a:rPr lang="en-US" sz="1200" dirty="0"/>
+              <a:t>QT3 Test Suite should be analyzed and decided how to handle different versions of XQuery, XPath and XSLT test-cases </a:t>
+            </a:r>
+          </a:p>
+        </p:txBody>
+      </p:sp>
+      <p:sp>
+        <p:nvSpPr>
+          <p:cNvPr id="9" name="TextBox 8">
+            <a:extLst>
+              <a:ext uri="{FF2B5EF4-FFF2-40B4-BE49-F238E27FC236}">
+                <a16:creationId xmlns:a16="http://schemas.microsoft.com/office/drawing/2014/main" id="{5D8D5A12-B369-4D1A-8B9D-E96F26D139DD}"/>
+              </a:ext>
+            </a:extLst>
+          </p:cNvPr>
+          <p:cNvSpPr txBox="1"/>
+          <p:nvPr/>
+        </p:nvSpPr>
+        <p:spPr>
+          <a:xfrm>
+            <a:off x="9078153" y="5625107"/>
+            <a:ext cx="3113845" cy="1015663"/>
+          </a:xfrm>
+          <a:prstGeom prst="rect">
+            <a:avLst/>
+          </a:prstGeom>
+          <a:noFill/>
+          <a:ln>
+            <a:solidFill>
+              <a:schemeClr val="tx1"/>
+            </a:solidFill>
+            <a:prstDash val="lgDash"/>
+          </a:ln>
+        </p:spPr>
+        <p:txBody>
+          <a:bodyPr wrap="square" rtlCol="0">
+            <a:spAutoFit/>
+          </a:bodyPr>
+          <a:lstStyle/>
+          <a:p>
+            <a:r>
+              <a:rPr lang="en-US" sz="1200" dirty="0"/>
+              <a:t>Part 3: Consider maybe automatically opening and closing issues on git based on the statistics of the Test Report class. Maybe MVC pattern can be used here</a:t>
+            </a:r>
+          </a:p>
+          <a:p>
+            <a:endParaRPr lang="en-US" sz="1200" dirty="0"/>
+          </a:p>
+        </p:txBody>
+      </p:sp>
+      <p:sp>
+        <p:nvSpPr>
+          <p:cNvPr id="30" name="Rectangle 29">
+            <a:extLst>
+              <a:ext uri="{FF2B5EF4-FFF2-40B4-BE49-F238E27FC236}">
+                <a16:creationId xmlns:a16="http://schemas.microsoft.com/office/drawing/2014/main" id="{E57C572A-8605-4180-883F-9AFA944558DB}"/>
+              </a:ext>
+            </a:extLst>
+          </p:cNvPr>
+          <p:cNvSpPr/>
+          <p:nvPr/>
+        </p:nvSpPr>
+        <p:spPr>
+          <a:xfrm>
+            <a:off x="4327140" y="3981522"/>
+            <a:ext cx="3126387" cy="869747"/>
+          </a:xfrm>
+          <a:prstGeom prst="rect">
+            <a:avLst/>
+          </a:prstGeom>
+          <a:solidFill>
+            <a:schemeClr val="accent4">
+              <a:lumMod val="20000"/>
+              <a:lumOff val="80000"/>
+            </a:schemeClr>
+          </a:solidFill>
+        </p:spPr>
+        <p:style>
+          <a:lnRef idx="1">
+            <a:schemeClr val="accent5"/>
+          </a:lnRef>
+          <a:fillRef idx="2">
+            <a:schemeClr val="accent5"/>
+          </a:fillRef>
+          <a:effectRef idx="1">
+            <a:schemeClr val="accent5"/>
+          </a:effectRef>
+          <a:fontRef idx="minor">
+            <a:schemeClr val="dk1"/>
+          </a:fontRef>
+        </p:style>
+        <p:txBody>
+          <a:bodyPr rtlCol="0" anchor="ctr"/>
+          <a:lstStyle/>
+          <a:p>
+            <a:pPr algn="ctr"/>
+            <a:r>
+              <a:rPr lang="en-US" dirty="0"/>
+              <a:t>Test Case Handling Logic</a:t>
+            </a:r>
+          </a:p>
+        </p:txBody>
+      </p:sp>
+      <p:cxnSp>
+        <p:nvCxnSpPr>
+          <p:cNvPr id="31" name="Straight Arrow Connector 30">
+            <a:extLst>
+              <a:ext uri="{FF2B5EF4-FFF2-40B4-BE49-F238E27FC236}">
+                <a16:creationId xmlns:a16="http://schemas.microsoft.com/office/drawing/2014/main" id="{4A232024-275E-44D0-A36A-59FA95008466}"/>
+              </a:ext>
+            </a:extLst>
+          </p:cNvPr>
+          <p:cNvCxnSpPr>
+            <a:cxnSpLocks/>
+          </p:cNvCxnSpPr>
+          <p:nvPr/>
+        </p:nvCxnSpPr>
+        <p:spPr>
+          <a:xfrm>
+            <a:off x="5872923" y="3665625"/>
+            <a:ext cx="1" cy="315897"/>
+          </a:xfrm>
+          <a:prstGeom prst="straightConnector1">
+            <a:avLst/>
+          </a:prstGeom>
+          <a:ln w="38100">
+            <a:tailEnd type="triangle"/>
+          </a:ln>
+        </p:spPr>
+        <p:style>
+          <a:lnRef idx="1">
+            <a:schemeClr val="accent1"/>
+          </a:lnRef>
+          <a:fillRef idx="0">
+            <a:schemeClr val="accent1"/>
+          </a:fillRef>
+          <a:effectRef idx="0">
+            <a:schemeClr val="accent1"/>
+          </a:effectRef>
+          <a:fontRef idx="minor">
+            <a:schemeClr val="tx1"/>
+          </a:fontRef>
+        </p:style>
+      </p:cxnSp>
+    </p:spTree>
+    <p:extLst>
+      <p:ext uri="{BB962C8B-B14F-4D97-AF65-F5344CB8AC3E}">
+        <p14:creationId xmlns:p14="http://schemas.microsoft.com/office/powerpoint/2010/main" val="2029797026"/>
+      </p:ext>
+    </p:extLst>
+  </p:cSld>
+  <p:clrMapOvr>
+    <a:masterClrMapping/>
+  </p:clrMapOvr>
+</p:sld>
+</file>
+
 <file path=ppt/slides/slide2.xml><?xml version="1.0" encoding="utf-8"?>
 <p:sld xmlns:a="http://schemas.openxmlformats.org/drawingml/2006/main" xmlns:r="http://schemas.openxmlformats.org/officeDocument/2006/relationships" xmlns:p="http://schemas.openxmlformats.org/presentationml/2006/main">
   <p:cSld>
@@ -4564,10 +6746,10 @@
       </p:grpSpPr>
       <p:sp>
         <p:nvSpPr>
-          <p:cNvPr id="5" name="Rectangle 4">
-            <a:extLst>
-              <a:ext uri="{FF2B5EF4-FFF2-40B4-BE49-F238E27FC236}">
-                <a16:creationId xmlns:a16="http://schemas.microsoft.com/office/drawing/2014/main" id="{378A7FC1-4EC5-4D80-981B-BE76701C64D5}"/>
+          <p:cNvPr id="4" name="Rectangle 3">
+            <a:extLst>
+              <a:ext uri="{FF2B5EF4-FFF2-40B4-BE49-F238E27FC236}">
+                <a16:creationId xmlns:a16="http://schemas.microsoft.com/office/drawing/2014/main" id="{A271C967-15A9-044F-8085-C83DFE996217}"/>
               </a:ext>
             </a:extLst>
           </p:cNvPr>
@@ -4576,36 +6758,40 @@
         </p:nvSpPr>
         <p:spPr>
           <a:xfrm>
-            <a:off x="3657600" y="457199"/>
-            <a:ext cx="4465468" cy="5504156"/>
+            <a:off x="9872082" y="3108037"/>
+            <a:ext cx="1890944" cy="1003177"/>
           </a:xfrm>
           <a:prstGeom prst="rect">
             <a:avLst/>
           </a:prstGeom>
           <a:solidFill>
-            <a:schemeClr val="bg1">
-              <a:lumMod val="95000"/>
+            <a:schemeClr val="accent4">
+              <a:lumMod val="20000"/>
+              <a:lumOff val="80000"/>
             </a:schemeClr>
           </a:solidFill>
+          <a:ln>
+            <a:noFill/>
+          </a:ln>
         </p:spPr>
         <p:style>
           <a:lnRef idx="2">
-            <a:schemeClr val="accent1">
+            <a:schemeClr val="dk1">
               <a:shade val="50000"/>
             </a:schemeClr>
           </a:lnRef>
           <a:fillRef idx="1">
-            <a:schemeClr val="accent1"/>
-          </a:fillRef>
-          <a:effectRef idx="0">
-            <a:schemeClr val="accent1"/>
+            <a:schemeClr val="dk1"/>
+          </a:fillRef>
+          <a:effectRef idx="0">
+            <a:schemeClr val="dk1"/>
           </a:effectRef>
           <a:fontRef idx="minor">
             <a:schemeClr val="lt1"/>
           </a:fontRef>
         </p:style>
         <p:txBody>
-          <a:bodyPr rtlCol="0" anchor="t" anchorCtr="0"/>
+          <a:bodyPr rtlCol="0" anchor="ctr"/>
           <a:lstStyle/>
           <a:p>
             <a:pPr algn="ctr"/>
@@ -4615,7 +6801,74 @@
                   <a:schemeClr val="tx1"/>
                 </a:solidFill>
               </a:rPr>
-              <a:t>JAVA APPLICATION</a:t>
+              <a:t>Runtime Iterator Tree</a:t>
+            </a:r>
+          </a:p>
+        </p:txBody>
+      </p:sp>
+      <p:sp>
+        <p:nvSpPr>
+          <p:cNvPr id="5" name="Rectangle 4">
+            <a:extLst>
+              <a:ext uri="{FF2B5EF4-FFF2-40B4-BE49-F238E27FC236}">
+                <a16:creationId xmlns:a16="http://schemas.microsoft.com/office/drawing/2014/main" id="{76188384-87BF-ED4B-820E-A58A549056C4}"/>
+              </a:ext>
+            </a:extLst>
+          </p:cNvPr>
+          <p:cNvSpPr/>
+          <p:nvPr/>
+        </p:nvSpPr>
+        <p:spPr>
+          <a:xfrm>
+            <a:off x="502795" y="2029718"/>
+            <a:ext cx="1890944" cy="1003177"/>
+          </a:xfrm>
+          <a:prstGeom prst="rect">
+            <a:avLst/>
+          </a:prstGeom>
+          <a:solidFill>
+            <a:srgbClr val="92D050"/>
+          </a:solidFill>
+          <a:ln>
+            <a:noFill/>
+          </a:ln>
+        </p:spPr>
+        <p:style>
+          <a:lnRef idx="2">
+            <a:schemeClr val="dk1">
+              <a:shade val="50000"/>
+            </a:schemeClr>
+          </a:lnRef>
+          <a:fillRef idx="1">
+            <a:schemeClr val="dk1"/>
+          </a:fillRef>
+          <a:effectRef idx="0">
+            <a:schemeClr val="dk1"/>
+          </a:effectRef>
+          <a:fontRef idx="minor">
+            <a:schemeClr val="lt1"/>
+          </a:fontRef>
+        </p:style>
+        <p:txBody>
+          <a:bodyPr rtlCol="0" anchor="ctr"/>
+          <a:lstStyle/>
+          <a:p>
+            <a:pPr algn="ctr"/>
+            <a:r>
+              <a:rPr lang="en-US" dirty="0" err="1">
+                <a:solidFill>
+                  <a:schemeClr val="tx1"/>
+                </a:solidFill>
+              </a:rPr>
+              <a:t>JSONiq</a:t>
+            </a:r>
+            <a:r>
+              <a:rPr lang="en-US" dirty="0">
+                <a:solidFill>
+                  <a:schemeClr val="tx1"/>
+                </a:solidFill>
+              </a:rPr>
+              <a:t> Query</a:t>
             </a:r>
           </a:p>
         </p:txBody>
@@ -4625,7 +6878,7 @@
           <p:cNvPr id="7" name="Rectangle 6">
             <a:extLst>
               <a:ext uri="{FF2B5EF4-FFF2-40B4-BE49-F238E27FC236}">
-                <a16:creationId xmlns:a16="http://schemas.microsoft.com/office/drawing/2014/main" id="{1D9A284B-8A5C-42EB-AD39-A739557867FC}"/>
+                <a16:creationId xmlns:a16="http://schemas.microsoft.com/office/drawing/2014/main" id="{C6B8A271-4F99-FA4C-B24F-7922555BCB20}"/>
               </a:ext>
             </a:extLst>
           </p:cNvPr>
@@ -4634,7 +6887,146 @@
         </p:nvSpPr>
         <p:spPr>
           <a:xfrm>
-            <a:off x="807868" y="2707689"/>
+            <a:off x="6823395" y="3108035"/>
+            <a:ext cx="1890944" cy="1003177"/>
+          </a:xfrm>
+          <a:prstGeom prst="rect">
+            <a:avLst/>
+          </a:prstGeom>
+          <a:solidFill>
+            <a:schemeClr val="accent2"/>
+          </a:solidFill>
+          <a:ln>
+            <a:noFill/>
+          </a:ln>
+        </p:spPr>
+        <p:style>
+          <a:lnRef idx="2">
+            <a:schemeClr val="dk1">
+              <a:shade val="50000"/>
+            </a:schemeClr>
+          </a:lnRef>
+          <a:fillRef idx="1">
+            <a:schemeClr val="dk1"/>
+          </a:fillRef>
+          <a:effectRef idx="0">
+            <a:schemeClr val="dk1"/>
+          </a:effectRef>
+          <a:fontRef idx="minor">
+            <a:schemeClr val="lt1"/>
+          </a:fontRef>
+        </p:style>
+        <p:txBody>
+          <a:bodyPr rtlCol="0" anchor="ctr"/>
+          <a:lstStyle/>
+          <a:p>
+            <a:pPr algn="ctr"/>
+            <a:r>
+              <a:rPr lang="en-US" dirty="0">
+                <a:solidFill>
+                  <a:schemeClr val="tx1"/>
+                </a:solidFill>
+              </a:rPr>
+              <a:t>Expression Tree</a:t>
+            </a:r>
+          </a:p>
+        </p:txBody>
+      </p:sp>
+      <p:cxnSp>
+        <p:nvCxnSpPr>
+          <p:cNvPr id="9" name="Straight Arrow Connector 8">
+            <a:extLst>
+              <a:ext uri="{FF2B5EF4-FFF2-40B4-BE49-F238E27FC236}">
+                <a16:creationId xmlns:a16="http://schemas.microsoft.com/office/drawing/2014/main" id="{20592FBC-BC7B-384E-B91C-6D1F754146D6}"/>
+              </a:ext>
+            </a:extLst>
+          </p:cNvPr>
+          <p:cNvCxnSpPr>
+            <a:cxnSpLocks/>
+          </p:cNvCxnSpPr>
+          <p:nvPr/>
+        </p:nvCxnSpPr>
+        <p:spPr>
+          <a:xfrm>
+            <a:off x="8735066" y="3406922"/>
+            <a:ext cx="1125729" cy="1"/>
+          </a:xfrm>
+          <a:prstGeom prst="straightConnector1">
+            <a:avLst/>
+          </a:prstGeom>
+          <a:ln w="38100">
+            <a:tailEnd type="triangle"/>
+          </a:ln>
+        </p:spPr>
+        <p:style>
+          <a:lnRef idx="1">
+            <a:schemeClr val="accent1"/>
+          </a:lnRef>
+          <a:fillRef idx="0">
+            <a:schemeClr val="accent1"/>
+          </a:fillRef>
+          <a:effectRef idx="0">
+            <a:schemeClr val="accent1"/>
+          </a:effectRef>
+          <a:fontRef idx="minor">
+            <a:schemeClr val="tx1"/>
+          </a:fontRef>
+        </p:style>
+      </p:cxnSp>
+      <p:sp>
+        <p:nvSpPr>
+          <p:cNvPr id="12" name="TextBox 11">
+            <a:extLst>
+              <a:ext uri="{FF2B5EF4-FFF2-40B4-BE49-F238E27FC236}">
+                <a16:creationId xmlns:a16="http://schemas.microsoft.com/office/drawing/2014/main" id="{516A94DA-26D8-EA43-8BB0-14C31D761EED}"/>
+              </a:ext>
+            </a:extLst>
+          </p:cNvPr>
+          <p:cNvSpPr txBox="1"/>
+          <p:nvPr/>
+        </p:nvSpPr>
+        <p:spPr>
+          <a:xfrm>
+            <a:off x="5850477" y="2130681"/>
+            <a:ext cx="1773884" cy="369332"/>
+          </a:xfrm>
+          <a:prstGeom prst="rect">
+            <a:avLst/>
+          </a:prstGeom>
+          <a:noFill/>
+        </p:spPr>
+        <p:txBody>
+          <a:bodyPr wrap="none" rtlCol="0">
+            <a:spAutoFit/>
+          </a:bodyPr>
+          <a:lstStyle/>
+          <a:p>
+            <a:r>
+              <a:rPr lang="en-US" dirty="0" err="1"/>
+              <a:t>JSONiq</a:t>
+            </a:r>
+            <a:r>
+              <a:rPr lang="en-US" dirty="0"/>
+              <a:t> Translator</a:t>
+            </a:r>
+          </a:p>
+        </p:txBody>
+      </p:sp>
+      <p:sp>
+        <p:nvSpPr>
+          <p:cNvPr id="14" name="Rectangle 13">
+            <a:extLst>
+              <a:ext uri="{FF2B5EF4-FFF2-40B4-BE49-F238E27FC236}">
+                <a16:creationId xmlns:a16="http://schemas.microsoft.com/office/drawing/2014/main" id="{77AAC18E-4DA3-A241-9F94-ECF148DDA832}"/>
+              </a:ext>
+            </a:extLst>
+          </p:cNvPr>
+          <p:cNvSpPr/>
+          <p:nvPr/>
+        </p:nvSpPr>
+        <p:spPr>
+          <a:xfrm>
+            <a:off x="3815026" y="2029718"/>
             <a:ext cx="1890944" cy="1003177"/>
           </a:xfrm>
           <a:prstGeom prst="rect">
@@ -4670,17 +7062,140 @@
             <a:pPr algn="ctr"/>
             <a:r>
               <a:rPr lang="en-US" dirty="0"/>
-              <a:t>RUMBLE</a:t>
-            </a:r>
-          </a:p>
-        </p:txBody>
-      </p:sp>
-      <p:sp>
-        <p:nvSpPr>
-          <p:cNvPr id="8" name="Rectangle 7">
-            <a:extLst>
-              <a:ext uri="{FF2B5EF4-FFF2-40B4-BE49-F238E27FC236}">
-                <a16:creationId xmlns:a16="http://schemas.microsoft.com/office/drawing/2014/main" id="{A60B3A32-B413-47A3-BFB9-39910D6805CB}"/>
+              <a:t>AST</a:t>
+            </a:r>
+          </a:p>
+        </p:txBody>
+      </p:sp>
+      <p:sp>
+        <p:nvSpPr>
+          <p:cNvPr id="17" name="TextBox 16">
+            <a:extLst>
+              <a:ext uri="{FF2B5EF4-FFF2-40B4-BE49-F238E27FC236}">
+                <a16:creationId xmlns:a16="http://schemas.microsoft.com/office/drawing/2014/main" id="{A18B864C-9B9C-8F4A-A992-68868BA23497}"/>
+              </a:ext>
+            </a:extLst>
+          </p:cNvPr>
+          <p:cNvSpPr txBox="1"/>
+          <p:nvPr/>
+        </p:nvSpPr>
+        <p:spPr>
+          <a:xfrm>
+            <a:off x="2369454" y="2061574"/>
+            <a:ext cx="1479059" cy="646331"/>
+          </a:xfrm>
+          <a:prstGeom prst="rect">
+            <a:avLst/>
+          </a:prstGeom>
+          <a:noFill/>
+        </p:spPr>
+        <p:txBody>
+          <a:bodyPr wrap="none" rtlCol="0">
+            <a:spAutoFit/>
+          </a:bodyPr>
+          <a:lstStyle/>
+          <a:p>
+            <a:pPr algn="ctr"/>
+            <a:r>
+              <a:rPr lang="en-US" dirty="0" err="1"/>
+              <a:t>JSONiq</a:t>
+            </a:r>
+            <a:endParaRPr lang="en-US" dirty="0"/>
+          </a:p>
+          <a:p>
+            <a:r>
+              <a:rPr lang="en-US" dirty="0" err="1"/>
+              <a:t>Lexer</a:t>
+            </a:r>
+            <a:r>
+              <a:rPr lang="en-US" dirty="0"/>
+              <a:t> &amp;Parser</a:t>
+            </a:r>
+          </a:p>
+        </p:txBody>
+      </p:sp>
+      <p:cxnSp>
+        <p:nvCxnSpPr>
+          <p:cNvPr id="18" name="Straight Arrow Connector 17">
+            <a:extLst>
+              <a:ext uri="{FF2B5EF4-FFF2-40B4-BE49-F238E27FC236}">
+                <a16:creationId xmlns:a16="http://schemas.microsoft.com/office/drawing/2014/main" id="{30FDCD5C-6C93-CC4A-B992-AAA2967D88E4}"/>
+              </a:ext>
+            </a:extLst>
+          </p:cNvPr>
+          <p:cNvCxnSpPr>
+            <a:cxnSpLocks/>
+          </p:cNvCxnSpPr>
+          <p:nvPr/>
+        </p:nvCxnSpPr>
+        <p:spPr>
+          <a:xfrm flipH="1" flipV="1">
+            <a:off x="8707580" y="3849980"/>
+            <a:ext cx="1141924" cy="2"/>
+          </a:xfrm>
+          <a:prstGeom prst="straightConnector1">
+            <a:avLst/>
+          </a:prstGeom>
+          <a:ln w="38100">
+            <a:tailEnd type="triangle"/>
+          </a:ln>
+        </p:spPr>
+        <p:style>
+          <a:lnRef idx="1">
+            <a:schemeClr val="accent1"/>
+          </a:lnRef>
+          <a:fillRef idx="0">
+            <a:schemeClr val="accent1"/>
+          </a:fillRef>
+          <a:effectRef idx="0">
+            <a:schemeClr val="accent1"/>
+          </a:effectRef>
+          <a:fontRef idx="minor">
+            <a:schemeClr val="tx1"/>
+          </a:fontRef>
+        </p:style>
+      </p:cxnSp>
+      <p:sp>
+        <p:nvSpPr>
+          <p:cNvPr id="19" name="TextBox 18">
+            <a:extLst>
+              <a:ext uri="{FF2B5EF4-FFF2-40B4-BE49-F238E27FC236}">
+                <a16:creationId xmlns:a16="http://schemas.microsoft.com/office/drawing/2014/main" id="{649FA525-6846-904C-8DEC-C7A5B2217573}"/>
+              </a:ext>
+            </a:extLst>
+          </p:cNvPr>
+          <p:cNvSpPr txBox="1"/>
+          <p:nvPr/>
+        </p:nvSpPr>
+        <p:spPr>
+          <a:xfrm>
+            <a:off x="8707580" y="3410590"/>
+            <a:ext cx="1143775" cy="369332"/>
+          </a:xfrm>
+          <a:prstGeom prst="rect">
+            <a:avLst/>
+          </a:prstGeom>
+          <a:noFill/>
+        </p:spPr>
+        <p:txBody>
+          <a:bodyPr wrap="none" rtlCol="0">
+            <a:spAutoFit/>
+          </a:bodyPr>
+          <a:lstStyle/>
+          <a:p>
+            <a:r>
+              <a:rPr lang="en-US" dirty="0"/>
+              <a:t>Generator</a:t>
+            </a:r>
+          </a:p>
+        </p:txBody>
+      </p:sp>
+      <p:sp>
+        <p:nvSpPr>
+          <p:cNvPr id="20" name="Rectangle 19">
+            <a:extLst>
+              <a:ext uri="{FF2B5EF4-FFF2-40B4-BE49-F238E27FC236}">
+                <a16:creationId xmlns:a16="http://schemas.microsoft.com/office/drawing/2014/main" id="{5D501968-278E-3A48-9B47-E24EBCCACBD2}"/>
               </a:ext>
             </a:extLst>
           </p:cNvPr>
@@ -4689,7 +7204,66 @@
         </p:nvSpPr>
         <p:spPr>
           <a:xfrm>
-            <a:off x="807868" y="4360415"/>
+            <a:off x="502795" y="4168963"/>
+            <a:ext cx="1890944" cy="1003177"/>
+          </a:xfrm>
+          <a:prstGeom prst="rect">
+            <a:avLst/>
+          </a:prstGeom>
+          <a:solidFill>
+            <a:srgbClr val="92D050"/>
+          </a:solidFill>
+          <a:ln>
+            <a:noFill/>
+          </a:ln>
+        </p:spPr>
+        <p:style>
+          <a:lnRef idx="2">
+            <a:schemeClr val="dk1">
+              <a:shade val="50000"/>
+            </a:schemeClr>
+          </a:lnRef>
+          <a:fillRef idx="1">
+            <a:schemeClr val="dk1"/>
+          </a:fillRef>
+          <a:effectRef idx="0">
+            <a:schemeClr val="dk1"/>
+          </a:effectRef>
+          <a:fontRef idx="minor">
+            <a:schemeClr val="lt1"/>
+          </a:fontRef>
+        </p:style>
+        <p:txBody>
+          <a:bodyPr rtlCol="0" anchor="ctr"/>
+          <a:lstStyle/>
+          <a:p>
+            <a:pPr algn="ctr"/>
+            <a:r>
+              <a:rPr lang="en-US" dirty="0">
+                <a:solidFill>
+                  <a:schemeClr val="tx1"/>
+                </a:solidFill>
+              </a:rPr>
+              <a:t>XQuery Query</a:t>
+            </a:r>
+          </a:p>
+        </p:txBody>
+      </p:sp>
+      <p:sp>
+        <p:nvSpPr>
+          <p:cNvPr id="21" name="Rectangle 20">
+            <a:extLst>
+              <a:ext uri="{FF2B5EF4-FFF2-40B4-BE49-F238E27FC236}">
+                <a16:creationId xmlns:a16="http://schemas.microsoft.com/office/drawing/2014/main" id="{670FE153-5348-C246-82FF-7AD7C056F625}"/>
+              </a:ext>
+            </a:extLst>
+          </p:cNvPr>
+          <p:cNvSpPr/>
+          <p:nvPr/>
+        </p:nvSpPr>
+        <p:spPr>
+          <a:xfrm>
+            <a:off x="3815026" y="4168963"/>
             <a:ext cx="1890944" cy="1003177"/>
           </a:xfrm>
           <a:prstGeom prst="rect">
@@ -4725,17 +7299,184 @@
             <a:pPr algn="ctr"/>
             <a:r>
               <a:rPr lang="en-US" dirty="0"/>
-              <a:t>SPARK</a:t>
+              <a:t>AST</a:t>
+            </a:r>
+          </a:p>
+        </p:txBody>
+      </p:sp>
+      <p:sp>
+        <p:nvSpPr>
+          <p:cNvPr id="24" name="TextBox 23">
+            <a:extLst>
+              <a:ext uri="{FF2B5EF4-FFF2-40B4-BE49-F238E27FC236}">
+                <a16:creationId xmlns:a16="http://schemas.microsoft.com/office/drawing/2014/main" id="{0F738161-1E6D-D149-9003-DAFC3E559A90}"/>
+              </a:ext>
+            </a:extLst>
+          </p:cNvPr>
+          <p:cNvSpPr txBox="1"/>
+          <p:nvPr/>
+        </p:nvSpPr>
+        <p:spPr>
+          <a:xfrm>
+            <a:off x="2369454" y="4213824"/>
+            <a:ext cx="1479059" cy="646331"/>
+          </a:xfrm>
+          <a:prstGeom prst="rect">
+            <a:avLst/>
+          </a:prstGeom>
+          <a:noFill/>
+        </p:spPr>
+        <p:txBody>
+          <a:bodyPr wrap="none" rtlCol="0">
+            <a:spAutoFit/>
+          </a:bodyPr>
+          <a:lstStyle/>
+          <a:p>
+            <a:pPr algn="ctr"/>
+            <a:r>
+              <a:rPr lang="en-US" dirty="0"/>
+              <a:t>XQuery</a:t>
+            </a:r>
+          </a:p>
+          <a:p>
+            <a:r>
+              <a:rPr lang="en-US" dirty="0" err="1"/>
+              <a:t>Lexer</a:t>
+            </a:r>
+            <a:r>
+              <a:rPr lang="en-US" dirty="0"/>
+              <a:t> &amp;Parser</a:t>
+            </a:r>
+          </a:p>
+        </p:txBody>
+      </p:sp>
+      <p:sp>
+        <p:nvSpPr>
+          <p:cNvPr id="27" name="TextBox 26">
+            <a:extLst>
+              <a:ext uri="{FF2B5EF4-FFF2-40B4-BE49-F238E27FC236}">
+                <a16:creationId xmlns:a16="http://schemas.microsoft.com/office/drawing/2014/main" id="{F9E05E20-D21D-7442-AB25-FA27C4A7908B}"/>
+              </a:ext>
+            </a:extLst>
+          </p:cNvPr>
+          <p:cNvSpPr txBox="1"/>
+          <p:nvPr/>
+        </p:nvSpPr>
+        <p:spPr>
+          <a:xfrm>
+            <a:off x="5860685" y="4288308"/>
+            <a:ext cx="1863202" cy="369332"/>
+          </a:xfrm>
+          <a:prstGeom prst="rect">
+            <a:avLst/>
+          </a:prstGeom>
+          <a:noFill/>
+        </p:spPr>
+        <p:txBody>
+          <a:bodyPr wrap="none" rtlCol="0">
+            <a:spAutoFit/>
+          </a:bodyPr>
+          <a:lstStyle/>
+          <a:p>
+            <a:r>
+              <a:rPr lang="en-US" dirty="0"/>
+              <a:t>XQuery Translator</a:t>
             </a:r>
           </a:p>
         </p:txBody>
       </p:sp>
       <p:cxnSp>
         <p:nvCxnSpPr>
-          <p:cNvPr id="10" name="Straight Arrow Connector 9">
-            <a:extLst>
-              <a:ext uri="{FF2B5EF4-FFF2-40B4-BE49-F238E27FC236}">
-                <a16:creationId xmlns:a16="http://schemas.microsoft.com/office/drawing/2014/main" id="{BB0AAEB6-0F4B-441B-8D85-640CFA52D4FE}"/>
+          <p:cNvPr id="29" name="Elbow Connector 28">
+            <a:extLst>
+              <a:ext uri="{FF2B5EF4-FFF2-40B4-BE49-F238E27FC236}">
+                <a16:creationId xmlns:a16="http://schemas.microsoft.com/office/drawing/2014/main" id="{E3E91F97-0435-4F46-96C9-AA60A9F1394E}"/>
+              </a:ext>
+            </a:extLst>
+          </p:cNvPr>
+          <p:cNvCxnSpPr>
+            <a:stCxn id="7" idx="0"/>
+            <a:endCxn id="14" idx="3"/>
+          </p:cNvCxnSpPr>
+          <p:nvPr/>
+        </p:nvCxnSpPr>
+        <p:spPr>
+          <a:xfrm rot="16200000" flipV="1">
+            <a:off x="6449055" y="1788222"/>
+            <a:ext cx="576728" cy="2062897"/>
+          </a:xfrm>
+          <a:prstGeom prst="bentConnector2">
+            <a:avLst/>
+          </a:prstGeom>
+          <a:ln w="38100">
+            <a:headEnd type="triangle"/>
+            <a:tailEnd type="triangle"/>
+          </a:ln>
+        </p:spPr>
+        <p:style>
+          <a:lnRef idx="1">
+            <a:schemeClr val="accent1"/>
+          </a:lnRef>
+          <a:fillRef idx="0">
+            <a:schemeClr val="accent1"/>
+          </a:fillRef>
+          <a:effectRef idx="0">
+            <a:schemeClr val="accent1"/>
+          </a:effectRef>
+          <a:fontRef idx="minor">
+            <a:schemeClr val="tx1"/>
+          </a:fontRef>
+        </p:style>
+      </p:cxnSp>
+      <p:cxnSp>
+        <p:nvCxnSpPr>
+          <p:cNvPr id="31" name="Elbow Connector 30">
+            <a:extLst>
+              <a:ext uri="{FF2B5EF4-FFF2-40B4-BE49-F238E27FC236}">
+                <a16:creationId xmlns:a16="http://schemas.microsoft.com/office/drawing/2014/main" id="{8413AAA9-AA2B-4A41-9F37-52037E62A172}"/>
+              </a:ext>
+            </a:extLst>
+          </p:cNvPr>
+          <p:cNvCxnSpPr>
+            <a:stCxn id="7" idx="2"/>
+            <a:endCxn id="21" idx="3"/>
+          </p:cNvCxnSpPr>
+          <p:nvPr/>
+        </p:nvCxnSpPr>
+        <p:spPr>
+          <a:xfrm rot="5400000">
+            <a:off x="6457749" y="3359434"/>
+            <a:ext cx="559340" cy="2062897"/>
+          </a:xfrm>
+          <a:prstGeom prst="bentConnector2">
+            <a:avLst/>
+          </a:prstGeom>
+          <a:ln w="38100">
+            <a:headEnd type="triangle"/>
+            <a:tailEnd type="triangle"/>
+          </a:ln>
+        </p:spPr>
+        <p:style>
+          <a:lnRef idx="1">
+            <a:schemeClr val="accent1"/>
+          </a:lnRef>
+          <a:fillRef idx="0">
+            <a:schemeClr val="accent1"/>
+          </a:fillRef>
+          <a:effectRef idx="0">
+            <a:schemeClr val="accent1"/>
+          </a:effectRef>
+          <a:fontRef idx="minor">
+            <a:schemeClr val="tx1"/>
+          </a:fontRef>
+        </p:style>
+      </p:cxnSp>
+      <p:cxnSp>
+        <p:nvCxnSpPr>
+          <p:cNvPr id="35" name="Straight Arrow Connector 34">
+            <a:extLst>
+              <a:ext uri="{FF2B5EF4-FFF2-40B4-BE49-F238E27FC236}">
+                <a16:creationId xmlns:a16="http://schemas.microsoft.com/office/drawing/2014/main" id="{6C35D99B-3AF9-C341-A2D3-05EDAF2B3021}"/>
               </a:ext>
             </a:extLst>
           </p:cNvPr>
@@ -4744,10 +7485,93 @@
         </p:nvCxnSpPr>
         <p:spPr>
           <a:xfrm>
-            <a:off x="1349406" y="3728621"/>
-            <a:ext cx="0" cy="631794"/>
+            <a:off x="2393739" y="2751936"/>
+            <a:ext cx="1421287" cy="0"/>
           </a:xfrm>
           <a:prstGeom prst="straightConnector1">
+            <a:avLst/>
+          </a:prstGeom>
+          <a:ln w="38100">
+            <a:headEnd type="triangle"/>
+            <a:tailEnd type="triangle"/>
+          </a:ln>
+        </p:spPr>
+        <p:style>
+          <a:lnRef idx="1">
+            <a:schemeClr val="accent1"/>
+          </a:lnRef>
+          <a:fillRef idx="0">
+            <a:schemeClr val="accent1"/>
+          </a:fillRef>
+          <a:effectRef idx="0">
+            <a:schemeClr val="accent1"/>
+          </a:effectRef>
+          <a:fontRef idx="minor">
+            <a:schemeClr val="tx1"/>
+          </a:fontRef>
+        </p:style>
+      </p:cxnSp>
+      <p:cxnSp>
+        <p:nvCxnSpPr>
+          <p:cNvPr id="36" name="Straight Arrow Connector 35">
+            <a:extLst>
+              <a:ext uri="{FF2B5EF4-FFF2-40B4-BE49-F238E27FC236}">
+                <a16:creationId xmlns:a16="http://schemas.microsoft.com/office/drawing/2014/main" id="{0A81016D-97E2-CF4C-BA10-67A1DDA6FB2A}"/>
+              </a:ext>
+            </a:extLst>
+          </p:cNvPr>
+          <p:cNvCxnSpPr/>
+          <p:nvPr/>
+        </p:nvCxnSpPr>
+        <p:spPr>
+          <a:xfrm>
+            <a:off x="2393739" y="4881590"/>
+            <a:ext cx="1421287" cy="0"/>
+          </a:xfrm>
+          <a:prstGeom prst="straightConnector1">
+            <a:avLst/>
+          </a:prstGeom>
+          <a:ln w="38100">
+            <a:headEnd type="triangle"/>
+            <a:tailEnd type="triangle"/>
+          </a:ln>
+        </p:spPr>
+        <p:style>
+          <a:lnRef idx="1">
+            <a:schemeClr val="accent1"/>
+          </a:lnRef>
+          <a:fillRef idx="0">
+            <a:schemeClr val="accent1"/>
+          </a:fillRef>
+          <a:effectRef idx="0">
+            <a:schemeClr val="accent1"/>
+          </a:effectRef>
+          <a:fontRef idx="minor">
+            <a:schemeClr val="tx1"/>
+          </a:fontRef>
+        </p:style>
+      </p:cxnSp>
+      <p:cxnSp>
+        <p:nvCxnSpPr>
+          <p:cNvPr id="40" name="Elbow Connector 39">
+            <a:extLst>
+              <a:ext uri="{FF2B5EF4-FFF2-40B4-BE49-F238E27FC236}">
+                <a16:creationId xmlns:a16="http://schemas.microsoft.com/office/drawing/2014/main" id="{C6F61C13-B791-0D4B-B9F6-0FFCB95BDF28}"/>
+              </a:ext>
+            </a:extLst>
+          </p:cNvPr>
+          <p:cNvCxnSpPr>
+            <a:stCxn id="7" idx="1"/>
+            <a:endCxn id="5" idx="2"/>
+          </p:cNvCxnSpPr>
+          <p:nvPr/>
+        </p:nvCxnSpPr>
+        <p:spPr>
+          <a:xfrm rot="10800000">
+            <a:off x="1448267" y="3032896"/>
+            <a:ext cx="5375128" cy="576729"/>
+          </a:xfrm>
+          <a:prstGeom prst="bentConnector2">
             <a:avLst/>
           </a:prstGeom>
           <a:ln w="38100">
@@ -4769,384 +7593,12 @@
           </a:fontRef>
         </p:style>
       </p:cxnSp>
-      <p:cxnSp>
-        <p:nvCxnSpPr>
-          <p:cNvPr id="11" name="Straight Arrow Connector 10">
-            <a:extLst>
-              <a:ext uri="{FF2B5EF4-FFF2-40B4-BE49-F238E27FC236}">
-                <a16:creationId xmlns:a16="http://schemas.microsoft.com/office/drawing/2014/main" id="{FD0B535D-01A9-4B4C-A56E-E5D5657AC1DD}"/>
-              </a:ext>
-            </a:extLst>
-          </p:cNvPr>
-          <p:cNvCxnSpPr>
-            <a:cxnSpLocks/>
-          </p:cNvCxnSpPr>
-          <p:nvPr/>
-        </p:nvCxnSpPr>
-        <p:spPr>
-          <a:xfrm flipV="1">
-            <a:off x="2123242" y="3710866"/>
-            <a:ext cx="0" cy="649549"/>
-          </a:xfrm>
-          <a:prstGeom prst="straightConnector1">
-            <a:avLst/>
-          </a:prstGeom>
-          <a:ln w="38100">
-            <a:tailEnd type="triangle"/>
-          </a:ln>
-        </p:spPr>
-        <p:style>
-          <a:lnRef idx="1">
-            <a:schemeClr val="accent1"/>
-          </a:lnRef>
-          <a:fillRef idx="0">
-            <a:schemeClr val="accent1"/>
-          </a:fillRef>
-          <a:effectRef idx="0">
-            <a:schemeClr val="accent1"/>
-          </a:effectRef>
-          <a:fontRef idx="minor">
-            <a:schemeClr val="tx1"/>
-          </a:fontRef>
-        </p:style>
-      </p:cxnSp>
-      <p:sp>
-        <p:nvSpPr>
-          <p:cNvPr id="19" name="Rectangle 18">
-            <a:extLst>
-              <a:ext uri="{FF2B5EF4-FFF2-40B4-BE49-F238E27FC236}">
-                <a16:creationId xmlns:a16="http://schemas.microsoft.com/office/drawing/2014/main" id="{D4893B53-3DD0-43A2-8A86-3EA2DE32C5A3}"/>
-              </a:ext>
-            </a:extLst>
-          </p:cNvPr>
-          <p:cNvSpPr/>
-          <p:nvPr/>
-        </p:nvSpPr>
-        <p:spPr>
-          <a:xfrm>
-            <a:off x="9081855" y="1069480"/>
-            <a:ext cx="1890944" cy="1003177"/>
-          </a:xfrm>
-          <a:prstGeom prst="rect">
-            <a:avLst/>
-          </a:prstGeom>
-          <a:solidFill>
-            <a:srgbClr val="92D050"/>
-          </a:solidFill>
-          <a:ln>
-            <a:noFill/>
-          </a:ln>
-        </p:spPr>
-        <p:style>
-          <a:lnRef idx="2">
-            <a:schemeClr val="dk1">
-              <a:shade val="50000"/>
-            </a:schemeClr>
-          </a:lnRef>
-          <a:fillRef idx="1">
-            <a:schemeClr val="dk1"/>
-          </a:fillRef>
-          <a:effectRef idx="0">
-            <a:schemeClr val="dk1"/>
-          </a:effectRef>
-          <a:fontRef idx="minor">
-            <a:schemeClr val="lt1"/>
-          </a:fontRef>
-        </p:style>
-        <p:txBody>
-          <a:bodyPr rtlCol="0" anchor="ctr"/>
-          <a:lstStyle/>
-          <a:p>
-            <a:pPr algn="ctr"/>
-            <a:r>
-              <a:rPr lang="en-US" dirty="0"/>
-              <a:t>QT3 Test Suite</a:t>
-            </a:r>
-          </a:p>
-        </p:txBody>
-      </p:sp>
-      <p:sp>
-        <p:nvSpPr>
-          <p:cNvPr id="20" name="Rectangle 19">
-            <a:extLst>
-              <a:ext uri="{FF2B5EF4-FFF2-40B4-BE49-F238E27FC236}">
-                <a16:creationId xmlns:a16="http://schemas.microsoft.com/office/drawing/2014/main" id="{5B5D5F0E-627F-43B7-BD5E-4F8A8E434731}"/>
-              </a:ext>
-            </a:extLst>
-          </p:cNvPr>
-          <p:cNvSpPr/>
-          <p:nvPr/>
-        </p:nvSpPr>
-        <p:spPr>
-          <a:xfrm>
-            <a:off x="4119239" y="1072717"/>
-            <a:ext cx="3542190" cy="4290873"/>
-          </a:xfrm>
-          <a:prstGeom prst="rect">
-            <a:avLst/>
-          </a:prstGeom>
-        </p:spPr>
-        <p:style>
-          <a:lnRef idx="1">
-            <a:schemeClr val="accent5"/>
-          </a:lnRef>
-          <a:fillRef idx="2">
-            <a:schemeClr val="accent5"/>
-          </a:fillRef>
-          <a:effectRef idx="1">
-            <a:schemeClr val="accent5"/>
-          </a:effectRef>
-          <a:fontRef idx="minor">
-            <a:schemeClr val="dk1"/>
-          </a:fontRef>
-        </p:style>
-        <p:txBody>
-          <a:bodyPr rtlCol="0" anchor="t" anchorCtr="0"/>
-          <a:lstStyle/>
-          <a:p>
-            <a:pPr algn="ctr"/>
-            <a:r>
-              <a:rPr lang="en-US" dirty="0"/>
-              <a:t>Test Driver</a:t>
-            </a:r>
-          </a:p>
-        </p:txBody>
-      </p:sp>
-      <p:sp>
-        <p:nvSpPr>
-          <p:cNvPr id="25" name="Rectangle 24">
-            <a:extLst>
-              <a:ext uri="{FF2B5EF4-FFF2-40B4-BE49-F238E27FC236}">
-                <a16:creationId xmlns:a16="http://schemas.microsoft.com/office/drawing/2014/main" id="{E8CC4A4D-C085-48F9-A50A-FE763AB34C70}"/>
-              </a:ext>
-            </a:extLst>
-          </p:cNvPr>
-          <p:cNvSpPr/>
-          <p:nvPr/>
-        </p:nvSpPr>
-        <p:spPr>
-          <a:xfrm>
-            <a:off x="4327140" y="2774403"/>
-            <a:ext cx="3126387" cy="869747"/>
-          </a:xfrm>
-          <a:prstGeom prst="rect">
-            <a:avLst/>
-          </a:prstGeom>
-          <a:solidFill>
-            <a:schemeClr val="accent4">
-              <a:lumMod val="20000"/>
-              <a:lumOff val="80000"/>
-            </a:schemeClr>
-          </a:solidFill>
-        </p:spPr>
-        <p:style>
-          <a:lnRef idx="1">
-            <a:schemeClr val="accent5"/>
-          </a:lnRef>
-          <a:fillRef idx="2">
-            <a:schemeClr val="accent5"/>
-          </a:fillRef>
-          <a:effectRef idx="1">
-            <a:schemeClr val="accent5"/>
-          </a:effectRef>
-          <a:fontRef idx="minor">
-            <a:schemeClr val="dk1"/>
-          </a:fontRef>
-        </p:style>
-        <p:txBody>
-          <a:bodyPr rtlCol="0" anchor="ctr"/>
-          <a:lstStyle/>
-          <a:p>
-            <a:pPr algn="ctr"/>
-            <a:r>
-              <a:rPr lang="en-US" dirty="0"/>
-              <a:t>Test Case Handling Logic</a:t>
-            </a:r>
-          </a:p>
-        </p:txBody>
-      </p:sp>
-      <p:cxnSp>
-        <p:nvCxnSpPr>
-          <p:cNvPr id="29" name="Straight Arrow Connector 28">
-            <a:extLst>
-              <a:ext uri="{FF2B5EF4-FFF2-40B4-BE49-F238E27FC236}">
-                <a16:creationId xmlns:a16="http://schemas.microsoft.com/office/drawing/2014/main" id="{FED9F672-8BFD-454A-85F6-0A26AAA3CE6A}"/>
-              </a:ext>
-            </a:extLst>
-          </p:cNvPr>
-          <p:cNvCxnSpPr>
-            <a:cxnSpLocks/>
-          </p:cNvCxnSpPr>
-          <p:nvPr/>
-        </p:nvCxnSpPr>
-        <p:spPr>
-          <a:xfrm flipH="1">
-            <a:off x="2698812" y="2941983"/>
-            <a:ext cx="1628330" cy="0"/>
-          </a:xfrm>
-          <a:prstGeom prst="straightConnector1">
-            <a:avLst/>
-          </a:prstGeom>
-          <a:ln w="38100">
-            <a:tailEnd type="triangle"/>
-          </a:ln>
-        </p:spPr>
-        <p:style>
-          <a:lnRef idx="1">
-            <a:schemeClr val="accent1"/>
-          </a:lnRef>
-          <a:fillRef idx="0">
-            <a:schemeClr val="accent1"/>
-          </a:fillRef>
-          <a:effectRef idx="0">
-            <a:schemeClr val="accent1"/>
-          </a:effectRef>
-          <a:fontRef idx="minor">
-            <a:schemeClr val="tx1"/>
-          </a:fontRef>
-        </p:style>
-      </p:cxnSp>
-      <p:cxnSp>
-        <p:nvCxnSpPr>
-          <p:cNvPr id="34" name="Straight Arrow Connector 33">
-            <a:extLst>
-              <a:ext uri="{FF2B5EF4-FFF2-40B4-BE49-F238E27FC236}">
-                <a16:creationId xmlns:a16="http://schemas.microsoft.com/office/drawing/2014/main" id="{C33C8F52-24DB-4452-952C-66B7CD00C034}"/>
-              </a:ext>
-            </a:extLst>
-          </p:cNvPr>
-          <p:cNvCxnSpPr>
-            <a:cxnSpLocks/>
-          </p:cNvCxnSpPr>
-          <p:nvPr/>
-        </p:nvCxnSpPr>
-        <p:spPr>
-          <a:xfrm>
-            <a:off x="2698812" y="3429000"/>
-            <a:ext cx="1628328" cy="0"/>
-          </a:xfrm>
-          <a:prstGeom prst="straightConnector1">
-            <a:avLst/>
-          </a:prstGeom>
-          <a:ln w="38100">
-            <a:tailEnd type="triangle"/>
-          </a:ln>
-        </p:spPr>
-        <p:style>
-          <a:lnRef idx="1">
-            <a:schemeClr val="accent1"/>
-          </a:lnRef>
-          <a:fillRef idx="0">
-            <a:schemeClr val="accent1"/>
-          </a:fillRef>
-          <a:effectRef idx="0">
-            <a:schemeClr val="accent1"/>
-          </a:effectRef>
-          <a:fontRef idx="minor">
-            <a:schemeClr val="tx1"/>
-          </a:fontRef>
-        </p:style>
-      </p:cxnSp>
-      <p:sp>
-        <p:nvSpPr>
-          <p:cNvPr id="40" name="Rectangle 39">
-            <a:extLst>
-              <a:ext uri="{FF2B5EF4-FFF2-40B4-BE49-F238E27FC236}">
-                <a16:creationId xmlns:a16="http://schemas.microsoft.com/office/drawing/2014/main" id="{56829F72-B783-4B55-AEAE-CCB679A4DD4F}"/>
-              </a:ext>
-            </a:extLst>
-          </p:cNvPr>
-          <p:cNvSpPr/>
-          <p:nvPr/>
-        </p:nvSpPr>
-        <p:spPr>
-          <a:xfrm>
-            <a:off x="4327140" y="3970339"/>
-            <a:ext cx="3126387" cy="869747"/>
-          </a:xfrm>
-          <a:prstGeom prst="rect">
-            <a:avLst/>
-          </a:prstGeom>
-          <a:solidFill>
-            <a:schemeClr val="accent4">
-              <a:lumMod val="20000"/>
-              <a:lumOff val="80000"/>
-            </a:schemeClr>
-          </a:solidFill>
-        </p:spPr>
-        <p:style>
-          <a:lnRef idx="1">
-            <a:schemeClr val="accent5"/>
-          </a:lnRef>
-          <a:fillRef idx="2">
-            <a:schemeClr val="accent5"/>
-          </a:fillRef>
-          <a:effectRef idx="1">
-            <a:schemeClr val="accent5"/>
-          </a:effectRef>
-          <a:fontRef idx="minor">
-            <a:schemeClr val="dk1"/>
-          </a:fontRef>
-        </p:style>
-        <p:txBody>
-          <a:bodyPr rtlCol="0" anchor="ctr"/>
-          <a:lstStyle/>
-          <a:p>
-            <a:pPr algn="ctr"/>
-            <a:r>
-              <a:rPr lang="en-US" dirty="0"/>
-              <a:t>Test Result Handling Logic</a:t>
-            </a:r>
-          </a:p>
-        </p:txBody>
-      </p:sp>
-      <p:cxnSp>
-        <p:nvCxnSpPr>
-          <p:cNvPr id="41" name="Straight Arrow Connector 40">
-            <a:extLst>
-              <a:ext uri="{FF2B5EF4-FFF2-40B4-BE49-F238E27FC236}">
-                <a16:creationId xmlns:a16="http://schemas.microsoft.com/office/drawing/2014/main" id="{6770061F-2C72-4E6B-BC9E-DDA6A48D168E}"/>
-              </a:ext>
-            </a:extLst>
-          </p:cNvPr>
-          <p:cNvCxnSpPr>
-            <a:cxnSpLocks/>
-          </p:cNvCxnSpPr>
-          <p:nvPr/>
-        </p:nvCxnSpPr>
-        <p:spPr>
-          <a:xfrm>
-            <a:off x="5890332" y="3655475"/>
-            <a:ext cx="1" cy="315897"/>
-          </a:xfrm>
-          <a:prstGeom prst="straightConnector1">
-            <a:avLst/>
-          </a:prstGeom>
-          <a:ln w="38100">
-            <a:tailEnd type="triangle"/>
-          </a:ln>
-        </p:spPr>
-        <p:style>
-          <a:lnRef idx="1">
-            <a:schemeClr val="accent1"/>
-          </a:lnRef>
-          <a:fillRef idx="0">
-            <a:schemeClr val="accent1"/>
-          </a:fillRef>
-          <a:effectRef idx="0">
-            <a:schemeClr val="accent1"/>
-          </a:effectRef>
-          <a:fontRef idx="minor">
-            <a:schemeClr val="tx1"/>
-          </a:fontRef>
-        </p:style>
-      </p:cxnSp>
-      <p:sp>
-        <p:nvSpPr>
-          <p:cNvPr id="47" name="TextBox 46">
-            <a:extLst>
-              <a:ext uri="{FF2B5EF4-FFF2-40B4-BE49-F238E27FC236}">
-                <a16:creationId xmlns:a16="http://schemas.microsoft.com/office/drawing/2014/main" id="{A892EFC1-A1C8-4B99-B45B-B2707A5608ED}"/>
+      <p:sp>
+        <p:nvSpPr>
+          <p:cNvPr id="41" name="TextBox 40">
+            <a:extLst>
+              <a:ext uri="{FF2B5EF4-FFF2-40B4-BE49-F238E27FC236}">
+                <a16:creationId xmlns:a16="http://schemas.microsoft.com/office/drawing/2014/main" id="{BF190F3E-E829-904D-BD04-DE4E5E78BF18}"/>
               </a:ext>
             </a:extLst>
           </p:cNvPr>
@@ -5155,8 +7607,8 @@
         </p:nvSpPr>
         <p:spPr>
           <a:xfrm>
-            <a:off x="2850942" y="2999626"/>
-            <a:ext cx="1268296" cy="369332"/>
+            <a:off x="3239304" y="3221164"/>
+            <a:ext cx="1793055" cy="369332"/>
           </a:xfrm>
           <a:prstGeom prst="rect">
             <a:avLst/>
@@ -5171,274 +7623,20 @@
           <a:p>
             <a:r>
               <a:rPr lang="en-US" dirty="0"/>
-              <a:t>Rumble API</a:t>
-            </a:r>
-          </a:p>
-        </p:txBody>
-      </p:sp>
-      <p:sp>
-        <p:nvSpPr>
-          <p:cNvPr id="22" name="Rectangle 21">
-            <a:extLst>
-              <a:ext uri="{FF2B5EF4-FFF2-40B4-BE49-F238E27FC236}">
-                <a16:creationId xmlns:a16="http://schemas.microsoft.com/office/drawing/2014/main" id="{B041507E-625F-8640-A09A-C733074E728D}"/>
-              </a:ext>
-            </a:extLst>
-          </p:cNvPr>
-          <p:cNvSpPr/>
-          <p:nvPr/>
-        </p:nvSpPr>
-        <p:spPr>
-          <a:xfrm>
-            <a:off x="9081855" y="2713326"/>
-            <a:ext cx="1890944" cy="1003177"/>
-          </a:xfrm>
-          <a:prstGeom prst="rect">
-            <a:avLst/>
-          </a:prstGeom>
-          <a:solidFill>
-            <a:srgbClr val="92D050"/>
-          </a:solidFill>
-          <a:ln>
-            <a:noFill/>
-          </a:ln>
-        </p:spPr>
-        <p:style>
-          <a:lnRef idx="2">
-            <a:schemeClr val="dk1">
-              <a:shade val="50000"/>
-            </a:schemeClr>
-          </a:lnRef>
-          <a:fillRef idx="1">
-            <a:schemeClr val="dk1"/>
-          </a:fillRef>
-          <a:effectRef idx="0">
-            <a:schemeClr val="dk1"/>
-          </a:effectRef>
-          <a:fontRef idx="minor">
-            <a:schemeClr val="lt1"/>
-          </a:fontRef>
-        </p:style>
-        <p:txBody>
-          <a:bodyPr rtlCol="0" anchor="ctr"/>
-          <a:lstStyle/>
-          <a:p>
-            <a:pPr algn="ctr"/>
-            <a:r>
-              <a:rPr lang="en-US" dirty="0"/>
-              <a:t>XML Parser</a:t>
-            </a:r>
-          </a:p>
-          <a:p>
-            <a:pPr algn="ctr"/>
-            <a:r>
-              <a:rPr lang="en-US" dirty="0"/>
-              <a:t>Saxon</a:t>
-            </a:r>
-          </a:p>
-        </p:txBody>
-      </p:sp>
-      <p:cxnSp>
-        <p:nvCxnSpPr>
-          <p:cNvPr id="27" name="Straight Arrow Connector 26">
-            <a:extLst>
-              <a:ext uri="{FF2B5EF4-FFF2-40B4-BE49-F238E27FC236}">
-                <a16:creationId xmlns:a16="http://schemas.microsoft.com/office/drawing/2014/main" id="{05300F2B-CCFE-3C45-ACCF-1E8B98B29B44}"/>
-              </a:ext>
-            </a:extLst>
-          </p:cNvPr>
-          <p:cNvCxnSpPr/>
-          <p:nvPr/>
-        </p:nvCxnSpPr>
-        <p:spPr>
-          <a:xfrm>
-            <a:off x="9632271" y="2072657"/>
-            <a:ext cx="0" cy="631794"/>
-          </a:xfrm>
-          <a:prstGeom prst="straightConnector1">
-            <a:avLst/>
-          </a:prstGeom>
-          <a:ln w="38100">
-            <a:tailEnd type="triangle"/>
-          </a:ln>
-        </p:spPr>
-        <p:style>
-          <a:lnRef idx="1">
-            <a:schemeClr val="accent1"/>
-          </a:lnRef>
-          <a:fillRef idx="0">
-            <a:schemeClr val="accent1"/>
-          </a:fillRef>
-          <a:effectRef idx="0">
-            <a:schemeClr val="accent1"/>
-          </a:effectRef>
-          <a:fontRef idx="minor">
-            <a:schemeClr val="tx1"/>
-          </a:fontRef>
-        </p:style>
-      </p:cxnSp>
-      <p:cxnSp>
-        <p:nvCxnSpPr>
-          <p:cNvPr id="28" name="Straight Arrow Connector 27">
-            <a:extLst>
-              <a:ext uri="{FF2B5EF4-FFF2-40B4-BE49-F238E27FC236}">
-                <a16:creationId xmlns:a16="http://schemas.microsoft.com/office/drawing/2014/main" id="{5307912C-1EA9-C843-8884-1B3360268107}"/>
-              </a:ext>
-            </a:extLst>
-          </p:cNvPr>
-          <p:cNvCxnSpPr>
-            <a:cxnSpLocks/>
-          </p:cNvCxnSpPr>
-          <p:nvPr/>
-        </p:nvCxnSpPr>
-        <p:spPr>
-          <a:xfrm flipV="1">
-            <a:off x="10406107" y="2054902"/>
-            <a:ext cx="0" cy="649549"/>
-          </a:xfrm>
-          <a:prstGeom prst="straightConnector1">
-            <a:avLst/>
-          </a:prstGeom>
-          <a:ln w="38100">
-            <a:tailEnd type="triangle"/>
-          </a:ln>
-        </p:spPr>
-        <p:style>
-          <a:lnRef idx="1">
-            <a:schemeClr val="accent1"/>
-          </a:lnRef>
-          <a:fillRef idx="0">
-            <a:schemeClr val="accent1"/>
-          </a:fillRef>
-          <a:effectRef idx="0">
-            <a:schemeClr val="accent1"/>
-          </a:effectRef>
-          <a:fontRef idx="minor">
-            <a:schemeClr val="tx1"/>
-          </a:fontRef>
-        </p:style>
-      </p:cxnSp>
-      <p:cxnSp>
-        <p:nvCxnSpPr>
-          <p:cNvPr id="30" name="Straight Arrow Connector 29">
-            <a:extLst>
-              <a:ext uri="{FF2B5EF4-FFF2-40B4-BE49-F238E27FC236}">
-                <a16:creationId xmlns:a16="http://schemas.microsoft.com/office/drawing/2014/main" id="{05A353DE-76B5-944B-BC56-77E7F77BE34B}"/>
-              </a:ext>
-            </a:extLst>
-          </p:cNvPr>
-          <p:cNvCxnSpPr>
-            <a:cxnSpLocks/>
-          </p:cNvCxnSpPr>
-          <p:nvPr/>
-        </p:nvCxnSpPr>
-        <p:spPr>
-          <a:xfrm flipH="1">
-            <a:off x="7453527" y="2941983"/>
-            <a:ext cx="1628330" cy="0"/>
-          </a:xfrm>
-          <a:prstGeom prst="straightConnector1">
-            <a:avLst/>
-          </a:prstGeom>
-          <a:ln w="38100">
-            <a:tailEnd type="triangle"/>
-          </a:ln>
-        </p:spPr>
-        <p:style>
-          <a:lnRef idx="1">
-            <a:schemeClr val="accent1"/>
-          </a:lnRef>
-          <a:fillRef idx="0">
-            <a:schemeClr val="accent1"/>
-          </a:fillRef>
-          <a:effectRef idx="0">
-            <a:schemeClr val="accent1"/>
-          </a:effectRef>
-          <a:fontRef idx="minor">
-            <a:schemeClr val="tx1"/>
-          </a:fontRef>
-        </p:style>
-      </p:cxnSp>
-      <p:cxnSp>
-        <p:nvCxnSpPr>
-          <p:cNvPr id="31" name="Straight Arrow Connector 30">
-            <a:extLst>
-              <a:ext uri="{FF2B5EF4-FFF2-40B4-BE49-F238E27FC236}">
-                <a16:creationId xmlns:a16="http://schemas.microsoft.com/office/drawing/2014/main" id="{02A905DA-90BD-A749-8747-AF03008759BF}"/>
-              </a:ext>
-            </a:extLst>
-          </p:cNvPr>
-          <p:cNvCxnSpPr>
-            <a:cxnSpLocks/>
-          </p:cNvCxnSpPr>
-          <p:nvPr/>
-        </p:nvCxnSpPr>
-        <p:spPr>
-          <a:xfrm>
-            <a:off x="7453527" y="3429000"/>
-            <a:ext cx="1628328" cy="0"/>
-          </a:xfrm>
-          <a:prstGeom prst="straightConnector1">
-            <a:avLst/>
-          </a:prstGeom>
-          <a:ln w="38100">
-            <a:tailEnd type="triangle"/>
-          </a:ln>
-        </p:spPr>
-        <p:style>
-          <a:lnRef idx="1">
-            <a:schemeClr val="accent1"/>
-          </a:lnRef>
-          <a:fillRef idx="0">
-            <a:schemeClr val="accent1"/>
-          </a:fillRef>
-          <a:effectRef idx="0">
-            <a:schemeClr val="accent1"/>
-          </a:effectRef>
-          <a:fontRef idx="minor">
-            <a:schemeClr val="tx1"/>
-          </a:fontRef>
-        </p:style>
-      </p:cxnSp>
-      <p:sp>
-        <p:nvSpPr>
-          <p:cNvPr id="32" name="TextBox 31">
-            <a:extLst>
-              <a:ext uri="{FF2B5EF4-FFF2-40B4-BE49-F238E27FC236}">
-                <a16:creationId xmlns:a16="http://schemas.microsoft.com/office/drawing/2014/main" id="{F006DC89-50EE-5149-9E66-0E9B5DF1B40F}"/>
-              </a:ext>
-            </a:extLst>
-          </p:cNvPr>
-          <p:cNvSpPr txBox="1"/>
-          <p:nvPr/>
-        </p:nvSpPr>
-        <p:spPr>
-          <a:xfrm>
-            <a:off x="7767234" y="2985943"/>
-            <a:ext cx="1098058" cy="369332"/>
-          </a:xfrm>
-          <a:prstGeom prst="rect">
-            <a:avLst/>
-          </a:prstGeom>
-          <a:noFill/>
-        </p:spPr>
-        <p:txBody>
-          <a:bodyPr wrap="none" rtlCol="0">
-            <a:spAutoFit/>
-          </a:bodyPr>
-          <a:lstStyle/>
-          <a:p>
-            <a:r>
-              <a:rPr lang="en-US" dirty="0"/>
-              <a:t>Saxon API</a:t>
-            </a:r>
+              <a:t>Serialize to </a:t>
+            </a:r>
+            <a:r>
+              <a:rPr lang="en-US" dirty="0" err="1"/>
+              <a:t>JSONiq</a:t>
+            </a:r>
+            <a:endParaRPr lang="en-US" dirty="0"/>
           </a:p>
         </p:txBody>
       </p:sp>
     </p:spTree>
     <p:extLst>
       <p:ext uri="{BB962C8B-B14F-4D97-AF65-F5344CB8AC3E}">
-        <p14:creationId xmlns:p14="http://schemas.microsoft.com/office/powerpoint/2010/main" val="1345599352"/>
+        <p14:creationId xmlns:p14="http://schemas.microsoft.com/office/powerpoint/2010/main" val="372603581"/>
       </p:ext>
     </p:extLst>
   </p:cSld>
@@ -5727,7 +7925,7 @@
         </p:nvSpPr>
         <p:spPr>
           <a:xfrm>
-            <a:off x="9081855" y="3231522"/>
+            <a:off x="9081855" y="1069480"/>
             <a:ext cx="1890944" cy="1003177"/>
           </a:xfrm>
           <a:prstGeom prst="rect">
@@ -6093,7 +8291,7 @@
         </p:nvSpPr>
         <p:spPr>
           <a:xfrm>
-            <a:off x="9081855" y="1584433"/>
+            <a:off x="9081855" y="2713326"/>
             <a:ext cx="1890944" cy="1003177"/>
           </a:xfrm>
           <a:prstGeom prst="rect">
@@ -6155,7 +8353,7 @@
         </p:nvCxnSpPr>
         <p:spPr>
           <a:xfrm>
-            <a:off x="9620982" y="2590850"/>
+            <a:off x="9632271" y="2072657"/>
             <a:ext cx="0" cy="631794"/>
           </a:xfrm>
           <a:prstGeom prst="straightConnector1">
@@ -6196,7 +8394,7 @@
         </p:nvCxnSpPr>
         <p:spPr>
           <a:xfrm flipV="1">
-            <a:off x="10394818" y="2573095"/>
+            <a:off x="10406107" y="2054902"/>
             <a:ext cx="0" cy="649549"/>
           </a:xfrm>
           <a:prstGeom prst="straightConnector1">
@@ -6237,7 +8435,7 @@
         </p:nvCxnSpPr>
         <p:spPr>
           <a:xfrm flipH="1">
-            <a:off x="7453527" y="1813090"/>
+            <a:off x="7453527" y="2941983"/>
             <a:ext cx="1628330" cy="0"/>
           </a:xfrm>
           <a:prstGeom prst="straightConnector1">
@@ -6278,7 +8476,7 @@
         </p:nvCxnSpPr>
         <p:spPr>
           <a:xfrm>
-            <a:off x="7453527" y="2300107"/>
+            <a:off x="7453527" y="3429000"/>
             <a:ext cx="1628328" cy="0"/>
           </a:xfrm>
           <a:prstGeom prst="straightConnector1">
@@ -6317,7 +8515,7 @@
         </p:nvSpPr>
         <p:spPr>
           <a:xfrm>
-            <a:off x="7767234" y="1857050"/>
+            <a:off x="7767234" y="2985943"/>
             <a:ext cx="1098058" cy="369332"/>
           </a:xfrm>
           <a:prstGeom prst="rect">
@@ -6338,104 +8536,10 @@
           </a:p>
         </p:txBody>
       </p:sp>
-      <p:sp>
-        <p:nvSpPr>
-          <p:cNvPr id="21" name="Rectangle 20">
-            <a:extLst>
-              <a:ext uri="{FF2B5EF4-FFF2-40B4-BE49-F238E27FC236}">
-                <a16:creationId xmlns:a16="http://schemas.microsoft.com/office/drawing/2014/main" id="{BB777F34-3FAE-6D4D-A441-CE41FCBF1A77}"/>
-              </a:ext>
-            </a:extLst>
-          </p:cNvPr>
-          <p:cNvSpPr/>
-          <p:nvPr/>
-        </p:nvSpPr>
-        <p:spPr>
-          <a:xfrm>
-            <a:off x="4327140" y="1614094"/>
-            <a:ext cx="3126387" cy="869747"/>
-          </a:xfrm>
-          <a:prstGeom prst="rect">
-            <a:avLst/>
-          </a:prstGeom>
-          <a:solidFill>
-            <a:schemeClr val="accent4">
-              <a:lumMod val="20000"/>
-              <a:lumOff val="80000"/>
-            </a:schemeClr>
-          </a:solidFill>
-        </p:spPr>
-        <p:style>
-          <a:lnRef idx="1">
-            <a:schemeClr val="accent5"/>
-          </a:lnRef>
-          <a:fillRef idx="2">
-            <a:schemeClr val="accent5"/>
-          </a:fillRef>
-          <a:effectRef idx="1">
-            <a:schemeClr val="accent5"/>
-          </a:effectRef>
-          <a:fontRef idx="minor">
-            <a:schemeClr val="dk1"/>
-          </a:fontRef>
-        </p:style>
-        <p:txBody>
-          <a:bodyPr rtlCol="0" anchor="ctr"/>
-          <a:lstStyle/>
-          <a:p>
-            <a:pPr algn="ctr"/>
-            <a:r>
-              <a:rPr lang="en-US" dirty="0"/>
-              <a:t>Converter</a:t>
-            </a:r>
-          </a:p>
-        </p:txBody>
-      </p:sp>
-      <p:cxnSp>
-        <p:nvCxnSpPr>
-          <p:cNvPr id="23" name="Straight Arrow Connector 22">
-            <a:extLst>
-              <a:ext uri="{FF2B5EF4-FFF2-40B4-BE49-F238E27FC236}">
-                <a16:creationId xmlns:a16="http://schemas.microsoft.com/office/drawing/2014/main" id="{ADC77477-CC8C-0746-80D6-28798D7E1E70}"/>
-              </a:ext>
-            </a:extLst>
-          </p:cNvPr>
-          <p:cNvCxnSpPr>
-            <a:cxnSpLocks/>
-          </p:cNvCxnSpPr>
-          <p:nvPr/>
-        </p:nvCxnSpPr>
-        <p:spPr>
-          <a:xfrm>
-            <a:off x="5890332" y="2482808"/>
-            <a:ext cx="1" cy="315897"/>
-          </a:xfrm>
-          <a:prstGeom prst="straightConnector1">
-            <a:avLst/>
-          </a:prstGeom>
-          <a:ln w="38100">
-            <a:tailEnd type="triangle"/>
-          </a:ln>
-        </p:spPr>
-        <p:style>
-          <a:lnRef idx="1">
-            <a:schemeClr val="accent1"/>
-          </a:lnRef>
-          <a:fillRef idx="0">
-            <a:schemeClr val="accent1"/>
-          </a:fillRef>
-          <a:effectRef idx="0">
-            <a:schemeClr val="accent1"/>
-          </a:effectRef>
-          <a:fontRef idx="minor">
-            <a:schemeClr val="tx1"/>
-          </a:fontRef>
-        </p:style>
-      </p:cxnSp>
     </p:spTree>
     <p:extLst>
       <p:ext uri="{BB962C8B-B14F-4D97-AF65-F5344CB8AC3E}">
-        <p14:creationId xmlns:p14="http://schemas.microsoft.com/office/powerpoint/2010/main" val="502272690"/>
+        <p14:creationId xmlns:p14="http://schemas.microsoft.com/office/powerpoint/2010/main" val="1747458110"/>
       </p:ext>
     </p:extLst>
   </p:cSld>
@@ -6476,8 +8580,8 @@
         </p:nvSpPr>
         <p:spPr>
           <a:xfrm>
-            <a:off x="3657600" y="2680137"/>
-            <a:ext cx="4465468" cy="3387646"/>
+            <a:off x="3657600" y="457199"/>
+            <a:ext cx="4465468" cy="5504156"/>
           </a:xfrm>
           <a:prstGeom prst="rect">
             <a:avLst/>
@@ -6534,7 +8638,7 @@
         </p:nvSpPr>
         <p:spPr>
           <a:xfrm>
-            <a:off x="807868" y="3411880"/>
+            <a:off x="807868" y="2707689"/>
             <a:ext cx="1890944" cy="1003177"/>
           </a:xfrm>
           <a:prstGeom prst="rect">
@@ -6589,7 +8693,7 @@
         </p:nvSpPr>
         <p:spPr>
           <a:xfrm>
-            <a:off x="807868" y="5064606"/>
+            <a:off x="807868" y="4360415"/>
             <a:ext cx="1890944" cy="1003177"/>
           </a:xfrm>
           <a:prstGeom prst="rect">
@@ -6644,7 +8748,7 @@
         </p:nvCxnSpPr>
         <p:spPr>
           <a:xfrm>
-            <a:off x="1349406" y="4432812"/>
+            <a:off x="1349406" y="3728621"/>
             <a:ext cx="0" cy="631794"/>
           </a:xfrm>
           <a:prstGeom prst="straightConnector1">
@@ -6685,7 +8789,7 @@
         </p:nvCxnSpPr>
         <p:spPr>
           <a:xfrm flipV="1">
-            <a:off x="2123242" y="4415057"/>
+            <a:off x="2123242" y="3710866"/>
             <a:ext cx="0" cy="649549"/>
           </a:xfrm>
           <a:prstGeom prst="straightConnector1">
@@ -6724,7 +8828,7 @@
         </p:nvSpPr>
         <p:spPr>
           <a:xfrm>
-            <a:off x="9081855" y="1069480"/>
+            <a:off x="9081855" y="3231522"/>
             <a:ext cx="1890944" cy="1003177"/>
           </a:xfrm>
           <a:prstGeom prst="rect">
@@ -6759,12 +8863,8 @@
           <a:p>
             <a:pPr algn="ctr"/>
             <a:r>
-              <a:rPr lang="en-US" dirty="0" err="1"/>
-              <a:t>JSONiq</a:t>
-            </a:r>
-            <a:r>
               <a:rPr lang="en-US" dirty="0"/>
-              <a:t> Test Suite</a:t>
+              <a:t>QT3 Test Suite</a:t>
             </a:r>
           </a:p>
         </p:txBody>
@@ -6783,8 +8883,8 @@
         </p:nvSpPr>
         <p:spPr>
           <a:xfrm>
-            <a:off x="4119239" y="3037488"/>
-            <a:ext cx="3542190" cy="2795751"/>
+            <a:off x="4119239" y="1072717"/>
+            <a:ext cx="3542190" cy="4290873"/>
           </a:xfrm>
           <a:prstGeom prst="rect">
             <a:avLst/>
@@ -6830,7 +8930,7 @@
         </p:nvSpPr>
         <p:spPr>
           <a:xfrm>
-            <a:off x="4327140" y="3478594"/>
+            <a:off x="4327140" y="2774403"/>
             <a:ext cx="3126387" cy="869747"/>
           </a:xfrm>
           <a:prstGeom prst="rect">
@@ -6885,7 +8985,7 @@
         </p:nvCxnSpPr>
         <p:spPr>
           <a:xfrm flipH="1">
-            <a:off x="2698812" y="3646174"/>
+            <a:off x="2698812" y="2941983"/>
             <a:ext cx="1628330" cy="0"/>
           </a:xfrm>
           <a:prstGeom prst="straightConnector1">
@@ -6926,7 +9026,7 @@
         </p:nvCxnSpPr>
         <p:spPr>
           <a:xfrm>
-            <a:off x="2698812" y="4133191"/>
+            <a:off x="2698812" y="3429000"/>
             <a:ext cx="1628328" cy="0"/>
           </a:xfrm>
           <a:prstGeom prst="straightConnector1">
@@ -6965,7 +9065,7 @@
         </p:nvSpPr>
         <p:spPr>
           <a:xfrm>
-            <a:off x="4327140" y="4674530"/>
+            <a:off x="4327140" y="3970339"/>
             <a:ext cx="3126387" cy="869747"/>
           </a:xfrm>
           <a:prstGeom prst="rect">
@@ -7020,7 +9120,7 @@
         </p:nvCxnSpPr>
         <p:spPr>
           <a:xfrm>
-            <a:off x="5890332" y="4359666"/>
+            <a:off x="5890332" y="3655475"/>
             <a:ext cx="1" cy="315897"/>
           </a:xfrm>
           <a:prstGeom prst="straightConnector1">
@@ -7059,7 +9159,7 @@
         </p:nvSpPr>
         <p:spPr>
           <a:xfrm>
-            <a:off x="2850942" y="3703817"/>
+            <a:off x="2850942" y="2999626"/>
             <a:ext cx="1268296" cy="369332"/>
           </a:xfrm>
           <a:prstGeom prst="rect">
@@ -7094,7 +9194,7 @@
         </p:nvSpPr>
         <p:spPr>
           <a:xfrm>
-            <a:off x="9081855" y="3417517"/>
+            <a:off x="9081855" y="1584433"/>
             <a:ext cx="1890944" cy="1003177"/>
           </a:xfrm>
           <a:prstGeom prst="rect">
@@ -7151,15 +9251,13 @@
               </a:ext>
             </a:extLst>
           </p:cNvPr>
-          <p:cNvCxnSpPr>
-            <a:cxnSpLocks/>
-          </p:cNvCxnSpPr>
+          <p:cNvCxnSpPr/>
           <p:nvPr/>
         </p:nvCxnSpPr>
         <p:spPr>
           <a:xfrm>
-            <a:off x="9632271" y="2072657"/>
-            <a:ext cx="0" cy="1335985"/>
+            <a:off x="9620982" y="2590850"/>
+            <a:ext cx="0" cy="631794"/>
           </a:xfrm>
           <a:prstGeom prst="straightConnector1">
             <a:avLst/>
@@ -7199,8 +9297,8 @@
         </p:nvCxnSpPr>
         <p:spPr>
           <a:xfrm flipV="1">
-            <a:off x="10406107" y="2072657"/>
-            <a:ext cx="0" cy="1335986"/>
+            <a:off x="10394818" y="2573095"/>
+            <a:ext cx="0" cy="649549"/>
           </a:xfrm>
           <a:prstGeom prst="straightConnector1">
             <a:avLst/>
@@ -7240,7 +9338,7 @@
         </p:nvCxnSpPr>
         <p:spPr>
           <a:xfrm flipH="1">
-            <a:off x="7453527" y="3646174"/>
+            <a:off x="7453527" y="1813090"/>
             <a:ext cx="1628330" cy="0"/>
           </a:xfrm>
           <a:prstGeom prst="straightConnector1">
@@ -7281,7 +9379,7 @@
         </p:nvCxnSpPr>
         <p:spPr>
           <a:xfrm>
-            <a:off x="7453527" y="4133191"/>
+            <a:off x="7453527" y="2300107"/>
             <a:ext cx="1628328" cy="0"/>
           </a:xfrm>
           <a:prstGeom prst="straightConnector1">
@@ -7320,7 +9418,7 @@
         </p:nvSpPr>
         <p:spPr>
           <a:xfrm>
-            <a:off x="7767234" y="3690134"/>
+            <a:off x="7767234" y="1857050"/>
             <a:ext cx="1098058" cy="369332"/>
           </a:xfrm>
           <a:prstGeom prst="rect">
@@ -7343,10 +9441,10 @@
       </p:sp>
       <p:sp>
         <p:nvSpPr>
-          <p:cNvPr id="23" name="Rectangle 22">
-            <a:extLst>
-              <a:ext uri="{FF2B5EF4-FFF2-40B4-BE49-F238E27FC236}">
-                <a16:creationId xmlns:a16="http://schemas.microsoft.com/office/drawing/2014/main" id="{940013A0-D87E-6347-BEC4-BCE27B43382B}"/>
+          <p:cNvPr id="21" name="Rectangle 20">
+            <a:extLst>
+              <a:ext uri="{FF2B5EF4-FFF2-40B4-BE49-F238E27FC236}">
+                <a16:creationId xmlns:a16="http://schemas.microsoft.com/office/drawing/2014/main" id="{BB777F34-3FAE-6D4D-A441-CE41FCBF1A77}"/>
               </a:ext>
             </a:extLst>
           </p:cNvPr>
@@ -7355,33 +9453,31 @@
         </p:nvSpPr>
         <p:spPr>
           <a:xfrm>
-            <a:off x="807868" y="1069479"/>
-            <a:ext cx="1890944" cy="1003177"/>
+            <a:off x="4327140" y="1614094"/>
+            <a:ext cx="3126387" cy="869747"/>
           </a:xfrm>
           <a:prstGeom prst="rect">
             <a:avLst/>
           </a:prstGeom>
           <a:solidFill>
-            <a:schemeClr val="accent2"/>
+            <a:schemeClr val="accent4">
+              <a:lumMod val="20000"/>
+              <a:lumOff val="80000"/>
+            </a:schemeClr>
           </a:solidFill>
-          <a:ln>
-            <a:noFill/>
-          </a:ln>
-        </p:spPr>
-        <p:style>
-          <a:lnRef idx="2">
-            <a:schemeClr val="dk1">
-              <a:shade val="50000"/>
-            </a:schemeClr>
-          </a:lnRef>
-          <a:fillRef idx="1">
+        </p:spPr>
+        <p:style>
+          <a:lnRef idx="1">
+            <a:schemeClr val="accent5"/>
+          </a:lnRef>
+          <a:fillRef idx="2">
+            <a:schemeClr val="accent5"/>
+          </a:fillRef>
+          <a:effectRef idx="1">
+            <a:schemeClr val="accent5"/>
+          </a:effectRef>
+          <a:fontRef idx="minor">
             <a:schemeClr val="dk1"/>
-          </a:fillRef>
-          <a:effectRef idx="0">
-            <a:schemeClr val="dk1"/>
-          </a:effectRef>
-          <a:fontRef idx="minor">
-            <a:schemeClr val="lt1"/>
           </a:fontRef>
         </p:style>
         <p:txBody>
@@ -7391,148 +9487,29 @@
             <a:pPr algn="ctr"/>
             <a:r>
               <a:rPr lang="en-US" dirty="0"/>
-              <a:t>QT3 Test Suite</a:t>
-            </a:r>
-          </a:p>
-        </p:txBody>
-      </p:sp>
-      <p:sp>
-        <p:nvSpPr>
-          <p:cNvPr id="26" name="Rectangle 25">
-            <a:extLst>
-              <a:ext uri="{FF2B5EF4-FFF2-40B4-BE49-F238E27FC236}">
-                <a16:creationId xmlns:a16="http://schemas.microsoft.com/office/drawing/2014/main" id="{C0CF7EA1-FF45-EF4F-84A1-DCF431634A39}"/>
-              </a:ext>
-            </a:extLst>
-          </p:cNvPr>
-          <p:cNvSpPr/>
-          <p:nvPr/>
-        </p:nvSpPr>
-        <p:spPr>
-          <a:xfrm>
-            <a:off x="3235666" y="1069478"/>
-            <a:ext cx="1890944" cy="1003177"/>
-          </a:xfrm>
-          <a:prstGeom prst="rect">
-            <a:avLst/>
-          </a:prstGeom>
-          <a:solidFill>
-            <a:schemeClr val="accent2"/>
-          </a:solidFill>
-          <a:ln>
-            <a:noFill/>
-          </a:ln>
-        </p:spPr>
-        <p:style>
-          <a:lnRef idx="2">
-            <a:schemeClr val="dk1">
-              <a:shade val="50000"/>
-            </a:schemeClr>
-          </a:lnRef>
-          <a:fillRef idx="1">
-            <a:schemeClr val="dk1"/>
-          </a:fillRef>
-          <a:effectRef idx="0">
-            <a:schemeClr val="dk1"/>
-          </a:effectRef>
-          <a:fontRef idx="minor">
-            <a:schemeClr val="lt1"/>
-          </a:fontRef>
-        </p:style>
-        <p:txBody>
-          <a:bodyPr rtlCol="0" anchor="ctr"/>
-          <a:lstStyle/>
-          <a:p>
-            <a:pPr algn="ctr"/>
-            <a:r>
-              <a:rPr lang="en-US" dirty="0"/>
-              <a:t>XML Parser</a:t>
-            </a:r>
-          </a:p>
-          <a:p>
-            <a:pPr algn="ctr"/>
-            <a:r>
-              <a:rPr lang="en-US" dirty="0"/>
-              <a:t>Saxon</a:t>
-            </a:r>
-          </a:p>
-        </p:txBody>
-      </p:sp>
-      <p:sp>
-        <p:nvSpPr>
-          <p:cNvPr id="37" name="Rectangle 36">
-            <a:extLst>
-              <a:ext uri="{FF2B5EF4-FFF2-40B4-BE49-F238E27FC236}">
-                <a16:creationId xmlns:a16="http://schemas.microsoft.com/office/drawing/2014/main" id="{73E915CE-A222-424C-8DCA-DF751DA88A9C}"/>
-              </a:ext>
-            </a:extLst>
-          </p:cNvPr>
-          <p:cNvSpPr/>
-          <p:nvPr/>
-        </p:nvSpPr>
-        <p:spPr>
-          <a:xfrm>
-            <a:off x="6654057" y="1069478"/>
-            <a:ext cx="1890944" cy="1003177"/>
-          </a:xfrm>
-          <a:prstGeom prst="rect">
-            <a:avLst/>
-          </a:prstGeom>
-          <a:solidFill>
-            <a:schemeClr val="accent2"/>
-          </a:solidFill>
-          <a:ln>
-            <a:noFill/>
-          </a:ln>
-        </p:spPr>
-        <p:style>
-          <a:lnRef idx="2">
-            <a:schemeClr val="dk1">
-              <a:shade val="50000"/>
-            </a:schemeClr>
-          </a:lnRef>
-          <a:fillRef idx="1">
-            <a:schemeClr val="dk1"/>
-          </a:fillRef>
-          <a:effectRef idx="0">
-            <a:schemeClr val="dk1"/>
-          </a:effectRef>
-          <a:fontRef idx="minor">
-            <a:schemeClr val="lt1"/>
-          </a:fontRef>
-        </p:style>
-        <p:txBody>
-          <a:bodyPr rtlCol="0" anchor="ctr"/>
-          <a:lstStyle/>
-          <a:p>
-            <a:pPr algn="ctr"/>
-            <a:r>
-              <a:rPr lang="en-US" dirty="0"/>
-              <a:t>Test Converter</a:t>
+              <a:t>Converter</a:t>
             </a:r>
           </a:p>
         </p:txBody>
       </p:sp>
       <p:cxnSp>
         <p:nvCxnSpPr>
-          <p:cNvPr id="38" name="Straight Arrow Connector 37">
-            <a:extLst>
-              <a:ext uri="{FF2B5EF4-FFF2-40B4-BE49-F238E27FC236}">
-                <a16:creationId xmlns:a16="http://schemas.microsoft.com/office/drawing/2014/main" id="{E12D3F2A-7F69-8946-8B15-4B1E788EA8F5}"/>
+          <p:cNvPr id="23" name="Straight Arrow Connector 22">
+            <a:extLst>
+              <a:ext uri="{FF2B5EF4-FFF2-40B4-BE49-F238E27FC236}">
+                <a16:creationId xmlns:a16="http://schemas.microsoft.com/office/drawing/2014/main" id="{ADC77477-CC8C-0746-80D6-28798D7E1E70}"/>
               </a:ext>
             </a:extLst>
           </p:cNvPr>
           <p:cNvCxnSpPr>
             <a:cxnSpLocks/>
-            <a:stCxn id="23" idx="3"/>
-            <a:endCxn id="26" idx="1"/>
           </p:cNvCxnSpPr>
           <p:nvPr/>
         </p:nvCxnSpPr>
         <p:spPr>
-          <a:xfrm flipV="1">
-            <a:off x="2698812" y="1571067"/>
-            <a:ext cx="536854" cy="1"/>
+          <a:xfrm>
+            <a:off x="5890332" y="2482808"/>
+            <a:ext cx="1" cy="315897"/>
           </a:xfrm>
           <a:prstGeom prst="straightConnector1">
             <a:avLst/>
@@ -7556,168 +9533,10 @@
           </a:fontRef>
         </p:style>
       </p:cxnSp>
-      <p:cxnSp>
-        <p:nvCxnSpPr>
-          <p:cNvPr id="44" name="Straight Arrow Connector 43">
-            <a:extLst>
-              <a:ext uri="{FF2B5EF4-FFF2-40B4-BE49-F238E27FC236}">
-                <a16:creationId xmlns:a16="http://schemas.microsoft.com/office/drawing/2014/main" id="{C9BE4A52-7848-434A-BD5C-579808142E8D}"/>
-              </a:ext>
-            </a:extLst>
-          </p:cNvPr>
-          <p:cNvCxnSpPr>
-            <a:cxnSpLocks/>
-          </p:cNvCxnSpPr>
-          <p:nvPr/>
-        </p:nvCxnSpPr>
-        <p:spPr>
-          <a:xfrm flipV="1">
-            <a:off x="8545001" y="1571065"/>
-            <a:ext cx="536854" cy="1"/>
-          </a:xfrm>
-          <a:prstGeom prst="straightConnector1">
-            <a:avLst/>
-          </a:prstGeom>
-          <a:ln w="38100">
-            <a:tailEnd type="triangle"/>
-          </a:ln>
-        </p:spPr>
-        <p:style>
-          <a:lnRef idx="1">
-            <a:schemeClr val="accent1"/>
-          </a:lnRef>
-          <a:fillRef idx="0">
-            <a:schemeClr val="accent1"/>
-          </a:fillRef>
-          <a:effectRef idx="0">
-            <a:schemeClr val="accent1"/>
-          </a:effectRef>
-          <a:fontRef idx="minor">
-            <a:schemeClr val="tx1"/>
-          </a:fontRef>
-        </p:style>
-      </p:cxnSp>
-      <p:cxnSp>
-        <p:nvCxnSpPr>
-          <p:cNvPr id="45" name="Straight Arrow Connector 44">
-            <a:extLst>
-              <a:ext uri="{FF2B5EF4-FFF2-40B4-BE49-F238E27FC236}">
-                <a16:creationId xmlns:a16="http://schemas.microsoft.com/office/drawing/2014/main" id="{EEFE7A0C-95BF-534A-A470-CEB1CCDA2112}"/>
-              </a:ext>
-            </a:extLst>
-          </p:cNvPr>
-          <p:cNvCxnSpPr>
-            <a:cxnSpLocks/>
-          </p:cNvCxnSpPr>
-          <p:nvPr/>
-        </p:nvCxnSpPr>
-        <p:spPr>
-          <a:xfrm flipH="1">
-            <a:off x="5126610" y="1324406"/>
-            <a:ext cx="1527448" cy="0"/>
-          </a:xfrm>
-          <a:prstGeom prst="straightConnector1">
-            <a:avLst/>
-          </a:prstGeom>
-          <a:ln w="38100">
-            <a:tailEnd type="triangle"/>
-          </a:ln>
-        </p:spPr>
-        <p:style>
-          <a:lnRef idx="1">
-            <a:schemeClr val="accent1"/>
-          </a:lnRef>
-          <a:fillRef idx="0">
-            <a:schemeClr val="accent1"/>
-          </a:fillRef>
-          <a:effectRef idx="0">
-            <a:schemeClr val="accent1"/>
-          </a:effectRef>
-          <a:fontRef idx="minor">
-            <a:schemeClr val="tx1"/>
-          </a:fontRef>
-        </p:style>
-      </p:cxnSp>
-      <p:cxnSp>
-        <p:nvCxnSpPr>
-          <p:cNvPr id="46" name="Straight Arrow Connector 45">
-            <a:extLst>
-              <a:ext uri="{FF2B5EF4-FFF2-40B4-BE49-F238E27FC236}">
-                <a16:creationId xmlns:a16="http://schemas.microsoft.com/office/drawing/2014/main" id="{56AFCB43-CDF6-2341-A3E2-6CB25304DCA2}"/>
-              </a:ext>
-            </a:extLst>
-          </p:cNvPr>
-          <p:cNvCxnSpPr>
-            <a:cxnSpLocks/>
-          </p:cNvCxnSpPr>
-          <p:nvPr/>
-        </p:nvCxnSpPr>
-        <p:spPr>
-          <a:xfrm>
-            <a:off x="5126610" y="1811423"/>
-            <a:ext cx="1527447" cy="0"/>
-          </a:xfrm>
-          <a:prstGeom prst="straightConnector1">
-            <a:avLst/>
-          </a:prstGeom>
-          <a:ln w="38100">
-            <a:tailEnd type="triangle"/>
-          </a:ln>
-        </p:spPr>
-        <p:style>
-          <a:lnRef idx="1">
-            <a:schemeClr val="accent1"/>
-          </a:lnRef>
-          <a:fillRef idx="0">
-            <a:schemeClr val="accent1"/>
-          </a:fillRef>
-          <a:effectRef idx="0">
-            <a:schemeClr val="accent1"/>
-          </a:effectRef>
-          <a:fontRef idx="minor">
-            <a:schemeClr val="tx1"/>
-          </a:fontRef>
-        </p:style>
-      </p:cxnSp>
-      <p:sp>
-        <p:nvSpPr>
-          <p:cNvPr id="48" name="TextBox 47">
-            <a:extLst>
-              <a:ext uri="{FF2B5EF4-FFF2-40B4-BE49-F238E27FC236}">
-                <a16:creationId xmlns:a16="http://schemas.microsoft.com/office/drawing/2014/main" id="{C7792C75-D1EF-E84E-9E93-F076A43FACD5}"/>
-              </a:ext>
-            </a:extLst>
-          </p:cNvPr>
-          <p:cNvSpPr txBox="1"/>
-          <p:nvPr/>
-        </p:nvSpPr>
-        <p:spPr>
-          <a:xfrm>
-            <a:off x="5389875" y="1368366"/>
-            <a:ext cx="1098058" cy="369332"/>
-          </a:xfrm>
-          <a:prstGeom prst="rect">
-            <a:avLst/>
-          </a:prstGeom>
-          <a:noFill/>
-        </p:spPr>
-        <p:txBody>
-          <a:bodyPr wrap="none" rtlCol="0">
-            <a:spAutoFit/>
-          </a:bodyPr>
-          <a:lstStyle/>
-          <a:p>
-            <a:r>
-              <a:rPr lang="en-US" dirty="0"/>
-              <a:t>Saxon API</a:t>
-            </a:r>
-          </a:p>
-        </p:txBody>
-      </p:sp>
     </p:spTree>
     <p:extLst>
       <p:ext uri="{BB962C8B-B14F-4D97-AF65-F5344CB8AC3E}">
-        <p14:creationId xmlns:p14="http://schemas.microsoft.com/office/powerpoint/2010/main" val="165205649"/>
+        <p14:creationId xmlns:p14="http://schemas.microsoft.com/office/powerpoint/2010/main" val="502272690"/>
       </p:ext>
     </p:extLst>
   </p:cSld>
@@ -7746,61 +9565,1260 @@
       </p:grpSpPr>
       <p:sp>
         <p:nvSpPr>
-          <p:cNvPr id="2" name="Title 1">
-            <a:extLst>
-              <a:ext uri="{FF2B5EF4-FFF2-40B4-BE49-F238E27FC236}">
-                <a16:creationId xmlns:a16="http://schemas.microsoft.com/office/drawing/2014/main" id="{0058CA62-7775-9C44-9C94-7F2F9F418606}"/>
-              </a:ext>
-            </a:extLst>
-          </p:cNvPr>
-          <p:cNvSpPr>
-            <a:spLocks noGrp="1"/>
-          </p:cNvSpPr>
-          <p:nvPr>
-            <p:ph type="title"/>
-          </p:nvPr>
-        </p:nvSpPr>
-        <p:spPr/>
-        <p:txBody>
-          <a:bodyPr/>
-          <a:lstStyle/>
-          <a:p>
-            <a:r>
-              <a:rPr lang="en-US"/>
-              <a:t>HERE SHOULD BE PLUGIN ARCHITECTURE</a:t>
-            </a:r>
-          </a:p>
-        </p:txBody>
-      </p:sp>
-      <p:sp>
-        <p:nvSpPr>
-          <p:cNvPr id="3" name="Content Placeholder 2">
-            <a:extLst>
-              <a:ext uri="{FF2B5EF4-FFF2-40B4-BE49-F238E27FC236}">
-                <a16:creationId xmlns:a16="http://schemas.microsoft.com/office/drawing/2014/main" id="{3E4DBA6A-4B96-F14E-A341-BFB4E09ED623}"/>
-              </a:ext>
-            </a:extLst>
-          </p:cNvPr>
-          <p:cNvSpPr>
-            <a:spLocks noGrp="1"/>
-          </p:cNvSpPr>
-          <p:nvPr>
-            <p:ph idx="1"/>
-          </p:nvPr>
-        </p:nvSpPr>
-        <p:spPr/>
-        <p:txBody>
-          <a:bodyPr/>
-          <a:lstStyle/>
-          <a:p>
-            <a:endParaRPr lang="en-US"/>
+          <p:cNvPr id="5" name="Rectangle 4">
+            <a:extLst>
+              <a:ext uri="{FF2B5EF4-FFF2-40B4-BE49-F238E27FC236}">
+                <a16:creationId xmlns:a16="http://schemas.microsoft.com/office/drawing/2014/main" id="{378A7FC1-4EC5-4D80-981B-BE76701C64D5}"/>
+              </a:ext>
+            </a:extLst>
+          </p:cNvPr>
+          <p:cNvSpPr/>
+          <p:nvPr/>
+        </p:nvSpPr>
+        <p:spPr>
+          <a:xfrm>
+            <a:off x="3657600" y="2680137"/>
+            <a:ext cx="4465468" cy="3387646"/>
+          </a:xfrm>
+          <a:prstGeom prst="rect">
+            <a:avLst/>
+          </a:prstGeom>
+          <a:solidFill>
+            <a:schemeClr val="bg1">
+              <a:lumMod val="95000"/>
+            </a:schemeClr>
+          </a:solidFill>
+        </p:spPr>
+        <p:style>
+          <a:lnRef idx="2">
+            <a:schemeClr val="accent1">
+              <a:shade val="50000"/>
+            </a:schemeClr>
+          </a:lnRef>
+          <a:fillRef idx="1">
+            <a:schemeClr val="accent1"/>
+          </a:fillRef>
+          <a:effectRef idx="0">
+            <a:schemeClr val="accent1"/>
+          </a:effectRef>
+          <a:fontRef idx="minor">
+            <a:schemeClr val="lt1"/>
+          </a:fontRef>
+        </p:style>
+        <p:txBody>
+          <a:bodyPr rtlCol="0" anchor="t" anchorCtr="0"/>
+          <a:lstStyle/>
+          <a:p>
+            <a:pPr algn="ctr"/>
+            <a:r>
+              <a:rPr lang="en-US" dirty="0">
+                <a:solidFill>
+                  <a:schemeClr val="tx1"/>
+                </a:solidFill>
+              </a:rPr>
+              <a:t>JAVA APPLICATION</a:t>
+            </a:r>
+          </a:p>
+        </p:txBody>
+      </p:sp>
+      <p:sp>
+        <p:nvSpPr>
+          <p:cNvPr id="7" name="Rectangle 6">
+            <a:extLst>
+              <a:ext uri="{FF2B5EF4-FFF2-40B4-BE49-F238E27FC236}">
+                <a16:creationId xmlns:a16="http://schemas.microsoft.com/office/drawing/2014/main" id="{1D9A284B-8A5C-42EB-AD39-A739557867FC}"/>
+              </a:ext>
+            </a:extLst>
+          </p:cNvPr>
+          <p:cNvSpPr/>
+          <p:nvPr/>
+        </p:nvSpPr>
+        <p:spPr>
+          <a:xfrm>
+            <a:off x="807868" y="3411880"/>
+            <a:ext cx="1890944" cy="1003177"/>
+          </a:xfrm>
+          <a:prstGeom prst="rect">
+            <a:avLst/>
+          </a:prstGeom>
+          <a:solidFill>
+            <a:schemeClr val="tx1">
+              <a:lumMod val="75000"/>
+              <a:lumOff val="25000"/>
+            </a:schemeClr>
+          </a:solidFill>
+        </p:spPr>
+        <p:style>
+          <a:lnRef idx="2">
+            <a:schemeClr val="dk1">
+              <a:shade val="50000"/>
+            </a:schemeClr>
+          </a:lnRef>
+          <a:fillRef idx="1">
+            <a:schemeClr val="dk1"/>
+          </a:fillRef>
+          <a:effectRef idx="0">
+            <a:schemeClr val="dk1"/>
+          </a:effectRef>
+          <a:fontRef idx="minor">
+            <a:schemeClr val="lt1"/>
+          </a:fontRef>
+        </p:style>
+        <p:txBody>
+          <a:bodyPr rtlCol="0" anchor="ctr"/>
+          <a:lstStyle/>
+          <a:p>
+            <a:pPr algn="ctr"/>
+            <a:r>
+              <a:rPr lang="en-US" dirty="0"/>
+              <a:t>RUMBLE</a:t>
+            </a:r>
+          </a:p>
+        </p:txBody>
+      </p:sp>
+      <p:sp>
+        <p:nvSpPr>
+          <p:cNvPr id="8" name="Rectangle 7">
+            <a:extLst>
+              <a:ext uri="{FF2B5EF4-FFF2-40B4-BE49-F238E27FC236}">
+                <a16:creationId xmlns:a16="http://schemas.microsoft.com/office/drawing/2014/main" id="{A60B3A32-B413-47A3-BFB9-39910D6805CB}"/>
+              </a:ext>
+            </a:extLst>
+          </p:cNvPr>
+          <p:cNvSpPr/>
+          <p:nvPr/>
+        </p:nvSpPr>
+        <p:spPr>
+          <a:xfrm>
+            <a:off x="807868" y="5064606"/>
+            <a:ext cx="1890944" cy="1003177"/>
+          </a:xfrm>
+          <a:prstGeom prst="rect">
+            <a:avLst/>
+          </a:prstGeom>
+          <a:solidFill>
+            <a:schemeClr val="tx1">
+              <a:lumMod val="75000"/>
+              <a:lumOff val="25000"/>
+            </a:schemeClr>
+          </a:solidFill>
+        </p:spPr>
+        <p:style>
+          <a:lnRef idx="2">
+            <a:schemeClr val="dk1">
+              <a:shade val="50000"/>
+            </a:schemeClr>
+          </a:lnRef>
+          <a:fillRef idx="1">
+            <a:schemeClr val="dk1"/>
+          </a:fillRef>
+          <a:effectRef idx="0">
+            <a:schemeClr val="dk1"/>
+          </a:effectRef>
+          <a:fontRef idx="minor">
+            <a:schemeClr val="lt1"/>
+          </a:fontRef>
+        </p:style>
+        <p:txBody>
+          <a:bodyPr rtlCol="0" anchor="ctr"/>
+          <a:lstStyle/>
+          <a:p>
+            <a:pPr algn="ctr"/>
+            <a:r>
+              <a:rPr lang="en-US" dirty="0"/>
+              <a:t>SPARK</a:t>
+            </a:r>
+          </a:p>
+        </p:txBody>
+      </p:sp>
+      <p:cxnSp>
+        <p:nvCxnSpPr>
+          <p:cNvPr id="10" name="Straight Arrow Connector 9">
+            <a:extLst>
+              <a:ext uri="{FF2B5EF4-FFF2-40B4-BE49-F238E27FC236}">
+                <a16:creationId xmlns:a16="http://schemas.microsoft.com/office/drawing/2014/main" id="{BB0AAEB6-0F4B-441B-8D85-640CFA52D4FE}"/>
+              </a:ext>
+            </a:extLst>
+          </p:cNvPr>
+          <p:cNvCxnSpPr/>
+          <p:nvPr/>
+        </p:nvCxnSpPr>
+        <p:spPr>
+          <a:xfrm>
+            <a:off x="1349406" y="4432812"/>
+            <a:ext cx="0" cy="631794"/>
+          </a:xfrm>
+          <a:prstGeom prst="straightConnector1">
+            <a:avLst/>
+          </a:prstGeom>
+          <a:ln w="38100">
+            <a:tailEnd type="triangle"/>
+          </a:ln>
+        </p:spPr>
+        <p:style>
+          <a:lnRef idx="1">
+            <a:schemeClr val="accent1"/>
+          </a:lnRef>
+          <a:fillRef idx="0">
+            <a:schemeClr val="accent1"/>
+          </a:fillRef>
+          <a:effectRef idx="0">
+            <a:schemeClr val="accent1"/>
+          </a:effectRef>
+          <a:fontRef idx="minor">
+            <a:schemeClr val="tx1"/>
+          </a:fontRef>
+        </p:style>
+      </p:cxnSp>
+      <p:cxnSp>
+        <p:nvCxnSpPr>
+          <p:cNvPr id="11" name="Straight Arrow Connector 10">
+            <a:extLst>
+              <a:ext uri="{FF2B5EF4-FFF2-40B4-BE49-F238E27FC236}">
+                <a16:creationId xmlns:a16="http://schemas.microsoft.com/office/drawing/2014/main" id="{FD0B535D-01A9-4B4C-A56E-E5D5657AC1DD}"/>
+              </a:ext>
+            </a:extLst>
+          </p:cNvPr>
+          <p:cNvCxnSpPr>
+            <a:cxnSpLocks/>
+          </p:cNvCxnSpPr>
+          <p:nvPr/>
+        </p:nvCxnSpPr>
+        <p:spPr>
+          <a:xfrm flipV="1">
+            <a:off x="2123242" y="4415057"/>
+            <a:ext cx="0" cy="649549"/>
+          </a:xfrm>
+          <a:prstGeom prst="straightConnector1">
+            <a:avLst/>
+          </a:prstGeom>
+          <a:ln w="38100">
+            <a:tailEnd type="triangle"/>
+          </a:ln>
+        </p:spPr>
+        <p:style>
+          <a:lnRef idx="1">
+            <a:schemeClr val="accent1"/>
+          </a:lnRef>
+          <a:fillRef idx="0">
+            <a:schemeClr val="accent1"/>
+          </a:fillRef>
+          <a:effectRef idx="0">
+            <a:schemeClr val="accent1"/>
+          </a:effectRef>
+          <a:fontRef idx="minor">
+            <a:schemeClr val="tx1"/>
+          </a:fontRef>
+        </p:style>
+      </p:cxnSp>
+      <p:sp>
+        <p:nvSpPr>
+          <p:cNvPr id="19" name="Rectangle 18">
+            <a:extLst>
+              <a:ext uri="{FF2B5EF4-FFF2-40B4-BE49-F238E27FC236}">
+                <a16:creationId xmlns:a16="http://schemas.microsoft.com/office/drawing/2014/main" id="{D4893B53-3DD0-43A2-8A86-3EA2DE32C5A3}"/>
+              </a:ext>
+            </a:extLst>
+          </p:cNvPr>
+          <p:cNvSpPr/>
+          <p:nvPr/>
+        </p:nvSpPr>
+        <p:spPr>
+          <a:xfrm>
+            <a:off x="9081855" y="1069480"/>
+            <a:ext cx="1890944" cy="1003177"/>
+          </a:xfrm>
+          <a:prstGeom prst="rect">
+            <a:avLst/>
+          </a:prstGeom>
+          <a:solidFill>
+            <a:srgbClr val="92D050"/>
+          </a:solidFill>
+          <a:ln>
+            <a:noFill/>
+          </a:ln>
+        </p:spPr>
+        <p:style>
+          <a:lnRef idx="2">
+            <a:schemeClr val="dk1">
+              <a:shade val="50000"/>
+            </a:schemeClr>
+          </a:lnRef>
+          <a:fillRef idx="1">
+            <a:schemeClr val="dk1"/>
+          </a:fillRef>
+          <a:effectRef idx="0">
+            <a:schemeClr val="dk1"/>
+          </a:effectRef>
+          <a:fontRef idx="minor">
+            <a:schemeClr val="lt1"/>
+          </a:fontRef>
+        </p:style>
+        <p:txBody>
+          <a:bodyPr rtlCol="0" anchor="ctr"/>
+          <a:lstStyle/>
+          <a:p>
+            <a:pPr algn="ctr"/>
+            <a:r>
+              <a:rPr lang="en-US" dirty="0" err="1"/>
+              <a:t>JSONiq</a:t>
+            </a:r>
+            <a:r>
+              <a:rPr lang="en-US" dirty="0"/>
+              <a:t> Test Suite</a:t>
+            </a:r>
+          </a:p>
+        </p:txBody>
+      </p:sp>
+      <p:sp>
+        <p:nvSpPr>
+          <p:cNvPr id="20" name="Rectangle 19">
+            <a:extLst>
+              <a:ext uri="{FF2B5EF4-FFF2-40B4-BE49-F238E27FC236}">
+                <a16:creationId xmlns:a16="http://schemas.microsoft.com/office/drawing/2014/main" id="{5B5D5F0E-627F-43B7-BD5E-4F8A8E434731}"/>
+              </a:ext>
+            </a:extLst>
+          </p:cNvPr>
+          <p:cNvSpPr/>
+          <p:nvPr/>
+        </p:nvSpPr>
+        <p:spPr>
+          <a:xfrm>
+            <a:off x="4119239" y="3037488"/>
+            <a:ext cx="3542190" cy="2795751"/>
+          </a:xfrm>
+          <a:prstGeom prst="rect">
+            <a:avLst/>
+          </a:prstGeom>
+        </p:spPr>
+        <p:style>
+          <a:lnRef idx="1">
+            <a:schemeClr val="accent5"/>
+          </a:lnRef>
+          <a:fillRef idx="2">
+            <a:schemeClr val="accent5"/>
+          </a:fillRef>
+          <a:effectRef idx="1">
+            <a:schemeClr val="accent5"/>
+          </a:effectRef>
+          <a:fontRef idx="minor">
+            <a:schemeClr val="dk1"/>
+          </a:fontRef>
+        </p:style>
+        <p:txBody>
+          <a:bodyPr rtlCol="0" anchor="t" anchorCtr="0"/>
+          <a:lstStyle/>
+          <a:p>
+            <a:pPr algn="ctr"/>
+            <a:r>
+              <a:rPr lang="en-US" dirty="0"/>
+              <a:t>Test Driver</a:t>
+            </a:r>
+          </a:p>
+        </p:txBody>
+      </p:sp>
+      <p:sp>
+        <p:nvSpPr>
+          <p:cNvPr id="25" name="Rectangle 24">
+            <a:extLst>
+              <a:ext uri="{FF2B5EF4-FFF2-40B4-BE49-F238E27FC236}">
+                <a16:creationId xmlns:a16="http://schemas.microsoft.com/office/drawing/2014/main" id="{E8CC4A4D-C085-48F9-A50A-FE763AB34C70}"/>
+              </a:ext>
+            </a:extLst>
+          </p:cNvPr>
+          <p:cNvSpPr/>
+          <p:nvPr/>
+        </p:nvSpPr>
+        <p:spPr>
+          <a:xfrm>
+            <a:off x="4327140" y="3478594"/>
+            <a:ext cx="3126387" cy="869747"/>
+          </a:xfrm>
+          <a:prstGeom prst="rect">
+            <a:avLst/>
+          </a:prstGeom>
+          <a:solidFill>
+            <a:schemeClr val="accent4">
+              <a:lumMod val="20000"/>
+              <a:lumOff val="80000"/>
+            </a:schemeClr>
+          </a:solidFill>
+        </p:spPr>
+        <p:style>
+          <a:lnRef idx="1">
+            <a:schemeClr val="accent5"/>
+          </a:lnRef>
+          <a:fillRef idx="2">
+            <a:schemeClr val="accent5"/>
+          </a:fillRef>
+          <a:effectRef idx="1">
+            <a:schemeClr val="accent5"/>
+          </a:effectRef>
+          <a:fontRef idx="minor">
+            <a:schemeClr val="dk1"/>
+          </a:fontRef>
+        </p:style>
+        <p:txBody>
+          <a:bodyPr rtlCol="0" anchor="ctr"/>
+          <a:lstStyle/>
+          <a:p>
+            <a:pPr algn="ctr"/>
+            <a:r>
+              <a:rPr lang="en-US" dirty="0"/>
+              <a:t>Test Case Handling Logic</a:t>
+            </a:r>
+          </a:p>
+        </p:txBody>
+      </p:sp>
+      <p:cxnSp>
+        <p:nvCxnSpPr>
+          <p:cNvPr id="29" name="Straight Arrow Connector 28">
+            <a:extLst>
+              <a:ext uri="{FF2B5EF4-FFF2-40B4-BE49-F238E27FC236}">
+                <a16:creationId xmlns:a16="http://schemas.microsoft.com/office/drawing/2014/main" id="{FED9F672-8BFD-454A-85F6-0A26AAA3CE6A}"/>
+              </a:ext>
+            </a:extLst>
+          </p:cNvPr>
+          <p:cNvCxnSpPr>
+            <a:cxnSpLocks/>
+          </p:cNvCxnSpPr>
+          <p:nvPr/>
+        </p:nvCxnSpPr>
+        <p:spPr>
+          <a:xfrm flipH="1">
+            <a:off x="2698812" y="3646174"/>
+            <a:ext cx="1628330" cy="0"/>
+          </a:xfrm>
+          <a:prstGeom prst="straightConnector1">
+            <a:avLst/>
+          </a:prstGeom>
+          <a:ln w="38100">
+            <a:tailEnd type="triangle"/>
+          </a:ln>
+        </p:spPr>
+        <p:style>
+          <a:lnRef idx="1">
+            <a:schemeClr val="accent1"/>
+          </a:lnRef>
+          <a:fillRef idx="0">
+            <a:schemeClr val="accent1"/>
+          </a:fillRef>
+          <a:effectRef idx="0">
+            <a:schemeClr val="accent1"/>
+          </a:effectRef>
+          <a:fontRef idx="minor">
+            <a:schemeClr val="tx1"/>
+          </a:fontRef>
+        </p:style>
+      </p:cxnSp>
+      <p:cxnSp>
+        <p:nvCxnSpPr>
+          <p:cNvPr id="34" name="Straight Arrow Connector 33">
+            <a:extLst>
+              <a:ext uri="{FF2B5EF4-FFF2-40B4-BE49-F238E27FC236}">
+                <a16:creationId xmlns:a16="http://schemas.microsoft.com/office/drawing/2014/main" id="{C33C8F52-24DB-4452-952C-66B7CD00C034}"/>
+              </a:ext>
+            </a:extLst>
+          </p:cNvPr>
+          <p:cNvCxnSpPr>
+            <a:cxnSpLocks/>
+          </p:cNvCxnSpPr>
+          <p:nvPr/>
+        </p:nvCxnSpPr>
+        <p:spPr>
+          <a:xfrm>
+            <a:off x="2698812" y="4133191"/>
+            <a:ext cx="1628328" cy="0"/>
+          </a:xfrm>
+          <a:prstGeom prst="straightConnector1">
+            <a:avLst/>
+          </a:prstGeom>
+          <a:ln w="38100">
+            <a:tailEnd type="triangle"/>
+          </a:ln>
+        </p:spPr>
+        <p:style>
+          <a:lnRef idx="1">
+            <a:schemeClr val="accent1"/>
+          </a:lnRef>
+          <a:fillRef idx="0">
+            <a:schemeClr val="accent1"/>
+          </a:fillRef>
+          <a:effectRef idx="0">
+            <a:schemeClr val="accent1"/>
+          </a:effectRef>
+          <a:fontRef idx="minor">
+            <a:schemeClr val="tx1"/>
+          </a:fontRef>
+        </p:style>
+      </p:cxnSp>
+      <p:sp>
+        <p:nvSpPr>
+          <p:cNvPr id="40" name="Rectangle 39">
+            <a:extLst>
+              <a:ext uri="{FF2B5EF4-FFF2-40B4-BE49-F238E27FC236}">
+                <a16:creationId xmlns:a16="http://schemas.microsoft.com/office/drawing/2014/main" id="{56829F72-B783-4B55-AEAE-CCB679A4DD4F}"/>
+              </a:ext>
+            </a:extLst>
+          </p:cNvPr>
+          <p:cNvSpPr/>
+          <p:nvPr/>
+        </p:nvSpPr>
+        <p:spPr>
+          <a:xfrm>
+            <a:off x="4327140" y="4674530"/>
+            <a:ext cx="3126387" cy="869747"/>
+          </a:xfrm>
+          <a:prstGeom prst="rect">
+            <a:avLst/>
+          </a:prstGeom>
+          <a:solidFill>
+            <a:schemeClr val="accent4">
+              <a:lumMod val="20000"/>
+              <a:lumOff val="80000"/>
+            </a:schemeClr>
+          </a:solidFill>
+        </p:spPr>
+        <p:style>
+          <a:lnRef idx="1">
+            <a:schemeClr val="accent5"/>
+          </a:lnRef>
+          <a:fillRef idx="2">
+            <a:schemeClr val="accent5"/>
+          </a:fillRef>
+          <a:effectRef idx="1">
+            <a:schemeClr val="accent5"/>
+          </a:effectRef>
+          <a:fontRef idx="minor">
+            <a:schemeClr val="dk1"/>
+          </a:fontRef>
+        </p:style>
+        <p:txBody>
+          <a:bodyPr rtlCol="0" anchor="ctr"/>
+          <a:lstStyle/>
+          <a:p>
+            <a:pPr algn="ctr"/>
+            <a:r>
+              <a:rPr lang="en-US" dirty="0"/>
+              <a:t>Test Result Handling Logic</a:t>
+            </a:r>
+          </a:p>
+        </p:txBody>
+      </p:sp>
+      <p:cxnSp>
+        <p:nvCxnSpPr>
+          <p:cNvPr id="41" name="Straight Arrow Connector 40">
+            <a:extLst>
+              <a:ext uri="{FF2B5EF4-FFF2-40B4-BE49-F238E27FC236}">
+                <a16:creationId xmlns:a16="http://schemas.microsoft.com/office/drawing/2014/main" id="{6770061F-2C72-4E6B-BC9E-DDA6A48D168E}"/>
+              </a:ext>
+            </a:extLst>
+          </p:cNvPr>
+          <p:cNvCxnSpPr>
+            <a:cxnSpLocks/>
+          </p:cNvCxnSpPr>
+          <p:nvPr/>
+        </p:nvCxnSpPr>
+        <p:spPr>
+          <a:xfrm>
+            <a:off x="5890332" y="4359666"/>
+            <a:ext cx="1" cy="315897"/>
+          </a:xfrm>
+          <a:prstGeom prst="straightConnector1">
+            <a:avLst/>
+          </a:prstGeom>
+          <a:ln w="38100">
+            <a:tailEnd type="triangle"/>
+          </a:ln>
+        </p:spPr>
+        <p:style>
+          <a:lnRef idx="1">
+            <a:schemeClr val="accent1"/>
+          </a:lnRef>
+          <a:fillRef idx="0">
+            <a:schemeClr val="accent1"/>
+          </a:fillRef>
+          <a:effectRef idx="0">
+            <a:schemeClr val="accent1"/>
+          </a:effectRef>
+          <a:fontRef idx="minor">
+            <a:schemeClr val="tx1"/>
+          </a:fontRef>
+        </p:style>
+      </p:cxnSp>
+      <p:sp>
+        <p:nvSpPr>
+          <p:cNvPr id="47" name="TextBox 46">
+            <a:extLst>
+              <a:ext uri="{FF2B5EF4-FFF2-40B4-BE49-F238E27FC236}">
+                <a16:creationId xmlns:a16="http://schemas.microsoft.com/office/drawing/2014/main" id="{A892EFC1-A1C8-4B99-B45B-B2707A5608ED}"/>
+              </a:ext>
+            </a:extLst>
+          </p:cNvPr>
+          <p:cNvSpPr txBox="1"/>
+          <p:nvPr/>
+        </p:nvSpPr>
+        <p:spPr>
+          <a:xfrm>
+            <a:off x="2850942" y="3703817"/>
+            <a:ext cx="1268296" cy="369332"/>
+          </a:xfrm>
+          <a:prstGeom prst="rect">
+            <a:avLst/>
+          </a:prstGeom>
+          <a:noFill/>
+        </p:spPr>
+        <p:txBody>
+          <a:bodyPr wrap="none" rtlCol="0">
+            <a:spAutoFit/>
+          </a:bodyPr>
+          <a:lstStyle/>
+          <a:p>
+            <a:r>
+              <a:rPr lang="en-US" dirty="0"/>
+              <a:t>Rumble API</a:t>
+            </a:r>
+          </a:p>
+        </p:txBody>
+      </p:sp>
+      <p:sp>
+        <p:nvSpPr>
+          <p:cNvPr id="22" name="Rectangle 21">
+            <a:extLst>
+              <a:ext uri="{FF2B5EF4-FFF2-40B4-BE49-F238E27FC236}">
+                <a16:creationId xmlns:a16="http://schemas.microsoft.com/office/drawing/2014/main" id="{B041507E-625F-8640-A09A-C733074E728D}"/>
+              </a:ext>
+            </a:extLst>
+          </p:cNvPr>
+          <p:cNvSpPr/>
+          <p:nvPr/>
+        </p:nvSpPr>
+        <p:spPr>
+          <a:xfrm>
+            <a:off x="9081855" y="3417517"/>
+            <a:ext cx="1890944" cy="1003177"/>
+          </a:xfrm>
+          <a:prstGeom prst="rect">
+            <a:avLst/>
+          </a:prstGeom>
+          <a:solidFill>
+            <a:srgbClr val="92D050"/>
+          </a:solidFill>
+          <a:ln>
+            <a:noFill/>
+          </a:ln>
+        </p:spPr>
+        <p:style>
+          <a:lnRef idx="2">
+            <a:schemeClr val="dk1">
+              <a:shade val="50000"/>
+            </a:schemeClr>
+          </a:lnRef>
+          <a:fillRef idx="1">
+            <a:schemeClr val="dk1"/>
+          </a:fillRef>
+          <a:effectRef idx="0">
+            <a:schemeClr val="dk1"/>
+          </a:effectRef>
+          <a:fontRef idx="minor">
+            <a:schemeClr val="lt1"/>
+          </a:fontRef>
+        </p:style>
+        <p:txBody>
+          <a:bodyPr rtlCol="0" anchor="ctr"/>
+          <a:lstStyle/>
+          <a:p>
+            <a:pPr algn="ctr"/>
+            <a:r>
+              <a:rPr lang="en-US" dirty="0"/>
+              <a:t>XML Parser</a:t>
+            </a:r>
+          </a:p>
+          <a:p>
+            <a:pPr algn="ctr"/>
+            <a:r>
+              <a:rPr lang="en-US" dirty="0"/>
+              <a:t>Saxon</a:t>
+            </a:r>
+          </a:p>
+        </p:txBody>
+      </p:sp>
+      <p:cxnSp>
+        <p:nvCxnSpPr>
+          <p:cNvPr id="27" name="Straight Arrow Connector 26">
+            <a:extLst>
+              <a:ext uri="{FF2B5EF4-FFF2-40B4-BE49-F238E27FC236}">
+                <a16:creationId xmlns:a16="http://schemas.microsoft.com/office/drawing/2014/main" id="{05300F2B-CCFE-3C45-ACCF-1E8B98B29B44}"/>
+              </a:ext>
+            </a:extLst>
+          </p:cNvPr>
+          <p:cNvCxnSpPr>
+            <a:cxnSpLocks/>
+          </p:cNvCxnSpPr>
+          <p:nvPr/>
+        </p:nvCxnSpPr>
+        <p:spPr>
+          <a:xfrm>
+            <a:off x="9632271" y="2072657"/>
+            <a:ext cx="0" cy="1335985"/>
+          </a:xfrm>
+          <a:prstGeom prst="straightConnector1">
+            <a:avLst/>
+          </a:prstGeom>
+          <a:ln w="38100">
+            <a:tailEnd type="triangle"/>
+          </a:ln>
+        </p:spPr>
+        <p:style>
+          <a:lnRef idx="1">
+            <a:schemeClr val="accent1"/>
+          </a:lnRef>
+          <a:fillRef idx="0">
+            <a:schemeClr val="accent1"/>
+          </a:fillRef>
+          <a:effectRef idx="0">
+            <a:schemeClr val="accent1"/>
+          </a:effectRef>
+          <a:fontRef idx="minor">
+            <a:schemeClr val="tx1"/>
+          </a:fontRef>
+        </p:style>
+      </p:cxnSp>
+      <p:cxnSp>
+        <p:nvCxnSpPr>
+          <p:cNvPr id="28" name="Straight Arrow Connector 27">
+            <a:extLst>
+              <a:ext uri="{FF2B5EF4-FFF2-40B4-BE49-F238E27FC236}">
+                <a16:creationId xmlns:a16="http://schemas.microsoft.com/office/drawing/2014/main" id="{5307912C-1EA9-C843-8884-1B3360268107}"/>
+              </a:ext>
+            </a:extLst>
+          </p:cNvPr>
+          <p:cNvCxnSpPr>
+            <a:cxnSpLocks/>
+          </p:cNvCxnSpPr>
+          <p:nvPr/>
+        </p:nvCxnSpPr>
+        <p:spPr>
+          <a:xfrm flipV="1">
+            <a:off x="10406107" y="2072657"/>
+            <a:ext cx="0" cy="1335986"/>
+          </a:xfrm>
+          <a:prstGeom prst="straightConnector1">
+            <a:avLst/>
+          </a:prstGeom>
+          <a:ln w="38100">
+            <a:tailEnd type="triangle"/>
+          </a:ln>
+        </p:spPr>
+        <p:style>
+          <a:lnRef idx="1">
+            <a:schemeClr val="accent1"/>
+          </a:lnRef>
+          <a:fillRef idx="0">
+            <a:schemeClr val="accent1"/>
+          </a:fillRef>
+          <a:effectRef idx="0">
+            <a:schemeClr val="accent1"/>
+          </a:effectRef>
+          <a:fontRef idx="minor">
+            <a:schemeClr val="tx1"/>
+          </a:fontRef>
+        </p:style>
+      </p:cxnSp>
+      <p:cxnSp>
+        <p:nvCxnSpPr>
+          <p:cNvPr id="30" name="Straight Arrow Connector 29">
+            <a:extLst>
+              <a:ext uri="{FF2B5EF4-FFF2-40B4-BE49-F238E27FC236}">
+                <a16:creationId xmlns:a16="http://schemas.microsoft.com/office/drawing/2014/main" id="{05A353DE-76B5-944B-BC56-77E7F77BE34B}"/>
+              </a:ext>
+            </a:extLst>
+          </p:cNvPr>
+          <p:cNvCxnSpPr>
+            <a:cxnSpLocks/>
+          </p:cNvCxnSpPr>
+          <p:nvPr/>
+        </p:nvCxnSpPr>
+        <p:spPr>
+          <a:xfrm flipH="1">
+            <a:off x="7453527" y="3646174"/>
+            <a:ext cx="1628330" cy="0"/>
+          </a:xfrm>
+          <a:prstGeom prst="straightConnector1">
+            <a:avLst/>
+          </a:prstGeom>
+          <a:ln w="38100">
+            <a:tailEnd type="triangle"/>
+          </a:ln>
+        </p:spPr>
+        <p:style>
+          <a:lnRef idx="1">
+            <a:schemeClr val="accent1"/>
+          </a:lnRef>
+          <a:fillRef idx="0">
+            <a:schemeClr val="accent1"/>
+          </a:fillRef>
+          <a:effectRef idx="0">
+            <a:schemeClr val="accent1"/>
+          </a:effectRef>
+          <a:fontRef idx="minor">
+            <a:schemeClr val="tx1"/>
+          </a:fontRef>
+        </p:style>
+      </p:cxnSp>
+      <p:cxnSp>
+        <p:nvCxnSpPr>
+          <p:cNvPr id="31" name="Straight Arrow Connector 30">
+            <a:extLst>
+              <a:ext uri="{FF2B5EF4-FFF2-40B4-BE49-F238E27FC236}">
+                <a16:creationId xmlns:a16="http://schemas.microsoft.com/office/drawing/2014/main" id="{02A905DA-90BD-A749-8747-AF03008759BF}"/>
+              </a:ext>
+            </a:extLst>
+          </p:cNvPr>
+          <p:cNvCxnSpPr>
+            <a:cxnSpLocks/>
+          </p:cNvCxnSpPr>
+          <p:nvPr/>
+        </p:nvCxnSpPr>
+        <p:spPr>
+          <a:xfrm>
+            <a:off x="7453527" y="4133191"/>
+            <a:ext cx="1628328" cy="0"/>
+          </a:xfrm>
+          <a:prstGeom prst="straightConnector1">
+            <a:avLst/>
+          </a:prstGeom>
+          <a:ln w="38100">
+            <a:tailEnd type="triangle"/>
+          </a:ln>
+        </p:spPr>
+        <p:style>
+          <a:lnRef idx="1">
+            <a:schemeClr val="accent1"/>
+          </a:lnRef>
+          <a:fillRef idx="0">
+            <a:schemeClr val="accent1"/>
+          </a:fillRef>
+          <a:effectRef idx="0">
+            <a:schemeClr val="accent1"/>
+          </a:effectRef>
+          <a:fontRef idx="minor">
+            <a:schemeClr val="tx1"/>
+          </a:fontRef>
+        </p:style>
+      </p:cxnSp>
+      <p:sp>
+        <p:nvSpPr>
+          <p:cNvPr id="32" name="TextBox 31">
+            <a:extLst>
+              <a:ext uri="{FF2B5EF4-FFF2-40B4-BE49-F238E27FC236}">
+                <a16:creationId xmlns:a16="http://schemas.microsoft.com/office/drawing/2014/main" id="{F006DC89-50EE-5149-9E66-0E9B5DF1B40F}"/>
+              </a:ext>
+            </a:extLst>
+          </p:cNvPr>
+          <p:cNvSpPr txBox="1"/>
+          <p:nvPr/>
+        </p:nvSpPr>
+        <p:spPr>
+          <a:xfrm>
+            <a:off x="7767234" y="3690134"/>
+            <a:ext cx="1098058" cy="369332"/>
+          </a:xfrm>
+          <a:prstGeom prst="rect">
+            <a:avLst/>
+          </a:prstGeom>
+          <a:noFill/>
+        </p:spPr>
+        <p:txBody>
+          <a:bodyPr wrap="none" rtlCol="0">
+            <a:spAutoFit/>
+          </a:bodyPr>
+          <a:lstStyle/>
+          <a:p>
+            <a:r>
+              <a:rPr lang="en-US" dirty="0"/>
+              <a:t>Saxon API</a:t>
+            </a:r>
+          </a:p>
+        </p:txBody>
+      </p:sp>
+      <p:sp>
+        <p:nvSpPr>
+          <p:cNvPr id="23" name="Rectangle 22">
+            <a:extLst>
+              <a:ext uri="{FF2B5EF4-FFF2-40B4-BE49-F238E27FC236}">
+                <a16:creationId xmlns:a16="http://schemas.microsoft.com/office/drawing/2014/main" id="{940013A0-D87E-6347-BEC4-BCE27B43382B}"/>
+              </a:ext>
+            </a:extLst>
+          </p:cNvPr>
+          <p:cNvSpPr/>
+          <p:nvPr/>
+        </p:nvSpPr>
+        <p:spPr>
+          <a:xfrm>
+            <a:off x="807868" y="1069479"/>
+            <a:ext cx="1890944" cy="1003177"/>
+          </a:xfrm>
+          <a:prstGeom prst="rect">
+            <a:avLst/>
+          </a:prstGeom>
+          <a:solidFill>
+            <a:schemeClr val="accent2"/>
+          </a:solidFill>
+          <a:ln>
+            <a:noFill/>
+          </a:ln>
+        </p:spPr>
+        <p:style>
+          <a:lnRef idx="2">
+            <a:schemeClr val="dk1">
+              <a:shade val="50000"/>
+            </a:schemeClr>
+          </a:lnRef>
+          <a:fillRef idx="1">
+            <a:schemeClr val="dk1"/>
+          </a:fillRef>
+          <a:effectRef idx="0">
+            <a:schemeClr val="dk1"/>
+          </a:effectRef>
+          <a:fontRef idx="minor">
+            <a:schemeClr val="lt1"/>
+          </a:fontRef>
+        </p:style>
+        <p:txBody>
+          <a:bodyPr rtlCol="0" anchor="ctr"/>
+          <a:lstStyle/>
+          <a:p>
+            <a:pPr algn="ctr"/>
+            <a:r>
+              <a:rPr lang="en-US" dirty="0"/>
+              <a:t>QT3 Test Suite</a:t>
+            </a:r>
+          </a:p>
+        </p:txBody>
+      </p:sp>
+      <p:sp>
+        <p:nvSpPr>
+          <p:cNvPr id="26" name="Rectangle 25">
+            <a:extLst>
+              <a:ext uri="{FF2B5EF4-FFF2-40B4-BE49-F238E27FC236}">
+                <a16:creationId xmlns:a16="http://schemas.microsoft.com/office/drawing/2014/main" id="{C0CF7EA1-FF45-EF4F-84A1-DCF431634A39}"/>
+              </a:ext>
+            </a:extLst>
+          </p:cNvPr>
+          <p:cNvSpPr/>
+          <p:nvPr/>
+        </p:nvSpPr>
+        <p:spPr>
+          <a:xfrm>
+            <a:off x="3235666" y="1069478"/>
+            <a:ext cx="1890944" cy="1003177"/>
+          </a:xfrm>
+          <a:prstGeom prst="rect">
+            <a:avLst/>
+          </a:prstGeom>
+          <a:solidFill>
+            <a:schemeClr val="accent2"/>
+          </a:solidFill>
+          <a:ln>
+            <a:noFill/>
+          </a:ln>
+        </p:spPr>
+        <p:style>
+          <a:lnRef idx="2">
+            <a:schemeClr val="dk1">
+              <a:shade val="50000"/>
+            </a:schemeClr>
+          </a:lnRef>
+          <a:fillRef idx="1">
+            <a:schemeClr val="dk1"/>
+          </a:fillRef>
+          <a:effectRef idx="0">
+            <a:schemeClr val="dk1"/>
+          </a:effectRef>
+          <a:fontRef idx="minor">
+            <a:schemeClr val="lt1"/>
+          </a:fontRef>
+        </p:style>
+        <p:txBody>
+          <a:bodyPr rtlCol="0" anchor="ctr"/>
+          <a:lstStyle/>
+          <a:p>
+            <a:pPr algn="ctr"/>
+            <a:r>
+              <a:rPr lang="en-US" dirty="0"/>
+              <a:t>XML Parser</a:t>
+            </a:r>
+          </a:p>
+          <a:p>
+            <a:pPr algn="ctr"/>
+            <a:r>
+              <a:rPr lang="en-US" dirty="0"/>
+              <a:t>Saxon</a:t>
+            </a:r>
+          </a:p>
+        </p:txBody>
+      </p:sp>
+      <p:sp>
+        <p:nvSpPr>
+          <p:cNvPr id="37" name="Rectangle 36">
+            <a:extLst>
+              <a:ext uri="{FF2B5EF4-FFF2-40B4-BE49-F238E27FC236}">
+                <a16:creationId xmlns:a16="http://schemas.microsoft.com/office/drawing/2014/main" id="{73E915CE-A222-424C-8DCA-DF751DA88A9C}"/>
+              </a:ext>
+            </a:extLst>
+          </p:cNvPr>
+          <p:cNvSpPr/>
+          <p:nvPr/>
+        </p:nvSpPr>
+        <p:spPr>
+          <a:xfrm>
+            <a:off x="6654057" y="1069478"/>
+            <a:ext cx="1890944" cy="1003177"/>
+          </a:xfrm>
+          <a:prstGeom prst="rect">
+            <a:avLst/>
+          </a:prstGeom>
+          <a:solidFill>
+            <a:schemeClr val="accent2"/>
+          </a:solidFill>
+          <a:ln>
+            <a:noFill/>
+          </a:ln>
+        </p:spPr>
+        <p:style>
+          <a:lnRef idx="2">
+            <a:schemeClr val="dk1">
+              <a:shade val="50000"/>
+            </a:schemeClr>
+          </a:lnRef>
+          <a:fillRef idx="1">
+            <a:schemeClr val="dk1"/>
+          </a:fillRef>
+          <a:effectRef idx="0">
+            <a:schemeClr val="dk1"/>
+          </a:effectRef>
+          <a:fontRef idx="minor">
+            <a:schemeClr val="lt1"/>
+          </a:fontRef>
+        </p:style>
+        <p:txBody>
+          <a:bodyPr rtlCol="0" anchor="ctr"/>
+          <a:lstStyle/>
+          <a:p>
+            <a:pPr algn="ctr"/>
+            <a:r>
+              <a:rPr lang="en-US" dirty="0"/>
+              <a:t>Test Converter</a:t>
+            </a:r>
+          </a:p>
+        </p:txBody>
+      </p:sp>
+      <p:cxnSp>
+        <p:nvCxnSpPr>
+          <p:cNvPr id="38" name="Straight Arrow Connector 37">
+            <a:extLst>
+              <a:ext uri="{FF2B5EF4-FFF2-40B4-BE49-F238E27FC236}">
+                <a16:creationId xmlns:a16="http://schemas.microsoft.com/office/drawing/2014/main" id="{E12D3F2A-7F69-8946-8B15-4B1E788EA8F5}"/>
+              </a:ext>
+            </a:extLst>
+          </p:cNvPr>
+          <p:cNvCxnSpPr>
+            <a:cxnSpLocks/>
+            <a:stCxn id="23" idx="3"/>
+            <a:endCxn id="26" idx="1"/>
+          </p:cNvCxnSpPr>
+          <p:nvPr/>
+        </p:nvCxnSpPr>
+        <p:spPr>
+          <a:xfrm flipV="1">
+            <a:off x="2698812" y="1571067"/>
+            <a:ext cx="536854" cy="1"/>
+          </a:xfrm>
+          <a:prstGeom prst="straightConnector1">
+            <a:avLst/>
+          </a:prstGeom>
+          <a:ln w="38100">
+            <a:tailEnd type="triangle"/>
+          </a:ln>
+        </p:spPr>
+        <p:style>
+          <a:lnRef idx="1">
+            <a:schemeClr val="accent1"/>
+          </a:lnRef>
+          <a:fillRef idx="0">
+            <a:schemeClr val="accent1"/>
+          </a:fillRef>
+          <a:effectRef idx="0">
+            <a:schemeClr val="accent1"/>
+          </a:effectRef>
+          <a:fontRef idx="minor">
+            <a:schemeClr val="tx1"/>
+          </a:fontRef>
+        </p:style>
+      </p:cxnSp>
+      <p:cxnSp>
+        <p:nvCxnSpPr>
+          <p:cNvPr id="44" name="Straight Arrow Connector 43">
+            <a:extLst>
+              <a:ext uri="{FF2B5EF4-FFF2-40B4-BE49-F238E27FC236}">
+                <a16:creationId xmlns:a16="http://schemas.microsoft.com/office/drawing/2014/main" id="{C9BE4A52-7848-434A-BD5C-579808142E8D}"/>
+              </a:ext>
+            </a:extLst>
+          </p:cNvPr>
+          <p:cNvCxnSpPr>
+            <a:cxnSpLocks/>
+          </p:cNvCxnSpPr>
+          <p:nvPr/>
+        </p:nvCxnSpPr>
+        <p:spPr>
+          <a:xfrm flipV="1">
+            <a:off x="8545001" y="1571065"/>
+            <a:ext cx="536854" cy="1"/>
+          </a:xfrm>
+          <a:prstGeom prst="straightConnector1">
+            <a:avLst/>
+          </a:prstGeom>
+          <a:ln w="38100">
+            <a:tailEnd type="triangle"/>
+          </a:ln>
+        </p:spPr>
+        <p:style>
+          <a:lnRef idx="1">
+            <a:schemeClr val="accent1"/>
+          </a:lnRef>
+          <a:fillRef idx="0">
+            <a:schemeClr val="accent1"/>
+          </a:fillRef>
+          <a:effectRef idx="0">
+            <a:schemeClr val="accent1"/>
+          </a:effectRef>
+          <a:fontRef idx="minor">
+            <a:schemeClr val="tx1"/>
+          </a:fontRef>
+        </p:style>
+      </p:cxnSp>
+      <p:cxnSp>
+        <p:nvCxnSpPr>
+          <p:cNvPr id="45" name="Straight Arrow Connector 44">
+            <a:extLst>
+              <a:ext uri="{FF2B5EF4-FFF2-40B4-BE49-F238E27FC236}">
+                <a16:creationId xmlns:a16="http://schemas.microsoft.com/office/drawing/2014/main" id="{EEFE7A0C-95BF-534A-A470-CEB1CCDA2112}"/>
+              </a:ext>
+            </a:extLst>
+          </p:cNvPr>
+          <p:cNvCxnSpPr>
+            <a:cxnSpLocks/>
+          </p:cNvCxnSpPr>
+          <p:nvPr/>
+        </p:nvCxnSpPr>
+        <p:spPr>
+          <a:xfrm flipH="1">
+            <a:off x="5126610" y="1324406"/>
+            <a:ext cx="1527448" cy="0"/>
+          </a:xfrm>
+          <a:prstGeom prst="straightConnector1">
+            <a:avLst/>
+          </a:prstGeom>
+          <a:ln w="38100">
+            <a:tailEnd type="triangle"/>
+          </a:ln>
+        </p:spPr>
+        <p:style>
+          <a:lnRef idx="1">
+            <a:schemeClr val="accent1"/>
+          </a:lnRef>
+          <a:fillRef idx="0">
+            <a:schemeClr val="accent1"/>
+          </a:fillRef>
+          <a:effectRef idx="0">
+            <a:schemeClr val="accent1"/>
+          </a:effectRef>
+          <a:fontRef idx="minor">
+            <a:schemeClr val="tx1"/>
+          </a:fontRef>
+        </p:style>
+      </p:cxnSp>
+      <p:cxnSp>
+        <p:nvCxnSpPr>
+          <p:cNvPr id="46" name="Straight Arrow Connector 45">
+            <a:extLst>
+              <a:ext uri="{FF2B5EF4-FFF2-40B4-BE49-F238E27FC236}">
+                <a16:creationId xmlns:a16="http://schemas.microsoft.com/office/drawing/2014/main" id="{56AFCB43-CDF6-2341-A3E2-6CB25304DCA2}"/>
+              </a:ext>
+            </a:extLst>
+          </p:cNvPr>
+          <p:cNvCxnSpPr>
+            <a:cxnSpLocks/>
+          </p:cNvCxnSpPr>
+          <p:nvPr/>
+        </p:nvCxnSpPr>
+        <p:spPr>
+          <a:xfrm>
+            <a:off x="5126610" y="1811423"/>
+            <a:ext cx="1527447" cy="0"/>
+          </a:xfrm>
+          <a:prstGeom prst="straightConnector1">
+            <a:avLst/>
+          </a:prstGeom>
+          <a:ln w="38100">
+            <a:tailEnd type="triangle"/>
+          </a:ln>
+        </p:spPr>
+        <p:style>
+          <a:lnRef idx="1">
+            <a:schemeClr val="accent1"/>
+          </a:lnRef>
+          <a:fillRef idx="0">
+            <a:schemeClr val="accent1"/>
+          </a:fillRef>
+          <a:effectRef idx="0">
+            <a:schemeClr val="accent1"/>
+          </a:effectRef>
+          <a:fontRef idx="minor">
+            <a:schemeClr val="tx1"/>
+          </a:fontRef>
+        </p:style>
+      </p:cxnSp>
+      <p:sp>
+        <p:nvSpPr>
+          <p:cNvPr id="48" name="TextBox 47">
+            <a:extLst>
+              <a:ext uri="{FF2B5EF4-FFF2-40B4-BE49-F238E27FC236}">
+                <a16:creationId xmlns:a16="http://schemas.microsoft.com/office/drawing/2014/main" id="{C7792C75-D1EF-E84E-9E93-F076A43FACD5}"/>
+              </a:ext>
+            </a:extLst>
+          </p:cNvPr>
+          <p:cNvSpPr txBox="1"/>
+          <p:nvPr/>
+        </p:nvSpPr>
+        <p:spPr>
+          <a:xfrm>
+            <a:off x="5389875" y="1368366"/>
+            <a:ext cx="1098058" cy="369332"/>
+          </a:xfrm>
+          <a:prstGeom prst="rect">
+            <a:avLst/>
+          </a:prstGeom>
+          <a:noFill/>
+        </p:spPr>
+        <p:txBody>
+          <a:bodyPr wrap="none" rtlCol="0">
+            <a:spAutoFit/>
+          </a:bodyPr>
+          <a:lstStyle/>
+          <a:p>
+            <a:r>
+              <a:rPr lang="en-US" dirty="0"/>
+              <a:t>Saxon API</a:t>
+            </a:r>
           </a:p>
         </p:txBody>
       </p:sp>
     </p:spTree>
     <p:extLst>
       <p:ext uri="{BB962C8B-B14F-4D97-AF65-F5344CB8AC3E}">
-        <p14:creationId xmlns:p14="http://schemas.microsoft.com/office/powerpoint/2010/main" val="1897876379"/>
+        <p14:creationId xmlns:p14="http://schemas.microsoft.com/office/powerpoint/2010/main" val="165205649"/>
       </p:ext>
     </p:extLst>
   </p:cSld>
@@ -7829,71 +10847,6 @@
       </p:grpSpPr>
       <p:sp>
         <p:nvSpPr>
-          <p:cNvPr id="3" name="TextBox 2">
-            <a:extLst>
-              <a:ext uri="{FF2B5EF4-FFF2-40B4-BE49-F238E27FC236}">
-                <a16:creationId xmlns:a16="http://schemas.microsoft.com/office/drawing/2014/main" id="{F175A308-E166-457C-A2BA-E646555DF839}"/>
-              </a:ext>
-            </a:extLst>
-          </p:cNvPr>
-          <p:cNvSpPr txBox="1"/>
-          <p:nvPr/>
-        </p:nvSpPr>
-        <p:spPr>
-          <a:xfrm>
-            <a:off x="9078154" y="2253677"/>
-            <a:ext cx="3113845" cy="1569660"/>
-          </a:xfrm>
-          <a:prstGeom prst="rect">
-            <a:avLst/>
-          </a:prstGeom>
-          <a:noFill/>
-          <a:ln>
-            <a:solidFill>
-              <a:schemeClr val="tx1"/>
-            </a:solidFill>
-            <a:prstDash val="lgDash"/>
-          </a:ln>
-        </p:spPr>
-        <p:txBody>
-          <a:bodyPr wrap="square" rtlCol="0">
-            <a:spAutoFit/>
-          </a:bodyPr>
-          <a:lstStyle/>
-          <a:p>
-            <a:r>
-              <a:rPr lang="en-US" sz="1200" dirty="0"/>
-              <a:t>Part 2: The outputs of previous Test Reports Handling Logic should be taken into account to  fix the implementation of Test Case Handling Logic. In essence, small convertor can be applied that could translate </a:t>
-            </a:r>
-            <a:r>
-              <a:rPr lang="en-US" sz="1200" dirty="0" err="1"/>
-              <a:t>xs:int</a:t>
-            </a:r>
-            <a:r>
-              <a:rPr lang="en-US" sz="1200" dirty="0"/>
-              <a:t> or </a:t>
-            </a:r>
-            <a:r>
-              <a:rPr lang="en-US" sz="1200" dirty="0" err="1"/>
-              <a:t>xs:integer</a:t>
-            </a:r>
-            <a:r>
-              <a:rPr lang="en-US" sz="1200" dirty="0"/>
-              <a:t> into integer within the test-case. Or other differences between XQuery and </a:t>
-            </a:r>
-            <a:r>
-              <a:rPr lang="en-US" sz="1200" dirty="0" err="1"/>
-              <a:t>JSONiq</a:t>
-            </a:r>
-            <a:r>
-              <a:rPr lang="en-US" sz="1200" dirty="0"/>
-              <a:t> and also log the conversion that was performed</a:t>
-            </a:r>
-          </a:p>
-        </p:txBody>
-      </p:sp>
-      <p:sp>
-        <p:nvSpPr>
           <p:cNvPr id="5" name="Rectangle 4">
             <a:extLst>
               <a:ext uri="{FF2B5EF4-FFF2-40B4-BE49-F238E27FC236}">
@@ -7906,8 +10859,8 @@
         </p:nvSpPr>
         <p:spPr>
           <a:xfrm>
-            <a:off x="3657600" y="457198"/>
-            <a:ext cx="4465468" cy="6130025"/>
+            <a:off x="3657600" y="457199"/>
+            <a:ext cx="4465468" cy="3866441"/>
           </a:xfrm>
           <a:prstGeom prst="rect">
             <a:avLst/>
@@ -7964,12 +10917,18 @@
         </p:nvSpPr>
         <p:spPr>
           <a:xfrm>
-            <a:off x="809557" y="3931320"/>
+            <a:off x="807868" y="2707689"/>
             <a:ext cx="1890944" cy="1003177"/>
           </a:xfrm>
           <a:prstGeom prst="rect">
             <a:avLst/>
           </a:prstGeom>
+          <a:solidFill>
+            <a:schemeClr val="tx1">
+              <a:lumMod val="75000"/>
+              <a:lumOff val="25000"/>
+            </a:schemeClr>
+          </a:solidFill>
         </p:spPr>
         <p:style>
           <a:lnRef idx="2">
@@ -8001,10 +10960,10 @@
       </p:sp>
       <p:sp>
         <p:nvSpPr>
-          <p:cNvPr id="8" name="Rectangle 7">
-            <a:extLst>
-              <a:ext uri="{FF2B5EF4-FFF2-40B4-BE49-F238E27FC236}">
-                <a16:creationId xmlns:a16="http://schemas.microsoft.com/office/drawing/2014/main" id="{A60B3A32-B413-47A3-BFB9-39910D6805CB}"/>
+          <p:cNvPr id="19" name="Rectangle 18">
+            <a:extLst>
+              <a:ext uri="{FF2B5EF4-FFF2-40B4-BE49-F238E27FC236}">
+                <a16:creationId xmlns:a16="http://schemas.microsoft.com/office/drawing/2014/main" id="{D4893B53-3DD0-43A2-8A86-3EA2DE32C5A3}"/>
               </a:ext>
             </a:extLst>
           </p:cNvPr>
@@ -8013,12 +10972,18 @@
         </p:nvSpPr>
         <p:spPr>
           <a:xfrm>
-            <a:off x="809557" y="5584046"/>
+            <a:off x="9081855" y="3231522"/>
             <a:ext cx="1890944" cy="1003177"/>
           </a:xfrm>
           <a:prstGeom prst="rect">
             <a:avLst/>
           </a:prstGeom>
+          <a:solidFill>
+            <a:srgbClr val="92D050"/>
+          </a:solidFill>
+          <a:ln>
+            <a:noFill/>
+          </a:ln>
         </p:spPr>
         <p:style>
           <a:lnRef idx="2">
@@ -8043,187 +11008,17 @@
             <a:pPr algn="ctr"/>
             <a:r>
               <a:rPr lang="en-US" dirty="0"/>
-              <a:t>SPARK</a:t>
-            </a:r>
-          </a:p>
-        </p:txBody>
-      </p:sp>
-      <p:cxnSp>
-        <p:nvCxnSpPr>
-          <p:cNvPr id="10" name="Straight Arrow Connector 9">
-            <a:extLst>
-              <a:ext uri="{FF2B5EF4-FFF2-40B4-BE49-F238E27FC236}">
-                <a16:creationId xmlns:a16="http://schemas.microsoft.com/office/drawing/2014/main" id="{BB0AAEB6-0F4B-441B-8D85-640CFA52D4FE}"/>
-              </a:ext>
-            </a:extLst>
-          </p:cNvPr>
-          <p:cNvCxnSpPr/>
-          <p:nvPr/>
-        </p:nvCxnSpPr>
-        <p:spPr>
-          <a:xfrm>
-            <a:off x="1351095" y="4952252"/>
-            <a:ext cx="0" cy="631794"/>
-          </a:xfrm>
-          <a:prstGeom prst="straightConnector1">
-            <a:avLst/>
-          </a:prstGeom>
-          <a:ln w="38100">
-            <a:tailEnd type="triangle"/>
-          </a:ln>
-        </p:spPr>
-        <p:style>
-          <a:lnRef idx="1">
-            <a:schemeClr val="accent1"/>
-          </a:lnRef>
-          <a:fillRef idx="0">
-            <a:schemeClr val="accent1"/>
-          </a:fillRef>
-          <a:effectRef idx="0">
-            <a:schemeClr val="accent1"/>
-          </a:effectRef>
-          <a:fontRef idx="minor">
-            <a:schemeClr val="tx1"/>
-          </a:fontRef>
-        </p:style>
-      </p:cxnSp>
-      <p:cxnSp>
-        <p:nvCxnSpPr>
-          <p:cNvPr id="11" name="Straight Arrow Connector 10">
-            <a:extLst>
-              <a:ext uri="{FF2B5EF4-FFF2-40B4-BE49-F238E27FC236}">
-                <a16:creationId xmlns:a16="http://schemas.microsoft.com/office/drawing/2014/main" id="{FD0B535D-01A9-4B4C-A56E-E5D5657AC1DD}"/>
-              </a:ext>
-            </a:extLst>
-          </p:cNvPr>
-          <p:cNvCxnSpPr>
-            <a:cxnSpLocks/>
-          </p:cNvCxnSpPr>
-          <p:nvPr/>
-        </p:nvCxnSpPr>
-        <p:spPr>
-          <a:xfrm flipV="1">
-            <a:off x="2124931" y="4934497"/>
-            <a:ext cx="0" cy="649549"/>
-          </a:xfrm>
-          <a:prstGeom prst="straightConnector1">
-            <a:avLst/>
-          </a:prstGeom>
-          <a:ln w="38100">
-            <a:tailEnd type="triangle"/>
-          </a:ln>
-        </p:spPr>
-        <p:style>
-          <a:lnRef idx="1">
-            <a:schemeClr val="accent1"/>
-          </a:lnRef>
-          <a:fillRef idx="0">
-            <a:schemeClr val="accent1"/>
-          </a:fillRef>
-          <a:effectRef idx="0">
-            <a:schemeClr val="accent1"/>
-          </a:effectRef>
-          <a:fontRef idx="minor">
-            <a:schemeClr val="tx1"/>
-          </a:fontRef>
-        </p:style>
-      </p:cxnSp>
-      <p:sp>
-        <p:nvSpPr>
-          <p:cNvPr id="17" name="TextBox 16">
-            <a:extLst>
-              <a:ext uri="{FF2B5EF4-FFF2-40B4-BE49-F238E27FC236}">
-                <a16:creationId xmlns:a16="http://schemas.microsoft.com/office/drawing/2014/main" id="{8EE8EC3D-C1FF-4F91-8A2C-B621CC074066}"/>
-              </a:ext>
-            </a:extLst>
-          </p:cNvPr>
-          <p:cNvSpPr txBox="1"/>
-          <p:nvPr/>
-        </p:nvSpPr>
-        <p:spPr>
-          <a:xfrm>
-            <a:off x="739827" y="2999906"/>
-            <a:ext cx="2144881" cy="830997"/>
-          </a:xfrm>
-          <a:prstGeom prst="rect">
-            <a:avLst/>
-          </a:prstGeom>
-          <a:noFill/>
-          <a:ln>
-            <a:solidFill>
-              <a:schemeClr val="tx1"/>
-            </a:solidFill>
-            <a:prstDash val="lgDash"/>
-          </a:ln>
-        </p:spPr>
-        <p:txBody>
-          <a:bodyPr wrap="square" rtlCol="0">
-            <a:spAutoFit/>
-          </a:bodyPr>
-          <a:lstStyle/>
-          <a:p>
-            <a:r>
-              <a:rPr lang="en-US" sz="1200" dirty="0"/>
-              <a:t>Rumble we view as a </a:t>
-            </a:r>
-            <a:r>
-              <a:rPr lang="en-US" sz="1200" dirty="0" err="1"/>
-              <a:t>blackbox</a:t>
-            </a:r>
-            <a:r>
-              <a:rPr lang="en-US" sz="1200" dirty="0"/>
-              <a:t>. It is not in our interest what it does with Spark. We just need to get the query results from it!</a:t>
-            </a:r>
-          </a:p>
-        </p:txBody>
-      </p:sp>
-      <p:sp>
-        <p:nvSpPr>
-          <p:cNvPr id="18" name="TextBox 17">
-            <a:extLst>
-              <a:ext uri="{FF2B5EF4-FFF2-40B4-BE49-F238E27FC236}">
-                <a16:creationId xmlns:a16="http://schemas.microsoft.com/office/drawing/2014/main" id="{E67BD72C-01B8-478F-BC2F-1DA0248D19EE}"/>
-              </a:ext>
-            </a:extLst>
-          </p:cNvPr>
-          <p:cNvSpPr txBox="1"/>
-          <p:nvPr/>
-        </p:nvSpPr>
-        <p:spPr>
-          <a:xfrm>
-            <a:off x="745540" y="438510"/>
-            <a:ext cx="2144881" cy="1569660"/>
-          </a:xfrm>
-          <a:prstGeom prst="rect">
-            <a:avLst/>
-          </a:prstGeom>
-          <a:noFill/>
-          <a:ln>
-            <a:solidFill>
-              <a:schemeClr val="tx1"/>
-            </a:solidFill>
-            <a:prstDash val="lgDash"/>
-          </a:ln>
-        </p:spPr>
-        <p:txBody>
-          <a:bodyPr wrap="square" rtlCol="0">
-            <a:spAutoFit/>
-          </a:bodyPr>
-          <a:lstStyle/>
-          <a:p>
-            <a:r>
-              <a:rPr lang="en-US" sz="1200" dirty="0"/>
-              <a:t>XML Parser. We can use some of already existing API's for XML parsing and processing. JAXP is one of them but I am not sure whether 1.6v is good for XQuery 3.1. Proposition is to use Saxon classes for this. Basically any external library</a:t>
-            </a:r>
-          </a:p>
-        </p:txBody>
-      </p:sp>
-      <p:sp>
-        <p:nvSpPr>
-          <p:cNvPr id="19" name="Rectangle 18">
-            <a:extLst>
-              <a:ext uri="{FF2B5EF4-FFF2-40B4-BE49-F238E27FC236}">
-                <a16:creationId xmlns:a16="http://schemas.microsoft.com/office/drawing/2014/main" id="{D4893B53-3DD0-43A2-8A86-3EA2DE32C5A3}"/>
+              <a:t>QT3 Test Suite</a:t>
+            </a:r>
+          </a:p>
+        </p:txBody>
+      </p:sp>
+      <p:sp>
+        <p:nvSpPr>
+          <p:cNvPr id="20" name="Rectangle 19">
+            <a:extLst>
+              <a:ext uri="{FF2B5EF4-FFF2-40B4-BE49-F238E27FC236}">
+                <a16:creationId xmlns:a16="http://schemas.microsoft.com/office/drawing/2014/main" id="{5B5D5F0E-627F-43B7-BD5E-4F8A8E434731}"/>
               </a:ext>
             </a:extLst>
           </p:cNvPr>
@@ -8232,60 +11027,8 @@
         </p:nvSpPr>
         <p:spPr>
           <a:xfrm>
-            <a:off x="9485789" y="1072718"/>
-            <a:ext cx="1890944" cy="1003177"/>
-          </a:xfrm>
-          <a:prstGeom prst="rect">
-            <a:avLst/>
-          </a:prstGeom>
-          <a:solidFill>
-            <a:srgbClr val="92D050"/>
-          </a:solidFill>
-        </p:spPr>
-        <p:style>
-          <a:lnRef idx="2">
-            <a:schemeClr val="dk1">
-              <a:shade val="50000"/>
-            </a:schemeClr>
-          </a:lnRef>
-          <a:fillRef idx="1">
-            <a:schemeClr val="dk1"/>
-          </a:fillRef>
-          <a:effectRef idx="0">
-            <a:schemeClr val="dk1"/>
-          </a:effectRef>
-          <a:fontRef idx="minor">
-            <a:schemeClr val="lt1"/>
-          </a:fontRef>
-        </p:style>
-        <p:txBody>
-          <a:bodyPr rtlCol="0" anchor="ctr"/>
-          <a:lstStyle/>
-          <a:p>
-            <a:pPr algn="ctr"/>
-            <a:r>
-              <a:rPr lang="en-US" dirty="0"/>
-              <a:t>QT3 Test Suite</a:t>
-            </a:r>
-          </a:p>
-        </p:txBody>
-      </p:sp>
-      <p:sp>
-        <p:nvSpPr>
-          <p:cNvPr id="20" name="Rectangle 19">
-            <a:extLst>
-              <a:ext uri="{FF2B5EF4-FFF2-40B4-BE49-F238E27FC236}">
-                <a16:creationId xmlns:a16="http://schemas.microsoft.com/office/drawing/2014/main" id="{5B5D5F0E-627F-43B7-BD5E-4F8A8E434731}"/>
-              </a:ext>
-            </a:extLst>
-          </p:cNvPr>
-          <p:cNvSpPr/>
-          <p:nvPr/>
-        </p:nvSpPr>
-        <p:spPr>
-          <a:xfrm>
             <a:off x="4119239" y="1072718"/>
-            <a:ext cx="3542190" cy="3879534"/>
+            <a:ext cx="3542190" cy="3013860"/>
           </a:xfrm>
           <a:prstGeom prst="rect">
             <a:avLst/>
@@ -8312,17 +11055,17 @@
             <a:pPr algn="ctr"/>
             <a:r>
               <a:rPr lang="en-US" dirty="0"/>
-              <a:t>Test Driver</a:t>
-            </a:r>
-          </a:p>
-        </p:txBody>
-      </p:sp>
-      <p:sp>
-        <p:nvSpPr>
-          <p:cNvPr id="21" name="Rectangle 20">
-            <a:extLst>
-              <a:ext uri="{FF2B5EF4-FFF2-40B4-BE49-F238E27FC236}">
-                <a16:creationId xmlns:a16="http://schemas.microsoft.com/office/drawing/2014/main" id="{E4EDF9E3-396E-42EE-B4EA-512947F1B243}"/>
+              <a:t>Test Converter</a:t>
+            </a:r>
+          </a:p>
+        </p:txBody>
+      </p:sp>
+      <p:sp>
+        <p:nvSpPr>
+          <p:cNvPr id="25" name="Rectangle 24">
+            <a:extLst>
+              <a:ext uri="{FF2B5EF4-FFF2-40B4-BE49-F238E27FC236}">
+                <a16:creationId xmlns:a16="http://schemas.microsoft.com/office/drawing/2014/main" id="{E8CC4A4D-C085-48F9-A50A-FE763AB34C70}"/>
               </a:ext>
             </a:extLst>
           </p:cNvPr>
@@ -8331,95 +11074,7 @@
         </p:nvSpPr>
         <p:spPr>
           <a:xfrm>
-            <a:off x="4119239" y="5433542"/>
-            <a:ext cx="3542190" cy="1003176"/>
-          </a:xfrm>
-          <a:prstGeom prst="rect">
-            <a:avLst/>
-          </a:prstGeom>
-        </p:spPr>
-        <p:style>
-          <a:lnRef idx="1">
-            <a:schemeClr val="accent5"/>
-          </a:lnRef>
-          <a:fillRef idx="2">
-            <a:schemeClr val="accent5"/>
-          </a:fillRef>
-          <a:effectRef idx="1">
-            <a:schemeClr val="accent5"/>
-          </a:effectRef>
-          <a:fontRef idx="minor">
-            <a:schemeClr val="dk1"/>
-          </a:fontRef>
-        </p:style>
-        <p:txBody>
-          <a:bodyPr rtlCol="0" anchor="ctr"/>
-          <a:lstStyle/>
-          <a:p>
-            <a:pPr algn="ctr"/>
-            <a:r>
-              <a:rPr lang="en-US" dirty="0"/>
-              <a:t>Test Report</a:t>
-            </a:r>
-          </a:p>
-        </p:txBody>
-      </p:sp>
-      <p:cxnSp>
-        <p:nvCxnSpPr>
-          <p:cNvPr id="22" name="Straight Arrow Connector 21">
-            <a:extLst>
-              <a:ext uri="{FF2B5EF4-FFF2-40B4-BE49-F238E27FC236}">
-                <a16:creationId xmlns:a16="http://schemas.microsoft.com/office/drawing/2014/main" id="{E99BB4C7-61B0-4C23-B3B9-7A5B5698634B}"/>
-              </a:ext>
-            </a:extLst>
-          </p:cNvPr>
-          <p:cNvCxnSpPr>
-            <a:cxnSpLocks/>
-          </p:cNvCxnSpPr>
-          <p:nvPr/>
-        </p:nvCxnSpPr>
-        <p:spPr>
-          <a:xfrm>
-            <a:off x="5890333" y="4952252"/>
-            <a:ext cx="0" cy="481290"/>
-          </a:xfrm>
-          <a:prstGeom prst="straightConnector1">
-            <a:avLst/>
-          </a:prstGeom>
-          <a:ln w="38100">
-            <a:tailEnd type="triangle"/>
-          </a:ln>
-        </p:spPr>
-        <p:style>
-          <a:lnRef idx="1">
-            <a:schemeClr val="accent1"/>
-          </a:lnRef>
-          <a:fillRef idx="0">
-            <a:schemeClr val="accent1"/>
-          </a:fillRef>
-          <a:effectRef idx="0">
-            <a:schemeClr val="accent1"/>
-          </a:effectRef>
-          <a:fontRef idx="minor">
-            <a:schemeClr val="tx1"/>
-          </a:fontRef>
-        </p:style>
-      </p:cxnSp>
-      <p:sp>
-        <p:nvSpPr>
-          <p:cNvPr id="6" name="Rectangle 5">
-            <a:extLst>
-              <a:ext uri="{FF2B5EF4-FFF2-40B4-BE49-F238E27FC236}">
-                <a16:creationId xmlns:a16="http://schemas.microsoft.com/office/drawing/2014/main" id="{75738B42-8D5C-4EE5-8FBB-2AA5C8F1B02A}"/>
-              </a:ext>
-            </a:extLst>
-          </p:cNvPr>
-          <p:cNvSpPr/>
-          <p:nvPr/>
-        </p:nvSpPr>
-        <p:spPr>
-          <a:xfrm>
-            <a:off x="4327140" y="1574306"/>
+            <a:off x="4327140" y="2774403"/>
             <a:ext cx="3126387" cy="869747"/>
           </a:xfrm>
           <a:prstGeom prst="rect">
@@ -8453,17 +11108,435 @@
             <a:pPr algn="ctr"/>
             <a:r>
               <a:rPr lang="en-US" dirty="0"/>
+              <a:t>Converter</a:t>
+            </a:r>
+          </a:p>
+        </p:txBody>
+      </p:sp>
+      <p:cxnSp>
+        <p:nvCxnSpPr>
+          <p:cNvPr id="29" name="Straight Arrow Connector 28">
+            <a:extLst>
+              <a:ext uri="{FF2B5EF4-FFF2-40B4-BE49-F238E27FC236}">
+                <a16:creationId xmlns:a16="http://schemas.microsoft.com/office/drawing/2014/main" id="{FED9F672-8BFD-454A-85F6-0A26AAA3CE6A}"/>
+              </a:ext>
+            </a:extLst>
+          </p:cNvPr>
+          <p:cNvCxnSpPr>
+            <a:cxnSpLocks/>
+          </p:cNvCxnSpPr>
+          <p:nvPr/>
+        </p:nvCxnSpPr>
+        <p:spPr>
+          <a:xfrm flipH="1">
+            <a:off x="2698812" y="2941983"/>
+            <a:ext cx="1628330" cy="0"/>
+          </a:xfrm>
+          <a:prstGeom prst="straightConnector1">
+            <a:avLst/>
+          </a:prstGeom>
+          <a:ln w="38100">
+            <a:tailEnd type="triangle"/>
+          </a:ln>
+        </p:spPr>
+        <p:style>
+          <a:lnRef idx="1">
+            <a:schemeClr val="accent1"/>
+          </a:lnRef>
+          <a:fillRef idx="0">
+            <a:schemeClr val="accent1"/>
+          </a:fillRef>
+          <a:effectRef idx="0">
+            <a:schemeClr val="accent1"/>
+          </a:effectRef>
+          <a:fontRef idx="minor">
+            <a:schemeClr val="tx1"/>
+          </a:fontRef>
+        </p:style>
+      </p:cxnSp>
+      <p:cxnSp>
+        <p:nvCxnSpPr>
+          <p:cNvPr id="34" name="Straight Arrow Connector 33">
+            <a:extLst>
+              <a:ext uri="{FF2B5EF4-FFF2-40B4-BE49-F238E27FC236}">
+                <a16:creationId xmlns:a16="http://schemas.microsoft.com/office/drawing/2014/main" id="{C33C8F52-24DB-4452-952C-66B7CD00C034}"/>
+              </a:ext>
+            </a:extLst>
+          </p:cNvPr>
+          <p:cNvCxnSpPr>
+            <a:cxnSpLocks/>
+          </p:cNvCxnSpPr>
+          <p:nvPr/>
+        </p:nvCxnSpPr>
+        <p:spPr>
+          <a:xfrm>
+            <a:off x="2698812" y="3429000"/>
+            <a:ext cx="1628328" cy="0"/>
+          </a:xfrm>
+          <a:prstGeom prst="straightConnector1">
+            <a:avLst/>
+          </a:prstGeom>
+          <a:ln w="38100">
+            <a:tailEnd type="triangle"/>
+          </a:ln>
+        </p:spPr>
+        <p:style>
+          <a:lnRef idx="1">
+            <a:schemeClr val="accent1"/>
+          </a:lnRef>
+          <a:fillRef idx="0">
+            <a:schemeClr val="accent1"/>
+          </a:fillRef>
+          <a:effectRef idx="0">
+            <a:schemeClr val="accent1"/>
+          </a:effectRef>
+          <a:fontRef idx="minor">
+            <a:schemeClr val="tx1"/>
+          </a:fontRef>
+        </p:style>
+      </p:cxnSp>
+      <p:cxnSp>
+        <p:nvCxnSpPr>
+          <p:cNvPr id="41" name="Straight Arrow Connector 40">
+            <a:extLst>
+              <a:ext uri="{FF2B5EF4-FFF2-40B4-BE49-F238E27FC236}">
+                <a16:creationId xmlns:a16="http://schemas.microsoft.com/office/drawing/2014/main" id="{6770061F-2C72-4E6B-BC9E-DDA6A48D168E}"/>
+              </a:ext>
+            </a:extLst>
+          </p:cNvPr>
+          <p:cNvCxnSpPr>
+            <a:cxnSpLocks/>
+            <a:endCxn id="24" idx="0"/>
+          </p:cNvCxnSpPr>
+          <p:nvPr/>
+        </p:nvCxnSpPr>
+        <p:spPr>
+          <a:xfrm>
+            <a:off x="5890332" y="3655475"/>
+            <a:ext cx="0" cy="798228"/>
+          </a:xfrm>
+          <a:prstGeom prst="straightConnector1">
+            <a:avLst/>
+          </a:prstGeom>
+          <a:ln w="38100">
+            <a:tailEnd type="triangle"/>
+          </a:ln>
+        </p:spPr>
+        <p:style>
+          <a:lnRef idx="1">
+            <a:schemeClr val="accent1"/>
+          </a:lnRef>
+          <a:fillRef idx="0">
+            <a:schemeClr val="accent1"/>
+          </a:fillRef>
+          <a:effectRef idx="0">
+            <a:schemeClr val="accent1"/>
+          </a:effectRef>
+          <a:fontRef idx="minor">
+            <a:schemeClr val="tx1"/>
+          </a:fontRef>
+        </p:style>
+      </p:cxnSp>
+      <p:sp>
+        <p:nvSpPr>
+          <p:cNvPr id="47" name="TextBox 46">
+            <a:extLst>
+              <a:ext uri="{FF2B5EF4-FFF2-40B4-BE49-F238E27FC236}">
+                <a16:creationId xmlns:a16="http://schemas.microsoft.com/office/drawing/2014/main" id="{A892EFC1-A1C8-4B99-B45B-B2707A5608ED}"/>
+              </a:ext>
+            </a:extLst>
+          </p:cNvPr>
+          <p:cNvSpPr txBox="1"/>
+          <p:nvPr/>
+        </p:nvSpPr>
+        <p:spPr>
+          <a:xfrm>
+            <a:off x="2850942" y="2999626"/>
+            <a:ext cx="1268296" cy="369332"/>
+          </a:xfrm>
+          <a:prstGeom prst="rect">
+            <a:avLst/>
+          </a:prstGeom>
+          <a:noFill/>
+        </p:spPr>
+        <p:txBody>
+          <a:bodyPr wrap="none" rtlCol="0">
+            <a:spAutoFit/>
+          </a:bodyPr>
+          <a:lstStyle/>
+          <a:p>
+            <a:r>
+              <a:rPr lang="en-US" dirty="0"/>
+              <a:t>Rumble API</a:t>
+            </a:r>
+          </a:p>
+        </p:txBody>
+      </p:sp>
+      <p:sp>
+        <p:nvSpPr>
+          <p:cNvPr id="22" name="Rectangle 21">
+            <a:extLst>
+              <a:ext uri="{FF2B5EF4-FFF2-40B4-BE49-F238E27FC236}">
+                <a16:creationId xmlns:a16="http://schemas.microsoft.com/office/drawing/2014/main" id="{B041507E-625F-8640-A09A-C733074E728D}"/>
+              </a:ext>
+            </a:extLst>
+          </p:cNvPr>
+          <p:cNvSpPr/>
+          <p:nvPr/>
+        </p:nvSpPr>
+        <p:spPr>
+          <a:xfrm>
+            <a:off x="9081855" y="1584433"/>
+            <a:ext cx="1890944" cy="1003177"/>
+          </a:xfrm>
+          <a:prstGeom prst="rect">
+            <a:avLst/>
+          </a:prstGeom>
+          <a:solidFill>
+            <a:srgbClr val="92D050"/>
+          </a:solidFill>
+          <a:ln>
+            <a:noFill/>
+          </a:ln>
+        </p:spPr>
+        <p:style>
+          <a:lnRef idx="2">
+            <a:schemeClr val="dk1">
+              <a:shade val="50000"/>
+            </a:schemeClr>
+          </a:lnRef>
+          <a:fillRef idx="1">
+            <a:schemeClr val="dk1"/>
+          </a:fillRef>
+          <a:effectRef idx="0">
+            <a:schemeClr val="dk1"/>
+          </a:effectRef>
+          <a:fontRef idx="minor">
+            <a:schemeClr val="lt1"/>
+          </a:fontRef>
+        </p:style>
+        <p:txBody>
+          <a:bodyPr rtlCol="0" anchor="ctr"/>
+          <a:lstStyle/>
+          <a:p>
+            <a:pPr algn="ctr"/>
+            <a:r>
+              <a:rPr lang="en-US" dirty="0"/>
               <a:t>XML Parser</a:t>
             </a:r>
           </a:p>
-        </p:txBody>
-      </p:sp>
-      <p:sp>
-        <p:nvSpPr>
-          <p:cNvPr id="25" name="Rectangle 24">
-            <a:extLst>
-              <a:ext uri="{FF2B5EF4-FFF2-40B4-BE49-F238E27FC236}">
-                <a16:creationId xmlns:a16="http://schemas.microsoft.com/office/drawing/2014/main" id="{E8CC4A4D-C085-48F9-A50A-FE763AB34C70}"/>
+          <a:p>
+            <a:pPr algn="ctr"/>
+            <a:r>
+              <a:rPr lang="en-US" dirty="0"/>
+              <a:t>Saxon</a:t>
+            </a:r>
+          </a:p>
+        </p:txBody>
+      </p:sp>
+      <p:cxnSp>
+        <p:nvCxnSpPr>
+          <p:cNvPr id="27" name="Straight Arrow Connector 26">
+            <a:extLst>
+              <a:ext uri="{FF2B5EF4-FFF2-40B4-BE49-F238E27FC236}">
+                <a16:creationId xmlns:a16="http://schemas.microsoft.com/office/drawing/2014/main" id="{05300F2B-CCFE-3C45-ACCF-1E8B98B29B44}"/>
+              </a:ext>
+            </a:extLst>
+          </p:cNvPr>
+          <p:cNvCxnSpPr/>
+          <p:nvPr/>
+        </p:nvCxnSpPr>
+        <p:spPr>
+          <a:xfrm>
+            <a:off x="9620982" y="2590850"/>
+            <a:ext cx="0" cy="631794"/>
+          </a:xfrm>
+          <a:prstGeom prst="straightConnector1">
+            <a:avLst/>
+          </a:prstGeom>
+          <a:ln w="38100">
+            <a:tailEnd type="triangle"/>
+          </a:ln>
+        </p:spPr>
+        <p:style>
+          <a:lnRef idx="1">
+            <a:schemeClr val="accent1"/>
+          </a:lnRef>
+          <a:fillRef idx="0">
+            <a:schemeClr val="accent1"/>
+          </a:fillRef>
+          <a:effectRef idx="0">
+            <a:schemeClr val="accent1"/>
+          </a:effectRef>
+          <a:fontRef idx="minor">
+            <a:schemeClr val="tx1"/>
+          </a:fontRef>
+        </p:style>
+      </p:cxnSp>
+      <p:cxnSp>
+        <p:nvCxnSpPr>
+          <p:cNvPr id="28" name="Straight Arrow Connector 27">
+            <a:extLst>
+              <a:ext uri="{FF2B5EF4-FFF2-40B4-BE49-F238E27FC236}">
+                <a16:creationId xmlns:a16="http://schemas.microsoft.com/office/drawing/2014/main" id="{5307912C-1EA9-C843-8884-1B3360268107}"/>
+              </a:ext>
+            </a:extLst>
+          </p:cNvPr>
+          <p:cNvCxnSpPr>
+            <a:cxnSpLocks/>
+          </p:cNvCxnSpPr>
+          <p:nvPr/>
+        </p:nvCxnSpPr>
+        <p:spPr>
+          <a:xfrm flipV="1">
+            <a:off x="10394818" y="2573095"/>
+            <a:ext cx="0" cy="649549"/>
+          </a:xfrm>
+          <a:prstGeom prst="straightConnector1">
+            <a:avLst/>
+          </a:prstGeom>
+          <a:ln w="38100">
+            <a:tailEnd type="triangle"/>
+          </a:ln>
+        </p:spPr>
+        <p:style>
+          <a:lnRef idx="1">
+            <a:schemeClr val="accent1"/>
+          </a:lnRef>
+          <a:fillRef idx="0">
+            <a:schemeClr val="accent1"/>
+          </a:fillRef>
+          <a:effectRef idx="0">
+            <a:schemeClr val="accent1"/>
+          </a:effectRef>
+          <a:fontRef idx="minor">
+            <a:schemeClr val="tx1"/>
+          </a:fontRef>
+        </p:style>
+      </p:cxnSp>
+      <p:cxnSp>
+        <p:nvCxnSpPr>
+          <p:cNvPr id="30" name="Straight Arrow Connector 29">
+            <a:extLst>
+              <a:ext uri="{FF2B5EF4-FFF2-40B4-BE49-F238E27FC236}">
+                <a16:creationId xmlns:a16="http://schemas.microsoft.com/office/drawing/2014/main" id="{05A353DE-76B5-944B-BC56-77E7F77BE34B}"/>
+              </a:ext>
+            </a:extLst>
+          </p:cNvPr>
+          <p:cNvCxnSpPr>
+            <a:cxnSpLocks/>
+          </p:cNvCxnSpPr>
+          <p:nvPr/>
+        </p:nvCxnSpPr>
+        <p:spPr>
+          <a:xfrm flipH="1">
+            <a:off x="7453527" y="1813090"/>
+            <a:ext cx="1628330" cy="0"/>
+          </a:xfrm>
+          <a:prstGeom prst="straightConnector1">
+            <a:avLst/>
+          </a:prstGeom>
+          <a:ln w="38100">
+            <a:tailEnd type="triangle"/>
+          </a:ln>
+        </p:spPr>
+        <p:style>
+          <a:lnRef idx="1">
+            <a:schemeClr val="accent1"/>
+          </a:lnRef>
+          <a:fillRef idx="0">
+            <a:schemeClr val="accent1"/>
+          </a:fillRef>
+          <a:effectRef idx="0">
+            <a:schemeClr val="accent1"/>
+          </a:effectRef>
+          <a:fontRef idx="minor">
+            <a:schemeClr val="tx1"/>
+          </a:fontRef>
+        </p:style>
+      </p:cxnSp>
+      <p:cxnSp>
+        <p:nvCxnSpPr>
+          <p:cNvPr id="31" name="Straight Arrow Connector 30">
+            <a:extLst>
+              <a:ext uri="{FF2B5EF4-FFF2-40B4-BE49-F238E27FC236}">
+                <a16:creationId xmlns:a16="http://schemas.microsoft.com/office/drawing/2014/main" id="{02A905DA-90BD-A749-8747-AF03008759BF}"/>
+              </a:ext>
+            </a:extLst>
+          </p:cNvPr>
+          <p:cNvCxnSpPr>
+            <a:cxnSpLocks/>
+          </p:cNvCxnSpPr>
+          <p:nvPr/>
+        </p:nvCxnSpPr>
+        <p:spPr>
+          <a:xfrm>
+            <a:off x="7453527" y="2300107"/>
+            <a:ext cx="1628328" cy="0"/>
+          </a:xfrm>
+          <a:prstGeom prst="straightConnector1">
+            <a:avLst/>
+          </a:prstGeom>
+          <a:ln w="38100">
+            <a:tailEnd type="triangle"/>
+          </a:ln>
+        </p:spPr>
+        <p:style>
+          <a:lnRef idx="1">
+            <a:schemeClr val="accent1"/>
+          </a:lnRef>
+          <a:fillRef idx="0">
+            <a:schemeClr val="accent1"/>
+          </a:fillRef>
+          <a:effectRef idx="0">
+            <a:schemeClr val="accent1"/>
+          </a:effectRef>
+          <a:fontRef idx="minor">
+            <a:schemeClr val="tx1"/>
+          </a:fontRef>
+        </p:style>
+      </p:cxnSp>
+      <p:sp>
+        <p:nvSpPr>
+          <p:cNvPr id="32" name="TextBox 31">
+            <a:extLst>
+              <a:ext uri="{FF2B5EF4-FFF2-40B4-BE49-F238E27FC236}">
+                <a16:creationId xmlns:a16="http://schemas.microsoft.com/office/drawing/2014/main" id="{F006DC89-50EE-5149-9E66-0E9B5DF1B40F}"/>
+              </a:ext>
+            </a:extLst>
+          </p:cNvPr>
+          <p:cNvSpPr txBox="1"/>
+          <p:nvPr/>
+        </p:nvSpPr>
+        <p:spPr>
+          <a:xfrm>
+            <a:off x="7767234" y="1857050"/>
+            <a:ext cx="1098058" cy="369332"/>
+          </a:xfrm>
+          <a:prstGeom prst="rect">
+            <a:avLst/>
+          </a:prstGeom>
+          <a:noFill/>
+        </p:spPr>
+        <p:txBody>
+          <a:bodyPr wrap="none" rtlCol="0">
+            <a:spAutoFit/>
+          </a:bodyPr>
+          <a:lstStyle/>
+          <a:p>
+            <a:r>
+              <a:rPr lang="en-US" dirty="0"/>
+              <a:t>Saxon API</a:t>
+            </a:r>
+          </a:p>
+        </p:txBody>
+      </p:sp>
+      <p:sp>
+        <p:nvSpPr>
+          <p:cNvPr id="21" name="Rectangle 20">
+            <a:extLst>
+              <a:ext uri="{FF2B5EF4-FFF2-40B4-BE49-F238E27FC236}">
+                <a16:creationId xmlns:a16="http://schemas.microsoft.com/office/drawing/2014/main" id="{BB777F34-3FAE-6D4D-A441-CE41FCBF1A77}"/>
               </a:ext>
             </a:extLst>
           </p:cNvPr>
@@ -8472,7 +11545,7 @@
         </p:nvSpPr>
         <p:spPr>
           <a:xfrm>
-            <a:off x="4327140" y="2774403"/>
+            <a:off x="4327140" y="1614094"/>
             <a:ext cx="3126387" cy="869747"/>
           </a:xfrm>
           <a:prstGeom prst="rect">
@@ -8506,30 +11579,29 @@
             <a:pPr algn="ctr"/>
             <a:r>
               <a:rPr lang="en-US" dirty="0"/>
-              <a:t>Convertor</a:t>
+              <a:t>Skip Item 1 Test Logic</a:t>
             </a:r>
           </a:p>
         </p:txBody>
       </p:sp>
       <p:cxnSp>
         <p:nvCxnSpPr>
-          <p:cNvPr id="26" name="Straight Arrow Connector 25">
-            <a:extLst>
-              <a:ext uri="{FF2B5EF4-FFF2-40B4-BE49-F238E27FC236}">
-                <a16:creationId xmlns:a16="http://schemas.microsoft.com/office/drawing/2014/main" id="{7691F00C-B17D-4087-AD52-89529A6F793B}"/>
+          <p:cNvPr id="23" name="Straight Arrow Connector 22">
+            <a:extLst>
+              <a:ext uri="{FF2B5EF4-FFF2-40B4-BE49-F238E27FC236}">
+                <a16:creationId xmlns:a16="http://schemas.microsoft.com/office/drawing/2014/main" id="{ADC77477-CC8C-0746-80D6-28798D7E1E70}"/>
               </a:ext>
             </a:extLst>
           </p:cNvPr>
           <p:cNvCxnSpPr>
             <a:cxnSpLocks/>
-            <a:stCxn id="19" idx="1"/>
           </p:cNvCxnSpPr>
           <p:nvPr/>
         </p:nvCxnSpPr>
         <p:spPr>
-          <a:xfrm flipH="1">
-            <a:off x="7661428" y="1574307"/>
-            <a:ext cx="1824361" cy="0"/>
+          <a:xfrm>
+            <a:off x="5890332" y="2482808"/>
+            <a:ext cx="1" cy="315897"/>
           </a:xfrm>
           <a:prstGeom prst="straightConnector1">
             <a:avLst/>
@@ -8553,345 +11625,69 @@
           </a:fontRef>
         </p:style>
       </p:cxnSp>
-      <p:cxnSp>
-        <p:nvCxnSpPr>
-          <p:cNvPr id="29" name="Straight Arrow Connector 28">
-            <a:extLst>
-              <a:ext uri="{FF2B5EF4-FFF2-40B4-BE49-F238E27FC236}">
-                <a16:creationId xmlns:a16="http://schemas.microsoft.com/office/drawing/2014/main" id="{FED9F672-8BFD-454A-85F6-0A26AAA3CE6A}"/>
-              </a:ext>
-            </a:extLst>
-          </p:cNvPr>
-          <p:cNvCxnSpPr>
-            <a:cxnSpLocks/>
-          </p:cNvCxnSpPr>
-          <p:nvPr/>
-        </p:nvCxnSpPr>
-        <p:spPr>
-          <a:xfrm flipH="1">
-            <a:off x="2700501" y="4165614"/>
-            <a:ext cx="1628330" cy="0"/>
-          </a:xfrm>
-          <a:prstGeom prst="straightConnector1">
-            <a:avLst/>
-          </a:prstGeom>
-          <a:ln w="38100">
-            <a:tailEnd type="triangle"/>
+      <p:sp>
+        <p:nvSpPr>
+          <p:cNvPr id="24" name="Rectangle 23">
+            <a:extLst>
+              <a:ext uri="{FF2B5EF4-FFF2-40B4-BE49-F238E27FC236}">
+                <a16:creationId xmlns:a16="http://schemas.microsoft.com/office/drawing/2014/main" id="{4ECF698E-CEFA-2D42-BF6C-8484C3C4CB05}"/>
+              </a:ext>
+            </a:extLst>
+          </p:cNvPr>
+          <p:cNvSpPr/>
+          <p:nvPr/>
+        </p:nvSpPr>
+        <p:spPr>
+          <a:xfrm>
+            <a:off x="4944860" y="4453703"/>
+            <a:ext cx="1890944" cy="1003177"/>
+          </a:xfrm>
+          <a:prstGeom prst="rect">
+            <a:avLst/>
+          </a:prstGeom>
+          <a:solidFill>
+            <a:srgbClr val="92D050"/>
+          </a:solidFill>
+          <a:ln>
+            <a:noFill/>
           </a:ln>
         </p:spPr>
         <p:style>
-          <a:lnRef idx="1">
-            <a:schemeClr val="accent1"/>
-          </a:lnRef>
-          <a:fillRef idx="0">
-            <a:schemeClr val="accent1"/>
-          </a:fillRef>
-          <a:effectRef idx="0">
-            <a:schemeClr val="accent1"/>
-          </a:effectRef>
-          <a:fontRef idx="minor">
-            <a:schemeClr val="tx1"/>
-          </a:fontRef>
-        </p:style>
-      </p:cxnSp>
-      <p:cxnSp>
-        <p:nvCxnSpPr>
-          <p:cNvPr id="34" name="Straight Arrow Connector 33">
-            <a:extLst>
-              <a:ext uri="{FF2B5EF4-FFF2-40B4-BE49-F238E27FC236}">
-                <a16:creationId xmlns:a16="http://schemas.microsoft.com/office/drawing/2014/main" id="{C33C8F52-24DB-4452-952C-66B7CD00C034}"/>
-              </a:ext>
-            </a:extLst>
-          </p:cNvPr>
-          <p:cNvCxnSpPr>
-            <a:cxnSpLocks/>
-          </p:cNvCxnSpPr>
-          <p:nvPr/>
-        </p:nvCxnSpPr>
-        <p:spPr>
-          <a:xfrm>
-            <a:off x="2700501" y="4652631"/>
-            <a:ext cx="1628328" cy="0"/>
-          </a:xfrm>
-          <a:prstGeom prst="straightConnector1">
-            <a:avLst/>
-          </a:prstGeom>
-          <a:ln w="38100">
-            <a:tailEnd type="triangle"/>
-          </a:ln>
-        </p:spPr>
-        <p:style>
-          <a:lnRef idx="1">
-            <a:schemeClr val="accent1"/>
-          </a:lnRef>
-          <a:fillRef idx="0">
-            <a:schemeClr val="accent1"/>
-          </a:fillRef>
-          <a:effectRef idx="0">
-            <a:schemeClr val="accent1"/>
-          </a:effectRef>
-          <a:fontRef idx="minor">
-            <a:schemeClr val="tx1"/>
-          </a:fontRef>
-        </p:style>
-      </p:cxnSp>
-      <p:cxnSp>
-        <p:nvCxnSpPr>
-          <p:cNvPr id="37" name="Straight Arrow Connector 36">
-            <a:extLst>
-              <a:ext uri="{FF2B5EF4-FFF2-40B4-BE49-F238E27FC236}">
-                <a16:creationId xmlns:a16="http://schemas.microsoft.com/office/drawing/2014/main" id="{571D5EE6-8DC9-41B1-B0DA-61A2A517EE02}"/>
-              </a:ext>
-            </a:extLst>
-          </p:cNvPr>
-          <p:cNvCxnSpPr>
-            <a:cxnSpLocks/>
-            <a:endCxn id="25" idx="0"/>
-          </p:cNvCxnSpPr>
-          <p:nvPr/>
-        </p:nvCxnSpPr>
-        <p:spPr>
-          <a:xfrm>
-            <a:off x="5890333" y="2458506"/>
-            <a:ext cx="1" cy="315897"/>
-          </a:xfrm>
-          <a:prstGeom prst="straightConnector1">
-            <a:avLst/>
-          </a:prstGeom>
-          <a:ln w="38100">
-            <a:tailEnd type="triangle"/>
-          </a:ln>
-        </p:spPr>
-        <p:style>
-          <a:lnRef idx="1">
-            <a:schemeClr val="accent1"/>
-          </a:lnRef>
-          <a:fillRef idx="0">
-            <a:schemeClr val="accent1"/>
-          </a:fillRef>
-          <a:effectRef idx="0">
-            <a:schemeClr val="accent1"/>
-          </a:effectRef>
-          <a:fontRef idx="minor">
-            <a:schemeClr val="tx1"/>
-          </a:fontRef>
-        </p:style>
-      </p:cxnSp>
-      <p:sp>
-        <p:nvSpPr>
-          <p:cNvPr id="2" name="TextBox 1">
-            <a:extLst>
-              <a:ext uri="{FF2B5EF4-FFF2-40B4-BE49-F238E27FC236}">
-                <a16:creationId xmlns:a16="http://schemas.microsoft.com/office/drawing/2014/main" id="{A70211B0-DAF0-4200-BC8B-950BD331EC40}"/>
-              </a:ext>
-            </a:extLst>
-          </p:cNvPr>
-          <p:cNvSpPr txBox="1"/>
-          <p:nvPr/>
-        </p:nvSpPr>
-        <p:spPr>
-          <a:xfrm>
-            <a:off x="2833532" y="4248241"/>
-            <a:ext cx="1268296" cy="369332"/>
-          </a:xfrm>
-          <a:prstGeom prst="rect">
-            <a:avLst/>
-          </a:prstGeom>
-          <a:noFill/>
-        </p:spPr>
-        <p:txBody>
-          <a:bodyPr wrap="none" rtlCol="0">
-            <a:spAutoFit/>
-          </a:bodyPr>
-          <a:lstStyle/>
-          <a:p>
+          <a:lnRef idx="2">
+            <a:schemeClr val="dk1">
+              <a:shade val="50000"/>
+            </a:schemeClr>
+          </a:lnRef>
+          <a:fillRef idx="1">
+            <a:schemeClr val="dk1"/>
+          </a:fillRef>
+          <a:effectRef idx="0">
+            <a:schemeClr val="dk1"/>
+          </a:effectRef>
+          <a:fontRef idx="minor">
+            <a:schemeClr val="lt1"/>
+          </a:fontRef>
+        </p:style>
+        <p:txBody>
+          <a:bodyPr rtlCol="0" anchor="ctr"/>
+          <a:lstStyle/>
+          <a:p>
+            <a:pPr algn="ctr"/>
+            <a:r>
+              <a:rPr lang="en-US" dirty="0" err="1"/>
+              <a:t>JSONiq</a:t>
+            </a:r>
             <a:r>
               <a:rPr lang="en-US" dirty="0"/>
-              <a:t>Rumble API</a:t>
-            </a:r>
-          </a:p>
-        </p:txBody>
-      </p:sp>
-      <p:sp>
-        <p:nvSpPr>
-          <p:cNvPr id="4" name="TextBox 3">
-            <a:extLst>
-              <a:ext uri="{FF2B5EF4-FFF2-40B4-BE49-F238E27FC236}">
-                <a16:creationId xmlns:a16="http://schemas.microsoft.com/office/drawing/2014/main" id="{1D4D868F-F5F9-4A64-B319-E9613214C92E}"/>
-              </a:ext>
-            </a:extLst>
-          </p:cNvPr>
-          <p:cNvSpPr txBox="1"/>
-          <p:nvPr/>
-        </p:nvSpPr>
-        <p:spPr>
-          <a:xfrm>
-            <a:off x="9081856" y="247965"/>
-            <a:ext cx="3110144" cy="646331"/>
-          </a:xfrm>
-          <a:prstGeom prst="rect">
-            <a:avLst/>
-          </a:prstGeom>
-          <a:noFill/>
-          <a:ln>
-            <a:solidFill>
-              <a:schemeClr val="tx1"/>
-            </a:solidFill>
-            <a:prstDash val="lgDash"/>
-          </a:ln>
-        </p:spPr>
-        <p:txBody>
-          <a:bodyPr wrap="square" rtlCol="0">
-            <a:spAutoFit/>
-          </a:bodyPr>
-          <a:lstStyle/>
-          <a:p>
-            <a:r>
-              <a:rPr lang="en-US" sz="1200" dirty="0"/>
-              <a:t>QT3 Test Suite should be analyzed and decided how to handle different versions of XQuery, XPath and XSLT test-cases </a:t>
-            </a:r>
-          </a:p>
-        </p:txBody>
-      </p:sp>
-      <p:sp>
-        <p:nvSpPr>
-          <p:cNvPr id="9" name="TextBox 8">
-            <a:extLst>
-              <a:ext uri="{FF2B5EF4-FFF2-40B4-BE49-F238E27FC236}">
-                <a16:creationId xmlns:a16="http://schemas.microsoft.com/office/drawing/2014/main" id="{5D8D5A12-B369-4D1A-8B9D-E96F26D139DD}"/>
-              </a:ext>
-            </a:extLst>
-          </p:cNvPr>
-          <p:cNvSpPr txBox="1"/>
-          <p:nvPr/>
-        </p:nvSpPr>
-        <p:spPr>
-          <a:xfrm>
-            <a:off x="9078153" y="5625107"/>
-            <a:ext cx="3113845" cy="830997"/>
-          </a:xfrm>
-          <a:prstGeom prst="rect">
-            <a:avLst/>
-          </a:prstGeom>
-          <a:noFill/>
-          <a:ln>
-            <a:solidFill>
-              <a:schemeClr val="tx1"/>
-            </a:solidFill>
-            <a:prstDash val="lgDash"/>
-          </a:ln>
-        </p:spPr>
-        <p:txBody>
-          <a:bodyPr wrap="square" rtlCol="0">
-            <a:spAutoFit/>
-          </a:bodyPr>
-          <a:lstStyle/>
-          <a:p>
-            <a:r>
-              <a:rPr lang="en-US" sz="1200" dirty="0"/>
-              <a:t>Part 2: Test Report class is supposed to replace the Test Report Handling Logic. Now it should show statistics of passed/failed tests. This will now aggregate the data display a webpage</a:t>
-            </a:r>
-          </a:p>
-        </p:txBody>
-      </p:sp>
-      <p:sp>
-        <p:nvSpPr>
-          <p:cNvPr id="30" name="Rectangle 29">
-            <a:extLst>
-              <a:ext uri="{FF2B5EF4-FFF2-40B4-BE49-F238E27FC236}">
-                <a16:creationId xmlns:a16="http://schemas.microsoft.com/office/drawing/2014/main" id="{E57C572A-8605-4180-883F-9AFA944558DB}"/>
-              </a:ext>
-            </a:extLst>
-          </p:cNvPr>
-          <p:cNvSpPr/>
-          <p:nvPr/>
-        </p:nvSpPr>
-        <p:spPr>
-          <a:xfrm>
-            <a:off x="4327140" y="3981522"/>
-            <a:ext cx="3126387" cy="869747"/>
-          </a:xfrm>
-          <a:prstGeom prst="rect">
-            <a:avLst/>
-          </a:prstGeom>
-          <a:solidFill>
-            <a:schemeClr val="accent4">
-              <a:lumMod val="20000"/>
-              <a:lumOff val="80000"/>
-            </a:schemeClr>
-          </a:solidFill>
-        </p:spPr>
-        <p:style>
-          <a:lnRef idx="1">
-            <a:schemeClr val="accent5"/>
-          </a:lnRef>
-          <a:fillRef idx="2">
-            <a:schemeClr val="accent5"/>
-          </a:fillRef>
-          <a:effectRef idx="1">
-            <a:schemeClr val="accent5"/>
-          </a:effectRef>
-          <a:fontRef idx="minor">
-            <a:schemeClr val="dk1"/>
-          </a:fontRef>
-        </p:style>
-        <p:txBody>
-          <a:bodyPr rtlCol="0" anchor="ctr"/>
-          <a:lstStyle/>
-          <a:p>
-            <a:pPr algn="ctr"/>
-            <a:r>
-              <a:rPr lang="en-US" dirty="0"/>
-              <a:t>Test Case Handling Logic</a:t>
-            </a:r>
-          </a:p>
-        </p:txBody>
-      </p:sp>
-      <p:cxnSp>
-        <p:nvCxnSpPr>
-          <p:cNvPr id="31" name="Straight Arrow Connector 30">
-            <a:extLst>
-              <a:ext uri="{FF2B5EF4-FFF2-40B4-BE49-F238E27FC236}">
-                <a16:creationId xmlns:a16="http://schemas.microsoft.com/office/drawing/2014/main" id="{4A232024-275E-44D0-A36A-59FA95008466}"/>
-              </a:ext>
-            </a:extLst>
-          </p:cNvPr>
-          <p:cNvCxnSpPr>
-            <a:cxnSpLocks/>
-          </p:cNvCxnSpPr>
-          <p:nvPr/>
-        </p:nvCxnSpPr>
-        <p:spPr>
-          <a:xfrm>
-            <a:off x="5872923" y="3665625"/>
-            <a:ext cx="1" cy="315897"/>
-          </a:xfrm>
-          <a:prstGeom prst="straightConnector1">
-            <a:avLst/>
-          </a:prstGeom>
-          <a:ln w="38100">
-            <a:tailEnd type="triangle"/>
-          </a:ln>
-        </p:spPr>
-        <p:style>
-          <a:lnRef idx="1">
-            <a:schemeClr val="accent1"/>
-          </a:lnRef>
-          <a:fillRef idx="0">
-            <a:schemeClr val="accent1"/>
-          </a:fillRef>
-          <a:effectRef idx="0">
-            <a:schemeClr val="accent1"/>
-          </a:effectRef>
-          <a:fontRef idx="minor">
-            <a:schemeClr val="tx1"/>
-          </a:fontRef>
-        </p:style>
-      </p:cxnSp>
+              <a:t> Test Suite</a:t>
+            </a:r>
+          </a:p>
+        </p:txBody>
+      </p:sp>
     </p:spTree>
     <p:extLst>
       <p:ext uri="{BB962C8B-B14F-4D97-AF65-F5344CB8AC3E}">
-        <p14:creationId xmlns:p14="http://schemas.microsoft.com/office/powerpoint/2010/main" val="3480297135"/>
+        <p14:creationId xmlns:p14="http://schemas.microsoft.com/office/powerpoint/2010/main" val="769986957"/>
       </p:ext>
     </p:extLst>
   </p:cSld>
@@ -8920,65 +11716,6 @@
       </p:grpSpPr>
       <p:sp>
         <p:nvSpPr>
-          <p:cNvPr id="3" name="TextBox 2">
-            <a:extLst>
-              <a:ext uri="{FF2B5EF4-FFF2-40B4-BE49-F238E27FC236}">
-                <a16:creationId xmlns:a16="http://schemas.microsoft.com/office/drawing/2014/main" id="{F175A308-E166-457C-A2BA-E646555DF839}"/>
-              </a:ext>
-            </a:extLst>
-          </p:cNvPr>
-          <p:cNvSpPr txBox="1"/>
-          <p:nvPr/>
-        </p:nvSpPr>
-        <p:spPr>
-          <a:xfrm>
-            <a:off x="9078154" y="2253677"/>
-            <a:ext cx="3113845" cy="2308324"/>
-          </a:xfrm>
-          <a:prstGeom prst="rect">
-            <a:avLst/>
-          </a:prstGeom>
-          <a:noFill/>
-          <a:ln>
-            <a:solidFill>
-              <a:schemeClr val="tx1"/>
-            </a:solidFill>
-            <a:prstDash val="lgDash"/>
-          </a:ln>
-        </p:spPr>
-        <p:txBody>
-          <a:bodyPr wrap="square" rtlCol="0">
-            <a:spAutoFit/>
-          </a:bodyPr>
-          <a:lstStyle/>
-          <a:p>
-            <a:r>
-              <a:rPr lang="en-US" sz="1200" dirty="0"/>
-              <a:t>Part 3: Consider further refactoring of the code with possible usage of good Software Engineering practices and patterns. </a:t>
-            </a:r>
-          </a:p>
-          <a:p>
-            <a:endParaRPr lang="en-US" sz="1200" dirty="0"/>
-          </a:p>
-          <a:p>
-            <a:r>
-              <a:rPr lang="en-US" sz="1200" dirty="0"/>
-              <a:t>Maybe extend convertor so that it is capable of in advance detecting the tests that cannot be run on Rumble based on previous Test Reports</a:t>
-            </a:r>
-          </a:p>
-          <a:p>
-            <a:endParaRPr lang="en-US" sz="1200" dirty="0"/>
-          </a:p>
-          <a:p>
-            <a:r>
-              <a:rPr lang="en-US" sz="1200" dirty="0"/>
-              <a:t>Possible hidden issues: Test is run, it succeeds but produces different output not because of bug in Rumble but because of some other syntax issue</a:t>
-            </a:r>
-          </a:p>
-        </p:txBody>
-      </p:sp>
-      <p:sp>
-        <p:nvSpPr>
           <p:cNvPr id="5" name="Rectangle 4">
             <a:extLst>
               <a:ext uri="{FF2B5EF4-FFF2-40B4-BE49-F238E27FC236}">
@@ -8991,8 +11728,8 @@
         </p:nvSpPr>
         <p:spPr>
           <a:xfrm>
-            <a:off x="3657600" y="457198"/>
-            <a:ext cx="4465468" cy="6130025"/>
+            <a:off x="3657600" y="457199"/>
+            <a:ext cx="4465468" cy="5504156"/>
           </a:xfrm>
           <a:prstGeom prst="rect">
             <a:avLst/>
@@ -9049,12 +11786,18 @@
         </p:nvSpPr>
         <p:spPr>
           <a:xfrm>
-            <a:off x="809557" y="3931320"/>
+            <a:off x="807868" y="2707689"/>
             <a:ext cx="1890944" cy="1003177"/>
           </a:xfrm>
           <a:prstGeom prst="rect">
             <a:avLst/>
           </a:prstGeom>
+          <a:solidFill>
+            <a:schemeClr val="tx1">
+              <a:lumMod val="75000"/>
+              <a:lumOff val="25000"/>
+            </a:schemeClr>
+          </a:solidFill>
         </p:spPr>
         <p:style>
           <a:lnRef idx="2">
@@ -9098,12 +11841,18 @@
         </p:nvSpPr>
         <p:spPr>
           <a:xfrm>
-            <a:off x="809557" y="5584046"/>
+            <a:off x="807868" y="4360415"/>
             <a:ext cx="1890944" cy="1003177"/>
           </a:xfrm>
           <a:prstGeom prst="rect">
             <a:avLst/>
           </a:prstGeom>
+          <a:solidFill>
+            <a:schemeClr val="tx1">
+              <a:lumMod val="75000"/>
+              <a:lumOff val="25000"/>
+            </a:schemeClr>
+          </a:solidFill>
         </p:spPr>
         <p:style>
           <a:lnRef idx="2">
@@ -9147,7 +11896,7 @@
         </p:nvCxnSpPr>
         <p:spPr>
           <a:xfrm>
-            <a:off x="1351095" y="4952252"/>
+            <a:off x="1349406" y="3728621"/>
             <a:ext cx="0" cy="631794"/>
           </a:xfrm>
           <a:prstGeom prst="straightConnector1">
@@ -9188,7 +11937,7 @@
         </p:nvCxnSpPr>
         <p:spPr>
           <a:xfrm flipV="1">
-            <a:off x="2124931" y="4934497"/>
+            <a:off x="2123242" y="3710866"/>
             <a:ext cx="0" cy="649549"/>
           </a:xfrm>
           <a:prstGeom prst="straightConnector1">
@@ -9215,100 +11964,10 @@
       </p:cxnSp>
       <p:sp>
         <p:nvSpPr>
-          <p:cNvPr id="17" name="TextBox 16">
-            <a:extLst>
-              <a:ext uri="{FF2B5EF4-FFF2-40B4-BE49-F238E27FC236}">
-                <a16:creationId xmlns:a16="http://schemas.microsoft.com/office/drawing/2014/main" id="{8EE8EC3D-C1FF-4F91-8A2C-B621CC074066}"/>
-              </a:ext>
-            </a:extLst>
-          </p:cNvPr>
-          <p:cNvSpPr txBox="1"/>
-          <p:nvPr/>
-        </p:nvSpPr>
-        <p:spPr>
-          <a:xfrm>
-            <a:off x="739827" y="2999906"/>
-            <a:ext cx="2144881" cy="830997"/>
-          </a:xfrm>
-          <a:prstGeom prst="rect">
-            <a:avLst/>
-          </a:prstGeom>
-          <a:noFill/>
-          <a:ln>
-            <a:solidFill>
-              <a:schemeClr val="tx1"/>
-            </a:solidFill>
-            <a:prstDash val="lgDash"/>
-          </a:ln>
-        </p:spPr>
-        <p:txBody>
-          <a:bodyPr wrap="square" rtlCol="0">
-            <a:spAutoFit/>
-          </a:bodyPr>
-          <a:lstStyle/>
-          <a:p>
-            <a:r>
-              <a:rPr lang="en-US" sz="1200" dirty="0"/>
-              <a:t>Rumble we view as a </a:t>
-            </a:r>
-            <a:r>
-              <a:rPr lang="en-US" sz="1200" dirty="0" err="1"/>
-              <a:t>blackbox</a:t>
-            </a:r>
-            <a:r>
-              <a:rPr lang="en-US" sz="1200" dirty="0"/>
-              <a:t>. It is not in our interest what it does with Spark. We just need to get the query results from it!</a:t>
-            </a:r>
-          </a:p>
-        </p:txBody>
-      </p:sp>
-      <p:sp>
-        <p:nvSpPr>
-          <p:cNvPr id="18" name="TextBox 17">
-            <a:extLst>
-              <a:ext uri="{FF2B5EF4-FFF2-40B4-BE49-F238E27FC236}">
-                <a16:creationId xmlns:a16="http://schemas.microsoft.com/office/drawing/2014/main" id="{E67BD72C-01B8-478F-BC2F-1DA0248D19EE}"/>
-              </a:ext>
-            </a:extLst>
-          </p:cNvPr>
-          <p:cNvSpPr txBox="1"/>
-          <p:nvPr/>
-        </p:nvSpPr>
-        <p:spPr>
-          <a:xfrm>
-            <a:off x="745540" y="438510"/>
-            <a:ext cx="2144881" cy="1569660"/>
-          </a:xfrm>
-          <a:prstGeom prst="rect">
-            <a:avLst/>
-          </a:prstGeom>
-          <a:noFill/>
-          <a:ln>
-            <a:solidFill>
-              <a:schemeClr val="tx1"/>
-            </a:solidFill>
-            <a:prstDash val="lgDash"/>
-          </a:ln>
-        </p:spPr>
-        <p:txBody>
-          <a:bodyPr wrap="square" rtlCol="0">
-            <a:spAutoFit/>
-          </a:bodyPr>
-          <a:lstStyle/>
-          <a:p>
-            <a:r>
-              <a:rPr lang="en-US" sz="1200" dirty="0"/>
-              <a:t>XML Parser. We can use some of already existing API's for XML parsing and processing. JAXP is one of them but I am not sure whether 1.6v is good for XQuery 3.1. Proposition is to use Saxon classes for this. Basically any external library</a:t>
-            </a:r>
-          </a:p>
-        </p:txBody>
-      </p:sp>
-      <p:sp>
-        <p:nvSpPr>
-          <p:cNvPr id="19" name="Rectangle 18">
-            <a:extLst>
-              <a:ext uri="{FF2B5EF4-FFF2-40B4-BE49-F238E27FC236}">
-                <a16:creationId xmlns:a16="http://schemas.microsoft.com/office/drawing/2014/main" id="{D4893B53-3DD0-43A2-8A86-3EA2DE32C5A3}"/>
+          <p:cNvPr id="20" name="Rectangle 19">
+            <a:extLst>
+              <a:ext uri="{FF2B5EF4-FFF2-40B4-BE49-F238E27FC236}">
+                <a16:creationId xmlns:a16="http://schemas.microsoft.com/office/drawing/2014/main" id="{5B5D5F0E-627F-43B7-BD5E-4F8A8E434731}"/>
               </a:ext>
             </a:extLst>
           </p:cNvPr>
@@ -9317,60 +11976,8 @@
         </p:nvSpPr>
         <p:spPr>
           <a:xfrm>
-            <a:off x="9485789" y="1072718"/>
-            <a:ext cx="1890944" cy="1003177"/>
-          </a:xfrm>
-          <a:prstGeom prst="rect">
-            <a:avLst/>
-          </a:prstGeom>
-          <a:solidFill>
-            <a:srgbClr val="92D050"/>
-          </a:solidFill>
-        </p:spPr>
-        <p:style>
-          <a:lnRef idx="2">
-            <a:schemeClr val="dk1">
-              <a:shade val="50000"/>
-            </a:schemeClr>
-          </a:lnRef>
-          <a:fillRef idx="1">
-            <a:schemeClr val="dk1"/>
-          </a:fillRef>
-          <a:effectRef idx="0">
-            <a:schemeClr val="dk1"/>
-          </a:effectRef>
-          <a:fontRef idx="minor">
-            <a:schemeClr val="lt1"/>
-          </a:fontRef>
-        </p:style>
-        <p:txBody>
-          <a:bodyPr rtlCol="0" anchor="ctr"/>
-          <a:lstStyle/>
-          <a:p>
-            <a:pPr algn="ctr"/>
-            <a:r>
-              <a:rPr lang="en-US" dirty="0"/>
-              <a:t>QT3 Test Suite</a:t>
-            </a:r>
-          </a:p>
-        </p:txBody>
-      </p:sp>
-      <p:sp>
-        <p:nvSpPr>
-          <p:cNvPr id="20" name="Rectangle 19">
-            <a:extLst>
-              <a:ext uri="{FF2B5EF4-FFF2-40B4-BE49-F238E27FC236}">
-                <a16:creationId xmlns:a16="http://schemas.microsoft.com/office/drawing/2014/main" id="{5B5D5F0E-627F-43B7-BD5E-4F8A8E434731}"/>
-              </a:ext>
-            </a:extLst>
-          </p:cNvPr>
-          <p:cNvSpPr/>
-          <p:nvPr/>
-        </p:nvSpPr>
-        <p:spPr>
-          <a:xfrm>
-            <a:off x="4119239" y="1072718"/>
-            <a:ext cx="3542190" cy="3879534"/>
+            <a:off x="4119239" y="1072717"/>
+            <a:ext cx="3542190" cy="4290873"/>
           </a:xfrm>
           <a:prstGeom prst="rect">
             <a:avLst/>
@@ -9404,10 +12011,10 @@
       </p:sp>
       <p:sp>
         <p:nvSpPr>
-          <p:cNvPr id="21" name="Rectangle 20">
-            <a:extLst>
-              <a:ext uri="{FF2B5EF4-FFF2-40B4-BE49-F238E27FC236}">
-                <a16:creationId xmlns:a16="http://schemas.microsoft.com/office/drawing/2014/main" id="{E4EDF9E3-396E-42EE-B4EA-512947F1B243}"/>
+          <p:cNvPr id="25" name="Rectangle 24">
+            <a:extLst>
+              <a:ext uri="{FF2B5EF4-FFF2-40B4-BE49-F238E27FC236}">
+                <a16:creationId xmlns:a16="http://schemas.microsoft.com/office/drawing/2014/main" id="{E8CC4A4D-C085-48F9-A50A-FE763AB34C70}"/>
               </a:ext>
             </a:extLst>
           </p:cNvPr>
@@ -9416,95 +12023,7 @@
         </p:nvSpPr>
         <p:spPr>
           <a:xfrm>
-            <a:off x="4119239" y="5433542"/>
-            <a:ext cx="3542190" cy="1003176"/>
-          </a:xfrm>
-          <a:prstGeom prst="rect">
-            <a:avLst/>
-          </a:prstGeom>
-        </p:spPr>
-        <p:style>
-          <a:lnRef idx="1">
-            <a:schemeClr val="accent5"/>
-          </a:lnRef>
-          <a:fillRef idx="2">
-            <a:schemeClr val="accent5"/>
-          </a:fillRef>
-          <a:effectRef idx="1">
-            <a:schemeClr val="accent5"/>
-          </a:effectRef>
-          <a:fontRef idx="minor">
-            <a:schemeClr val="dk1"/>
-          </a:fontRef>
-        </p:style>
-        <p:txBody>
-          <a:bodyPr rtlCol="0" anchor="ctr"/>
-          <a:lstStyle/>
-          <a:p>
-            <a:pPr algn="ctr"/>
-            <a:r>
-              <a:rPr lang="en-US" dirty="0"/>
-              <a:t>Test Report</a:t>
-            </a:r>
-          </a:p>
-        </p:txBody>
-      </p:sp>
-      <p:cxnSp>
-        <p:nvCxnSpPr>
-          <p:cNvPr id="22" name="Straight Arrow Connector 21">
-            <a:extLst>
-              <a:ext uri="{FF2B5EF4-FFF2-40B4-BE49-F238E27FC236}">
-                <a16:creationId xmlns:a16="http://schemas.microsoft.com/office/drawing/2014/main" id="{E99BB4C7-61B0-4C23-B3B9-7A5B5698634B}"/>
-              </a:ext>
-            </a:extLst>
-          </p:cNvPr>
-          <p:cNvCxnSpPr>
-            <a:cxnSpLocks/>
-          </p:cNvCxnSpPr>
-          <p:nvPr/>
-        </p:nvCxnSpPr>
-        <p:spPr>
-          <a:xfrm>
-            <a:off x="5890333" y="4952252"/>
-            <a:ext cx="0" cy="481290"/>
-          </a:xfrm>
-          <a:prstGeom prst="straightConnector1">
-            <a:avLst/>
-          </a:prstGeom>
-          <a:ln w="38100">
-            <a:tailEnd type="triangle"/>
-          </a:ln>
-        </p:spPr>
-        <p:style>
-          <a:lnRef idx="1">
-            <a:schemeClr val="accent1"/>
-          </a:lnRef>
-          <a:fillRef idx="0">
-            <a:schemeClr val="accent1"/>
-          </a:fillRef>
-          <a:effectRef idx="0">
-            <a:schemeClr val="accent1"/>
-          </a:effectRef>
-          <a:fontRef idx="minor">
-            <a:schemeClr val="tx1"/>
-          </a:fontRef>
-        </p:style>
-      </p:cxnSp>
-      <p:sp>
-        <p:nvSpPr>
-          <p:cNvPr id="6" name="Rectangle 5">
-            <a:extLst>
-              <a:ext uri="{FF2B5EF4-FFF2-40B4-BE49-F238E27FC236}">
-                <a16:creationId xmlns:a16="http://schemas.microsoft.com/office/drawing/2014/main" id="{75738B42-8D5C-4EE5-8FBB-2AA5C8F1B02A}"/>
-              </a:ext>
-            </a:extLst>
-          </p:cNvPr>
-          <p:cNvSpPr/>
-          <p:nvPr/>
-        </p:nvSpPr>
-        <p:spPr>
-          <a:xfrm>
-            <a:off x="4327140" y="1574306"/>
+            <a:off x="4327140" y="2774403"/>
             <a:ext cx="3126387" cy="869747"/>
           </a:xfrm>
           <a:prstGeom prst="rect">
@@ -9538,17 +12057,99 @@
             <a:pPr algn="ctr"/>
             <a:r>
               <a:rPr lang="en-US" dirty="0"/>
-              <a:t>XML Parser</a:t>
-            </a:r>
-          </a:p>
-        </p:txBody>
-      </p:sp>
-      <p:sp>
-        <p:nvSpPr>
-          <p:cNvPr id="25" name="Rectangle 24">
-            <a:extLst>
-              <a:ext uri="{FF2B5EF4-FFF2-40B4-BE49-F238E27FC236}">
-                <a16:creationId xmlns:a16="http://schemas.microsoft.com/office/drawing/2014/main" id="{E8CC4A4D-C085-48F9-A50A-FE763AB34C70}"/>
+              <a:t>Test Case Handling Logic</a:t>
+            </a:r>
+          </a:p>
+        </p:txBody>
+      </p:sp>
+      <p:cxnSp>
+        <p:nvCxnSpPr>
+          <p:cNvPr id="29" name="Straight Arrow Connector 28">
+            <a:extLst>
+              <a:ext uri="{FF2B5EF4-FFF2-40B4-BE49-F238E27FC236}">
+                <a16:creationId xmlns:a16="http://schemas.microsoft.com/office/drawing/2014/main" id="{FED9F672-8BFD-454A-85F6-0A26AAA3CE6A}"/>
+              </a:ext>
+            </a:extLst>
+          </p:cNvPr>
+          <p:cNvCxnSpPr>
+            <a:cxnSpLocks/>
+          </p:cNvCxnSpPr>
+          <p:nvPr/>
+        </p:nvCxnSpPr>
+        <p:spPr>
+          <a:xfrm flipH="1">
+            <a:off x="2698812" y="2941983"/>
+            <a:ext cx="1628330" cy="0"/>
+          </a:xfrm>
+          <a:prstGeom prst="straightConnector1">
+            <a:avLst/>
+          </a:prstGeom>
+          <a:ln w="38100">
+            <a:tailEnd type="triangle"/>
+          </a:ln>
+        </p:spPr>
+        <p:style>
+          <a:lnRef idx="1">
+            <a:schemeClr val="accent1"/>
+          </a:lnRef>
+          <a:fillRef idx="0">
+            <a:schemeClr val="accent1"/>
+          </a:fillRef>
+          <a:effectRef idx="0">
+            <a:schemeClr val="accent1"/>
+          </a:effectRef>
+          <a:fontRef idx="minor">
+            <a:schemeClr val="tx1"/>
+          </a:fontRef>
+        </p:style>
+      </p:cxnSp>
+      <p:cxnSp>
+        <p:nvCxnSpPr>
+          <p:cNvPr id="34" name="Straight Arrow Connector 33">
+            <a:extLst>
+              <a:ext uri="{FF2B5EF4-FFF2-40B4-BE49-F238E27FC236}">
+                <a16:creationId xmlns:a16="http://schemas.microsoft.com/office/drawing/2014/main" id="{C33C8F52-24DB-4452-952C-66B7CD00C034}"/>
+              </a:ext>
+            </a:extLst>
+          </p:cNvPr>
+          <p:cNvCxnSpPr>
+            <a:cxnSpLocks/>
+          </p:cNvCxnSpPr>
+          <p:nvPr/>
+        </p:nvCxnSpPr>
+        <p:spPr>
+          <a:xfrm>
+            <a:off x="2698812" y="3429000"/>
+            <a:ext cx="1628328" cy="0"/>
+          </a:xfrm>
+          <a:prstGeom prst="straightConnector1">
+            <a:avLst/>
+          </a:prstGeom>
+          <a:ln w="38100">
+            <a:tailEnd type="triangle"/>
+          </a:ln>
+        </p:spPr>
+        <p:style>
+          <a:lnRef idx="1">
+            <a:schemeClr val="accent1"/>
+          </a:lnRef>
+          <a:fillRef idx="0">
+            <a:schemeClr val="accent1"/>
+          </a:fillRef>
+          <a:effectRef idx="0">
+            <a:schemeClr val="accent1"/>
+          </a:effectRef>
+          <a:fontRef idx="minor">
+            <a:schemeClr val="tx1"/>
+          </a:fontRef>
+        </p:style>
+      </p:cxnSp>
+      <p:sp>
+        <p:nvSpPr>
+          <p:cNvPr id="40" name="Rectangle 39">
+            <a:extLst>
+              <a:ext uri="{FF2B5EF4-FFF2-40B4-BE49-F238E27FC236}">
+                <a16:creationId xmlns:a16="http://schemas.microsoft.com/office/drawing/2014/main" id="{56829F72-B783-4B55-AEAE-CCB679A4DD4F}"/>
               </a:ext>
             </a:extLst>
           </p:cNvPr>
@@ -9557,7 +12158,7 @@
         </p:nvSpPr>
         <p:spPr>
           <a:xfrm>
-            <a:off x="4327140" y="2774403"/>
+            <a:off x="4327140" y="3970339"/>
             <a:ext cx="3126387" cy="869747"/>
           </a:xfrm>
           <a:prstGeom prst="rect">
@@ -9591,30 +12192,29 @@
             <a:pPr algn="ctr"/>
             <a:r>
               <a:rPr lang="en-US" dirty="0"/>
-              <a:t>Convertor</a:t>
+              <a:t>Test Result Handling Logic</a:t>
             </a:r>
           </a:p>
         </p:txBody>
       </p:sp>
       <p:cxnSp>
         <p:nvCxnSpPr>
-          <p:cNvPr id="26" name="Straight Arrow Connector 25">
-            <a:extLst>
-              <a:ext uri="{FF2B5EF4-FFF2-40B4-BE49-F238E27FC236}">
-                <a16:creationId xmlns:a16="http://schemas.microsoft.com/office/drawing/2014/main" id="{7691F00C-B17D-4087-AD52-89529A6F793B}"/>
+          <p:cNvPr id="41" name="Straight Arrow Connector 40">
+            <a:extLst>
+              <a:ext uri="{FF2B5EF4-FFF2-40B4-BE49-F238E27FC236}">
+                <a16:creationId xmlns:a16="http://schemas.microsoft.com/office/drawing/2014/main" id="{6770061F-2C72-4E6B-BC9E-DDA6A48D168E}"/>
               </a:ext>
             </a:extLst>
           </p:cNvPr>
           <p:cNvCxnSpPr>
             <a:cxnSpLocks/>
-            <a:stCxn id="19" idx="1"/>
           </p:cNvCxnSpPr>
           <p:nvPr/>
         </p:nvCxnSpPr>
         <p:spPr>
-          <a:xfrm flipH="1">
-            <a:off x="7661428" y="1574307"/>
-            <a:ext cx="1824361" cy="0"/>
+          <a:xfrm>
+            <a:off x="5890332" y="3655475"/>
+            <a:ext cx="1" cy="315897"/>
           </a:xfrm>
           <a:prstGeom prst="straightConnector1">
             <a:avLst/>
@@ -9638,12 +12238,106 @@
           </a:fontRef>
         </p:style>
       </p:cxnSp>
+      <p:sp>
+        <p:nvSpPr>
+          <p:cNvPr id="47" name="TextBox 46">
+            <a:extLst>
+              <a:ext uri="{FF2B5EF4-FFF2-40B4-BE49-F238E27FC236}">
+                <a16:creationId xmlns:a16="http://schemas.microsoft.com/office/drawing/2014/main" id="{A892EFC1-A1C8-4B99-B45B-B2707A5608ED}"/>
+              </a:ext>
+            </a:extLst>
+          </p:cNvPr>
+          <p:cNvSpPr txBox="1"/>
+          <p:nvPr/>
+        </p:nvSpPr>
+        <p:spPr>
+          <a:xfrm>
+            <a:off x="2850942" y="2999626"/>
+            <a:ext cx="1268296" cy="369332"/>
+          </a:xfrm>
+          <a:prstGeom prst="rect">
+            <a:avLst/>
+          </a:prstGeom>
+          <a:noFill/>
+        </p:spPr>
+        <p:txBody>
+          <a:bodyPr wrap="none" rtlCol="0">
+            <a:spAutoFit/>
+          </a:bodyPr>
+          <a:lstStyle/>
+          <a:p>
+            <a:r>
+              <a:rPr lang="en-US" dirty="0"/>
+              <a:t>Rumble API</a:t>
+            </a:r>
+          </a:p>
+        </p:txBody>
+      </p:sp>
+      <p:sp>
+        <p:nvSpPr>
+          <p:cNvPr id="22" name="Rectangle 21">
+            <a:extLst>
+              <a:ext uri="{FF2B5EF4-FFF2-40B4-BE49-F238E27FC236}">
+                <a16:creationId xmlns:a16="http://schemas.microsoft.com/office/drawing/2014/main" id="{B041507E-625F-8640-A09A-C733074E728D}"/>
+              </a:ext>
+            </a:extLst>
+          </p:cNvPr>
+          <p:cNvSpPr/>
+          <p:nvPr/>
+        </p:nvSpPr>
+        <p:spPr>
+          <a:xfrm>
+            <a:off x="9081855" y="1584433"/>
+            <a:ext cx="1890944" cy="1003177"/>
+          </a:xfrm>
+          <a:prstGeom prst="rect">
+            <a:avLst/>
+          </a:prstGeom>
+          <a:solidFill>
+            <a:srgbClr val="92D050"/>
+          </a:solidFill>
+          <a:ln>
+            <a:noFill/>
+          </a:ln>
+        </p:spPr>
+        <p:style>
+          <a:lnRef idx="2">
+            <a:schemeClr val="dk1">
+              <a:shade val="50000"/>
+            </a:schemeClr>
+          </a:lnRef>
+          <a:fillRef idx="1">
+            <a:schemeClr val="dk1"/>
+          </a:fillRef>
+          <a:effectRef idx="0">
+            <a:schemeClr val="dk1"/>
+          </a:effectRef>
+          <a:fontRef idx="minor">
+            <a:schemeClr val="lt1"/>
+          </a:fontRef>
+        </p:style>
+        <p:txBody>
+          <a:bodyPr rtlCol="0" anchor="ctr"/>
+          <a:lstStyle/>
+          <a:p>
+            <a:pPr algn="ctr"/>
+            <a:r>
+              <a:rPr lang="en-US" dirty="0" err="1"/>
+              <a:t>JSONiq</a:t>
+            </a:r>
+            <a:r>
+              <a:rPr lang="en-US" dirty="0"/>
+              <a:t> Test Suite</a:t>
+            </a:r>
+          </a:p>
+        </p:txBody>
+      </p:sp>
       <p:cxnSp>
         <p:nvCxnSpPr>
-          <p:cNvPr id="29" name="Straight Arrow Connector 28">
-            <a:extLst>
-              <a:ext uri="{FF2B5EF4-FFF2-40B4-BE49-F238E27FC236}">
-                <a16:creationId xmlns:a16="http://schemas.microsoft.com/office/drawing/2014/main" id="{FED9F672-8BFD-454A-85F6-0A26AAA3CE6A}"/>
+          <p:cNvPr id="30" name="Straight Arrow Connector 29">
+            <a:extLst>
+              <a:ext uri="{FF2B5EF4-FFF2-40B4-BE49-F238E27FC236}">
+                <a16:creationId xmlns:a16="http://schemas.microsoft.com/office/drawing/2014/main" id="{05A353DE-76B5-944B-BC56-77E7F77BE34B}"/>
               </a:ext>
             </a:extLst>
           </p:cNvPr>
@@ -9654,7 +12348,7 @@
         </p:nvCxnSpPr>
         <p:spPr>
           <a:xfrm flipH="1">
-            <a:off x="2700501" y="4165614"/>
+            <a:off x="7453527" y="1813090"/>
             <a:ext cx="1628330" cy="0"/>
           </a:xfrm>
           <a:prstGeom prst="straightConnector1">
@@ -9681,10 +12375,10 @@
       </p:cxnSp>
       <p:cxnSp>
         <p:nvCxnSpPr>
-          <p:cNvPr id="34" name="Straight Arrow Connector 33">
-            <a:extLst>
-              <a:ext uri="{FF2B5EF4-FFF2-40B4-BE49-F238E27FC236}">
-                <a16:creationId xmlns:a16="http://schemas.microsoft.com/office/drawing/2014/main" id="{C33C8F52-24DB-4452-952C-66B7CD00C034}"/>
+          <p:cNvPr id="31" name="Straight Arrow Connector 30">
+            <a:extLst>
+              <a:ext uri="{FF2B5EF4-FFF2-40B4-BE49-F238E27FC236}">
+                <a16:creationId xmlns:a16="http://schemas.microsoft.com/office/drawing/2014/main" id="{02A905DA-90BD-A749-8747-AF03008759BF}"/>
               </a:ext>
             </a:extLst>
           </p:cNvPr>
@@ -9695,7 +12389,7 @@
         </p:nvCxnSpPr>
         <p:spPr>
           <a:xfrm>
-            <a:off x="2700501" y="4652631"/>
+            <a:off x="7453527" y="2300107"/>
             <a:ext cx="1628328" cy="0"/>
           </a:xfrm>
           <a:prstGeom prst="straightConnector1">
@@ -9720,54 +12414,12 @@
           </a:fontRef>
         </p:style>
       </p:cxnSp>
-      <p:cxnSp>
-        <p:nvCxnSpPr>
-          <p:cNvPr id="37" name="Straight Arrow Connector 36">
-            <a:extLst>
-              <a:ext uri="{FF2B5EF4-FFF2-40B4-BE49-F238E27FC236}">
-                <a16:creationId xmlns:a16="http://schemas.microsoft.com/office/drawing/2014/main" id="{571D5EE6-8DC9-41B1-B0DA-61A2A517EE02}"/>
-              </a:ext>
-            </a:extLst>
-          </p:cNvPr>
-          <p:cNvCxnSpPr>
-            <a:cxnSpLocks/>
-            <a:endCxn id="25" idx="0"/>
-          </p:cNvCxnSpPr>
-          <p:nvPr/>
-        </p:nvCxnSpPr>
-        <p:spPr>
-          <a:xfrm>
-            <a:off x="5890333" y="2458506"/>
-            <a:ext cx="1" cy="315897"/>
-          </a:xfrm>
-          <a:prstGeom prst="straightConnector1">
-            <a:avLst/>
-          </a:prstGeom>
-          <a:ln w="38100">
-            <a:tailEnd type="triangle"/>
-          </a:ln>
-        </p:spPr>
-        <p:style>
-          <a:lnRef idx="1">
-            <a:schemeClr val="accent1"/>
-          </a:lnRef>
-          <a:fillRef idx="0">
-            <a:schemeClr val="accent1"/>
-          </a:fillRef>
-          <a:effectRef idx="0">
-            <a:schemeClr val="accent1"/>
-          </a:effectRef>
-          <a:fontRef idx="minor">
-            <a:schemeClr val="tx1"/>
-          </a:fontRef>
-        </p:style>
-      </p:cxnSp>
-      <p:sp>
-        <p:nvSpPr>
-          <p:cNvPr id="2" name="TextBox 1">
-            <a:extLst>
-              <a:ext uri="{FF2B5EF4-FFF2-40B4-BE49-F238E27FC236}">
-                <a16:creationId xmlns:a16="http://schemas.microsoft.com/office/drawing/2014/main" id="{A70211B0-DAF0-4200-BC8B-950BD331EC40}"/>
+      <p:sp>
+        <p:nvSpPr>
+          <p:cNvPr id="32" name="TextBox 31">
+            <a:extLst>
+              <a:ext uri="{FF2B5EF4-FFF2-40B4-BE49-F238E27FC236}">
+                <a16:creationId xmlns:a16="http://schemas.microsoft.com/office/drawing/2014/main" id="{F006DC89-50EE-5149-9E66-0E9B5DF1B40F}"/>
               </a:ext>
             </a:extLst>
           </p:cNvPr>
@@ -9776,8 +12428,8 @@
         </p:nvSpPr>
         <p:spPr>
           <a:xfrm>
-            <a:off x="2833532" y="4248241"/>
-            <a:ext cx="1268296" cy="369332"/>
+            <a:off x="7767234" y="1857050"/>
+            <a:ext cx="1098058" cy="369332"/>
           </a:xfrm>
           <a:prstGeom prst="rect">
             <a:avLst/>
@@ -9792,102 +12444,17 @@
           <a:p>
             <a:r>
               <a:rPr lang="en-US" dirty="0"/>
-              <a:t>Rumble API</a:t>
-            </a:r>
-          </a:p>
-        </p:txBody>
-      </p:sp>
-      <p:sp>
-        <p:nvSpPr>
-          <p:cNvPr id="4" name="TextBox 3">
-            <a:extLst>
-              <a:ext uri="{FF2B5EF4-FFF2-40B4-BE49-F238E27FC236}">
-                <a16:creationId xmlns:a16="http://schemas.microsoft.com/office/drawing/2014/main" id="{1D4D868F-F5F9-4A64-B319-E9613214C92E}"/>
-              </a:ext>
-            </a:extLst>
-          </p:cNvPr>
-          <p:cNvSpPr txBox="1"/>
-          <p:nvPr/>
-        </p:nvSpPr>
-        <p:spPr>
-          <a:xfrm>
-            <a:off x="9081856" y="247965"/>
-            <a:ext cx="3110144" cy="646331"/>
-          </a:xfrm>
-          <a:prstGeom prst="rect">
-            <a:avLst/>
-          </a:prstGeom>
-          <a:noFill/>
-          <a:ln>
-            <a:solidFill>
-              <a:schemeClr val="tx1"/>
-            </a:solidFill>
-            <a:prstDash val="lgDash"/>
-          </a:ln>
-        </p:spPr>
-        <p:txBody>
-          <a:bodyPr wrap="square" rtlCol="0">
-            <a:spAutoFit/>
-          </a:bodyPr>
-          <a:lstStyle/>
-          <a:p>
-            <a:r>
-              <a:rPr lang="en-US" sz="1200" dirty="0"/>
-              <a:t>QT3 Test Suite should be analyzed and decided how to handle different versions of XQuery, XPath and XSLT test-cases </a:t>
-            </a:r>
-          </a:p>
-        </p:txBody>
-      </p:sp>
-      <p:sp>
-        <p:nvSpPr>
-          <p:cNvPr id="9" name="TextBox 8">
-            <a:extLst>
-              <a:ext uri="{FF2B5EF4-FFF2-40B4-BE49-F238E27FC236}">
-                <a16:creationId xmlns:a16="http://schemas.microsoft.com/office/drawing/2014/main" id="{5D8D5A12-B369-4D1A-8B9D-E96F26D139DD}"/>
-              </a:ext>
-            </a:extLst>
-          </p:cNvPr>
-          <p:cNvSpPr txBox="1"/>
-          <p:nvPr/>
-        </p:nvSpPr>
-        <p:spPr>
-          <a:xfrm>
-            <a:off x="9078153" y="5625107"/>
-            <a:ext cx="3113845" cy="1015663"/>
-          </a:xfrm>
-          <a:prstGeom prst="rect">
-            <a:avLst/>
-          </a:prstGeom>
-          <a:noFill/>
-          <a:ln>
-            <a:solidFill>
-              <a:schemeClr val="tx1"/>
-            </a:solidFill>
-            <a:prstDash val="lgDash"/>
-          </a:ln>
-        </p:spPr>
-        <p:txBody>
-          <a:bodyPr wrap="square" rtlCol="0">
-            <a:spAutoFit/>
-          </a:bodyPr>
-          <a:lstStyle/>
-          <a:p>
-            <a:r>
-              <a:rPr lang="en-US" sz="1200" dirty="0"/>
-              <a:t>Part 3: Consider maybe automatically opening and closing issues on git based on the statistics of the Test Report class. Maybe MVC pattern can be used here</a:t>
-            </a:r>
-          </a:p>
-          <a:p>
-            <a:endParaRPr lang="en-US" sz="1200" dirty="0"/>
-          </a:p>
-        </p:txBody>
-      </p:sp>
-      <p:sp>
-        <p:nvSpPr>
-          <p:cNvPr id="30" name="Rectangle 29">
-            <a:extLst>
-              <a:ext uri="{FF2B5EF4-FFF2-40B4-BE49-F238E27FC236}">
-                <a16:creationId xmlns:a16="http://schemas.microsoft.com/office/drawing/2014/main" id="{E57C572A-8605-4180-883F-9AFA944558DB}"/>
+              <a:t>Saxon API</a:t>
+            </a:r>
+          </a:p>
+        </p:txBody>
+      </p:sp>
+      <p:sp>
+        <p:nvSpPr>
+          <p:cNvPr id="21" name="Rectangle 20">
+            <a:extLst>
+              <a:ext uri="{FF2B5EF4-FFF2-40B4-BE49-F238E27FC236}">
+                <a16:creationId xmlns:a16="http://schemas.microsoft.com/office/drawing/2014/main" id="{BB777F34-3FAE-6D4D-A441-CE41FCBF1A77}"/>
               </a:ext>
             </a:extLst>
           </p:cNvPr>
@@ -9896,7 +12463,7 @@
         </p:nvSpPr>
         <p:spPr>
           <a:xfrm>
-            <a:off x="4327140" y="3981522"/>
+            <a:off x="4327140" y="1614094"/>
             <a:ext cx="3126387" cy="869747"/>
           </a:xfrm>
           <a:prstGeom prst="rect">
@@ -9930,17 +12497,17 @@
             <a:pPr algn="ctr"/>
             <a:r>
               <a:rPr lang="en-US" dirty="0"/>
-              <a:t>Test Case Handling Logic</a:t>
+              <a:t>Skip Item 2 Test Logic</a:t>
             </a:r>
           </a:p>
         </p:txBody>
       </p:sp>
       <p:cxnSp>
         <p:nvCxnSpPr>
-          <p:cNvPr id="31" name="Straight Arrow Connector 30">
-            <a:extLst>
-              <a:ext uri="{FF2B5EF4-FFF2-40B4-BE49-F238E27FC236}">
-                <a16:creationId xmlns:a16="http://schemas.microsoft.com/office/drawing/2014/main" id="{4A232024-275E-44D0-A36A-59FA95008466}"/>
+          <p:cNvPr id="23" name="Straight Arrow Connector 22">
+            <a:extLst>
+              <a:ext uri="{FF2B5EF4-FFF2-40B4-BE49-F238E27FC236}">
+                <a16:creationId xmlns:a16="http://schemas.microsoft.com/office/drawing/2014/main" id="{ADC77477-CC8C-0746-80D6-28798D7E1E70}"/>
               </a:ext>
             </a:extLst>
           </p:cNvPr>
@@ -9951,7 +12518,7 @@
         </p:nvCxnSpPr>
         <p:spPr>
           <a:xfrm>
-            <a:off x="5872923" y="3665625"/>
+            <a:off x="5890332" y="2482808"/>
             <a:ext cx="1" cy="315897"/>
           </a:xfrm>
           <a:prstGeom prst="straightConnector1">
@@ -9979,7 +12546,90 @@
     </p:spTree>
     <p:extLst>
       <p:ext uri="{BB962C8B-B14F-4D97-AF65-F5344CB8AC3E}">
-        <p14:creationId xmlns:p14="http://schemas.microsoft.com/office/powerpoint/2010/main" val="2029797026"/>
+        <p14:creationId xmlns:p14="http://schemas.microsoft.com/office/powerpoint/2010/main" val="2718003107"/>
+      </p:ext>
+    </p:extLst>
+  </p:cSld>
+  <p:clrMapOvr>
+    <a:masterClrMapping/>
+  </p:clrMapOvr>
+</p:sld>
+</file>
+
+<file path=ppt/slides/slide9.xml><?xml version="1.0" encoding="utf-8"?>
+<p:sld xmlns:a="http://schemas.openxmlformats.org/drawingml/2006/main" xmlns:r="http://schemas.openxmlformats.org/officeDocument/2006/relationships" xmlns:p="http://schemas.openxmlformats.org/presentationml/2006/main">
+  <p:cSld>
+    <p:spTree>
+      <p:nvGrpSpPr>
+        <p:cNvPr id="1" name=""/>
+        <p:cNvGrpSpPr/>
+        <p:nvPr/>
+      </p:nvGrpSpPr>
+      <p:grpSpPr>
+        <a:xfrm>
+          <a:off x="0" y="0"/>
+          <a:ext cx="0" cy="0"/>
+          <a:chOff x="0" y="0"/>
+          <a:chExt cx="0" cy="0"/>
+        </a:xfrm>
+      </p:grpSpPr>
+      <p:sp>
+        <p:nvSpPr>
+          <p:cNvPr id="2" name="Title 1">
+            <a:extLst>
+              <a:ext uri="{FF2B5EF4-FFF2-40B4-BE49-F238E27FC236}">
+                <a16:creationId xmlns:a16="http://schemas.microsoft.com/office/drawing/2014/main" id="{0058CA62-7775-9C44-9C94-7F2F9F418606}"/>
+              </a:ext>
+            </a:extLst>
+          </p:cNvPr>
+          <p:cNvSpPr>
+            <a:spLocks noGrp="1"/>
+          </p:cNvSpPr>
+          <p:nvPr>
+            <p:ph type="title"/>
+          </p:nvPr>
+        </p:nvSpPr>
+        <p:spPr/>
+        <p:txBody>
+          <a:bodyPr/>
+          <a:lstStyle/>
+          <a:p>
+            <a:r>
+              <a:rPr lang="en-US"/>
+              <a:t>HERE SHOULD BE PLUGIN ARCHITECTURE</a:t>
+            </a:r>
+          </a:p>
+        </p:txBody>
+      </p:sp>
+      <p:sp>
+        <p:nvSpPr>
+          <p:cNvPr id="3" name="Content Placeholder 2">
+            <a:extLst>
+              <a:ext uri="{FF2B5EF4-FFF2-40B4-BE49-F238E27FC236}">
+                <a16:creationId xmlns:a16="http://schemas.microsoft.com/office/drawing/2014/main" id="{3E4DBA6A-4B96-F14E-A341-BFB4E09ED623}"/>
+              </a:ext>
+            </a:extLst>
+          </p:cNvPr>
+          <p:cNvSpPr>
+            <a:spLocks noGrp="1"/>
+          </p:cNvSpPr>
+          <p:nvPr>
+            <p:ph idx="1"/>
+          </p:nvPr>
+        </p:nvSpPr>
+        <p:spPr/>
+        <p:txBody>
+          <a:bodyPr/>
+          <a:lstStyle/>
+          <a:p>
+            <a:endParaRPr lang="en-US"/>
+          </a:p>
+        </p:txBody>
+      </p:sp>
+    </p:spTree>
+    <p:extLst>
+      <p:ext uri="{BB962C8B-B14F-4D97-AF65-F5344CB8AC3E}">
+        <p14:creationId xmlns:p14="http://schemas.microsoft.com/office/powerpoint/2010/main" val="1897876379"/>
       </p:ext>
     </p:extLst>
   </p:cSld>

--- a/thesis/Architecture Diagram v2.0.pptx
+++ b/thesis/Architecture Diagram v2.0.pptx
@@ -281,7 +281,7 @@
           <a:p>
             <a:fld id="{D55ECC76-8EB5-4363-A59F-0D38F5FF4683}" type="datetimeFigureOut">
               <a:rPr lang="en-US" smtClean="0"/>
-              <a:t>2/21/21</a:t>
+              <a:t>2/24/21</a:t>
             </a:fld>
             <a:endParaRPr lang="en-US"/>
           </a:p>
@@ -479,7 +479,7 @@
           <a:p>
             <a:fld id="{D55ECC76-8EB5-4363-A59F-0D38F5FF4683}" type="datetimeFigureOut">
               <a:rPr lang="en-US" smtClean="0"/>
-              <a:t>2/21/21</a:t>
+              <a:t>2/24/21</a:t>
             </a:fld>
             <a:endParaRPr lang="en-US"/>
           </a:p>
@@ -687,7 +687,7 @@
           <a:p>
             <a:fld id="{D55ECC76-8EB5-4363-A59F-0D38F5FF4683}" type="datetimeFigureOut">
               <a:rPr lang="en-US" smtClean="0"/>
-              <a:t>2/21/21</a:t>
+              <a:t>2/24/21</a:t>
             </a:fld>
             <a:endParaRPr lang="en-US"/>
           </a:p>
@@ -885,7 +885,7 @@
           <a:p>
             <a:fld id="{D55ECC76-8EB5-4363-A59F-0D38F5FF4683}" type="datetimeFigureOut">
               <a:rPr lang="en-US" smtClean="0"/>
-              <a:t>2/21/21</a:t>
+              <a:t>2/24/21</a:t>
             </a:fld>
             <a:endParaRPr lang="en-US"/>
           </a:p>
@@ -1160,7 +1160,7 @@
           <a:p>
             <a:fld id="{D55ECC76-8EB5-4363-A59F-0D38F5FF4683}" type="datetimeFigureOut">
               <a:rPr lang="en-US" smtClean="0"/>
-              <a:t>2/21/21</a:t>
+              <a:t>2/24/21</a:t>
             </a:fld>
             <a:endParaRPr lang="en-US"/>
           </a:p>
@@ -1425,7 +1425,7 @@
           <a:p>
             <a:fld id="{D55ECC76-8EB5-4363-A59F-0D38F5FF4683}" type="datetimeFigureOut">
               <a:rPr lang="en-US" smtClean="0"/>
-              <a:t>2/21/21</a:t>
+              <a:t>2/24/21</a:t>
             </a:fld>
             <a:endParaRPr lang="en-US"/>
           </a:p>
@@ -1837,7 +1837,7 @@
           <a:p>
             <a:fld id="{D55ECC76-8EB5-4363-A59F-0D38F5FF4683}" type="datetimeFigureOut">
               <a:rPr lang="en-US" smtClean="0"/>
-              <a:t>2/21/21</a:t>
+              <a:t>2/24/21</a:t>
             </a:fld>
             <a:endParaRPr lang="en-US"/>
           </a:p>
@@ -1978,7 +1978,7 @@
           <a:p>
             <a:fld id="{D55ECC76-8EB5-4363-A59F-0D38F5FF4683}" type="datetimeFigureOut">
               <a:rPr lang="en-US" smtClean="0"/>
-              <a:t>2/21/21</a:t>
+              <a:t>2/24/21</a:t>
             </a:fld>
             <a:endParaRPr lang="en-US"/>
           </a:p>
@@ -2091,7 +2091,7 @@
           <a:p>
             <a:fld id="{D55ECC76-8EB5-4363-A59F-0D38F5FF4683}" type="datetimeFigureOut">
               <a:rPr lang="en-US" smtClean="0"/>
-              <a:t>2/21/21</a:t>
+              <a:t>2/24/21</a:t>
             </a:fld>
             <a:endParaRPr lang="en-US"/>
           </a:p>
@@ -2402,7 +2402,7 @@
           <a:p>
             <a:fld id="{D55ECC76-8EB5-4363-A59F-0D38F5FF4683}" type="datetimeFigureOut">
               <a:rPr lang="en-US" smtClean="0"/>
-              <a:t>2/21/21</a:t>
+              <a:t>2/24/21</a:t>
             </a:fld>
             <a:endParaRPr lang="en-US"/>
           </a:p>
@@ -2690,7 +2690,7 @@
           <a:p>
             <a:fld id="{D55ECC76-8EB5-4363-A59F-0D38F5FF4683}" type="datetimeFigureOut">
               <a:rPr lang="en-US" smtClean="0"/>
-              <a:t>2/21/21</a:t>
+              <a:t>2/24/21</a:t>
             </a:fld>
             <a:endParaRPr lang="en-US"/>
           </a:p>
@@ -2931,7 +2931,7 @@
           <a:p>
             <a:fld id="{D55ECC76-8EB5-4363-A59F-0D38F5FF4683}" type="datetimeFigureOut">
               <a:rPr lang="en-US" smtClean="0"/>
-              <a:t>2/21/21</a:t>
+              <a:t>2/24/21</a:t>
             </a:fld>
             <a:endParaRPr lang="en-US"/>
           </a:p>

--- a/thesis/Architecture Diagram v2.0.pptx
+++ b/thesis/Architecture Diagram v2.0.pptx
@@ -13,9 +13,12 @@
     <p:sldId id="260" r:id="rId7"/>
     <p:sldId id="268" r:id="rId8"/>
     <p:sldId id="269" r:id="rId9"/>
-    <p:sldId id="261" r:id="rId10"/>
-    <p:sldId id="257" r:id="rId11"/>
-    <p:sldId id="258" r:id="rId12"/>
+    <p:sldId id="271" r:id="rId10"/>
+    <p:sldId id="272" r:id="rId11"/>
+    <p:sldId id="273" r:id="rId12"/>
+    <p:sldId id="261" r:id="rId13"/>
+    <p:sldId id="257" r:id="rId14"/>
+    <p:sldId id="258" r:id="rId15"/>
   </p:sldIdLst>
   <p:sldSz cx="12192000" cy="6858000"/>
   <p:notesSz cx="6858000" cy="9144000"/>
@@ -281,7 +284,7 @@
           <a:p>
             <a:fld id="{D55ECC76-8EB5-4363-A59F-0D38F5FF4683}" type="datetimeFigureOut">
               <a:rPr lang="en-US" smtClean="0"/>
-              <a:t>2/24/21</a:t>
+              <a:t>3/12/21</a:t>
             </a:fld>
             <a:endParaRPr lang="en-US"/>
           </a:p>
@@ -479,7 +482,7 @@
           <a:p>
             <a:fld id="{D55ECC76-8EB5-4363-A59F-0D38F5FF4683}" type="datetimeFigureOut">
               <a:rPr lang="en-US" smtClean="0"/>
-              <a:t>2/24/21</a:t>
+              <a:t>3/12/21</a:t>
             </a:fld>
             <a:endParaRPr lang="en-US"/>
           </a:p>
@@ -687,7 +690,7 @@
           <a:p>
             <a:fld id="{D55ECC76-8EB5-4363-A59F-0D38F5FF4683}" type="datetimeFigureOut">
               <a:rPr lang="en-US" smtClean="0"/>
-              <a:t>2/24/21</a:t>
+              <a:t>3/12/21</a:t>
             </a:fld>
             <a:endParaRPr lang="en-US"/>
           </a:p>
@@ -885,7 +888,7 @@
           <a:p>
             <a:fld id="{D55ECC76-8EB5-4363-A59F-0D38F5FF4683}" type="datetimeFigureOut">
               <a:rPr lang="en-US" smtClean="0"/>
-              <a:t>2/24/21</a:t>
+              <a:t>3/12/21</a:t>
             </a:fld>
             <a:endParaRPr lang="en-US"/>
           </a:p>
@@ -1160,7 +1163,7 @@
           <a:p>
             <a:fld id="{D55ECC76-8EB5-4363-A59F-0D38F5FF4683}" type="datetimeFigureOut">
               <a:rPr lang="en-US" smtClean="0"/>
-              <a:t>2/24/21</a:t>
+              <a:t>3/12/21</a:t>
             </a:fld>
             <a:endParaRPr lang="en-US"/>
           </a:p>
@@ -1425,7 +1428,7 @@
           <a:p>
             <a:fld id="{D55ECC76-8EB5-4363-A59F-0D38F5FF4683}" type="datetimeFigureOut">
               <a:rPr lang="en-US" smtClean="0"/>
-              <a:t>2/24/21</a:t>
+              <a:t>3/12/21</a:t>
             </a:fld>
             <a:endParaRPr lang="en-US"/>
           </a:p>
@@ -1837,7 +1840,7 @@
           <a:p>
             <a:fld id="{D55ECC76-8EB5-4363-A59F-0D38F5FF4683}" type="datetimeFigureOut">
               <a:rPr lang="en-US" smtClean="0"/>
-              <a:t>2/24/21</a:t>
+              <a:t>3/12/21</a:t>
             </a:fld>
             <a:endParaRPr lang="en-US"/>
           </a:p>
@@ -1978,7 +1981,7 @@
           <a:p>
             <a:fld id="{D55ECC76-8EB5-4363-A59F-0D38F5FF4683}" type="datetimeFigureOut">
               <a:rPr lang="en-US" smtClean="0"/>
-              <a:t>2/24/21</a:t>
+              <a:t>3/12/21</a:t>
             </a:fld>
             <a:endParaRPr lang="en-US"/>
           </a:p>
@@ -2091,7 +2094,7 @@
           <a:p>
             <a:fld id="{D55ECC76-8EB5-4363-A59F-0D38F5FF4683}" type="datetimeFigureOut">
               <a:rPr lang="en-US" smtClean="0"/>
-              <a:t>2/24/21</a:t>
+              <a:t>3/12/21</a:t>
             </a:fld>
             <a:endParaRPr lang="en-US"/>
           </a:p>
@@ -2402,7 +2405,7 @@
           <a:p>
             <a:fld id="{D55ECC76-8EB5-4363-A59F-0D38F5FF4683}" type="datetimeFigureOut">
               <a:rPr lang="en-US" smtClean="0"/>
-              <a:t>2/24/21</a:t>
+              <a:t>3/12/21</a:t>
             </a:fld>
             <a:endParaRPr lang="en-US"/>
           </a:p>
@@ -2690,7 +2693,7 @@
           <a:p>
             <a:fld id="{D55ECC76-8EB5-4363-A59F-0D38F5FF4683}" type="datetimeFigureOut">
               <a:rPr lang="en-US" smtClean="0"/>
-              <a:t>2/24/21</a:t>
+              <a:t>3/12/21</a:t>
             </a:fld>
             <a:endParaRPr lang="en-US"/>
           </a:p>
@@ -2931,7 +2934,7 @@
           <a:p>
             <a:fld id="{D55ECC76-8EB5-4363-A59F-0D38F5FF4683}" type="datetimeFigureOut">
               <a:rPr lang="en-US" smtClean="0"/>
-              <a:t>2/24/21</a:t>
+              <a:t>3/12/21</a:t>
             </a:fld>
             <a:endParaRPr lang="en-US"/>
           </a:p>
@@ -3939,6 +3942,5258 @@
       </p:grpSpPr>
       <p:sp>
         <p:nvSpPr>
+          <p:cNvPr id="10" name="TextBox 9">
+            <a:extLst>
+              <a:ext uri="{FF2B5EF4-FFF2-40B4-BE49-F238E27FC236}">
+                <a16:creationId xmlns:a16="http://schemas.microsoft.com/office/drawing/2014/main" id="{BD93AE1B-6FB3-BF4E-B18C-47B5D53C8C25}"/>
+              </a:ext>
+            </a:extLst>
+          </p:cNvPr>
+          <p:cNvSpPr txBox="1"/>
+          <p:nvPr/>
+        </p:nvSpPr>
+        <p:spPr>
+          <a:xfrm>
+            <a:off x="4781581" y="942625"/>
+            <a:ext cx="1812883" cy="523220"/>
+          </a:xfrm>
+          <a:prstGeom prst="rect">
+            <a:avLst/>
+          </a:prstGeom>
+          <a:noFill/>
+        </p:spPr>
+        <p:txBody>
+          <a:bodyPr wrap="square" rtlCol="0">
+            <a:spAutoFit/>
+          </a:bodyPr>
+          <a:lstStyle/>
+          <a:p>
+            <a:r>
+              <a:rPr lang="en-US" sz="1400" dirty="0"/>
+              <a:t>All Dependency </a:t>
+            </a:r>
+          </a:p>
+          <a:p>
+            <a:r>
+              <a:rPr lang="en-US" sz="1400" dirty="0"/>
+              <a:t>Tags Supported</a:t>
+            </a:r>
+          </a:p>
+        </p:txBody>
+      </p:sp>
+      <p:sp>
+        <p:nvSpPr>
+          <p:cNvPr id="16" name="TextBox 15">
+            <a:extLst>
+              <a:ext uri="{FF2B5EF4-FFF2-40B4-BE49-F238E27FC236}">
+                <a16:creationId xmlns:a16="http://schemas.microsoft.com/office/drawing/2014/main" id="{AB2C7EFE-2090-5E40-8BE6-14DEBEDC59A4}"/>
+              </a:ext>
+            </a:extLst>
+          </p:cNvPr>
+          <p:cNvSpPr txBox="1"/>
+          <p:nvPr/>
+        </p:nvSpPr>
+        <p:spPr>
+          <a:xfrm>
+            <a:off x="7199342" y="142323"/>
+            <a:ext cx="1980488" cy="523220"/>
+          </a:xfrm>
+          <a:prstGeom prst="rect">
+            <a:avLst/>
+          </a:prstGeom>
+          <a:noFill/>
+        </p:spPr>
+        <p:txBody>
+          <a:bodyPr wrap="square" rtlCol="0">
+            <a:spAutoFit/>
+          </a:bodyPr>
+          <a:lstStyle/>
+          <a:p>
+            <a:r>
+              <a:rPr lang="en-US" sz="1400" dirty="0"/>
+              <a:t>Some Dependency </a:t>
+            </a:r>
+          </a:p>
+          <a:p>
+            <a:r>
+              <a:rPr lang="en-US" sz="1400" dirty="0"/>
+              <a:t>Tag Not Supported</a:t>
+            </a:r>
+          </a:p>
+        </p:txBody>
+      </p:sp>
+      <p:sp>
+        <p:nvSpPr>
+          <p:cNvPr id="18" name="Rectangle 17">
+            <a:extLst>
+              <a:ext uri="{FF2B5EF4-FFF2-40B4-BE49-F238E27FC236}">
+                <a16:creationId xmlns:a16="http://schemas.microsoft.com/office/drawing/2014/main" id="{53BE2C2C-E60C-0C4E-B769-147CA64E424E}"/>
+              </a:ext>
+            </a:extLst>
+          </p:cNvPr>
+          <p:cNvSpPr/>
+          <p:nvPr/>
+        </p:nvSpPr>
+        <p:spPr>
+          <a:xfrm>
+            <a:off x="5272992" y="1452009"/>
+            <a:ext cx="1830082" cy="526820"/>
+          </a:xfrm>
+          <a:prstGeom prst="rect">
+            <a:avLst/>
+          </a:prstGeom>
+          <a:solidFill>
+            <a:srgbClr val="92D050"/>
+          </a:solidFill>
+          <a:ln>
+            <a:noFill/>
+          </a:ln>
+        </p:spPr>
+        <p:style>
+          <a:lnRef idx="2">
+            <a:schemeClr val="dk1">
+              <a:shade val="50000"/>
+            </a:schemeClr>
+          </a:lnRef>
+          <a:fillRef idx="1">
+            <a:schemeClr val="dk1"/>
+          </a:fillRef>
+          <a:effectRef idx="0">
+            <a:schemeClr val="dk1"/>
+          </a:effectRef>
+          <a:fontRef idx="minor">
+            <a:schemeClr val="lt1"/>
+          </a:fontRef>
+        </p:style>
+        <p:txBody>
+          <a:bodyPr rtlCol="0" anchor="ctr"/>
+          <a:lstStyle/>
+          <a:p>
+            <a:pPr algn="ctr"/>
+            <a:r>
+              <a:rPr lang="en-US" dirty="0"/>
+              <a:t>Convert Test Tag To Test Query</a:t>
+            </a:r>
+          </a:p>
+        </p:txBody>
+      </p:sp>
+      <p:sp>
+        <p:nvSpPr>
+          <p:cNvPr id="27" name="TextBox 26">
+            <a:extLst>
+              <a:ext uri="{FF2B5EF4-FFF2-40B4-BE49-F238E27FC236}">
+                <a16:creationId xmlns:a16="http://schemas.microsoft.com/office/drawing/2014/main" id="{0DFAC870-7527-2D43-B893-A2F1B71F0322}"/>
+              </a:ext>
+            </a:extLst>
+          </p:cNvPr>
+          <p:cNvSpPr txBox="1"/>
+          <p:nvPr/>
+        </p:nvSpPr>
+        <p:spPr>
+          <a:xfrm>
+            <a:off x="7199342" y="1142771"/>
+            <a:ext cx="1980488" cy="523220"/>
+          </a:xfrm>
+          <a:prstGeom prst="rect">
+            <a:avLst/>
+          </a:prstGeom>
+          <a:noFill/>
+        </p:spPr>
+        <p:txBody>
+          <a:bodyPr wrap="square" rtlCol="0">
+            <a:spAutoFit/>
+          </a:bodyPr>
+          <a:lstStyle/>
+          <a:p>
+            <a:r>
+              <a:rPr lang="en-US" sz="1400" dirty="0"/>
+              <a:t>Some XQuery Type </a:t>
+            </a:r>
+          </a:p>
+          <a:p>
+            <a:r>
+              <a:rPr lang="en-US" sz="1400" dirty="0"/>
+              <a:t>Not Supported</a:t>
+            </a:r>
+          </a:p>
+        </p:txBody>
+      </p:sp>
+      <p:sp>
+        <p:nvSpPr>
+          <p:cNvPr id="29" name="TextBox 28">
+            <a:extLst>
+              <a:ext uri="{FF2B5EF4-FFF2-40B4-BE49-F238E27FC236}">
+                <a16:creationId xmlns:a16="http://schemas.microsoft.com/office/drawing/2014/main" id="{15CBC189-987E-1D49-ABEB-A536DE21E060}"/>
+              </a:ext>
+            </a:extLst>
+          </p:cNvPr>
+          <p:cNvSpPr txBox="1"/>
+          <p:nvPr/>
+        </p:nvSpPr>
+        <p:spPr>
+          <a:xfrm>
+            <a:off x="4781581" y="1982752"/>
+            <a:ext cx="1980488" cy="523220"/>
+          </a:xfrm>
+          <a:prstGeom prst="rect">
+            <a:avLst/>
+          </a:prstGeom>
+          <a:noFill/>
+        </p:spPr>
+        <p:txBody>
+          <a:bodyPr wrap="square" rtlCol="0">
+            <a:spAutoFit/>
+          </a:bodyPr>
+          <a:lstStyle/>
+          <a:p>
+            <a:r>
+              <a:rPr lang="en-US" sz="1400" dirty="0"/>
+              <a:t>All XQuery Types </a:t>
+            </a:r>
+          </a:p>
+          <a:p>
+            <a:r>
+              <a:rPr lang="en-US" sz="1400" dirty="0"/>
+              <a:t>Are Supported</a:t>
+            </a:r>
+          </a:p>
+        </p:txBody>
+      </p:sp>
+      <p:sp>
+        <p:nvSpPr>
+          <p:cNvPr id="36" name="TextBox 35">
+            <a:extLst>
+              <a:ext uri="{FF2B5EF4-FFF2-40B4-BE49-F238E27FC236}">
+                <a16:creationId xmlns:a16="http://schemas.microsoft.com/office/drawing/2014/main" id="{4CB22B23-110A-314E-B8E9-19B71FD9389E}"/>
+              </a:ext>
+            </a:extLst>
+          </p:cNvPr>
+          <p:cNvSpPr txBox="1"/>
+          <p:nvPr/>
+        </p:nvSpPr>
+        <p:spPr>
+          <a:xfrm>
+            <a:off x="7225271" y="3285744"/>
+            <a:ext cx="1980488" cy="523220"/>
+          </a:xfrm>
+          <a:prstGeom prst="rect">
+            <a:avLst/>
+          </a:prstGeom>
+          <a:noFill/>
+        </p:spPr>
+        <p:txBody>
+          <a:bodyPr wrap="square" rtlCol="0">
+            <a:spAutoFit/>
+          </a:bodyPr>
+          <a:lstStyle/>
+          <a:p>
+            <a:r>
+              <a:rPr lang="en-US" sz="1400" dirty="0"/>
+              <a:t>Nested Query</a:t>
+            </a:r>
+          </a:p>
+          <a:p>
+            <a:r>
+              <a:rPr lang="en-US" sz="1400" dirty="0"/>
+              <a:t>Required</a:t>
+            </a:r>
+          </a:p>
+        </p:txBody>
+      </p:sp>
+      <p:sp>
+        <p:nvSpPr>
+          <p:cNvPr id="37" name="TextBox 36">
+            <a:extLst>
+              <a:ext uri="{FF2B5EF4-FFF2-40B4-BE49-F238E27FC236}">
+                <a16:creationId xmlns:a16="http://schemas.microsoft.com/office/drawing/2014/main" id="{0D873371-B9CC-F84D-A95B-3DB9A34A78CF}"/>
+              </a:ext>
+            </a:extLst>
+          </p:cNvPr>
+          <p:cNvSpPr txBox="1"/>
+          <p:nvPr/>
+        </p:nvSpPr>
+        <p:spPr>
+          <a:xfrm>
+            <a:off x="3577682" y="1213468"/>
+            <a:ext cx="1980488" cy="584775"/>
+          </a:xfrm>
+          <a:prstGeom prst="rect">
+            <a:avLst/>
+          </a:prstGeom>
+          <a:noFill/>
+        </p:spPr>
+        <p:txBody>
+          <a:bodyPr wrap="square" rtlCol="0">
+            <a:spAutoFit/>
+          </a:bodyPr>
+          <a:lstStyle/>
+          <a:p>
+            <a:r>
+              <a:rPr lang="en-US" sz="1400" dirty="0"/>
+              <a:t>Exception </a:t>
+            </a:r>
+          </a:p>
+          <a:p>
+            <a:r>
+              <a:rPr lang="en-US" sz="1400" dirty="0"/>
+              <a:t>Thrown</a:t>
+            </a:r>
+          </a:p>
+        </p:txBody>
+      </p:sp>
+      <p:sp>
+        <p:nvSpPr>
+          <p:cNvPr id="39" name="TextBox 38">
+            <a:extLst>
+              <a:ext uri="{FF2B5EF4-FFF2-40B4-BE49-F238E27FC236}">
+                <a16:creationId xmlns:a16="http://schemas.microsoft.com/office/drawing/2014/main" id="{F12007CC-03E4-FF43-9E20-81D1B873465A}"/>
+              </a:ext>
+            </a:extLst>
+          </p:cNvPr>
+          <p:cNvSpPr txBox="1"/>
+          <p:nvPr/>
+        </p:nvSpPr>
+        <p:spPr>
+          <a:xfrm>
+            <a:off x="3529915" y="2032308"/>
+            <a:ext cx="1980488" cy="830997"/>
+          </a:xfrm>
+          <a:prstGeom prst="rect">
+            <a:avLst/>
+          </a:prstGeom>
+          <a:noFill/>
+        </p:spPr>
+        <p:txBody>
+          <a:bodyPr wrap="square" rtlCol="0">
+            <a:spAutoFit/>
+          </a:bodyPr>
+          <a:lstStyle/>
+          <a:p>
+            <a:r>
+              <a:rPr lang="en-US" sz="1400" dirty="0"/>
+              <a:t>Rumble </a:t>
+            </a:r>
+          </a:p>
+          <a:p>
+            <a:r>
+              <a:rPr lang="en-US" sz="1400" dirty="0"/>
+              <a:t>Exception </a:t>
+            </a:r>
+          </a:p>
+          <a:p>
+            <a:r>
+              <a:rPr lang="en-US" sz="1400" dirty="0"/>
+              <a:t>Thrown</a:t>
+            </a:r>
+          </a:p>
+        </p:txBody>
+      </p:sp>
+      <p:sp>
+        <p:nvSpPr>
+          <p:cNvPr id="58" name="TextBox 57">
+            <a:extLst>
+              <a:ext uri="{FF2B5EF4-FFF2-40B4-BE49-F238E27FC236}">
+                <a16:creationId xmlns:a16="http://schemas.microsoft.com/office/drawing/2014/main" id="{003B3ADC-7F67-6449-9EA1-FABFFBD72580}"/>
+              </a:ext>
+            </a:extLst>
+          </p:cNvPr>
+          <p:cNvSpPr txBox="1"/>
+          <p:nvPr/>
+        </p:nvSpPr>
+        <p:spPr>
+          <a:xfrm>
+            <a:off x="1629629" y="1973429"/>
+            <a:ext cx="1222656" cy="523220"/>
+          </a:xfrm>
+          <a:prstGeom prst="rect">
+            <a:avLst/>
+          </a:prstGeom>
+          <a:noFill/>
+        </p:spPr>
+        <p:txBody>
+          <a:bodyPr wrap="square" rtlCol="0">
+            <a:spAutoFit/>
+          </a:bodyPr>
+          <a:lstStyle/>
+          <a:p>
+            <a:r>
+              <a:rPr lang="en-US" sz="1400" dirty="0"/>
+              <a:t>Error Tag</a:t>
+            </a:r>
+          </a:p>
+          <a:p>
+            <a:r>
+              <a:rPr lang="en-US" sz="1400" dirty="0"/>
+              <a:t>Not Exists</a:t>
+            </a:r>
+          </a:p>
+        </p:txBody>
+      </p:sp>
+      <p:sp>
+        <p:nvSpPr>
+          <p:cNvPr id="33" name="TextBox 32">
+            <a:extLst>
+              <a:ext uri="{FF2B5EF4-FFF2-40B4-BE49-F238E27FC236}">
+                <a16:creationId xmlns:a16="http://schemas.microsoft.com/office/drawing/2014/main" id="{1E050E50-98BC-CC46-ADC9-B5B97D339A89}"/>
+              </a:ext>
+            </a:extLst>
+          </p:cNvPr>
+          <p:cNvSpPr txBox="1"/>
+          <p:nvPr/>
+        </p:nvSpPr>
+        <p:spPr>
+          <a:xfrm>
+            <a:off x="7199342" y="2251658"/>
+            <a:ext cx="1980488" cy="523220"/>
+          </a:xfrm>
+          <a:prstGeom prst="rect">
+            <a:avLst/>
+          </a:prstGeom>
+          <a:noFill/>
+        </p:spPr>
+        <p:txBody>
+          <a:bodyPr wrap="square" rtlCol="0">
+            <a:spAutoFit/>
+          </a:bodyPr>
+          <a:lstStyle/>
+          <a:p>
+            <a:r>
+              <a:rPr lang="en-US" sz="1400" dirty="0"/>
+              <a:t>Query Executed &amp; </a:t>
+            </a:r>
+          </a:p>
+          <a:p>
+            <a:r>
+              <a:rPr lang="en-US" sz="1400" dirty="0"/>
+              <a:t>Result Obtained</a:t>
+            </a:r>
+          </a:p>
+        </p:txBody>
+      </p:sp>
+      <p:sp>
+        <p:nvSpPr>
+          <p:cNvPr id="40" name="TextBox 39">
+            <a:extLst>
+              <a:ext uri="{FF2B5EF4-FFF2-40B4-BE49-F238E27FC236}">
+                <a16:creationId xmlns:a16="http://schemas.microsoft.com/office/drawing/2014/main" id="{9A71C661-CE00-9C48-80BB-6369D14429D1}"/>
+              </a:ext>
+            </a:extLst>
+          </p:cNvPr>
+          <p:cNvSpPr txBox="1"/>
+          <p:nvPr/>
+        </p:nvSpPr>
+        <p:spPr>
+          <a:xfrm>
+            <a:off x="9713424" y="1973429"/>
+            <a:ext cx="1980488" cy="523220"/>
+          </a:xfrm>
+          <a:prstGeom prst="rect">
+            <a:avLst/>
+          </a:prstGeom>
+          <a:noFill/>
+        </p:spPr>
+        <p:txBody>
+          <a:bodyPr wrap="square" rtlCol="0">
+            <a:spAutoFit/>
+          </a:bodyPr>
+          <a:lstStyle/>
+          <a:p>
+            <a:r>
+              <a:rPr lang="en-US" sz="1400" dirty="0"/>
+              <a:t>Some XQuery Type </a:t>
+            </a:r>
+          </a:p>
+          <a:p>
+            <a:r>
+              <a:rPr lang="en-US" sz="1400" dirty="0"/>
+              <a:t>Not Supported</a:t>
+            </a:r>
+          </a:p>
+        </p:txBody>
+      </p:sp>
+      <p:sp>
+        <p:nvSpPr>
+          <p:cNvPr id="43" name="TextBox 42">
+            <a:extLst>
+              <a:ext uri="{FF2B5EF4-FFF2-40B4-BE49-F238E27FC236}">
+                <a16:creationId xmlns:a16="http://schemas.microsoft.com/office/drawing/2014/main" id="{01B71892-87FA-8A40-A206-F2A9EC04C969}"/>
+              </a:ext>
+            </a:extLst>
+          </p:cNvPr>
+          <p:cNvSpPr txBox="1"/>
+          <p:nvPr/>
+        </p:nvSpPr>
+        <p:spPr>
+          <a:xfrm>
+            <a:off x="9713424" y="3012326"/>
+            <a:ext cx="1980488" cy="523220"/>
+          </a:xfrm>
+          <a:prstGeom prst="rect">
+            <a:avLst/>
+          </a:prstGeom>
+          <a:noFill/>
+        </p:spPr>
+        <p:txBody>
+          <a:bodyPr wrap="square" rtlCol="0">
+            <a:spAutoFit/>
+          </a:bodyPr>
+          <a:lstStyle/>
+          <a:p>
+            <a:r>
+              <a:rPr lang="en-US" sz="1400" dirty="0"/>
+              <a:t>All XQuery Types </a:t>
+            </a:r>
+          </a:p>
+          <a:p>
+            <a:r>
+              <a:rPr lang="en-US" sz="1400" dirty="0"/>
+              <a:t>Are Supported</a:t>
+            </a:r>
+          </a:p>
+        </p:txBody>
+      </p:sp>
+      <p:sp>
+        <p:nvSpPr>
+          <p:cNvPr id="38" name="Rectangle 37">
+            <a:extLst>
+              <a:ext uri="{FF2B5EF4-FFF2-40B4-BE49-F238E27FC236}">
+                <a16:creationId xmlns:a16="http://schemas.microsoft.com/office/drawing/2014/main" id="{E2C957FA-5D40-884B-A302-7410E618DDE5}"/>
+              </a:ext>
+            </a:extLst>
+          </p:cNvPr>
+          <p:cNvSpPr/>
+          <p:nvPr/>
+        </p:nvSpPr>
+        <p:spPr>
+          <a:xfrm>
+            <a:off x="5272992" y="423236"/>
+            <a:ext cx="1830082" cy="526820"/>
+          </a:xfrm>
+          <a:prstGeom prst="rect">
+            <a:avLst/>
+          </a:prstGeom>
+          <a:solidFill>
+            <a:schemeClr val="accent2"/>
+          </a:solidFill>
+          <a:ln>
+            <a:noFill/>
+          </a:ln>
+        </p:spPr>
+        <p:style>
+          <a:lnRef idx="2">
+            <a:schemeClr val="dk1">
+              <a:shade val="50000"/>
+            </a:schemeClr>
+          </a:lnRef>
+          <a:fillRef idx="1">
+            <a:schemeClr val="dk1"/>
+          </a:fillRef>
+          <a:effectRef idx="0">
+            <a:schemeClr val="dk1"/>
+          </a:effectRef>
+          <a:fontRef idx="minor">
+            <a:schemeClr val="lt1"/>
+          </a:fontRef>
+        </p:style>
+        <p:txBody>
+          <a:bodyPr rtlCol="0" anchor="ctr"/>
+          <a:lstStyle/>
+          <a:p>
+            <a:pPr algn="ctr"/>
+            <a:r>
+              <a:rPr lang="en-US" dirty="0"/>
+              <a:t>Check Dependency Tag</a:t>
+            </a:r>
+          </a:p>
+        </p:txBody>
+      </p:sp>
+      <p:sp>
+        <p:nvSpPr>
+          <p:cNvPr id="42" name="Rectangle 41">
+            <a:extLst>
+              <a:ext uri="{FF2B5EF4-FFF2-40B4-BE49-F238E27FC236}">
+                <a16:creationId xmlns:a16="http://schemas.microsoft.com/office/drawing/2014/main" id="{92F1CFFD-9D2D-0E42-AACE-39A2946B16D8}"/>
+              </a:ext>
+            </a:extLst>
+          </p:cNvPr>
+          <p:cNvSpPr/>
+          <p:nvPr/>
+        </p:nvSpPr>
+        <p:spPr>
+          <a:xfrm>
+            <a:off x="5272992" y="2480782"/>
+            <a:ext cx="1830082" cy="526820"/>
+          </a:xfrm>
+          <a:prstGeom prst="rect">
+            <a:avLst/>
+          </a:prstGeom>
+          <a:solidFill>
+            <a:schemeClr val="tx1">
+              <a:lumMod val="75000"/>
+              <a:lumOff val="25000"/>
+            </a:schemeClr>
+          </a:solidFill>
+          <a:ln>
+            <a:noFill/>
+          </a:ln>
+        </p:spPr>
+        <p:style>
+          <a:lnRef idx="2">
+            <a:schemeClr val="dk1">
+              <a:shade val="50000"/>
+            </a:schemeClr>
+          </a:lnRef>
+          <a:fillRef idx="1">
+            <a:schemeClr val="dk1"/>
+          </a:fillRef>
+          <a:effectRef idx="0">
+            <a:schemeClr val="dk1"/>
+          </a:effectRef>
+          <a:fontRef idx="minor">
+            <a:schemeClr val="lt1"/>
+          </a:fontRef>
+        </p:style>
+        <p:txBody>
+          <a:bodyPr rtlCol="0" anchor="ctr"/>
+          <a:lstStyle/>
+          <a:p>
+            <a:pPr algn="ctr"/>
+            <a:r>
+              <a:rPr lang="en-US" dirty="0"/>
+              <a:t>Run Test Query</a:t>
+            </a:r>
+          </a:p>
+        </p:txBody>
+      </p:sp>
+      <p:sp>
+        <p:nvSpPr>
+          <p:cNvPr id="46" name="Rectangle 45">
+            <a:extLst>
+              <a:ext uri="{FF2B5EF4-FFF2-40B4-BE49-F238E27FC236}">
+                <a16:creationId xmlns:a16="http://schemas.microsoft.com/office/drawing/2014/main" id="{C6BC421E-4D3F-1B48-8806-C30209A2D56C}"/>
+              </a:ext>
+            </a:extLst>
+          </p:cNvPr>
+          <p:cNvSpPr/>
+          <p:nvPr/>
+        </p:nvSpPr>
+        <p:spPr>
+          <a:xfrm>
+            <a:off x="8798384" y="3519679"/>
+            <a:ext cx="1830082" cy="526820"/>
+          </a:xfrm>
+          <a:prstGeom prst="rect">
+            <a:avLst/>
+          </a:prstGeom>
+          <a:solidFill>
+            <a:schemeClr val="accent1">
+              <a:lumMod val="60000"/>
+              <a:lumOff val="40000"/>
+            </a:schemeClr>
+          </a:solidFill>
+          <a:ln>
+            <a:noFill/>
+          </a:ln>
+        </p:spPr>
+        <p:style>
+          <a:lnRef idx="2">
+            <a:schemeClr val="dk1">
+              <a:shade val="50000"/>
+            </a:schemeClr>
+          </a:lnRef>
+          <a:fillRef idx="1">
+            <a:schemeClr val="dk1"/>
+          </a:fillRef>
+          <a:effectRef idx="0">
+            <a:schemeClr val="dk1"/>
+          </a:effectRef>
+          <a:fontRef idx="minor">
+            <a:schemeClr val="lt1"/>
+          </a:fontRef>
+        </p:style>
+        <p:txBody>
+          <a:bodyPr rtlCol="0" anchor="ctr"/>
+          <a:lstStyle/>
+          <a:p>
+            <a:pPr algn="ctr"/>
+            <a:r>
+              <a:rPr lang="en-US" dirty="0"/>
+              <a:t>Verify Assertion</a:t>
+            </a:r>
+          </a:p>
+        </p:txBody>
+      </p:sp>
+      <p:sp>
+        <p:nvSpPr>
+          <p:cNvPr id="47" name="Rectangle 46">
+            <a:extLst>
+              <a:ext uri="{FF2B5EF4-FFF2-40B4-BE49-F238E27FC236}">
+                <a16:creationId xmlns:a16="http://schemas.microsoft.com/office/drawing/2014/main" id="{5781BC60-33DE-4948-AAAE-09D3E530CF7E}"/>
+              </a:ext>
+            </a:extLst>
+          </p:cNvPr>
+          <p:cNvSpPr/>
+          <p:nvPr/>
+        </p:nvSpPr>
+        <p:spPr>
+          <a:xfrm>
+            <a:off x="1692955" y="2480782"/>
+            <a:ext cx="1830082" cy="526820"/>
+          </a:xfrm>
+          <a:prstGeom prst="rect">
+            <a:avLst/>
+          </a:prstGeom>
+          <a:solidFill>
+            <a:schemeClr val="accent5">
+              <a:lumMod val="60000"/>
+              <a:lumOff val="40000"/>
+            </a:schemeClr>
+          </a:solidFill>
+          <a:ln>
+            <a:noFill/>
+          </a:ln>
+        </p:spPr>
+        <p:style>
+          <a:lnRef idx="2">
+            <a:schemeClr val="dk1">
+              <a:shade val="50000"/>
+            </a:schemeClr>
+          </a:lnRef>
+          <a:fillRef idx="1">
+            <a:schemeClr val="dk1"/>
+          </a:fillRef>
+          <a:effectRef idx="0">
+            <a:schemeClr val="dk1"/>
+          </a:effectRef>
+          <a:fontRef idx="minor">
+            <a:schemeClr val="lt1"/>
+          </a:fontRef>
+        </p:style>
+        <p:txBody>
+          <a:bodyPr rtlCol="0" anchor="ctr"/>
+          <a:lstStyle/>
+          <a:p>
+            <a:pPr algn="ctr"/>
+            <a:r>
+              <a:rPr lang="en-US" dirty="0"/>
+              <a:t>Check Error Tag</a:t>
+            </a:r>
+          </a:p>
+        </p:txBody>
+      </p:sp>
+      <p:sp>
+        <p:nvSpPr>
+          <p:cNvPr id="48" name="Rectangle 47">
+            <a:extLst>
+              <a:ext uri="{FF2B5EF4-FFF2-40B4-BE49-F238E27FC236}">
+                <a16:creationId xmlns:a16="http://schemas.microsoft.com/office/drawing/2014/main" id="{5C99F7ED-ADE8-984F-A17A-CFE3402720A1}"/>
+              </a:ext>
+            </a:extLst>
+          </p:cNvPr>
+          <p:cNvSpPr/>
+          <p:nvPr/>
+        </p:nvSpPr>
+        <p:spPr>
+          <a:xfrm>
+            <a:off x="8798384" y="2485506"/>
+            <a:ext cx="1830082" cy="526820"/>
+          </a:xfrm>
+          <a:prstGeom prst="rect">
+            <a:avLst/>
+          </a:prstGeom>
+          <a:solidFill>
+            <a:schemeClr val="bg2">
+              <a:lumMod val="50000"/>
+            </a:schemeClr>
+          </a:solidFill>
+          <a:ln>
+            <a:noFill/>
+          </a:ln>
+        </p:spPr>
+        <p:style>
+          <a:lnRef idx="2">
+            <a:schemeClr val="dk1">
+              <a:shade val="50000"/>
+            </a:schemeClr>
+          </a:lnRef>
+          <a:fillRef idx="1">
+            <a:schemeClr val="dk1"/>
+          </a:fillRef>
+          <a:effectRef idx="0">
+            <a:schemeClr val="dk1"/>
+          </a:effectRef>
+          <a:fontRef idx="minor">
+            <a:schemeClr val="lt1"/>
+          </a:fontRef>
+        </p:style>
+        <p:txBody>
+          <a:bodyPr rtlCol="0" anchor="ctr"/>
+          <a:lstStyle/>
+          <a:p>
+            <a:pPr algn="ctr"/>
+            <a:r>
+              <a:rPr lang="en-US" dirty="0"/>
+              <a:t>Convert Result Tag To Verify</a:t>
+            </a:r>
+          </a:p>
+        </p:txBody>
+      </p:sp>
+      <p:sp>
+        <p:nvSpPr>
+          <p:cNvPr id="49" name="Rectangle 48">
+            <a:extLst>
+              <a:ext uri="{FF2B5EF4-FFF2-40B4-BE49-F238E27FC236}">
+                <a16:creationId xmlns:a16="http://schemas.microsoft.com/office/drawing/2014/main" id="{0D9375B0-2DC5-F042-95C6-0CF1BBB78026}"/>
+              </a:ext>
+            </a:extLst>
+          </p:cNvPr>
+          <p:cNvSpPr/>
+          <p:nvPr/>
+        </p:nvSpPr>
+        <p:spPr>
+          <a:xfrm>
+            <a:off x="1692955" y="1452008"/>
+            <a:ext cx="1830083" cy="526822"/>
+          </a:xfrm>
+          <a:prstGeom prst="rect">
+            <a:avLst/>
+          </a:prstGeom>
+          <a:solidFill>
+            <a:schemeClr val="accent4">
+              <a:lumMod val="20000"/>
+              <a:lumOff val="80000"/>
+            </a:schemeClr>
+          </a:solidFill>
+          <a:ln>
+            <a:noFill/>
+          </a:ln>
+        </p:spPr>
+        <p:style>
+          <a:lnRef idx="2">
+            <a:schemeClr val="dk1">
+              <a:shade val="50000"/>
+            </a:schemeClr>
+          </a:lnRef>
+          <a:fillRef idx="1">
+            <a:schemeClr val="dk1"/>
+          </a:fillRef>
+          <a:effectRef idx="0">
+            <a:schemeClr val="dk1"/>
+          </a:effectRef>
+          <a:fontRef idx="minor">
+            <a:schemeClr val="lt1"/>
+          </a:fontRef>
+        </p:style>
+        <p:txBody>
+          <a:bodyPr rtlCol="0" anchor="ctr"/>
+          <a:lstStyle/>
+          <a:p>
+            <a:pPr algn="ctr"/>
+            <a:r>
+              <a:rPr lang="en-US" dirty="0">
+                <a:solidFill>
+                  <a:schemeClr val="tx1"/>
+                </a:solidFill>
+              </a:rPr>
+              <a:t>Log Crash</a:t>
+            </a:r>
+          </a:p>
+        </p:txBody>
+      </p:sp>
+      <p:cxnSp>
+        <p:nvCxnSpPr>
+          <p:cNvPr id="7" name="Straight Arrow Connector 6">
+            <a:extLst>
+              <a:ext uri="{FF2B5EF4-FFF2-40B4-BE49-F238E27FC236}">
+                <a16:creationId xmlns:a16="http://schemas.microsoft.com/office/drawing/2014/main" id="{BF3AEBF3-5C86-BF41-9AAA-B89FD8911A4D}"/>
+              </a:ext>
+            </a:extLst>
+          </p:cNvPr>
+          <p:cNvCxnSpPr>
+            <a:stCxn id="38" idx="2"/>
+            <a:endCxn id="18" idx="0"/>
+          </p:cNvCxnSpPr>
+          <p:nvPr/>
+        </p:nvCxnSpPr>
+        <p:spPr>
+          <a:xfrm>
+            <a:off x="6188033" y="950056"/>
+            <a:ext cx="0" cy="501953"/>
+          </a:xfrm>
+          <a:prstGeom prst="straightConnector1">
+            <a:avLst/>
+          </a:prstGeom>
+          <a:ln w="38100">
+            <a:tailEnd type="triangle"/>
+          </a:ln>
+        </p:spPr>
+        <p:style>
+          <a:lnRef idx="1">
+            <a:schemeClr val="accent1"/>
+          </a:lnRef>
+          <a:fillRef idx="0">
+            <a:schemeClr val="accent1"/>
+          </a:fillRef>
+          <a:effectRef idx="0">
+            <a:schemeClr val="accent1"/>
+          </a:effectRef>
+          <a:fontRef idx="minor">
+            <a:schemeClr val="tx1"/>
+          </a:fontRef>
+        </p:style>
+      </p:cxnSp>
+      <p:cxnSp>
+        <p:nvCxnSpPr>
+          <p:cNvPr id="9" name="Straight Arrow Connector 8">
+            <a:extLst>
+              <a:ext uri="{FF2B5EF4-FFF2-40B4-BE49-F238E27FC236}">
+                <a16:creationId xmlns:a16="http://schemas.microsoft.com/office/drawing/2014/main" id="{24A7FAC2-BCA7-564E-9370-DB36A51C6300}"/>
+              </a:ext>
+            </a:extLst>
+          </p:cNvPr>
+          <p:cNvCxnSpPr>
+            <a:stCxn id="18" idx="2"/>
+            <a:endCxn id="42" idx="0"/>
+          </p:cNvCxnSpPr>
+          <p:nvPr/>
+        </p:nvCxnSpPr>
+        <p:spPr>
+          <a:xfrm>
+            <a:off x="6188033" y="1978829"/>
+            <a:ext cx="0" cy="501953"/>
+          </a:xfrm>
+          <a:prstGeom prst="straightConnector1">
+            <a:avLst/>
+          </a:prstGeom>
+          <a:ln w="38100">
+            <a:tailEnd type="triangle"/>
+          </a:ln>
+        </p:spPr>
+        <p:style>
+          <a:lnRef idx="1">
+            <a:schemeClr val="accent1"/>
+          </a:lnRef>
+          <a:fillRef idx="0">
+            <a:schemeClr val="accent1"/>
+          </a:fillRef>
+          <a:effectRef idx="0">
+            <a:schemeClr val="accent1"/>
+          </a:effectRef>
+          <a:fontRef idx="minor">
+            <a:schemeClr val="tx1"/>
+          </a:fontRef>
+        </p:style>
+      </p:cxnSp>
+      <p:sp>
+        <p:nvSpPr>
+          <p:cNvPr id="54" name="Rectangle 53">
+            <a:extLst>
+              <a:ext uri="{FF2B5EF4-FFF2-40B4-BE49-F238E27FC236}">
+                <a16:creationId xmlns:a16="http://schemas.microsoft.com/office/drawing/2014/main" id="{D83CF3BA-ABB5-FF4E-B651-CB95CA18E40F}"/>
+              </a:ext>
+            </a:extLst>
+          </p:cNvPr>
+          <p:cNvSpPr/>
+          <p:nvPr/>
+        </p:nvSpPr>
+        <p:spPr>
+          <a:xfrm>
+            <a:off x="8798384" y="424255"/>
+            <a:ext cx="1830082" cy="526820"/>
+          </a:xfrm>
+          <a:prstGeom prst="rect">
+            <a:avLst/>
+          </a:prstGeom>
+          <a:solidFill>
+            <a:schemeClr val="accent4">
+              <a:lumMod val="20000"/>
+              <a:lumOff val="80000"/>
+            </a:schemeClr>
+          </a:solidFill>
+          <a:ln>
+            <a:noFill/>
+          </a:ln>
+        </p:spPr>
+        <p:style>
+          <a:lnRef idx="2">
+            <a:schemeClr val="dk1">
+              <a:shade val="50000"/>
+            </a:schemeClr>
+          </a:lnRef>
+          <a:fillRef idx="1">
+            <a:schemeClr val="dk1"/>
+          </a:fillRef>
+          <a:effectRef idx="0">
+            <a:schemeClr val="dk1"/>
+          </a:effectRef>
+          <a:fontRef idx="minor">
+            <a:schemeClr val="lt1"/>
+          </a:fontRef>
+        </p:style>
+        <p:txBody>
+          <a:bodyPr rtlCol="0" anchor="ctr"/>
+          <a:lstStyle/>
+          <a:p>
+            <a:pPr algn="ctr"/>
+            <a:r>
+              <a:rPr lang="en-US" dirty="0">
+                <a:solidFill>
+                  <a:schemeClr val="tx1"/>
+                </a:solidFill>
+              </a:rPr>
+              <a:t>Log Dependency</a:t>
+            </a:r>
+          </a:p>
+        </p:txBody>
+      </p:sp>
+      <p:sp>
+        <p:nvSpPr>
+          <p:cNvPr id="55" name="Rectangle 54">
+            <a:extLst>
+              <a:ext uri="{FF2B5EF4-FFF2-40B4-BE49-F238E27FC236}">
+                <a16:creationId xmlns:a16="http://schemas.microsoft.com/office/drawing/2014/main" id="{ED97BD5E-7567-1544-BEDE-DE0B77375780}"/>
+              </a:ext>
+            </a:extLst>
+          </p:cNvPr>
+          <p:cNvSpPr/>
+          <p:nvPr/>
+        </p:nvSpPr>
+        <p:spPr>
+          <a:xfrm>
+            <a:off x="8798384" y="1457752"/>
+            <a:ext cx="1830082" cy="526820"/>
+          </a:xfrm>
+          <a:prstGeom prst="rect">
+            <a:avLst/>
+          </a:prstGeom>
+          <a:solidFill>
+            <a:schemeClr val="accent4">
+              <a:lumMod val="20000"/>
+              <a:lumOff val="80000"/>
+            </a:schemeClr>
+          </a:solidFill>
+          <a:ln>
+            <a:noFill/>
+          </a:ln>
+        </p:spPr>
+        <p:style>
+          <a:lnRef idx="2">
+            <a:schemeClr val="dk1">
+              <a:shade val="50000"/>
+            </a:schemeClr>
+          </a:lnRef>
+          <a:fillRef idx="1">
+            <a:schemeClr val="dk1"/>
+          </a:fillRef>
+          <a:effectRef idx="0">
+            <a:schemeClr val="dk1"/>
+          </a:effectRef>
+          <a:fontRef idx="minor">
+            <a:schemeClr val="lt1"/>
+          </a:fontRef>
+        </p:style>
+        <p:txBody>
+          <a:bodyPr rtlCol="0" anchor="ctr"/>
+          <a:lstStyle/>
+          <a:p>
+            <a:pPr algn="ctr"/>
+            <a:r>
+              <a:rPr lang="en-US" dirty="0">
+                <a:solidFill>
+                  <a:schemeClr val="tx1"/>
+                </a:solidFill>
+              </a:rPr>
+              <a:t>Log Unsupported Type</a:t>
+            </a:r>
+          </a:p>
+        </p:txBody>
+      </p:sp>
+      <p:cxnSp>
+        <p:nvCxnSpPr>
+          <p:cNvPr id="59" name="Straight Arrow Connector 58">
+            <a:extLst>
+              <a:ext uri="{FF2B5EF4-FFF2-40B4-BE49-F238E27FC236}">
+                <a16:creationId xmlns:a16="http://schemas.microsoft.com/office/drawing/2014/main" id="{F58E7C4C-0387-AF4D-A231-536E8CF02A5E}"/>
+              </a:ext>
+            </a:extLst>
+          </p:cNvPr>
+          <p:cNvCxnSpPr>
+            <a:stCxn id="38" idx="3"/>
+            <a:endCxn id="54" idx="1"/>
+          </p:cNvCxnSpPr>
+          <p:nvPr/>
+        </p:nvCxnSpPr>
+        <p:spPr>
+          <a:xfrm>
+            <a:off x="7103074" y="686646"/>
+            <a:ext cx="1695310" cy="1019"/>
+          </a:xfrm>
+          <a:prstGeom prst="straightConnector1">
+            <a:avLst/>
+          </a:prstGeom>
+          <a:ln w="38100">
+            <a:solidFill>
+              <a:schemeClr val="accent1"/>
+            </a:solidFill>
+            <a:tailEnd type="triangle"/>
+          </a:ln>
+        </p:spPr>
+        <p:style>
+          <a:lnRef idx="1">
+            <a:schemeClr val="accent1"/>
+          </a:lnRef>
+          <a:fillRef idx="0">
+            <a:schemeClr val="accent1"/>
+          </a:fillRef>
+          <a:effectRef idx="0">
+            <a:schemeClr val="accent1"/>
+          </a:effectRef>
+          <a:fontRef idx="minor">
+            <a:schemeClr val="tx1"/>
+          </a:fontRef>
+        </p:style>
+      </p:cxnSp>
+      <p:cxnSp>
+        <p:nvCxnSpPr>
+          <p:cNvPr id="61" name="Straight Arrow Connector 60">
+            <a:extLst>
+              <a:ext uri="{FF2B5EF4-FFF2-40B4-BE49-F238E27FC236}">
+                <a16:creationId xmlns:a16="http://schemas.microsoft.com/office/drawing/2014/main" id="{663ADE59-7276-C449-94FC-47F59F37D7D2}"/>
+              </a:ext>
+            </a:extLst>
+          </p:cNvPr>
+          <p:cNvCxnSpPr>
+            <a:stCxn id="18" idx="3"/>
+            <a:endCxn id="55" idx="1"/>
+          </p:cNvCxnSpPr>
+          <p:nvPr/>
+        </p:nvCxnSpPr>
+        <p:spPr>
+          <a:xfrm>
+            <a:off x="7103074" y="1715419"/>
+            <a:ext cx="1695310" cy="5743"/>
+          </a:xfrm>
+          <a:prstGeom prst="straightConnector1">
+            <a:avLst/>
+          </a:prstGeom>
+          <a:ln w="38100">
+            <a:tailEnd type="triangle"/>
+          </a:ln>
+        </p:spPr>
+        <p:style>
+          <a:lnRef idx="1">
+            <a:schemeClr val="accent1"/>
+          </a:lnRef>
+          <a:fillRef idx="0">
+            <a:schemeClr val="accent1"/>
+          </a:fillRef>
+          <a:effectRef idx="0">
+            <a:schemeClr val="accent1"/>
+          </a:effectRef>
+          <a:fontRef idx="minor">
+            <a:schemeClr val="tx1"/>
+          </a:fontRef>
+        </p:style>
+      </p:cxnSp>
+      <p:cxnSp>
+        <p:nvCxnSpPr>
+          <p:cNvPr id="63" name="Straight Arrow Connector 62">
+            <a:extLst>
+              <a:ext uri="{FF2B5EF4-FFF2-40B4-BE49-F238E27FC236}">
+                <a16:creationId xmlns:a16="http://schemas.microsoft.com/office/drawing/2014/main" id="{9957EA03-A3CA-4B48-878C-6B7CB7ED12D7}"/>
+              </a:ext>
+            </a:extLst>
+          </p:cNvPr>
+          <p:cNvCxnSpPr>
+            <a:stCxn id="48" idx="0"/>
+            <a:endCxn id="55" idx="2"/>
+          </p:cNvCxnSpPr>
+          <p:nvPr/>
+        </p:nvCxnSpPr>
+        <p:spPr>
+          <a:xfrm flipV="1">
+            <a:off x="9713425" y="1984572"/>
+            <a:ext cx="0" cy="500934"/>
+          </a:xfrm>
+          <a:prstGeom prst="straightConnector1">
+            <a:avLst/>
+          </a:prstGeom>
+          <a:ln w="38100">
+            <a:tailEnd type="triangle"/>
+          </a:ln>
+        </p:spPr>
+        <p:style>
+          <a:lnRef idx="1">
+            <a:schemeClr val="accent1"/>
+          </a:lnRef>
+          <a:fillRef idx="0">
+            <a:schemeClr val="accent1"/>
+          </a:fillRef>
+          <a:effectRef idx="0">
+            <a:schemeClr val="accent1"/>
+          </a:effectRef>
+          <a:fontRef idx="minor">
+            <a:schemeClr val="tx1"/>
+          </a:fontRef>
+        </p:style>
+      </p:cxnSp>
+      <p:cxnSp>
+        <p:nvCxnSpPr>
+          <p:cNvPr id="65" name="Straight Arrow Connector 64">
+            <a:extLst>
+              <a:ext uri="{FF2B5EF4-FFF2-40B4-BE49-F238E27FC236}">
+                <a16:creationId xmlns:a16="http://schemas.microsoft.com/office/drawing/2014/main" id="{282D857D-DCF3-1D47-A31A-FA18858B9D91}"/>
+              </a:ext>
+            </a:extLst>
+          </p:cNvPr>
+          <p:cNvCxnSpPr>
+            <a:stCxn id="42" idx="3"/>
+            <a:endCxn id="48" idx="1"/>
+          </p:cNvCxnSpPr>
+          <p:nvPr/>
+        </p:nvCxnSpPr>
+        <p:spPr>
+          <a:xfrm>
+            <a:off x="7103074" y="2744192"/>
+            <a:ext cx="1695310" cy="4724"/>
+          </a:xfrm>
+          <a:prstGeom prst="straightConnector1">
+            <a:avLst/>
+          </a:prstGeom>
+          <a:ln w="38100">
+            <a:tailEnd type="triangle"/>
+          </a:ln>
+        </p:spPr>
+        <p:style>
+          <a:lnRef idx="1">
+            <a:schemeClr val="accent1"/>
+          </a:lnRef>
+          <a:fillRef idx="0">
+            <a:schemeClr val="accent1"/>
+          </a:fillRef>
+          <a:effectRef idx="0">
+            <a:schemeClr val="accent1"/>
+          </a:effectRef>
+          <a:fontRef idx="minor">
+            <a:schemeClr val="tx1"/>
+          </a:fontRef>
+        </p:style>
+      </p:cxnSp>
+      <p:cxnSp>
+        <p:nvCxnSpPr>
+          <p:cNvPr id="69" name="Elbow Connector 68">
+            <a:extLst>
+              <a:ext uri="{FF2B5EF4-FFF2-40B4-BE49-F238E27FC236}">
+                <a16:creationId xmlns:a16="http://schemas.microsoft.com/office/drawing/2014/main" id="{5DCB3835-65FD-C848-A893-964CCD8235A4}"/>
+              </a:ext>
+            </a:extLst>
+          </p:cNvPr>
+          <p:cNvCxnSpPr>
+            <a:stCxn id="46" idx="1"/>
+            <a:endCxn id="42" idx="2"/>
+          </p:cNvCxnSpPr>
+          <p:nvPr/>
+        </p:nvCxnSpPr>
+        <p:spPr>
+          <a:xfrm rot="10800000">
+            <a:off x="6188034" y="3007603"/>
+            <a:ext cx="2610351" cy="775487"/>
+          </a:xfrm>
+          <a:prstGeom prst="bentConnector2">
+            <a:avLst/>
+          </a:prstGeom>
+          <a:ln w="38100">
+            <a:tailEnd type="triangle"/>
+          </a:ln>
+        </p:spPr>
+        <p:style>
+          <a:lnRef idx="1">
+            <a:schemeClr val="accent1"/>
+          </a:lnRef>
+          <a:fillRef idx="0">
+            <a:schemeClr val="accent1"/>
+          </a:fillRef>
+          <a:effectRef idx="0">
+            <a:schemeClr val="accent1"/>
+          </a:effectRef>
+          <a:fontRef idx="minor">
+            <a:schemeClr val="tx1"/>
+          </a:fontRef>
+        </p:style>
+      </p:cxnSp>
+      <p:cxnSp>
+        <p:nvCxnSpPr>
+          <p:cNvPr id="71" name="Straight Arrow Connector 70">
+            <a:extLst>
+              <a:ext uri="{FF2B5EF4-FFF2-40B4-BE49-F238E27FC236}">
+                <a16:creationId xmlns:a16="http://schemas.microsoft.com/office/drawing/2014/main" id="{C1F02A6E-6E8C-EE44-9CE9-E48571AE0084}"/>
+              </a:ext>
+            </a:extLst>
+          </p:cNvPr>
+          <p:cNvCxnSpPr>
+            <a:stCxn id="48" idx="2"/>
+            <a:endCxn id="46" idx="0"/>
+          </p:cNvCxnSpPr>
+          <p:nvPr/>
+        </p:nvCxnSpPr>
+        <p:spPr>
+          <a:xfrm>
+            <a:off x="9713425" y="3012326"/>
+            <a:ext cx="0" cy="507353"/>
+          </a:xfrm>
+          <a:prstGeom prst="straightConnector1">
+            <a:avLst/>
+          </a:prstGeom>
+          <a:ln w="38100">
+            <a:tailEnd type="triangle"/>
+          </a:ln>
+        </p:spPr>
+        <p:style>
+          <a:lnRef idx="1">
+            <a:schemeClr val="accent1"/>
+          </a:lnRef>
+          <a:fillRef idx="0">
+            <a:schemeClr val="accent1"/>
+          </a:fillRef>
+          <a:effectRef idx="0">
+            <a:schemeClr val="accent1"/>
+          </a:effectRef>
+          <a:fontRef idx="minor">
+            <a:schemeClr val="tx1"/>
+          </a:fontRef>
+        </p:style>
+      </p:cxnSp>
+      <p:cxnSp>
+        <p:nvCxnSpPr>
+          <p:cNvPr id="73" name="Elbow Connector 72">
+            <a:extLst>
+              <a:ext uri="{FF2B5EF4-FFF2-40B4-BE49-F238E27FC236}">
+                <a16:creationId xmlns:a16="http://schemas.microsoft.com/office/drawing/2014/main" id="{94350F23-935D-5147-8406-E77163C4434A}"/>
+              </a:ext>
+            </a:extLst>
+          </p:cNvPr>
+          <p:cNvCxnSpPr>
+            <a:stCxn id="42" idx="1"/>
+            <a:endCxn id="49" idx="3"/>
+          </p:cNvCxnSpPr>
+          <p:nvPr/>
+        </p:nvCxnSpPr>
+        <p:spPr>
+          <a:xfrm rot="10800000">
+            <a:off x="3523038" y="1715420"/>
+            <a:ext cx="1749954" cy="1028773"/>
+          </a:xfrm>
+          <a:prstGeom prst="bentConnector3">
+            <a:avLst/>
+          </a:prstGeom>
+          <a:ln w="38100">
+            <a:tailEnd type="triangle"/>
+          </a:ln>
+        </p:spPr>
+        <p:style>
+          <a:lnRef idx="1">
+            <a:schemeClr val="accent1"/>
+          </a:lnRef>
+          <a:fillRef idx="0">
+            <a:schemeClr val="accent1"/>
+          </a:fillRef>
+          <a:effectRef idx="0">
+            <a:schemeClr val="accent1"/>
+          </a:effectRef>
+          <a:fontRef idx="minor">
+            <a:schemeClr val="tx1"/>
+          </a:fontRef>
+        </p:style>
+      </p:cxnSp>
+      <p:cxnSp>
+        <p:nvCxnSpPr>
+          <p:cNvPr id="77" name="Straight Arrow Connector 76">
+            <a:extLst>
+              <a:ext uri="{FF2B5EF4-FFF2-40B4-BE49-F238E27FC236}">
+                <a16:creationId xmlns:a16="http://schemas.microsoft.com/office/drawing/2014/main" id="{81CF35CE-7641-A648-AAF6-568600496146}"/>
+              </a:ext>
+            </a:extLst>
+          </p:cNvPr>
+          <p:cNvCxnSpPr>
+            <a:endCxn id="47" idx="3"/>
+          </p:cNvCxnSpPr>
+          <p:nvPr/>
+        </p:nvCxnSpPr>
+        <p:spPr>
+          <a:xfrm flipH="1">
+            <a:off x="3523037" y="2744192"/>
+            <a:ext cx="1749955" cy="0"/>
+          </a:xfrm>
+          <a:prstGeom prst="straightConnector1">
+            <a:avLst/>
+          </a:prstGeom>
+          <a:ln w="38100">
+            <a:tailEnd type="triangle"/>
+          </a:ln>
+        </p:spPr>
+        <p:style>
+          <a:lnRef idx="1">
+            <a:schemeClr val="accent1"/>
+          </a:lnRef>
+          <a:fillRef idx="0">
+            <a:schemeClr val="accent1"/>
+          </a:fillRef>
+          <a:effectRef idx="0">
+            <a:schemeClr val="accent1"/>
+          </a:effectRef>
+          <a:fontRef idx="minor">
+            <a:schemeClr val="tx1"/>
+          </a:fontRef>
+        </p:style>
+      </p:cxnSp>
+      <p:cxnSp>
+        <p:nvCxnSpPr>
+          <p:cNvPr id="79" name="Straight Arrow Connector 78">
+            <a:extLst>
+              <a:ext uri="{FF2B5EF4-FFF2-40B4-BE49-F238E27FC236}">
+                <a16:creationId xmlns:a16="http://schemas.microsoft.com/office/drawing/2014/main" id="{A08F90DD-B18A-C341-AAD0-572CF6FC5E29}"/>
+              </a:ext>
+            </a:extLst>
+          </p:cNvPr>
+          <p:cNvCxnSpPr/>
+          <p:nvPr/>
+        </p:nvCxnSpPr>
+        <p:spPr>
+          <a:xfrm flipV="1">
+            <a:off x="2604559" y="1982752"/>
+            <a:ext cx="6877" cy="498030"/>
+          </a:xfrm>
+          <a:prstGeom prst="straightConnector1">
+            <a:avLst/>
+          </a:prstGeom>
+          <a:ln w="38100">
+            <a:solidFill>
+              <a:schemeClr val="accent1"/>
+            </a:solidFill>
+            <a:tailEnd type="triangle"/>
+          </a:ln>
+        </p:spPr>
+        <p:style>
+          <a:lnRef idx="1">
+            <a:schemeClr val="accent1"/>
+          </a:lnRef>
+          <a:fillRef idx="0">
+            <a:schemeClr val="accent1"/>
+          </a:fillRef>
+          <a:effectRef idx="0">
+            <a:schemeClr val="accent1"/>
+          </a:effectRef>
+          <a:fontRef idx="minor">
+            <a:schemeClr val="tx1"/>
+          </a:fontRef>
+        </p:style>
+      </p:cxnSp>
+      <p:sp>
+        <p:nvSpPr>
+          <p:cNvPr id="80" name="Rectangle 79">
+            <a:extLst>
+              <a:ext uri="{FF2B5EF4-FFF2-40B4-BE49-F238E27FC236}">
+                <a16:creationId xmlns:a16="http://schemas.microsoft.com/office/drawing/2014/main" id="{D6BFB7B4-7D6C-644A-925B-67BF0F5F0DDF}"/>
+              </a:ext>
+            </a:extLst>
+          </p:cNvPr>
+          <p:cNvSpPr/>
+          <p:nvPr/>
+        </p:nvSpPr>
+        <p:spPr>
+          <a:xfrm>
+            <a:off x="5272992" y="4087963"/>
+            <a:ext cx="1830083" cy="526822"/>
+          </a:xfrm>
+          <a:prstGeom prst="rect">
+            <a:avLst/>
+          </a:prstGeom>
+          <a:solidFill>
+            <a:schemeClr val="accent4">
+              <a:lumMod val="20000"/>
+              <a:lumOff val="80000"/>
+            </a:schemeClr>
+          </a:solidFill>
+          <a:ln>
+            <a:noFill/>
+          </a:ln>
+        </p:spPr>
+        <p:style>
+          <a:lnRef idx="2">
+            <a:schemeClr val="dk1">
+              <a:shade val="50000"/>
+            </a:schemeClr>
+          </a:lnRef>
+          <a:fillRef idx="1">
+            <a:schemeClr val="dk1"/>
+          </a:fillRef>
+          <a:effectRef idx="0">
+            <a:schemeClr val="dk1"/>
+          </a:effectRef>
+          <a:fontRef idx="minor">
+            <a:schemeClr val="lt1"/>
+          </a:fontRef>
+        </p:style>
+        <p:txBody>
+          <a:bodyPr rtlCol="0" anchor="ctr"/>
+          <a:lstStyle/>
+          <a:p>
+            <a:pPr algn="ctr"/>
+            <a:r>
+              <a:rPr lang="en-US" dirty="0">
+                <a:solidFill>
+                  <a:schemeClr val="tx1"/>
+                </a:solidFill>
+              </a:rPr>
+              <a:t>Log Success</a:t>
+            </a:r>
+          </a:p>
+        </p:txBody>
+      </p:sp>
+      <p:sp>
+        <p:nvSpPr>
+          <p:cNvPr id="81" name="Rectangle 80">
+            <a:extLst>
+              <a:ext uri="{FF2B5EF4-FFF2-40B4-BE49-F238E27FC236}">
+                <a16:creationId xmlns:a16="http://schemas.microsoft.com/office/drawing/2014/main" id="{BF9DC40F-651C-B04E-BE2D-2864749C2E52}"/>
+              </a:ext>
+            </a:extLst>
+          </p:cNvPr>
+          <p:cNvSpPr/>
+          <p:nvPr/>
+        </p:nvSpPr>
+        <p:spPr>
+          <a:xfrm>
+            <a:off x="5272989" y="6041932"/>
+            <a:ext cx="1830083" cy="526822"/>
+          </a:xfrm>
+          <a:prstGeom prst="rect">
+            <a:avLst/>
+          </a:prstGeom>
+          <a:solidFill>
+            <a:schemeClr val="accent4">
+              <a:lumMod val="20000"/>
+              <a:lumOff val="80000"/>
+            </a:schemeClr>
+          </a:solidFill>
+          <a:ln>
+            <a:noFill/>
+          </a:ln>
+        </p:spPr>
+        <p:style>
+          <a:lnRef idx="2">
+            <a:schemeClr val="dk1">
+              <a:shade val="50000"/>
+            </a:schemeClr>
+          </a:lnRef>
+          <a:fillRef idx="1">
+            <a:schemeClr val="dk1"/>
+          </a:fillRef>
+          <a:effectRef idx="0">
+            <a:schemeClr val="dk1"/>
+          </a:effectRef>
+          <a:fontRef idx="minor">
+            <a:schemeClr val="lt1"/>
+          </a:fontRef>
+        </p:style>
+        <p:txBody>
+          <a:bodyPr rtlCol="0" anchor="ctr"/>
+          <a:lstStyle/>
+          <a:p>
+            <a:pPr algn="ctr"/>
+            <a:r>
+              <a:rPr lang="en-US" dirty="0">
+                <a:solidFill>
+                  <a:schemeClr val="tx1"/>
+                </a:solidFill>
+              </a:rPr>
+              <a:t>Log Fail</a:t>
+            </a:r>
+          </a:p>
+        </p:txBody>
+      </p:sp>
+      <p:sp>
+        <p:nvSpPr>
+          <p:cNvPr id="82" name="Rectangle 81">
+            <a:extLst>
+              <a:ext uri="{FF2B5EF4-FFF2-40B4-BE49-F238E27FC236}">
+                <a16:creationId xmlns:a16="http://schemas.microsoft.com/office/drawing/2014/main" id="{CCAB73DA-80A3-9646-834B-7B0C9C83773A}"/>
+              </a:ext>
+            </a:extLst>
+          </p:cNvPr>
+          <p:cNvSpPr/>
+          <p:nvPr/>
+        </p:nvSpPr>
+        <p:spPr>
+          <a:xfrm>
+            <a:off x="5272988" y="5398946"/>
+            <a:ext cx="1830083" cy="526822"/>
+          </a:xfrm>
+          <a:prstGeom prst="rect">
+            <a:avLst/>
+          </a:prstGeom>
+          <a:solidFill>
+            <a:schemeClr val="accent4">
+              <a:lumMod val="20000"/>
+              <a:lumOff val="80000"/>
+            </a:schemeClr>
+          </a:solidFill>
+          <a:ln>
+            <a:noFill/>
+          </a:ln>
+        </p:spPr>
+        <p:style>
+          <a:lnRef idx="2">
+            <a:schemeClr val="dk1">
+              <a:shade val="50000"/>
+            </a:schemeClr>
+          </a:lnRef>
+          <a:fillRef idx="1">
+            <a:schemeClr val="dk1"/>
+          </a:fillRef>
+          <a:effectRef idx="0">
+            <a:schemeClr val="dk1"/>
+          </a:effectRef>
+          <a:fontRef idx="minor">
+            <a:schemeClr val="lt1"/>
+          </a:fontRef>
+        </p:style>
+        <p:txBody>
+          <a:bodyPr rtlCol="0" anchor="ctr"/>
+          <a:lstStyle/>
+          <a:p>
+            <a:pPr algn="ctr"/>
+            <a:r>
+              <a:rPr lang="en-US" dirty="0">
+                <a:solidFill>
+                  <a:schemeClr val="tx1"/>
+                </a:solidFill>
+              </a:rPr>
+              <a:t>Log Unsupported Error</a:t>
+            </a:r>
+          </a:p>
+        </p:txBody>
+      </p:sp>
+      <p:sp>
+        <p:nvSpPr>
+          <p:cNvPr id="83" name="Rectangle 82">
+            <a:extLst>
+              <a:ext uri="{FF2B5EF4-FFF2-40B4-BE49-F238E27FC236}">
+                <a16:creationId xmlns:a16="http://schemas.microsoft.com/office/drawing/2014/main" id="{1DE2295F-90E8-C546-9F0C-D3013544E672}"/>
+              </a:ext>
+            </a:extLst>
+          </p:cNvPr>
+          <p:cNvSpPr/>
+          <p:nvPr/>
+        </p:nvSpPr>
+        <p:spPr>
+          <a:xfrm>
+            <a:off x="5272989" y="4743211"/>
+            <a:ext cx="1830083" cy="526822"/>
+          </a:xfrm>
+          <a:prstGeom prst="rect">
+            <a:avLst/>
+          </a:prstGeom>
+          <a:solidFill>
+            <a:schemeClr val="accent4">
+              <a:lumMod val="20000"/>
+              <a:lumOff val="80000"/>
+            </a:schemeClr>
+          </a:solidFill>
+          <a:ln>
+            <a:noFill/>
+          </a:ln>
+        </p:spPr>
+        <p:style>
+          <a:lnRef idx="2">
+            <a:schemeClr val="dk1">
+              <a:shade val="50000"/>
+            </a:schemeClr>
+          </a:lnRef>
+          <a:fillRef idx="1">
+            <a:schemeClr val="dk1"/>
+          </a:fillRef>
+          <a:effectRef idx="0">
+            <a:schemeClr val="dk1"/>
+          </a:effectRef>
+          <a:fontRef idx="minor">
+            <a:schemeClr val="lt1"/>
+          </a:fontRef>
+        </p:style>
+        <p:txBody>
+          <a:bodyPr rtlCol="0" anchor="ctr"/>
+          <a:lstStyle/>
+          <a:p>
+            <a:pPr algn="ctr"/>
+            <a:r>
+              <a:rPr lang="en-US" dirty="0">
+                <a:solidFill>
+                  <a:schemeClr val="tx1"/>
+                </a:solidFill>
+              </a:rPr>
+              <a:t>Log Managed</a:t>
+            </a:r>
+          </a:p>
+        </p:txBody>
+      </p:sp>
+      <p:cxnSp>
+        <p:nvCxnSpPr>
+          <p:cNvPr id="85" name="Elbow Connector 84">
+            <a:extLst>
+              <a:ext uri="{FF2B5EF4-FFF2-40B4-BE49-F238E27FC236}">
+                <a16:creationId xmlns:a16="http://schemas.microsoft.com/office/drawing/2014/main" id="{FA42CF91-4CB1-C04C-933B-26AFACC7166E}"/>
+              </a:ext>
+            </a:extLst>
+          </p:cNvPr>
+          <p:cNvCxnSpPr>
+            <a:stCxn id="47" idx="2"/>
+            <a:endCxn id="80" idx="1"/>
+          </p:cNvCxnSpPr>
+          <p:nvPr/>
+        </p:nvCxnSpPr>
+        <p:spPr>
+          <a:xfrm rot="16200000" flipH="1">
+            <a:off x="3268608" y="2346990"/>
+            <a:ext cx="1343772" cy="2664996"/>
+          </a:xfrm>
+          <a:prstGeom prst="bentConnector2">
+            <a:avLst/>
+          </a:prstGeom>
+          <a:ln w="38100">
+            <a:tailEnd type="triangle"/>
+          </a:ln>
+        </p:spPr>
+        <p:style>
+          <a:lnRef idx="1">
+            <a:schemeClr val="accent1"/>
+          </a:lnRef>
+          <a:fillRef idx="0">
+            <a:schemeClr val="accent1"/>
+          </a:fillRef>
+          <a:effectRef idx="0">
+            <a:schemeClr val="accent1"/>
+          </a:effectRef>
+          <a:fontRef idx="minor">
+            <a:schemeClr val="tx1"/>
+          </a:fontRef>
+        </p:style>
+      </p:cxnSp>
+      <p:sp>
+        <p:nvSpPr>
+          <p:cNvPr id="86" name="Rectangle 85">
+            <a:extLst>
+              <a:ext uri="{FF2B5EF4-FFF2-40B4-BE49-F238E27FC236}">
+                <a16:creationId xmlns:a16="http://schemas.microsoft.com/office/drawing/2014/main" id="{9F10F1EA-270D-854E-AEEC-06AB91688DF6}"/>
+              </a:ext>
+            </a:extLst>
+          </p:cNvPr>
+          <p:cNvSpPr/>
+          <p:nvPr/>
+        </p:nvSpPr>
+        <p:spPr>
+          <a:xfrm>
+            <a:off x="1689518" y="5711274"/>
+            <a:ext cx="1830082" cy="526820"/>
+          </a:xfrm>
+          <a:prstGeom prst="rect">
+            <a:avLst/>
+          </a:prstGeom>
+          <a:solidFill>
+            <a:srgbClr val="FFC000"/>
+          </a:solidFill>
+          <a:ln>
+            <a:noFill/>
+          </a:ln>
+        </p:spPr>
+        <p:style>
+          <a:lnRef idx="2">
+            <a:schemeClr val="dk1">
+              <a:shade val="50000"/>
+            </a:schemeClr>
+          </a:lnRef>
+          <a:fillRef idx="1">
+            <a:schemeClr val="dk1"/>
+          </a:fillRef>
+          <a:effectRef idx="0">
+            <a:schemeClr val="dk1"/>
+          </a:effectRef>
+          <a:fontRef idx="minor">
+            <a:schemeClr val="lt1"/>
+          </a:fontRef>
+        </p:style>
+        <p:txBody>
+          <a:bodyPr rtlCol="0" anchor="ctr"/>
+          <a:lstStyle/>
+          <a:p>
+            <a:pPr algn="ctr"/>
+            <a:r>
+              <a:rPr lang="en-US" dirty="0"/>
+              <a:t>Check Supported Error Code List</a:t>
+            </a:r>
+          </a:p>
+        </p:txBody>
+      </p:sp>
+      <p:sp>
+        <p:nvSpPr>
+          <p:cNvPr id="87" name="TextBox 86">
+            <a:extLst>
+              <a:ext uri="{FF2B5EF4-FFF2-40B4-BE49-F238E27FC236}">
+                <a16:creationId xmlns:a16="http://schemas.microsoft.com/office/drawing/2014/main" id="{F77F6762-0147-2344-92B5-8344373D7A3F}"/>
+              </a:ext>
+            </a:extLst>
+          </p:cNvPr>
+          <p:cNvSpPr txBox="1"/>
+          <p:nvPr/>
+        </p:nvSpPr>
+        <p:spPr>
+          <a:xfrm>
+            <a:off x="3467983" y="3784889"/>
+            <a:ext cx="1980488" cy="523220"/>
+          </a:xfrm>
+          <a:prstGeom prst="rect">
+            <a:avLst/>
+          </a:prstGeom>
+          <a:noFill/>
+        </p:spPr>
+        <p:txBody>
+          <a:bodyPr wrap="square" rtlCol="0">
+            <a:spAutoFit/>
+          </a:bodyPr>
+          <a:lstStyle/>
+          <a:p>
+            <a:r>
+              <a:rPr lang="en-US" sz="1400" dirty="0"/>
+              <a:t>Result Error Code Matches Error Tag</a:t>
+            </a:r>
+          </a:p>
+        </p:txBody>
+      </p:sp>
+      <p:sp>
+        <p:nvSpPr>
+          <p:cNvPr id="88" name="Rectangle 87">
+            <a:extLst>
+              <a:ext uri="{FF2B5EF4-FFF2-40B4-BE49-F238E27FC236}">
+                <a16:creationId xmlns:a16="http://schemas.microsoft.com/office/drawing/2014/main" id="{6588C232-72AE-9E44-8BC7-597C4DCBB465}"/>
+              </a:ext>
+            </a:extLst>
+          </p:cNvPr>
+          <p:cNvSpPr/>
+          <p:nvPr/>
+        </p:nvSpPr>
+        <p:spPr>
+          <a:xfrm>
+            <a:off x="8798383" y="4553852"/>
+            <a:ext cx="1830082" cy="526820"/>
+          </a:xfrm>
+          <a:prstGeom prst="rect">
+            <a:avLst/>
+          </a:prstGeom>
+          <a:solidFill>
+            <a:srgbClr val="00B050"/>
+          </a:solidFill>
+          <a:ln>
+            <a:noFill/>
+          </a:ln>
+        </p:spPr>
+        <p:style>
+          <a:lnRef idx="2">
+            <a:schemeClr val="dk1">
+              <a:shade val="50000"/>
+            </a:schemeClr>
+          </a:lnRef>
+          <a:fillRef idx="1">
+            <a:schemeClr val="dk1"/>
+          </a:fillRef>
+          <a:effectRef idx="0">
+            <a:schemeClr val="dk1"/>
+          </a:effectRef>
+          <a:fontRef idx="minor">
+            <a:schemeClr val="lt1"/>
+          </a:fontRef>
+        </p:style>
+        <p:txBody>
+          <a:bodyPr rtlCol="0" anchor="ctr"/>
+          <a:lstStyle/>
+          <a:p>
+            <a:pPr algn="ctr"/>
+            <a:r>
+              <a:rPr lang="en-US" dirty="0"/>
+              <a:t>Check Test Query Matches Test Tag</a:t>
+            </a:r>
+          </a:p>
+        </p:txBody>
+      </p:sp>
+      <p:sp>
+        <p:nvSpPr>
+          <p:cNvPr id="89" name="TextBox 88">
+            <a:extLst>
+              <a:ext uri="{FF2B5EF4-FFF2-40B4-BE49-F238E27FC236}">
+                <a16:creationId xmlns:a16="http://schemas.microsoft.com/office/drawing/2014/main" id="{495807D0-D9F2-8543-B40C-7E1E97AC27AA}"/>
+              </a:ext>
+            </a:extLst>
+          </p:cNvPr>
+          <p:cNvSpPr txBox="1"/>
+          <p:nvPr/>
+        </p:nvSpPr>
+        <p:spPr>
+          <a:xfrm>
+            <a:off x="1520650" y="4682502"/>
+            <a:ext cx="1222656" cy="954107"/>
+          </a:xfrm>
+          <a:prstGeom prst="rect">
+            <a:avLst/>
+          </a:prstGeom>
+          <a:noFill/>
+        </p:spPr>
+        <p:txBody>
+          <a:bodyPr wrap="square" rtlCol="0">
+            <a:spAutoFit/>
+          </a:bodyPr>
+          <a:lstStyle/>
+          <a:p>
+            <a:r>
+              <a:rPr lang="en-US" sz="1400" dirty="0"/>
+              <a:t>Result Error Code Does Not Matches Error Tag</a:t>
+            </a:r>
+          </a:p>
+        </p:txBody>
+      </p:sp>
+      <p:cxnSp>
+        <p:nvCxnSpPr>
+          <p:cNvPr id="91" name="Straight Arrow Connector 90">
+            <a:extLst>
+              <a:ext uri="{FF2B5EF4-FFF2-40B4-BE49-F238E27FC236}">
+                <a16:creationId xmlns:a16="http://schemas.microsoft.com/office/drawing/2014/main" id="{14E1B5A1-406F-3642-AC8B-A0CF8C2EE1E7}"/>
+              </a:ext>
+            </a:extLst>
+          </p:cNvPr>
+          <p:cNvCxnSpPr>
+            <a:stCxn id="47" idx="2"/>
+            <a:endCxn id="86" idx="0"/>
+          </p:cNvCxnSpPr>
+          <p:nvPr/>
+        </p:nvCxnSpPr>
+        <p:spPr>
+          <a:xfrm flipH="1">
+            <a:off x="2604559" y="3007602"/>
+            <a:ext cx="3437" cy="2703672"/>
+          </a:xfrm>
+          <a:prstGeom prst="straightConnector1">
+            <a:avLst/>
+          </a:prstGeom>
+          <a:ln w="38100">
+            <a:tailEnd type="triangle"/>
+          </a:ln>
+        </p:spPr>
+        <p:style>
+          <a:lnRef idx="1">
+            <a:schemeClr val="accent1"/>
+          </a:lnRef>
+          <a:fillRef idx="0">
+            <a:schemeClr val="accent1"/>
+          </a:fillRef>
+          <a:effectRef idx="0">
+            <a:schemeClr val="accent1"/>
+          </a:effectRef>
+          <a:fontRef idx="minor">
+            <a:schemeClr val="tx1"/>
+          </a:fontRef>
+        </p:style>
+      </p:cxnSp>
+      <p:cxnSp>
+        <p:nvCxnSpPr>
+          <p:cNvPr id="93" name="Elbow Connector 92">
+            <a:extLst>
+              <a:ext uri="{FF2B5EF4-FFF2-40B4-BE49-F238E27FC236}">
+                <a16:creationId xmlns:a16="http://schemas.microsoft.com/office/drawing/2014/main" id="{98C51CD2-E696-8B4A-973D-D0216192E718}"/>
+              </a:ext>
+            </a:extLst>
+          </p:cNvPr>
+          <p:cNvCxnSpPr>
+            <a:stCxn id="86" idx="3"/>
+            <a:endCxn id="81" idx="1"/>
+          </p:cNvCxnSpPr>
+          <p:nvPr/>
+        </p:nvCxnSpPr>
+        <p:spPr>
+          <a:xfrm>
+            <a:off x="3519600" y="5974684"/>
+            <a:ext cx="1753389" cy="330659"/>
+          </a:xfrm>
+          <a:prstGeom prst="bentConnector3">
+            <a:avLst/>
+          </a:prstGeom>
+          <a:ln w="38100">
+            <a:tailEnd type="triangle"/>
+          </a:ln>
+        </p:spPr>
+        <p:style>
+          <a:lnRef idx="1">
+            <a:schemeClr val="accent1"/>
+          </a:lnRef>
+          <a:fillRef idx="0">
+            <a:schemeClr val="accent1"/>
+          </a:fillRef>
+          <a:effectRef idx="0">
+            <a:schemeClr val="accent1"/>
+          </a:effectRef>
+          <a:fontRef idx="minor">
+            <a:schemeClr val="tx1"/>
+          </a:fontRef>
+        </p:style>
+      </p:cxnSp>
+      <p:cxnSp>
+        <p:nvCxnSpPr>
+          <p:cNvPr id="95" name="Elbow Connector 94">
+            <a:extLst>
+              <a:ext uri="{FF2B5EF4-FFF2-40B4-BE49-F238E27FC236}">
+                <a16:creationId xmlns:a16="http://schemas.microsoft.com/office/drawing/2014/main" id="{D2328C37-ABB5-1C4D-8933-7D301C52999D}"/>
+              </a:ext>
+            </a:extLst>
+          </p:cNvPr>
+          <p:cNvCxnSpPr>
+            <a:stCxn id="86" idx="3"/>
+            <a:endCxn id="82" idx="1"/>
+          </p:cNvCxnSpPr>
+          <p:nvPr/>
+        </p:nvCxnSpPr>
+        <p:spPr>
+          <a:xfrm flipV="1">
+            <a:off x="3519600" y="5662357"/>
+            <a:ext cx="1753388" cy="312327"/>
+          </a:xfrm>
+          <a:prstGeom prst="bentConnector3">
+            <a:avLst/>
+          </a:prstGeom>
+          <a:ln w="38100">
+            <a:tailEnd type="triangle"/>
+          </a:ln>
+        </p:spPr>
+        <p:style>
+          <a:lnRef idx="1">
+            <a:schemeClr val="accent1"/>
+          </a:lnRef>
+          <a:fillRef idx="0">
+            <a:schemeClr val="accent1"/>
+          </a:fillRef>
+          <a:effectRef idx="0">
+            <a:schemeClr val="accent1"/>
+          </a:effectRef>
+          <a:fontRef idx="minor">
+            <a:schemeClr val="tx1"/>
+          </a:fontRef>
+        </p:style>
+      </p:cxnSp>
+      <p:sp>
+        <p:nvSpPr>
+          <p:cNvPr id="96" name="TextBox 95">
+            <a:extLst>
+              <a:ext uri="{FF2B5EF4-FFF2-40B4-BE49-F238E27FC236}">
+                <a16:creationId xmlns:a16="http://schemas.microsoft.com/office/drawing/2014/main" id="{3B773530-2601-0E47-BEB2-1A54B92E11DF}"/>
+              </a:ext>
+            </a:extLst>
+          </p:cNvPr>
+          <p:cNvSpPr txBox="1"/>
+          <p:nvPr/>
+        </p:nvSpPr>
+        <p:spPr>
+          <a:xfrm>
+            <a:off x="3769836" y="5079254"/>
+            <a:ext cx="1980488" cy="523220"/>
+          </a:xfrm>
+          <a:prstGeom prst="rect">
+            <a:avLst/>
+          </a:prstGeom>
+          <a:noFill/>
+        </p:spPr>
+        <p:txBody>
+          <a:bodyPr wrap="square" rtlCol="0">
+            <a:spAutoFit/>
+          </a:bodyPr>
+          <a:lstStyle/>
+          <a:p>
+            <a:r>
+              <a:rPr lang="en-US" sz="1400" dirty="0"/>
+              <a:t>Error Code Does</a:t>
+            </a:r>
+          </a:p>
+          <a:p>
+            <a:r>
+              <a:rPr lang="en-US" sz="1400" dirty="0"/>
+              <a:t>Not Exist In List</a:t>
+            </a:r>
+          </a:p>
+        </p:txBody>
+      </p:sp>
+      <p:sp>
+        <p:nvSpPr>
+          <p:cNvPr id="97" name="TextBox 96">
+            <a:extLst>
+              <a:ext uri="{FF2B5EF4-FFF2-40B4-BE49-F238E27FC236}">
+                <a16:creationId xmlns:a16="http://schemas.microsoft.com/office/drawing/2014/main" id="{50BBF33E-9A0D-7E46-B46B-9E93E4976089}"/>
+              </a:ext>
+            </a:extLst>
+          </p:cNvPr>
+          <p:cNvSpPr txBox="1"/>
+          <p:nvPr/>
+        </p:nvSpPr>
+        <p:spPr>
+          <a:xfrm>
+            <a:off x="3770880" y="6356060"/>
+            <a:ext cx="1980488" cy="523220"/>
+          </a:xfrm>
+          <a:prstGeom prst="rect">
+            <a:avLst/>
+          </a:prstGeom>
+          <a:noFill/>
+        </p:spPr>
+        <p:txBody>
+          <a:bodyPr wrap="square" rtlCol="0">
+            <a:spAutoFit/>
+          </a:bodyPr>
+          <a:lstStyle/>
+          <a:p>
+            <a:r>
+              <a:rPr lang="en-US" sz="1400" dirty="0"/>
+              <a:t>Error Code</a:t>
+            </a:r>
+          </a:p>
+          <a:p>
+            <a:r>
+              <a:rPr lang="en-US" sz="1400" dirty="0"/>
+              <a:t>Exists In List</a:t>
+            </a:r>
+          </a:p>
+        </p:txBody>
+      </p:sp>
+      <p:cxnSp>
+        <p:nvCxnSpPr>
+          <p:cNvPr id="99" name="Elbow Connector 98">
+            <a:extLst>
+              <a:ext uri="{FF2B5EF4-FFF2-40B4-BE49-F238E27FC236}">
+                <a16:creationId xmlns:a16="http://schemas.microsoft.com/office/drawing/2014/main" id="{70CBE796-5F60-E546-9229-88AF92E64D49}"/>
+              </a:ext>
+            </a:extLst>
+          </p:cNvPr>
+          <p:cNvCxnSpPr>
+            <a:stCxn id="88" idx="1"/>
+            <a:endCxn id="80" idx="3"/>
+          </p:cNvCxnSpPr>
+          <p:nvPr/>
+        </p:nvCxnSpPr>
+        <p:spPr>
+          <a:xfrm rot="10800000">
+            <a:off x="7103075" y="4351374"/>
+            <a:ext cx="1695308" cy="465888"/>
+          </a:xfrm>
+          <a:prstGeom prst="bentConnector3">
+            <a:avLst/>
+          </a:prstGeom>
+          <a:ln w="38100">
+            <a:tailEnd type="triangle"/>
+          </a:ln>
+        </p:spPr>
+        <p:style>
+          <a:lnRef idx="1">
+            <a:schemeClr val="accent1"/>
+          </a:lnRef>
+          <a:fillRef idx="0">
+            <a:schemeClr val="accent1"/>
+          </a:fillRef>
+          <a:effectRef idx="0">
+            <a:schemeClr val="accent1"/>
+          </a:effectRef>
+          <a:fontRef idx="minor">
+            <a:schemeClr val="tx1"/>
+          </a:fontRef>
+        </p:style>
+      </p:cxnSp>
+      <p:cxnSp>
+        <p:nvCxnSpPr>
+          <p:cNvPr id="101" name="Elbow Connector 100">
+            <a:extLst>
+              <a:ext uri="{FF2B5EF4-FFF2-40B4-BE49-F238E27FC236}">
+                <a16:creationId xmlns:a16="http://schemas.microsoft.com/office/drawing/2014/main" id="{84A298F5-AF6E-9E4B-B0B9-F75B2541E046}"/>
+              </a:ext>
+            </a:extLst>
+          </p:cNvPr>
+          <p:cNvCxnSpPr>
+            <a:stCxn id="88" idx="1"/>
+            <a:endCxn id="83" idx="3"/>
+          </p:cNvCxnSpPr>
+          <p:nvPr/>
+        </p:nvCxnSpPr>
+        <p:spPr>
+          <a:xfrm rot="10800000" flipV="1">
+            <a:off x="7103073" y="4817262"/>
+            <a:ext cx="1695311" cy="189360"/>
+          </a:xfrm>
+          <a:prstGeom prst="bentConnector3">
+            <a:avLst/>
+          </a:prstGeom>
+          <a:ln w="38100">
+            <a:solidFill>
+              <a:schemeClr val="accent1"/>
+            </a:solidFill>
+            <a:tailEnd type="triangle"/>
+          </a:ln>
+        </p:spPr>
+        <p:style>
+          <a:lnRef idx="1">
+            <a:schemeClr val="accent1"/>
+          </a:lnRef>
+          <a:fillRef idx="0">
+            <a:schemeClr val="accent1"/>
+          </a:fillRef>
+          <a:effectRef idx="0">
+            <a:schemeClr val="accent1"/>
+          </a:effectRef>
+          <a:fontRef idx="minor">
+            <a:schemeClr val="tx1"/>
+          </a:fontRef>
+        </p:style>
+      </p:cxnSp>
+      <p:cxnSp>
+        <p:nvCxnSpPr>
+          <p:cNvPr id="103" name="Straight Arrow Connector 102">
+            <a:extLst>
+              <a:ext uri="{FF2B5EF4-FFF2-40B4-BE49-F238E27FC236}">
+                <a16:creationId xmlns:a16="http://schemas.microsoft.com/office/drawing/2014/main" id="{B3431641-0BBA-204D-8860-B801E8DB8D15}"/>
+              </a:ext>
+            </a:extLst>
+          </p:cNvPr>
+          <p:cNvCxnSpPr>
+            <a:stCxn id="46" idx="2"/>
+            <a:endCxn id="88" idx="0"/>
+          </p:cNvCxnSpPr>
+          <p:nvPr/>
+        </p:nvCxnSpPr>
+        <p:spPr>
+          <a:xfrm flipH="1">
+            <a:off x="9713424" y="4046499"/>
+            <a:ext cx="1" cy="507353"/>
+          </a:xfrm>
+          <a:prstGeom prst="straightConnector1">
+            <a:avLst/>
+          </a:prstGeom>
+          <a:ln w="38100">
+            <a:tailEnd type="triangle"/>
+          </a:ln>
+        </p:spPr>
+        <p:style>
+          <a:lnRef idx="1">
+            <a:schemeClr val="accent1"/>
+          </a:lnRef>
+          <a:fillRef idx="0">
+            <a:schemeClr val="accent1"/>
+          </a:fillRef>
+          <a:effectRef idx="0">
+            <a:schemeClr val="accent1"/>
+          </a:effectRef>
+          <a:fontRef idx="minor">
+            <a:schemeClr val="tx1"/>
+          </a:fontRef>
+        </p:style>
+      </p:cxnSp>
+      <p:sp>
+        <p:nvSpPr>
+          <p:cNvPr id="107" name="TextBox 106">
+            <a:extLst>
+              <a:ext uri="{FF2B5EF4-FFF2-40B4-BE49-F238E27FC236}">
+                <a16:creationId xmlns:a16="http://schemas.microsoft.com/office/drawing/2014/main" id="{C5EC12E7-0A9C-5949-AA70-ADEA171D4B0B}"/>
+              </a:ext>
+            </a:extLst>
+          </p:cNvPr>
+          <p:cNvSpPr txBox="1"/>
+          <p:nvPr/>
+        </p:nvSpPr>
+        <p:spPr>
+          <a:xfrm>
+            <a:off x="9715663" y="4046499"/>
+            <a:ext cx="1980488" cy="523220"/>
+          </a:xfrm>
+          <a:prstGeom prst="rect">
+            <a:avLst/>
+          </a:prstGeom>
+          <a:noFill/>
+        </p:spPr>
+        <p:txBody>
+          <a:bodyPr wrap="square" rtlCol="0">
+            <a:spAutoFit/>
+          </a:bodyPr>
+          <a:lstStyle/>
+          <a:p>
+            <a:r>
+              <a:rPr lang="en-US" sz="1400" dirty="0"/>
+              <a:t>Result Match</a:t>
+            </a:r>
+          </a:p>
+          <a:p>
+            <a:r>
+              <a:rPr lang="en-US" sz="1400" dirty="0"/>
+              <a:t>Result Tag</a:t>
+            </a:r>
+          </a:p>
+        </p:txBody>
+      </p:sp>
+      <p:cxnSp>
+        <p:nvCxnSpPr>
+          <p:cNvPr id="109" name="Elbow Connector 108">
+            <a:extLst>
+              <a:ext uri="{FF2B5EF4-FFF2-40B4-BE49-F238E27FC236}">
+                <a16:creationId xmlns:a16="http://schemas.microsoft.com/office/drawing/2014/main" id="{B509C9BF-E676-A148-AE1E-82017139C93A}"/>
+              </a:ext>
+            </a:extLst>
+          </p:cNvPr>
+          <p:cNvCxnSpPr>
+            <a:stCxn id="46" idx="3"/>
+            <a:endCxn id="81" idx="3"/>
+          </p:cNvCxnSpPr>
+          <p:nvPr/>
+        </p:nvCxnSpPr>
+        <p:spPr>
+          <a:xfrm flipH="1">
+            <a:off x="7103072" y="3783089"/>
+            <a:ext cx="3525394" cy="2522254"/>
+          </a:xfrm>
+          <a:prstGeom prst="bentConnector3">
+            <a:avLst>
+              <a:gd name="adj1" fmla="val -6484"/>
+            </a:avLst>
+          </a:prstGeom>
+          <a:ln w="38100">
+            <a:tailEnd type="triangle"/>
+          </a:ln>
+        </p:spPr>
+        <p:style>
+          <a:lnRef idx="1">
+            <a:schemeClr val="accent1"/>
+          </a:lnRef>
+          <a:fillRef idx="0">
+            <a:schemeClr val="accent1"/>
+          </a:fillRef>
+          <a:effectRef idx="0">
+            <a:schemeClr val="accent1"/>
+          </a:effectRef>
+          <a:fontRef idx="minor">
+            <a:schemeClr val="tx1"/>
+          </a:fontRef>
+        </p:style>
+      </p:cxnSp>
+      <p:sp>
+        <p:nvSpPr>
+          <p:cNvPr id="110" name="TextBox 109">
+            <a:extLst>
+              <a:ext uri="{FF2B5EF4-FFF2-40B4-BE49-F238E27FC236}">
+                <a16:creationId xmlns:a16="http://schemas.microsoft.com/office/drawing/2014/main" id="{D7208A3C-BC9A-1B40-B700-251F405608B5}"/>
+              </a:ext>
+            </a:extLst>
+          </p:cNvPr>
+          <p:cNvSpPr txBox="1"/>
+          <p:nvPr/>
+        </p:nvSpPr>
+        <p:spPr>
+          <a:xfrm>
+            <a:off x="9204439" y="5727647"/>
+            <a:ext cx="1980488" cy="523220"/>
+          </a:xfrm>
+          <a:prstGeom prst="rect">
+            <a:avLst/>
+          </a:prstGeom>
+          <a:noFill/>
+        </p:spPr>
+        <p:txBody>
+          <a:bodyPr wrap="square" rtlCol="0">
+            <a:spAutoFit/>
+          </a:bodyPr>
+          <a:lstStyle/>
+          <a:p>
+            <a:r>
+              <a:rPr lang="en-US" sz="1400" dirty="0"/>
+              <a:t>Result Does Not</a:t>
+            </a:r>
+          </a:p>
+          <a:p>
+            <a:r>
+              <a:rPr lang="en-US" sz="1400" dirty="0"/>
+              <a:t>Match Result Tag</a:t>
+            </a:r>
+          </a:p>
+        </p:txBody>
+      </p:sp>
+      <p:sp>
+        <p:nvSpPr>
+          <p:cNvPr id="111" name="TextBox 110">
+            <a:extLst>
+              <a:ext uri="{FF2B5EF4-FFF2-40B4-BE49-F238E27FC236}">
+                <a16:creationId xmlns:a16="http://schemas.microsoft.com/office/drawing/2014/main" id="{6D030BBE-1594-F64D-8299-6E67E7FBCB7B}"/>
+              </a:ext>
+            </a:extLst>
+          </p:cNvPr>
+          <p:cNvSpPr txBox="1"/>
+          <p:nvPr/>
+        </p:nvSpPr>
+        <p:spPr>
+          <a:xfrm>
+            <a:off x="7225271" y="3837953"/>
+            <a:ext cx="1980488" cy="523220"/>
+          </a:xfrm>
+          <a:prstGeom prst="rect">
+            <a:avLst/>
+          </a:prstGeom>
+          <a:noFill/>
+        </p:spPr>
+        <p:txBody>
+          <a:bodyPr wrap="square" rtlCol="0">
+            <a:spAutoFit/>
+          </a:bodyPr>
+          <a:lstStyle/>
+          <a:p>
+            <a:r>
+              <a:rPr lang="en-US" sz="1400" dirty="0"/>
+              <a:t>Test Query Match</a:t>
+            </a:r>
+          </a:p>
+          <a:p>
+            <a:r>
+              <a:rPr lang="en-US" sz="1400" dirty="0"/>
+              <a:t>Original Test Tag</a:t>
+            </a:r>
+          </a:p>
+        </p:txBody>
+      </p:sp>
+      <p:sp>
+        <p:nvSpPr>
+          <p:cNvPr id="112" name="TextBox 111">
+            <a:extLst>
+              <a:ext uri="{FF2B5EF4-FFF2-40B4-BE49-F238E27FC236}">
+                <a16:creationId xmlns:a16="http://schemas.microsoft.com/office/drawing/2014/main" id="{48080209-A526-B846-BBF6-AEBD5985B307}"/>
+              </a:ext>
+            </a:extLst>
+          </p:cNvPr>
+          <p:cNvSpPr txBox="1"/>
+          <p:nvPr/>
+        </p:nvSpPr>
+        <p:spPr>
+          <a:xfrm>
+            <a:off x="7223951" y="4971720"/>
+            <a:ext cx="1980488" cy="523220"/>
+          </a:xfrm>
+          <a:prstGeom prst="rect">
+            <a:avLst/>
+          </a:prstGeom>
+          <a:noFill/>
+        </p:spPr>
+        <p:txBody>
+          <a:bodyPr wrap="square" rtlCol="0">
+            <a:spAutoFit/>
+          </a:bodyPr>
+          <a:lstStyle/>
+          <a:p>
+            <a:r>
+              <a:rPr lang="en-US" sz="1400" dirty="0"/>
+              <a:t>Test Query Does Not Match Original Test Tag</a:t>
+            </a:r>
+          </a:p>
+        </p:txBody>
+      </p:sp>
+      <p:sp>
+        <p:nvSpPr>
+          <p:cNvPr id="116" name="Oval 115">
+            <a:extLst>
+              <a:ext uri="{FF2B5EF4-FFF2-40B4-BE49-F238E27FC236}">
+                <a16:creationId xmlns:a16="http://schemas.microsoft.com/office/drawing/2014/main" id="{2ECF7BF5-4156-6F4B-A91A-43E42B8AF3A5}"/>
+              </a:ext>
+            </a:extLst>
+          </p:cNvPr>
+          <p:cNvSpPr/>
+          <p:nvPr/>
+        </p:nvSpPr>
+        <p:spPr>
+          <a:xfrm>
+            <a:off x="1971671" y="51110"/>
+            <a:ext cx="1279530" cy="1279530"/>
+          </a:xfrm>
+          <a:prstGeom prst="ellipse">
+            <a:avLst/>
+          </a:prstGeom>
+        </p:spPr>
+        <p:style>
+          <a:lnRef idx="2">
+            <a:schemeClr val="accent1">
+              <a:shade val="50000"/>
+            </a:schemeClr>
+          </a:lnRef>
+          <a:fillRef idx="1">
+            <a:schemeClr val="accent1"/>
+          </a:fillRef>
+          <a:effectRef idx="0">
+            <a:schemeClr val="accent1"/>
+          </a:effectRef>
+          <a:fontRef idx="minor">
+            <a:schemeClr val="lt1"/>
+          </a:fontRef>
+        </p:style>
+        <p:txBody>
+          <a:bodyPr rtlCol="0" anchor="ctr"/>
+          <a:lstStyle/>
+          <a:p>
+            <a:pPr algn="ctr"/>
+            <a:r>
+              <a:rPr lang="en-US" dirty="0"/>
+              <a:t>Process Test Case Start</a:t>
+            </a:r>
+          </a:p>
+        </p:txBody>
+      </p:sp>
+      <p:cxnSp>
+        <p:nvCxnSpPr>
+          <p:cNvPr id="118" name="Straight Arrow Connector 117">
+            <a:extLst>
+              <a:ext uri="{FF2B5EF4-FFF2-40B4-BE49-F238E27FC236}">
+                <a16:creationId xmlns:a16="http://schemas.microsoft.com/office/drawing/2014/main" id="{36FBEDED-170E-F74F-A9D5-A4A9085B030A}"/>
+              </a:ext>
+            </a:extLst>
+          </p:cNvPr>
+          <p:cNvCxnSpPr>
+            <a:stCxn id="116" idx="6"/>
+            <a:endCxn id="38" idx="1"/>
+          </p:cNvCxnSpPr>
+          <p:nvPr/>
+        </p:nvCxnSpPr>
+        <p:spPr>
+          <a:xfrm flipV="1">
+            <a:off x="3251201" y="686646"/>
+            <a:ext cx="2021791" cy="4229"/>
+          </a:xfrm>
+          <a:prstGeom prst="straightConnector1">
+            <a:avLst/>
+          </a:prstGeom>
+          <a:ln w="38100">
+            <a:tailEnd type="triangle"/>
+          </a:ln>
+        </p:spPr>
+        <p:style>
+          <a:lnRef idx="1">
+            <a:schemeClr val="accent1"/>
+          </a:lnRef>
+          <a:fillRef idx="0">
+            <a:schemeClr val="accent1"/>
+          </a:fillRef>
+          <a:effectRef idx="0">
+            <a:schemeClr val="accent1"/>
+          </a:effectRef>
+          <a:fontRef idx="minor">
+            <a:schemeClr val="tx1"/>
+          </a:fontRef>
+        </p:style>
+      </p:cxnSp>
+    </p:spTree>
+    <p:extLst>
+      <p:ext uri="{BB962C8B-B14F-4D97-AF65-F5344CB8AC3E}">
+        <p14:creationId xmlns:p14="http://schemas.microsoft.com/office/powerpoint/2010/main" val="2409367819"/>
+      </p:ext>
+    </p:extLst>
+  </p:cSld>
+  <p:clrMapOvr>
+    <a:masterClrMapping/>
+  </p:clrMapOvr>
+</p:sld>
+</file>
+
+<file path=ppt/slides/slide11.xml><?xml version="1.0" encoding="utf-8"?>
+<p:sld xmlns:a="http://schemas.openxmlformats.org/drawingml/2006/main" xmlns:r="http://schemas.openxmlformats.org/officeDocument/2006/relationships" xmlns:p="http://schemas.openxmlformats.org/presentationml/2006/main">
+  <p:cSld>
+    <p:spTree>
+      <p:nvGrpSpPr>
+        <p:cNvPr id="1" name=""/>
+        <p:cNvGrpSpPr/>
+        <p:nvPr/>
+      </p:nvGrpSpPr>
+      <p:grpSpPr>
+        <a:xfrm>
+          <a:off x="0" y="0"/>
+          <a:ext cx="0" cy="0"/>
+          <a:chOff x="0" y="0"/>
+          <a:chExt cx="0" cy="0"/>
+        </a:xfrm>
+      </p:grpSpPr>
+      <p:sp>
+        <p:nvSpPr>
+          <p:cNvPr id="10" name="TextBox 9">
+            <a:extLst>
+              <a:ext uri="{FF2B5EF4-FFF2-40B4-BE49-F238E27FC236}">
+                <a16:creationId xmlns:a16="http://schemas.microsoft.com/office/drawing/2014/main" id="{BD93AE1B-6FB3-BF4E-B18C-47B5D53C8C25}"/>
+              </a:ext>
+            </a:extLst>
+          </p:cNvPr>
+          <p:cNvSpPr txBox="1"/>
+          <p:nvPr/>
+        </p:nvSpPr>
+        <p:spPr>
+          <a:xfrm>
+            <a:off x="4781581" y="942625"/>
+            <a:ext cx="1812883" cy="523220"/>
+          </a:xfrm>
+          <a:prstGeom prst="rect">
+            <a:avLst/>
+          </a:prstGeom>
+          <a:noFill/>
+        </p:spPr>
+        <p:txBody>
+          <a:bodyPr wrap="square" rtlCol="0">
+            <a:spAutoFit/>
+          </a:bodyPr>
+          <a:lstStyle/>
+          <a:p>
+            <a:r>
+              <a:rPr lang="en-US" sz="1400" dirty="0"/>
+              <a:t>All Dependency </a:t>
+            </a:r>
+          </a:p>
+          <a:p>
+            <a:r>
+              <a:rPr lang="en-US" sz="1400" dirty="0"/>
+              <a:t>Tags Supported</a:t>
+            </a:r>
+          </a:p>
+        </p:txBody>
+      </p:sp>
+      <p:sp>
+        <p:nvSpPr>
+          <p:cNvPr id="16" name="TextBox 15">
+            <a:extLst>
+              <a:ext uri="{FF2B5EF4-FFF2-40B4-BE49-F238E27FC236}">
+                <a16:creationId xmlns:a16="http://schemas.microsoft.com/office/drawing/2014/main" id="{AB2C7EFE-2090-5E40-8BE6-14DEBEDC59A4}"/>
+              </a:ext>
+            </a:extLst>
+          </p:cNvPr>
+          <p:cNvSpPr txBox="1"/>
+          <p:nvPr/>
+        </p:nvSpPr>
+        <p:spPr>
+          <a:xfrm>
+            <a:off x="7199342" y="142323"/>
+            <a:ext cx="1980488" cy="523220"/>
+          </a:xfrm>
+          <a:prstGeom prst="rect">
+            <a:avLst/>
+          </a:prstGeom>
+          <a:noFill/>
+        </p:spPr>
+        <p:txBody>
+          <a:bodyPr wrap="square" rtlCol="0">
+            <a:spAutoFit/>
+          </a:bodyPr>
+          <a:lstStyle/>
+          <a:p>
+            <a:r>
+              <a:rPr lang="en-US" sz="1400" dirty="0"/>
+              <a:t>Some Dependency </a:t>
+            </a:r>
+          </a:p>
+          <a:p>
+            <a:r>
+              <a:rPr lang="en-US" sz="1400" dirty="0"/>
+              <a:t>Tag Not Supported</a:t>
+            </a:r>
+          </a:p>
+        </p:txBody>
+      </p:sp>
+      <p:sp>
+        <p:nvSpPr>
+          <p:cNvPr id="18" name="Rectangle 17">
+            <a:extLst>
+              <a:ext uri="{FF2B5EF4-FFF2-40B4-BE49-F238E27FC236}">
+                <a16:creationId xmlns:a16="http://schemas.microsoft.com/office/drawing/2014/main" id="{53BE2C2C-E60C-0C4E-B769-147CA64E424E}"/>
+              </a:ext>
+            </a:extLst>
+          </p:cNvPr>
+          <p:cNvSpPr/>
+          <p:nvPr/>
+        </p:nvSpPr>
+        <p:spPr>
+          <a:xfrm>
+            <a:off x="5272992" y="1452009"/>
+            <a:ext cx="1830082" cy="526820"/>
+          </a:xfrm>
+          <a:prstGeom prst="rect">
+            <a:avLst/>
+          </a:prstGeom>
+          <a:solidFill>
+            <a:schemeClr val="tx1">
+              <a:lumMod val="50000"/>
+              <a:lumOff val="50000"/>
+            </a:schemeClr>
+          </a:solidFill>
+          <a:ln>
+            <a:noFill/>
+          </a:ln>
+        </p:spPr>
+        <p:style>
+          <a:lnRef idx="2">
+            <a:schemeClr val="dk1">
+              <a:shade val="50000"/>
+            </a:schemeClr>
+          </a:lnRef>
+          <a:fillRef idx="1">
+            <a:schemeClr val="dk1"/>
+          </a:fillRef>
+          <a:effectRef idx="0">
+            <a:schemeClr val="dk1"/>
+          </a:effectRef>
+          <a:fontRef idx="minor">
+            <a:schemeClr val="lt1"/>
+          </a:fontRef>
+        </p:style>
+        <p:txBody>
+          <a:bodyPr rtlCol="0" anchor="ctr"/>
+          <a:lstStyle/>
+          <a:p>
+            <a:pPr algn="ctr"/>
+            <a:r>
+              <a:rPr lang="en-US" dirty="0"/>
+              <a:t>Convert Test Tag To Test Query</a:t>
+            </a:r>
+          </a:p>
+        </p:txBody>
+      </p:sp>
+      <p:sp>
+        <p:nvSpPr>
+          <p:cNvPr id="27" name="TextBox 26">
+            <a:extLst>
+              <a:ext uri="{FF2B5EF4-FFF2-40B4-BE49-F238E27FC236}">
+                <a16:creationId xmlns:a16="http://schemas.microsoft.com/office/drawing/2014/main" id="{0DFAC870-7527-2D43-B893-A2F1B71F0322}"/>
+              </a:ext>
+            </a:extLst>
+          </p:cNvPr>
+          <p:cNvSpPr txBox="1"/>
+          <p:nvPr/>
+        </p:nvSpPr>
+        <p:spPr>
+          <a:xfrm>
+            <a:off x="7199342" y="1142771"/>
+            <a:ext cx="1980488" cy="523220"/>
+          </a:xfrm>
+          <a:prstGeom prst="rect">
+            <a:avLst/>
+          </a:prstGeom>
+          <a:noFill/>
+        </p:spPr>
+        <p:txBody>
+          <a:bodyPr wrap="square" rtlCol="0">
+            <a:spAutoFit/>
+          </a:bodyPr>
+          <a:lstStyle/>
+          <a:p>
+            <a:r>
+              <a:rPr lang="en-US" sz="1400" dirty="0"/>
+              <a:t>Some XQuery Type </a:t>
+            </a:r>
+          </a:p>
+          <a:p>
+            <a:r>
+              <a:rPr lang="en-US" sz="1400" dirty="0"/>
+              <a:t>Not Supported</a:t>
+            </a:r>
+          </a:p>
+        </p:txBody>
+      </p:sp>
+      <p:sp>
+        <p:nvSpPr>
+          <p:cNvPr id="29" name="TextBox 28">
+            <a:extLst>
+              <a:ext uri="{FF2B5EF4-FFF2-40B4-BE49-F238E27FC236}">
+                <a16:creationId xmlns:a16="http://schemas.microsoft.com/office/drawing/2014/main" id="{15CBC189-987E-1D49-ABEB-A536DE21E060}"/>
+              </a:ext>
+            </a:extLst>
+          </p:cNvPr>
+          <p:cNvSpPr txBox="1"/>
+          <p:nvPr/>
+        </p:nvSpPr>
+        <p:spPr>
+          <a:xfrm>
+            <a:off x="4781581" y="1982752"/>
+            <a:ext cx="1980488" cy="523220"/>
+          </a:xfrm>
+          <a:prstGeom prst="rect">
+            <a:avLst/>
+          </a:prstGeom>
+          <a:noFill/>
+        </p:spPr>
+        <p:txBody>
+          <a:bodyPr wrap="square" rtlCol="0">
+            <a:spAutoFit/>
+          </a:bodyPr>
+          <a:lstStyle/>
+          <a:p>
+            <a:r>
+              <a:rPr lang="en-US" sz="1400" dirty="0"/>
+              <a:t>All XQuery Types </a:t>
+            </a:r>
+          </a:p>
+          <a:p>
+            <a:r>
+              <a:rPr lang="en-US" sz="1400" dirty="0"/>
+              <a:t>Are Supported</a:t>
+            </a:r>
+          </a:p>
+        </p:txBody>
+      </p:sp>
+      <p:sp>
+        <p:nvSpPr>
+          <p:cNvPr id="36" name="TextBox 35">
+            <a:extLst>
+              <a:ext uri="{FF2B5EF4-FFF2-40B4-BE49-F238E27FC236}">
+                <a16:creationId xmlns:a16="http://schemas.microsoft.com/office/drawing/2014/main" id="{4CB22B23-110A-314E-B8E9-19B71FD9389E}"/>
+              </a:ext>
+            </a:extLst>
+          </p:cNvPr>
+          <p:cNvSpPr txBox="1"/>
+          <p:nvPr/>
+        </p:nvSpPr>
+        <p:spPr>
+          <a:xfrm>
+            <a:off x="7225271" y="3285744"/>
+            <a:ext cx="1980488" cy="523220"/>
+          </a:xfrm>
+          <a:prstGeom prst="rect">
+            <a:avLst/>
+          </a:prstGeom>
+          <a:noFill/>
+        </p:spPr>
+        <p:txBody>
+          <a:bodyPr wrap="square" rtlCol="0">
+            <a:spAutoFit/>
+          </a:bodyPr>
+          <a:lstStyle/>
+          <a:p>
+            <a:r>
+              <a:rPr lang="en-US" sz="1400" dirty="0"/>
+              <a:t>Nested Query</a:t>
+            </a:r>
+          </a:p>
+          <a:p>
+            <a:r>
+              <a:rPr lang="en-US" sz="1400" dirty="0"/>
+              <a:t>Required</a:t>
+            </a:r>
+          </a:p>
+        </p:txBody>
+      </p:sp>
+      <p:sp>
+        <p:nvSpPr>
+          <p:cNvPr id="37" name="TextBox 36">
+            <a:extLst>
+              <a:ext uri="{FF2B5EF4-FFF2-40B4-BE49-F238E27FC236}">
+                <a16:creationId xmlns:a16="http://schemas.microsoft.com/office/drawing/2014/main" id="{0D873371-B9CC-F84D-A95B-3DB9A34A78CF}"/>
+              </a:ext>
+            </a:extLst>
+          </p:cNvPr>
+          <p:cNvSpPr txBox="1"/>
+          <p:nvPr/>
+        </p:nvSpPr>
+        <p:spPr>
+          <a:xfrm>
+            <a:off x="3577682" y="1213468"/>
+            <a:ext cx="1980488" cy="584775"/>
+          </a:xfrm>
+          <a:prstGeom prst="rect">
+            <a:avLst/>
+          </a:prstGeom>
+          <a:noFill/>
+        </p:spPr>
+        <p:txBody>
+          <a:bodyPr wrap="square" rtlCol="0">
+            <a:spAutoFit/>
+          </a:bodyPr>
+          <a:lstStyle/>
+          <a:p>
+            <a:r>
+              <a:rPr lang="en-US" sz="1400" dirty="0"/>
+              <a:t>Exception </a:t>
+            </a:r>
+          </a:p>
+          <a:p>
+            <a:r>
+              <a:rPr lang="en-US" sz="1400" dirty="0"/>
+              <a:t>Thrown</a:t>
+            </a:r>
+          </a:p>
+        </p:txBody>
+      </p:sp>
+      <p:sp>
+        <p:nvSpPr>
+          <p:cNvPr id="39" name="TextBox 38">
+            <a:extLst>
+              <a:ext uri="{FF2B5EF4-FFF2-40B4-BE49-F238E27FC236}">
+                <a16:creationId xmlns:a16="http://schemas.microsoft.com/office/drawing/2014/main" id="{F12007CC-03E4-FF43-9E20-81D1B873465A}"/>
+              </a:ext>
+            </a:extLst>
+          </p:cNvPr>
+          <p:cNvSpPr txBox="1"/>
+          <p:nvPr/>
+        </p:nvSpPr>
+        <p:spPr>
+          <a:xfrm>
+            <a:off x="3529915" y="2032308"/>
+            <a:ext cx="1980488" cy="830997"/>
+          </a:xfrm>
+          <a:prstGeom prst="rect">
+            <a:avLst/>
+          </a:prstGeom>
+          <a:noFill/>
+        </p:spPr>
+        <p:txBody>
+          <a:bodyPr wrap="square" rtlCol="0">
+            <a:spAutoFit/>
+          </a:bodyPr>
+          <a:lstStyle/>
+          <a:p>
+            <a:r>
+              <a:rPr lang="en-US" sz="1400" dirty="0"/>
+              <a:t>Rumble </a:t>
+            </a:r>
+          </a:p>
+          <a:p>
+            <a:r>
+              <a:rPr lang="en-US" sz="1400" dirty="0"/>
+              <a:t>Exception </a:t>
+            </a:r>
+          </a:p>
+          <a:p>
+            <a:r>
+              <a:rPr lang="en-US" sz="1400" dirty="0"/>
+              <a:t>Thrown</a:t>
+            </a:r>
+          </a:p>
+        </p:txBody>
+      </p:sp>
+      <p:sp>
+        <p:nvSpPr>
+          <p:cNvPr id="58" name="TextBox 57">
+            <a:extLst>
+              <a:ext uri="{FF2B5EF4-FFF2-40B4-BE49-F238E27FC236}">
+                <a16:creationId xmlns:a16="http://schemas.microsoft.com/office/drawing/2014/main" id="{003B3ADC-7F67-6449-9EA1-FABFFBD72580}"/>
+              </a:ext>
+            </a:extLst>
+          </p:cNvPr>
+          <p:cNvSpPr txBox="1"/>
+          <p:nvPr/>
+        </p:nvSpPr>
+        <p:spPr>
+          <a:xfrm>
+            <a:off x="1629629" y="1973429"/>
+            <a:ext cx="1222656" cy="523220"/>
+          </a:xfrm>
+          <a:prstGeom prst="rect">
+            <a:avLst/>
+          </a:prstGeom>
+          <a:noFill/>
+        </p:spPr>
+        <p:txBody>
+          <a:bodyPr wrap="square" rtlCol="0">
+            <a:spAutoFit/>
+          </a:bodyPr>
+          <a:lstStyle/>
+          <a:p>
+            <a:r>
+              <a:rPr lang="en-US" sz="1400" dirty="0"/>
+              <a:t>Error Tag</a:t>
+            </a:r>
+          </a:p>
+          <a:p>
+            <a:r>
+              <a:rPr lang="en-US" sz="1400" dirty="0"/>
+              <a:t>Not Exists</a:t>
+            </a:r>
+          </a:p>
+        </p:txBody>
+      </p:sp>
+      <p:sp>
+        <p:nvSpPr>
+          <p:cNvPr id="33" name="TextBox 32">
+            <a:extLst>
+              <a:ext uri="{FF2B5EF4-FFF2-40B4-BE49-F238E27FC236}">
+                <a16:creationId xmlns:a16="http://schemas.microsoft.com/office/drawing/2014/main" id="{1E050E50-98BC-CC46-ADC9-B5B97D339A89}"/>
+              </a:ext>
+            </a:extLst>
+          </p:cNvPr>
+          <p:cNvSpPr txBox="1"/>
+          <p:nvPr/>
+        </p:nvSpPr>
+        <p:spPr>
+          <a:xfrm>
+            <a:off x="7199342" y="2251658"/>
+            <a:ext cx="1980488" cy="523220"/>
+          </a:xfrm>
+          <a:prstGeom prst="rect">
+            <a:avLst/>
+          </a:prstGeom>
+          <a:noFill/>
+        </p:spPr>
+        <p:txBody>
+          <a:bodyPr wrap="square" rtlCol="0">
+            <a:spAutoFit/>
+          </a:bodyPr>
+          <a:lstStyle/>
+          <a:p>
+            <a:r>
+              <a:rPr lang="en-US" sz="1400" dirty="0"/>
+              <a:t>Query Executed &amp; </a:t>
+            </a:r>
+          </a:p>
+          <a:p>
+            <a:r>
+              <a:rPr lang="en-US" sz="1400" dirty="0"/>
+              <a:t>Result Obtained</a:t>
+            </a:r>
+          </a:p>
+        </p:txBody>
+      </p:sp>
+      <p:sp>
+        <p:nvSpPr>
+          <p:cNvPr id="40" name="TextBox 39">
+            <a:extLst>
+              <a:ext uri="{FF2B5EF4-FFF2-40B4-BE49-F238E27FC236}">
+                <a16:creationId xmlns:a16="http://schemas.microsoft.com/office/drawing/2014/main" id="{9A71C661-CE00-9C48-80BB-6369D14429D1}"/>
+              </a:ext>
+            </a:extLst>
+          </p:cNvPr>
+          <p:cNvSpPr txBox="1"/>
+          <p:nvPr/>
+        </p:nvSpPr>
+        <p:spPr>
+          <a:xfrm>
+            <a:off x="9713424" y="1973429"/>
+            <a:ext cx="1980488" cy="523220"/>
+          </a:xfrm>
+          <a:prstGeom prst="rect">
+            <a:avLst/>
+          </a:prstGeom>
+          <a:noFill/>
+        </p:spPr>
+        <p:txBody>
+          <a:bodyPr wrap="square" rtlCol="0">
+            <a:spAutoFit/>
+          </a:bodyPr>
+          <a:lstStyle/>
+          <a:p>
+            <a:r>
+              <a:rPr lang="en-US" sz="1400" dirty="0"/>
+              <a:t>Some XQuery Type </a:t>
+            </a:r>
+          </a:p>
+          <a:p>
+            <a:r>
+              <a:rPr lang="en-US" sz="1400" dirty="0"/>
+              <a:t>Not Supported</a:t>
+            </a:r>
+          </a:p>
+        </p:txBody>
+      </p:sp>
+      <p:sp>
+        <p:nvSpPr>
+          <p:cNvPr id="43" name="TextBox 42">
+            <a:extLst>
+              <a:ext uri="{FF2B5EF4-FFF2-40B4-BE49-F238E27FC236}">
+                <a16:creationId xmlns:a16="http://schemas.microsoft.com/office/drawing/2014/main" id="{01B71892-87FA-8A40-A206-F2A9EC04C969}"/>
+              </a:ext>
+            </a:extLst>
+          </p:cNvPr>
+          <p:cNvSpPr txBox="1"/>
+          <p:nvPr/>
+        </p:nvSpPr>
+        <p:spPr>
+          <a:xfrm>
+            <a:off x="9713424" y="3012326"/>
+            <a:ext cx="1980488" cy="523220"/>
+          </a:xfrm>
+          <a:prstGeom prst="rect">
+            <a:avLst/>
+          </a:prstGeom>
+          <a:noFill/>
+        </p:spPr>
+        <p:txBody>
+          <a:bodyPr wrap="square" rtlCol="0">
+            <a:spAutoFit/>
+          </a:bodyPr>
+          <a:lstStyle/>
+          <a:p>
+            <a:r>
+              <a:rPr lang="en-US" sz="1400" dirty="0"/>
+              <a:t>All XQuery Types </a:t>
+            </a:r>
+          </a:p>
+          <a:p>
+            <a:r>
+              <a:rPr lang="en-US" sz="1400" dirty="0"/>
+              <a:t>Are Supported</a:t>
+            </a:r>
+          </a:p>
+        </p:txBody>
+      </p:sp>
+      <p:sp>
+        <p:nvSpPr>
+          <p:cNvPr id="38" name="Rectangle 37">
+            <a:extLst>
+              <a:ext uri="{FF2B5EF4-FFF2-40B4-BE49-F238E27FC236}">
+                <a16:creationId xmlns:a16="http://schemas.microsoft.com/office/drawing/2014/main" id="{E2C957FA-5D40-884B-A302-7410E618DDE5}"/>
+              </a:ext>
+            </a:extLst>
+          </p:cNvPr>
+          <p:cNvSpPr/>
+          <p:nvPr/>
+        </p:nvSpPr>
+        <p:spPr>
+          <a:xfrm>
+            <a:off x="5272992" y="423236"/>
+            <a:ext cx="1830082" cy="526820"/>
+          </a:xfrm>
+          <a:prstGeom prst="rect">
+            <a:avLst/>
+          </a:prstGeom>
+          <a:solidFill>
+            <a:schemeClr val="tx1">
+              <a:lumMod val="50000"/>
+              <a:lumOff val="50000"/>
+            </a:schemeClr>
+          </a:solidFill>
+          <a:ln>
+            <a:noFill/>
+          </a:ln>
+        </p:spPr>
+        <p:style>
+          <a:lnRef idx="2">
+            <a:schemeClr val="dk1">
+              <a:shade val="50000"/>
+            </a:schemeClr>
+          </a:lnRef>
+          <a:fillRef idx="1">
+            <a:schemeClr val="dk1"/>
+          </a:fillRef>
+          <a:effectRef idx="0">
+            <a:schemeClr val="dk1"/>
+          </a:effectRef>
+          <a:fontRef idx="minor">
+            <a:schemeClr val="lt1"/>
+          </a:fontRef>
+        </p:style>
+        <p:txBody>
+          <a:bodyPr rtlCol="0" anchor="ctr"/>
+          <a:lstStyle/>
+          <a:p>
+            <a:pPr algn="ctr"/>
+            <a:r>
+              <a:rPr lang="en-US" dirty="0"/>
+              <a:t>Check Dependency Tag</a:t>
+            </a:r>
+          </a:p>
+        </p:txBody>
+      </p:sp>
+      <p:sp>
+        <p:nvSpPr>
+          <p:cNvPr id="42" name="Rectangle 41">
+            <a:extLst>
+              <a:ext uri="{FF2B5EF4-FFF2-40B4-BE49-F238E27FC236}">
+                <a16:creationId xmlns:a16="http://schemas.microsoft.com/office/drawing/2014/main" id="{92F1CFFD-9D2D-0E42-AACE-39A2946B16D8}"/>
+              </a:ext>
+            </a:extLst>
+          </p:cNvPr>
+          <p:cNvSpPr/>
+          <p:nvPr/>
+        </p:nvSpPr>
+        <p:spPr>
+          <a:xfrm>
+            <a:off x="5272992" y="2480782"/>
+            <a:ext cx="1830082" cy="526820"/>
+          </a:xfrm>
+          <a:prstGeom prst="rect">
+            <a:avLst/>
+          </a:prstGeom>
+          <a:solidFill>
+            <a:schemeClr val="tx1">
+              <a:lumMod val="50000"/>
+              <a:lumOff val="50000"/>
+            </a:schemeClr>
+          </a:solidFill>
+          <a:ln>
+            <a:noFill/>
+          </a:ln>
+        </p:spPr>
+        <p:style>
+          <a:lnRef idx="2">
+            <a:schemeClr val="dk1">
+              <a:shade val="50000"/>
+            </a:schemeClr>
+          </a:lnRef>
+          <a:fillRef idx="1">
+            <a:schemeClr val="dk1"/>
+          </a:fillRef>
+          <a:effectRef idx="0">
+            <a:schemeClr val="dk1"/>
+          </a:effectRef>
+          <a:fontRef idx="minor">
+            <a:schemeClr val="lt1"/>
+          </a:fontRef>
+        </p:style>
+        <p:txBody>
+          <a:bodyPr rtlCol="0" anchor="ctr"/>
+          <a:lstStyle/>
+          <a:p>
+            <a:pPr algn="ctr"/>
+            <a:r>
+              <a:rPr lang="en-US" dirty="0"/>
+              <a:t>Run Test Query</a:t>
+            </a:r>
+          </a:p>
+        </p:txBody>
+      </p:sp>
+      <p:sp>
+        <p:nvSpPr>
+          <p:cNvPr id="46" name="Rectangle 45">
+            <a:extLst>
+              <a:ext uri="{FF2B5EF4-FFF2-40B4-BE49-F238E27FC236}">
+                <a16:creationId xmlns:a16="http://schemas.microsoft.com/office/drawing/2014/main" id="{C6BC421E-4D3F-1B48-8806-C30209A2D56C}"/>
+              </a:ext>
+            </a:extLst>
+          </p:cNvPr>
+          <p:cNvSpPr/>
+          <p:nvPr/>
+        </p:nvSpPr>
+        <p:spPr>
+          <a:xfrm>
+            <a:off x="8798384" y="3519679"/>
+            <a:ext cx="1830082" cy="526820"/>
+          </a:xfrm>
+          <a:prstGeom prst="rect">
+            <a:avLst/>
+          </a:prstGeom>
+          <a:solidFill>
+            <a:schemeClr val="tx1">
+              <a:lumMod val="50000"/>
+              <a:lumOff val="50000"/>
+            </a:schemeClr>
+          </a:solidFill>
+          <a:ln>
+            <a:noFill/>
+          </a:ln>
+        </p:spPr>
+        <p:style>
+          <a:lnRef idx="2">
+            <a:schemeClr val="dk1">
+              <a:shade val="50000"/>
+            </a:schemeClr>
+          </a:lnRef>
+          <a:fillRef idx="1">
+            <a:schemeClr val="dk1"/>
+          </a:fillRef>
+          <a:effectRef idx="0">
+            <a:schemeClr val="dk1"/>
+          </a:effectRef>
+          <a:fontRef idx="minor">
+            <a:schemeClr val="lt1"/>
+          </a:fontRef>
+        </p:style>
+        <p:txBody>
+          <a:bodyPr rtlCol="0" anchor="ctr"/>
+          <a:lstStyle/>
+          <a:p>
+            <a:pPr algn="ctr"/>
+            <a:r>
+              <a:rPr lang="en-US" dirty="0"/>
+              <a:t>Verify Assertion</a:t>
+            </a:r>
+          </a:p>
+        </p:txBody>
+      </p:sp>
+      <p:sp>
+        <p:nvSpPr>
+          <p:cNvPr id="47" name="Rectangle 46">
+            <a:extLst>
+              <a:ext uri="{FF2B5EF4-FFF2-40B4-BE49-F238E27FC236}">
+                <a16:creationId xmlns:a16="http://schemas.microsoft.com/office/drawing/2014/main" id="{5781BC60-33DE-4948-AAAE-09D3E530CF7E}"/>
+              </a:ext>
+            </a:extLst>
+          </p:cNvPr>
+          <p:cNvSpPr/>
+          <p:nvPr/>
+        </p:nvSpPr>
+        <p:spPr>
+          <a:xfrm>
+            <a:off x="1692955" y="2480782"/>
+            <a:ext cx="1830082" cy="526820"/>
+          </a:xfrm>
+          <a:prstGeom prst="rect">
+            <a:avLst/>
+          </a:prstGeom>
+          <a:solidFill>
+            <a:schemeClr val="tx1">
+              <a:lumMod val="50000"/>
+              <a:lumOff val="50000"/>
+            </a:schemeClr>
+          </a:solidFill>
+          <a:ln>
+            <a:noFill/>
+          </a:ln>
+        </p:spPr>
+        <p:style>
+          <a:lnRef idx="2">
+            <a:schemeClr val="dk1">
+              <a:shade val="50000"/>
+            </a:schemeClr>
+          </a:lnRef>
+          <a:fillRef idx="1">
+            <a:schemeClr val="dk1"/>
+          </a:fillRef>
+          <a:effectRef idx="0">
+            <a:schemeClr val="dk1"/>
+          </a:effectRef>
+          <a:fontRef idx="minor">
+            <a:schemeClr val="lt1"/>
+          </a:fontRef>
+        </p:style>
+        <p:txBody>
+          <a:bodyPr rtlCol="0" anchor="ctr"/>
+          <a:lstStyle/>
+          <a:p>
+            <a:pPr algn="ctr"/>
+            <a:r>
+              <a:rPr lang="en-US" dirty="0"/>
+              <a:t>Check Error Tag</a:t>
+            </a:r>
+          </a:p>
+        </p:txBody>
+      </p:sp>
+      <p:sp>
+        <p:nvSpPr>
+          <p:cNvPr id="48" name="Rectangle 47">
+            <a:extLst>
+              <a:ext uri="{FF2B5EF4-FFF2-40B4-BE49-F238E27FC236}">
+                <a16:creationId xmlns:a16="http://schemas.microsoft.com/office/drawing/2014/main" id="{5C99F7ED-ADE8-984F-A17A-CFE3402720A1}"/>
+              </a:ext>
+            </a:extLst>
+          </p:cNvPr>
+          <p:cNvSpPr/>
+          <p:nvPr/>
+        </p:nvSpPr>
+        <p:spPr>
+          <a:xfrm>
+            <a:off x="8798384" y="2485506"/>
+            <a:ext cx="1830082" cy="526820"/>
+          </a:xfrm>
+          <a:prstGeom prst="rect">
+            <a:avLst/>
+          </a:prstGeom>
+          <a:solidFill>
+            <a:schemeClr val="tx1">
+              <a:lumMod val="50000"/>
+              <a:lumOff val="50000"/>
+            </a:schemeClr>
+          </a:solidFill>
+          <a:ln>
+            <a:noFill/>
+          </a:ln>
+        </p:spPr>
+        <p:style>
+          <a:lnRef idx="2">
+            <a:schemeClr val="dk1">
+              <a:shade val="50000"/>
+            </a:schemeClr>
+          </a:lnRef>
+          <a:fillRef idx="1">
+            <a:schemeClr val="dk1"/>
+          </a:fillRef>
+          <a:effectRef idx="0">
+            <a:schemeClr val="dk1"/>
+          </a:effectRef>
+          <a:fontRef idx="minor">
+            <a:schemeClr val="lt1"/>
+          </a:fontRef>
+        </p:style>
+        <p:txBody>
+          <a:bodyPr rtlCol="0" anchor="ctr"/>
+          <a:lstStyle/>
+          <a:p>
+            <a:pPr algn="ctr"/>
+            <a:r>
+              <a:rPr lang="en-US" dirty="0"/>
+              <a:t>Convert Result Tag To Verify</a:t>
+            </a:r>
+          </a:p>
+        </p:txBody>
+      </p:sp>
+      <p:sp>
+        <p:nvSpPr>
+          <p:cNvPr id="49" name="Rectangle 48">
+            <a:extLst>
+              <a:ext uri="{FF2B5EF4-FFF2-40B4-BE49-F238E27FC236}">
+                <a16:creationId xmlns:a16="http://schemas.microsoft.com/office/drawing/2014/main" id="{0D9375B0-2DC5-F042-95C6-0CF1BBB78026}"/>
+              </a:ext>
+            </a:extLst>
+          </p:cNvPr>
+          <p:cNvSpPr/>
+          <p:nvPr/>
+        </p:nvSpPr>
+        <p:spPr>
+          <a:xfrm>
+            <a:off x="1692955" y="1452008"/>
+            <a:ext cx="1830083" cy="526822"/>
+          </a:xfrm>
+          <a:prstGeom prst="rect">
+            <a:avLst/>
+          </a:prstGeom>
+          <a:solidFill>
+            <a:schemeClr val="accent4">
+              <a:lumMod val="20000"/>
+              <a:lumOff val="80000"/>
+            </a:schemeClr>
+          </a:solidFill>
+          <a:ln>
+            <a:noFill/>
+          </a:ln>
+        </p:spPr>
+        <p:style>
+          <a:lnRef idx="2">
+            <a:schemeClr val="dk1">
+              <a:shade val="50000"/>
+            </a:schemeClr>
+          </a:lnRef>
+          <a:fillRef idx="1">
+            <a:schemeClr val="dk1"/>
+          </a:fillRef>
+          <a:effectRef idx="0">
+            <a:schemeClr val="dk1"/>
+          </a:effectRef>
+          <a:fontRef idx="minor">
+            <a:schemeClr val="lt1"/>
+          </a:fontRef>
+        </p:style>
+        <p:txBody>
+          <a:bodyPr rtlCol="0" anchor="ctr"/>
+          <a:lstStyle/>
+          <a:p>
+            <a:pPr algn="ctr"/>
+            <a:r>
+              <a:rPr lang="en-US" dirty="0">
+                <a:solidFill>
+                  <a:schemeClr val="tx1"/>
+                </a:solidFill>
+              </a:rPr>
+              <a:t>Log Crash</a:t>
+            </a:r>
+          </a:p>
+        </p:txBody>
+      </p:sp>
+      <p:cxnSp>
+        <p:nvCxnSpPr>
+          <p:cNvPr id="7" name="Straight Arrow Connector 6">
+            <a:extLst>
+              <a:ext uri="{FF2B5EF4-FFF2-40B4-BE49-F238E27FC236}">
+                <a16:creationId xmlns:a16="http://schemas.microsoft.com/office/drawing/2014/main" id="{BF3AEBF3-5C86-BF41-9AAA-B89FD8911A4D}"/>
+              </a:ext>
+            </a:extLst>
+          </p:cNvPr>
+          <p:cNvCxnSpPr>
+            <a:stCxn id="38" idx="2"/>
+            <a:endCxn id="18" idx="0"/>
+          </p:cNvCxnSpPr>
+          <p:nvPr/>
+        </p:nvCxnSpPr>
+        <p:spPr>
+          <a:xfrm>
+            <a:off x="6188033" y="950056"/>
+            <a:ext cx="0" cy="501953"/>
+          </a:xfrm>
+          <a:prstGeom prst="straightConnector1">
+            <a:avLst/>
+          </a:prstGeom>
+          <a:ln w="38100">
+            <a:tailEnd type="triangle"/>
+          </a:ln>
+        </p:spPr>
+        <p:style>
+          <a:lnRef idx="1">
+            <a:schemeClr val="accent1"/>
+          </a:lnRef>
+          <a:fillRef idx="0">
+            <a:schemeClr val="accent1"/>
+          </a:fillRef>
+          <a:effectRef idx="0">
+            <a:schemeClr val="accent1"/>
+          </a:effectRef>
+          <a:fontRef idx="minor">
+            <a:schemeClr val="tx1"/>
+          </a:fontRef>
+        </p:style>
+      </p:cxnSp>
+      <p:cxnSp>
+        <p:nvCxnSpPr>
+          <p:cNvPr id="9" name="Straight Arrow Connector 8">
+            <a:extLst>
+              <a:ext uri="{FF2B5EF4-FFF2-40B4-BE49-F238E27FC236}">
+                <a16:creationId xmlns:a16="http://schemas.microsoft.com/office/drawing/2014/main" id="{24A7FAC2-BCA7-564E-9370-DB36A51C6300}"/>
+              </a:ext>
+            </a:extLst>
+          </p:cNvPr>
+          <p:cNvCxnSpPr>
+            <a:stCxn id="18" idx="2"/>
+            <a:endCxn id="42" idx="0"/>
+          </p:cNvCxnSpPr>
+          <p:nvPr/>
+        </p:nvCxnSpPr>
+        <p:spPr>
+          <a:xfrm>
+            <a:off x="6188033" y="1978829"/>
+            <a:ext cx="0" cy="501953"/>
+          </a:xfrm>
+          <a:prstGeom prst="straightConnector1">
+            <a:avLst/>
+          </a:prstGeom>
+          <a:ln w="38100">
+            <a:tailEnd type="triangle"/>
+          </a:ln>
+        </p:spPr>
+        <p:style>
+          <a:lnRef idx="1">
+            <a:schemeClr val="accent1"/>
+          </a:lnRef>
+          <a:fillRef idx="0">
+            <a:schemeClr val="accent1"/>
+          </a:fillRef>
+          <a:effectRef idx="0">
+            <a:schemeClr val="accent1"/>
+          </a:effectRef>
+          <a:fontRef idx="minor">
+            <a:schemeClr val="tx1"/>
+          </a:fontRef>
+        </p:style>
+      </p:cxnSp>
+      <p:sp>
+        <p:nvSpPr>
+          <p:cNvPr id="54" name="Rectangle 53">
+            <a:extLst>
+              <a:ext uri="{FF2B5EF4-FFF2-40B4-BE49-F238E27FC236}">
+                <a16:creationId xmlns:a16="http://schemas.microsoft.com/office/drawing/2014/main" id="{D83CF3BA-ABB5-FF4E-B651-CB95CA18E40F}"/>
+              </a:ext>
+            </a:extLst>
+          </p:cNvPr>
+          <p:cNvSpPr/>
+          <p:nvPr/>
+        </p:nvSpPr>
+        <p:spPr>
+          <a:xfrm>
+            <a:off x="8798384" y="424255"/>
+            <a:ext cx="1830082" cy="526820"/>
+          </a:xfrm>
+          <a:prstGeom prst="rect">
+            <a:avLst/>
+          </a:prstGeom>
+          <a:solidFill>
+            <a:schemeClr val="accent4">
+              <a:lumMod val="20000"/>
+              <a:lumOff val="80000"/>
+            </a:schemeClr>
+          </a:solidFill>
+          <a:ln>
+            <a:noFill/>
+          </a:ln>
+        </p:spPr>
+        <p:style>
+          <a:lnRef idx="2">
+            <a:schemeClr val="dk1">
+              <a:shade val="50000"/>
+            </a:schemeClr>
+          </a:lnRef>
+          <a:fillRef idx="1">
+            <a:schemeClr val="dk1"/>
+          </a:fillRef>
+          <a:effectRef idx="0">
+            <a:schemeClr val="dk1"/>
+          </a:effectRef>
+          <a:fontRef idx="minor">
+            <a:schemeClr val="lt1"/>
+          </a:fontRef>
+        </p:style>
+        <p:txBody>
+          <a:bodyPr rtlCol="0" anchor="ctr"/>
+          <a:lstStyle/>
+          <a:p>
+            <a:pPr algn="ctr"/>
+            <a:r>
+              <a:rPr lang="en-US" dirty="0">
+                <a:solidFill>
+                  <a:schemeClr val="tx1"/>
+                </a:solidFill>
+              </a:rPr>
+              <a:t>Log Dependency</a:t>
+            </a:r>
+          </a:p>
+        </p:txBody>
+      </p:sp>
+      <p:sp>
+        <p:nvSpPr>
+          <p:cNvPr id="55" name="Rectangle 54">
+            <a:extLst>
+              <a:ext uri="{FF2B5EF4-FFF2-40B4-BE49-F238E27FC236}">
+                <a16:creationId xmlns:a16="http://schemas.microsoft.com/office/drawing/2014/main" id="{ED97BD5E-7567-1544-BEDE-DE0B77375780}"/>
+              </a:ext>
+            </a:extLst>
+          </p:cNvPr>
+          <p:cNvSpPr/>
+          <p:nvPr/>
+        </p:nvSpPr>
+        <p:spPr>
+          <a:xfrm>
+            <a:off x="8798384" y="1457752"/>
+            <a:ext cx="1830082" cy="526820"/>
+          </a:xfrm>
+          <a:prstGeom prst="rect">
+            <a:avLst/>
+          </a:prstGeom>
+          <a:solidFill>
+            <a:schemeClr val="accent4">
+              <a:lumMod val="20000"/>
+              <a:lumOff val="80000"/>
+            </a:schemeClr>
+          </a:solidFill>
+          <a:ln>
+            <a:noFill/>
+          </a:ln>
+        </p:spPr>
+        <p:style>
+          <a:lnRef idx="2">
+            <a:schemeClr val="dk1">
+              <a:shade val="50000"/>
+            </a:schemeClr>
+          </a:lnRef>
+          <a:fillRef idx="1">
+            <a:schemeClr val="dk1"/>
+          </a:fillRef>
+          <a:effectRef idx="0">
+            <a:schemeClr val="dk1"/>
+          </a:effectRef>
+          <a:fontRef idx="minor">
+            <a:schemeClr val="lt1"/>
+          </a:fontRef>
+        </p:style>
+        <p:txBody>
+          <a:bodyPr rtlCol="0" anchor="ctr"/>
+          <a:lstStyle/>
+          <a:p>
+            <a:pPr algn="ctr"/>
+            <a:r>
+              <a:rPr lang="en-US" dirty="0">
+                <a:solidFill>
+                  <a:schemeClr val="tx1"/>
+                </a:solidFill>
+              </a:rPr>
+              <a:t>Log Unsupported Type</a:t>
+            </a:r>
+          </a:p>
+        </p:txBody>
+      </p:sp>
+      <p:cxnSp>
+        <p:nvCxnSpPr>
+          <p:cNvPr id="59" name="Straight Arrow Connector 58">
+            <a:extLst>
+              <a:ext uri="{FF2B5EF4-FFF2-40B4-BE49-F238E27FC236}">
+                <a16:creationId xmlns:a16="http://schemas.microsoft.com/office/drawing/2014/main" id="{F58E7C4C-0387-AF4D-A231-536E8CF02A5E}"/>
+              </a:ext>
+            </a:extLst>
+          </p:cNvPr>
+          <p:cNvCxnSpPr>
+            <a:stCxn id="38" idx="3"/>
+            <a:endCxn id="54" idx="1"/>
+          </p:cNvCxnSpPr>
+          <p:nvPr/>
+        </p:nvCxnSpPr>
+        <p:spPr>
+          <a:xfrm>
+            <a:off x="7103074" y="686646"/>
+            <a:ext cx="1695310" cy="1019"/>
+          </a:xfrm>
+          <a:prstGeom prst="straightConnector1">
+            <a:avLst/>
+          </a:prstGeom>
+          <a:ln w="38100">
+            <a:solidFill>
+              <a:schemeClr val="accent1"/>
+            </a:solidFill>
+            <a:tailEnd type="triangle"/>
+          </a:ln>
+        </p:spPr>
+        <p:style>
+          <a:lnRef idx="1">
+            <a:schemeClr val="accent1"/>
+          </a:lnRef>
+          <a:fillRef idx="0">
+            <a:schemeClr val="accent1"/>
+          </a:fillRef>
+          <a:effectRef idx="0">
+            <a:schemeClr val="accent1"/>
+          </a:effectRef>
+          <a:fontRef idx="minor">
+            <a:schemeClr val="tx1"/>
+          </a:fontRef>
+        </p:style>
+      </p:cxnSp>
+      <p:cxnSp>
+        <p:nvCxnSpPr>
+          <p:cNvPr id="61" name="Straight Arrow Connector 60">
+            <a:extLst>
+              <a:ext uri="{FF2B5EF4-FFF2-40B4-BE49-F238E27FC236}">
+                <a16:creationId xmlns:a16="http://schemas.microsoft.com/office/drawing/2014/main" id="{663ADE59-7276-C449-94FC-47F59F37D7D2}"/>
+              </a:ext>
+            </a:extLst>
+          </p:cNvPr>
+          <p:cNvCxnSpPr>
+            <a:stCxn id="18" idx="3"/>
+            <a:endCxn id="55" idx="1"/>
+          </p:cNvCxnSpPr>
+          <p:nvPr/>
+        </p:nvCxnSpPr>
+        <p:spPr>
+          <a:xfrm>
+            <a:off x="7103074" y="1715419"/>
+            <a:ext cx="1695310" cy="5743"/>
+          </a:xfrm>
+          <a:prstGeom prst="straightConnector1">
+            <a:avLst/>
+          </a:prstGeom>
+          <a:ln w="38100">
+            <a:tailEnd type="triangle"/>
+          </a:ln>
+        </p:spPr>
+        <p:style>
+          <a:lnRef idx="1">
+            <a:schemeClr val="accent1"/>
+          </a:lnRef>
+          <a:fillRef idx="0">
+            <a:schemeClr val="accent1"/>
+          </a:fillRef>
+          <a:effectRef idx="0">
+            <a:schemeClr val="accent1"/>
+          </a:effectRef>
+          <a:fontRef idx="minor">
+            <a:schemeClr val="tx1"/>
+          </a:fontRef>
+        </p:style>
+      </p:cxnSp>
+      <p:cxnSp>
+        <p:nvCxnSpPr>
+          <p:cNvPr id="63" name="Straight Arrow Connector 62">
+            <a:extLst>
+              <a:ext uri="{FF2B5EF4-FFF2-40B4-BE49-F238E27FC236}">
+                <a16:creationId xmlns:a16="http://schemas.microsoft.com/office/drawing/2014/main" id="{9957EA03-A3CA-4B48-878C-6B7CB7ED12D7}"/>
+              </a:ext>
+            </a:extLst>
+          </p:cNvPr>
+          <p:cNvCxnSpPr>
+            <a:stCxn id="48" idx="0"/>
+            <a:endCxn id="55" idx="2"/>
+          </p:cNvCxnSpPr>
+          <p:nvPr/>
+        </p:nvCxnSpPr>
+        <p:spPr>
+          <a:xfrm flipV="1">
+            <a:off x="9713425" y="1984572"/>
+            <a:ext cx="0" cy="500934"/>
+          </a:xfrm>
+          <a:prstGeom prst="straightConnector1">
+            <a:avLst/>
+          </a:prstGeom>
+          <a:ln w="38100">
+            <a:tailEnd type="triangle"/>
+          </a:ln>
+        </p:spPr>
+        <p:style>
+          <a:lnRef idx="1">
+            <a:schemeClr val="accent1"/>
+          </a:lnRef>
+          <a:fillRef idx="0">
+            <a:schemeClr val="accent1"/>
+          </a:fillRef>
+          <a:effectRef idx="0">
+            <a:schemeClr val="accent1"/>
+          </a:effectRef>
+          <a:fontRef idx="minor">
+            <a:schemeClr val="tx1"/>
+          </a:fontRef>
+        </p:style>
+      </p:cxnSp>
+      <p:cxnSp>
+        <p:nvCxnSpPr>
+          <p:cNvPr id="65" name="Straight Arrow Connector 64">
+            <a:extLst>
+              <a:ext uri="{FF2B5EF4-FFF2-40B4-BE49-F238E27FC236}">
+                <a16:creationId xmlns:a16="http://schemas.microsoft.com/office/drawing/2014/main" id="{282D857D-DCF3-1D47-A31A-FA18858B9D91}"/>
+              </a:ext>
+            </a:extLst>
+          </p:cNvPr>
+          <p:cNvCxnSpPr>
+            <a:stCxn id="42" idx="3"/>
+            <a:endCxn id="48" idx="1"/>
+          </p:cNvCxnSpPr>
+          <p:nvPr/>
+        </p:nvCxnSpPr>
+        <p:spPr>
+          <a:xfrm>
+            <a:off x="7103074" y="2744192"/>
+            <a:ext cx="1695310" cy="4724"/>
+          </a:xfrm>
+          <a:prstGeom prst="straightConnector1">
+            <a:avLst/>
+          </a:prstGeom>
+          <a:ln w="38100">
+            <a:tailEnd type="triangle"/>
+          </a:ln>
+        </p:spPr>
+        <p:style>
+          <a:lnRef idx="1">
+            <a:schemeClr val="accent1"/>
+          </a:lnRef>
+          <a:fillRef idx="0">
+            <a:schemeClr val="accent1"/>
+          </a:fillRef>
+          <a:effectRef idx="0">
+            <a:schemeClr val="accent1"/>
+          </a:effectRef>
+          <a:fontRef idx="minor">
+            <a:schemeClr val="tx1"/>
+          </a:fontRef>
+        </p:style>
+      </p:cxnSp>
+      <p:cxnSp>
+        <p:nvCxnSpPr>
+          <p:cNvPr id="69" name="Elbow Connector 68">
+            <a:extLst>
+              <a:ext uri="{FF2B5EF4-FFF2-40B4-BE49-F238E27FC236}">
+                <a16:creationId xmlns:a16="http://schemas.microsoft.com/office/drawing/2014/main" id="{5DCB3835-65FD-C848-A893-964CCD8235A4}"/>
+              </a:ext>
+            </a:extLst>
+          </p:cNvPr>
+          <p:cNvCxnSpPr>
+            <a:stCxn id="46" idx="1"/>
+            <a:endCxn id="42" idx="2"/>
+          </p:cNvCxnSpPr>
+          <p:nvPr/>
+        </p:nvCxnSpPr>
+        <p:spPr>
+          <a:xfrm rot="10800000">
+            <a:off x="6188034" y="3007603"/>
+            <a:ext cx="2610351" cy="775487"/>
+          </a:xfrm>
+          <a:prstGeom prst="bentConnector2">
+            <a:avLst/>
+          </a:prstGeom>
+          <a:ln w="38100">
+            <a:tailEnd type="triangle"/>
+          </a:ln>
+        </p:spPr>
+        <p:style>
+          <a:lnRef idx="1">
+            <a:schemeClr val="accent1"/>
+          </a:lnRef>
+          <a:fillRef idx="0">
+            <a:schemeClr val="accent1"/>
+          </a:fillRef>
+          <a:effectRef idx="0">
+            <a:schemeClr val="accent1"/>
+          </a:effectRef>
+          <a:fontRef idx="minor">
+            <a:schemeClr val="tx1"/>
+          </a:fontRef>
+        </p:style>
+      </p:cxnSp>
+      <p:cxnSp>
+        <p:nvCxnSpPr>
+          <p:cNvPr id="71" name="Straight Arrow Connector 70">
+            <a:extLst>
+              <a:ext uri="{FF2B5EF4-FFF2-40B4-BE49-F238E27FC236}">
+                <a16:creationId xmlns:a16="http://schemas.microsoft.com/office/drawing/2014/main" id="{C1F02A6E-6E8C-EE44-9CE9-E48571AE0084}"/>
+              </a:ext>
+            </a:extLst>
+          </p:cNvPr>
+          <p:cNvCxnSpPr>
+            <a:stCxn id="48" idx="2"/>
+            <a:endCxn id="46" idx="0"/>
+          </p:cNvCxnSpPr>
+          <p:nvPr/>
+        </p:nvCxnSpPr>
+        <p:spPr>
+          <a:xfrm>
+            <a:off x="9713425" y="3012326"/>
+            <a:ext cx="0" cy="507353"/>
+          </a:xfrm>
+          <a:prstGeom prst="straightConnector1">
+            <a:avLst/>
+          </a:prstGeom>
+          <a:ln w="38100">
+            <a:tailEnd type="triangle"/>
+          </a:ln>
+        </p:spPr>
+        <p:style>
+          <a:lnRef idx="1">
+            <a:schemeClr val="accent1"/>
+          </a:lnRef>
+          <a:fillRef idx="0">
+            <a:schemeClr val="accent1"/>
+          </a:fillRef>
+          <a:effectRef idx="0">
+            <a:schemeClr val="accent1"/>
+          </a:effectRef>
+          <a:fontRef idx="minor">
+            <a:schemeClr val="tx1"/>
+          </a:fontRef>
+        </p:style>
+      </p:cxnSp>
+      <p:cxnSp>
+        <p:nvCxnSpPr>
+          <p:cNvPr id="73" name="Elbow Connector 72">
+            <a:extLst>
+              <a:ext uri="{FF2B5EF4-FFF2-40B4-BE49-F238E27FC236}">
+                <a16:creationId xmlns:a16="http://schemas.microsoft.com/office/drawing/2014/main" id="{94350F23-935D-5147-8406-E77163C4434A}"/>
+              </a:ext>
+            </a:extLst>
+          </p:cNvPr>
+          <p:cNvCxnSpPr>
+            <a:stCxn id="42" idx="1"/>
+            <a:endCxn id="49" idx="3"/>
+          </p:cNvCxnSpPr>
+          <p:nvPr/>
+        </p:nvCxnSpPr>
+        <p:spPr>
+          <a:xfrm rot="10800000">
+            <a:off x="3523038" y="1715420"/>
+            <a:ext cx="1749954" cy="1028773"/>
+          </a:xfrm>
+          <a:prstGeom prst="bentConnector3">
+            <a:avLst/>
+          </a:prstGeom>
+          <a:ln w="38100">
+            <a:tailEnd type="triangle"/>
+          </a:ln>
+        </p:spPr>
+        <p:style>
+          <a:lnRef idx="1">
+            <a:schemeClr val="accent1"/>
+          </a:lnRef>
+          <a:fillRef idx="0">
+            <a:schemeClr val="accent1"/>
+          </a:fillRef>
+          <a:effectRef idx="0">
+            <a:schemeClr val="accent1"/>
+          </a:effectRef>
+          <a:fontRef idx="minor">
+            <a:schemeClr val="tx1"/>
+          </a:fontRef>
+        </p:style>
+      </p:cxnSp>
+      <p:cxnSp>
+        <p:nvCxnSpPr>
+          <p:cNvPr id="77" name="Straight Arrow Connector 76">
+            <a:extLst>
+              <a:ext uri="{FF2B5EF4-FFF2-40B4-BE49-F238E27FC236}">
+                <a16:creationId xmlns:a16="http://schemas.microsoft.com/office/drawing/2014/main" id="{81CF35CE-7641-A648-AAF6-568600496146}"/>
+              </a:ext>
+            </a:extLst>
+          </p:cNvPr>
+          <p:cNvCxnSpPr>
+            <a:endCxn id="47" idx="3"/>
+          </p:cNvCxnSpPr>
+          <p:nvPr/>
+        </p:nvCxnSpPr>
+        <p:spPr>
+          <a:xfrm flipH="1">
+            <a:off x="3523037" y="2744192"/>
+            <a:ext cx="1749955" cy="0"/>
+          </a:xfrm>
+          <a:prstGeom prst="straightConnector1">
+            <a:avLst/>
+          </a:prstGeom>
+          <a:ln w="38100">
+            <a:tailEnd type="triangle"/>
+          </a:ln>
+        </p:spPr>
+        <p:style>
+          <a:lnRef idx="1">
+            <a:schemeClr val="accent1"/>
+          </a:lnRef>
+          <a:fillRef idx="0">
+            <a:schemeClr val="accent1"/>
+          </a:fillRef>
+          <a:effectRef idx="0">
+            <a:schemeClr val="accent1"/>
+          </a:effectRef>
+          <a:fontRef idx="minor">
+            <a:schemeClr val="tx1"/>
+          </a:fontRef>
+        </p:style>
+      </p:cxnSp>
+      <p:cxnSp>
+        <p:nvCxnSpPr>
+          <p:cNvPr id="79" name="Straight Arrow Connector 78">
+            <a:extLst>
+              <a:ext uri="{FF2B5EF4-FFF2-40B4-BE49-F238E27FC236}">
+                <a16:creationId xmlns:a16="http://schemas.microsoft.com/office/drawing/2014/main" id="{A08F90DD-B18A-C341-AAD0-572CF6FC5E29}"/>
+              </a:ext>
+            </a:extLst>
+          </p:cNvPr>
+          <p:cNvCxnSpPr/>
+          <p:nvPr/>
+        </p:nvCxnSpPr>
+        <p:spPr>
+          <a:xfrm flipV="1">
+            <a:off x="2604559" y="1982752"/>
+            <a:ext cx="6877" cy="498030"/>
+          </a:xfrm>
+          <a:prstGeom prst="straightConnector1">
+            <a:avLst/>
+          </a:prstGeom>
+          <a:ln w="38100">
+            <a:solidFill>
+              <a:schemeClr val="accent1"/>
+            </a:solidFill>
+            <a:tailEnd type="triangle"/>
+          </a:ln>
+        </p:spPr>
+        <p:style>
+          <a:lnRef idx="1">
+            <a:schemeClr val="accent1"/>
+          </a:lnRef>
+          <a:fillRef idx="0">
+            <a:schemeClr val="accent1"/>
+          </a:fillRef>
+          <a:effectRef idx="0">
+            <a:schemeClr val="accent1"/>
+          </a:effectRef>
+          <a:fontRef idx="minor">
+            <a:schemeClr val="tx1"/>
+          </a:fontRef>
+        </p:style>
+      </p:cxnSp>
+      <p:sp>
+        <p:nvSpPr>
+          <p:cNvPr id="80" name="Rectangle 79">
+            <a:extLst>
+              <a:ext uri="{FF2B5EF4-FFF2-40B4-BE49-F238E27FC236}">
+                <a16:creationId xmlns:a16="http://schemas.microsoft.com/office/drawing/2014/main" id="{D6BFB7B4-7D6C-644A-925B-67BF0F5F0DDF}"/>
+              </a:ext>
+            </a:extLst>
+          </p:cNvPr>
+          <p:cNvSpPr/>
+          <p:nvPr/>
+        </p:nvSpPr>
+        <p:spPr>
+          <a:xfrm>
+            <a:off x="5272992" y="4087963"/>
+            <a:ext cx="1830083" cy="526822"/>
+          </a:xfrm>
+          <a:prstGeom prst="rect">
+            <a:avLst/>
+          </a:prstGeom>
+          <a:solidFill>
+            <a:schemeClr val="accent4">
+              <a:lumMod val="20000"/>
+              <a:lumOff val="80000"/>
+            </a:schemeClr>
+          </a:solidFill>
+          <a:ln>
+            <a:noFill/>
+          </a:ln>
+        </p:spPr>
+        <p:style>
+          <a:lnRef idx="2">
+            <a:schemeClr val="dk1">
+              <a:shade val="50000"/>
+            </a:schemeClr>
+          </a:lnRef>
+          <a:fillRef idx="1">
+            <a:schemeClr val="dk1"/>
+          </a:fillRef>
+          <a:effectRef idx="0">
+            <a:schemeClr val="dk1"/>
+          </a:effectRef>
+          <a:fontRef idx="minor">
+            <a:schemeClr val="lt1"/>
+          </a:fontRef>
+        </p:style>
+        <p:txBody>
+          <a:bodyPr rtlCol="0" anchor="ctr"/>
+          <a:lstStyle/>
+          <a:p>
+            <a:pPr algn="ctr"/>
+            <a:r>
+              <a:rPr lang="en-US" dirty="0">
+                <a:solidFill>
+                  <a:schemeClr val="tx1"/>
+                </a:solidFill>
+              </a:rPr>
+              <a:t>Log Success</a:t>
+            </a:r>
+          </a:p>
+        </p:txBody>
+      </p:sp>
+      <p:sp>
+        <p:nvSpPr>
+          <p:cNvPr id="81" name="Rectangle 80">
+            <a:extLst>
+              <a:ext uri="{FF2B5EF4-FFF2-40B4-BE49-F238E27FC236}">
+                <a16:creationId xmlns:a16="http://schemas.microsoft.com/office/drawing/2014/main" id="{BF9DC40F-651C-B04E-BE2D-2864749C2E52}"/>
+              </a:ext>
+            </a:extLst>
+          </p:cNvPr>
+          <p:cNvSpPr/>
+          <p:nvPr/>
+        </p:nvSpPr>
+        <p:spPr>
+          <a:xfrm>
+            <a:off x="5272989" y="6041932"/>
+            <a:ext cx="1830083" cy="526822"/>
+          </a:xfrm>
+          <a:prstGeom prst="rect">
+            <a:avLst/>
+          </a:prstGeom>
+          <a:solidFill>
+            <a:schemeClr val="accent4">
+              <a:lumMod val="20000"/>
+              <a:lumOff val="80000"/>
+            </a:schemeClr>
+          </a:solidFill>
+          <a:ln>
+            <a:noFill/>
+          </a:ln>
+        </p:spPr>
+        <p:style>
+          <a:lnRef idx="2">
+            <a:schemeClr val="dk1">
+              <a:shade val="50000"/>
+            </a:schemeClr>
+          </a:lnRef>
+          <a:fillRef idx="1">
+            <a:schemeClr val="dk1"/>
+          </a:fillRef>
+          <a:effectRef idx="0">
+            <a:schemeClr val="dk1"/>
+          </a:effectRef>
+          <a:fontRef idx="minor">
+            <a:schemeClr val="lt1"/>
+          </a:fontRef>
+        </p:style>
+        <p:txBody>
+          <a:bodyPr rtlCol="0" anchor="ctr"/>
+          <a:lstStyle/>
+          <a:p>
+            <a:pPr algn="ctr"/>
+            <a:r>
+              <a:rPr lang="en-US" dirty="0">
+                <a:solidFill>
+                  <a:schemeClr val="tx1"/>
+                </a:solidFill>
+              </a:rPr>
+              <a:t>Log Fail</a:t>
+            </a:r>
+          </a:p>
+        </p:txBody>
+      </p:sp>
+      <p:sp>
+        <p:nvSpPr>
+          <p:cNvPr id="82" name="Rectangle 81">
+            <a:extLst>
+              <a:ext uri="{FF2B5EF4-FFF2-40B4-BE49-F238E27FC236}">
+                <a16:creationId xmlns:a16="http://schemas.microsoft.com/office/drawing/2014/main" id="{CCAB73DA-80A3-9646-834B-7B0C9C83773A}"/>
+              </a:ext>
+            </a:extLst>
+          </p:cNvPr>
+          <p:cNvSpPr/>
+          <p:nvPr/>
+        </p:nvSpPr>
+        <p:spPr>
+          <a:xfrm>
+            <a:off x="5272988" y="5398946"/>
+            <a:ext cx="1830083" cy="526822"/>
+          </a:xfrm>
+          <a:prstGeom prst="rect">
+            <a:avLst/>
+          </a:prstGeom>
+          <a:solidFill>
+            <a:schemeClr val="accent4">
+              <a:lumMod val="20000"/>
+              <a:lumOff val="80000"/>
+            </a:schemeClr>
+          </a:solidFill>
+          <a:ln>
+            <a:noFill/>
+          </a:ln>
+        </p:spPr>
+        <p:style>
+          <a:lnRef idx="2">
+            <a:schemeClr val="dk1">
+              <a:shade val="50000"/>
+            </a:schemeClr>
+          </a:lnRef>
+          <a:fillRef idx="1">
+            <a:schemeClr val="dk1"/>
+          </a:fillRef>
+          <a:effectRef idx="0">
+            <a:schemeClr val="dk1"/>
+          </a:effectRef>
+          <a:fontRef idx="minor">
+            <a:schemeClr val="lt1"/>
+          </a:fontRef>
+        </p:style>
+        <p:txBody>
+          <a:bodyPr rtlCol="0" anchor="ctr"/>
+          <a:lstStyle/>
+          <a:p>
+            <a:pPr algn="ctr"/>
+            <a:r>
+              <a:rPr lang="en-US" dirty="0">
+                <a:solidFill>
+                  <a:schemeClr val="tx1"/>
+                </a:solidFill>
+              </a:rPr>
+              <a:t>Log Unsupported Error</a:t>
+            </a:r>
+          </a:p>
+        </p:txBody>
+      </p:sp>
+      <p:sp>
+        <p:nvSpPr>
+          <p:cNvPr id="83" name="Rectangle 82">
+            <a:extLst>
+              <a:ext uri="{FF2B5EF4-FFF2-40B4-BE49-F238E27FC236}">
+                <a16:creationId xmlns:a16="http://schemas.microsoft.com/office/drawing/2014/main" id="{1DE2295F-90E8-C546-9F0C-D3013544E672}"/>
+              </a:ext>
+            </a:extLst>
+          </p:cNvPr>
+          <p:cNvSpPr/>
+          <p:nvPr/>
+        </p:nvSpPr>
+        <p:spPr>
+          <a:xfrm>
+            <a:off x="5272989" y="4743211"/>
+            <a:ext cx="1830083" cy="526822"/>
+          </a:xfrm>
+          <a:prstGeom prst="rect">
+            <a:avLst/>
+          </a:prstGeom>
+          <a:solidFill>
+            <a:schemeClr val="accent4">
+              <a:lumMod val="20000"/>
+              <a:lumOff val="80000"/>
+            </a:schemeClr>
+          </a:solidFill>
+          <a:ln>
+            <a:noFill/>
+          </a:ln>
+        </p:spPr>
+        <p:style>
+          <a:lnRef idx="2">
+            <a:schemeClr val="dk1">
+              <a:shade val="50000"/>
+            </a:schemeClr>
+          </a:lnRef>
+          <a:fillRef idx="1">
+            <a:schemeClr val="dk1"/>
+          </a:fillRef>
+          <a:effectRef idx="0">
+            <a:schemeClr val="dk1"/>
+          </a:effectRef>
+          <a:fontRef idx="minor">
+            <a:schemeClr val="lt1"/>
+          </a:fontRef>
+        </p:style>
+        <p:txBody>
+          <a:bodyPr rtlCol="0" anchor="ctr"/>
+          <a:lstStyle/>
+          <a:p>
+            <a:pPr algn="ctr"/>
+            <a:r>
+              <a:rPr lang="en-US" dirty="0">
+                <a:solidFill>
+                  <a:schemeClr val="tx1"/>
+                </a:solidFill>
+              </a:rPr>
+              <a:t>Log Managed</a:t>
+            </a:r>
+          </a:p>
+        </p:txBody>
+      </p:sp>
+      <p:cxnSp>
+        <p:nvCxnSpPr>
+          <p:cNvPr id="85" name="Elbow Connector 84">
+            <a:extLst>
+              <a:ext uri="{FF2B5EF4-FFF2-40B4-BE49-F238E27FC236}">
+                <a16:creationId xmlns:a16="http://schemas.microsoft.com/office/drawing/2014/main" id="{FA42CF91-4CB1-C04C-933B-26AFACC7166E}"/>
+              </a:ext>
+            </a:extLst>
+          </p:cNvPr>
+          <p:cNvCxnSpPr>
+            <a:stCxn id="47" idx="2"/>
+            <a:endCxn id="80" idx="1"/>
+          </p:cNvCxnSpPr>
+          <p:nvPr/>
+        </p:nvCxnSpPr>
+        <p:spPr>
+          <a:xfrm rot="16200000" flipH="1">
+            <a:off x="3268608" y="2346990"/>
+            <a:ext cx="1343772" cy="2664996"/>
+          </a:xfrm>
+          <a:prstGeom prst="bentConnector2">
+            <a:avLst/>
+          </a:prstGeom>
+          <a:ln w="38100">
+            <a:tailEnd type="triangle"/>
+          </a:ln>
+        </p:spPr>
+        <p:style>
+          <a:lnRef idx="1">
+            <a:schemeClr val="accent1"/>
+          </a:lnRef>
+          <a:fillRef idx="0">
+            <a:schemeClr val="accent1"/>
+          </a:fillRef>
+          <a:effectRef idx="0">
+            <a:schemeClr val="accent1"/>
+          </a:effectRef>
+          <a:fontRef idx="minor">
+            <a:schemeClr val="tx1"/>
+          </a:fontRef>
+        </p:style>
+      </p:cxnSp>
+      <p:sp>
+        <p:nvSpPr>
+          <p:cNvPr id="86" name="Rectangle 85">
+            <a:extLst>
+              <a:ext uri="{FF2B5EF4-FFF2-40B4-BE49-F238E27FC236}">
+                <a16:creationId xmlns:a16="http://schemas.microsoft.com/office/drawing/2014/main" id="{9F10F1EA-270D-854E-AEEC-06AB91688DF6}"/>
+              </a:ext>
+            </a:extLst>
+          </p:cNvPr>
+          <p:cNvSpPr/>
+          <p:nvPr/>
+        </p:nvSpPr>
+        <p:spPr>
+          <a:xfrm>
+            <a:off x="1689518" y="5711274"/>
+            <a:ext cx="1830082" cy="526820"/>
+          </a:xfrm>
+          <a:prstGeom prst="rect">
+            <a:avLst/>
+          </a:prstGeom>
+          <a:solidFill>
+            <a:schemeClr val="tx1">
+              <a:lumMod val="50000"/>
+              <a:lumOff val="50000"/>
+            </a:schemeClr>
+          </a:solidFill>
+          <a:ln>
+            <a:noFill/>
+          </a:ln>
+        </p:spPr>
+        <p:style>
+          <a:lnRef idx="2">
+            <a:schemeClr val="dk1">
+              <a:shade val="50000"/>
+            </a:schemeClr>
+          </a:lnRef>
+          <a:fillRef idx="1">
+            <a:schemeClr val="dk1"/>
+          </a:fillRef>
+          <a:effectRef idx="0">
+            <a:schemeClr val="dk1"/>
+          </a:effectRef>
+          <a:fontRef idx="minor">
+            <a:schemeClr val="lt1"/>
+          </a:fontRef>
+        </p:style>
+        <p:txBody>
+          <a:bodyPr rtlCol="0" anchor="ctr"/>
+          <a:lstStyle/>
+          <a:p>
+            <a:pPr algn="ctr"/>
+            <a:r>
+              <a:rPr lang="en-US" dirty="0"/>
+              <a:t>Check Supported Error Code List</a:t>
+            </a:r>
+          </a:p>
+        </p:txBody>
+      </p:sp>
+      <p:sp>
+        <p:nvSpPr>
+          <p:cNvPr id="87" name="TextBox 86">
+            <a:extLst>
+              <a:ext uri="{FF2B5EF4-FFF2-40B4-BE49-F238E27FC236}">
+                <a16:creationId xmlns:a16="http://schemas.microsoft.com/office/drawing/2014/main" id="{F77F6762-0147-2344-92B5-8344373D7A3F}"/>
+              </a:ext>
+            </a:extLst>
+          </p:cNvPr>
+          <p:cNvSpPr txBox="1"/>
+          <p:nvPr/>
+        </p:nvSpPr>
+        <p:spPr>
+          <a:xfrm>
+            <a:off x="3467983" y="3784889"/>
+            <a:ext cx="1980488" cy="523220"/>
+          </a:xfrm>
+          <a:prstGeom prst="rect">
+            <a:avLst/>
+          </a:prstGeom>
+          <a:noFill/>
+        </p:spPr>
+        <p:txBody>
+          <a:bodyPr wrap="square" rtlCol="0">
+            <a:spAutoFit/>
+          </a:bodyPr>
+          <a:lstStyle/>
+          <a:p>
+            <a:r>
+              <a:rPr lang="en-US" sz="1400" dirty="0"/>
+              <a:t>Result Error Code Matches Error Tag</a:t>
+            </a:r>
+          </a:p>
+        </p:txBody>
+      </p:sp>
+      <p:sp>
+        <p:nvSpPr>
+          <p:cNvPr id="88" name="Rectangle 87">
+            <a:extLst>
+              <a:ext uri="{FF2B5EF4-FFF2-40B4-BE49-F238E27FC236}">
+                <a16:creationId xmlns:a16="http://schemas.microsoft.com/office/drawing/2014/main" id="{6588C232-72AE-9E44-8BC7-597C4DCBB465}"/>
+              </a:ext>
+            </a:extLst>
+          </p:cNvPr>
+          <p:cNvSpPr/>
+          <p:nvPr/>
+        </p:nvSpPr>
+        <p:spPr>
+          <a:xfrm>
+            <a:off x="8798383" y="4553852"/>
+            <a:ext cx="1830082" cy="526820"/>
+          </a:xfrm>
+          <a:prstGeom prst="rect">
+            <a:avLst/>
+          </a:prstGeom>
+          <a:solidFill>
+            <a:schemeClr val="tx1">
+              <a:lumMod val="50000"/>
+              <a:lumOff val="50000"/>
+            </a:schemeClr>
+          </a:solidFill>
+          <a:ln>
+            <a:noFill/>
+          </a:ln>
+        </p:spPr>
+        <p:style>
+          <a:lnRef idx="2">
+            <a:schemeClr val="dk1">
+              <a:shade val="50000"/>
+            </a:schemeClr>
+          </a:lnRef>
+          <a:fillRef idx="1">
+            <a:schemeClr val="dk1"/>
+          </a:fillRef>
+          <a:effectRef idx="0">
+            <a:schemeClr val="dk1"/>
+          </a:effectRef>
+          <a:fontRef idx="minor">
+            <a:schemeClr val="lt1"/>
+          </a:fontRef>
+        </p:style>
+        <p:txBody>
+          <a:bodyPr rtlCol="0" anchor="ctr"/>
+          <a:lstStyle/>
+          <a:p>
+            <a:pPr algn="ctr"/>
+            <a:r>
+              <a:rPr lang="en-US" dirty="0"/>
+              <a:t>Check Test Query Matches Test Tag</a:t>
+            </a:r>
+          </a:p>
+        </p:txBody>
+      </p:sp>
+      <p:sp>
+        <p:nvSpPr>
+          <p:cNvPr id="89" name="TextBox 88">
+            <a:extLst>
+              <a:ext uri="{FF2B5EF4-FFF2-40B4-BE49-F238E27FC236}">
+                <a16:creationId xmlns:a16="http://schemas.microsoft.com/office/drawing/2014/main" id="{495807D0-D9F2-8543-B40C-7E1E97AC27AA}"/>
+              </a:ext>
+            </a:extLst>
+          </p:cNvPr>
+          <p:cNvSpPr txBox="1"/>
+          <p:nvPr/>
+        </p:nvSpPr>
+        <p:spPr>
+          <a:xfrm>
+            <a:off x="1520650" y="4682502"/>
+            <a:ext cx="1222656" cy="954107"/>
+          </a:xfrm>
+          <a:prstGeom prst="rect">
+            <a:avLst/>
+          </a:prstGeom>
+          <a:noFill/>
+        </p:spPr>
+        <p:txBody>
+          <a:bodyPr wrap="square" rtlCol="0">
+            <a:spAutoFit/>
+          </a:bodyPr>
+          <a:lstStyle/>
+          <a:p>
+            <a:r>
+              <a:rPr lang="en-US" sz="1400" dirty="0"/>
+              <a:t>Result Error Code Does Not Matches Error Tag</a:t>
+            </a:r>
+          </a:p>
+        </p:txBody>
+      </p:sp>
+      <p:cxnSp>
+        <p:nvCxnSpPr>
+          <p:cNvPr id="91" name="Straight Arrow Connector 90">
+            <a:extLst>
+              <a:ext uri="{FF2B5EF4-FFF2-40B4-BE49-F238E27FC236}">
+                <a16:creationId xmlns:a16="http://schemas.microsoft.com/office/drawing/2014/main" id="{14E1B5A1-406F-3642-AC8B-A0CF8C2EE1E7}"/>
+              </a:ext>
+            </a:extLst>
+          </p:cNvPr>
+          <p:cNvCxnSpPr>
+            <a:stCxn id="47" idx="2"/>
+            <a:endCxn id="86" idx="0"/>
+          </p:cNvCxnSpPr>
+          <p:nvPr/>
+        </p:nvCxnSpPr>
+        <p:spPr>
+          <a:xfrm flipH="1">
+            <a:off x="2604559" y="3007602"/>
+            <a:ext cx="3437" cy="2703672"/>
+          </a:xfrm>
+          <a:prstGeom prst="straightConnector1">
+            <a:avLst/>
+          </a:prstGeom>
+          <a:ln w="38100">
+            <a:tailEnd type="triangle"/>
+          </a:ln>
+        </p:spPr>
+        <p:style>
+          <a:lnRef idx="1">
+            <a:schemeClr val="accent1"/>
+          </a:lnRef>
+          <a:fillRef idx="0">
+            <a:schemeClr val="accent1"/>
+          </a:fillRef>
+          <a:effectRef idx="0">
+            <a:schemeClr val="accent1"/>
+          </a:effectRef>
+          <a:fontRef idx="minor">
+            <a:schemeClr val="tx1"/>
+          </a:fontRef>
+        </p:style>
+      </p:cxnSp>
+      <p:cxnSp>
+        <p:nvCxnSpPr>
+          <p:cNvPr id="93" name="Elbow Connector 92">
+            <a:extLst>
+              <a:ext uri="{FF2B5EF4-FFF2-40B4-BE49-F238E27FC236}">
+                <a16:creationId xmlns:a16="http://schemas.microsoft.com/office/drawing/2014/main" id="{98C51CD2-E696-8B4A-973D-D0216192E718}"/>
+              </a:ext>
+            </a:extLst>
+          </p:cNvPr>
+          <p:cNvCxnSpPr>
+            <a:stCxn id="86" idx="3"/>
+            <a:endCxn id="81" idx="1"/>
+          </p:cNvCxnSpPr>
+          <p:nvPr/>
+        </p:nvCxnSpPr>
+        <p:spPr>
+          <a:xfrm>
+            <a:off x="3519600" y="5974684"/>
+            <a:ext cx="1753389" cy="330659"/>
+          </a:xfrm>
+          <a:prstGeom prst="bentConnector3">
+            <a:avLst/>
+          </a:prstGeom>
+          <a:ln w="38100">
+            <a:tailEnd type="triangle"/>
+          </a:ln>
+        </p:spPr>
+        <p:style>
+          <a:lnRef idx="1">
+            <a:schemeClr val="accent1"/>
+          </a:lnRef>
+          <a:fillRef idx="0">
+            <a:schemeClr val="accent1"/>
+          </a:fillRef>
+          <a:effectRef idx="0">
+            <a:schemeClr val="accent1"/>
+          </a:effectRef>
+          <a:fontRef idx="minor">
+            <a:schemeClr val="tx1"/>
+          </a:fontRef>
+        </p:style>
+      </p:cxnSp>
+      <p:cxnSp>
+        <p:nvCxnSpPr>
+          <p:cNvPr id="95" name="Elbow Connector 94">
+            <a:extLst>
+              <a:ext uri="{FF2B5EF4-FFF2-40B4-BE49-F238E27FC236}">
+                <a16:creationId xmlns:a16="http://schemas.microsoft.com/office/drawing/2014/main" id="{D2328C37-ABB5-1C4D-8933-7D301C52999D}"/>
+              </a:ext>
+            </a:extLst>
+          </p:cNvPr>
+          <p:cNvCxnSpPr>
+            <a:stCxn id="86" idx="3"/>
+            <a:endCxn id="82" idx="1"/>
+          </p:cNvCxnSpPr>
+          <p:nvPr/>
+        </p:nvCxnSpPr>
+        <p:spPr>
+          <a:xfrm flipV="1">
+            <a:off x="3519600" y="5662357"/>
+            <a:ext cx="1753388" cy="312327"/>
+          </a:xfrm>
+          <a:prstGeom prst="bentConnector3">
+            <a:avLst/>
+          </a:prstGeom>
+          <a:ln w="38100">
+            <a:tailEnd type="triangle"/>
+          </a:ln>
+        </p:spPr>
+        <p:style>
+          <a:lnRef idx="1">
+            <a:schemeClr val="accent1"/>
+          </a:lnRef>
+          <a:fillRef idx="0">
+            <a:schemeClr val="accent1"/>
+          </a:fillRef>
+          <a:effectRef idx="0">
+            <a:schemeClr val="accent1"/>
+          </a:effectRef>
+          <a:fontRef idx="minor">
+            <a:schemeClr val="tx1"/>
+          </a:fontRef>
+        </p:style>
+      </p:cxnSp>
+      <p:sp>
+        <p:nvSpPr>
+          <p:cNvPr id="96" name="TextBox 95">
+            <a:extLst>
+              <a:ext uri="{FF2B5EF4-FFF2-40B4-BE49-F238E27FC236}">
+                <a16:creationId xmlns:a16="http://schemas.microsoft.com/office/drawing/2014/main" id="{3B773530-2601-0E47-BEB2-1A54B92E11DF}"/>
+              </a:ext>
+            </a:extLst>
+          </p:cNvPr>
+          <p:cNvSpPr txBox="1"/>
+          <p:nvPr/>
+        </p:nvSpPr>
+        <p:spPr>
+          <a:xfrm>
+            <a:off x="3769836" y="5079254"/>
+            <a:ext cx="1980488" cy="523220"/>
+          </a:xfrm>
+          <a:prstGeom prst="rect">
+            <a:avLst/>
+          </a:prstGeom>
+          <a:noFill/>
+        </p:spPr>
+        <p:txBody>
+          <a:bodyPr wrap="square" rtlCol="0">
+            <a:spAutoFit/>
+          </a:bodyPr>
+          <a:lstStyle/>
+          <a:p>
+            <a:r>
+              <a:rPr lang="en-US" sz="1400" dirty="0"/>
+              <a:t>Error Code Does</a:t>
+            </a:r>
+          </a:p>
+          <a:p>
+            <a:r>
+              <a:rPr lang="en-US" sz="1400" dirty="0"/>
+              <a:t>Not Exist In List</a:t>
+            </a:r>
+          </a:p>
+        </p:txBody>
+      </p:sp>
+      <p:sp>
+        <p:nvSpPr>
+          <p:cNvPr id="97" name="TextBox 96">
+            <a:extLst>
+              <a:ext uri="{FF2B5EF4-FFF2-40B4-BE49-F238E27FC236}">
+                <a16:creationId xmlns:a16="http://schemas.microsoft.com/office/drawing/2014/main" id="{50BBF33E-9A0D-7E46-B46B-9E93E4976089}"/>
+              </a:ext>
+            </a:extLst>
+          </p:cNvPr>
+          <p:cNvSpPr txBox="1"/>
+          <p:nvPr/>
+        </p:nvSpPr>
+        <p:spPr>
+          <a:xfrm>
+            <a:off x="3770880" y="6356060"/>
+            <a:ext cx="1980488" cy="523220"/>
+          </a:xfrm>
+          <a:prstGeom prst="rect">
+            <a:avLst/>
+          </a:prstGeom>
+          <a:noFill/>
+        </p:spPr>
+        <p:txBody>
+          <a:bodyPr wrap="square" rtlCol="0">
+            <a:spAutoFit/>
+          </a:bodyPr>
+          <a:lstStyle/>
+          <a:p>
+            <a:r>
+              <a:rPr lang="en-US" sz="1400" dirty="0"/>
+              <a:t>Error Code</a:t>
+            </a:r>
+          </a:p>
+          <a:p>
+            <a:r>
+              <a:rPr lang="en-US" sz="1400" dirty="0"/>
+              <a:t>Exists In List</a:t>
+            </a:r>
+          </a:p>
+        </p:txBody>
+      </p:sp>
+      <p:cxnSp>
+        <p:nvCxnSpPr>
+          <p:cNvPr id="99" name="Elbow Connector 98">
+            <a:extLst>
+              <a:ext uri="{FF2B5EF4-FFF2-40B4-BE49-F238E27FC236}">
+                <a16:creationId xmlns:a16="http://schemas.microsoft.com/office/drawing/2014/main" id="{70CBE796-5F60-E546-9229-88AF92E64D49}"/>
+              </a:ext>
+            </a:extLst>
+          </p:cNvPr>
+          <p:cNvCxnSpPr>
+            <a:stCxn id="88" idx="1"/>
+            <a:endCxn id="80" idx="3"/>
+          </p:cNvCxnSpPr>
+          <p:nvPr/>
+        </p:nvCxnSpPr>
+        <p:spPr>
+          <a:xfrm rot="10800000">
+            <a:off x="7103075" y="4351374"/>
+            <a:ext cx="1695308" cy="465888"/>
+          </a:xfrm>
+          <a:prstGeom prst="bentConnector3">
+            <a:avLst/>
+          </a:prstGeom>
+          <a:ln w="38100">
+            <a:tailEnd type="triangle"/>
+          </a:ln>
+        </p:spPr>
+        <p:style>
+          <a:lnRef idx="1">
+            <a:schemeClr val="accent1"/>
+          </a:lnRef>
+          <a:fillRef idx="0">
+            <a:schemeClr val="accent1"/>
+          </a:fillRef>
+          <a:effectRef idx="0">
+            <a:schemeClr val="accent1"/>
+          </a:effectRef>
+          <a:fontRef idx="minor">
+            <a:schemeClr val="tx1"/>
+          </a:fontRef>
+        </p:style>
+      </p:cxnSp>
+      <p:cxnSp>
+        <p:nvCxnSpPr>
+          <p:cNvPr id="101" name="Elbow Connector 100">
+            <a:extLst>
+              <a:ext uri="{FF2B5EF4-FFF2-40B4-BE49-F238E27FC236}">
+                <a16:creationId xmlns:a16="http://schemas.microsoft.com/office/drawing/2014/main" id="{84A298F5-AF6E-9E4B-B0B9-F75B2541E046}"/>
+              </a:ext>
+            </a:extLst>
+          </p:cNvPr>
+          <p:cNvCxnSpPr>
+            <a:stCxn id="88" idx="1"/>
+            <a:endCxn id="83" idx="3"/>
+          </p:cNvCxnSpPr>
+          <p:nvPr/>
+        </p:nvCxnSpPr>
+        <p:spPr>
+          <a:xfrm rot="10800000" flipV="1">
+            <a:off x="7103073" y="4817262"/>
+            <a:ext cx="1695311" cy="189360"/>
+          </a:xfrm>
+          <a:prstGeom prst="bentConnector3">
+            <a:avLst/>
+          </a:prstGeom>
+          <a:ln w="38100">
+            <a:solidFill>
+              <a:schemeClr val="accent1"/>
+            </a:solidFill>
+            <a:tailEnd type="triangle"/>
+          </a:ln>
+        </p:spPr>
+        <p:style>
+          <a:lnRef idx="1">
+            <a:schemeClr val="accent1"/>
+          </a:lnRef>
+          <a:fillRef idx="0">
+            <a:schemeClr val="accent1"/>
+          </a:fillRef>
+          <a:effectRef idx="0">
+            <a:schemeClr val="accent1"/>
+          </a:effectRef>
+          <a:fontRef idx="minor">
+            <a:schemeClr val="tx1"/>
+          </a:fontRef>
+        </p:style>
+      </p:cxnSp>
+      <p:cxnSp>
+        <p:nvCxnSpPr>
+          <p:cNvPr id="103" name="Straight Arrow Connector 102">
+            <a:extLst>
+              <a:ext uri="{FF2B5EF4-FFF2-40B4-BE49-F238E27FC236}">
+                <a16:creationId xmlns:a16="http://schemas.microsoft.com/office/drawing/2014/main" id="{B3431641-0BBA-204D-8860-B801E8DB8D15}"/>
+              </a:ext>
+            </a:extLst>
+          </p:cNvPr>
+          <p:cNvCxnSpPr>
+            <a:stCxn id="46" idx="2"/>
+            <a:endCxn id="88" idx="0"/>
+          </p:cNvCxnSpPr>
+          <p:nvPr/>
+        </p:nvCxnSpPr>
+        <p:spPr>
+          <a:xfrm flipH="1">
+            <a:off x="9713424" y="4046499"/>
+            <a:ext cx="1" cy="507353"/>
+          </a:xfrm>
+          <a:prstGeom prst="straightConnector1">
+            <a:avLst/>
+          </a:prstGeom>
+          <a:ln w="38100">
+            <a:tailEnd type="triangle"/>
+          </a:ln>
+        </p:spPr>
+        <p:style>
+          <a:lnRef idx="1">
+            <a:schemeClr val="accent1"/>
+          </a:lnRef>
+          <a:fillRef idx="0">
+            <a:schemeClr val="accent1"/>
+          </a:fillRef>
+          <a:effectRef idx="0">
+            <a:schemeClr val="accent1"/>
+          </a:effectRef>
+          <a:fontRef idx="minor">
+            <a:schemeClr val="tx1"/>
+          </a:fontRef>
+        </p:style>
+      </p:cxnSp>
+      <p:sp>
+        <p:nvSpPr>
+          <p:cNvPr id="107" name="TextBox 106">
+            <a:extLst>
+              <a:ext uri="{FF2B5EF4-FFF2-40B4-BE49-F238E27FC236}">
+                <a16:creationId xmlns:a16="http://schemas.microsoft.com/office/drawing/2014/main" id="{C5EC12E7-0A9C-5949-AA70-ADEA171D4B0B}"/>
+              </a:ext>
+            </a:extLst>
+          </p:cNvPr>
+          <p:cNvSpPr txBox="1"/>
+          <p:nvPr/>
+        </p:nvSpPr>
+        <p:spPr>
+          <a:xfrm>
+            <a:off x="9715663" y="4046499"/>
+            <a:ext cx="1980488" cy="523220"/>
+          </a:xfrm>
+          <a:prstGeom prst="rect">
+            <a:avLst/>
+          </a:prstGeom>
+          <a:noFill/>
+        </p:spPr>
+        <p:txBody>
+          <a:bodyPr wrap="square" rtlCol="0">
+            <a:spAutoFit/>
+          </a:bodyPr>
+          <a:lstStyle/>
+          <a:p>
+            <a:r>
+              <a:rPr lang="en-US" sz="1400" dirty="0"/>
+              <a:t>Result Match</a:t>
+            </a:r>
+          </a:p>
+          <a:p>
+            <a:r>
+              <a:rPr lang="en-US" sz="1400" dirty="0"/>
+              <a:t>Result Tag</a:t>
+            </a:r>
+          </a:p>
+        </p:txBody>
+      </p:sp>
+      <p:cxnSp>
+        <p:nvCxnSpPr>
+          <p:cNvPr id="109" name="Elbow Connector 108">
+            <a:extLst>
+              <a:ext uri="{FF2B5EF4-FFF2-40B4-BE49-F238E27FC236}">
+                <a16:creationId xmlns:a16="http://schemas.microsoft.com/office/drawing/2014/main" id="{B509C9BF-E676-A148-AE1E-82017139C93A}"/>
+              </a:ext>
+            </a:extLst>
+          </p:cNvPr>
+          <p:cNvCxnSpPr>
+            <a:stCxn id="46" idx="3"/>
+            <a:endCxn id="81" idx="3"/>
+          </p:cNvCxnSpPr>
+          <p:nvPr/>
+        </p:nvCxnSpPr>
+        <p:spPr>
+          <a:xfrm flipH="1">
+            <a:off x="7103072" y="3783089"/>
+            <a:ext cx="3525394" cy="2522254"/>
+          </a:xfrm>
+          <a:prstGeom prst="bentConnector3">
+            <a:avLst>
+              <a:gd name="adj1" fmla="val -6484"/>
+            </a:avLst>
+          </a:prstGeom>
+          <a:ln w="38100">
+            <a:tailEnd type="triangle"/>
+          </a:ln>
+        </p:spPr>
+        <p:style>
+          <a:lnRef idx="1">
+            <a:schemeClr val="accent1"/>
+          </a:lnRef>
+          <a:fillRef idx="0">
+            <a:schemeClr val="accent1"/>
+          </a:fillRef>
+          <a:effectRef idx="0">
+            <a:schemeClr val="accent1"/>
+          </a:effectRef>
+          <a:fontRef idx="minor">
+            <a:schemeClr val="tx1"/>
+          </a:fontRef>
+        </p:style>
+      </p:cxnSp>
+      <p:sp>
+        <p:nvSpPr>
+          <p:cNvPr id="110" name="TextBox 109">
+            <a:extLst>
+              <a:ext uri="{FF2B5EF4-FFF2-40B4-BE49-F238E27FC236}">
+                <a16:creationId xmlns:a16="http://schemas.microsoft.com/office/drawing/2014/main" id="{D7208A3C-BC9A-1B40-B700-251F405608B5}"/>
+              </a:ext>
+            </a:extLst>
+          </p:cNvPr>
+          <p:cNvSpPr txBox="1"/>
+          <p:nvPr/>
+        </p:nvSpPr>
+        <p:spPr>
+          <a:xfrm>
+            <a:off x="9204439" y="5727647"/>
+            <a:ext cx="1980488" cy="523220"/>
+          </a:xfrm>
+          <a:prstGeom prst="rect">
+            <a:avLst/>
+          </a:prstGeom>
+          <a:noFill/>
+        </p:spPr>
+        <p:txBody>
+          <a:bodyPr wrap="square" rtlCol="0">
+            <a:spAutoFit/>
+          </a:bodyPr>
+          <a:lstStyle/>
+          <a:p>
+            <a:r>
+              <a:rPr lang="en-US" sz="1400" dirty="0"/>
+              <a:t>Result Does Not</a:t>
+            </a:r>
+          </a:p>
+          <a:p>
+            <a:r>
+              <a:rPr lang="en-US" sz="1400" dirty="0"/>
+              <a:t>Match Result Tag</a:t>
+            </a:r>
+          </a:p>
+        </p:txBody>
+      </p:sp>
+      <p:sp>
+        <p:nvSpPr>
+          <p:cNvPr id="111" name="TextBox 110">
+            <a:extLst>
+              <a:ext uri="{FF2B5EF4-FFF2-40B4-BE49-F238E27FC236}">
+                <a16:creationId xmlns:a16="http://schemas.microsoft.com/office/drawing/2014/main" id="{6D030BBE-1594-F64D-8299-6E67E7FBCB7B}"/>
+              </a:ext>
+            </a:extLst>
+          </p:cNvPr>
+          <p:cNvSpPr txBox="1"/>
+          <p:nvPr/>
+        </p:nvSpPr>
+        <p:spPr>
+          <a:xfrm>
+            <a:off x="7225271" y="3837953"/>
+            <a:ext cx="1980488" cy="523220"/>
+          </a:xfrm>
+          <a:prstGeom prst="rect">
+            <a:avLst/>
+          </a:prstGeom>
+          <a:noFill/>
+        </p:spPr>
+        <p:txBody>
+          <a:bodyPr wrap="square" rtlCol="0">
+            <a:spAutoFit/>
+          </a:bodyPr>
+          <a:lstStyle/>
+          <a:p>
+            <a:r>
+              <a:rPr lang="en-US" sz="1400" dirty="0"/>
+              <a:t>Test Query Match</a:t>
+            </a:r>
+          </a:p>
+          <a:p>
+            <a:r>
+              <a:rPr lang="en-US" sz="1400" dirty="0"/>
+              <a:t>Original Test Tag</a:t>
+            </a:r>
+          </a:p>
+        </p:txBody>
+      </p:sp>
+      <p:sp>
+        <p:nvSpPr>
+          <p:cNvPr id="112" name="TextBox 111">
+            <a:extLst>
+              <a:ext uri="{FF2B5EF4-FFF2-40B4-BE49-F238E27FC236}">
+                <a16:creationId xmlns:a16="http://schemas.microsoft.com/office/drawing/2014/main" id="{48080209-A526-B846-BBF6-AEBD5985B307}"/>
+              </a:ext>
+            </a:extLst>
+          </p:cNvPr>
+          <p:cNvSpPr txBox="1"/>
+          <p:nvPr/>
+        </p:nvSpPr>
+        <p:spPr>
+          <a:xfrm>
+            <a:off x="7223951" y="4971720"/>
+            <a:ext cx="1980488" cy="523220"/>
+          </a:xfrm>
+          <a:prstGeom prst="rect">
+            <a:avLst/>
+          </a:prstGeom>
+          <a:noFill/>
+        </p:spPr>
+        <p:txBody>
+          <a:bodyPr wrap="square" rtlCol="0">
+            <a:spAutoFit/>
+          </a:bodyPr>
+          <a:lstStyle/>
+          <a:p>
+            <a:r>
+              <a:rPr lang="en-US" sz="1400" dirty="0"/>
+              <a:t>Test Query Does Not Match Original Test Tag</a:t>
+            </a:r>
+          </a:p>
+        </p:txBody>
+      </p:sp>
+      <p:sp>
+        <p:nvSpPr>
+          <p:cNvPr id="116" name="Oval 115">
+            <a:extLst>
+              <a:ext uri="{FF2B5EF4-FFF2-40B4-BE49-F238E27FC236}">
+                <a16:creationId xmlns:a16="http://schemas.microsoft.com/office/drawing/2014/main" id="{2ECF7BF5-4156-6F4B-A91A-43E42B8AF3A5}"/>
+              </a:ext>
+            </a:extLst>
+          </p:cNvPr>
+          <p:cNvSpPr/>
+          <p:nvPr/>
+        </p:nvSpPr>
+        <p:spPr>
+          <a:xfrm>
+            <a:off x="1971671" y="51110"/>
+            <a:ext cx="1279530" cy="1279530"/>
+          </a:xfrm>
+          <a:prstGeom prst="ellipse">
+            <a:avLst/>
+          </a:prstGeom>
+        </p:spPr>
+        <p:style>
+          <a:lnRef idx="2">
+            <a:schemeClr val="accent1">
+              <a:shade val="50000"/>
+            </a:schemeClr>
+          </a:lnRef>
+          <a:fillRef idx="1">
+            <a:schemeClr val="accent1"/>
+          </a:fillRef>
+          <a:effectRef idx="0">
+            <a:schemeClr val="accent1"/>
+          </a:effectRef>
+          <a:fontRef idx="minor">
+            <a:schemeClr val="lt1"/>
+          </a:fontRef>
+        </p:style>
+        <p:txBody>
+          <a:bodyPr rtlCol="0" anchor="ctr"/>
+          <a:lstStyle/>
+          <a:p>
+            <a:pPr algn="ctr"/>
+            <a:r>
+              <a:rPr lang="en-US" dirty="0"/>
+              <a:t>Process Test Case Start</a:t>
+            </a:r>
+          </a:p>
+        </p:txBody>
+      </p:sp>
+      <p:cxnSp>
+        <p:nvCxnSpPr>
+          <p:cNvPr id="118" name="Straight Arrow Connector 117">
+            <a:extLst>
+              <a:ext uri="{FF2B5EF4-FFF2-40B4-BE49-F238E27FC236}">
+                <a16:creationId xmlns:a16="http://schemas.microsoft.com/office/drawing/2014/main" id="{36FBEDED-170E-F74F-A9D5-A4A9085B030A}"/>
+              </a:ext>
+            </a:extLst>
+          </p:cNvPr>
+          <p:cNvCxnSpPr>
+            <a:stCxn id="116" idx="6"/>
+            <a:endCxn id="38" idx="1"/>
+          </p:cNvCxnSpPr>
+          <p:nvPr/>
+        </p:nvCxnSpPr>
+        <p:spPr>
+          <a:xfrm flipV="1">
+            <a:off x="3251201" y="686646"/>
+            <a:ext cx="2021791" cy="4229"/>
+          </a:xfrm>
+          <a:prstGeom prst="straightConnector1">
+            <a:avLst/>
+          </a:prstGeom>
+          <a:ln w="38100">
+            <a:tailEnd type="triangle"/>
+          </a:ln>
+        </p:spPr>
+        <p:style>
+          <a:lnRef idx="1">
+            <a:schemeClr val="accent1"/>
+          </a:lnRef>
+          <a:fillRef idx="0">
+            <a:schemeClr val="accent1"/>
+          </a:fillRef>
+          <a:effectRef idx="0">
+            <a:schemeClr val="accent1"/>
+          </a:effectRef>
+          <a:fontRef idx="minor">
+            <a:schemeClr val="tx1"/>
+          </a:fontRef>
+        </p:style>
+      </p:cxnSp>
+    </p:spTree>
+    <p:extLst>
+      <p:ext uri="{BB962C8B-B14F-4D97-AF65-F5344CB8AC3E}">
+        <p14:creationId xmlns:p14="http://schemas.microsoft.com/office/powerpoint/2010/main" val="115167083"/>
+      </p:ext>
+    </p:extLst>
+  </p:cSld>
+  <p:clrMapOvr>
+    <a:masterClrMapping/>
+  </p:clrMapOvr>
+</p:sld>
+</file>
+
+<file path=ppt/slides/slide12.xml><?xml version="1.0" encoding="utf-8"?>
+<p:sld xmlns:a="http://schemas.openxmlformats.org/drawingml/2006/main" xmlns:r="http://schemas.openxmlformats.org/officeDocument/2006/relationships" xmlns:p="http://schemas.openxmlformats.org/presentationml/2006/main">
+  <p:cSld>
+    <p:spTree>
+      <p:nvGrpSpPr>
+        <p:cNvPr id="1" name=""/>
+        <p:cNvGrpSpPr/>
+        <p:nvPr/>
+      </p:nvGrpSpPr>
+      <p:grpSpPr>
+        <a:xfrm>
+          <a:off x="0" y="0"/>
+          <a:ext cx="0" cy="0"/>
+          <a:chOff x="0" y="0"/>
+          <a:chExt cx="0" cy="0"/>
+        </a:xfrm>
+      </p:grpSpPr>
+      <p:sp>
+        <p:nvSpPr>
+          <p:cNvPr id="2" name="Title 1">
+            <a:extLst>
+              <a:ext uri="{FF2B5EF4-FFF2-40B4-BE49-F238E27FC236}">
+                <a16:creationId xmlns:a16="http://schemas.microsoft.com/office/drawing/2014/main" id="{0058CA62-7775-9C44-9C94-7F2F9F418606}"/>
+              </a:ext>
+            </a:extLst>
+          </p:cNvPr>
+          <p:cNvSpPr>
+            <a:spLocks noGrp="1"/>
+          </p:cNvSpPr>
+          <p:nvPr>
+            <p:ph type="title"/>
+          </p:nvPr>
+        </p:nvSpPr>
+        <p:spPr/>
+        <p:txBody>
+          <a:bodyPr/>
+          <a:lstStyle/>
+          <a:p>
+            <a:r>
+              <a:rPr lang="en-US"/>
+              <a:t>HERE SHOULD BE PLUGIN ARCHITECTURE</a:t>
+            </a:r>
+          </a:p>
+        </p:txBody>
+      </p:sp>
+      <p:sp>
+        <p:nvSpPr>
+          <p:cNvPr id="3" name="Content Placeholder 2">
+            <a:extLst>
+              <a:ext uri="{FF2B5EF4-FFF2-40B4-BE49-F238E27FC236}">
+                <a16:creationId xmlns:a16="http://schemas.microsoft.com/office/drawing/2014/main" id="{3E4DBA6A-4B96-F14E-A341-BFB4E09ED623}"/>
+              </a:ext>
+            </a:extLst>
+          </p:cNvPr>
+          <p:cNvSpPr>
+            <a:spLocks noGrp="1"/>
+          </p:cNvSpPr>
+          <p:nvPr>
+            <p:ph idx="1"/>
+          </p:nvPr>
+        </p:nvSpPr>
+        <p:spPr/>
+        <p:txBody>
+          <a:bodyPr/>
+          <a:lstStyle/>
+          <a:p>
+            <a:endParaRPr lang="en-US"/>
+          </a:p>
+        </p:txBody>
+      </p:sp>
+    </p:spTree>
+    <p:extLst>
+      <p:ext uri="{BB962C8B-B14F-4D97-AF65-F5344CB8AC3E}">
+        <p14:creationId xmlns:p14="http://schemas.microsoft.com/office/powerpoint/2010/main" val="1897876379"/>
+      </p:ext>
+    </p:extLst>
+  </p:cSld>
+  <p:clrMapOvr>
+    <a:masterClrMapping/>
+  </p:clrMapOvr>
+</p:sld>
+</file>
+
+<file path=ppt/slides/slide13.xml><?xml version="1.0" encoding="utf-8"?>
+<p:sld xmlns:a="http://schemas.openxmlformats.org/drawingml/2006/main" xmlns:r="http://schemas.openxmlformats.org/officeDocument/2006/relationships" xmlns:p="http://schemas.openxmlformats.org/presentationml/2006/main">
+  <p:cSld>
+    <p:spTree>
+      <p:nvGrpSpPr>
+        <p:cNvPr id="1" name=""/>
+        <p:cNvGrpSpPr/>
+        <p:nvPr/>
+      </p:nvGrpSpPr>
+      <p:grpSpPr>
+        <a:xfrm>
+          <a:off x="0" y="0"/>
+          <a:ext cx="0" cy="0"/>
+          <a:chOff x="0" y="0"/>
+          <a:chExt cx="0" cy="0"/>
+        </a:xfrm>
+      </p:grpSpPr>
+      <p:sp>
+        <p:nvSpPr>
           <p:cNvPr id="3" name="TextBox 2">
             <a:extLst>
               <a:ext uri="{FF2B5EF4-FFF2-40B4-BE49-F238E27FC236}">
@@ -5011,7 +10266,7 @@
 </p:sld>
 </file>
 
-<file path=ppt/slides/slide11.xml><?xml version="1.0" encoding="utf-8"?>
+<file path=ppt/slides/slide14.xml><?xml version="1.0" encoding="utf-8"?>
 <p:sld xmlns:a="http://schemas.openxmlformats.org/drawingml/2006/main" xmlns:r="http://schemas.openxmlformats.org/officeDocument/2006/relationships" xmlns:p="http://schemas.openxmlformats.org/presentationml/2006/main">
   <p:cSld>
     <p:spTree>
@@ -12575,61 +17830,1435 @@
       </p:grpSpPr>
       <p:sp>
         <p:nvSpPr>
-          <p:cNvPr id="2" name="Title 1">
-            <a:extLst>
-              <a:ext uri="{FF2B5EF4-FFF2-40B4-BE49-F238E27FC236}">
-                <a16:creationId xmlns:a16="http://schemas.microsoft.com/office/drawing/2014/main" id="{0058CA62-7775-9C44-9C94-7F2F9F418606}"/>
-              </a:ext>
-            </a:extLst>
-          </p:cNvPr>
-          <p:cNvSpPr>
-            <a:spLocks noGrp="1"/>
-          </p:cNvSpPr>
-          <p:nvPr>
-            <p:ph type="title"/>
-          </p:nvPr>
-        </p:nvSpPr>
-        <p:spPr/>
-        <p:txBody>
-          <a:bodyPr/>
-          <a:lstStyle/>
-          <a:p>
-            <a:r>
-              <a:rPr lang="en-US"/>
-              <a:t>HERE SHOULD BE PLUGIN ARCHITECTURE</a:t>
-            </a:r>
-          </a:p>
-        </p:txBody>
-      </p:sp>
-      <p:sp>
-        <p:nvSpPr>
-          <p:cNvPr id="3" name="Content Placeholder 2">
-            <a:extLst>
-              <a:ext uri="{FF2B5EF4-FFF2-40B4-BE49-F238E27FC236}">
-                <a16:creationId xmlns:a16="http://schemas.microsoft.com/office/drawing/2014/main" id="{3E4DBA6A-4B96-F14E-A341-BFB4E09ED623}"/>
-              </a:ext>
-            </a:extLst>
-          </p:cNvPr>
-          <p:cNvSpPr>
-            <a:spLocks noGrp="1"/>
-          </p:cNvSpPr>
-          <p:nvPr>
-            <p:ph idx="1"/>
-          </p:nvPr>
-        </p:nvSpPr>
-        <p:spPr/>
-        <p:txBody>
-          <a:bodyPr/>
-          <a:lstStyle/>
-          <a:p>
-            <a:endParaRPr lang="en-US"/>
-          </a:p>
-        </p:txBody>
-      </p:sp>
+          <p:cNvPr id="10" name="TextBox 9">
+            <a:extLst>
+              <a:ext uri="{FF2B5EF4-FFF2-40B4-BE49-F238E27FC236}">
+                <a16:creationId xmlns:a16="http://schemas.microsoft.com/office/drawing/2014/main" id="{BD93AE1B-6FB3-BF4E-B18C-47B5D53C8C25}"/>
+              </a:ext>
+            </a:extLst>
+          </p:cNvPr>
+          <p:cNvSpPr txBox="1"/>
+          <p:nvPr/>
+        </p:nvSpPr>
+        <p:spPr>
+          <a:xfrm>
+            <a:off x="4431625" y="1293155"/>
+            <a:ext cx="1812883" cy="643476"/>
+          </a:xfrm>
+          <a:prstGeom prst="rect">
+            <a:avLst/>
+          </a:prstGeom>
+          <a:noFill/>
+        </p:spPr>
+        <p:txBody>
+          <a:bodyPr wrap="square" rtlCol="0">
+            <a:spAutoFit/>
+          </a:bodyPr>
+          <a:lstStyle/>
+          <a:p>
+            <a:r>
+              <a:rPr lang="en-US" dirty="0"/>
+              <a:t>All Dependency </a:t>
+            </a:r>
+          </a:p>
+          <a:p>
+            <a:r>
+              <a:rPr lang="en-US" dirty="0"/>
+              <a:t>Tags Supported</a:t>
+            </a:r>
+          </a:p>
+        </p:txBody>
+      </p:sp>
+      <p:sp>
+        <p:nvSpPr>
+          <p:cNvPr id="16" name="TextBox 15">
+            <a:extLst>
+              <a:ext uri="{FF2B5EF4-FFF2-40B4-BE49-F238E27FC236}">
+                <a16:creationId xmlns:a16="http://schemas.microsoft.com/office/drawing/2014/main" id="{AB2C7EFE-2090-5E40-8BE6-14DEBEDC59A4}"/>
+              </a:ext>
+            </a:extLst>
+          </p:cNvPr>
+          <p:cNvSpPr txBox="1"/>
+          <p:nvPr/>
+        </p:nvSpPr>
+        <p:spPr>
+          <a:xfrm>
+            <a:off x="7199342" y="40722"/>
+            <a:ext cx="1980488" cy="646331"/>
+          </a:xfrm>
+          <a:prstGeom prst="rect">
+            <a:avLst/>
+          </a:prstGeom>
+          <a:noFill/>
+        </p:spPr>
+        <p:txBody>
+          <a:bodyPr wrap="square" rtlCol="0">
+            <a:spAutoFit/>
+          </a:bodyPr>
+          <a:lstStyle/>
+          <a:p>
+            <a:r>
+              <a:rPr lang="en-US" dirty="0"/>
+              <a:t>Some Dependency </a:t>
+            </a:r>
+          </a:p>
+          <a:p>
+            <a:r>
+              <a:rPr lang="en-US" dirty="0"/>
+              <a:t>Tag Not Supported</a:t>
+            </a:r>
+          </a:p>
+        </p:txBody>
+      </p:sp>
+      <p:sp>
+        <p:nvSpPr>
+          <p:cNvPr id="17" name="Rectangle 16">
+            <a:extLst>
+              <a:ext uri="{FF2B5EF4-FFF2-40B4-BE49-F238E27FC236}">
+                <a16:creationId xmlns:a16="http://schemas.microsoft.com/office/drawing/2014/main" id="{77438C4F-1844-194E-B42A-31B3849C25FC}"/>
+              </a:ext>
+            </a:extLst>
+          </p:cNvPr>
+          <p:cNvSpPr/>
+          <p:nvPr/>
+        </p:nvSpPr>
+        <p:spPr>
+          <a:xfrm>
+            <a:off x="5212130" y="3903704"/>
+            <a:ext cx="1890944" cy="1003177"/>
+          </a:xfrm>
+          <a:prstGeom prst="rect">
+            <a:avLst/>
+          </a:prstGeom>
+          <a:solidFill>
+            <a:schemeClr val="tx1">
+              <a:lumMod val="75000"/>
+              <a:lumOff val="25000"/>
+            </a:schemeClr>
+          </a:solidFill>
+        </p:spPr>
+        <p:style>
+          <a:lnRef idx="2">
+            <a:schemeClr val="dk1">
+              <a:shade val="50000"/>
+            </a:schemeClr>
+          </a:lnRef>
+          <a:fillRef idx="1">
+            <a:schemeClr val="dk1"/>
+          </a:fillRef>
+          <a:effectRef idx="0">
+            <a:schemeClr val="dk1"/>
+          </a:effectRef>
+          <a:fontRef idx="minor">
+            <a:schemeClr val="lt1"/>
+          </a:fontRef>
+        </p:style>
+        <p:txBody>
+          <a:bodyPr rtlCol="0" anchor="ctr"/>
+          <a:lstStyle/>
+          <a:p>
+            <a:pPr algn="ctr"/>
+            <a:r>
+              <a:rPr lang="en-US" dirty="0"/>
+              <a:t>Run Test Query</a:t>
+            </a:r>
+          </a:p>
+        </p:txBody>
+      </p:sp>
+      <p:sp>
+        <p:nvSpPr>
+          <p:cNvPr id="18" name="Rectangle 17">
+            <a:extLst>
+              <a:ext uri="{FF2B5EF4-FFF2-40B4-BE49-F238E27FC236}">
+                <a16:creationId xmlns:a16="http://schemas.microsoft.com/office/drawing/2014/main" id="{53BE2C2C-E60C-0C4E-B769-147CA64E424E}"/>
+              </a:ext>
+            </a:extLst>
+          </p:cNvPr>
+          <p:cNvSpPr/>
+          <p:nvPr/>
+        </p:nvSpPr>
+        <p:spPr>
+          <a:xfrm>
+            <a:off x="5212130" y="2038789"/>
+            <a:ext cx="1890944" cy="1003177"/>
+          </a:xfrm>
+          <a:prstGeom prst="rect">
+            <a:avLst/>
+          </a:prstGeom>
+          <a:solidFill>
+            <a:srgbClr val="92D050"/>
+          </a:solidFill>
+          <a:ln>
+            <a:noFill/>
+          </a:ln>
+        </p:spPr>
+        <p:style>
+          <a:lnRef idx="2">
+            <a:schemeClr val="dk1">
+              <a:shade val="50000"/>
+            </a:schemeClr>
+          </a:lnRef>
+          <a:fillRef idx="1">
+            <a:schemeClr val="dk1"/>
+          </a:fillRef>
+          <a:effectRef idx="0">
+            <a:schemeClr val="dk1"/>
+          </a:effectRef>
+          <a:fontRef idx="minor">
+            <a:schemeClr val="lt1"/>
+          </a:fontRef>
+        </p:style>
+        <p:txBody>
+          <a:bodyPr rtlCol="0" anchor="ctr"/>
+          <a:lstStyle/>
+          <a:p>
+            <a:pPr algn="ctr"/>
+            <a:r>
+              <a:rPr lang="en-US" dirty="0"/>
+              <a:t>Convert Test Tag To Test Query</a:t>
+            </a:r>
+          </a:p>
+        </p:txBody>
+      </p:sp>
+      <p:sp>
+        <p:nvSpPr>
+          <p:cNvPr id="19" name="Rectangle 18">
+            <a:extLst>
+              <a:ext uri="{FF2B5EF4-FFF2-40B4-BE49-F238E27FC236}">
+                <a16:creationId xmlns:a16="http://schemas.microsoft.com/office/drawing/2014/main" id="{29FD37C3-AA4F-5E41-9424-C43FAABF7130}"/>
+              </a:ext>
+            </a:extLst>
+          </p:cNvPr>
+          <p:cNvSpPr/>
+          <p:nvPr/>
+        </p:nvSpPr>
+        <p:spPr>
+          <a:xfrm>
+            <a:off x="5212130" y="173874"/>
+            <a:ext cx="1890944" cy="1003177"/>
+          </a:xfrm>
+          <a:prstGeom prst="rect">
+            <a:avLst/>
+          </a:prstGeom>
+          <a:solidFill>
+            <a:schemeClr val="accent2"/>
+          </a:solidFill>
+          <a:ln>
+            <a:noFill/>
+          </a:ln>
+        </p:spPr>
+        <p:style>
+          <a:lnRef idx="2">
+            <a:schemeClr val="dk1">
+              <a:shade val="50000"/>
+            </a:schemeClr>
+          </a:lnRef>
+          <a:fillRef idx="1">
+            <a:schemeClr val="dk1"/>
+          </a:fillRef>
+          <a:effectRef idx="0">
+            <a:schemeClr val="dk1"/>
+          </a:effectRef>
+          <a:fontRef idx="minor">
+            <a:schemeClr val="lt1"/>
+          </a:fontRef>
+        </p:style>
+        <p:txBody>
+          <a:bodyPr rtlCol="0" anchor="ctr"/>
+          <a:lstStyle/>
+          <a:p>
+            <a:pPr algn="ctr"/>
+            <a:r>
+              <a:rPr lang="en-US" dirty="0"/>
+              <a:t>Check Dependency Tag</a:t>
+            </a:r>
+          </a:p>
+        </p:txBody>
+      </p:sp>
+      <p:cxnSp>
+        <p:nvCxnSpPr>
+          <p:cNvPr id="22" name="Straight Arrow Connector 21">
+            <a:extLst>
+              <a:ext uri="{FF2B5EF4-FFF2-40B4-BE49-F238E27FC236}">
+                <a16:creationId xmlns:a16="http://schemas.microsoft.com/office/drawing/2014/main" id="{388EC6D7-711B-794A-8799-D1791C2C72EC}"/>
+              </a:ext>
+            </a:extLst>
+          </p:cNvPr>
+          <p:cNvCxnSpPr>
+            <a:cxnSpLocks/>
+            <a:stCxn id="19" idx="3"/>
+          </p:cNvCxnSpPr>
+          <p:nvPr/>
+        </p:nvCxnSpPr>
+        <p:spPr>
+          <a:xfrm>
+            <a:off x="7103074" y="675463"/>
+            <a:ext cx="2173024" cy="0"/>
+          </a:xfrm>
+          <a:prstGeom prst="straightConnector1">
+            <a:avLst/>
+          </a:prstGeom>
+          <a:ln w="38100">
+            <a:tailEnd type="triangle"/>
+          </a:ln>
+        </p:spPr>
+        <p:style>
+          <a:lnRef idx="1">
+            <a:schemeClr val="accent1"/>
+          </a:lnRef>
+          <a:fillRef idx="0">
+            <a:schemeClr val="accent1"/>
+          </a:fillRef>
+          <a:effectRef idx="0">
+            <a:schemeClr val="accent1"/>
+          </a:effectRef>
+          <a:fontRef idx="minor">
+            <a:schemeClr val="tx1"/>
+          </a:fontRef>
+        </p:style>
+      </p:cxnSp>
+      <p:cxnSp>
+        <p:nvCxnSpPr>
+          <p:cNvPr id="25" name="Straight Arrow Connector 24">
+            <a:extLst>
+              <a:ext uri="{FF2B5EF4-FFF2-40B4-BE49-F238E27FC236}">
+                <a16:creationId xmlns:a16="http://schemas.microsoft.com/office/drawing/2014/main" id="{9B830B97-FED8-944E-A2D8-8A0A820BBF43}"/>
+              </a:ext>
+            </a:extLst>
+          </p:cNvPr>
+          <p:cNvCxnSpPr>
+            <a:stCxn id="19" idx="2"/>
+          </p:cNvCxnSpPr>
+          <p:nvPr/>
+        </p:nvCxnSpPr>
+        <p:spPr>
+          <a:xfrm>
+            <a:off x="6157602" y="1177051"/>
+            <a:ext cx="0" cy="861738"/>
+          </a:xfrm>
+          <a:prstGeom prst="straightConnector1">
+            <a:avLst/>
+          </a:prstGeom>
+          <a:ln w="38100">
+            <a:tailEnd type="triangle"/>
+          </a:ln>
+        </p:spPr>
+        <p:style>
+          <a:lnRef idx="1">
+            <a:schemeClr val="accent1"/>
+          </a:lnRef>
+          <a:fillRef idx="0">
+            <a:schemeClr val="accent1"/>
+          </a:fillRef>
+          <a:effectRef idx="0">
+            <a:schemeClr val="accent1"/>
+          </a:effectRef>
+          <a:fontRef idx="minor">
+            <a:schemeClr val="tx1"/>
+          </a:fontRef>
+        </p:style>
+      </p:cxnSp>
+      <p:cxnSp>
+        <p:nvCxnSpPr>
+          <p:cNvPr id="26" name="Straight Arrow Connector 25">
+            <a:extLst>
+              <a:ext uri="{FF2B5EF4-FFF2-40B4-BE49-F238E27FC236}">
+                <a16:creationId xmlns:a16="http://schemas.microsoft.com/office/drawing/2014/main" id="{41F75F1E-9D46-C443-9642-887B6DAB74AE}"/>
+              </a:ext>
+            </a:extLst>
+          </p:cNvPr>
+          <p:cNvCxnSpPr/>
+          <p:nvPr/>
+        </p:nvCxnSpPr>
+        <p:spPr>
+          <a:xfrm>
+            <a:off x="6157602" y="3041966"/>
+            <a:ext cx="0" cy="861738"/>
+          </a:xfrm>
+          <a:prstGeom prst="straightConnector1">
+            <a:avLst/>
+          </a:prstGeom>
+          <a:ln w="38100">
+            <a:tailEnd type="triangle"/>
+          </a:ln>
+        </p:spPr>
+        <p:style>
+          <a:lnRef idx="1">
+            <a:schemeClr val="accent1"/>
+          </a:lnRef>
+          <a:fillRef idx="0">
+            <a:schemeClr val="accent1"/>
+          </a:fillRef>
+          <a:effectRef idx="0">
+            <a:schemeClr val="accent1"/>
+          </a:effectRef>
+          <a:fontRef idx="minor">
+            <a:schemeClr val="tx1"/>
+          </a:fontRef>
+        </p:style>
+      </p:cxnSp>
+      <p:sp>
+        <p:nvSpPr>
+          <p:cNvPr id="27" name="TextBox 26">
+            <a:extLst>
+              <a:ext uri="{FF2B5EF4-FFF2-40B4-BE49-F238E27FC236}">
+                <a16:creationId xmlns:a16="http://schemas.microsoft.com/office/drawing/2014/main" id="{0DFAC870-7527-2D43-B893-A2F1B71F0322}"/>
+              </a:ext>
+            </a:extLst>
+          </p:cNvPr>
+          <p:cNvSpPr txBox="1"/>
+          <p:nvPr/>
+        </p:nvSpPr>
+        <p:spPr>
+          <a:xfrm>
+            <a:off x="7199342" y="1936631"/>
+            <a:ext cx="1980488" cy="646331"/>
+          </a:xfrm>
+          <a:prstGeom prst="rect">
+            <a:avLst/>
+          </a:prstGeom>
+          <a:noFill/>
+        </p:spPr>
+        <p:txBody>
+          <a:bodyPr wrap="square" rtlCol="0">
+            <a:spAutoFit/>
+          </a:bodyPr>
+          <a:lstStyle/>
+          <a:p>
+            <a:r>
+              <a:rPr lang="en-US" dirty="0"/>
+              <a:t>Some XQuery Type </a:t>
+            </a:r>
+          </a:p>
+          <a:p>
+            <a:r>
+              <a:rPr lang="en-US" dirty="0"/>
+              <a:t>Not Supported</a:t>
+            </a:r>
+          </a:p>
+        </p:txBody>
+      </p:sp>
+      <p:cxnSp>
+        <p:nvCxnSpPr>
+          <p:cNvPr id="28" name="Straight Arrow Connector 27">
+            <a:extLst>
+              <a:ext uri="{FF2B5EF4-FFF2-40B4-BE49-F238E27FC236}">
+                <a16:creationId xmlns:a16="http://schemas.microsoft.com/office/drawing/2014/main" id="{1A8AA336-1F11-FA4C-BD0A-FB996E09BF92}"/>
+              </a:ext>
+            </a:extLst>
+          </p:cNvPr>
+          <p:cNvCxnSpPr>
+            <a:cxnSpLocks/>
+          </p:cNvCxnSpPr>
+          <p:nvPr/>
+        </p:nvCxnSpPr>
+        <p:spPr>
+          <a:xfrm>
+            <a:off x="7103074" y="2571372"/>
+            <a:ext cx="2173024" cy="0"/>
+          </a:xfrm>
+          <a:prstGeom prst="straightConnector1">
+            <a:avLst/>
+          </a:prstGeom>
+          <a:ln w="38100">
+            <a:tailEnd type="triangle"/>
+          </a:ln>
+        </p:spPr>
+        <p:style>
+          <a:lnRef idx="1">
+            <a:schemeClr val="accent1"/>
+          </a:lnRef>
+          <a:fillRef idx="0">
+            <a:schemeClr val="accent1"/>
+          </a:fillRef>
+          <a:effectRef idx="0">
+            <a:schemeClr val="accent1"/>
+          </a:effectRef>
+          <a:fontRef idx="minor">
+            <a:schemeClr val="tx1"/>
+          </a:fontRef>
+        </p:style>
+      </p:cxnSp>
+      <p:sp>
+        <p:nvSpPr>
+          <p:cNvPr id="29" name="TextBox 28">
+            <a:extLst>
+              <a:ext uri="{FF2B5EF4-FFF2-40B4-BE49-F238E27FC236}">
+                <a16:creationId xmlns:a16="http://schemas.microsoft.com/office/drawing/2014/main" id="{15CBC189-987E-1D49-ABEB-A536DE21E060}"/>
+              </a:ext>
+            </a:extLst>
+          </p:cNvPr>
+          <p:cNvSpPr txBox="1"/>
+          <p:nvPr/>
+        </p:nvSpPr>
+        <p:spPr>
+          <a:xfrm>
+            <a:off x="4431625" y="3144124"/>
+            <a:ext cx="1980488" cy="646331"/>
+          </a:xfrm>
+          <a:prstGeom prst="rect">
+            <a:avLst/>
+          </a:prstGeom>
+          <a:noFill/>
+        </p:spPr>
+        <p:txBody>
+          <a:bodyPr wrap="square" rtlCol="0">
+            <a:spAutoFit/>
+          </a:bodyPr>
+          <a:lstStyle/>
+          <a:p>
+            <a:r>
+              <a:rPr lang="en-US" dirty="0"/>
+              <a:t>All XQuery Types </a:t>
+            </a:r>
+          </a:p>
+          <a:p>
+            <a:r>
+              <a:rPr lang="en-US" dirty="0"/>
+              <a:t>Are Supported</a:t>
+            </a:r>
+          </a:p>
+        </p:txBody>
+      </p:sp>
+      <p:sp>
+        <p:nvSpPr>
+          <p:cNvPr id="30" name="Rectangle 29">
+            <a:extLst>
+              <a:ext uri="{FF2B5EF4-FFF2-40B4-BE49-F238E27FC236}">
+                <a16:creationId xmlns:a16="http://schemas.microsoft.com/office/drawing/2014/main" id="{AF4B88C5-7CDF-254D-82A0-E1A806F79E8F}"/>
+              </a:ext>
+            </a:extLst>
+          </p:cNvPr>
+          <p:cNvSpPr/>
+          <p:nvPr/>
+        </p:nvSpPr>
+        <p:spPr>
+          <a:xfrm>
+            <a:off x="9276098" y="173874"/>
+            <a:ext cx="1890944" cy="1003177"/>
+          </a:xfrm>
+          <a:prstGeom prst="rect">
+            <a:avLst/>
+          </a:prstGeom>
+          <a:solidFill>
+            <a:schemeClr val="accent4">
+              <a:lumMod val="20000"/>
+              <a:lumOff val="80000"/>
+            </a:schemeClr>
+          </a:solidFill>
+          <a:ln>
+            <a:noFill/>
+          </a:ln>
+        </p:spPr>
+        <p:style>
+          <a:lnRef idx="2">
+            <a:schemeClr val="dk1">
+              <a:shade val="50000"/>
+            </a:schemeClr>
+          </a:lnRef>
+          <a:fillRef idx="1">
+            <a:schemeClr val="dk1"/>
+          </a:fillRef>
+          <a:effectRef idx="0">
+            <a:schemeClr val="dk1"/>
+          </a:effectRef>
+          <a:fontRef idx="minor">
+            <a:schemeClr val="lt1"/>
+          </a:fontRef>
+        </p:style>
+        <p:txBody>
+          <a:bodyPr rtlCol="0" anchor="ctr"/>
+          <a:lstStyle/>
+          <a:p>
+            <a:pPr algn="ctr"/>
+            <a:r>
+              <a:rPr lang="en-US" dirty="0">
+                <a:solidFill>
+                  <a:schemeClr val="tx1"/>
+                </a:solidFill>
+              </a:rPr>
+              <a:t>Log Dependency</a:t>
+            </a:r>
+          </a:p>
+        </p:txBody>
+      </p:sp>
+      <p:sp>
+        <p:nvSpPr>
+          <p:cNvPr id="31" name="Rectangle 30">
+            <a:extLst>
+              <a:ext uri="{FF2B5EF4-FFF2-40B4-BE49-F238E27FC236}">
+                <a16:creationId xmlns:a16="http://schemas.microsoft.com/office/drawing/2014/main" id="{EB89946D-8CFC-E142-80B7-942B8E13CE8C}"/>
+              </a:ext>
+            </a:extLst>
+          </p:cNvPr>
+          <p:cNvSpPr/>
+          <p:nvPr/>
+        </p:nvSpPr>
+        <p:spPr>
+          <a:xfrm>
+            <a:off x="9285460" y="2038788"/>
+            <a:ext cx="1890944" cy="1003177"/>
+          </a:xfrm>
+          <a:prstGeom prst="rect">
+            <a:avLst/>
+          </a:prstGeom>
+          <a:solidFill>
+            <a:schemeClr val="accent4">
+              <a:lumMod val="20000"/>
+              <a:lumOff val="80000"/>
+            </a:schemeClr>
+          </a:solidFill>
+          <a:ln>
+            <a:noFill/>
+          </a:ln>
+        </p:spPr>
+        <p:style>
+          <a:lnRef idx="2">
+            <a:schemeClr val="dk1">
+              <a:shade val="50000"/>
+            </a:schemeClr>
+          </a:lnRef>
+          <a:fillRef idx="1">
+            <a:schemeClr val="dk1"/>
+          </a:fillRef>
+          <a:effectRef idx="0">
+            <a:schemeClr val="dk1"/>
+          </a:effectRef>
+          <a:fontRef idx="minor">
+            <a:schemeClr val="lt1"/>
+          </a:fontRef>
+        </p:style>
+        <p:txBody>
+          <a:bodyPr rtlCol="0" anchor="ctr"/>
+          <a:lstStyle/>
+          <a:p>
+            <a:pPr algn="ctr"/>
+            <a:r>
+              <a:rPr lang="en-US" dirty="0">
+                <a:solidFill>
+                  <a:schemeClr val="tx1"/>
+                </a:solidFill>
+              </a:rPr>
+              <a:t>Log Unsupported Type</a:t>
+            </a:r>
+          </a:p>
+        </p:txBody>
+      </p:sp>
+      <p:sp>
+        <p:nvSpPr>
+          <p:cNvPr id="36" name="TextBox 35">
+            <a:extLst>
+              <a:ext uri="{FF2B5EF4-FFF2-40B4-BE49-F238E27FC236}">
+                <a16:creationId xmlns:a16="http://schemas.microsoft.com/office/drawing/2014/main" id="{4CB22B23-110A-314E-B8E9-19B71FD9389E}"/>
+              </a:ext>
+            </a:extLst>
+          </p:cNvPr>
+          <p:cNvSpPr txBox="1"/>
+          <p:nvPr/>
+        </p:nvSpPr>
+        <p:spPr>
+          <a:xfrm>
+            <a:off x="7258358" y="5583419"/>
+            <a:ext cx="1980488" cy="646331"/>
+          </a:xfrm>
+          <a:prstGeom prst="rect">
+            <a:avLst/>
+          </a:prstGeom>
+          <a:noFill/>
+        </p:spPr>
+        <p:txBody>
+          <a:bodyPr wrap="square" rtlCol="0">
+            <a:spAutoFit/>
+          </a:bodyPr>
+          <a:lstStyle/>
+          <a:p>
+            <a:r>
+              <a:rPr lang="en-US" dirty="0"/>
+              <a:t>Nested Query</a:t>
+            </a:r>
+          </a:p>
+          <a:p>
+            <a:r>
+              <a:rPr lang="en-US" dirty="0"/>
+              <a:t>Required</a:t>
+            </a:r>
+          </a:p>
+        </p:txBody>
+      </p:sp>
+      <p:sp>
+        <p:nvSpPr>
+          <p:cNvPr id="37" name="TextBox 36">
+            <a:extLst>
+              <a:ext uri="{FF2B5EF4-FFF2-40B4-BE49-F238E27FC236}">
+                <a16:creationId xmlns:a16="http://schemas.microsoft.com/office/drawing/2014/main" id="{0D873371-B9CC-F84D-A95B-3DB9A34A78CF}"/>
+              </a:ext>
+            </a:extLst>
+          </p:cNvPr>
+          <p:cNvSpPr txBox="1"/>
+          <p:nvPr/>
+        </p:nvSpPr>
+        <p:spPr>
+          <a:xfrm>
+            <a:off x="3936915" y="4634873"/>
+            <a:ext cx="1980488" cy="369332"/>
+          </a:xfrm>
+          <a:prstGeom prst="rect">
+            <a:avLst/>
+          </a:prstGeom>
+          <a:noFill/>
+        </p:spPr>
+        <p:txBody>
+          <a:bodyPr wrap="square" rtlCol="0">
+            <a:spAutoFit/>
+          </a:bodyPr>
+          <a:lstStyle/>
+          <a:p>
+            <a:r>
+              <a:rPr lang="en-US" dirty="0"/>
+              <a:t>Exception </a:t>
+            </a:r>
+          </a:p>
+          <a:p>
+            <a:r>
+              <a:rPr lang="en-US" dirty="0"/>
+              <a:t>Thrown</a:t>
+            </a:r>
+          </a:p>
+        </p:txBody>
+      </p:sp>
+      <p:sp>
+        <p:nvSpPr>
+          <p:cNvPr id="39" name="TextBox 38">
+            <a:extLst>
+              <a:ext uri="{FF2B5EF4-FFF2-40B4-BE49-F238E27FC236}">
+                <a16:creationId xmlns:a16="http://schemas.microsoft.com/office/drawing/2014/main" id="{F12007CC-03E4-FF43-9E20-81D1B873465A}"/>
+              </a:ext>
+            </a:extLst>
+          </p:cNvPr>
+          <p:cNvSpPr txBox="1"/>
+          <p:nvPr/>
+        </p:nvSpPr>
+        <p:spPr>
+          <a:xfrm>
+            <a:off x="2319201" y="3444217"/>
+            <a:ext cx="1980488" cy="646331"/>
+          </a:xfrm>
+          <a:prstGeom prst="rect">
+            <a:avLst/>
+          </a:prstGeom>
+          <a:noFill/>
+        </p:spPr>
+        <p:txBody>
+          <a:bodyPr wrap="square" rtlCol="0">
+            <a:spAutoFit/>
+          </a:bodyPr>
+          <a:lstStyle/>
+          <a:p>
+            <a:r>
+              <a:rPr lang="en-US" dirty="0"/>
+              <a:t>Rumble </a:t>
+            </a:r>
+          </a:p>
+          <a:p>
+            <a:r>
+              <a:rPr lang="en-US" dirty="0"/>
+              <a:t>Exception </a:t>
+            </a:r>
+          </a:p>
+          <a:p>
+            <a:r>
+              <a:rPr lang="en-US" dirty="0"/>
+              <a:t>Thrown</a:t>
+            </a:r>
+          </a:p>
+        </p:txBody>
+      </p:sp>
+      <p:sp>
+        <p:nvSpPr>
+          <p:cNvPr id="45" name="Rectangle 44">
+            <a:extLst>
+              <a:ext uri="{FF2B5EF4-FFF2-40B4-BE49-F238E27FC236}">
+                <a16:creationId xmlns:a16="http://schemas.microsoft.com/office/drawing/2014/main" id="{685B6538-D5E2-D540-AC5B-450082ACA433}"/>
+              </a:ext>
+            </a:extLst>
+          </p:cNvPr>
+          <p:cNvSpPr/>
+          <p:nvPr/>
+        </p:nvSpPr>
+        <p:spPr>
+          <a:xfrm>
+            <a:off x="3008017" y="5404995"/>
+            <a:ext cx="1890944" cy="1003177"/>
+          </a:xfrm>
+          <a:prstGeom prst="rect">
+            <a:avLst/>
+          </a:prstGeom>
+          <a:solidFill>
+            <a:schemeClr val="accent4">
+              <a:lumMod val="20000"/>
+              <a:lumOff val="80000"/>
+            </a:schemeClr>
+          </a:solidFill>
+          <a:ln>
+            <a:noFill/>
+          </a:ln>
+        </p:spPr>
+        <p:style>
+          <a:lnRef idx="2">
+            <a:schemeClr val="dk1">
+              <a:shade val="50000"/>
+            </a:schemeClr>
+          </a:lnRef>
+          <a:fillRef idx="1">
+            <a:schemeClr val="dk1"/>
+          </a:fillRef>
+          <a:effectRef idx="0">
+            <a:schemeClr val="dk1"/>
+          </a:effectRef>
+          <a:fontRef idx="minor">
+            <a:schemeClr val="lt1"/>
+          </a:fontRef>
+        </p:style>
+        <p:txBody>
+          <a:bodyPr rtlCol="0" anchor="ctr"/>
+          <a:lstStyle/>
+          <a:p>
+            <a:pPr algn="ctr"/>
+            <a:r>
+              <a:rPr lang="en-US" dirty="0">
+                <a:solidFill>
+                  <a:schemeClr val="tx1"/>
+                </a:solidFill>
+              </a:rPr>
+              <a:t>Log Crash</a:t>
+            </a:r>
+          </a:p>
+        </p:txBody>
+      </p:sp>
+      <p:sp>
+        <p:nvSpPr>
+          <p:cNvPr id="51" name="Rectangle 50">
+            <a:extLst>
+              <a:ext uri="{FF2B5EF4-FFF2-40B4-BE49-F238E27FC236}">
+                <a16:creationId xmlns:a16="http://schemas.microsoft.com/office/drawing/2014/main" id="{7F64D843-3CC9-8246-8CF8-85986625D1FE}"/>
+              </a:ext>
+            </a:extLst>
+          </p:cNvPr>
+          <p:cNvSpPr/>
+          <p:nvPr/>
+        </p:nvSpPr>
+        <p:spPr>
+          <a:xfrm>
+            <a:off x="297659" y="3878474"/>
+            <a:ext cx="1890944" cy="1003177"/>
+          </a:xfrm>
+          <a:prstGeom prst="rect">
+            <a:avLst/>
+          </a:prstGeom>
+          <a:solidFill>
+            <a:schemeClr val="accent5">
+              <a:lumMod val="60000"/>
+              <a:lumOff val="40000"/>
+            </a:schemeClr>
+          </a:solidFill>
+          <a:ln>
+            <a:noFill/>
+          </a:ln>
+        </p:spPr>
+        <p:style>
+          <a:lnRef idx="0">
+            <a:scrgbClr r="0" g="0" b="0"/>
+          </a:lnRef>
+          <a:fillRef idx="0">
+            <a:scrgbClr r="0" g="0" b="0"/>
+          </a:fillRef>
+          <a:effectRef idx="0">
+            <a:scrgbClr r="0" g="0" b="0"/>
+          </a:effectRef>
+          <a:fontRef idx="minor">
+            <a:schemeClr val="lt1"/>
+          </a:fontRef>
+        </p:style>
+        <p:txBody>
+          <a:bodyPr rtlCol="0" anchor="ctr"/>
+          <a:lstStyle/>
+          <a:p>
+            <a:pPr algn="ctr"/>
+            <a:r>
+              <a:rPr lang="en-US" dirty="0"/>
+              <a:t>Check Error Tag</a:t>
+            </a:r>
+          </a:p>
+        </p:txBody>
+      </p:sp>
+      <p:sp>
+        <p:nvSpPr>
+          <p:cNvPr id="58" name="TextBox 57">
+            <a:extLst>
+              <a:ext uri="{FF2B5EF4-FFF2-40B4-BE49-F238E27FC236}">
+                <a16:creationId xmlns:a16="http://schemas.microsoft.com/office/drawing/2014/main" id="{003B3ADC-7F67-6449-9EA1-FABFFBD72580}"/>
+              </a:ext>
+            </a:extLst>
+          </p:cNvPr>
+          <p:cNvSpPr txBox="1"/>
+          <p:nvPr/>
+        </p:nvSpPr>
+        <p:spPr>
+          <a:xfrm>
+            <a:off x="1353425" y="5188960"/>
+            <a:ext cx="1222656" cy="646331"/>
+          </a:xfrm>
+          <a:prstGeom prst="rect">
+            <a:avLst/>
+          </a:prstGeom>
+          <a:noFill/>
+        </p:spPr>
+        <p:txBody>
+          <a:bodyPr wrap="square" rtlCol="0">
+            <a:spAutoFit/>
+          </a:bodyPr>
+          <a:lstStyle/>
+          <a:p>
+            <a:r>
+              <a:rPr lang="en-US" dirty="0"/>
+              <a:t>Error Tag</a:t>
+            </a:r>
+          </a:p>
+          <a:p>
+            <a:r>
+              <a:rPr lang="en-US" dirty="0"/>
+              <a:t>Not Exists</a:t>
+            </a:r>
+          </a:p>
+        </p:txBody>
+      </p:sp>
+      <p:sp>
+        <p:nvSpPr>
+          <p:cNvPr id="32" name="Rectangle 31">
+            <a:extLst>
+              <a:ext uri="{FF2B5EF4-FFF2-40B4-BE49-F238E27FC236}">
+                <a16:creationId xmlns:a16="http://schemas.microsoft.com/office/drawing/2014/main" id="{8D78581C-B473-0741-A149-3A61AAAC983D}"/>
+              </a:ext>
+            </a:extLst>
+          </p:cNvPr>
+          <p:cNvSpPr/>
+          <p:nvPr/>
+        </p:nvSpPr>
+        <p:spPr>
+          <a:xfrm>
+            <a:off x="9285460" y="3903702"/>
+            <a:ext cx="1890944" cy="1003177"/>
+          </a:xfrm>
+          <a:prstGeom prst="rect">
+            <a:avLst/>
+          </a:prstGeom>
+          <a:solidFill>
+            <a:schemeClr val="bg2">
+              <a:lumMod val="50000"/>
+            </a:schemeClr>
+          </a:solidFill>
+        </p:spPr>
+        <p:style>
+          <a:lnRef idx="2">
+            <a:schemeClr val="dk1">
+              <a:shade val="50000"/>
+            </a:schemeClr>
+          </a:lnRef>
+          <a:fillRef idx="1">
+            <a:schemeClr val="dk1"/>
+          </a:fillRef>
+          <a:effectRef idx="0">
+            <a:schemeClr val="dk1"/>
+          </a:effectRef>
+          <a:fontRef idx="minor">
+            <a:schemeClr val="lt1"/>
+          </a:fontRef>
+        </p:style>
+        <p:txBody>
+          <a:bodyPr rtlCol="0" anchor="ctr"/>
+          <a:lstStyle/>
+          <a:p>
+            <a:pPr algn="ctr"/>
+            <a:r>
+              <a:rPr lang="en-US" dirty="0"/>
+              <a:t>Convert Result Tag To Verify</a:t>
+            </a:r>
+          </a:p>
+        </p:txBody>
+      </p:sp>
+      <p:sp>
+        <p:nvSpPr>
+          <p:cNvPr id="33" name="TextBox 32">
+            <a:extLst>
+              <a:ext uri="{FF2B5EF4-FFF2-40B4-BE49-F238E27FC236}">
+                <a16:creationId xmlns:a16="http://schemas.microsoft.com/office/drawing/2014/main" id="{1E050E50-98BC-CC46-ADC9-B5B97D339A89}"/>
+              </a:ext>
+            </a:extLst>
+          </p:cNvPr>
+          <p:cNvSpPr txBox="1"/>
+          <p:nvPr/>
+        </p:nvSpPr>
+        <p:spPr>
+          <a:xfrm>
+            <a:off x="7199342" y="3791295"/>
+            <a:ext cx="1980488" cy="646331"/>
+          </a:xfrm>
+          <a:prstGeom prst="rect">
+            <a:avLst/>
+          </a:prstGeom>
+          <a:noFill/>
+        </p:spPr>
+        <p:txBody>
+          <a:bodyPr wrap="square" rtlCol="0">
+            <a:spAutoFit/>
+          </a:bodyPr>
+          <a:lstStyle/>
+          <a:p>
+            <a:r>
+              <a:rPr lang="en-US" dirty="0"/>
+              <a:t>Query Executed &amp; </a:t>
+            </a:r>
+          </a:p>
+          <a:p>
+            <a:r>
+              <a:rPr lang="en-US" dirty="0"/>
+              <a:t>Result Obtained</a:t>
+            </a:r>
+          </a:p>
+        </p:txBody>
+      </p:sp>
+      <p:cxnSp>
+        <p:nvCxnSpPr>
+          <p:cNvPr id="34" name="Straight Arrow Connector 33">
+            <a:extLst>
+              <a:ext uri="{FF2B5EF4-FFF2-40B4-BE49-F238E27FC236}">
+                <a16:creationId xmlns:a16="http://schemas.microsoft.com/office/drawing/2014/main" id="{C32EA352-5165-8444-8C8D-8C1E0BA2401F}"/>
+              </a:ext>
+            </a:extLst>
+          </p:cNvPr>
+          <p:cNvCxnSpPr>
+            <a:cxnSpLocks/>
+          </p:cNvCxnSpPr>
+          <p:nvPr/>
+        </p:nvCxnSpPr>
+        <p:spPr>
+          <a:xfrm>
+            <a:off x="7103074" y="4426036"/>
+            <a:ext cx="2173024" cy="0"/>
+          </a:xfrm>
+          <a:prstGeom prst="straightConnector1">
+            <a:avLst/>
+          </a:prstGeom>
+          <a:ln w="38100">
+            <a:tailEnd type="triangle"/>
+          </a:ln>
+        </p:spPr>
+        <p:style>
+          <a:lnRef idx="1">
+            <a:schemeClr val="accent1"/>
+          </a:lnRef>
+          <a:fillRef idx="0">
+            <a:schemeClr val="accent1"/>
+          </a:fillRef>
+          <a:effectRef idx="0">
+            <a:schemeClr val="accent1"/>
+          </a:effectRef>
+          <a:fontRef idx="minor">
+            <a:schemeClr val="tx1"/>
+          </a:fontRef>
+        </p:style>
+      </p:cxnSp>
+      <p:sp>
+        <p:nvSpPr>
+          <p:cNvPr id="40" name="TextBox 39">
+            <a:extLst>
+              <a:ext uri="{FF2B5EF4-FFF2-40B4-BE49-F238E27FC236}">
+                <a16:creationId xmlns:a16="http://schemas.microsoft.com/office/drawing/2014/main" id="{9A71C661-CE00-9C48-80BB-6369D14429D1}"/>
+              </a:ext>
+            </a:extLst>
+          </p:cNvPr>
+          <p:cNvSpPr txBox="1"/>
+          <p:nvPr/>
+        </p:nvSpPr>
+        <p:spPr>
+          <a:xfrm>
+            <a:off x="10230932" y="3158407"/>
+            <a:ext cx="1980488" cy="646331"/>
+          </a:xfrm>
+          <a:prstGeom prst="rect">
+            <a:avLst/>
+          </a:prstGeom>
+          <a:noFill/>
+        </p:spPr>
+        <p:txBody>
+          <a:bodyPr wrap="square" rtlCol="0">
+            <a:spAutoFit/>
+          </a:bodyPr>
+          <a:lstStyle/>
+          <a:p>
+            <a:r>
+              <a:rPr lang="en-US" dirty="0"/>
+              <a:t>Some XQuery Type </a:t>
+            </a:r>
+          </a:p>
+          <a:p>
+            <a:r>
+              <a:rPr lang="en-US" dirty="0"/>
+              <a:t>Not Supported</a:t>
+            </a:r>
+          </a:p>
+        </p:txBody>
+      </p:sp>
+      <p:cxnSp>
+        <p:nvCxnSpPr>
+          <p:cNvPr id="3" name="Straight Arrow Connector 2">
+            <a:extLst>
+              <a:ext uri="{FF2B5EF4-FFF2-40B4-BE49-F238E27FC236}">
+                <a16:creationId xmlns:a16="http://schemas.microsoft.com/office/drawing/2014/main" id="{0F187D0F-BEB4-BD4D-9685-5545D8B129DB}"/>
+              </a:ext>
+            </a:extLst>
+          </p:cNvPr>
+          <p:cNvCxnSpPr>
+            <a:stCxn id="32" idx="0"/>
+          </p:cNvCxnSpPr>
+          <p:nvPr/>
+        </p:nvCxnSpPr>
+        <p:spPr>
+          <a:xfrm flipV="1">
+            <a:off x="10230932" y="3041965"/>
+            <a:ext cx="0" cy="861737"/>
+          </a:xfrm>
+          <a:prstGeom prst="straightConnector1">
+            <a:avLst/>
+          </a:prstGeom>
+          <a:ln w="38100">
+            <a:tailEnd type="triangle"/>
+          </a:ln>
+        </p:spPr>
+        <p:style>
+          <a:lnRef idx="1">
+            <a:schemeClr val="accent1"/>
+          </a:lnRef>
+          <a:fillRef idx="0">
+            <a:schemeClr val="accent1"/>
+          </a:fillRef>
+          <a:effectRef idx="0">
+            <a:schemeClr val="accent1"/>
+          </a:effectRef>
+          <a:fontRef idx="minor">
+            <a:schemeClr val="tx1"/>
+          </a:fontRef>
+        </p:style>
+      </p:cxnSp>
+      <p:cxnSp>
+        <p:nvCxnSpPr>
+          <p:cNvPr id="41" name="Straight Arrow Connector 40">
+            <a:extLst>
+              <a:ext uri="{FF2B5EF4-FFF2-40B4-BE49-F238E27FC236}">
+                <a16:creationId xmlns:a16="http://schemas.microsoft.com/office/drawing/2014/main" id="{7A3A478C-E610-3D4B-BC09-BE4A7ADC6043}"/>
+              </a:ext>
+            </a:extLst>
+          </p:cNvPr>
+          <p:cNvCxnSpPr/>
+          <p:nvPr/>
+        </p:nvCxnSpPr>
+        <p:spPr>
+          <a:xfrm>
+            <a:off x="10227246" y="4897470"/>
+            <a:ext cx="0" cy="861738"/>
+          </a:xfrm>
+          <a:prstGeom prst="straightConnector1">
+            <a:avLst/>
+          </a:prstGeom>
+          <a:ln w="38100">
+            <a:tailEnd type="triangle"/>
+          </a:ln>
+        </p:spPr>
+        <p:style>
+          <a:lnRef idx="1">
+            <a:schemeClr val="accent1"/>
+          </a:lnRef>
+          <a:fillRef idx="0">
+            <a:schemeClr val="accent1"/>
+          </a:fillRef>
+          <a:effectRef idx="0">
+            <a:schemeClr val="accent1"/>
+          </a:effectRef>
+          <a:fontRef idx="minor">
+            <a:schemeClr val="tx1"/>
+          </a:fontRef>
+        </p:style>
+      </p:cxnSp>
+      <p:sp>
+        <p:nvSpPr>
+          <p:cNvPr id="43" name="TextBox 42">
+            <a:extLst>
+              <a:ext uri="{FF2B5EF4-FFF2-40B4-BE49-F238E27FC236}">
+                <a16:creationId xmlns:a16="http://schemas.microsoft.com/office/drawing/2014/main" id="{01B71892-87FA-8A40-A206-F2A9EC04C969}"/>
+              </a:ext>
+            </a:extLst>
+          </p:cNvPr>
+          <p:cNvSpPr txBox="1"/>
+          <p:nvPr/>
+        </p:nvSpPr>
+        <p:spPr>
+          <a:xfrm>
+            <a:off x="10230932" y="5013070"/>
+            <a:ext cx="1980488" cy="646331"/>
+          </a:xfrm>
+          <a:prstGeom prst="rect">
+            <a:avLst/>
+          </a:prstGeom>
+          <a:noFill/>
+        </p:spPr>
+        <p:txBody>
+          <a:bodyPr wrap="square" rtlCol="0">
+            <a:spAutoFit/>
+          </a:bodyPr>
+          <a:lstStyle/>
+          <a:p>
+            <a:r>
+              <a:rPr lang="en-US" dirty="0"/>
+              <a:t>All XQuery Types </a:t>
+            </a:r>
+          </a:p>
+          <a:p>
+            <a:r>
+              <a:rPr lang="en-US" dirty="0"/>
+              <a:t>Are Supported</a:t>
+            </a:r>
+          </a:p>
+        </p:txBody>
+      </p:sp>
+      <p:sp>
+        <p:nvSpPr>
+          <p:cNvPr id="44" name="Rectangle 43">
+            <a:extLst>
+              <a:ext uri="{FF2B5EF4-FFF2-40B4-BE49-F238E27FC236}">
+                <a16:creationId xmlns:a16="http://schemas.microsoft.com/office/drawing/2014/main" id="{DCAA0F63-5663-E44F-AA51-AE0559C3BE15}"/>
+              </a:ext>
+            </a:extLst>
+          </p:cNvPr>
+          <p:cNvSpPr/>
+          <p:nvPr/>
+        </p:nvSpPr>
+        <p:spPr>
+          <a:xfrm>
+            <a:off x="9276098" y="5758365"/>
+            <a:ext cx="1890944" cy="1003177"/>
+          </a:xfrm>
+          <a:prstGeom prst="rect">
+            <a:avLst/>
+          </a:prstGeom>
+          <a:solidFill>
+            <a:schemeClr val="accent1">
+              <a:lumMod val="60000"/>
+              <a:lumOff val="40000"/>
+            </a:schemeClr>
+          </a:solidFill>
+          <a:ln>
+            <a:noFill/>
+          </a:ln>
+        </p:spPr>
+        <p:style>
+          <a:lnRef idx="0">
+            <a:scrgbClr r="0" g="0" b="0"/>
+          </a:lnRef>
+          <a:fillRef idx="0">
+            <a:scrgbClr r="0" g="0" b="0"/>
+          </a:fillRef>
+          <a:effectRef idx="0">
+            <a:scrgbClr r="0" g="0" b="0"/>
+          </a:effectRef>
+          <a:fontRef idx="minor">
+            <a:schemeClr val="lt1"/>
+          </a:fontRef>
+        </p:style>
+        <p:txBody>
+          <a:bodyPr rtlCol="0" anchor="ctr"/>
+          <a:lstStyle/>
+          <a:p>
+            <a:pPr algn="ctr"/>
+            <a:r>
+              <a:rPr lang="en-US" dirty="0"/>
+              <a:t>Verify Assertion</a:t>
+            </a:r>
+          </a:p>
+        </p:txBody>
+      </p:sp>
+      <p:cxnSp>
+        <p:nvCxnSpPr>
+          <p:cNvPr id="5" name="Elbow Connector 4">
+            <a:extLst>
+              <a:ext uri="{FF2B5EF4-FFF2-40B4-BE49-F238E27FC236}">
+                <a16:creationId xmlns:a16="http://schemas.microsoft.com/office/drawing/2014/main" id="{824C40D8-0ED4-C948-9041-93727DA2A627}"/>
+              </a:ext>
+            </a:extLst>
+          </p:cNvPr>
+          <p:cNvCxnSpPr>
+            <a:cxnSpLocks/>
+            <a:stCxn id="44" idx="1"/>
+            <a:endCxn id="17" idx="2"/>
+          </p:cNvCxnSpPr>
+          <p:nvPr/>
+        </p:nvCxnSpPr>
+        <p:spPr>
+          <a:xfrm rot="10800000">
+            <a:off x="6157602" y="4906882"/>
+            <a:ext cx="3118496" cy="1353073"/>
+          </a:xfrm>
+          <a:prstGeom prst="bentConnector2">
+            <a:avLst/>
+          </a:prstGeom>
+          <a:ln w="38100">
+            <a:tailEnd type="triangle"/>
+          </a:ln>
+        </p:spPr>
+        <p:style>
+          <a:lnRef idx="1">
+            <a:schemeClr val="accent1"/>
+          </a:lnRef>
+          <a:fillRef idx="0">
+            <a:schemeClr val="accent1"/>
+          </a:fillRef>
+          <a:effectRef idx="0">
+            <a:schemeClr val="accent1"/>
+          </a:effectRef>
+          <a:fontRef idx="minor">
+            <a:schemeClr val="tx1"/>
+          </a:fontRef>
+        </p:style>
+      </p:cxnSp>
+      <p:cxnSp>
+        <p:nvCxnSpPr>
+          <p:cNvPr id="11" name="Elbow Connector 10">
+            <a:extLst>
+              <a:ext uri="{FF2B5EF4-FFF2-40B4-BE49-F238E27FC236}">
+                <a16:creationId xmlns:a16="http://schemas.microsoft.com/office/drawing/2014/main" id="{83CF001D-5B94-D24D-B074-CA2E60BC914E}"/>
+              </a:ext>
+            </a:extLst>
+          </p:cNvPr>
+          <p:cNvCxnSpPr>
+            <a:stCxn id="17" idx="1"/>
+            <a:endCxn id="45" idx="0"/>
+          </p:cNvCxnSpPr>
+          <p:nvPr/>
+        </p:nvCxnSpPr>
+        <p:spPr>
+          <a:xfrm rot="10800000" flipV="1">
+            <a:off x="3953490" y="4405293"/>
+            <a:ext cx="1258641" cy="999702"/>
+          </a:xfrm>
+          <a:prstGeom prst="bentConnector2">
+            <a:avLst/>
+          </a:prstGeom>
+          <a:ln w="38100">
+            <a:tailEnd type="triangle"/>
+          </a:ln>
+        </p:spPr>
+        <p:style>
+          <a:lnRef idx="1">
+            <a:schemeClr val="accent1"/>
+          </a:lnRef>
+          <a:fillRef idx="0">
+            <a:schemeClr val="accent1"/>
+          </a:fillRef>
+          <a:effectRef idx="0">
+            <a:schemeClr val="accent1"/>
+          </a:effectRef>
+          <a:fontRef idx="minor">
+            <a:schemeClr val="tx1"/>
+          </a:fontRef>
+        </p:style>
+      </p:cxnSp>
+      <p:cxnSp>
+        <p:nvCxnSpPr>
+          <p:cNvPr id="13" name="Straight Arrow Connector 12">
+            <a:extLst>
+              <a:ext uri="{FF2B5EF4-FFF2-40B4-BE49-F238E27FC236}">
+                <a16:creationId xmlns:a16="http://schemas.microsoft.com/office/drawing/2014/main" id="{63875EA8-4367-8F45-80B0-FF3C8BA1F1F6}"/>
+              </a:ext>
+            </a:extLst>
+          </p:cNvPr>
+          <p:cNvCxnSpPr>
+            <a:stCxn id="17" idx="1"/>
+            <a:endCxn id="51" idx="3"/>
+          </p:cNvCxnSpPr>
+          <p:nvPr/>
+        </p:nvCxnSpPr>
+        <p:spPr>
+          <a:xfrm flipH="1" flipV="1">
+            <a:off x="2188603" y="4380063"/>
+            <a:ext cx="3023527" cy="25230"/>
+          </a:xfrm>
+          <a:prstGeom prst="straightConnector1">
+            <a:avLst/>
+          </a:prstGeom>
+          <a:ln w="38100">
+            <a:tailEnd type="triangle"/>
+          </a:ln>
+        </p:spPr>
+        <p:style>
+          <a:lnRef idx="1">
+            <a:schemeClr val="accent1"/>
+          </a:lnRef>
+          <a:fillRef idx="0">
+            <a:schemeClr val="accent1"/>
+          </a:fillRef>
+          <a:effectRef idx="0">
+            <a:schemeClr val="accent1"/>
+          </a:effectRef>
+          <a:fontRef idx="minor">
+            <a:schemeClr val="tx1"/>
+          </a:fontRef>
+        </p:style>
+      </p:cxnSp>
+      <p:cxnSp>
+        <p:nvCxnSpPr>
+          <p:cNvPr id="15" name="Elbow Connector 14">
+            <a:extLst>
+              <a:ext uri="{FF2B5EF4-FFF2-40B4-BE49-F238E27FC236}">
+                <a16:creationId xmlns:a16="http://schemas.microsoft.com/office/drawing/2014/main" id="{D2855908-5AF6-EC4F-93F3-257C30F3BABD}"/>
+              </a:ext>
+            </a:extLst>
+          </p:cNvPr>
+          <p:cNvCxnSpPr>
+            <a:stCxn id="51" idx="2"/>
+            <a:endCxn id="45" idx="1"/>
+          </p:cNvCxnSpPr>
+          <p:nvPr/>
+        </p:nvCxnSpPr>
+        <p:spPr>
+          <a:xfrm rot="16200000" flipH="1">
+            <a:off x="1613108" y="4511674"/>
+            <a:ext cx="1024933" cy="1764886"/>
+          </a:xfrm>
+          <a:prstGeom prst="bentConnector2">
+            <a:avLst/>
+          </a:prstGeom>
+          <a:ln w="38100">
+            <a:tailEnd type="triangle"/>
+          </a:ln>
+        </p:spPr>
+        <p:style>
+          <a:lnRef idx="1">
+            <a:schemeClr val="accent1"/>
+          </a:lnRef>
+          <a:fillRef idx="0">
+            <a:schemeClr val="accent1"/>
+          </a:fillRef>
+          <a:effectRef idx="0">
+            <a:schemeClr val="accent1"/>
+          </a:effectRef>
+          <a:fontRef idx="minor">
+            <a:schemeClr val="tx1"/>
+          </a:fontRef>
+        </p:style>
+      </p:cxnSp>
     </p:spTree>
     <p:extLst>
       <p:ext uri="{BB962C8B-B14F-4D97-AF65-F5344CB8AC3E}">
-        <p14:creationId xmlns:p14="http://schemas.microsoft.com/office/powerpoint/2010/main" val="1897876379"/>
+        <p14:creationId xmlns:p14="http://schemas.microsoft.com/office/powerpoint/2010/main" val="1034612131"/>
       </p:ext>
     </p:extLst>
   </p:cSld>

--- a/thesis/Architecture Diagram v2.0.pptx
+++ b/thesis/Architecture Diagram v2.0.pptx
@@ -284,7 +284,7 @@
           <a:p>
             <a:fld id="{D55ECC76-8EB5-4363-A59F-0D38F5FF4683}" type="datetimeFigureOut">
               <a:rPr lang="en-US" smtClean="0"/>
-              <a:t>3/12/21</a:t>
+              <a:t>3/15/21</a:t>
             </a:fld>
             <a:endParaRPr lang="en-US"/>
           </a:p>
@@ -482,7 +482,7 @@
           <a:p>
             <a:fld id="{D55ECC76-8EB5-4363-A59F-0D38F5FF4683}" type="datetimeFigureOut">
               <a:rPr lang="en-US" smtClean="0"/>
-              <a:t>3/12/21</a:t>
+              <a:t>3/15/21</a:t>
             </a:fld>
             <a:endParaRPr lang="en-US"/>
           </a:p>
@@ -690,7 +690,7 @@
           <a:p>
             <a:fld id="{D55ECC76-8EB5-4363-A59F-0D38F5FF4683}" type="datetimeFigureOut">
               <a:rPr lang="en-US" smtClean="0"/>
-              <a:t>3/12/21</a:t>
+              <a:t>3/15/21</a:t>
             </a:fld>
             <a:endParaRPr lang="en-US"/>
           </a:p>
@@ -888,7 +888,7 @@
           <a:p>
             <a:fld id="{D55ECC76-8EB5-4363-A59F-0D38F5FF4683}" type="datetimeFigureOut">
               <a:rPr lang="en-US" smtClean="0"/>
-              <a:t>3/12/21</a:t>
+              <a:t>3/15/21</a:t>
             </a:fld>
             <a:endParaRPr lang="en-US"/>
           </a:p>
@@ -1163,7 +1163,7 @@
           <a:p>
             <a:fld id="{D55ECC76-8EB5-4363-A59F-0D38F5FF4683}" type="datetimeFigureOut">
               <a:rPr lang="en-US" smtClean="0"/>
-              <a:t>3/12/21</a:t>
+              <a:t>3/15/21</a:t>
             </a:fld>
             <a:endParaRPr lang="en-US"/>
           </a:p>
@@ -1428,7 +1428,7 @@
           <a:p>
             <a:fld id="{D55ECC76-8EB5-4363-A59F-0D38F5FF4683}" type="datetimeFigureOut">
               <a:rPr lang="en-US" smtClean="0"/>
-              <a:t>3/12/21</a:t>
+              <a:t>3/15/21</a:t>
             </a:fld>
             <a:endParaRPr lang="en-US"/>
           </a:p>
@@ -1840,7 +1840,7 @@
           <a:p>
             <a:fld id="{D55ECC76-8EB5-4363-A59F-0D38F5FF4683}" type="datetimeFigureOut">
               <a:rPr lang="en-US" smtClean="0"/>
-              <a:t>3/12/21</a:t>
+              <a:t>3/15/21</a:t>
             </a:fld>
             <a:endParaRPr lang="en-US"/>
           </a:p>
@@ -1981,7 +1981,7 @@
           <a:p>
             <a:fld id="{D55ECC76-8EB5-4363-A59F-0D38F5FF4683}" type="datetimeFigureOut">
               <a:rPr lang="en-US" smtClean="0"/>
-              <a:t>3/12/21</a:t>
+              <a:t>3/15/21</a:t>
             </a:fld>
             <a:endParaRPr lang="en-US"/>
           </a:p>
@@ -2094,7 +2094,7 @@
           <a:p>
             <a:fld id="{D55ECC76-8EB5-4363-A59F-0D38F5FF4683}" type="datetimeFigureOut">
               <a:rPr lang="en-US" smtClean="0"/>
-              <a:t>3/12/21</a:t>
+              <a:t>3/15/21</a:t>
             </a:fld>
             <a:endParaRPr lang="en-US"/>
           </a:p>
@@ -2405,7 +2405,7 @@
           <a:p>
             <a:fld id="{D55ECC76-8EB5-4363-A59F-0D38F5FF4683}" type="datetimeFigureOut">
               <a:rPr lang="en-US" smtClean="0"/>
-              <a:t>3/12/21</a:t>
+              <a:t>3/15/21</a:t>
             </a:fld>
             <a:endParaRPr lang="en-US"/>
           </a:p>
@@ -2693,7 +2693,7 @@
           <a:p>
             <a:fld id="{D55ECC76-8EB5-4363-A59F-0D38F5FF4683}" type="datetimeFigureOut">
               <a:rPr lang="en-US" smtClean="0"/>
-              <a:t>3/12/21</a:t>
+              <a:t>3/15/21</a:t>
             </a:fld>
             <a:endParaRPr lang="en-US"/>
           </a:p>
@@ -2934,7 +2934,7 @@
           <a:p>
             <a:fld id="{D55ECC76-8EB5-4363-A59F-0D38F5FF4683}" type="datetimeFigureOut">
               <a:rPr lang="en-US" smtClean="0"/>
-              <a:t>3/12/21</a:t>
+              <a:t>3/15/21</a:t>
             </a:fld>
             <a:endParaRPr lang="en-US"/>
           </a:p>
@@ -15087,7 +15087,7 @@
             <a:avLst/>
           </a:prstGeom>
           <a:solidFill>
-            <a:srgbClr val="92D050"/>
+            <a:schemeClr val="accent2"/>
           </a:solidFill>
           <a:ln>
             <a:noFill/>
@@ -17528,65 +17528,6 @@
           </a:p>
         </p:txBody>
       </p:sp>
-      <p:sp>
-        <p:nvSpPr>
-          <p:cNvPr id="22" name="Rectangle 21">
-            <a:extLst>
-              <a:ext uri="{FF2B5EF4-FFF2-40B4-BE49-F238E27FC236}">
-                <a16:creationId xmlns:a16="http://schemas.microsoft.com/office/drawing/2014/main" id="{B041507E-625F-8640-A09A-C733074E728D}"/>
-              </a:ext>
-            </a:extLst>
-          </p:cNvPr>
-          <p:cNvSpPr/>
-          <p:nvPr/>
-        </p:nvSpPr>
-        <p:spPr>
-          <a:xfrm>
-            <a:off x="9081855" y="1584433"/>
-            <a:ext cx="1890944" cy="1003177"/>
-          </a:xfrm>
-          <a:prstGeom prst="rect">
-            <a:avLst/>
-          </a:prstGeom>
-          <a:solidFill>
-            <a:srgbClr val="92D050"/>
-          </a:solidFill>
-          <a:ln>
-            <a:noFill/>
-          </a:ln>
-        </p:spPr>
-        <p:style>
-          <a:lnRef idx="2">
-            <a:schemeClr val="dk1">
-              <a:shade val="50000"/>
-            </a:schemeClr>
-          </a:lnRef>
-          <a:fillRef idx="1">
-            <a:schemeClr val="dk1"/>
-          </a:fillRef>
-          <a:effectRef idx="0">
-            <a:schemeClr val="dk1"/>
-          </a:effectRef>
-          <a:fontRef idx="minor">
-            <a:schemeClr val="lt1"/>
-          </a:fontRef>
-        </p:style>
-        <p:txBody>
-          <a:bodyPr rtlCol="0" anchor="ctr"/>
-          <a:lstStyle/>
-          <a:p>
-            <a:pPr algn="ctr"/>
-            <a:r>
-              <a:rPr lang="en-US" dirty="0" err="1"/>
-              <a:t>JSONiq</a:t>
-            </a:r>
-            <a:r>
-              <a:rPr lang="en-US" dirty="0"/>
-              <a:t> Test Suite</a:t>
-            </a:r>
-          </a:p>
-        </p:txBody>
-      </p:sp>
       <p:cxnSp>
         <p:nvCxnSpPr>
           <p:cNvPr id="30" name="Straight Arrow Connector 29">
@@ -17775,6 +17716,207 @@
           <a:xfrm>
             <a:off x="5890332" y="2482808"/>
             <a:ext cx="1" cy="315897"/>
+          </a:xfrm>
+          <a:prstGeom prst="straightConnector1">
+            <a:avLst/>
+          </a:prstGeom>
+          <a:ln w="38100">
+            <a:tailEnd type="triangle"/>
+          </a:ln>
+        </p:spPr>
+        <p:style>
+          <a:lnRef idx="1">
+            <a:schemeClr val="accent1"/>
+          </a:lnRef>
+          <a:fillRef idx="0">
+            <a:schemeClr val="accent1"/>
+          </a:fillRef>
+          <a:effectRef idx="0">
+            <a:schemeClr val="accent1"/>
+          </a:effectRef>
+          <a:fontRef idx="minor">
+            <a:schemeClr val="tx1"/>
+          </a:fontRef>
+        </p:style>
+      </p:cxnSp>
+      <p:sp>
+        <p:nvSpPr>
+          <p:cNvPr id="24" name="Rectangle 23">
+            <a:extLst>
+              <a:ext uri="{FF2B5EF4-FFF2-40B4-BE49-F238E27FC236}">
+                <a16:creationId xmlns:a16="http://schemas.microsoft.com/office/drawing/2014/main" id="{871C3BA0-55D3-1B45-A5D2-A0C402015BCC}"/>
+              </a:ext>
+            </a:extLst>
+          </p:cNvPr>
+          <p:cNvSpPr/>
+          <p:nvPr/>
+        </p:nvSpPr>
+        <p:spPr>
+          <a:xfrm>
+            <a:off x="9081855" y="3231522"/>
+            <a:ext cx="1890944" cy="1003177"/>
+          </a:xfrm>
+          <a:prstGeom prst="rect">
+            <a:avLst/>
+          </a:prstGeom>
+          <a:solidFill>
+            <a:schemeClr val="accent2"/>
+          </a:solidFill>
+          <a:ln>
+            <a:noFill/>
+          </a:ln>
+        </p:spPr>
+        <p:style>
+          <a:lnRef idx="2">
+            <a:schemeClr val="dk1">
+              <a:shade val="50000"/>
+            </a:schemeClr>
+          </a:lnRef>
+          <a:fillRef idx="1">
+            <a:schemeClr val="dk1"/>
+          </a:fillRef>
+          <a:effectRef idx="0">
+            <a:schemeClr val="dk1"/>
+          </a:effectRef>
+          <a:fontRef idx="minor">
+            <a:schemeClr val="lt1"/>
+          </a:fontRef>
+        </p:style>
+        <p:txBody>
+          <a:bodyPr rtlCol="0" anchor="ctr"/>
+          <a:lstStyle/>
+          <a:p>
+            <a:pPr algn="ctr"/>
+            <a:r>
+              <a:rPr lang="en-US" dirty="0" err="1"/>
+              <a:t>JSONiq</a:t>
+            </a:r>
+            <a:r>
+              <a:rPr lang="en-US" dirty="0"/>
+              <a:t> Test Suite</a:t>
+            </a:r>
+          </a:p>
+        </p:txBody>
+      </p:sp>
+      <p:sp>
+        <p:nvSpPr>
+          <p:cNvPr id="26" name="Rectangle 25">
+            <a:extLst>
+              <a:ext uri="{FF2B5EF4-FFF2-40B4-BE49-F238E27FC236}">
+                <a16:creationId xmlns:a16="http://schemas.microsoft.com/office/drawing/2014/main" id="{A9BDE407-512C-E24F-8C2E-FC7D164EE328}"/>
+              </a:ext>
+            </a:extLst>
+          </p:cNvPr>
+          <p:cNvSpPr/>
+          <p:nvPr/>
+        </p:nvSpPr>
+        <p:spPr>
+          <a:xfrm>
+            <a:off x="9081855" y="1584433"/>
+            <a:ext cx="1890944" cy="1003177"/>
+          </a:xfrm>
+          <a:prstGeom prst="rect">
+            <a:avLst/>
+          </a:prstGeom>
+          <a:solidFill>
+            <a:srgbClr val="92D050"/>
+          </a:solidFill>
+          <a:ln>
+            <a:noFill/>
+          </a:ln>
+        </p:spPr>
+        <p:style>
+          <a:lnRef idx="2">
+            <a:schemeClr val="dk1">
+              <a:shade val="50000"/>
+            </a:schemeClr>
+          </a:lnRef>
+          <a:fillRef idx="1">
+            <a:schemeClr val="dk1"/>
+          </a:fillRef>
+          <a:effectRef idx="0">
+            <a:schemeClr val="dk1"/>
+          </a:effectRef>
+          <a:fontRef idx="minor">
+            <a:schemeClr val="lt1"/>
+          </a:fontRef>
+        </p:style>
+        <p:txBody>
+          <a:bodyPr rtlCol="0" anchor="ctr"/>
+          <a:lstStyle/>
+          <a:p>
+            <a:pPr algn="ctr"/>
+            <a:r>
+              <a:rPr lang="en-US" dirty="0"/>
+              <a:t>XML Parser</a:t>
+            </a:r>
+          </a:p>
+          <a:p>
+            <a:pPr algn="ctr"/>
+            <a:r>
+              <a:rPr lang="en-US" dirty="0"/>
+              <a:t>Saxon</a:t>
+            </a:r>
+          </a:p>
+        </p:txBody>
+      </p:sp>
+      <p:cxnSp>
+        <p:nvCxnSpPr>
+          <p:cNvPr id="27" name="Straight Arrow Connector 26">
+            <a:extLst>
+              <a:ext uri="{FF2B5EF4-FFF2-40B4-BE49-F238E27FC236}">
+                <a16:creationId xmlns:a16="http://schemas.microsoft.com/office/drawing/2014/main" id="{51868C99-B653-F242-B6A5-D18B2BB64195}"/>
+              </a:ext>
+            </a:extLst>
+          </p:cNvPr>
+          <p:cNvCxnSpPr/>
+          <p:nvPr/>
+        </p:nvCxnSpPr>
+        <p:spPr>
+          <a:xfrm>
+            <a:off x="9620982" y="2590850"/>
+            <a:ext cx="0" cy="631794"/>
+          </a:xfrm>
+          <a:prstGeom prst="straightConnector1">
+            <a:avLst/>
+          </a:prstGeom>
+          <a:ln w="38100">
+            <a:tailEnd type="triangle"/>
+          </a:ln>
+        </p:spPr>
+        <p:style>
+          <a:lnRef idx="1">
+            <a:schemeClr val="accent1"/>
+          </a:lnRef>
+          <a:fillRef idx="0">
+            <a:schemeClr val="accent1"/>
+          </a:fillRef>
+          <a:effectRef idx="0">
+            <a:schemeClr val="accent1"/>
+          </a:effectRef>
+          <a:fontRef idx="minor">
+            <a:schemeClr val="tx1"/>
+          </a:fontRef>
+        </p:style>
+      </p:cxnSp>
+      <p:cxnSp>
+        <p:nvCxnSpPr>
+          <p:cNvPr id="28" name="Straight Arrow Connector 27">
+            <a:extLst>
+              <a:ext uri="{FF2B5EF4-FFF2-40B4-BE49-F238E27FC236}">
+                <a16:creationId xmlns:a16="http://schemas.microsoft.com/office/drawing/2014/main" id="{387485BC-79CE-DB4A-82D0-839D41D1611B}"/>
+              </a:ext>
+            </a:extLst>
+          </p:cNvPr>
+          <p:cNvCxnSpPr>
+            <a:cxnSpLocks/>
+          </p:cNvCxnSpPr>
+          <p:nvPr/>
+        </p:nvCxnSpPr>
+        <p:spPr>
+          <a:xfrm flipV="1">
+            <a:off x="10394818" y="2573095"/>
+            <a:ext cx="0" cy="649549"/>
           </a:xfrm>
           <a:prstGeom prst="straightConnector1">
             <a:avLst/>

--- a/thesis/Architecture Diagram v2.0.pptx
+++ b/thesis/Architecture Diagram v2.0.pptx
@@ -284,7 +284,7 @@
           <a:p>
             <a:fld id="{D55ECC76-8EB5-4363-A59F-0D38F5FF4683}" type="datetimeFigureOut">
               <a:rPr lang="en-US" smtClean="0"/>
-              <a:t>3/15/21</a:t>
+              <a:t>3/18/21</a:t>
             </a:fld>
             <a:endParaRPr lang="en-US"/>
           </a:p>
@@ -482,7 +482,7 @@
           <a:p>
             <a:fld id="{D55ECC76-8EB5-4363-A59F-0D38F5FF4683}" type="datetimeFigureOut">
               <a:rPr lang="en-US" smtClean="0"/>
-              <a:t>3/15/21</a:t>
+              <a:t>3/18/21</a:t>
             </a:fld>
             <a:endParaRPr lang="en-US"/>
           </a:p>
@@ -690,7 +690,7 @@
           <a:p>
             <a:fld id="{D55ECC76-8EB5-4363-A59F-0D38F5FF4683}" type="datetimeFigureOut">
               <a:rPr lang="en-US" smtClean="0"/>
-              <a:t>3/15/21</a:t>
+              <a:t>3/18/21</a:t>
             </a:fld>
             <a:endParaRPr lang="en-US"/>
           </a:p>
@@ -888,7 +888,7 @@
           <a:p>
             <a:fld id="{D55ECC76-8EB5-4363-A59F-0D38F5FF4683}" type="datetimeFigureOut">
               <a:rPr lang="en-US" smtClean="0"/>
-              <a:t>3/15/21</a:t>
+              <a:t>3/18/21</a:t>
             </a:fld>
             <a:endParaRPr lang="en-US"/>
           </a:p>
@@ -1163,7 +1163,7 @@
           <a:p>
             <a:fld id="{D55ECC76-8EB5-4363-A59F-0D38F5FF4683}" type="datetimeFigureOut">
               <a:rPr lang="en-US" smtClean="0"/>
-              <a:t>3/15/21</a:t>
+              <a:t>3/18/21</a:t>
             </a:fld>
             <a:endParaRPr lang="en-US"/>
           </a:p>
@@ -1428,7 +1428,7 @@
           <a:p>
             <a:fld id="{D55ECC76-8EB5-4363-A59F-0D38F5FF4683}" type="datetimeFigureOut">
               <a:rPr lang="en-US" smtClean="0"/>
-              <a:t>3/15/21</a:t>
+              <a:t>3/18/21</a:t>
             </a:fld>
             <a:endParaRPr lang="en-US"/>
           </a:p>
@@ -1840,7 +1840,7 @@
           <a:p>
             <a:fld id="{D55ECC76-8EB5-4363-A59F-0D38F5FF4683}" type="datetimeFigureOut">
               <a:rPr lang="en-US" smtClean="0"/>
-              <a:t>3/15/21</a:t>
+              <a:t>3/18/21</a:t>
             </a:fld>
             <a:endParaRPr lang="en-US"/>
           </a:p>
@@ -1981,7 +1981,7 @@
           <a:p>
             <a:fld id="{D55ECC76-8EB5-4363-A59F-0D38F5FF4683}" type="datetimeFigureOut">
               <a:rPr lang="en-US" smtClean="0"/>
-              <a:t>3/15/21</a:t>
+              <a:t>3/18/21</a:t>
             </a:fld>
             <a:endParaRPr lang="en-US"/>
           </a:p>
@@ -2094,7 +2094,7 @@
           <a:p>
             <a:fld id="{D55ECC76-8EB5-4363-A59F-0D38F5FF4683}" type="datetimeFigureOut">
               <a:rPr lang="en-US" smtClean="0"/>
-              <a:t>3/15/21</a:t>
+              <a:t>3/18/21</a:t>
             </a:fld>
             <a:endParaRPr lang="en-US"/>
           </a:p>
@@ -2405,7 +2405,7 @@
           <a:p>
             <a:fld id="{D55ECC76-8EB5-4363-A59F-0D38F5FF4683}" type="datetimeFigureOut">
               <a:rPr lang="en-US" smtClean="0"/>
-              <a:t>3/15/21</a:t>
+              <a:t>3/18/21</a:t>
             </a:fld>
             <a:endParaRPr lang="en-US"/>
           </a:p>
@@ -2693,7 +2693,7 @@
           <a:p>
             <a:fld id="{D55ECC76-8EB5-4363-A59F-0D38F5FF4683}" type="datetimeFigureOut">
               <a:rPr lang="en-US" smtClean="0"/>
-              <a:t>3/15/21</a:t>
+              <a:t>3/18/21</a:t>
             </a:fld>
             <a:endParaRPr lang="en-US"/>
           </a:p>
@@ -2934,7 +2934,7 @@
           <a:p>
             <a:fld id="{D55ECC76-8EB5-4363-A59F-0D38F5FF4683}" type="datetimeFigureOut">
               <a:rPr lang="en-US" smtClean="0"/>
-              <a:t>3/15/21</a:t>
+              <a:t>3/18/21</a:t>
             </a:fld>
             <a:endParaRPr lang="en-US"/>
           </a:p>
@@ -3462,20 +3462,12 @@
           <a:p>
             <a:pPr algn="ctr"/>
             <a:r>
-              <a:rPr lang="en-US" dirty="0" err="1">
-                <a:solidFill>
-                  <a:schemeClr val="tx1"/>
-                </a:solidFill>
-              </a:rPr>
-              <a:t>JSONiq</a:t>
-            </a:r>
-            <a:r>
               <a:rPr lang="en-US" dirty="0">
                 <a:solidFill>
                   <a:schemeClr val="tx1"/>
                 </a:solidFill>
               </a:rPr>
-              <a:t> Query</a:t>
+              <a:t>JSONiq Query</a:t>
             </a:r>
           </a:p>
         </p:txBody>
@@ -9131,7 +9123,7 @@
           <a:lstStyle/>
           <a:p>
             <a:r>
-              <a:rPr lang="en-US"/>
+              <a:rPr lang="en-US" dirty="0"/>
               <a:t>HERE SHOULD BE PLUGIN ARCHITECTURE</a:t>
             </a:r>
           </a:p>
@@ -9158,7 +9150,7 @@
           <a:bodyPr/>
           <a:lstStyle/>
           <a:p>
-            <a:endParaRPr lang="en-US"/>
+            <a:endParaRPr lang="en-US" dirty="0"/>
           </a:p>
         </p:txBody>
       </p:sp>
@@ -9244,15 +9236,7 @@
             </a:r>
             <a:r>
               <a:rPr lang="en-US" sz="1200" dirty="0"/>
-              <a:t> into integer within the test-case. Or other differences between XQuery and </a:t>
-            </a:r>
-            <a:r>
-              <a:rPr lang="en-US" sz="1200" dirty="0" err="1"/>
-              <a:t>JSONiq</a:t>
-            </a:r>
-            <a:r>
-              <a:rPr lang="en-US" sz="1200" dirty="0"/>
-              <a:t> and also log the conversion that was performed</a:t>
+              <a:t> into integer within the test-case. Or other differences between XQuery and JSONiq and also log the conversion that was performed</a:t>
             </a:r>
           </a:p>
         </p:txBody>
@@ -9305,7 +9289,7 @@
           <a:p>
             <a:pPr algn="ctr"/>
             <a:r>
-              <a:rPr lang="en-US" dirty="0">
+              <a:rPr lang="en-US">
                 <a:solidFill>
                   <a:schemeClr val="tx1"/>
                 </a:solidFill>
@@ -9358,7 +9342,7 @@
           <a:p>
             <a:pPr algn="ctr"/>
             <a:r>
-              <a:rPr lang="en-US" dirty="0"/>
+              <a:rPr lang="en-US"/>
               <a:t>RUMBLE</a:t>
             </a:r>
           </a:p>
@@ -9407,7 +9391,7 @@
           <a:p>
             <a:pPr algn="ctr"/>
             <a:r>
-              <a:rPr lang="en-US" dirty="0"/>
+              <a:rPr lang="en-US"/>
               <a:t>SPARK</a:t>
             </a:r>
           </a:p>
@@ -9528,15 +9512,15 @@
           <a:lstStyle/>
           <a:p>
             <a:r>
-              <a:rPr lang="en-US" sz="1200" dirty="0"/>
+              <a:rPr lang="en-US" sz="1200"/>
               <a:t>Rumble we view as a </a:t>
             </a:r>
             <a:r>
-              <a:rPr lang="en-US" sz="1200" dirty="0" err="1"/>
+              <a:rPr lang="en-US" sz="1200" err="1"/>
               <a:t>blackbox</a:t>
             </a:r>
             <a:r>
-              <a:rPr lang="en-US" sz="1200" dirty="0"/>
+              <a:rPr lang="en-US" sz="1200"/>
               <a:t>. It is not in our interest what it does with Spark. We just need to get the query results from it!</a:t>
             </a:r>
           </a:p>
@@ -9577,7 +9561,7 @@
           <a:lstStyle/>
           <a:p>
             <a:r>
-              <a:rPr lang="en-US" sz="1200" dirty="0"/>
+              <a:rPr lang="en-US" sz="1200"/>
               <a:t>XML Parser. We can use some of already existing API's for XML parsing and processing. JAXP is one of them but I am not sure whether 1.6v is good for XQuery 3.1. Proposition is to use Saxon classes for this. Basically any external library</a:t>
             </a:r>
           </a:p>
@@ -9629,7 +9613,7 @@
           <a:p>
             <a:pPr algn="ctr"/>
             <a:r>
-              <a:rPr lang="en-US" dirty="0"/>
+              <a:rPr lang="en-US"/>
               <a:t>QT3 Test Suite</a:t>
             </a:r>
           </a:p>
@@ -9676,7 +9660,7 @@
           <a:p>
             <a:pPr algn="ctr"/>
             <a:r>
-              <a:rPr lang="en-US" dirty="0"/>
+              <a:rPr lang="en-US"/>
               <a:t>Test Driver</a:t>
             </a:r>
           </a:p>
@@ -9723,7 +9707,7 @@
           <a:p>
             <a:pPr algn="ctr"/>
             <a:r>
-              <a:rPr lang="en-US" dirty="0"/>
+              <a:rPr lang="en-US"/>
               <a:t>Test Report</a:t>
             </a:r>
           </a:p>
@@ -9817,7 +9801,7 @@
           <a:p>
             <a:pPr algn="ctr"/>
             <a:r>
-              <a:rPr lang="en-US" dirty="0"/>
+              <a:rPr lang="en-US"/>
               <a:t>XML Parser</a:t>
             </a:r>
           </a:p>
@@ -9870,7 +9854,7 @@
           <a:p>
             <a:pPr algn="ctr"/>
             <a:r>
-              <a:rPr lang="en-US" dirty="0"/>
+              <a:rPr lang="en-US"/>
               <a:t>Convertor</a:t>
             </a:r>
           </a:p>
@@ -10071,7 +10055,7 @@
           <a:lstStyle/>
           <a:p>
             <a:r>
-              <a:rPr lang="en-US" dirty="0"/>
+              <a:rPr lang="en-US"/>
               <a:t>Rumble API</a:t>
             </a:r>
           </a:p>
@@ -10112,7 +10096,7 @@
           <a:lstStyle/>
           <a:p>
             <a:r>
-              <a:rPr lang="en-US" sz="1200" dirty="0"/>
+              <a:rPr lang="en-US" sz="1200"/>
               <a:t>QT3 Test Suite should be analyzed and decided how to handle different versions of XQuery, XPath and XSLT test-cases </a:t>
             </a:r>
           </a:p>
@@ -10153,7 +10137,7 @@
           <a:lstStyle/>
           <a:p>
             <a:r>
-              <a:rPr lang="en-US" sz="1200" dirty="0"/>
+              <a:rPr lang="en-US" sz="1200"/>
               <a:t>Part 2: Test Report class is supposed to replace the Test Report Handling Logic. Now it should show statistics of passed/failed tests. This will now aggregate the data display a webpage</a:t>
             </a:r>
           </a:p>
@@ -10206,7 +10190,7 @@
           <a:p>
             <a:pPr algn="ctr"/>
             <a:r>
-              <a:rPr lang="en-US" dirty="0"/>
+              <a:rPr lang="en-US"/>
               <a:t>Test Case Handling Logic</a:t>
             </a:r>
           </a:p>
@@ -10318,25 +10302,25 @@
           <a:lstStyle/>
           <a:p>
             <a:r>
-              <a:rPr lang="en-US" sz="1200" dirty="0"/>
+              <a:rPr lang="en-US" sz="1200"/>
               <a:t>Part 3: Consider further refactoring of the code with possible usage of good Software Engineering practices and patterns. </a:t>
             </a:r>
           </a:p>
           <a:p>
-            <a:endParaRPr lang="en-US" sz="1200" dirty="0"/>
-          </a:p>
-          <a:p>
-            <a:r>
-              <a:rPr lang="en-US" sz="1200" dirty="0"/>
+            <a:endParaRPr lang="en-US" sz="1200"/>
+          </a:p>
+          <a:p>
+            <a:r>
+              <a:rPr lang="en-US" sz="1200"/>
               <a:t>Maybe extend convertor so that it is capable of in advance detecting the tests that cannot be run on Rumble based on previous Test Reports</a:t>
             </a:r>
           </a:p>
           <a:p>
-            <a:endParaRPr lang="en-US" sz="1200" dirty="0"/>
-          </a:p>
-          <a:p>
-            <a:r>
-              <a:rPr lang="en-US" sz="1200" dirty="0"/>
+            <a:endParaRPr lang="en-US" sz="1200"/>
+          </a:p>
+          <a:p>
+            <a:r>
+              <a:rPr lang="en-US" sz="1200"/>
               <a:t>Possible hidden issues: Test is run, it succeeds but produces different output not because of bug in Rumble but because of some other syntax issue</a:t>
             </a:r>
           </a:p>
@@ -10390,7 +10374,7 @@
           <a:p>
             <a:pPr algn="ctr"/>
             <a:r>
-              <a:rPr lang="en-US" dirty="0">
+              <a:rPr lang="en-US">
                 <a:solidFill>
                   <a:schemeClr val="tx1"/>
                 </a:solidFill>
@@ -10443,7 +10427,7 @@
           <a:p>
             <a:pPr algn="ctr"/>
             <a:r>
-              <a:rPr lang="en-US" dirty="0"/>
+              <a:rPr lang="en-US"/>
               <a:t>RUMBLE</a:t>
             </a:r>
           </a:p>
@@ -10492,7 +10476,7 @@
           <a:p>
             <a:pPr algn="ctr"/>
             <a:r>
-              <a:rPr lang="en-US" dirty="0"/>
+              <a:rPr lang="en-US"/>
               <a:t>SPARK</a:t>
             </a:r>
           </a:p>
@@ -10613,15 +10597,15 @@
           <a:lstStyle/>
           <a:p>
             <a:r>
-              <a:rPr lang="en-US" sz="1200" dirty="0"/>
+              <a:rPr lang="en-US" sz="1200"/>
               <a:t>Rumble we view as a </a:t>
             </a:r>
             <a:r>
-              <a:rPr lang="en-US" sz="1200" dirty="0" err="1"/>
+              <a:rPr lang="en-US" sz="1200" err="1"/>
               <a:t>blackbox</a:t>
             </a:r>
             <a:r>
-              <a:rPr lang="en-US" sz="1200" dirty="0"/>
+              <a:rPr lang="en-US" sz="1200"/>
               <a:t>. It is not in our interest what it does with Spark. We just need to get the query results from it!</a:t>
             </a:r>
           </a:p>
@@ -10662,7 +10646,7 @@
           <a:lstStyle/>
           <a:p>
             <a:r>
-              <a:rPr lang="en-US" sz="1200" dirty="0"/>
+              <a:rPr lang="en-US" sz="1200"/>
               <a:t>XML Parser. We can use some of already existing API's for XML parsing and processing. JAXP is one of them but I am not sure whether 1.6v is good for XQuery 3.1. Proposition is to use Saxon classes for this. Basically any external library</a:t>
             </a:r>
           </a:p>
@@ -10714,7 +10698,7 @@
           <a:p>
             <a:pPr algn="ctr"/>
             <a:r>
-              <a:rPr lang="en-US" dirty="0"/>
+              <a:rPr lang="en-US"/>
               <a:t>QT3 Test Suite</a:t>
             </a:r>
           </a:p>
@@ -10761,7 +10745,7 @@
           <a:p>
             <a:pPr algn="ctr"/>
             <a:r>
-              <a:rPr lang="en-US" dirty="0"/>
+              <a:rPr lang="en-US"/>
               <a:t>Test Driver</a:t>
             </a:r>
           </a:p>
@@ -10808,7 +10792,7 @@
           <a:p>
             <a:pPr algn="ctr"/>
             <a:r>
-              <a:rPr lang="en-US" dirty="0"/>
+              <a:rPr lang="en-US"/>
               <a:t>Test Report</a:t>
             </a:r>
           </a:p>
@@ -10902,7 +10886,7 @@
           <a:p>
             <a:pPr algn="ctr"/>
             <a:r>
-              <a:rPr lang="en-US" dirty="0"/>
+              <a:rPr lang="en-US"/>
               <a:t>XML Parser</a:t>
             </a:r>
           </a:p>
@@ -10955,7 +10939,7 @@
           <a:p>
             <a:pPr algn="ctr"/>
             <a:r>
-              <a:rPr lang="en-US" dirty="0"/>
+              <a:rPr lang="en-US"/>
               <a:t>Convertor</a:t>
             </a:r>
           </a:p>
@@ -11156,7 +11140,7 @@
           <a:lstStyle/>
           <a:p>
             <a:r>
-              <a:rPr lang="en-US" dirty="0"/>
+              <a:rPr lang="en-US"/>
               <a:t>Rumble API</a:t>
             </a:r>
           </a:p>
@@ -11197,7 +11181,7 @@
           <a:lstStyle/>
           <a:p>
             <a:r>
-              <a:rPr lang="en-US" sz="1200" dirty="0"/>
+              <a:rPr lang="en-US" sz="1200"/>
               <a:t>QT3 Test Suite should be analyzed and decided how to handle different versions of XQuery, XPath and XSLT test-cases </a:t>
             </a:r>
           </a:p>
@@ -11238,12 +11222,12 @@
           <a:lstStyle/>
           <a:p>
             <a:r>
-              <a:rPr lang="en-US" sz="1200" dirty="0"/>
+              <a:rPr lang="en-US" sz="1200"/>
               <a:t>Part 3: Consider maybe automatically opening and closing issues on git based on the statistics of the Test Report class. Maybe MVC pattern can be used here</a:t>
             </a:r>
           </a:p>
           <a:p>
-            <a:endParaRPr lang="en-US" sz="1200" dirty="0"/>
+            <a:endParaRPr lang="en-US" sz="1200"/>
           </a:p>
         </p:txBody>
       </p:sp>
@@ -11294,7 +11278,7 @@
           <a:p>
             <a:pPr algn="ctr"/>
             <a:r>
-              <a:rPr lang="en-US" dirty="0"/>
+              <a:rPr lang="en-US"/>
               <a:t>Test Case Handling Logic</a:t>
             </a:r>
           </a:p>
@@ -11482,20 +11466,12 @@
           <a:p>
             <a:pPr algn="ctr"/>
             <a:r>
-              <a:rPr lang="en-US" dirty="0" err="1">
-                <a:solidFill>
-                  <a:schemeClr val="tx1"/>
-                </a:solidFill>
-              </a:rPr>
-              <a:t>JSONiq</a:t>
-            </a:r>
-            <a:r>
               <a:rPr lang="en-US" dirty="0">
                 <a:solidFill>
                   <a:schemeClr val="tx1"/>
                 </a:solidFill>
               </a:rPr>
-              <a:t> Query</a:t>
+              <a:t>JSONiq Query</a:t>
             </a:r>
           </a:p>
         </p:txBody>
@@ -11883,12 +11859,8 @@
           <a:lstStyle/>
           <a:p>
             <a:r>
-              <a:rPr lang="en-US" dirty="0" err="1"/>
-              <a:t>Lexer</a:t>
-            </a:r>
-            <a:r>
               <a:rPr lang="en-US" dirty="0"/>
-              <a:t> &amp;Parser</a:t>
+              <a:t>Lexer &amp;Parser</a:t>
             </a:r>
           </a:p>
         </p:txBody>
@@ -12110,20 +12082,12 @@
           <a:p>
             <a:pPr algn="ctr"/>
             <a:r>
-              <a:rPr lang="en-US" dirty="0" err="1">
-                <a:solidFill>
-                  <a:schemeClr val="tx1"/>
-                </a:solidFill>
-              </a:rPr>
-              <a:t>JSONiq</a:t>
-            </a:r>
-            <a:r>
               <a:rPr lang="en-US" dirty="0">
                 <a:solidFill>
                   <a:schemeClr val="tx1"/>
                 </a:solidFill>
               </a:rPr>
-              <a:t> Query</a:t>
+              <a:t>JSONiq Query</a:t>
             </a:r>
           </a:p>
         </p:txBody>
@@ -12257,12 +12221,8 @@
           <a:lstStyle/>
           <a:p>
             <a:r>
-              <a:rPr lang="en-US" dirty="0" err="1"/>
-              <a:t>JSONiq</a:t>
-            </a:r>
-            <a:r>
               <a:rPr lang="en-US" dirty="0"/>
-              <a:t> Translator</a:t>
+              <a:t>JSONiq Translator</a:t>
             </a:r>
           </a:p>
         </p:txBody>
@@ -12352,19 +12312,14 @@
           <a:p>
             <a:pPr algn="ctr"/>
             <a:r>
-              <a:rPr lang="en-US" dirty="0" err="1"/>
+              <a:rPr lang="en-US" dirty="0"/>
               <a:t>JSONiq</a:t>
             </a:r>
-            <a:endParaRPr lang="en-US" dirty="0"/>
-          </a:p>
-          <a:p>
-            <a:r>
-              <a:rPr lang="en-US" dirty="0" err="1"/>
-              <a:t>Lexer</a:t>
-            </a:r>
+          </a:p>
+          <a:p>
             <a:r>
               <a:rPr lang="en-US" dirty="0"/>
-              <a:t> &amp;Parser</a:t>
+              <a:t>Lexer &amp;Parser</a:t>
             </a:r>
           </a:p>
         </p:txBody>
@@ -12595,12 +12550,8 @@
           </a:p>
           <a:p>
             <a:r>
-              <a:rPr lang="en-US" dirty="0" err="1"/>
-              <a:t>Lexer</a:t>
-            </a:r>
-            <a:r>
               <a:rPr lang="en-US" dirty="0"/>
-              <a:t> &amp;Parser</a:t>
+              <a:t>Lexer &amp;Parser</a:t>
             </a:r>
           </a:p>
         </p:txBody>
@@ -12878,13 +12829,8 @@
           <a:p>
             <a:r>
               <a:rPr lang="en-US" dirty="0"/>
-              <a:t>Serialize to </a:t>
-            </a:r>
-            <a:r>
-              <a:rPr lang="en-US" dirty="0" err="1"/>
-              <a:t>JSONiq</a:t>
-            </a:r>
-            <a:endParaRPr lang="en-US" dirty="0"/>
+              <a:t>Serialize to JSONiq</a:t>
+            </a:r>
           </a:p>
         </p:txBody>
       </p:sp>
@@ -15115,12 +15061,8 @@
           <a:p>
             <a:pPr algn="ctr"/>
             <a:r>
-              <a:rPr lang="en-US" dirty="0" err="1"/>
-              <a:t>JSONiq</a:t>
-            </a:r>
-            <a:r>
               <a:rPr lang="en-US" dirty="0"/>
-              <a:t> Test Suite</a:t>
+              <a:t>JSONiq Test Suite</a:t>
             </a:r>
           </a:p>
         </p:txBody>
@@ -16929,12 +16871,8 @@
           <a:p>
             <a:pPr algn="ctr"/>
             <a:r>
-              <a:rPr lang="en-US" dirty="0" err="1"/>
-              <a:t>JSONiq</a:t>
-            </a:r>
-            <a:r>
               <a:rPr lang="en-US" dirty="0"/>
-              <a:t> Test Suite</a:t>
+              <a:t>JSONiq Test Suite</a:t>
             </a:r>
           </a:p>
         </p:txBody>
@@ -17788,12 +17726,8 @@
           <a:p>
             <a:pPr algn="ctr"/>
             <a:r>
-              <a:rPr lang="en-US" dirty="0" err="1"/>
-              <a:t>JSONiq</a:t>
-            </a:r>
-            <a:r>
               <a:rPr lang="en-US" dirty="0"/>
-              <a:t> Test Suite</a:t>
+              <a:t>JSONiq Test Suite</a:t>
             </a:r>
           </a:p>
         </p:txBody>
